--- a/presentations/7-18-20.pptx
+++ b/presentations/7-18-20.pptx
@@ -4,16 +4,22 @@
   <p:sldMasterIdLst>
     <p:sldMasterId id="2147483648" r:id="rId1"/>
   </p:sldMasterIdLst>
+  <p:notesMasterIdLst>
+    <p:notesMasterId r:id="rId14"/>
+  </p:notesMasterIdLst>
   <p:sldIdLst>
     <p:sldId id="256" r:id="rId2"/>
     <p:sldId id="259" r:id="rId3"/>
-    <p:sldId id="257" r:id="rId4"/>
-    <p:sldId id="258" r:id="rId5"/>
-    <p:sldId id="260" r:id="rId6"/>
-    <p:sldId id="261" r:id="rId7"/>
-    <p:sldId id="262" r:id="rId8"/>
-    <p:sldId id="263" r:id="rId9"/>
-    <p:sldId id="264" r:id="rId10"/>
+    <p:sldId id="271" r:id="rId4"/>
+    <p:sldId id="257" r:id="rId5"/>
+    <p:sldId id="258" r:id="rId6"/>
+    <p:sldId id="266" r:id="rId7"/>
+    <p:sldId id="261" r:id="rId8"/>
+    <p:sldId id="262" r:id="rId9"/>
+    <p:sldId id="269" r:id="rId10"/>
+    <p:sldId id="270" r:id="rId11"/>
+    <p:sldId id="268" r:id="rId12"/>
+    <p:sldId id="264" r:id="rId13"/>
   </p:sldIdLst>
   <p:sldSz cx="12192000" cy="6858000"/>
   <p:notesSz cx="6858000" cy="9144000"/>
@@ -112,13 +118,18 @@
       </a:defRPr>
     </a:lvl9pPr>
   </p:defaultTextStyle>
+  <p:extLst>
+    <p:ext uri="{EFAFB233-063F-42B5-8137-9DF3F51BA10A}">
+      <p15:sldGuideLst xmlns:p15="http://schemas.microsoft.com/office/powerpoint/2012/main"/>
+    </p:ext>
+  </p:extLst>
 </p:presentation>
 </file>
 
 <file path=ppt/revisionInfo.xml><?xml version="1.0" encoding="utf-8"?>
 <p1510:revInfo xmlns:a="http://schemas.openxmlformats.org/drawingml/2006/main" xmlns:r="http://schemas.openxmlformats.org/officeDocument/2006/relationships" xmlns:p1510="http://schemas.microsoft.com/office/powerpoint/2015/10/main">
   <p1510:revLst>
-    <p1510:client id="{615F8C4F-5DDB-C146-AD2D-80AE6169014A}" v="9" dt="2020-07-17T10:59:56.998"/>
+    <p1510:client id="{615F8C4F-5DDB-C146-AD2D-80AE6169014A}" v="97" dt="2020-07-24T16:22:14.177"/>
   </p1510:revLst>
 </p1510:revInfo>
 </file>
@@ -127,19 +138,526 @@
 <pc:chgInfo xmlns:a="http://schemas.openxmlformats.org/drawingml/2006/main" xmlns:r="http://schemas.openxmlformats.org/officeDocument/2006/relationships" xmlns:ac="http://schemas.microsoft.com/office/drawing/2013/main/command" xmlns:pc="http://schemas.microsoft.com/office/powerpoint/2013/main/command">
   <pc:docChgLst>
     <pc:chgData name="Akash Levy" userId="0f662538-7453-45f3-952a-fc9f1a7c515e" providerId="ADAL" clId="{615F8C4F-5DDB-C146-AD2D-80AE6169014A}"/>
-    <pc:docChg chg="custSel mod addSld modSld">
-      <pc:chgData name="Akash Levy" userId="0f662538-7453-45f3-952a-fc9f1a7c515e" providerId="ADAL" clId="{615F8C4F-5DDB-C146-AD2D-80AE6169014A}" dt="2020-07-17T11:08:34.193" v="232" actId="20577"/>
+    <pc:docChg chg="undo redo custSel mod addSld delSld modSld sldOrd">
+      <pc:chgData name="Akash Levy" userId="0f662538-7453-45f3-952a-fc9f1a7c515e" providerId="ADAL" clId="{615F8C4F-5DDB-C146-AD2D-80AE6169014A}" dt="2020-07-24T16:22:26.625" v="2787" actId="2696"/>
       <pc:docMkLst>
         <pc:docMk/>
       </pc:docMkLst>
+      <pc:sldChg chg="addSp delSp modSp mod setBg setClrOvrMap">
+        <pc:chgData name="Akash Levy" userId="0f662538-7453-45f3-952a-fc9f1a7c515e" providerId="ADAL" clId="{615F8C4F-5DDB-C146-AD2D-80AE6169014A}" dt="2020-07-19T05:16:34.021" v="381" actId="26606"/>
+        <pc:sldMkLst>
+          <pc:docMk/>
+          <pc:sldMk cId="1398802319" sldId="256"/>
+        </pc:sldMkLst>
+        <pc:spChg chg="mod">
+          <ac:chgData name="Akash Levy" userId="0f662538-7453-45f3-952a-fc9f1a7c515e" providerId="ADAL" clId="{615F8C4F-5DDB-C146-AD2D-80AE6169014A}" dt="2020-07-19T05:16:34.021" v="381" actId="26606"/>
+          <ac:spMkLst>
+            <pc:docMk/>
+            <pc:sldMk cId="1398802319" sldId="256"/>
+            <ac:spMk id="2" creationId="{1585039B-539B-FD42-B122-4269D212EB53}"/>
+          </ac:spMkLst>
+        </pc:spChg>
+        <pc:spChg chg="mod">
+          <ac:chgData name="Akash Levy" userId="0f662538-7453-45f3-952a-fc9f1a7c515e" providerId="ADAL" clId="{615F8C4F-5DDB-C146-AD2D-80AE6169014A}" dt="2020-07-19T05:16:34.021" v="381" actId="26606"/>
+          <ac:spMkLst>
+            <pc:docMk/>
+            <pc:sldMk cId="1398802319" sldId="256"/>
+            <ac:spMk id="3" creationId="{43EEEB8F-5A26-C943-BD42-09A1C136D1A8}"/>
+          </ac:spMkLst>
+        </pc:spChg>
+        <pc:spChg chg="add del">
+          <ac:chgData name="Akash Levy" userId="0f662538-7453-45f3-952a-fc9f1a7c515e" providerId="ADAL" clId="{615F8C4F-5DDB-C146-AD2D-80AE6169014A}" dt="2020-07-19T05:16:34.021" v="381" actId="26606"/>
+          <ac:spMkLst>
+            <pc:docMk/>
+            <pc:sldMk cId="1398802319" sldId="256"/>
+            <ac:spMk id="8" creationId="{2A8AA5BC-4F7A-4226-8F99-6D824B226A97}"/>
+          </ac:spMkLst>
+        </pc:spChg>
+        <pc:spChg chg="add del">
+          <ac:chgData name="Akash Levy" userId="0f662538-7453-45f3-952a-fc9f1a7c515e" providerId="ADAL" clId="{615F8C4F-5DDB-C146-AD2D-80AE6169014A}" dt="2020-07-19T05:16:34.021" v="381" actId="26606"/>
+          <ac:spMkLst>
+            <pc:docMk/>
+            <pc:sldMk cId="1398802319" sldId="256"/>
+            <ac:spMk id="10" creationId="{3E5445C6-DD42-4979-86FF-03730E8C6DB0}"/>
+          </ac:spMkLst>
+        </pc:spChg>
+        <pc:spChg chg="add del">
+          <ac:chgData name="Akash Levy" userId="0f662538-7453-45f3-952a-fc9f1a7c515e" providerId="ADAL" clId="{615F8C4F-5DDB-C146-AD2D-80AE6169014A}" dt="2020-07-19T05:16:34.021" v="381" actId="26606"/>
+          <ac:spMkLst>
+            <pc:docMk/>
+            <pc:sldMk cId="1398802319" sldId="256"/>
+            <ac:spMk id="17" creationId="{30B7813D-B76D-400E-BFDE-AA4BA0BFAD54}"/>
+          </ac:spMkLst>
+        </pc:spChg>
+        <pc:cxnChg chg="add del">
+          <ac:chgData name="Akash Levy" userId="0f662538-7453-45f3-952a-fc9f1a7c515e" providerId="ADAL" clId="{615F8C4F-5DDB-C146-AD2D-80AE6169014A}" dt="2020-07-19T05:16:34.021" v="381" actId="26606"/>
+          <ac:cxnSpMkLst>
+            <pc:docMk/>
+            <pc:sldMk cId="1398802319" sldId="256"/>
+            <ac:cxnSpMk id="12" creationId="{45000665-DFC7-417E-8FD7-516A0F15C975}"/>
+          </ac:cxnSpMkLst>
+        </pc:cxnChg>
+      </pc:sldChg>
+      <pc:sldChg chg="addSp delSp modSp mod">
+        <pc:chgData name="Akash Levy" userId="0f662538-7453-45f3-952a-fc9f1a7c515e" providerId="ADAL" clId="{615F8C4F-5DDB-C146-AD2D-80AE6169014A}" dt="2020-07-24T09:00:43.415" v="1920" actId="26606"/>
+        <pc:sldMkLst>
+          <pc:docMk/>
+          <pc:sldMk cId="757065846" sldId="257"/>
+        </pc:sldMkLst>
+        <pc:spChg chg="mod ord">
+          <ac:chgData name="Akash Levy" userId="0f662538-7453-45f3-952a-fc9f1a7c515e" providerId="ADAL" clId="{615F8C4F-5DDB-C146-AD2D-80AE6169014A}" dt="2020-07-21T02:13:00.556" v="1787" actId="20577"/>
+          <ac:spMkLst>
+            <pc:docMk/>
+            <pc:sldMk cId="757065846" sldId="257"/>
+            <ac:spMk id="2" creationId="{FAEACA96-64F6-BC4F-9132-A1706242999D}"/>
+          </ac:spMkLst>
+        </pc:spChg>
+        <pc:spChg chg="del">
+          <ac:chgData name="Akash Levy" userId="0f662538-7453-45f3-952a-fc9f1a7c515e" providerId="ADAL" clId="{615F8C4F-5DDB-C146-AD2D-80AE6169014A}" dt="2020-07-19T05:14:07.360" v="355" actId="26606"/>
+          <ac:spMkLst>
+            <pc:docMk/>
+            <pc:sldMk cId="757065846" sldId="257"/>
+            <ac:spMk id="22" creationId="{047C8CCB-F95D-4249-92DD-651249D3535A}"/>
+          </ac:spMkLst>
+        </pc:spChg>
+        <pc:spChg chg="del">
+          <ac:chgData name="Akash Levy" userId="0f662538-7453-45f3-952a-fc9f1a7c515e" providerId="ADAL" clId="{615F8C4F-5DDB-C146-AD2D-80AE6169014A}" dt="2020-07-19T05:14:07.360" v="355" actId="26606"/>
+          <ac:spMkLst>
+            <pc:docMk/>
+            <pc:sldMk cId="757065846" sldId="257"/>
+            <ac:spMk id="23" creationId="{6753252F-4873-4F63-801D-CC719279A7D5}"/>
+          </ac:spMkLst>
+        </pc:spChg>
+        <pc:spChg chg="add del">
+          <ac:chgData name="Akash Levy" userId="0f662538-7453-45f3-952a-fc9f1a7c515e" providerId="ADAL" clId="{615F8C4F-5DDB-C146-AD2D-80AE6169014A}" dt="2020-07-19T05:14:08.966" v="356" actId="478"/>
+          <ac:spMkLst>
+            <pc:docMk/>
+            <pc:sldMk cId="757065846" sldId="257"/>
+            <ac:spMk id="27" creationId="{23AD2CC4-E96F-4E7F-BC25-8FA39A917F48}"/>
+          </ac:spMkLst>
+        </pc:spChg>
+        <pc:spChg chg="add del">
+          <ac:chgData name="Akash Levy" userId="0f662538-7453-45f3-952a-fc9f1a7c515e" providerId="ADAL" clId="{615F8C4F-5DDB-C146-AD2D-80AE6169014A}" dt="2020-07-19T05:14:17.143" v="357" actId="26606"/>
+          <ac:spMkLst>
+            <pc:docMk/>
+            <pc:sldMk cId="757065846" sldId="257"/>
+            <ac:spMk id="30" creationId="{F5493CFF-E43B-4B10-ACE1-C8A1246629EA}"/>
+          </ac:spMkLst>
+        </pc:spChg>
+        <pc:spChg chg="add del">
+          <ac:chgData name="Akash Levy" userId="0f662538-7453-45f3-952a-fc9f1a7c515e" providerId="ADAL" clId="{615F8C4F-5DDB-C146-AD2D-80AE6169014A}" dt="2020-07-19T05:16:48.644" v="389" actId="26606"/>
+          <ac:spMkLst>
+            <pc:docMk/>
+            <pc:sldMk cId="757065846" sldId="257"/>
+            <ac:spMk id="35" creationId="{6753252F-4873-4F63-801D-CC719279A7D5}"/>
+          </ac:spMkLst>
+        </pc:spChg>
+        <pc:spChg chg="add del">
+          <ac:chgData name="Akash Levy" userId="0f662538-7453-45f3-952a-fc9f1a7c515e" providerId="ADAL" clId="{615F8C4F-5DDB-C146-AD2D-80AE6169014A}" dt="2020-07-19T05:16:48.644" v="389" actId="26606"/>
+          <ac:spMkLst>
+            <pc:docMk/>
+            <pc:sldMk cId="757065846" sldId="257"/>
+            <ac:spMk id="37" creationId="{047C8CCB-F95D-4249-92DD-651249D3535A}"/>
+          </ac:spMkLst>
+        </pc:spChg>
+        <pc:spChg chg="add del">
+          <ac:chgData name="Akash Levy" userId="0f662538-7453-45f3-952a-fc9f1a7c515e" providerId="ADAL" clId="{615F8C4F-5DDB-C146-AD2D-80AE6169014A}" dt="2020-07-19T05:56:01.350" v="454" actId="26606"/>
+          <ac:spMkLst>
+            <pc:docMk/>
+            <pc:sldMk cId="757065846" sldId="257"/>
+            <ac:spMk id="42" creationId="{1707FC24-6981-43D9-B525-C7832BA22463}"/>
+          </ac:spMkLst>
+        </pc:spChg>
+        <pc:spChg chg="add del">
+          <ac:chgData name="Akash Levy" userId="0f662538-7453-45f3-952a-fc9f1a7c515e" providerId="ADAL" clId="{615F8C4F-5DDB-C146-AD2D-80AE6169014A}" dt="2020-07-21T02:12:55.080" v="1786" actId="26606"/>
+          <ac:spMkLst>
+            <pc:docMk/>
+            <pc:sldMk cId="757065846" sldId="257"/>
+            <ac:spMk id="44" creationId="{823AC064-BC96-4F32-8AE1-B2FD38754823}"/>
+          </ac:spMkLst>
+        </pc:spChg>
+        <pc:spChg chg="add del">
+          <ac:chgData name="Akash Levy" userId="0f662538-7453-45f3-952a-fc9f1a7c515e" providerId="ADAL" clId="{615F8C4F-5DDB-C146-AD2D-80AE6169014A}" dt="2020-07-19T05:16:33.105" v="380" actId="26606"/>
+          <ac:spMkLst>
+            <pc:docMk/>
+            <pc:sldMk cId="757065846" sldId="257"/>
+            <ac:spMk id="47" creationId="{156189E5-8A3E-4CFD-B71B-CCD0F8495E56}"/>
+          </ac:spMkLst>
+        </pc:spChg>
+        <pc:spChg chg="add del">
+          <ac:chgData name="Akash Levy" userId="0f662538-7453-45f3-952a-fc9f1a7c515e" providerId="ADAL" clId="{615F8C4F-5DDB-C146-AD2D-80AE6169014A}" dt="2020-07-19T05:16:33.105" v="380" actId="26606"/>
+          <ac:spMkLst>
+            <pc:docMk/>
+            <pc:sldMk cId="757065846" sldId="257"/>
+            <ac:spMk id="49" creationId="{BE95D989-81FA-4BAD-9AD5-E46CEDA91B36}"/>
+          </ac:spMkLst>
+        </pc:spChg>
+        <pc:spChg chg="add del">
+          <ac:chgData name="Akash Levy" userId="0f662538-7453-45f3-952a-fc9f1a7c515e" providerId="ADAL" clId="{615F8C4F-5DDB-C146-AD2D-80AE6169014A}" dt="2020-07-21T02:13:18.262" v="1788" actId="26606"/>
+          <ac:spMkLst>
+            <pc:docMk/>
+            <pc:sldMk cId="757065846" sldId="257"/>
+            <ac:spMk id="50" creationId="{6753252F-4873-4F63-801D-CC719279A7D5}"/>
+          </ac:spMkLst>
+        </pc:spChg>
+        <pc:spChg chg="add del">
+          <ac:chgData name="Akash Levy" userId="0f662538-7453-45f3-952a-fc9f1a7c515e" providerId="ADAL" clId="{615F8C4F-5DDB-C146-AD2D-80AE6169014A}" dt="2020-07-21T02:13:18.262" v="1788" actId="26606"/>
+          <ac:spMkLst>
+            <pc:docMk/>
+            <pc:sldMk cId="757065846" sldId="257"/>
+            <ac:spMk id="52" creationId="{047C8CCB-F95D-4249-92DD-651249D3535A}"/>
+          </ac:spMkLst>
+        </pc:spChg>
+        <pc:spChg chg="add del">
+          <ac:chgData name="Akash Levy" userId="0f662538-7453-45f3-952a-fc9f1a7c515e" providerId="ADAL" clId="{615F8C4F-5DDB-C146-AD2D-80AE6169014A}" dt="2020-07-19T05:16:03.447" v="375" actId="26606"/>
+          <ac:spMkLst>
+            <pc:docMk/>
+            <pc:sldMk cId="757065846" sldId="257"/>
+            <ac:spMk id="54" creationId="{7CA0DAA6-33B8-4A25-810D-2F4D816FB40E}"/>
+          </ac:spMkLst>
+        </pc:spChg>
+        <pc:spChg chg="add del">
+          <ac:chgData name="Akash Levy" userId="0f662538-7453-45f3-952a-fc9f1a7c515e" providerId="ADAL" clId="{615F8C4F-5DDB-C146-AD2D-80AE6169014A}" dt="2020-07-24T09:00:43.415" v="1920" actId="26606"/>
+          <ac:spMkLst>
+            <pc:docMk/>
+            <pc:sldMk cId="757065846" sldId="257"/>
+            <ac:spMk id="55" creationId="{6753252F-4873-4F63-801D-CC719279A7D5}"/>
+          </ac:spMkLst>
+        </pc:spChg>
+        <pc:spChg chg="add del">
+          <ac:chgData name="Akash Levy" userId="0f662538-7453-45f3-952a-fc9f1a7c515e" providerId="ADAL" clId="{615F8C4F-5DDB-C146-AD2D-80AE6169014A}" dt="2020-07-19T05:16:05.144" v="377" actId="26606"/>
+          <ac:spMkLst>
+            <pc:docMk/>
+            <pc:sldMk cId="757065846" sldId="257"/>
+            <ac:spMk id="56" creationId="{BE95D989-81FA-4BAD-9AD5-E46CEDA91B36}"/>
+          </ac:spMkLst>
+        </pc:spChg>
+        <pc:spChg chg="add del">
+          <ac:chgData name="Akash Levy" userId="0f662538-7453-45f3-952a-fc9f1a7c515e" providerId="ADAL" clId="{615F8C4F-5DDB-C146-AD2D-80AE6169014A}" dt="2020-07-19T05:16:05.144" v="377" actId="26606"/>
+          <ac:spMkLst>
+            <pc:docMk/>
+            <pc:sldMk cId="757065846" sldId="257"/>
+            <ac:spMk id="57" creationId="{156189E5-8A3E-4CFD-B71B-CCD0F8495E56}"/>
+          </ac:spMkLst>
+        </pc:spChg>
+        <pc:spChg chg="add del">
+          <ac:chgData name="Akash Levy" userId="0f662538-7453-45f3-952a-fc9f1a7c515e" providerId="ADAL" clId="{615F8C4F-5DDB-C146-AD2D-80AE6169014A}" dt="2020-07-24T09:00:43.415" v="1920" actId="26606"/>
+          <ac:spMkLst>
+            <pc:docMk/>
+            <pc:sldMk cId="757065846" sldId="257"/>
+            <ac:spMk id="58" creationId="{047C8CCB-F95D-4249-92DD-651249D3535A}"/>
+          </ac:spMkLst>
+        </pc:spChg>
+        <pc:spChg chg="add del">
+          <ac:chgData name="Akash Levy" userId="0f662538-7453-45f3-952a-fc9f1a7c515e" providerId="ADAL" clId="{615F8C4F-5DDB-C146-AD2D-80AE6169014A}" dt="2020-07-19T05:16:32.153" v="379" actId="26606"/>
+          <ac:spMkLst>
+            <pc:docMk/>
+            <pc:sldMk cId="757065846" sldId="257"/>
+            <ac:spMk id="59" creationId="{1707FC24-6981-43D9-B525-C7832BA22463}"/>
+          </ac:spMkLst>
+        </pc:spChg>
+        <pc:spChg chg="add">
+          <ac:chgData name="Akash Levy" userId="0f662538-7453-45f3-952a-fc9f1a7c515e" providerId="ADAL" clId="{615F8C4F-5DDB-C146-AD2D-80AE6169014A}" dt="2020-07-24T09:00:43.415" v="1920" actId="26606"/>
+          <ac:spMkLst>
+            <pc:docMk/>
+            <pc:sldMk cId="757065846" sldId="257"/>
+            <ac:spMk id="63" creationId="{6753252F-4873-4F63-801D-CC719279A7D5}"/>
+          </ac:spMkLst>
+        </pc:spChg>
+        <pc:spChg chg="add">
+          <ac:chgData name="Akash Levy" userId="0f662538-7453-45f3-952a-fc9f1a7c515e" providerId="ADAL" clId="{615F8C4F-5DDB-C146-AD2D-80AE6169014A}" dt="2020-07-24T09:00:43.415" v="1920" actId="26606"/>
+          <ac:spMkLst>
+            <pc:docMk/>
+            <pc:sldMk cId="757065846" sldId="257"/>
+            <ac:spMk id="65" creationId="{047C8CCB-F95D-4249-92DD-651249D3535A}"/>
+          </ac:spMkLst>
+        </pc:spChg>
+        <pc:picChg chg="mod ord">
+          <ac:chgData name="Akash Levy" userId="0f662538-7453-45f3-952a-fc9f1a7c515e" providerId="ADAL" clId="{615F8C4F-5DDB-C146-AD2D-80AE6169014A}" dt="2020-07-24T09:00:43.415" v="1920" actId="26606"/>
+          <ac:picMkLst>
+            <pc:docMk/>
+            <pc:sldMk cId="757065846" sldId="257"/>
+            <ac:picMk id="8" creationId="{A7CE2980-4608-2945-9765-31E8C4E975D8}"/>
+          </ac:picMkLst>
+        </pc:picChg>
+        <pc:cxnChg chg="add del">
+          <ac:chgData name="Akash Levy" userId="0f662538-7453-45f3-952a-fc9f1a7c515e" providerId="ADAL" clId="{615F8C4F-5DDB-C146-AD2D-80AE6169014A}" dt="2020-07-21T02:12:55.080" v="1786" actId="26606"/>
+          <ac:cxnSpMkLst>
+            <pc:docMk/>
+            <pc:sldMk cId="757065846" sldId="257"/>
+            <ac:cxnSpMk id="45" creationId="{7E7C77BC-7138-40B1-A15B-20F57A494629}"/>
+          </ac:cxnSpMkLst>
+        </pc:cxnChg>
+      </pc:sldChg>
+      <pc:sldChg chg="addSp delSp modSp mod setBg modNotesTx">
+        <pc:chgData name="Akash Levy" userId="0f662538-7453-45f3-952a-fc9f1a7c515e" providerId="ADAL" clId="{615F8C4F-5DDB-C146-AD2D-80AE6169014A}" dt="2020-07-24T16:18:32.165" v="2723" actId="27636"/>
+        <pc:sldMkLst>
+          <pc:docMk/>
+          <pc:sldMk cId="641444577" sldId="258"/>
+        </pc:sldMkLst>
+        <pc:spChg chg="mod ord">
+          <ac:chgData name="Akash Levy" userId="0f662538-7453-45f3-952a-fc9f1a7c515e" providerId="ADAL" clId="{615F8C4F-5DDB-C146-AD2D-80AE6169014A}" dt="2020-07-24T16:18:32.165" v="2723" actId="27636"/>
+          <ac:spMkLst>
+            <pc:docMk/>
+            <pc:sldMk cId="641444577" sldId="258"/>
+            <ac:spMk id="2" creationId="{B28CA756-91BE-654F-9680-DAC4D6232177}"/>
+          </ac:spMkLst>
+        </pc:spChg>
+        <pc:spChg chg="add del mod">
+          <ac:chgData name="Akash Levy" userId="0f662538-7453-45f3-952a-fc9f1a7c515e" providerId="ADAL" clId="{615F8C4F-5DDB-C146-AD2D-80AE6169014A}" dt="2020-07-19T05:11:57.129" v="345" actId="931"/>
+          <ac:spMkLst>
+            <pc:docMk/>
+            <pc:sldMk cId="641444577" sldId="258"/>
+            <ac:spMk id="4" creationId="{D7FA15A0-68F0-AD46-8F39-04ADF9303BB6}"/>
+          </ac:spMkLst>
+        </pc:spChg>
+        <pc:spChg chg="del">
+          <ac:chgData name="Akash Levy" userId="0f662538-7453-45f3-952a-fc9f1a7c515e" providerId="ADAL" clId="{615F8C4F-5DDB-C146-AD2D-80AE6169014A}" dt="2020-07-19T05:10:54.551" v="344" actId="478"/>
+          <ac:spMkLst>
+            <pc:docMk/>
+            <pc:sldMk cId="641444577" sldId="258"/>
+            <ac:spMk id="5" creationId="{5D16BBD2-73F0-6647-91C2-BA3D568946B8}"/>
+          </ac:spMkLst>
+        </pc:spChg>
+        <pc:spChg chg="add del mod">
+          <ac:chgData name="Akash Levy" userId="0f662538-7453-45f3-952a-fc9f1a7c515e" providerId="ADAL" clId="{615F8C4F-5DDB-C146-AD2D-80AE6169014A}" dt="2020-07-19T05:12:27.766" v="347" actId="931"/>
+          <ac:spMkLst>
+            <pc:docMk/>
+            <pc:sldMk cId="641444577" sldId="258"/>
+            <ac:spMk id="10" creationId="{2C4E81B1-204D-8044-8A4E-AD90ED3F7DFB}"/>
+          </ac:spMkLst>
+        </pc:spChg>
+        <pc:spChg chg="add del">
+          <ac:chgData name="Akash Levy" userId="0f662538-7453-45f3-952a-fc9f1a7c515e" providerId="ADAL" clId="{615F8C4F-5DDB-C146-AD2D-80AE6169014A}" dt="2020-07-19T05:13:13.517" v="349" actId="478"/>
+          <ac:spMkLst>
+            <pc:docMk/>
+            <pc:sldMk cId="641444577" sldId="258"/>
+            <ac:spMk id="16" creationId="{366007E4-FE0B-4F70-967F-115F66D3A586}"/>
+          </ac:spMkLst>
+        </pc:spChg>
+        <pc:spChg chg="add del">
+          <ac:chgData name="Akash Levy" userId="0f662538-7453-45f3-952a-fc9f1a7c515e" providerId="ADAL" clId="{615F8C4F-5DDB-C146-AD2D-80AE6169014A}" dt="2020-07-19T05:13:15.634" v="350" actId="26606"/>
+          <ac:spMkLst>
+            <pc:docMk/>
+            <pc:sldMk cId="641444577" sldId="258"/>
+            <ac:spMk id="19" creationId="{42A5316D-ED2F-4F89-B4B4-8D9240B1A348}"/>
+          </ac:spMkLst>
+        </pc:spChg>
+        <pc:spChg chg="add del">
+          <ac:chgData name="Akash Levy" userId="0f662538-7453-45f3-952a-fc9f1a7c515e" providerId="ADAL" clId="{615F8C4F-5DDB-C146-AD2D-80AE6169014A}" dt="2020-07-19T05:13:18.098" v="351" actId="478"/>
+          <ac:spMkLst>
+            <pc:docMk/>
+            <pc:sldMk cId="641444577" sldId="258"/>
+            <ac:spMk id="23" creationId="{E3CB8C62-C35D-4546-8F5F-2A26EE7DBE0E}"/>
+          </ac:spMkLst>
+        </pc:spChg>
+        <pc:spChg chg="add del">
+          <ac:chgData name="Akash Levy" userId="0f662538-7453-45f3-952a-fc9f1a7c515e" providerId="ADAL" clId="{615F8C4F-5DDB-C146-AD2D-80AE6169014A}" dt="2020-07-19T05:13:40.543" v="353" actId="26606"/>
+          <ac:spMkLst>
+            <pc:docMk/>
+            <pc:sldMk cId="641444577" sldId="258"/>
+            <ac:spMk id="26" creationId="{42A5316D-ED2F-4F89-B4B4-8D9240B1A348}"/>
+          </ac:spMkLst>
+        </pc:spChg>
+        <pc:spChg chg="add del">
+          <ac:chgData name="Akash Levy" userId="0f662538-7453-45f3-952a-fc9f1a7c515e" providerId="ADAL" clId="{615F8C4F-5DDB-C146-AD2D-80AE6169014A}" dt="2020-07-19T05:13:48.331" v="354" actId="26606"/>
+          <ac:spMkLst>
+            <pc:docMk/>
+            <pc:sldMk cId="641444577" sldId="258"/>
+            <ac:spMk id="31" creationId="{E30408B7-02B2-4EC4-8EE8-B53E74642A86}"/>
+          </ac:spMkLst>
+        </pc:spChg>
+        <pc:spChg chg="add del">
+          <ac:chgData name="Akash Levy" userId="0f662538-7453-45f3-952a-fc9f1a7c515e" providerId="ADAL" clId="{615F8C4F-5DDB-C146-AD2D-80AE6169014A}" dt="2020-07-19T05:13:48.331" v="354" actId="26606"/>
+          <ac:spMkLst>
+            <pc:docMk/>
+            <pc:sldMk cId="641444577" sldId="258"/>
+            <ac:spMk id="33" creationId="{FC117A00-E1E3-4C50-9444-14FB2BC778DD}"/>
+          </ac:spMkLst>
+        </pc:spChg>
+        <pc:spChg chg="add del">
+          <ac:chgData name="Akash Levy" userId="0f662538-7453-45f3-952a-fc9f1a7c515e" providerId="ADAL" clId="{615F8C4F-5DDB-C146-AD2D-80AE6169014A}" dt="2020-07-19T05:17:09.768" v="392" actId="26606"/>
+          <ac:spMkLst>
+            <pc:docMk/>
+            <pc:sldMk cId="641444577" sldId="258"/>
+            <ac:spMk id="42" creationId="{D6B40EE1-545B-44B1-AC7B-86667387D81A}"/>
+          </ac:spMkLst>
+        </pc:spChg>
+        <pc:spChg chg="add del">
+          <ac:chgData name="Akash Levy" userId="0f662538-7453-45f3-952a-fc9f1a7c515e" providerId="ADAL" clId="{615F8C4F-5DDB-C146-AD2D-80AE6169014A}" dt="2020-07-19T05:17:09.755" v="391" actId="26606"/>
+          <ac:spMkLst>
+            <pc:docMk/>
+            <pc:sldMk cId="641444577" sldId="258"/>
+            <ac:spMk id="47" creationId="{823AC064-BC96-4F32-8AE1-B2FD38754823}"/>
+          </ac:spMkLst>
+        </pc:spChg>
+        <pc:spChg chg="add">
+          <ac:chgData name="Akash Levy" userId="0f662538-7453-45f3-952a-fc9f1a7c515e" providerId="ADAL" clId="{615F8C4F-5DDB-C146-AD2D-80AE6169014A}" dt="2020-07-19T05:17:09.768" v="392" actId="26606"/>
+          <ac:spMkLst>
+            <pc:docMk/>
+            <pc:sldMk cId="641444577" sldId="258"/>
+            <ac:spMk id="54" creationId="{823AC064-BC96-4F32-8AE1-B2FD38754823}"/>
+          </ac:spMkLst>
+        </pc:spChg>
+        <pc:grpChg chg="add del">
+          <ac:chgData name="Akash Levy" userId="0f662538-7453-45f3-952a-fc9f1a7c515e" providerId="ADAL" clId="{615F8C4F-5DDB-C146-AD2D-80AE6169014A}" dt="2020-07-19T05:13:48.331" v="354" actId="26606"/>
+          <ac:grpSpMkLst>
+            <pc:docMk/>
+            <pc:sldMk cId="641444577" sldId="258"/>
+            <ac:grpSpMk id="35" creationId="{3CA30F3A-949D-4014-A5BD-809F81E84132}"/>
+          </ac:grpSpMkLst>
+        </pc:grpChg>
+        <pc:picChg chg="mod ord">
+          <ac:chgData name="Akash Levy" userId="0f662538-7453-45f3-952a-fc9f1a7c515e" providerId="ADAL" clId="{615F8C4F-5DDB-C146-AD2D-80AE6169014A}" dt="2020-07-19T05:55:53.909" v="453" actId="14826"/>
+          <ac:picMkLst>
+            <pc:docMk/>
+            <pc:sldMk cId="641444577" sldId="258"/>
+            <ac:picMk id="7" creationId="{DDDC7C8B-EFAE-5343-840E-F989946D5688}"/>
+          </ac:picMkLst>
+        </pc:picChg>
+        <pc:picChg chg="add del mod">
+          <ac:chgData name="Akash Levy" userId="0f662538-7453-45f3-952a-fc9f1a7c515e" providerId="ADAL" clId="{615F8C4F-5DDB-C146-AD2D-80AE6169014A}" dt="2020-07-19T05:12:22.202" v="346" actId="478"/>
+          <ac:picMkLst>
+            <pc:docMk/>
+            <pc:sldMk cId="641444577" sldId="258"/>
+            <ac:picMk id="8" creationId="{D4C7585D-BD25-F941-8A81-0269DC06C5CB}"/>
+          </ac:picMkLst>
+        </pc:picChg>
+        <pc:picChg chg="add mod ord">
+          <ac:chgData name="Akash Levy" userId="0f662538-7453-45f3-952a-fc9f1a7c515e" providerId="ADAL" clId="{615F8C4F-5DDB-C146-AD2D-80AE6169014A}" dt="2020-07-19T22:10:00.356" v="457" actId="14826"/>
+          <ac:picMkLst>
+            <pc:docMk/>
+            <pc:sldMk cId="641444577" sldId="258"/>
+            <ac:picMk id="12" creationId="{46A8BB66-3B13-E240-9288-FC164CF3DBC8}"/>
+          </ac:picMkLst>
+        </pc:picChg>
+        <pc:cxnChg chg="add del">
+          <ac:chgData name="Akash Levy" userId="0f662538-7453-45f3-952a-fc9f1a7c515e" providerId="ADAL" clId="{615F8C4F-5DDB-C146-AD2D-80AE6169014A}" dt="2020-07-19T05:17:09.755" v="391" actId="26606"/>
+          <ac:cxnSpMkLst>
+            <pc:docMk/>
+            <pc:sldMk cId="641444577" sldId="258"/>
+            <ac:cxnSpMk id="49" creationId="{7E7C77BC-7138-40B1-A15B-20F57A494629}"/>
+          </ac:cxnSpMkLst>
+        </pc:cxnChg>
+        <pc:cxnChg chg="add del">
+          <ac:chgData name="Akash Levy" userId="0f662538-7453-45f3-952a-fc9f1a7c515e" providerId="ADAL" clId="{615F8C4F-5DDB-C146-AD2D-80AE6169014A}" dt="2020-07-19T05:17:09.755" v="391" actId="26606"/>
+          <ac:cxnSpMkLst>
+            <pc:docMk/>
+            <pc:sldMk cId="641444577" sldId="258"/>
+            <ac:cxnSpMk id="51" creationId="{DB146403-F3D6-484B-B2ED-97F9565D0370}"/>
+          </ac:cxnSpMkLst>
+        </pc:cxnChg>
+        <pc:cxnChg chg="add">
+          <ac:chgData name="Akash Levy" userId="0f662538-7453-45f3-952a-fc9f1a7c515e" providerId="ADAL" clId="{615F8C4F-5DDB-C146-AD2D-80AE6169014A}" dt="2020-07-19T05:17:09.768" v="392" actId="26606"/>
+          <ac:cxnSpMkLst>
+            <pc:docMk/>
+            <pc:sldMk cId="641444577" sldId="258"/>
+            <ac:cxnSpMk id="53" creationId="{DB146403-F3D6-484B-B2ED-97F9565D0370}"/>
+          </ac:cxnSpMkLst>
+        </pc:cxnChg>
+        <pc:cxnChg chg="add">
+          <ac:chgData name="Akash Levy" userId="0f662538-7453-45f3-952a-fc9f1a7c515e" providerId="ADAL" clId="{615F8C4F-5DDB-C146-AD2D-80AE6169014A}" dt="2020-07-19T05:17:09.768" v="392" actId="26606"/>
+          <ac:cxnSpMkLst>
+            <pc:docMk/>
+            <pc:sldMk cId="641444577" sldId="258"/>
+            <ac:cxnSpMk id="55" creationId="{7E7C77BC-7138-40B1-A15B-20F57A494629}"/>
+          </ac:cxnSpMkLst>
+        </pc:cxnChg>
+      </pc:sldChg>
+      <pc:sldChg chg="addSp delSp modSp mod">
+        <pc:chgData name="Akash Levy" userId="0f662538-7453-45f3-952a-fc9f1a7c515e" providerId="ADAL" clId="{615F8C4F-5DDB-C146-AD2D-80AE6169014A}" dt="2020-07-19T05:16:35.401" v="382" actId="26606"/>
+        <pc:sldMkLst>
+          <pc:docMk/>
+          <pc:sldMk cId="1602498761" sldId="259"/>
+        </pc:sldMkLst>
+        <pc:spChg chg="mod">
+          <ac:chgData name="Akash Levy" userId="0f662538-7453-45f3-952a-fc9f1a7c515e" providerId="ADAL" clId="{615F8C4F-5DDB-C146-AD2D-80AE6169014A}" dt="2020-07-19T05:16:35.401" v="382" actId="26606"/>
+          <ac:spMkLst>
+            <pc:docMk/>
+            <pc:sldMk cId="1602498761" sldId="259"/>
+            <ac:spMk id="2" creationId="{C07DC1F8-41BF-D747-BC7C-FC4B4D03B923}"/>
+          </ac:spMkLst>
+        </pc:spChg>
+        <pc:spChg chg="add del">
+          <ac:chgData name="Akash Levy" userId="0f662538-7453-45f3-952a-fc9f1a7c515e" providerId="ADAL" clId="{615F8C4F-5DDB-C146-AD2D-80AE6169014A}" dt="2020-07-19T05:16:35.401" v="382" actId="26606"/>
+          <ac:spMkLst>
+            <pc:docMk/>
+            <pc:sldMk cId="1602498761" sldId="259"/>
+            <ac:spMk id="85" creationId="{46C2E80F-49A6-4372-B103-219D417A55ED}"/>
+          </ac:spMkLst>
+        </pc:spChg>
+        <pc:spChg chg="add del">
+          <ac:chgData name="Akash Levy" userId="0f662538-7453-45f3-952a-fc9f1a7c515e" providerId="ADAL" clId="{615F8C4F-5DDB-C146-AD2D-80AE6169014A}" dt="2020-07-19T05:16:35.401" v="382" actId="26606"/>
+          <ac:spMkLst>
+            <pc:docMk/>
+            <pc:sldMk cId="1602498761" sldId="259"/>
+            <ac:spMk id="90" creationId="{DC8C3900-B8A1-4965-88E6-CBCBFE067207}"/>
+          </ac:spMkLst>
+        </pc:spChg>
+        <pc:graphicFrameChg chg="mod modGraphic">
+          <ac:chgData name="Akash Levy" userId="0f662538-7453-45f3-952a-fc9f1a7c515e" providerId="ADAL" clId="{615F8C4F-5DDB-C146-AD2D-80AE6169014A}" dt="2020-07-19T05:16:35.401" v="382" actId="26606"/>
+          <ac:graphicFrameMkLst>
+            <pc:docMk/>
+            <pc:sldMk cId="1602498761" sldId="259"/>
+            <ac:graphicFrameMk id="5" creationId="{CF6E9831-DD73-45D7-BCCC-34E9013B43CB}"/>
+          </ac:graphicFrameMkLst>
+        </pc:graphicFrameChg>
+      </pc:sldChg>
+      <pc:sldChg chg="addSp delSp modSp del mod setBg setClrOvrMap">
+        <pc:chgData name="Akash Levy" userId="0f662538-7453-45f3-952a-fc9f1a7c515e" providerId="ADAL" clId="{615F8C4F-5DDB-C146-AD2D-80AE6169014A}" dt="2020-07-19T22:31:42.448" v="469" actId="2696"/>
+        <pc:sldMkLst>
+          <pc:docMk/>
+          <pc:sldMk cId="2688645774" sldId="260"/>
+        </pc:sldMkLst>
+        <pc:spChg chg="mod">
+          <ac:chgData name="Akash Levy" userId="0f662538-7453-45f3-952a-fc9f1a7c515e" providerId="ADAL" clId="{615F8C4F-5DDB-C146-AD2D-80AE6169014A}" dt="2020-07-19T10:24:24.102" v="456" actId="26606"/>
+          <ac:spMkLst>
+            <pc:docMk/>
+            <pc:sldMk cId="2688645774" sldId="260"/>
+            <ac:spMk id="2" creationId="{59B8C9EB-0D11-A343-9097-7333FEF5BC88}"/>
+          </ac:spMkLst>
+        </pc:spChg>
+        <pc:spChg chg="mod">
+          <ac:chgData name="Akash Levy" userId="0f662538-7453-45f3-952a-fc9f1a7c515e" providerId="ADAL" clId="{615F8C4F-5DDB-C146-AD2D-80AE6169014A}" dt="2020-07-19T10:24:24.102" v="456" actId="26606"/>
+          <ac:spMkLst>
+            <pc:docMk/>
+            <pc:sldMk cId="2688645774" sldId="260"/>
+            <ac:spMk id="3" creationId="{DB1B70A2-E69C-E548-9192-5F04B46D233B}"/>
+          </ac:spMkLst>
+        </pc:spChg>
+        <pc:spChg chg="mod">
+          <ac:chgData name="Akash Levy" userId="0f662538-7453-45f3-952a-fc9f1a7c515e" providerId="ADAL" clId="{615F8C4F-5DDB-C146-AD2D-80AE6169014A}" dt="2020-07-19T10:24:24.102" v="456" actId="26606"/>
+          <ac:spMkLst>
+            <pc:docMk/>
+            <pc:sldMk cId="2688645774" sldId="260"/>
+            <ac:spMk id="4" creationId="{728249A0-14D9-D740-A0DB-1E04519524B3}"/>
+          </ac:spMkLst>
+        </pc:spChg>
+        <pc:spChg chg="add del">
+          <ac:chgData name="Akash Levy" userId="0f662538-7453-45f3-952a-fc9f1a7c515e" providerId="ADAL" clId="{615F8C4F-5DDB-C146-AD2D-80AE6169014A}" dt="2020-07-19T10:24:24.102" v="456" actId="26606"/>
+          <ac:spMkLst>
+            <pc:docMk/>
+            <pc:sldMk cId="2688645774" sldId="260"/>
+            <ac:spMk id="9" creationId="{2A6B319F-86FE-4754-878E-06F0804D882B}"/>
+          </ac:spMkLst>
+        </pc:spChg>
+        <pc:spChg chg="add del">
+          <ac:chgData name="Akash Levy" userId="0f662538-7453-45f3-952a-fc9f1a7c515e" providerId="ADAL" clId="{615F8C4F-5DDB-C146-AD2D-80AE6169014A}" dt="2020-07-19T10:24:24.102" v="456" actId="26606"/>
+          <ac:spMkLst>
+            <pc:docMk/>
+            <pc:sldMk cId="2688645774" sldId="260"/>
+            <ac:spMk id="11" creationId="{DCF7D1B5-3477-499F-ACC5-2C8B07F4EDB3}"/>
+          </ac:spMkLst>
+        </pc:spChg>
+      </pc:sldChg>
       <pc:sldChg chg="addSp delSp modSp add mod setBg">
-        <pc:chgData name="Akash Levy" userId="0f662538-7453-45f3-952a-fc9f1a7c515e" providerId="ADAL" clId="{615F8C4F-5DDB-C146-AD2D-80AE6169014A}" dt="2020-07-17T10:58:38.968" v="146" actId="14100"/>
+        <pc:chgData name="Akash Levy" userId="0f662538-7453-45f3-952a-fc9f1a7c515e" providerId="ADAL" clId="{615F8C4F-5DDB-C146-AD2D-80AE6169014A}" dt="2020-07-20T03:25:00.284" v="1044" actId="14826"/>
         <pc:sldMkLst>
           <pc:docMk/>
           <pc:sldMk cId="2466518177" sldId="261"/>
         </pc:sldMkLst>
         <pc:spChg chg="mod">
-          <ac:chgData name="Akash Levy" userId="0f662538-7453-45f3-952a-fc9f1a7c515e" providerId="ADAL" clId="{615F8C4F-5DDB-C146-AD2D-80AE6169014A}" dt="2020-07-17T10:57:23.685" v="29" actId="26606"/>
+          <ac:chgData name="Akash Levy" userId="0f662538-7453-45f3-952a-fc9f1a7c515e" providerId="ADAL" clId="{615F8C4F-5DDB-C146-AD2D-80AE6169014A}" dt="2020-07-19T03:05:31.637" v="338" actId="26606"/>
           <ac:spMkLst>
             <pc:docMk/>
             <pc:sldMk cId="2466518177" sldId="261"/>
@@ -162,32 +680,48 @@
             <ac:spMk id="4" creationId="{599E541E-8719-6D43-B1DF-332F5313A5E5}"/>
           </ac:spMkLst>
         </pc:spChg>
-        <pc:spChg chg="add mod">
-          <ac:chgData name="Akash Levy" userId="0f662538-7453-45f3-952a-fc9f1a7c515e" providerId="ADAL" clId="{615F8C4F-5DDB-C146-AD2D-80AE6169014A}" dt="2020-07-17T10:58:38.968" v="146" actId="14100"/>
+        <pc:spChg chg="add del mod">
+          <ac:chgData name="Akash Levy" userId="0f662538-7453-45f3-952a-fc9f1a7c515e" providerId="ADAL" clId="{615F8C4F-5DDB-C146-AD2D-80AE6169014A}" dt="2020-07-19T03:04:37.448" v="302" actId="478"/>
           <ac:spMkLst>
             <pc:docMk/>
             <pc:sldMk cId="2466518177" sldId="261"/>
             <ac:spMk id="7" creationId="{1AF25F6C-2D8F-8342-994B-44F9903A7FED}"/>
           </ac:spMkLst>
         </pc:spChg>
-        <pc:spChg chg="add">
-          <ac:chgData name="Akash Levy" userId="0f662538-7453-45f3-952a-fc9f1a7c515e" providerId="ADAL" clId="{615F8C4F-5DDB-C146-AD2D-80AE6169014A}" dt="2020-07-17T10:57:23.685" v="29" actId="26606"/>
+        <pc:spChg chg="add del">
+          <ac:chgData name="Akash Levy" userId="0f662538-7453-45f3-952a-fc9f1a7c515e" providerId="ADAL" clId="{615F8C4F-5DDB-C146-AD2D-80AE6169014A}" dt="2020-07-19T03:05:31.637" v="338" actId="26606"/>
           <ac:spMkLst>
             <pc:docMk/>
             <pc:sldMk cId="2466518177" sldId="261"/>
             <ac:spMk id="11" creationId="{6753252F-4873-4F63-801D-CC719279A7D5}"/>
           </ac:spMkLst>
         </pc:spChg>
-        <pc:spChg chg="add">
-          <ac:chgData name="Akash Levy" userId="0f662538-7453-45f3-952a-fc9f1a7c515e" providerId="ADAL" clId="{615F8C4F-5DDB-C146-AD2D-80AE6169014A}" dt="2020-07-17T10:57:23.685" v="29" actId="26606"/>
+        <pc:spChg chg="add del">
+          <ac:chgData name="Akash Levy" userId="0f662538-7453-45f3-952a-fc9f1a7c515e" providerId="ADAL" clId="{615F8C4F-5DDB-C146-AD2D-80AE6169014A}" dt="2020-07-19T03:05:31.637" v="338" actId="26606"/>
           <ac:spMkLst>
             <pc:docMk/>
             <pc:sldMk cId="2466518177" sldId="261"/>
             <ac:spMk id="13" creationId="{047C8CCB-F95D-4249-92DD-651249D3535A}"/>
           </ac:spMkLst>
         </pc:spChg>
+        <pc:spChg chg="add">
+          <ac:chgData name="Akash Levy" userId="0f662538-7453-45f3-952a-fc9f1a7c515e" providerId="ADAL" clId="{615F8C4F-5DDB-C146-AD2D-80AE6169014A}" dt="2020-07-19T03:05:31.637" v="338" actId="26606"/>
+          <ac:spMkLst>
+            <pc:docMk/>
+            <pc:sldMk cId="2466518177" sldId="261"/>
+            <ac:spMk id="18" creationId="{6753252F-4873-4F63-801D-CC719279A7D5}"/>
+          </ac:spMkLst>
+        </pc:spChg>
+        <pc:spChg chg="add">
+          <ac:chgData name="Akash Levy" userId="0f662538-7453-45f3-952a-fc9f1a7c515e" providerId="ADAL" clId="{615F8C4F-5DDB-C146-AD2D-80AE6169014A}" dt="2020-07-19T03:05:31.637" v="338" actId="26606"/>
+          <ac:spMkLst>
+            <pc:docMk/>
+            <pc:sldMk cId="2466518177" sldId="261"/>
+            <ac:spMk id="20" creationId="{047C8CCB-F95D-4249-92DD-651249D3535A}"/>
+          </ac:spMkLst>
+        </pc:spChg>
         <pc:picChg chg="add mod">
-          <ac:chgData name="Akash Levy" userId="0f662538-7453-45f3-952a-fc9f1a7c515e" providerId="ADAL" clId="{615F8C4F-5DDB-C146-AD2D-80AE6169014A}" dt="2020-07-17T10:57:23.685" v="29" actId="26606"/>
+          <ac:chgData name="Akash Levy" userId="0f662538-7453-45f3-952a-fc9f1a7c515e" providerId="ADAL" clId="{615F8C4F-5DDB-C146-AD2D-80AE6169014A}" dt="2020-07-20T03:25:00.284" v="1044" actId="14826"/>
           <ac:picMkLst>
             <pc:docMk/>
             <pc:sldMk cId="2466518177" sldId="261"/>
@@ -195,14 +729,14 @@
           </ac:picMkLst>
         </pc:picChg>
       </pc:sldChg>
-      <pc:sldChg chg="addSp delSp modSp add mod modClrScheme chgLayout">
-        <pc:chgData name="Akash Levy" userId="0f662538-7453-45f3-952a-fc9f1a7c515e" providerId="ADAL" clId="{615F8C4F-5DDB-C146-AD2D-80AE6169014A}" dt="2020-07-17T11:08:34.193" v="232" actId="20577"/>
+      <pc:sldChg chg="addSp delSp modSp add mod setBg modClrScheme chgLayout">
+        <pc:chgData name="Akash Levy" userId="0f662538-7453-45f3-952a-fc9f1a7c515e" providerId="ADAL" clId="{615F8C4F-5DDB-C146-AD2D-80AE6169014A}" dt="2020-07-24T16:20:35.328" v="2763" actId="20577"/>
         <pc:sldMkLst>
           <pc:docMk/>
           <pc:sldMk cId="2254662136" sldId="262"/>
         </pc:sldMkLst>
         <pc:spChg chg="mod ord">
-          <ac:chgData name="Akash Levy" userId="0f662538-7453-45f3-952a-fc9f1a7c515e" providerId="ADAL" clId="{615F8C4F-5DDB-C146-AD2D-80AE6169014A}" dt="2020-07-17T11:08:19.049" v="208" actId="700"/>
+          <ac:chgData name="Akash Levy" userId="0f662538-7453-45f3-952a-fc9f1a7c515e" providerId="ADAL" clId="{615F8C4F-5DDB-C146-AD2D-80AE6169014A}" dt="2020-07-24T16:20:35.328" v="2763" actId="20577"/>
           <ac:spMkLst>
             <pc:docMk/>
             <pc:sldMk cId="2254662136" sldId="262"/>
@@ -217,6 +751,14 @@
             <ac:spMk id="3" creationId="{E7AE6544-E53F-1C47-8061-CC38DADB3C8F}"/>
           </ac:spMkLst>
         </pc:spChg>
+        <pc:spChg chg="add del mod">
+          <ac:chgData name="Akash Levy" userId="0f662538-7453-45f3-952a-fc9f1a7c515e" providerId="ADAL" clId="{615F8C4F-5DDB-C146-AD2D-80AE6169014A}" dt="2020-07-20T11:40:36.785" v="1048" actId="931"/>
+          <ac:spMkLst>
+            <pc:docMk/>
+            <pc:sldMk cId="2254662136" sldId="262"/>
+            <ac:spMk id="4" creationId="{3E1EA7BA-5033-9945-BB15-66B3A9E29620}"/>
+          </ac:spMkLst>
+        </pc:spChg>
         <pc:spChg chg="del">
           <ac:chgData name="Akash Levy" userId="0f662538-7453-45f3-952a-fc9f1a7c515e" providerId="ADAL" clId="{615F8C4F-5DDB-C146-AD2D-80AE6169014A}" dt="2020-07-17T10:58:12.450" v="98" actId="700"/>
           <ac:spMkLst>
@@ -233,12 +775,36 @@
             <ac:spMk id="6" creationId="{882AC263-7892-1248-8093-330BD381916B}"/>
           </ac:spMkLst>
         </pc:spChg>
-        <pc:spChg chg="add mod ord">
-          <ac:chgData name="Akash Levy" userId="0f662538-7453-45f3-952a-fc9f1a7c515e" providerId="ADAL" clId="{615F8C4F-5DDB-C146-AD2D-80AE6169014A}" dt="2020-07-17T11:08:34.193" v="232" actId="20577"/>
+        <pc:spChg chg="add del mod ord">
+          <ac:chgData name="Akash Levy" userId="0f662538-7453-45f3-952a-fc9f1a7c515e" providerId="ADAL" clId="{615F8C4F-5DDB-C146-AD2D-80AE6169014A}" dt="2020-07-20T11:39:25.196" v="1047" actId="478"/>
           <ac:spMkLst>
             <pc:docMk/>
             <pc:sldMk cId="2254662136" sldId="262"/>
             <ac:spMk id="8" creationId="{7102343E-2CAF-6744-B0C9-873D00542A5F}"/>
+          </ac:spMkLst>
+        </pc:spChg>
+        <pc:spChg chg="add del mod ord">
+          <ac:chgData name="Akash Levy" userId="0f662538-7453-45f3-952a-fc9f1a7c515e" providerId="ADAL" clId="{615F8C4F-5DDB-C146-AD2D-80AE6169014A}" dt="2020-07-20T14:43:40.393" v="1290" actId="700"/>
+          <ac:spMkLst>
+            <pc:docMk/>
+            <pc:sldMk cId="2254662136" sldId="262"/>
+            <ac:spMk id="9" creationId="{C4B9B611-A684-4043-92B0-63B84EA33A1F}"/>
+          </ac:spMkLst>
+        </pc:spChg>
+        <pc:spChg chg="add">
+          <ac:chgData name="Akash Levy" userId="0f662538-7453-45f3-952a-fc9f1a7c515e" providerId="ADAL" clId="{615F8C4F-5DDB-C146-AD2D-80AE6169014A}" dt="2020-07-20T14:43:46.268" v="1291" actId="26606"/>
+          <ac:spMkLst>
+            <pc:docMk/>
+            <pc:sldMk cId="2254662136" sldId="262"/>
+            <ac:spMk id="11" creationId="{6753252F-4873-4F63-801D-CC719279A7D5}"/>
+          </ac:spMkLst>
+        </pc:spChg>
+        <pc:spChg chg="add">
+          <ac:chgData name="Akash Levy" userId="0f662538-7453-45f3-952a-fc9f1a7c515e" providerId="ADAL" clId="{615F8C4F-5DDB-C146-AD2D-80AE6169014A}" dt="2020-07-20T14:43:46.268" v="1291" actId="26606"/>
+          <ac:spMkLst>
+            <pc:docMk/>
+            <pc:sldMk cId="2254662136" sldId="262"/>
+            <ac:spMk id="13" creationId="{047C8CCB-F95D-4249-92DD-651249D3535A}"/>
           </ac:spMkLst>
         </pc:spChg>
         <pc:graphicFrameChg chg="add del mod">
@@ -249,42 +815,1433 @@
             <ac:graphicFrameMk id="5" creationId="{95FF5859-CF8B-0646-A314-7AC8CB4B2D58}"/>
           </ac:graphicFrameMkLst>
         </pc:graphicFrameChg>
-        <pc:graphicFrameChg chg="add mod ord modGraphic">
-          <ac:chgData name="Akash Levy" userId="0f662538-7453-45f3-952a-fc9f1a7c515e" providerId="ADAL" clId="{615F8C4F-5DDB-C146-AD2D-80AE6169014A}" dt="2020-07-17T11:08:19.049" v="208" actId="700"/>
+        <pc:graphicFrameChg chg="add del mod ord modGraphic">
+          <ac:chgData name="Akash Levy" userId="0f662538-7453-45f3-952a-fc9f1a7c515e" providerId="ADAL" clId="{615F8C4F-5DDB-C146-AD2D-80AE6169014A}" dt="2020-07-20T14:43:35.668" v="1289" actId="21"/>
           <ac:graphicFrameMkLst>
             <pc:docMk/>
             <pc:sldMk cId="2254662136" sldId="262"/>
             <ac:graphicFrameMk id="7" creationId="{6BC21C2D-3E7B-2A48-BF3A-B32F7D062D34}"/>
           </ac:graphicFrameMkLst>
         </pc:graphicFrameChg>
+        <pc:picChg chg="add mod ord">
+          <ac:chgData name="Akash Levy" userId="0f662538-7453-45f3-952a-fc9f1a7c515e" providerId="ADAL" clId="{615F8C4F-5DDB-C146-AD2D-80AE6169014A}" dt="2020-07-21T02:39:46.470" v="1794" actId="14826"/>
+          <ac:picMkLst>
+            <pc:docMk/>
+            <pc:sldMk cId="2254662136" sldId="262"/>
+            <ac:picMk id="6" creationId="{B9A7FAC3-633F-DC4C-A765-A9F602BD6C78}"/>
+          </ac:picMkLst>
+        </pc:picChg>
       </pc:sldChg>
-      <pc:sldChg chg="modSp add mod">
-        <pc:chgData name="Akash Levy" userId="0f662538-7453-45f3-952a-fc9f1a7c515e" providerId="ADAL" clId="{615F8C4F-5DDB-C146-AD2D-80AE6169014A}" dt="2020-07-17T10:59:26.149" v="186" actId="20577"/>
+      <pc:sldChg chg="addSp delSp modSp add del mod ord setBg modClrScheme delDesignElem modShow chgLayout">
+        <pc:chgData name="Akash Levy" userId="0f662538-7453-45f3-952a-fc9f1a7c515e" providerId="ADAL" clId="{615F8C4F-5DDB-C146-AD2D-80AE6169014A}" dt="2020-07-24T16:22:26.625" v="2787" actId="2696"/>
         <pc:sldMkLst>
           <pc:docMk/>
           <pc:sldMk cId="2797879788" sldId="263"/>
         </pc:sldMkLst>
-        <pc:spChg chg="mod">
-          <ac:chgData name="Akash Levy" userId="0f662538-7453-45f3-952a-fc9f1a7c515e" providerId="ADAL" clId="{615F8C4F-5DDB-C146-AD2D-80AE6169014A}" dt="2020-07-17T10:59:26.149" v="186" actId="20577"/>
+        <pc:spChg chg="mod ord">
+          <ac:chgData name="Akash Levy" userId="0f662538-7453-45f3-952a-fc9f1a7c515e" providerId="ADAL" clId="{615F8C4F-5DDB-C146-AD2D-80AE6169014A}" dt="2020-07-24T16:05:24.738" v="2674"/>
           <ac:spMkLst>
             <pc:docMk/>
             <pc:sldMk cId="2797879788" sldId="263"/>
             <ac:spMk id="2" creationId="{7B9E2CFA-2B31-6A4B-B5A2-1B35805CAF24}"/>
           </ac:spMkLst>
         </pc:spChg>
+        <pc:spChg chg="add del mod ord">
+          <ac:chgData name="Akash Levy" userId="0f662538-7453-45f3-952a-fc9f1a7c515e" providerId="ADAL" clId="{615F8C4F-5DDB-C146-AD2D-80AE6169014A}" dt="2020-07-20T14:19:54.883" v="1053" actId="700"/>
+          <ac:spMkLst>
+            <pc:docMk/>
+            <pc:sldMk cId="2797879788" sldId="263"/>
+            <ac:spMk id="3" creationId="{6390FCED-5D18-1A45-B8BB-936DB4460A1F}"/>
+          </ac:spMkLst>
+        </pc:spChg>
+        <pc:spChg chg="add del mod ord">
+          <ac:chgData name="Akash Levy" userId="0f662538-7453-45f3-952a-fc9f1a7c515e" providerId="ADAL" clId="{615F8C4F-5DDB-C146-AD2D-80AE6169014A}" dt="2020-07-20T14:20:05.925" v="1054" actId="931"/>
+          <ac:spMkLst>
+            <pc:docMk/>
+            <pc:sldMk cId="2797879788" sldId="263"/>
+            <ac:spMk id="5" creationId="{3F126CFF-57D0-454A-A102-41EC49BE78CF}"/>
+          </ac:spMkLst>
+        </pc:spChg>
+        <pc:spChg chg="add del mod ord">
+          <ac:chgData name="Akash Levy" userId="0f662538-7453-45f3-952a-fc9f1a7c515e" providerId="ADAL" clId="{615F8C4F-5DDB-C146-AD2D-80AE6169014A}" dt="2020-07-20T14:20:12.327" v="1055" actId="931"/>
+          <ac:spMkLst>
+            <pc:docMk/>
+            <pc:sldMk cId="2797879788" sldId="263"/>
+            <ac:spMk id="6" creationId="{0C3D3D5D-BC2E-3647-BE5C-1DAB9D13344E}"/>
+          </ac:spMkLst>
+        </pc:spChg>
+        <pc:spChg chg="add del">
+          <ac:chgData name="Akash Levy" userId="0f662538-7453-45f3-952a-fc9f1a7c515e" providerId="ADAL" clId="{615F8C4F-5DDB-C146-AD2D-80AE6169014A}" dt="2020-07-20T14:12:31.327" v="1051" actId="26606"/>
+          <ac:spMkLst>
+            <pc:docMk/>
+            <pc:sldMk cId="2797879788" sldId="263"/>
+            <ac:spMk id="8" creationId="{E5A198F9-F053-4318-9F6C-68744D571FAD}"/>
+          </ac:spMkLst>
+        </pc:spChg>
+        <pc:spChg chg="add del">
+          <ac:chgData name="Akash Levy" userId="0f662538-7453-45f3-952a-fc9f1a7c515e" providerId="ADAL" clId="{615F8C4F-5DDB-C146-AD2D-80AE6169014A}" dt="2020-07-20T14:12:31.327" v="1051" actId="26606"/>
+          <ac:spMkLst>
+            <pc:docMk/>
+            <pc:sldMk cId="2797879788" sldId="263"/>
+            <ac:spMk id="11" creationId="{DC6BEC6B-5C77-412D-B45A-5B0F46FEDAC7}"/>
+          </ac:spMkLst>
+        </pc:spChg>
+        <pc:spChg chg="add del mod">
+          <ac:chgData name="Akash Levy" userId="0f662538-7453-45f3-952a-fc9f1a7c515e" providerId="ADAL" clId="{615F8C4F-5DDB-C146-AD2D-80AE6169014A}" dt="2020-07-22T05:15:59.325" v="1844" actId="931"/>
+          <ac:spMkLst>
+            <pc:docMk/>
+            <pc:sldMk cId="2797879788" sldId="263"/>
+            <ac:spMk id="15" creationId="{A93C8672-D92F-9A48-9E13-4578A0246848}"/>
+          </ac:spMkLst>
+        </pc:spChg>
+        <pc:spChg chg="add del">
+          <ac:chgData name="Akash Levy" userId="0f662538-7453-45f3-952a-fc9f1a7c515e" providerId="ADAL" clId="{615F8C4F-5DDB-C146-AD2D-80AE6169014A}" dt="2020-07-20T14:21:41.540" v="1070" actId="26606"/>
+          <ac:spMkLst>
+            <pc:docMk/>
+            <pc:sldMk cId="2797879788" sldId="263"/>
+            <ac:spMk id="17" creationId="{823AC064-BC96-4F32-8AE1-B2FD38754823}"/>
+          </ac:spMkLst>
+        </pc:spChg>
+        <pc:spChg chg="add del mod">
+          <ac:chgData name="Akash Levy" userId="0f662538-7453-45f3-952a-fc9f1a7c515e" providerId="ADAL" clId="{615F8C4F-5DDB-C146-AD2D-80AE6169014A}" dt="2020-07-22T05:16:06.566" v="1846"/>
+          <ac:spMkLst>
+            <pc:docMk/>
+            <pc:sldMk cId="2797879788" sldId="263"/>
+            <ac:spMk id="22" creationId="{6234BF17-B35C-E342-9A01-8D6DF778065F}"/>
+          </ac:spMkLst>
+        </pc:spChg>
+        <pc:spChg chg="add del">
+          <ac:chgData name="Akash Levy" userId="0f662538-7453-45f3-952a-fc9f1a7c515e" providerId="ADAL" clId="{615F8C4F-5DDB-C146-AD2D-80AE6169014A}" dt="2020-07-20T14:21:42.639" v="1072" actId="26606"/>
+          <ac:spMkLst>
+            <pc:docMk/>
+            <pc:sldMk cId="2797879788" sldId="263"/>
+            <ac:spMk id="24" creationId="{823AC064-BC96-4F32-8AE1-B2FD38754823}"/>
+          </ac:spMkLst>
+        </pc:spChg>
+        <pc:spChg chg="add del">
+          <ac:chgData name="Akash Levy" userId="0f662538-7453-45f3-952a-fc9f1a7c515e" providerId="ADAL" clId="{615F8C4F-5DDB-C146-AD2D-80AE6169014A}" dt="2020-07-22T05:18:55.532" v="1880" actId="26606"/>
+          <ac:spMkLst>
+            <pc:docMk/>
+            <pc:sldMk cId="2797879788" sldId="263"/>
+            <ac:spMk id="27" creationId="{823AC064-BC96-4F32-8AE1-B2FD38754823}"/>
+          </ac:spMkLst>
+        </pc:spChg>
+        <pc:spChg chg="add del mod">
+          <ac:chgData name="Akash Levy" userId="0f662538-7453-45f3-952a-fc9f1a7c515e" providerId="ADAL" clId="{615F8C4F-5DDB-C146-AD2D-80AE6169014A}" dt="2020-07-24T16:05:24.738" v="2674"/>
+          <ac:spMkLst>
+            <pc:docMk/>
+            <pc:sldMk cId="2797879788" sldId="263"/>
+            <ac:spMk id="33" creationId="{40509971-DF24-F647-932C-2380C4B9403C}"/>
+          </ac:spMkLst>
+        </pc:spChg>
+        <pc:spChg chg="add del mod">
+          <ac:chgData name="Akash Levy" userId="0f662538-7453-45f3-952a-fc9f1a7c515e" providerId="ADAL" clId="{615F8C4F-5DDB-C146-AD2D-80AE6169014A}" dt="2020-07-24T16:05:24.738" v="2674"/>
+          <ac:spMkLst>
+            <pc:docMk/>
+            <pc:sldMk cId="2797879788" sldId="263"/>
+            <ac:spMk id="34" creationId="{39EB8123-1DD1-2240-ACBB-F8C60E182EFE}"/>
+          </ac:spMkLst>
+        </pc:spChg>
+        <pc:spChg chg="add del">
+          <ac:chgData name="Akash Levy" userId="0f662538-7453-45f3-952a-fc9f1a7c515e" providerId="ADAL" clId="{615F8C4F-5DDB-C146-AD2D-80AE6169014A}" dt="2020-07-22T05:18:55.493" v="1879" actId="26606"/>
+          <ac:spMkLst>
+            <pc:docMk/>
+            <pc:sldMk cId="2797879788" sldId="263"/>
+            <ac:spMk id="35" creationId="{73DE2CFE-42F2-48F0-8706-5264E012B10C}"/>
+          </ac:spMkLst>
+        </pc:spChg>
+        <pc:spChg chg="add del">
+          <ac:chgData name="Akash Levy" userId="0f662538-7453-45f3-952a-fc9f1a7c515e" providerId="ADAL" clId="{615F8C4F-5DDB-C146-AD2D-80AE6169014A}" dt="2020-07-24T16:05:24.738" v="2674"/>
+          <ac:spMkLst>
+            <pc:docMk/>
+            <pc:sldMk cId="2797879788" sldId="263"/>
+            <ac:spMk id="38" creationId="{823AC064-BC96-4F32-8AE1-B2FD38754823}"/>
+          </ac:spMkLst>
+        </pc:spChg>
+        <pc:spChg chg="add del mod">
+          <ac:chgData name="Akash Levy" userId="0f662538-7453-45f3-952a-fc9f1a7c515e" providerId="ADAL" clId="{615F8C4F-5DDB-C146-AD2D-80AE6169014A}" dt="2020-07-24T16:05:24.738" v="2674"/>
+          <ac:spMkLst>
+            <pc:docMk/>
+            <pc:sldMk cId="2797879788" sldId="263"/>
+            <ac:spMk id="41" creationId="{095B537D-24C1-F04C-B86C-07E0197EE82B}"/>
+          </ac:spMkLst>
+        </pc:spChg>
+        <pc:spChg chg="add del mod">
+          <ac:chgData name="Akash Levy" userId="0f662538-7453-45f3-952a-fc9f1a7c515e" providerId="ADAL" clId="{615F8C4F-5DDB-C146-AD2D-80AE6169014A}" dt="2020-07-24T16:05:35.642" v="2679"/>
+          <ac:spMkLst>
+            <pc:docMk/>
+            <pc:sldMk cId="2797879788" sldId="263"/>
+            <ac:spMk id="42" creationId="{A5E7CB5D-2FA0-664C-AF51-E80732388F4A}"/>
+          </ac:spMkLst>
+        </pc:spChg>
+        <pc:spChg chg="add del mod">
+          <ac:chgData name="Akash Levy" userId="0f662538-7453-45f3-952a-fc9f1a7c515e" providerId="ADAL" clId="{615F8C4F-5DDB-C146-AD2D-80AE6169014A}" dt="2020-07-24T16:05:31.810" v="2678"/>
+          <ac:spMkLst>
+            <pc:docMk/>
+            <pc:sldMk cId="2797879788" sldId="263"/>
+            <ac:spMk id="44" creationId="{B637E691-6DEF-4742-BACA-16FD6BCAFC22}"/>
+          </ac:spMkLst>
+        </pc:spChg>
+        <pc:spChg chg="add del mod">
+          <ac:chgData name="Akash Levy" userId="0f662538-7453-45f3-952a-fc9f1a7c515e" providerId="ADAL" clId="{615F8C4F-5DDB-C146-AD2D-80AE6169014A}" dt="2020-07-24T16:09:49.040" v="2691" actId="931"/>
+          <ac:spMkLst>
+            <pc:docMk/>
+            <pc:sldMk cId="2797879788" sldId="263"/>
+            <ac:spMk id="48" creationId="{DEF8FDEE-2CDA-054E-837E-BDF122108F9D}"/>
+          </ac:spMkLst>
+        </pc:spChg>
+        <pc:spChg chg="add del mod">
+          <ac:chgData name="Akash Levy" userId="0f662538-7453-45f3-952a-fc9f1a7c515e" providerId="ADAL" clId="{615F8C4F-5DDB-C146-AD2D-80AE6169014A}" dt="2020-07-24T16:09:57.626" v="2692"/>
+          <ac:spMkLst>
+            <pc:docMk/>
+            <pc:sldMk cId="2797879788" sldId="263"/>
+            <ac:spMk id="50" creationId="{97FA0BE3-E7BC-C446-AC11-DF95E691E449}"/>
+          </ac:spMkLst>
+        </pc:spChg>
+        <pc:picChg chg="add del mod">
+          <ac:chgData name="Akash Levy" userId="0f662538-7453-45f3-952a-fc9f1a7c515e" providerId="ADAL" clId="{615F8C4F-5DDB-C146-AD2D-80AE6169014A}" dt="2020-07-20T14:12:32.906" v="1052"/>
+          <ac:picMkLst>
+            <pc:docMk/>
+            <pc:sldMk cId="2797879788" sldId="263"/>
+            <ac:picMk id="4" creationId="{AF351136-8999-5A43-B86E-553018946AF4}"/>
+          </ac:picMkLst>
+        </pc:picChg>
+        <pc:picChg chg="add del mod">
+          <ac:chgData name="Akash Levy" userId="0f662538-7453-45f3-952a-fc9f1a7c515e" providerId="ADAL" clId="{615F8C4F-5DDB-C146-AD2D-80AE6169014A}" dt="2020-07-22T05:16:04.757" v="1845" actId="478"/>
+          <ac:picMkLst>
+            <pc:docMk/>
+            <pc:sldMk cId="2797879788" sldId="263"/>
+            <ac:picMk id="9" creationId="{B2686456-C76F-CA4E-A31D-D610C362CEBD}"/>
+          </ac:picMkLst>
+        </pc:picChg>
+        <pc:picChg chg="add del mod">
+          <ac:chgData name="Akash Levy" userId="0f662538-7453-45f3-952a-fc9f1a7c515e" providerId="ADAL" clId="{615F8C4F-5DDB-C146-AD2D-80AE6169014A}" dt="2020-07-22T05:15:45.175" v="1843" actId="478"/>
+          <ac:picMkLst>
+            <pc:docMk/>
+            <pc:sldMk cId="2797879788" sldId="263"/>
+            <ac:picMk id="12" creationId="{982E1A78-2F35-224B-B874-7716543B3BB9}"/>
+          </ac:picMkLst>
+        </pc:picChg>
+        <pc:picChg chg="add del mod modCrop">
+          <ac:chgData name="Akash Levy" userId="0f662538-7453-45f3-952a-fc9f1a7c515e" providerId="ADAL" clId="{615F8C4F-5DDB-C146-AD2D-80AE6169014A}" dt="2020-07-20T14:21:30.251" v="1068" actId="21"/>
+          <ac:picMkLst>
+            <pc:docMk/>
+            <pc:sldMk cId="2797879788" sldId="263"/>
+            <ac:picMk id="13" creationId="{B0B741F1-AB0F-5647-BD2A-DBF074BDC317}"/>
+          </ac:picMkLst>
+        </pc:picChg>
+        <pc:picChg chg="add del mod">
+          <ac:chgData name="Akash Levy" userId="0f662538-7453-45f3-952a-fc9f1a7c515e" providerId="ADAL" clId="{615F8C4F-5DDB-C146-AD2D-80AE6169014A}" dt="2020-07-24T16:05:20.482" v="2671" actId="478"/>
+          <ac:picMkLst>
+            <pc:docMk/>
+            <pc:sldMk cId="2797879788" sldId="263"/>
+            <ac:picMk id="18" creationId="{A2197910-CA6A-BC41-BB9F-9CE0F04627A7}"/>
+          </ac:picMkLst>
+        </pc:picChg>
+        <pc:picChg chg="add del mod">
+          <ac:chgData name="Akash Levy" userId="0f662538-7453-45f3-952a-fc9f1a7c515e" providerId="ADAL" clId="{615F8C4F-5DDB-C146-AD2D-80AE6169014A}" dt="2020-07-22T05:16:14.133" v="1847" actId="478"/>
+          <ac:picMkLst>
+            <pc:docMk/>
+            <pc:sldMk cId="2797879788" sldId="263"/>
+            <ac:picMk id="26" creationId="{7D1E0688-355E-E448-AEDD-72D60E1091E0}"/>
+          </ac:picMkLst>
+        </pc:picChg>
+        <pc:picChg chg="add del mod modCrop">
+          <ac:chgData name="Akash Levy" userId="0f662538-7453-45f3-952a-fc9f1a7c515e" providerId="ADAL" clId="{615F8C4F-5DDB-C146-AD2D-80AE6169014A}" dt="2020-07-24T16:05:29.940" v="2677" actId="478"/>
+          <ac:picMkLst>
+            <pc:docMk/>
+            <pc:sldMk cId="2797879788" sldId="263"/>
+            <ac:picMk id="30" creationId="{C45F3910-3051-C04E-A5EF-2E76B97D780F}"/>
+          </ac:picMkLst>
+        </pc:picChg>
+        <pc:picChg chg="add del mod modCrop">
+          <ac:chgData name="Akash Levy" userId="0f662538-7453-45f3-952a-fc9f1a7c515e" providerId="ADAL" clId="{615F8C4F-5DDB-C146-AD2D-80AE6169014A}" dt="2020-07-22T05:18:51.624" v="1877" actId="21"/>
+          <ac:picMkLst>
+            <pc:docMk/>
+            <pc:sldMk cId="2797879788" sldId="263"/>
+            <ac:picMk id="31" creationId="{D43E3E60-C2F3-664A-B63F-5F59B6AB5225}"/>
+          </ac:picMkLst>
+        </pc:picChg>
+        <pc:picChg chg="add del mod">
+          <ac:chgData name="Akash Levy" userId="0f662538-7453-45f3-952a-fc9f1a7c515e" providerId="ADAL" clId="{615F8C4F-5DDB-C146-AD2D-80AE6169014A}" dt="2020-07-24T16:05:28.856" v="2676" actId="478"/>
+          <ac:picMkLst>
+            <pc:docMk/>
+            <pc:sldMk cId="2797879788" sldId="263"/>
+            <ac:picMk id="36" creationId="{2257DE3F-D59C-454D-803D-12526F78B93B}"/>
+          </ac:picMkLst>
+        </pc:picChg>
+        <pc:picChg chg="add del mod">
+          <ac:chgData name="Akash Levy" userId="0f662538-7453-45f3-952a-fc9f1a7c515e" providerId="ADAL" clId="{615F8C4F-5DDB-C146-AD2D-80AE6169014A}" dt="2020-07-24T16:05:27.423" v="2675" actId="21"/>
+          <ac:picMkLst>
+            <pc:docMk/>
+            <pc:sldMk cId="2797879788" sldId="263"/>
+            <ac:picMk id="40" creationId="{E82D6041-6AAA-064A-B44F-8303A73BBE07}"/>
+          </ac:picMkLst>
+        </pc:picChg>
+        <pc:picChg chg="add del mod modCrop">
+          <ac:chgData name="Akash Levy" userId="0f662538-7453-45f3-952a-fc9f1a7c515e" providerId="ADAL" clId="{615F8C4F-5DDB-C146-AD2D-80AE6169014A}" dt="2020-07-24T16:09:33.158" v="2688" actId="478"/>
+          <ac:picMkLst>
+            <pc:docMk/>
+            <pc:sldMk cId="2797879788" sldId="263"/>
+            <ac:picMk id="45" creationId="{722DB4B0-DF73-C24B-B8DF-AB48801C406A}"/>
+          </ac:picMkLst>
+        </pc:picChg>
+        <pc:picChg chg="add del mod modCrop">
+          <ac:chgData name="Akash Levy" userId="0f662538-7453-45f3-952a-fc9f1a7c515e" providerId="ADAL" clId="{615F8C4F-5DDB-C146-AD2D-80AE6169014A}" dt="2020-07-24T16:09:33.158" v="2688" actId="478"/>
+          <ac:picMkLst>
+            <pc:docMk/>
+            <pc:sldMk cId="2797879788" sldId="263"/>
+            <ac:picMk id="46" creationId="{D31DAF16-27B5-2642-9C1F-0AE5356E2DAA}"/>
+          </ac:picMkLst>
+        </pc:picChg>
+        <pc:picChg chg="add del mod">
+          <ac:chgData name="Akash Levy" userId="0f662538-7453-45f3-952a-fc9f1a7c515e" providerId="ADAL" clId="{615F8C4F-5DDB-C146-AD2D-80AE6169014A}" dt="2020-07-24T16:09:40.466" v="2690" actId="931"/>
+          <ac:picMkLst>
+            <pc:docMk/>
+            <pc:sldMk cId="2797879788" sldId="263"/>
+            <ac:picMk id="52" creationId="{ABEACFEF-FA33-C544-8CC7-1E98D79ACD93}"/>
+          </ac:picMkLst>
+        </pc:picChg>
+        <pc:picChg chg="add mod modCrop">
+          <ac:chgData name="Akash Levy" userId="0f662538-7453-45f3-952a-fc9f1a7c515e" providerId="ADAL" clId="{615F8C4F-5DDB-C146-AD2D-80AE6169014A}" dt="2020-07-24T16:10:17.837" v="2696" actId="732"/>
+          <ac:picMkLst>
+            <pc:docMk/>
+            <pc:sldMk cId="2797879788" sldId="263"/>
+            <ac:picMk id="54" creationId="{96035F02-7C25-144A-B395-DB82E0624487}"/>
+          </ac:picMkLst>
+        </pc:picChg>
+        <pc:picChg chg="add mod modCrop">
+          <ac:chgData name="Akash Levy" userId="0f662538-7453-45f3-952a-fc9f1a7c515e" providerId="ADAL" clId="{615F8C4F-5DDB-C146-AD2D-80AE6169014A}" dt="2020-07-24T16:10:31.362" v="2705" actId="1038"/>
+          <ac:picMkLst>
+            <pc:docMk/>
+            <pc:sldMk cId="2797879788" sldId="263"/>
+            <ac:picMk id="55" creationId="{3273A260-C9EA-3F43-A8BF-81480D57809D}"/>
+          </ac:picMkLst>
+        </pc:picChg>
+        <pc:cxnChg chg="add del">
+          <ac:chgData name="Akash Levy" userId="0f662538-7453-45f3-952a-fc9f1a7c515e" providerId="ADAL" clId="{615F8C4F-5DDB-C146-AD2D-80AE6169014A}" dt="2020-07-20T14:21:41.540" v="1070" actId="26606"/>
+          <ac:cxnSpMkLst>
+            <pc:docMk/>
+            <pc:sldMk cId="2797879788" sldId="263"/>
+            <ac:cxnSpMk id="19" creationId="{7E7C77BC-7138-40B1-A15B-20F57A494629}"/>
+          </ac:cxnSpMkLst>
+        </pc:cxnChg>
+        <pc:cxnChg chg="add del">
+          <ac:chgData name="Akash Levy" userId="0f662538-7453-45f3-952a-fc9f1a7c515e" providerId="ADAL" clId="{615F8C4F-5DDB-C146-AD2D-80AE6169014A}" dt="2020-07-20T14:21:41.540" v="1070" actId="26606"/>
+          <ac:cxnSpMkLst>
+            <pc:docMk/>
+            <pc:sldMk cId="2797879788" sldId="263"/>
+            <ac:cxnSpMk id="21" creationId="{DB146403-F3D6-484B-B2ED-97F9565D0370}"/>
+          </ac:cxnSpMkLst>
+        </pc:cxnChg>
+        <pc:cxnChg chg="add del">
+          <ac:chgData name="Akash Levy" userId="0f662538-7453-45f3-952a-fc9f1a7c515e" providerId="ADAL" clId="{615F8C4F-5DDB-C146-AD2D-80AE6169014A}" dt="2020-07-20T14:21:42.639" v="1072" actId="26606"/>
+          <ac:cxnSpMkLst>
+            <pc:docMk/>
+            <pc:sldMk cId="2797879788" sldId="263"/>
+            <ac:cxnSpMk id="23" creationId="{DB146403-F3D6-484B-B2ED-97F9565D0370}"/>
+          </ac:cxnSpMkLst>
+        </pc:cxnChg>
+        <pc:cxnChg chg="add del">
+          <ac:chgData name="Akash Levy" userId="0f662538-7453-45f3-952a-fc9f1a7c515e" providerId="ADAL" clId="{615F8C4F-5DDB-C146-AD2D-80AE6169014A}" dt="2020-07-20T14:21:42.639" v="1072" actId="26606"/>
+          <ac:cxnSpMkLst>
+            <pc:docMk/>
+            <pc:sldMk cId="2797879788" sldId="263"/>
+            <ac:cxnSpMk id="25" creationId="{7E7C77BC-7138-40B1-A15B-20F57A494629}"/>
+          </ac:cxnSpMkLst>
+        </pc:cxnChg>
+        <pc:cxnChg chg="add del">
+          <ac:chgData name="Akash Levy" userId="0f662538-7453-45f3-952a-fc9f1a7c515e" providerId="ADAL" clId="{615F8C4F-5DDB-C146-AD2D-80AE6169014A}" dt="2020-07-22T05:18:55.532" v="1880" actId="26606"/>
+          <ac:cxnSpMkLst>
+            <pc:docMk/>
+            <pc:sldMk cId="2797879788" sldId="263"/>
+            <ac:cxnSpMk id="28" creationId="{7E7C77BC-7138-40B1-A15B-20F57A494629}"/>
+          </ac:cxnSpMkLst>
+        </pc:cxnChg>
+        <pc:cxnChg chg="add del">
+          <ac:chgData name="Akash Levy" userId="0f662538-7453-45f3-952a-fc9f1a7c515e" providerId="ADAL" clId="{615F8C4F-5DDB-C146-AD2D-80AE6169014A}" dt="2020-07-22T05:18:55.532" v="1880" actId="26606"/>
+          <ac:cxnSpMkLst>
+            <pc:docMk/>
+            <pc:sldMk cId="2797879788" sldId="263"/>
+            <ac:cxnSpMk id="29" creationId="{DB146403-F3D6-484B-B2ED-97F9565D0370}"/>
+          </ac:cxnSpMkLst>
+        </pc:cxnChg>
+        <pc:cxnChg chg="add del">
+          <ac:chgData name="Akash Levy" userId="0f662538-7453-45f3-952a-fc9f1a7c515e" providerId="ADAL" clId="{615F8C4F-5DDB-C146-AD2D-80AE6169014A}" dt="2020-07-24T16:05:24.738" v="2674"/>
+          <ac:cxnSpMkLst>
+            <pc:docMk/>
+            <pc:sldMk cId="2797879788" sldId="263"/>
+            <ac:cxnSpMk id="37" creationId="{7E7C77BC-7138-40B1-A15B-20F57A494629}"/>
+          </ac:cxnSpMkLst>
+        </pc:cxnChg>
+        <pc:cxnChg chg="add del">
+          <ac:chgData name="Akash Levy" userId="0f662538-7453-45f3-952a-fc9f1a7c515e" providerId="ADAL" clId="{615F8C4F-5DDB-C146-AD2D-80AE6169014A}" dt="2020-07-24T16:05:24.738" v="2674"/>
+          <ac:cxnSpMkLst>
+            <pc:docMk/>
+            <pc:sldMk cId="2797879788" sldId="263"/>
+            <ac:cxnSpMk id="39" creationId="{DB146403-F3D6-484B-B2ED-97F9565D0370}"/>
+          </ac:cxnSpMkLst>
+        </pc:cxnChg>
       </pc:sldChg>
-      <pc:sldChg chg="modSp add mod">
-        <pc:chgData name="Akash Levy" userId="0f662538-7453-45f3-952a-fc9f1a7c515e" providerId="ADAL" clId="{615F8C4F-5DDB-C146-AD2D-80AE6169014A}" dt="2020-07-17T11:00:00.843" v="207" actId="20577"/>
+      <pc:sldChg chg="addSp delSp modSp add mod setBg">
+        <pc:chgData name="Akash Levy" userId="0f662538-7453-45f3-952a-fc9f1a7c515e" providerId="ADAL" clId="{615F8C4F-5DDB-C146-AD2D-80AE6169014A}" dt="2020-07-24T16:04:21.606" v="2664" actId="26606"/>
         <pc:sldMkLst>
           <pc:docMk/>
           <pc:sldMk cId="2526247354" sldId="264"/>
         </pc:sldMkLst>
         <pc:spChg chg="mod">
-          <ac:chgData name="Akash Levy" userId="0f662538-7453-45f3-952a-fc9f1a7c515e" providerId="ADAL" clId="{615F8C4F-5DDB-C146-AD2D-80AE6169014A}" dt="2020-07-17T11:00:00.843" v="207" actId="20577"/>
+          <ac:chgData name="Akash Levy" userId="0f662538-7453-45f3-952a-fc9f1a7c515e" providerId="ADAL" clId="{615F8C4F-5DDB-C146-AD2D-80AE6169014A}" dt="2020-07-24T16:04:21.606" v="2664" actId="26606"/>
           <ac:spMkLst>
             <pc:docMk/>
             <pc:sldMk cId="2526247354" sldId="264"/>
             <ac:spMk id="2" creationId="{67F017A3-29CD-954D-BFF9-0C2279F1BC5A}"/>
+          </ac:spMkLst>
+        </pc:spChg>
+        <pc:spChg chg="del">
+          <ac:chgData name="Akash Levy" userId="0f662538-7453-45f3-952a-fc9f1a7c515e" providerId="ADAL" clId="{615F8C4F-5DDB-C146-AD2D-80AE6169014A}" dt="2020-07-24T16:04:18.101" v="2663" actId="931"/>
+          <ac:spMkLst>
+            <pc:docMk/>
+            <pc:sldMk cId="2526247354" sldId="264"/>
+            <ac:spMk id="3" creationId="{935900F6-FD30-BF44-ACE5-AAA90F8A6F71}"/>
+          </ac:spMkLst>
+        </pc:spChg>
+        <pc:spChg chg="add">
+          <ac:chgData name="Akash Levy" userId="0f662538-7453-45f3-952a-fc9f1a7c515e" providerId="ADAL" clId="{615F8C4F-5DDB-C146-AD2D-80AE6169014A}" dt="2020-07-24T16:04:21.606" v="2664" actId="26606"/>
+          <ac:spMkLst>
+            <pc:docMk/>
+            <pc:sldMk cId="2526247354" sldId="264"/>
+            <ac:spMk id="10" creationId="{6753252F-4873-4F63-801D-CC719279A7D5}"/>
+          </ac:spMkLst>
+        </pc:spChg>
+        <pc:spChg chg="add">
+          <ac:chgData name="Akash Levy" userId="0f662538-7453-45f3-952a-fc9f1a7c515e" providerId="ADAL" clId="{615F8C4F-5DDB-C146-AD2D-80AE6169014A}" dt="2020-07-24T16:04:21.606" v="2664" actId="26606"/>
+          <ac:spMkLst>
+            <pc:docMk/>
+            <pc:sldMk cId="2526247354" sldId="264"/>
+            <ac:spMk id="12" creationId="{047C8CCB-F95D-4249-92DD-651249D3535A}"/>
+          </ac:spMkLst>
+        </pc:spChg>
+        <pc:picChg chg="add mod">
+          <ac:chgData name="Akash Levy" userId="0f662538-7453-45f3-952a-fc9f1a7c515e" providerId="ADAL" clId="{615F8C4F-5DDB-C146-AD2D-80AE6169014A}" dt="2020-07-24T16:04:21.606" v="2664" actId="26606"/>
+          <ac:picMkLst>
+            <pc:docMk/>
+            <pc:sldMk cId="2526247354" sldId="264"/>
+            <ac:picMk id="5" creationId="{05674DBB-B74B-1445-9091-2C6A3B64F701}"/>
+          </ac:picMkLst>
+        </pc:picChg>
+      </pc:sldChg>
+      <pc:sldChg chg="addSp delSp modSp add del mod setBg">
+        <pc:chgData name="Akash Levy" userId="0f662538-7453-45f3-952a-fc9f1a7c515e" providerId="ADAL" clId="{615F8C4F-5DDB-C146-AD2D-80AE6169014A}" dt="2020-07-20T14:45:27.672" v="1326" actId="2696"/>
+        <pc:sldMkLst>
+          <pc:docMk/>
+          <pc:sldMk cId="3013943956" sldId="265"/>
+        </pc:sldMkLst>
+        <pc:spChg chg="mod">
+          <ac:chgData name="Akash Levy" userId="0f662538-7453-45f3-952a-fc9f1a7c515e" providerId="ADAL" clId="{615F8C4F-5DDB-C146-AD2D-80AE6169014A}" dt="2020-07-19T03:05:48.135" v="343" actId="26606"/>
+          <ac:spMkLst>
+            <pc:docMk/>
+            <pc:sldMk cId="3013943956" sldId="265"/>
+            <ac:spMk id="2" creationId="{BB75BC28-CF3D-A241-9D74-E89CF22D36E4}"/>
+          </ac:spMkLst>
+        </pc:spChg>
+        <pc:spChg chg="del">
+          <ac:chgData name="Akash Levy" userId="0f662538-7453-45f3-952a-fc9f1a7c515e" providerId="ADAL" clId="{615F8C4F-5DDB-C146-AD2D-80AE6169014A}" dt="2020-07-19T03:04:47.898" v="304" actId="931"/>
+          <ac:spMkLst>
+            <pc:docMk/>
+            <pc:sldMk cId="3013943956" sldId="265"/>
+            <ac:spMk id="3" creationId="{F9FB8173-7859-3C45-BCBE-A513D1FF7DA4}"/>
+          </ac:spMkLst>
+        </pc:spChg>
+        <pc:spChg chg="del">
+          <ac:chgData name="Akash Levy" userId="0f662538-7453-45f3-952a-fc9f1a7c515e" providerId="ADAL" clId="{615F8C4F-5DDB-C146-AD2D-80AE6169014A}" dt="2020-07-19T03:04:58.337" v="305" actId="931"/>
+          <ac:spMkLst>
+            <pc:docMk/>
+            <pc:sldMk cId="3013943956" sldId="265"/>
+            <ac:spMk id="4" creationId="{8B9CD39F-BA1C-BA48-B0D3-A53E419A4B2F}"/>
+          </ac:spMkLst>
+        </pc:spChg>
+        <pc:spChg chg="add del">
+          <ac:chgData name="Akash Levy" userId="0f662538-7453-45f3-952a-fc9f1a7c515e" providerId="ADAL" clId="{615F8C4F-5DDB-C146-AD2D-80AE6169014A}" dt="2020-07-19T03:05:34.705" v="339" actId="26606"/>
+          <ac:spMkLst>
+            <pc:docMk/>
+            <pc:sldMk cId="3013943956" sldId="265"/>
+            <ac:spMk id="15" creationId="{823AC064-BC96-4F32-8AE1-B2FD38754823}"/>
+          </ac:spMkLst>
+        </pc:spChg>
+        <pc:spChg chg="add del">
+          <ac:chgData name="Akash Levy" userId="0f662538-7453-45f3-952a-fc9f1a7c515e" providerId="ADAL" clId="{615F8C4F-5DDB-C146-AD2D-80AE6169014A}" dt="2020-07-19T03:05:36.405" v="340" actId="478"/>
+          <ac:spMkLst>
+            <pc:docMk/>
+            <pc:sldMk cId="3013943956" sldId="265"/>
+            <ac:spMk id="21" creationId="{D675C00D-A818-4164-85F1-6C5BDF38C7E3}"/>
+          </ac:spMkLst>
+        </pc:spChg>
+        <pc:spChg chg="add del">
+          <ac:chgData name="Akash Levy" userId="0f662538-7453-45f3-952a-fc9f1a7c515e" providerId="ADAL" clId="{615F8C4F-5DDB-C146-AD2D-80AE6169014A}" dt="2020-07-19T03:05:41.260" v="341" actId="26606"/>
+          <ac:spMkLst>
+            <pc:docMk/>
+            <pc:sldMk cId="3013943956" sldId="265"/>
+            <ac:spMk id="24" creationId="{42A5316D-ED2F-4F89-B4B4-8D9240B1A348}"/>
+          </ac:spMkLst>
+        </pc:spChg>
+        <pc:spChg chg="add del">
+          <ac:chgData name="Akash Levy" userId="0f662538-7453-45f3-952a-fc9f1a7c515e" providerId="ADAL" clId="{615F8C4F-5DDB-C146-AD2D-80AE6169014A}" dt="2020-07-19T03:05:42.591" v="342" actId="478"/>
+          <ac:spMkLst>
+            <pc:docMk/>
+            <pc:sldMk cId="3013943956" sldId="265"/>
+            <ac:spMk id="28" creationId="{34AB7C7A-F48D-4934-B770-D3CACCD467A2}"/>
+          </ac:spMkLst>
+        </pc:spChg>
+        <pc:spChg chg="add del">
+          <ac:chgData name="Akash Levy" userId="0f662538-7453-45f3-952a-fc9f1a7c515e" providerId="ADAL" clId="{615F8C4F-5DDB-C146-AD2D-80AE6169014A}" dt="2020-07-19T03:05:48.135" v="343" actId="26606"/>
+          <ac:spMkLst>
+            <pc:docMk/>
+            <pc:sldMk cId="3013943956" sldId="265"/>
+            <ac:spMk id="31" creationId="{42A5316D-ED2F-4F89-B4B4-8D9240B1A348}"/>
+          </ac:spMkLst>
+        </pc:spChg>
+        <pc:spChg chg="add">
+          <ac:chgData name="Akash Levy" userId="0f662538-7453-45f3-952a-fc9f1a7c515e" providerId="ADAL" clId="{615F8C4F-5DDB-C146-AD2D-80AE6169014A}" dt="2020-07-19T03:05:48.135" v="343" actId="26606"/>
+          <ac:spMkLst>
+            <pc:docMk/>
+            <pc:sldMk cId="3013943956" sldId="265"/>
+            <ac:spMk id="38" creationId="{823AC064-BC96-4F32-8AE1-B2FD38754823}"/>
+          </ac:spMkLst>
+        </pc:spChg>
+        <pc:picChg chg="add mod">
+          <ac:chgData name="Akash Levy" userId="0f662538-7453-45f3-952a-fc9f1a7c515e" providerId="ADAL" clId="{615F8C4F-5DDB-C146-AD2D-80AE6169014A}" dt="2020-07-20T03:25:47.301" v="1045" actId="14826"/>
+          <ac:picMkLst>
+            <pc:docMk/>
+            <pc:sldMk cId="3013943956" sldId="265"/>
+            <ac:picMk id="6" creationId="{2E02C34B-6947-0847-8284-204BD1C6555E}"/>
+          </ac:picMkLst>
+        </pc:picChg>
+        <pc:picChg chg="add mod">
+          <ac:chgData name="Akash Levy" userId="0f662538-7453-45f3-952a-fc9f1a7c515e" providerId="ADAL" clId="{615F8C4F-5DDB-C146-AD2D-80AE6169014A}" dt="2020-07-20T03:26:04.188" v="1046" actId="14826"/>
+          <ac:picMkLst>
+            <pc:docMk/>
+            <pc:sldMk cId="3013943956" sldId="265"/>
+            <ac:picMk id="8" creationId="{419C5A65-B2A8-994F-B9F8-FFCEB6FB43FE}"/>
+          </ac:picMkLst>
+        </pc:picChg>
+        <pc:cxnChg chg="add del">
+          <ac:chgData name="Akash Levy" userId="0f662538-7453-45f3-952a-fc9f1a7c515e" providerId="ADAL" clId="{615F8C4F-5DDB-C146-AD2D-80AE6169014A}" dt="2020-07-19T03:05:34.705" v="339" actId="26606"/>
+          <ac:cxnSpMkLst>
+            <pc:docMk/>
+            <pc:sldMk cId="3013943956" sldId="265"/>
+            <ac:cxnSpMk id="13" creationId="{DB146403-F3D6-484B-B2ED-97F9565D0370}"/>
+          </ac:cxnSpMkLst>
+        </pc:cxnChg>
+        <pc:cxnChg chg="add del">
+          <ac:chgData name="Akash Levy" userId="0f662538-7453-45f3-952a-fc9f1a7c515e" providerId="ADAL" clId="{615F8C4F-5DDB-C146-AD2D-80AE6169014A}" dt="2020-07-19T03:05:34.705" v="339" actId="26606"/>
+          <ac:cxnSpMkLst>
+            <pc:docMk/>
+            <pc:sldMk cId="3013943956" sldId="265"/>
+            <ac:cxnSpMk id="17" creationId="{7E7C77BC-7138-40B1-A15B-20F57A494629}"/>
+          </ac:cxnSpMkLst>
+        </pc:cxnChg>
+        <pc:cxnChg chg="add">
+          <ac:chgData name="Akash Levy" userId="0f662538-7453-45f3-952a-fc9f1a7c515e" providerId="ADAL" clId="{615F8C4F-5DDB-C146-AD2D-80AE6169014A}" dt="2020-07-19T03:05:48.135" v="343" actId="26606"/>
+          <ac:cxnSpMkLst>
+            <pc:docMk/>
+            <pc:sldMk cId="3013943956" sldId="265"/>
+            <ac:cxnSpMk id="36" creationId="{DB146403-F3D6-484B-B2ED-97F9565D0370}"/>
+          </ac:cxnSpMkLst>
+        </pc:cxnChg>
+        <pc:cxnChg chg="add">
+          <ac:chgData name="Akash Levy" userId="0f662538-7453-45f3-952a-fc9f1a7c515e" providerId="ADAL" clId="{615F8C4F-5DDB-C146-AD2D-80AE6169014A}" dt="2020-07-19T03:05:48.135" v="343" actId="26606"/>
+          <ac:cxnSpMkLst>
+            <pc:docMk/>
+            <pc:sldMk cId="3013943956" sldId="265"/>
+            <ac:cxnSpMk id="40" creationId="{7E7C77BC-7138-40B1-A15B-20F57A494629}"/>
+          </ac:cxnSpMkLst>
+        </pc:cxnChg>
+      </pc:sldChg>
+      <pc:sldChg chg="delSp modSp add del mod modClrScheme chgLayout">
+        <pc:chgData name="Akash Levy" userId="0f662538-7453-45f3-952a-fc9f1a7c515e" providerId="ADAL" clId="{615F8C4F-5DDB-C146-AD2D-80AE6169014A}" dt="2020-07-19T00:46:27.752" v="300" actId="2696"/>
+        <pc:sldMkLst>
+          <pc:docMk/>
+          <pc:sldMk cId="3343377679" sldId="265"/>
+        </pc:sldMkLst>
+        <pc:spChg chg="mod ord">
+          <ac:chgData name="Akash Levy" userId="0f662538-7453-45f3-952a-fc9f1a7c515e" providerId="ADAL" clId="{615F8C4F-5DDB-C146-AD2D-80AE6169014A}" dt="2020-07-19T00:45:17.887" v="271" actId="700"/>
+          <ac:spMkLst>
+            <pc:docMk/>
+            <pc:sldMk cId="3343377679" sldId="265"/>
+            <ac:spMk id="2" creationId="{E6F2FF1F-B788-7545-B893-A1F8FA018062}"/>
+          </ac:spMkLst>
+        </pc:spChg>
+        <pc:spChg chg="mod ord">
+          <ac:chgData name="Akash Levy" userId="0f662538-7453-45f3-952a-fc9f1a7c515e" providerId="ADAL" clId="{615F8C4F-5DDB-C146-AD2D-80AE6169014A}" dt="2020-07-19T00:46:00.838" v="299" actId="20577"/>
+          <ac:spMkLst>
+            <pc:docMk/>
+            <pc:sldMk cId="3343377679" sldId="265"/>
+            <ac:spMk id="3" creationId="{956D17B3-E8AE-9947-A445-1DA0E86AD121}"/>
+          </ac:spMkLst>
+        </pc:spChg>
+        <pc:spChg chg="del">
+          <ac:chgData name="Akash Levy" userId="0f662538-7453-45f3-952a-fc9f1a7c515e" providerId="ADAL" clId="{615F8C4F-5DDB-C146-AD2D-80AE6169014A}" dt="2020-07-19T00:45:17.887" v="271" actId="700"/>
+          <ac:spMkLst>
+            <pc:docMk/>
+            <pc:sldMk cId="3343377679" sldId="265"/>
+            <ac:spMk id="4" creationId="{1969F906-52F0-3E45-A009-F20EBCE853DA}"/>
+          </ac:spMkLst>
+        </pc:spChg>
+      </pc:sldChg>
+      <pc:sldChg chg="addSp delSp modSp add mod">
+        <pc:chgData name="Akash Levy" userId="0f662538-7453-45f3-952a-fc9f1a7c515e" providerId="ADAL" clId="{615F8C4F-5DDB-C146-AD2D-80AE6169014A}" dt="2020-07-24T16:18:26" v="2720" actId="20577"/>
+        <pc:sldMkLst>
+          <pc:docMk/>
+          <pc:sldMk cId="2629044055" sldId="266"/>
+        </pc:sldMkLst>
+        <pc:spChg chg="mod">
+          <ac:chgData name="Akash Levy" userId="0f662538-7453-45f3-952a-fc9f1a7c515e" providerId="ADAL" clId="{615F8C4F-5DDB-C146-AD2D-80AE6169014A}" dt="2020-07-24T16:18:26" v="2720" actId="20577"/>
+          <ac:spMkLst>
+            <pc:docMk/>
+            <pc:sldMk cId="2629044055" sldId="266"/>
+            <ac:spMk id="2" creationId="{B28CA756-91BE-654F-9680-DAC4D6232177}"/>
+          </ac:spMkLst>
+        </pc:spChg>
+        <pc:picChg chg="add del mod">
+          <ac:chgData name="Akash Levy" userId="0f662538-7453-45f3-952a-fc9f1a7c515e" providerId="ADAL" clId="{615F8C4F-5DDB-C146-AD2D-80AE6169014A}" dt="2020-07-19T22:42:55.346" v="473" actId="14826"/>
+          <ac:picMkLst>
+            <pc:docMk/>
+            <pc:sldMk cId="2629044055" sldId="266"/>
+            <ac:picMk id="7" creationId="{DDDC7C8B-EFAE-5343-840E-F989946D5688}"/>
+          </ac:picMkLst>
+        </pc:picChg>
+        <pc:picChg chg="mod">
+          <ac:chgData name="Akash Levy" userId="0f662538-7453-45f3-952a-fc9f1a7c515e" providerId="ADAL" clId="{615F8C4F-5DDB-C146-AD2D-80AE6169014A}" dt="2020-07-19T22:34:09.821" v="470" actId="14826"/>
+          <ac:picMkLst>
+            <pc:docMk/>
+            <pc:sldMk cId="2629044055" sldId="266"/>
+            <ac:picMk id="12" creationId="{46A8BB66-3B13-E240-9288-FC164CF3DBC8}"/>
+          </ac:picMkLst>
+        </pc:picChg>
+      </pc:sldChg>
+      <pc:sldChg chg="addSp modSp add del mod ord setBg">
+        <pc:chgData name="Akash Levy" userId="0f662538-7453-45f3-952a-fc9f1a7c515e" providerId="ADAL" clId="{615F8C4F-5DDB-C146-AD2D-80AE6169014A}" dt="2020-07-24T16:19:25.975" v="2729" actId="2696"/>
+        <pc:sldMkLst>
+          <pc:docMk/>
+          <pc:sldMk cId="448735648" sldId="267"/>
+        </pc:sldMkLst>
+        <pc:spChg chg="mod">
+          <ac:chgData name="Akash Levy" userId="0f662538-7453-45f3-952a-fc9f1a7c515e" providerId="ADAL" clId="{615F8C4F-5DDB-C146-AD2D-80AE6169014A}" dt="2020-07-20T00:26:19.108" v="870" actId="26606"/>
+          <ac:spMkLst>
+            <pc:docMk/>
+            <pc:sldMk cId="448735648" sldId="267"/>
+            <ac:spMk id="2" creationId="{DC14DB55-FF74-C744-83AE-08794FD578FB}"/>
+          </ac:spMkLst>
+        </pc:spChg>
+        <pc:spChg chg="mod">
+          <ac:chgData name="Akash Levy" userId="0f662538-7453-45f3-952a-fc9f1a7c515e" providerId="ADAL" clId="{615F8C4F-5DDB-C146-AD2D-80AE6169014A}" dt="2020-07-24T09:03:26.626" v="1956" actId="20577"/>
+          <ac:spMkLst>
+            <pc:docMk/>
+            <pc:sldMk cId="448735648" sldId="267"/>
+            <ac:spMk id="3" creationId="{76FBDAC0-3725-BF46-B6CB-28FDB0759DF2}"/>
+          </ac:spMkLst>
+        </pc:spChg>
+        <pc:spChg chg="add">
+          <ac:chgData name="Akash Levy" userId="0f662538-7453-45f3-952a-fc9f1a7c515e" providerId="ADAL" clId="{615F8C4F-5DDB-C146-AD2D-80AE6169014A}" dt="2020-07-20T00:26:19.108" v="870" actId="26606"/>
+          <ac:spMkLst>
+            <pc:docMk/>
+            <pc:sldMk cId="448735648" sldId="267"/>
+            <ac:spMk id="8" creationId="{F98ED85F-DCEE-4B50-802E-71A6E3E12B04}"/>
+          </ac:spMkLst>
+        </pc:spChg>
+        <pc:cxnChg chg="add">
+          <ac:chgData name="Akash Levy" userId="0f662538-7453-45f3-952a-fc9f1a7c515e" providerId="ADAL" clId="{615F8C4F-5DDB-C146-AD2D-80AE6169014A}" dt="2020-07-20T00:26:19.108" v="870" actId="26606"/>
+          <ac:cxnSpMkLst>
+            <pc:docMk/>
+            <pc:sldMk cId="448735648" sldId="267"/>
+            <ac:cxnSpMk id="10" creationId="{E8E35B83-1EC3-4F87-9D54-D863463351B9}"/>
+          </ac:cxnSpMkLst>
+        </pc:cxnChg>
+      </pc:sldChg>
+      <pc:sldChg chg="addSp delSp modSp add mod modClrScheme delDesignElem chgLayout">
+        <pc:chgData name="Akash Levy" userId="0f662538-7453-45f3-952a-fc9f1a7c515e" providerId="ADAL" clId="{615F8C4F-5DDB-C146-AD2D-80AE6169014A}" dt="2020-07-24T16:12:15.876" v="2712" actId="20577"/>
+        <pc:sldMkLst>
+          <pc:docMk/>
+          <pc:sldMk cId="720483808" sldId="268"/>
+        </pc:sldMkLst>
+        <pc:spChg chg="mod ord">
+          <ac:chgData name="Akash Levy" userId="0f662538-7453-45f3-952a-fc9f1a7c515e" providerId="ADAL" clId="{615F8C4F-5DDB-C146-AD2D-80AE6169014A}" dt="2020-07-24T16:12:15.876" v="2712" actId="20577"/>
+          <ac:spMkLst>
+            <pc:docMk/>
+            <pc:sldMk cId="720483808" sldId="268"/>
+            <ac:spMk id="2" creationId="{7B9E2CFA-2B31-6A4B-B5A2-1B35805CAF24}"/>
+          </ac:spMkLst>
+        </pc:spChg>
+        <pc:spChg chg="add del mod">
+          <ac:chgData name="Akash Levy" userId="0f662538-7453-45f3-952a-fc9f1a7c515e" providerId="ADAL" clId="{615F8C4F-5DDB-C146-AD2D-80AE6169014A}" dt="2020-07-20T14:23:38.686" v="1104"/>
+          <ac:spMkLst>
+            <pc:docMk/>
+            <pc:sldMk cId="720483808" sldId="268"/>
+            <ac:spMk id="4" creationId="{2D747E9B-3DF9-024F-A968-D697A5A1B993}"/>
+          </ac:spMkLst>
+        </pc:spChg>
+        <pc:spChg chg="add del mod">
+          <ac:chgData name="Akash Levy" userId="0f662538-7453-45f3-952a-fc9f1a7c515e" providerId="ADAL" clId="{615F8C4F-5DDB-C146-AD2D-80AE6169014A}" dt="2020-07-20T14:23:38.686" v="1104"/>
+          <ac:spMkLst>
+            <pc:docMk/>
+            <pc:sldMk cId="720483808" sldId="268"/>
+            <ac:spMk id="5" creationId="{7C0B5C8D-9233-8643-9943-6760505A0A4C}"/>
+          </ac:spMkLst>
+        </pc:spChg>
+        <pc:spChg chg="add del mod">
+          <ac:chgData name="Akash Levy" userId="0f662538-7453-45f3-952a-fc9f1a7c515e" providerId="ADAL" clId="{615F8C4F-5DDB-C146-AD2D-80AE6169014A}" dt="2020-07-20T14:23:38.686" v="1104"/>
+          <ac:spMkLst>
+            <pc:docMk/>
+            <pc:sldMk cId="720483808" sldId="268"/>
+            <ac:spMk id="6" creationId="{4AC21469-502F-ED4A-9440-FCB3B6360EBD}"/>
+          </ac:spMkLst>
+        </pc:spChg>
+        <pc:spChg chg="add del mod ord">
+          <ac:chgData name="Akash Levy" userId="0f662538-7453-45f3-952a-fc9f1a7c515e" providerId="ADAL" clId="{615F8C4F-5DDB-C146-AD2D-80AE6169014A}" dt="2020-07-20T14:23:48.170" v="1107" actId="700"/>
+          <ac:spMkLst>
+            <pc:docMk/>
+            <pc:sldMk cId="720483808" sldId="268"/>
+            <ac:spMk id="7" creationId="{0865DBCE-D127-2342-B73D-7E641A5AF973}"/>
+          </ac:spMkLst>
+        </pc:spChg>
+        <pc:spChg chg="add del mod">
+          <ac:chgData name="Akash Levy" userId="0f662538-7453-45f3-952a-fc9f1a7c515e" providerId="ADAL" clId="{615F8C4F-5DDB-C146-AD2D-80AE6169014A}" dt="2020-07-20T14:23:48.170" v="1107" actId="700"/>
+          <ac:spMkLst>
+            <pc:docMk/>
+            <pc:sldMk cId="720483808" sldId="268"/>
+            <ac:spMk id="10" creationId="{331DA42A-28FC-EE4F-9CE3-C441049B1A56}"/>
+          </ac:spMkLst>
+        </pc:spChg>
+        <pc:spChg chg="add del mod ord">
+          <ac:chgData name="Akash Levy" userId="0f662538-7453-45f3-952a-fc9f1a7c515e" providerId="ADAL" clId="{615F8C4F-5DDB-C146-AD2D-80AE6169014A}" dt="2020-07-20T14:23:55.880" v="1108" actId="931"/>
+          <ac:spMkLst>
+            <pc:docMk/>
+            <pc:sldMk cId="720483808" sldId="268"/>
+            <ac:spMk id="11" creationId="{C8980C78-F5C9-A143-87FF-D38DC38D5E96}"/>
+          </ac:spMkLst>
+        </pc:spChg>
+        <pc:spChg chg="add del mod">
+          <ac:chgData name="Akash Levy" userId="0f662538-7453-45f3-952a-fc9f1a7c515e" providerId="ADAL" clId="{615F8C4F-5DDB-C146-AD2D-80AE6169014A}" dt="2020-07-22T05:15:40.843" v="1842" actId="478"/>
+          <ac:spMkLst>
+            <pc:docMk/>
+            <pc:sldMk cId="720483808" sldId="268"/>
+            <ac:spMk id="16" creationId="{6AE87E81-C031-4A4B-A9AC-8222FD822686}"/>
+          </ac:spMkLst>
+        </pc:spChg>
+        <pc:spChg chg="add del mod">
+          <ac:chgData name="Akash Levy" userId="0f662538-7453-45f3-952a-fc9f1a7c515e" providerId="ADAL" clId="{615F8C4F-5DDB-C146-AD2D-80AE6169014A}" dt="2020-07-22T05:17:59.825" v="1875" actId="931"/>
+          <ac:spMkLst>
+            <pc:docMk/>
+            <pc:sldMk cId="720483808" sldId="268"/>
+            <ac:spMk id="18" creationId="{EB21C036-1A2F-154C-A56F-FF456CE64346}"/>
+          </ac:spMkLst>
+        </pc:spChg>
+        <pc:spChg chg="add del">
+          <ac:chgData name="Akash Levy" userId="0f662538-7453-45f3-952a-fc9f1a7c515e" providerId="ADAL" clId="{615F8C4F-5DDB-C146-AD2D-80AE6169014A}" dt="2020-07-22T05:18:01.805" v="1876" actId="26606"/>
+          <ac:spMkLst>
+            <pc:docMk/>
+            <pc:sldMk cId="720483808" sldId="268"/>
+            <ac:spMk id="19" creationId="{6753252F-4873-4F63-801D-CC719279A7D5}"/>
+          </ac:spMkLst>
+        </pc:spChg>
+        <pc:spChg chg="add del">
+          <ac:chgData name="Akash Levy" userId="0f662538-7453-45f3-952a-fc9f1a7c515e" providerId="ADAL" clId="{615F8C4F-5DDB-C146-AD2D-80AE6169014A}" dt="2020-07-22T05:18:01.805" v="1876" actId="26606"/>
+          <ac:spMkLst>
+            <pc:docMk/>
+            <pc:sldMk cId="720483808" sldId="268"/>
+            <ac:spMk id="21" creationId="{047C8CCB-F95D-4249-92DD-651249D3535A}"/>
+          </ac:spMkLst>
+        </pc:spChg>
+        <pc:spChg chg="add">
+          <ac:chgData name="Akash Levy" userId="0f662538-7453-45f3-952a-fc9f1a7c515e" providerId="ADAL" clId="{615F8C4F-5DDB-C146-AD2D-80AE6169014A}" dt="2020-07-22T05:18:01.805" v="1876" actId="26606"/>
+          <ac:spMkLst>
+            <pc:docMk/>
+            <pc:sldMk cId="720483808" sldId="268"/>
+            <ac:spMk id="24" creationId="{6753252F-4873-4F63-801D-CC719279A7D5}"/>
+          </ac:spMkLst>
+        </pc:spChg>
+        <pc:spChg chg="add">
+          <ac:chgData name="Akash Levy" userId="0f662538-7453-45f3-952a-fc9f1a7c515e" providerId="ADAL" clId="{615F8C4F-5DDB-C146-AD2D-80AE6169014A}" dt="2020-07-22T05:18:01.805" v="1876" actId="26606"/>
+          <ac:spMkLst>
+            <pc:docMk/>
+            <pc:sldMk cId="720483808" sldId="268"/>
+            <ac:spMk id="25" creationId="{047C8CCB-F95D-4249-92DD-651249D3535A}"/>
+          </ac:spMkLst>
+        </pc:spChg>
+        <pc:spChg chg="del">
+          <ac:chgData name="Akash Levy" userId="0f662538-7453-45f3-952a-fc9f1a7c515e" providerId="ADAL" clId="{615F8C4F-5DDB-C146-AD2D-80AE6169014A}" dt="2020-07-20T14:23:38.686" v="1104"/>
+          <ac:spMkLst>
+            <pc:docMk/>
+            <pc:sldMk cId="720483808" sldId="268"/>
+            <ac:spMk id="27" creationId="{823AC064-BC96-4F32-8AE1-B2FD38754823}"/>
+          </ac:spMkLst>
+        </pc:spChg>
+        <pc:picChg chg="del">
+          <ac:chgData name="Akash Levy" userId="0f662538-7453-45f3-952a-fc9f1a7c515e" providerId="ADAL" clId="{615F8C4F-5DDB-C146-AD2D-80AE6169014A}" dt="2020-07-20T14:23:35.512" v="1102" actId="478"/>
+          <ac:picMkLst>
+            <pc:docMk/>
+            <pc:sldMk cId="720483808" sldId="268"/>
+            <ac:picMk id="9" creationId="{B2686456-C76F-CA4E-A31D-D610C362CEBD}"/>
+          </ac:picMkLst>
+        </pc:picChg>
+        <pc:picChg chg="del mod">
+          <ac:chgData name="Akash Levy" userId="0f662538-7453-45f3-952a-fc9f1a7c515e" providerId="ADAL" clId="{615F8C4F-5DDB-C146-AD2D-80AE6169014A}" dt="2020-07-20T14:23:43.231" v="1105" actId="478"/>
+          <ac:picMkLst>
+            <pc:docMk/>
+            <pc:sldMk cId="720483808" sldId="268"/>
+            <ac:picMk id="12" creationId="{982E1A78-2F35-224B-B874-7716543B3BB9}"/>
+          </ac:picMkLst>
+        </pc:picChg>
+        <pc:picChg chg="add del mod">
+          <ac:chgData name="Akash Levy" userId="0f662538-7453-45f3-952a-fc9f1a7c515e" providerId="ADAL" clId="{615F8C4F-5DDB-C146-AD2D-80AE6169014A}" dt="2020-07-22T05:17:55.733" v="1874" actId="478"/>
+          <ac:picMkLst>
+            <pc:docMk/>
+            <pc:sldMk cId="720483808" sldId="268"/>
+            <ac:picMk id="14" creationId="{F4CC0AF8-46D6-664D-BE5D-6AE861CA7C4A}"/>
+          </ac:picMkLst>
+        </pc:picChg>
+        <pc:picChg chg="add mod">
+          <ac:chgData name="Akash Levy" userId="0f662538-7453-45f3-952a-fc9f1a7c515e" providerId="ADAL" clId="{615F8C4F-5DDB-C146-AD2D-80AE6169014A}" dt="2020-07-24T16:11:02.515" v="2706" actId="14826"/>
+          <ac:picMkLst>
+            <pc:docMk/>
+            <pc:sldMk cId="720483808" sldId="268"/>
+            <ac:picMk id="22" creationId="{29A0DA17-2B21-244D-AC00-21DE716C76F6}"/>
+          </ac:picMkLst>
+        </pc:picChg>
+        <pc:picChg chg="del">
+          <ac:chgData name="Akash Levy" userId="0f662538-7453-45f3-952a-fc9f1a7c515e" providerId="ADAL" clId="{615F8C4F-5DDB-C146-AD2D-80AE6169014A}" dt="2020-07-20T14:23:44.743" v="1106" actId="478"/>
+          <ac:picMkLst>
+            <pc:docMk/>
+            <pc:sldMk cId="720483808" sldId="268"/>
+            <ac:picMk id="26" creationId="{7D1E0688-355E-E448-AEDD-72D60E1091E0}"/>
+          </ac:picMkLst>
+        </pc:picChg>
+        <pc:picChg chg="add del mod">
+          <ac:chgData name="Akash Levy" userId="0f662538-7453-45f3-952a-fc9f1a7c515e" providerId="ADAL" clId="{615F8C4F-5DDB-C146-AD2D-80AE6169014A}" dt="2020-07-24T16:05:14.152" v="2669"/>
+          <ac:picMkLst>
+            <pc:docMk/>
+            <pc:sldMk cId="720483808" sldId="268"/>
+            <ac:picMk id="30" creationId="{857B555C-D091-E744-A2FF-182937F00910}"/>
+          </ac:picMkLst>
+        </pc:picChg>
+        <pc:cxnChg chg="del">
+          <ac:chgData name="Akash Levy" userId="0f662538-7453-45f3-952a-fc9f1a7c515e" providerId="ADAL" clId="{615F8C4F-5DDB-C146-AD2D-80AE6169014A}" dt="2020-07-20T14:23:38.686" v="1104"/>
+          <ac:cxnSpMkLst>
+            <pc:docMk/>
+            <pc:sldMk cId="720483808" sldId="268"/>
+            <ac:cxnSpMk id="28" creationId="{7E7C77BC-7138-40B1-A15B-20F57A494629}"/>
+          </ac:cxnSpMkLst>
+        </pc:cxnChg>
+        <pc:cxnChg chg="del">
+          <ac:chgData name="Akash Levy" userId="0f662538-7453-45f3-952a-fc9f1a7c515e" providerId="ADAL" clId="{615F8C4F-5DDB-C146-AD2D-80AE6169014A}" dt="2020-07-20T14:23:38.686" v="1104"/>
+          <ac:cxnSpMkLst>
+            <pc:docMk/>
+            <pc:sldMk cId="720483808" sldId="268"/>
+            <ac:cxnSpMk id="29" creationId="{DB146403-F3D6-484B-B2ED-97F9565D0370}"/>
+          </ac:cxnSpMkLst>
+        </pc:cxnChg>
+      </pc:sldChg>
+      <pc:sldChg chg="addSp delSp modSp add del mod modClrScheme delDesignElem chgLayout">
+        <pc:chgData name="Akash Levy" userId="0f662538-7453-45f3-952a-fc9f1a7c515e" providerId="ADAL" clId="{615F8C4F-5DDB-C146-AD2D-80AE6169014A}" dt="2020-07-20T14:23:21.335" v="1088" actId="2696"/>
+        <pc:sldMkLst>
+          <pc:docMk/>
+          <pc:sldMk cId="3746938557" sldId="268"/>
+        </pc:sldMkLst>
+        <pc:spChg chg="mod ord">
+          <ac:chgData name="Akash Levy" userId="0f662538-7453-45f3-952a-fc9f1a7c515e" providerId="ADAL" clId="{615F8C4F-5DDB-C146-AD2D-80AE6169014A}" dt="2020-07-20T14:23:11.186" v="1085" actId="700"/>
+          <ac:spMkLst>
+            <pc:docMk/>
+            <pc:sldMk cId="3746938557" sldId="268"/>
+            <ac:spMk id="2" creationId="{7B9E2CFA-2B31-6A4B-B5A2-1B35805CAF24}"/>
+          </ac:spMkLst>
+        </pc:spChg>
+        <pc:spChg chg="add del mod ord">
+          <ac:chgData name="Akash Levy" userId="0f662538-7453-45f3-952a-fc9f1a7c515e" providerId="ADAL" clId="{615F8C4F-5DDB-C146-AD2D-80AE6169014A}" dt="2020-07-20T14:23:11.186" v="1085" actId="700"/>
+          <ac:spMkLst>
+            <pc:docMk/>
+            <pc:sldMk cId="3746938557" sldId="268"/>
+            <ac:spMk id="4" creationId="{CFD2054C-2F1A-1740-8783-E0D481119BD1}"/>
+          </ac:spMkLst>
+        </pc:spChg>
+        <pc:spChg chg="add del mod">
+          <ac:chgData name="Akash Levy" userId="0f662538-7453-45f3-952a-fc9f1a7c515e" providerId="ADAL" clId="{615F8C4F-5DDB-C146-AD2D-80AE6169014A}" dt="2020-07-20T14:23:11.186" v="1085" actId="700"/>
+          <ac:spMkLst>
+            <pc:docMk/>
+            <pc:sldMk cId="3746938557" sldId="268"/>
+            <ac:spMk id="6" creationId="{F9057DF9-C511-C04D-9B1F-CB2A3C9F717F}"/>
+          </ac:spMkLst>
+        </pc:spChg>
+        <pc:spChg chg="add del mod ord">
+          <ac:chgData name="Akash Levy" userId="0f662538-7453-45f3-952a-fc9f1a7c515e" providerId="ADAL" clId="{615F8C4F-5DDB-C146-AD2D-80AE6169014A}" dt="2020-07-20T14:23:13.350" v="1086"/>
+          <ac:spMkLst>
+            <pc:docMk/>
+            <pc:sldMk cId="3746938557" sldId="268"/>
+            <ac:spMk id="7" creationId="{6FE8D61E-D652-5049-ADD9-FE5D48F8DA9F}"/>
+          </ac:spMkLst>
+        </pc:spChg>
+        <pc:spChg chg="add mod">
+          <ac:chgData name="Akash Levy" userId="0f662538-7453-45f3-952a-fc9f1a7c515e" providerId="ADAL" clId="{615F8C4F-5DDB-C146-AD2D-80AE6169014A}" dt="2020-07-20T14:23:14.675" v="1087" actId="478"/>
+          <ac:spMkLst>
+            <pc:docMk/>
+            <pc:sldMk cId="3746938557" sldId="268"/>
+            <ac:spMk id="10" creationId="{725B0AF6-0FAB-094C-A4EC-26F71EABB4F2}"/>
+          </ac:spMkLst>
+        </pc:spChg>
+        <pc:spChg chg="del">
+          <ac:chgData name="Akash Levy" userId="0f662538-7453-45f3-952a-fc9f1a7c515e" providerId="ADAL" clId="{615F8C4F-5DDB-C146-AD2D-80AE6169014A}" dt="2020-07-20T14:23:11.186" v="1085" actId="700"/>
+          <ac:spMkLst>
+            <pc:docMk/>
+            <pc:sldMk cId="3746938557" sldId="268"/>
+            <ac:spMk id="27" creationId="{823AC064-BC96-4F32-8AE1-B2FD38754823}"/>
+          </ac:spMkLst>
+        </pc:spChg>
+        <pc:picChg chg="del">
+          <ac:chgData name="Akash Levy" userId="0f662538-7453-45f3-952a-fc9f1a7c515e" providerId="ADAL" clId="{615F8C4F-5DDB-C146-AD2D-80AE6169014A}" dt="2020-07-20T14:23:06.705" v="1083" actId="478"/>
+          <ac:picMkLst>
+            <pc:docMk/>
+            <pc:sldMk cId="3746938557" sldId="268"/>
+            <ac:picMk id="9" creationId="{B2686456-C76F-CA4E-A31D-D610C362CEBD}"/>
+          </ac:picMkLst>
+        </pc:picChg>
+        <pc:picChg chg="del">
+          <ac:chgData name="Akash Levy" userId="0f662538-7453-45f3-952a-fc9f1a7c515e" providerId="ADAL" clId="{615F8C4F-5DDB-C146-AD2D-80AE6169014A}" dt="2020-07-20T14:23:07.768" v="1084" actId="478"/>
+          <ac:picMkLst>
+            <pc:docMk/>
+            <pc:sldMk cId="3746938557" sldId="268"/>
+            <ac:picMk id="12" creationId="{982E1A78-2F35-224B-B874-7716543B3BB9}"/>
+          </ac:picMkLst>
+        </pc:picChg>
+        <pc:picChg chg="add del mod">
+          <ac:chgData name="Akash Levy" userId="0f662538-7453-45f3-952a-fc9f1a7c515e" providerId="ADAL" clId="{615F8C4F-5DDB-C146-AD2D-80AE6169014A}" dt="2020-07-20T14:23:14.675" v="1087" actId="478"/>
+          <ac:picMkLst>
+            <pc:docMk/>
+            <pc:sldMk cId="3746938557" sldId="268"/>
+            <ac:picMk id="14" creationId="{80F4EF60-5EAA-2B4D-9A6A-97DF56212649}"/>
+          </ac:picMkLst>
+        </pc:picChg>
+        <pc:cxnChg chg="del">
+          <ac:chgData name="Akash Levy" userId="0f662538-7453-45f3-952a-fc9f1a7c515e" providerId="ADAL" clId="{615F8C4F-5DDB-C146-AD2D-80AE6169014A}" dt="2020-07-20T14:23:11.186" v="1085" actId="700"/>
+          <ac:cxnSpMkLst>
+            <pc:docMk/>
+            <pc:sldMk cId="3746938557" sldId="268"/>
+            <ac:cxnSpMk id="28" creationId="{7E7C77BC-7138-40B1-A15B-20F57A494629}"/>
+          </ac:cxnSpMkLst>
+        </pc:cxnChg>
+        <pc:cxnChg chg="del">
+          <ac:chgData name="Akash Levy" userId="0f662538-7453-45f3-952a-fc9f1a7c515e" providerId="ADAL" clId="{615F8C4F-5DDB-C146-AD2D-80AE6169014A}" dt="2020-07-20T14:23:11.186" v="1085" actId="700"/>
+          <ac:cxnSpMkLst>
+            <pc:docMk/>
+            <pc:sldMk cId="3746938557" sldId="268"/>
+            <ac:cxnSpMk id="29" creationId="{DB146403-F3D6-484B-B2ED-97F9565D0370}"/>
+          </ac:cxnSpMkLst>
+        </pc:cxnChg>
+      </pc:sldChg>
+      <pc:sldChg chg="addSp delSp modSp add mod">
+        <pc:chgData name="Akash Levy" userId="0f662538-7453-45f3-952a-fc9f1a7c515e" providerId="ADAL" clId="{615F8C4F-5DDB-C146-AD2D-80AE6169014A}" dt="2020-07-24T16:21:53.831" v="2785"/>
+        <pc:sldMkLst>
+          <pc:docMk/>
+          <pc:sldMk cId="2891184337" sldId="269"/>
+        </pc:sldMkLst>
+        <pc:spChg chg="mod">
+          <ac:chgData name="Akash Levy" userId="0f662538-7453-45f3-952a-fc9f1a7c515e" providerId="ADAL" clId="{615F8C4F-5DDB-C146-AD2D-80AE6169014A}" dt="2020-07-24T16:20:43.340" v="2770" actId="20577"/>
+          <ac:spMkLst>
+            <pc:docMk/>
+            <pc:sldMk cId="2891184337" sldId="269"/>
+            <ac:spMk id="2" creationId="{0DC20D0A-1987-9B4E-A869-51F473A5029A}"/>
+          </ac:spMkLst>
+        </pc:spChg>
+        <pc:spChg chg="add del mod">
+          <ac:chgData name="Akash Levy" userId="0f662538-7453-45f3-952a-fc9f1a7c515e" providerId="ADAL" clId="{615F8C4F-5DDB-C146-AD2D-80AE6169014A}" dt="2020-07-20T14:43:58.774" v="1298" actId="3680"/>
+          <ac:spMkLst>
+            <pc:docMk/>
+            <pc:sldMk cId="2891184337" sldId="269"/>
+            <ac:spMk id="4" creationId="{B9A5BA71-2F96-BC45-AD5E-9F47054C3EF3}"/>
+          </ac:spMkLst>
+        </pc:spChg>
+        <pc:spChg chg="del">
+          <ac:chgData name="Akash Levy" userId="0f662538-7453-45f3-952a-fc9f1a7c515e" providerId="ADAL" clId="{615F8C4F-5DDB-C146-AD2D-80AE6169014A}" dt="2020-07-20T14:44:15.103" v="1300" actId="26606"/>
+          <ac:spMkLst>
+            <pc:docMk/>
+            <pc:sldMk cId="2891184337" sldId="269"/>
+            <ac:spMk id="11" creationId="{6753252F-4873-4F63-801D-CC719279A7D5}"/>
+          </ac:spMkLst>
+        </pc:spChg>
+        <pc:spChg chg="del">
+          <ac:chgData name="Akash Levy" userId="0f662538-7453-45f3-952a-fc9f1a7c515e" providerId="ADAL" clId="{615F8C4F-5DDB-C146-AD2D-80AE6169014A}" dt="2020-07-20T14:44:15.103" v="1300" actId="26606"/>
+          <ac:spMkLst>
+            <pc:docMk/>
+            <pc:sldMk cId="2891184337" sldId="269"/>
+            <ac:spMk id="13" creationId="{047C8CCB-F95D-4249-92DD-651249D3535A}"/>
+          </ac:spMkLst>
+        </pc:spChg>
+        <pc:spChg chg="add del">
+          <ac:chgData name="Akash Levy" userId="0f662538-7453-45f3-952a-fc9f1a7c515e" providerId="ADAL" clId="{615F8C4F-5DDB-C146-AD2D-80AE6169014A}" dt="2020-07-20T14:44:19.047" v="1301" actId="478"/>
+          <ac:spMkLst>
+            <pc:docMk/>
+            <pc:sldMk cId="2891184337" sldId="269"/>
+            <ac:spMk id="18" creationId="{2AE7D00C-A18E-40A5-A405-318EDEC823FA}"/>
+          </ac:spMkLst>
+        </pc:spChg>
+        <pc:spChg chg="add del">
+          <ac:chgData name="Akash Levy" userId="0f662538-7453-45f3-952a-fc9f1a7c515e" providerId="ADAL" clId="{615F8C4F-5DDB-C146-AD2D-80AE6169014A}" dt="2020-07-20T14:44:28.695" v="1310" actId="26606"/>
+          <ac:spMkLst>
+            <pc:docMk/>
+            <pc:sldMk cId="2891184337" sldId="269"/>
+            <ac:spMk id="21" creationId="{42A5316D-ED2F-4F89-B4B4-8D9240B1A348}"/>
+          </ac:spMkLst>
+        </pc:spChg>
+        <pc:spChg chg="add del">
+          <ac:chgData name="Akash Levy" userId="0f662538-7453-45f3-952a-fc9f1a7c515e" providerId="ADAL" clId="{615F8C4F-5DDB-C146-AD2D-80AE6169014A}" dt="2020-07-20T14:44:24.218" v="1303" actId="26606"/>
+          <ac:spMkLst>
+            <pc:docMk/>
+            <pc:sldMk cId="2891184337" sldId="269"/>
+            <ac:spMk id="26" creationId="{EB270761-CC40-4F3F-A916-7E3BC3989348}"/>
+          </ac:spMkLst>
+        </pc:spChg>
+        <pc:spChg chg="add del">
+          <ac:chgData name="Akash Levy" userId="0f662538-7453-45f3-952a-fc9f1a7c515e" providerId="ADAL" clId="{615F8C4F-5DDB-C146-AD2D-80AE6169014A}" dt="2020-07-20T14:44:24.218" v="1303" actId="26606"/>
+          <ac:spMkLst>
+            <pc:docMk/>
+            <pc:sldMk cId="2891184337" sldId="269"/>
+            <ac:spMk id="28" creationId="{A2555B16-BE1D-4C33-A27C-FF0671B6C94C}"/>
+          </ac:spMkLst>
+        </pc:spChg>
+        <pc:spChg chg="add del">
+          <ac:chgData name="Akash Levy" userId="0f662538-7453-45f3-952a-fc9f1a7c515e" providerId="ADAL" clId="{615F8C4F-5DDB-C146-AD2D-80AE6169014A}" dt="2020-07-20T14:44:26.532" v="1305" actId="26606"/>
+          <ac:spMkLst>
+            <pc:docMk/>
+            <pc:sldMk cId="2891184337" sldId="269"/>
+            <ac:spMk id="30" creationId="{6753252F-4873-4F63-801D-CC719279A7D5}"/>
+          </ac:spMkLst>
+        </pc:spChg>
+        <pc:spChg chg="add del">
+          <ac:chgData name="Akash Levy" userId="0f662538-7453-45f3-952a-fc9f1a7c515e" providerId="ADAL" clId="{615F8C4F-5DDB-C146-AD2D-80AE6169014A}" dt="2020-07-20T14:44:26.532" v="1305" actId="26606"/>
+          <ac:spMkLst>
+            <pc:docMk/>
+            <pc:sldMk cId="2891184337" sldId="269"/>
+            <ac:spMk id="31" creationId="{047C8CCB-F95D-4249-92DD-651249D3535A}"/>
+          </ac:spMkLst>
+        </pc:spChg>
+        <pc:spChg chg="add del">
+          <ac:chgData name="Akash Levy" userId="0f662538-7453-45f3-952a-fc9f1a7c515e" providerId="ADAL" clId="{615F8C4F-5DDB-C146-AD2D-80AE6169014A}" dt="2020-07-20T14:44:27.448" v="1307" actId="26606"/>
+          <ac:spMkLst>
+            <pc:docMk/>
+            <pc:sldMk cId="2891184337" sldId="269"/>
+            <ac:spMk id="33" creationId="{6753252F-4873-4F63-801D-CC719279A7D5}"/>
+          </ac:spMkLst>
+        </pc:spChg>
+        <pc:spChg chg="add del">
+          <ac:chgData name="Akash Levy" userId="0f662538-7453-45f3-952a-fc9f1a7c515e" providerId="ADAL" clId="{615F8C4F-5DDB-C146-AD2D-80AE6169014A}" dt="2020-07-20T14:44:27.448" v="1307" actId="26606"/>
+          <ac:spMkLst>
+            <pc:docMk/>
+            <pc:sldMk cId="2891184337" sldId="269"/>
+            <ac:spMk id="34" creationId="{047C8CCB-F95D-4249-92DD-651249D3535A}"/>
+          </ac:spMkLst>
+        </pc:spChg>
+        <pc:spChg chg="add del">
+          <ac:chgData name="Akash Levy" userId="0f662538-7453-45f3-952a-fc9f1a7c515e" providerId="ADAL" clId="{615F8C4F-5DDB-C146-AD2D-80AE6169014A}" dt="2020-07-20T14:44:28.612" v="1309" actId="26606"/>
+          <ac:spMkLst>
+            <pc:docMk/>
+            <pc:sldMk cId="2891184337" sldId="269"/>
+            <ac:spMk id="36" creationId="{6753252F-4873-4F63-801D-CC719279A7D5}"/>
+          </ac:spMkLst>
+        </pc:spChg>
+        <pc:spChg chg="add del">
+          <ac:chgData name="Akash Levy" userId="0f662538-7453-45f3-952a-fc9f1a7c515e" providerId="ADAL" clId="{615F8C4F-5DDB-C146-AD2D-80AE6169014A}" dt="2020-07-20T14:44:28.612" v="1309" actId="26606"/>
+          <ac:spMkLst>
+            <pc:docMk/>
+            <pc:sldMk cId="2891184337" sldId="269"/>
+            <ac:spMk id="37" creationId="{047C8CCB-F95D-4249-92DD-651249D3535A}"/>
+          </ac:spMkLst>
+        </pc:spChg>
+        <pc:spChg chg="add del">
+          <ac:chgData name="Akash Levy" userId="0f662538-7453-45f3-952a-fc9f1a7c515e" providerId="ADAL" clId="{615F8C4F-5DDB-C146-AD2D-80AE6169014A}" dt="2020-07-20T14:45:00.830" v="1325" actId="26606"/>
+          <ac:spMkLst>
+            <pc:docMk/>
+            <pc:sldMk cId="2891184337" sldId="269"/>
+            <ac:spMk id="39" creationId="{6753252F-4873-4F63-801D-CC719279A7D5}"/>
+          </ac:spMkLst>
+        </pc:spChg>
+        <pc:spChg chg="add del">
+          <ac:chgData name="Akash Levy" userId="0f662538-7453-45f3-952a-fc9f1a7c515e" providerId="ADAL" clId="{615F8C4F-5DDB-C146-AD2D-80AE6169014A}" dt="2020-07-20T14:45:00.830" v="1325" actId="26606"/>
+          <ac:spMkLst>
+            <pc:docMk/>
+            <pc:sldMk cId="2891184337" sldId="269"/>
+            <ac:spMk id="40" creationId="{047C8CCB-F95D-4249-92DD-651249D3535A}"/>
+          </ac:spMkLst>
+        </pc:spChg>
+        <pc:spChg chg="add del">
+          <ac:chgData name="Akash Levy" userId="0f662538-7453-45f3-952a-fc9f1a7c515e" providerId="ADAL" clId="{615F8C4F-5DDB-C146-AD2D-80AE6169014A}" dt="2020-07-20T14:44:57.763" v="1320" actId="26606"/>
+          <ac:spMkLst>
+            <pc:docMk/>
+            <pc:sldMk cId="2891184337" sldId="269"/>
+            <ac:spMk id="45" creationId="{6753252F-4873-4F63-801D-CC719279A7D5}"/>
+          </ac:spMkLst>
+        </pc:spChg>
+        <pc:spChg chg="add del">
+          <ac:chgData name="Akash Levy" userId="0f662538-7453-45f3-952a-fc9f1a7c515e" providerId="ADAL" clId="{615F8C4F-5DDB-C146-AD2D-80AE6169014A}" dt="2020-07-20T14:44:57.763" v="1320" actId="26606"/>
+          <ac:spMkLst>
+            <pc:docMk/>
+            <pc:sldMk cId="2891184337" sldId="269"/>
+            <ac:spMk id="47" creationId="{047C8CCB-F95D-4249-92DD-651249D3535A}"/>
+          </ac:spMkLst>
+        </pc:spChg>
+        <pc:spChg chg="add del">
+          <ac:chgData name="Akash Levy" userId="0f662538-7453-45f3-952a-fc9f1a7c515e" providerId="ADAL" clId="{615F8C4F-5DDB-C146-AD2D-80AE6169014A}" dt="2020-07-20T14:44:58.587" v="1322" actId="26606"/>
+          <ac:spMkLst>
+            <pc:docMk/>
+            <pc:sldMk cId="2891184337" sldId="269"/>
+            <ac:spMk id="49" creationId="{6753252F-4873-4F63-801D-CC719279A7D5}"/>
+          </ac:spMkLst>
+        </pc:spChg>
+        <pc:spChg chg="add del">
+          <ac:chgData name="Akash Levy" userId="0f662538-7453-45f3-952a-fc9f1a7c515e" providerId="ADAL" clId="{615F8C4F-5DDB-C146-AD2D-80AE6169014A}" dt="2020-07-20T14:44:58.587" v="1322" actId="26606"/>
+          <ac:spMkLst>
+            <pc:docMk/>
+            <pc:sldMk cId="2891184337" sldId="269"/>
+            <ac:spMk id="50" creationId="{047C8CCB-F95D-4249-92DD-651249D3535A}"/>
+          </ac:spMkLst>
+        </pc:spChg>
+        <pc:spChg chg="add del">
+          <ac:chgData name="Akash Levy" userId="0f662538-7453-45f3-952a-fc9f1a7c515e" providerId="ADAL" clId="{615F8C4F-5DDB-C146-AD2D-80AE6169014A}" dt="2020-07-20T14:45:00.746" v="1324" actId="26606"/>
+          <ac:spMkLst>
+            <pc:docMk/>
+            <pc:sldMk cId="2891184337" sldId="269"/>
+            <ac:spMk id="52" creationId="{6753252F-4873-4F63-801D-CC719279A7D5}"/>
+          </ac:spMkLst>
+        </pc:spChg>
+        <pc:spChg chg="add del">
+          <ac:chgData name="Akash Levy" userId="0f662538-7453-45f3-952a-fc9f1a7c515e" providerId="ADAL" clId="{615F8C4F-5DDB-C146-AD2D-80AE6169014A}" dt="2020-07-20T14:45:00.746" v="1324" actId="26606"/>
+          <ac:spMkLst>
+            <pc:docMk/>
+            <pc:sldMk cId="2891184337" sldId="269"/>
+            <ac:spMk id="53" creationId="{047C8CCB-F95D-4249-92DD-651249D3535A}"/>
+          </ac:spMkLst>
+        </pc:spChg>
+        <pc:spChg chg="add del">
+          <ac:chgData name="Akash Levy" userId="0f662538-7453-45f3-952a-fc9f1a7c515e" providerId="ADAL" clId="{615F8C4F-5DDB-C146-AD2D-80AE6169014A}" dt="2020-07-21T02:41:28.079" v="1838" actId="26606"/>
+          <ac:spMkLst>
+            <pc:docMk/>
+            <pc:sldMk cId="2891184337" sldId="269"/>
+            <ac:spMk id="55" creationId="{6753252F-4873-4F63-801D-CC719279A7D5}"/>
+          </ac:spMkLst>
+        </pc:spChg>
+        <pc:spChg chg="add del">
+          <ac:chgData name="Akash Levy" userId="0f662538-7453-45f3-952a-fc9f1a7c515e" providerId="ADAL" clId="{615F8C4F-5DDB-C146-AD2D-80AE6169014A}" dt="2020-07-21T02:41:28.079" v="1838" actId="26606"/>
+          <ac:spMkLst>
+            <pc:docMk/>
+            <pc:sldMk cId="2891184337" sldId="269"/>
+            <ac:spMk id="56" creationId="{047C8CCB-F95D-4249-92DD-651249D3535A}"/>
+          </ac:spMkLst>
+        </pc:spChg>
+        <pc:spChg chg="add del">
+          <ac:chgData name="Akash Levy" userId="0f662538-7453-45f3-952a-fc9f1a7c515e" providerId="ADAL" clId="{615F8C4F-5DDB-C146-AD2D-80AE6169014A}" dt="2020-07-24T16:20:13.223" v="2757" actId="26606"/>
+          <ac:spMkLst>
+            <pc:docMk/>
+            <pc:sldMk cId="2891184337" sldId="269"/>
+            <ac:spMk id="61" creationId="{6753252F-4873-4F63-801D-CC719279A7D5}"/>
+          </ac:spMkLst>
+        </pc:spChg>
+        <pc:spChg chg="add del">
+          <ac:chgData name="Akash Levy" userId="0f662538-7453-45f3-952a-fc9f1a7c515e" providerId="ADAL" clId="{615F8C4F-5DDB-C146-AD2D-80AE6169014A}" dt="2020-07-24T16:20:13.223" v="2757" actId="26606"/>
+          <ac:spMkLst>
+            <pc:docMk/>
+            <pc:sldMk cId="2891184337" sldId="269"/>
+            <ac:spMk id="63" creationId="{047C8CCB-F95D-4249-92DD-651249D3535A}"/>
+          </ac:spMkLst>
+        </pc:spChg>
+        <pc:spChg chg="add del">
+          <ac:chgData name="Akash Levy" userId="0f662538-7453-45f3-952a-fc9f1a7c515e" providerId="ADAL" clId="{615F8C4F-5DDB-C146-AD2D-80AE6169014A}" dt="2020-07-24T16:20:52.163" v="2773" actId="26606"/>
+          <ac:spMkLst>
+            <pc:docMk/>
+            <pc:sldMk cId="2891184337" sldId="269"/>
+            <ac:spMk id="68" creationId="{6753252F-4873-4F63-801D-CC719279A7D5}"/>
+          </ac:spMkLst>
+        </pc:spChg>
+        <pc:spChg chg="add del">
+          <ac:chgData name="Akash Levy" userId="0f662538-7453-45f3-952a-fc9f1a7c515e" providerId="ADAL" clId="{615F8C4F-5DDB-C146-AD2D-80AE6169014A}" dt="2020-07-24T16:20:52.163" v="2773" actId="26606"/>
+          <ac:spMkLst>
+            <pc:docMk/>
+            <pc:sldMk cId="2891184337" sldId="269"/>
+            <ac:spMk id="70" creationId="{047C8CCB-F95D-4249-92DD-651249D3535A}"/>
+          </ac:spMkLst>
+        </pc:spChg>
+        <pc:spChg chg="add del">
+          <ac:chgData name="Akash Levy" userId="0f662538-7453-45f3-952a-fc9f1a7c515e" providerId="ADAL" clId="{615F8C4F-5DDB-C146-AD2D-80AE6169014A}" dt="2020-07-24T16:21:25.127" v="2782" actId="26606"/>
+          <ac:spMkLst>
+            <pc:docMk/>
+            <pc:sldMk cId="2891184337" sldId="269"/>
+            <ac:spMk id="72" creationId="{6753252F-4873-4F63-801D-CC719279A7D5}"/>
+          </ac:spMkLst>
+        </pc:spChg>
+        <pc:spChg chg="add del">
+          <ac:chgData name="Akash Levy" userId="0f662538-7453-45f3-952a-fc9f1a7c515e" providerId="ADAL" clId="{615F8C4F-5DDB-C146-AD2D-80AE6169014A}" dt="2020-07-24T16:21:25.127" v="2782" actId="26606"/>
+          <ac:spMkLst>
+            <pc:docMk/>
+            <pc:sldMk cId="2891184337" sldId="269"/>
+            <ac:spMk id="73" creationId="{047C8CCB-F95D-4249-92DD-651249D3535A}"/>
+          </ac:spMkLst>
+        </pc:spChg>
+        <pc:spChg chg="add del">
+          <ac:chgData name="Akash Levy" userId="0f662538-7453-45f3-952a-fc9f1a7c515e" providerId="ADAL" clId="{615F8C4F-5DDB-C146-AD2D-80AE6169014A}" dt="2020-07-24T16:20:50.261" v="2772" actId="26606"/>
+          <ac:spMkLst>
+            <pc:docMk/>
+            <pc:sldMk cId="2891184337" sldId="269"/>
+            <ac:spMk id="75" creationId="{6753252F-4873-4F63-801D-CC719279A7D5}"/>
+          </ac:spMkLst>
+        </pc:spChg>
+        <pc:spChg chg="add del">
+          <ac:chgData name="Akash Levy" userId="0f662538-7453-45f3-952a-fc9f1a7c515e" providerId="ADAL" clId="{615F8C4F-5DDB-C146-AD2D-80AE6169014A}" dt="2020-07-24T16:20:50.261" v="2772" actId="26606"/>
+          <ac:spMkLst>
+            <pc:docMk/>
+            <pc:sldMk cId="2891184337" sldId="269"/>
+            <ac:spMk id="77" creationId="{047C8CCB-F95D-4249-92DD-651249D3535A}"/>
+          </ac:spMkLst>
+        </pc:spChg>
+        <pc:spChg chg="add del">
+          <ac:chgData name="Akash Levy" userId="0f662538-7453-45f3-952a-fc9f1a7c515e" providerId="ADAL" clId="{615F8C4F-5DDB-C146-AD2D-80AE6169014A}" dt="2020-07-24T16:21:21.842" v="2777" actId="26606"/>
+          <ac:spMkLst>
+            <pc:docMk/>
+            <pc:sldMk cId="2891184337" sldId="269"/>
+            <ac:spMk id="78" creationId="{6753252F-4873-4F63-801D-CC719279A7D5}"/>
+          </ac:spMkLst>
+        </pc:spChg>
+        <pc:spChg chg="add del">
+          <ac:chgData name="Akash Levy" userId="0f662538-7453-45f3-952a-fc9f1a7c515e" providerId="ADAL" clId="{615F8C4F-5DDB-C146-AD2D-80AE6169014A}" dt="2020-07-24T16:21:21.842" v="2777" actId="26606"/>
+          <ac:spMkLst>
+            <pc:docMk/>
+            <pc:sldMk cId="2891184337" sldId="269"/>
+            <ac:spMk id="80" creationId="{047C8CCB-F95D-4249-92DD-651249D3535A}"/>
+          </ac:spMkLst>
+        </pc:spChg>
+        <pc:spChg chg="add del">
+          <ac:chgData name="Akash Levy" userId="0f662538-7453-45f3-952a-fc9f1a7c515e" providerId="ADAL" clId="{615F8C4F-5DDB-C146-AD2D-80AE6169014A}" dt="2020-07-24T16:21:23.709" v="2779" actId="26606"/>
+          <ac:spMkLst>
+            <pc:docMk/>
+            <pc:sldMk cId="2891184337" sldId="269"/>
+            <ac:spMk id="82" creationId="{6753252F-4873-4F63-801D-CC719279A7D5}"/>
+          </ac:spMkLst>
+        </pc:spChg>
+        <pc:spChg chg="add del">
+          <ac:chgData name="Akash Levy" userId="0f662538-7453-45f3-952a-fc9f1a7c515e" providerId="ADAL" clId="{615F8C4F-5DDB-C146-AD2D-80AE6169014A}" dt="2020-07-24T16:21:23.709" v="2779" actId="26606"/>
+          <ac:spMkLst>
+            <pc:docMk/>
+            <pc:sldMk cId="2891184337" sldId="269"/>
+            <ac:spMk id="83" creationId="{047C8CCB-F95D-4249-92DD-651249D3535A}"/>
+          </ac:spMkLst>
+        </pc:spChg>
+        <pc:spChg chg="add del">
+          <ac:chgData name="Akash Levy" userId="0f662538-7453-45f3-952a-fc9f1a7c515e" providerId="ADAL" clId="{615F8C4F-5DDB-C146-AD2D-80AE6169014A}" dt="2020-07-24T16:21:25.064" v="2781" actId="26606"/>
+          <ac:spMkLst>
+            <pc:docMk/>
+            <pc:sldMk cId="2891184337" sldId="269"/>
+            <ac:spMk id="85" creationId="{6753252F-4873-4F63-801D-CC719279A7D5}"/>
+          </ac:spMkLst>
+        </pc:spChg>
+        <pc:spChg chg="add del">
+          <ac:chgData name="Akash Levy" userId="0f662538-7453-45f3-952a-fc9f1a7c515e" providerId="ADAL" clId="{615F8C4F-5DDB-C146-AD2D-80AE6169014A}" dt="2020-07-24T16:21:25.064" v="2781" actId="26606"/>
+          <ac:spMkLst>
+            <pc:docMk/>
+            <pc:sldMk cId="2891184337" sldId="269"/>
+            <ac:spMk id="86" creationId="{047C8CCB-F95D-4249-92DD-651249D3535A}"/>
+          </ac:spMkLst>
+        </pc:spChg>
+        <pc:spChg chg="add">
+          <ac:chgData name="Akash Levy" userId="0f662538-7453-45f3-952a-fc9f1a7c515e" providerId="ADAL" clId="{615F8C4F-5DDB-C146-AD2D-80AE6169014A}" dt="2020-07-24T16:21:25.127" v="2782" actId="26606"/>
+          <ac:spMkLst>
+            <pc:docMk/>
+            <pc:sldMk cId="2891184337" sldId="269"/>
+            <ac:spMk id="88" creationId="{6753252F-4873-4F63-801D-CC719279A7D5}"/>
+          </ac:spMkLst>
+        </pc:spChg>
+        <pc:spChg chg="add">
+          <ac:chgData name="Akash Levy" userId="0f662538-7453-45f3-952a-fc9f1a7c515e" providerId="ADAL" clId="{615F8C4F-5DDB-C146-AD2D-80AE6169014A}" dt="2020-07-24T16:21:25.127" v="2782" actId="26606"/>
+          <ac:spMkLst>
+            <pc:docMk/>
+            <pc:sldMk cId="2891184337" sldId="269"/>
+            <ac:spMk id="89" creationId="{047C8CCB-F95D-4249-92DD-651249D3535A}"/>
+          </ac:spMkLst>
+        </pc:spChg>
+        <pc:graphicFrameChg chg="add del mod">
+          <ac:chgData name="Akash Levy" userId="0f662538-7453-45f3-952a-fc9f1a7c515e" providerId="ADAL" clId="{615F8C4F-5DDB-C146-AD2D-80AE6169014A}" dt="2020-07-20T14:44:15.103" v="1300" actId="26606"/>
+          <ac:graphicFrameMkLst>
+            <pc:docMk/>
+            <pc:sldMk cId="2891184337" sldId="269"/>
+            <ac:graphicFrameMk id="5" creationId="{408DA692-8F4E-8F48-8516-BB1D21B94E8B}"/>
+          </ac:graphicFrameMkLst>
+        </pc:graphicFrameChg>
+        <pc:graphicFrameChg chg="add mod modGraphic">
+          <ac:chgData name="Akash Levy" userId="0f662538-7453-45f3-952a-fc9f1a7c515e" providerId="ADAL" clId="{615F8C4F-5DDB-C146-AD2D-80AE6169014A}" dt="2020-07-24T16:21:53.831" v="2785"/>
+          <ac:graphicFrameMkLst>
+            <pc:docMk/>
+            <pc:sldMk cId="2891184337" sldId="269"/>
+            <ac:graphicFrameMk id="16" creationId="{408DA692-8F4E-8F48-8516-BB1D21B94E8B}"/>
+          </ac:graphicFrameMkLst>
+        </pc:graphicFrameChg>
+        <pc:picChg chg="del">
+          <ac:chgData name="Akash Levy" userId="0f662538-7453-45f3-952a-fc9f1a7c515e" providerId="ADAL" clId="{615F8C4F-5DDB-C146-AD2D-80AE6169014A}" dt="2020-07-20T14:43:51.374" v="1293" actId="478"/>
+          <ac:picMkLst>
+            <pc:docMk/>
+            <pc:sldMk cId="2891184337" sldId="269"/>
+            <ac:picMk id="6" creationId="{B9A7FAC3-633F-DC4C-A765-A9F602BD6C78}"/>
+          </ac:picMkLst>
+        </pc:picChg>
+      </pc:sldChg>
+      <pc:sldChg chg="addSp delSp modSp add mod setBg">
+        <pc:chgData name="Akash Levy" userId="0f662538-7453-45f3-952a-fc9f1a7c515e" providerId="ADAL" clId="{615F8C4F-5DDB-C146-AD2D-80AE6169014A}" dt="2020-07-24T16:22:14.176" v="2786"/>
+        <pc:sldMkLst>
+          <pc:docMk/>
+          <pc:sldMk cId="3533247881" sldId="270"/>
+        </pc:sldMkLst>
+        <pc:spChg chg="mod">
+          <ac:chgData name="Akash Levy" userId="0f662538-7453-45f3-952a-fc9f1a7c515e" providerId="ADAL" clId="{615F8C4F-5DDB-C146-AD2D-80AE6169014A}" dt="2020-07-20T14:59:10.274" v="1779" actId="26606"/>
+          <ac:spMkLst>
+            <pc:docMk/>
+            <pc:sldMk cId="3533247881" sldId="270"/>
+            <ac:spMk id="2" creationId="{FC47B41E-90B5-D14B-82FA-CC03960D78D5}"/>
+          </ac:spMkLst>
+        </pc:spChg>
+        <pc:spChg chg="del">
+          <ac:chgData name="Akash Levy" userId="0f662538-7453-45f3-952a-fc9f1a7c515e" providerId="ADAL" clId="{615F8C4F-5DDB-C146-AD2D-80AE6169014A}" dt="2020-07-20T14:54:23.845" v="1472" actId="3680"/>
+          <ac:spMkLst>
+            <pc:docMk/>
+            <pc:sldMk cId="3533247881" sldId="270"/>
+            <ac:spMk id="3" creationId="{883B3AF1-B6F1-284E-9008-F475198C05FF}"/>
+          </ac:spMkLst>
+        </pc:spChg>
+        <pc:spChg chg="add del">
+          <ac:chgData name="Akash Levy" userId="0f662538-7453-45f3-952a-fc9f1a7c515e" providerId="ADAL" clId="{615F8C4F-5DDB-C146-AD2D-80AE6169014A}" dt="2020-07-20T14:59:04.409" v="1772" actId="26606"/>
+          <ac:spMkLst>
+            <pc:docMk/>
+            <pc:sldMk cId="3533247881" sldId="270"/>
+            <ac:spMk id="9" creationId="{D299C5FB-7A59-4B3B-84E3-B3B600F9BCAD}"/>
+          </ac:spMkLst>
+        </pc:spChg>
+        <pc:spChg chg="add del">
+          <ac:chgData name="Akash Levy" userId="0f662538-7453-45f3-952a-fc9f1a7c515e" providerId="ADAL" clId="{615F8C4F-5DDB-C146-AD2D-80AE6169014A}" dt="2020-07-20T14:59:04.409" v="1772" actId="26606"/>
+          <ac:spMkLst>
+            <pc:docMk/>
+            <pc:sldMk cId="3533247881" sldId="270"/>
+            <ac:spMk id="12" creationId="{42A5316D-ED2F-4F89-B4B4-8D9240B1A348}"/>
+          </ac:spMkLst>
+        </pc:spChg>
+        <pc:spChg chg="add del">
+          <ac:chgData name="Akash Levy" userId="0f662538-7453-45f3-952a-fc9f1a7c515e" providerId="ADAL" clId="{615F8C4F-5DDB-C146-AD2D-80AE6169014A}" dt="2020-07-20T14:59:10.274" v="1779" actId="26606"/>
+          <ac:spMkLst>
+            <pc:docMk/>
+            <pc:sldMk cId="3533247881" sldId="270"/>
+            <ac:spMk id="14" creationId="{42A5316D-ED2F-4F89-B4B4-8D9240B1A348}"/>
+          </ac:spMkLst>
+        </pc:spChg>
+        <pc:spChg chg="add del">
+          <ac:chgData name="Akash Levy" userId="0f662538-7453-45f3-952a-fc9f1a7c515e" providerId="ADAL" clId="{615F8C4F-5DDB-C146-AD2D-80AE6169014A}" dt="2020-07-20T14:59:06.224" v="1774" actId="478"/>
+          <ac:spMkLst>
+            <pc:docMk/>
+            <pc:sldMk cId="3533247881" sldId="270"/>
+            <ac:spMk id="15" creationId="{783BF878-E2FB-4B19-AEF5-18D9936371EE}"/>
+          </ac:spMkLst>
+        </pc:spChg>
+        <pc:spChg chg="add del">
+          <ac:chgData name="Akash Levy" userId="0f662538-7453-45f3-952a-fc9f1a7c515e" providerId="ADAL" clId="{615F8C4F-5DDB-C146-AD2D-80AE6169014A}" dt="2020-07-20T14:59:08.602" v="1776" actId="26606"/>
+          <ac:spMkLst>
+            <pc:docMk/>
+            <pc:sldMk cId="3533247881" sldId="270"/>
+            <ac:spMk id="21" creationId="{A4AC5506-6312-4701-8D3C-40187889A947}"/>
+          </ac:spMkLst>
+        </pc:spChg>
+        <pc:spChg chg="add del">
+          <ac:chgData name="Akash Levy" userId="0f662538-7453-45f3-952a-fc9f1a7c515e" providerId="ADAL" clId="{615F8C4F-5DDB-C146-AD2D-80AE6169014A}" dt="2020-07-20T14:59:10.162" v="1778" actId="26606"/>
+          <ac:spMkLst>
+            <pc:docMk/>
+            <pc:sldMk cId="3533247881" sldId="270"/>
+            <ac:spMk id="23" creationId="{A4AC5506-6312-4701-8D3C-40187889A947}"/>
+          </ac:spMkLst>
+        </pc:spChg>
+        <pc:spChg chg="add">
+          <ac:chgData name="Akash Levy" userId="0f662538-7453-45f3-952a-fc9f1a7c515e" providerId="ADAL" clId="{615F8C4F-5DDB-C146-AD2D-80AE6169014A}" dt="2020-07-20T14:59:10.274" v="1779" actId="26606"/>
+          <ac:spMkLst>
+            <pc:docMk/>
+            <pc:sldMk cId="3533247881" sldId="270"/>
+            <ac:spMk id="25" creationId="{6753252F-4873-4F63-801D-CC719279A7D5}"/>
+          </ac:spMkLst>
+        </pc:spChg>
+        <pc:spChg chg="add">
+          <ac:chgData name="Akash Levy" userId="0f662538-7453-45f3-952a-fc9f1a7c515e" providerId="ADAL" clId="{615F8C4F-5DDB-C146-AD2D-80AE6169014A}" dt="2020-07-20T14:59:10.274" v="1779" actId="26606"/>
+          <ac:spMkLst>
+            <pc:docMk/>
+            <pc:sldMk cId="3533247881" sldId="270"/>
+            <ac:spMk id="26" creationId="{047C8CCB-F95D-4249-92DD-651249D3535A}"/>
+          </ac:spMkLst>
+        </pc:spChg>
+        <pc:graphicFrameChg chg="add del mod modGraphic">
+          <ac:chgData name="Akash Levy" userId="0f662538-7453-45f3-952a-fc9f1a7c515e" providerId="ADAL" clId="{615F8C4F-5DDB-C146-AD2D-80AE6169014A}" dt="2020-07-20T14:59:04.424" v="1773" actId="26606"/>
+          <ac:graphicFrameMkLst>
+            <pc:docMk/>
+            <pc:sldMk cId="3533247881" sldId="270"/>
+            <ac:graphicFrameMk id="4" creationId="{6DFCCF45-5481-BF4A-8082-752758907726}"/>
+          </ac:graphicFrameMkLst>
+        </pc:graphicFrameChg>
+        <pc:graphicFrameChg chg="add del">
+          <ac:chgData name="Akash Levy" userId="0f662538-7453-45f3-952a-fc9f1a7c515e" providerId="ADAL" clId="{615F8C4F-5DDB-C146-AD2D-80AE6169014A}" dt="2020-07-20T14:59:04.409" v="1772" actId="26606"/>
+          <ac:graphicFrameMkLst>
+            <pc:docMk/>
+            <pc:sldMk cId="3533247881" sldId="270"/>
+            <ac:graphicFrameMk id="7" creationId="{6DFCCF45-5481-BF4A-8082-752758907726}"/>
+          </ac:graphicFrameMkLst>
+        </pc:graphicFrameChg>
+        <pc:graphicFrameChg chg="add del mod">
+          <ac:chgData name="Akash Levy" userId="0f662538-7453-45f3-952a-fc9f1a7c515e" providerId="ADAL" clId="{615F8C4F-5DDB-C146-AD2D-80AE6169014A}" dt="2020-07-22T05:33:32.358" v="1914" actId="478"/>
+          <ac:graphicFrameMkLst>
+            <pc:docMk/>
+            <pc:sldMk cId="3533247881" sldId="270"/>
+            <ac:graphicFrameMk id="8" creationId="{980F1C0C-8AEF-574D-B001-BCCC04746456}"/>
+          </ac:graphicFrameMkLst>
+        </pc:graphicFrameChg>
+        <pc:graphicFrameChg chg="add mod modGraphic">
+          <ac:chgData name="Akash Levy" userId="0f662538-7453-45f3-952a-fc9f1a7c515e" providerId="ADAL" clId="{615F8C4F-5DDB-C146-AD2D-80AE6169014A}" dt="2020-07-24T16:22:14.176" v="2786"/>
+          <ac:graphicFrameMkLst>
+            <pc:docMk/>
+            <pc:sldMk cId="3533247881" sldId="270"/>
+            <ac:graphicFrameMk id="16" creationId="{6DFCCF45-5481-BF4A-8082-752758907726}"/>
+          </ac:graphicFrameMkLst>
+        </pc:graphicFrameChg>
+        <pc:picChg chg="add del mod">
+          <ac:chgData name="Akash Levy" userId="0f662538-7453-45f3-952a-fc9f1a7c515e" providerId="ADAL" clId="{615F8C4F-5DDB-C146-AD2D-80AE6169014A}" dt="2020-07-20T14:56:18.225" v="1652" actId="478"/>
+          <ac:picMkLst>
+            <pc:docMk/>
+            <pc:sldMk cId="3533247881" sldId="270"/>
+            <ac:picMk id="5" creationId="{66DC3175-1A16-9740-9CE0-DAAE20C9601D}"/>
+          </ac:picMkLst>
+        </pc:picChg>
+        <pc:picChg chg="add del mod">
+          <ac:chgData name="Akash Levy" userId="0f662538-7453-45f3-952a-fc9f1a7c515e" providerId="ADAL" clId="{615F8C4F-5DDB-C146-AD2D-80AE6169014A}" dt="2020-07-20T14:57:54.735" v="1752" actId="478"/>
+          <ac:picMkLst>
+            <pc:docMk/>
+            <pc:sldMk cId="3533247881" sldId="270"/>
+            <ac:picMk id="6" creationId="{4E495970-8CAD-2B40-BC62-091626D65D20}"/>
+          </ac:picMkLst>
+        </pc:picChg>
+      </pc:sldChg>
+      <pc:sldChg chg="modSp add mod">
+        <pc:chgData name="Akash Levy" userId="0f662538-7453-45f3-952a-fc9f1a7c515e" providerId="ADAL" clId="{615F8C4F-5DDB-C146-AD2D-80AE6169014A}" dt="2020-07-24T16:19:18.868" v="2728"/>
+        <pc:sldMkLst>
+          <pc:docMk/>
+          <pc:sldMk cId="3025206054" sldId="271"/>
+        </pc:sldMkLst>
+        <pc:spChg chg="mod">
+          <ac:chgData name="Akash Levy" userId="0f662538-7453-45f3-952a-fc9f1a7c515e" providerId="ADAL" clId="{615F8C4F-5DDB-C146-AD2D-80AE6169014A}" dt="2020-07-24T09:19:52.081" v="1983" actId="20577"/>
+          <ac:spMkLst>
+            <pc:docMk/>
+            <pc:sldMk cId="3025206054" sldId="271"/>
+            <ac:spMk id="2" creationId="{0F566C5E-D1B1-6F43-9A3F-83024E6BBB36}"/>
+          </ac:spMkLst>
+        </pc:spChg>
+        <pc:spChg chg="mod">
+          <ac:chgData name="Akash Levy" userId="0f662538-7453-45f3-952a-fc9f1a7c515e" providerId="ADAL" clId="{615F8C4F-5DDB-C146-AD2D-80AE6169014A}" dt="2020-07-24T16:19:18.868" v="2728"/>
+          <ac:spMkLst>
+            <pc:docMk/>
+            <pc:sldMk cId="3025206054" sldId="271"/>
+            <ac:spMk id="3" creationId="{3B94A307-89B7-A843-B5DD-76DC70E2A558}"/>
           </ac:spMkLst>
         </pc:spChg>
       </pc:sldChg>
@@ -1487,7 +3444,7 @@
             </a:lnSpc>
           </a:pPr>
           <a:r>
-            <a:rPr lang="en-US"/>
+            <a:rPr lang="en-US" dirty="0"/>
             <a:t>ISPP/FPPV evaluation on chip 1</a:t>
           </a:r>
         </a:p>
@@ -1954,7 +3911,7 @@
   <dgm:whole/>
   <dgm:extLst>
     <a:ext uri="http://schemas.microsoft.com/office/drawing/2008/diagram">
-      <dsp:dataModelExt xmlns:dsp="http://schemas.microsoft.com/office/drawing/2008/diagram" relId="rId6" minVer="http://schemas.openxmlformats.org/drawingml/2006/diagram"/>
+      <dsp:dataModelExt xmlns:dsp="http://schemas.microsoft.com/office/drawing/2008/diagram" relId="rId7" minVer="http://schemas.openxmlformats.org/drawingml/2006/diagram"/>
     </a:ext>
   </dgm:extLst>
 </dgm:dataModel>
@@ -2566,7 +4523,7 @@
             <a:buNone/>
           </a:pPr>
           <a:r>
-            <a:rPr lang="en-US" sz="1600" kern="1200"/>
+            <a:rPr lang="en-US" sz="1600" kern="1200" dirty="0"/>
             <a:t>ISPP/FPPV evaluation on chip 1</a:t>
           </a:r>
         </a:p>
@@ -4364,6 +6321,697 @@
 </dgm:styleDef>
 </file>
 
+<file path=ppt/notesMasters/notesMaster1.xml><?xml version="1.0" encoding="utf-8"?>
+<p:notesMaster xmlns:a="http://schemas.openxmlformats.org/drawingml/2006/main" xmlns:r="http://schemas.openxmlformats.org/officeDocument/2006/relationships" xmlns:p="http://schemas.openxmlformats.org/presentationml/2006/main">
+  <p:cSld>
+    <p:bg>
+      <p:bgRef idx="1001">
+        <a:schemeClr val="bg1"/>
+      </p:bgRef>
+    </p:bg>
+    <p:spTree>
+      <p:nvGrpSpPr>
+        <p:cNvPr id="1" name=""/>
+        <p:cNvGrpSpPr/>
+        <p:nvPr/>
+      </p:nvGrpSpPr>
+      <p:grpSpPr>
+        <a:xfrm>
+          <a:off x="0" y="0"/>
+          <a:ext cx="0" cy="0"/>
+          <a:chOff x="0" y="0"/>
+          <a:chExt cx="0" cy="0"/>
+        </a:xfrm>
+      </p:grpSpPr>
+      <p:sp>
+        <p:nvSpPr>
+          <p:cNvPr id="2" name="Header Placeholder 1"/>
+          <p:cNvSpPr>
+            <a:spLocks noGrp="1"/>
+          </p:cNvSpPr>
+          <p:nvPr>
+            <p:ph type="hdr" sz="quarter"/>
+          </p:nvPr>
+        </p:nvSpPr>
+        <p:spPr>
+          <a:xfrm>
+            <a:off x="0" y="0"/>
+            <a:ext cx="2971800" cy="458788"/>
+          </a:xfrm>
+          <a:prstGeom prst="rect">
+            <a:avLst/>
+          </a:prstGeom>
+        </p:spPr>
+        <p:txBody>
+          <a:bodyPr vert="horz" lIns="91440" tIns="45720" rIns="91440" bIns="45720" rtlCol="0"/>
+          <a:lstStyle>
+            <a:lvl1pPr algn="l">
+              <a:defRPr sz="1200"/>
+            </a:lvl1pPr>
+          </a:lstStyle>
+          <a:p>
+            <a:endParaRPr lang="en-US"/>
+          </a:p>
+        </p:txBody>
+      </p:sp>
+      <p:sp>
+        <p:nvSpPr>
+          <p:cNvPr id="3" name="Date Placeholder 2"/>
+          <p:cNvSpPr>
+            <a:spLocks noGrp="1"/>
+          </p:cNvSpPr>
+          <p:nvPr>
+            <p:ph type="dt" idx="1"/>
+          </p:nvPr>
+        </p:nvSpPr>
+        <p:spPr>
+          <a:xfrm>
+            <a:off x="3884613" y="0"/>
+            <a:ext cx="2971800" cy="458788"/>
+          </a:xfrm>
+          <a:prstGeom prst="rect">
+            <a:avLst/>
+          </a:prstGeom>
+        </p:spPr>
+        <p:txBody>
+          <a:bodyPr vert="horz" lIns="91440" tIns="45720" rIns="91440" bIns="45720" rtlCol="0"/>
+          <a:lstStyle>
+            <a:lvl1pPr algn="r">
+              <a:defRPr sz="1200"/>
+            </a:lvl1pPr>
+          </a:lstStyle>
+          <a:p>
+            <a:fld id="{8FB244FF-1FFB-514F-A5D9-580791D347E8}" type="datetimeFigureOut">
+              <a:rPr lang="en-US" smtClean="0"/>
+              <a:t>7/18/20</a:t>
+            </a:fld>
+            <a:endParaRPr lang="en-US"/>
+          </a:p>
+        </p:txBody>
+      </p:sp>
+      <p:sp>
+        <p:nvSpPr>
+          <p:cNvPr id="4" name="Slide Image Placeholder 3"/>
+          <p:cNvSpPr>
+            <a:spLocks noGrp="1" noRot="1" noChangeAspect="1"/>
+          </p:cNvSpPr>
+          <p:nvPr>
+            <p:ph type="sldImg" idx="2"/>
+          </p:nvPr>
+        </p:nvSpPr>
+        <p:spPr>
+          <a:xfrm>
+            <a:off x="685800" y="1143000"/>
+            <a:ext cx="5486400" cy="3086100"/>
+          </a:xfrm>
+          <a:prstGeom prst="rect">
+            <a:avLst/>
+          </a:prstGeom>
+          <a:noFill/>
+          <a:ln w="12700">
+            <a:solidFill>
+              <a:prstClr val="black"/>
+            </a:solidFill>
+          </a:ln>
+        </p:spPr>
+        <p:txBody>
+          <a:bodyPr vert="horz" lIns="91440" tIns="45720" rIns="91440" bIns="45720" rtlCol="0" anchor="ctr"/>
+          <a:lstStyle/>
+          <a:p>
+            <a:endParaRPr lang="en-US"/>
+          </a:p>
+        </p:txBody>
+      </p:sp>
+      <p:sp>
+        <p:nvSpPr>
+          <p:cNvPr id="5" name="Notes Placeholder 4"/>
+          <p:cNvSpPr>
+            <a:spLocks noGrp="1"/>
+          </p:cNvSpPr>
+          <p:nvPr>
+            <p:ph type="body" sz="quarter" idx="3"/>
+          </p:nvPr>
+        </p:nvSpPr>
+        <p:spPr>
+          <a:xfrm>
+            <a:off x="685800" y="4400550"/>
+            <a:ext cx="5486400" cy="3600450"/>
+          </a:xfrm>
+          <a:prstGeom prst="rect">
+            <a:avLst/>
+          </a:prstGeom>
+        </p:spPr>
+        <p:txBody>
+          <a:bodyPr vert="horz" lIns="91440" tIns="45720" rIns="91440" bIns="45720" rtlCol="0"/>
+          <a:lstStyle/>
+          <a:p>
+            <a:pPr lvl="0"/>
+            <a:r>
+              <a:rPr lang="en-US"/>
+              <a:t>Click to edit Master text styles</a:t>
+            </a:r>
+          </a:p>
+          <a:p>
+            <a:pPr lvl="1"/>
+            <a:r>
+              <a:rPr lang="en-US"/>
+              <a:t>Second level</a:t>
+            </a:r>
+          </a:p>
+          <a:p>
+            <a:pPr lvl="2"/>
+            <a:r>
+              <a:rPr lang="en-US"/>
+              <a:t>Third level</a:t>
+            </a:r>
+          </a:p>
+          <a:p>
+            <a:pPr lvl="3"/>
+            <a:r>
+              <a:rPr lang="en-US"/>
+              <a:t>Fourth level</a:t>
+            </a:r>
+          </a:p>
+          <a:p>
+            <a:pPr lvl="4"/>
+            <a:r>
+              <a:rPr lang="en-US"/>
+              <a:t>Fifth level</a:t>
+            </a:r>
+          </a:p>
+        </p:txBody>
+      </p:sp>
+      <p:sp>
+        <p:nvSpPr>
+          <p:cNvPr id="6" name="Footer Placeholder 5"/>
+          <p:cNvSpPr>
+            <a:spLocks noGrp="1"/>
+          </p:cNvSpPr>
+          <p:nvPr>
+            <p:ph type="ftr" sz="quarter" idx="4"/>
+          </p:nvPr>
+        </p:nvSpPr>
+        <p:spPr>
+          <a:xfrm>
+            <a:off x="0" y="8685213"/>
+            <a:ext cx="2971800" cy="458787"/>
+          </a:xfrm>
+          <a:prstGeom prst="rect">
+            <a:avLst/>
+          </a:prstGeom>
+        </p:spPr>
+        <p:txBody>
+          <a:bodyPr vert="horz" lIns="91440" tIns="45720" rIns="91440" bIns="45720" rtlCol="0" anchor="b"/>
+          <a:lstStyle>
+            <a:lvl1pPr algn="l">
+              <a:defRPr sz="1200"/>
+            </a:lvl1pPr>
+          </a:lstStyle>
+          <a:p>
+            <a:endParaRPr lang="en-US"/>
+          </a:p>
+        </p:txBody>
+      </p:sp>
+      <p:sp>
+        <p:nvSpPr>
+          <p:cNvPr id="7" name="Slide Number Placeholder 6"/>
+          <p:cNvSpPr>
+            <a:spLocks noGrp="1"/>
+          </p:cNvSpPr>
+          <p:nvPr>
+            <p:ph type="sldNum" sz="quarter" idx="5"/>
+          </p:nvPr>
+        </p:nvSpPr>
+        <p:spPr>
+          <a:xfrm>
+            <a:off x="3884613" y="8685213"/>
+            <a:ext cx="2971800" cy="458787"/>
+          </a:xfrm>
+          <a:prstGeom prst="rect">
+            <a:avLst/>
+          </a:prstGeom>
+        </p:spPr>
+        <p:txBody>
+          <a:bodyPr vert="horz" lIns="91440" tIns="45720" rIns="91440" bIns="45720" rtlCol="0" anchor="b"/>
+          <a:lstStyle>
+            <a:lvl1pPr algn="r">
+              <a:defRPr sz="1200"/>
+            </a:lvl1pPr>
+          </a:lstStyle>
+          <a:p>
+            <a:fld id="{C6F3DA7C-EC83-4247-A7C9-512D14D879DF}" type="slidenum">
+              <a:rPr lang="en-US" smtClean="0"/>
+              <a:t>‹#›</a:t>
+            </a:fld>
+            <a:endParaRPr lang="en-US"/>
+          </a:p>
+        </p:txBody>
+      </p:sp>
+    </p:spTree>
+    <p:extLst>
+      <p:ext uri="{BB962C8B-B14F-4D97-AF65-F5344CB8AC3E}">
+        <p14:creationId xmlns:p14="http://schemas.microsoft.com/office/powerpoint/2010/main" val="3013961037"/>
+      </p:ext>
+    </p:extLst>
+  </p:cSld>
+  <p:clrMap bg1="lt1" tx1="dk1" bg2="lt2" tx2="dk2" accent1="accent1" accent2="accent2" accent3="accent3" accent4="accent4" accent5="accent5" accent6="accent6" hlink="hlink" folHlink="folHlink"/>
+  <p:notesStyle>
+    <a:lvl1pPr marL="0" algn="l" defTabSz="914400" rtl="0" eaLnBrk="1" latinLnBrk="0" hangingPunct="1">
+      <a:defRPr sz="1200" kern="1200">
+        <a:solidFill>
+          <a:schemeClr val="tx1"/>
+        </a:solidFill>
+        <a:latin typeface="+mn-lt"/>
+        <a:ea typeface="+mn-ea"/>
+        <a:cs typeface="+mn-cs"/>
+      </a:defRPr>
+    </a:lvl1pPr>
+    <a:lvl2pPr marL="457200" algn="l" defTabSz="914400" rtl="0" eaLnBrk="1" latinLnBrk="0" hangingPunct="1">
+      <a:defRPr sz="1200" kern="1200">
+        <a:solidFill>
+          <a:schemeClr val="tx1"/>
+        </a:solidFill>
+        <a:latin typeface="+mn-lt"/>
+        <a:ea typeface="+mn-ea"/>
+        <a:cs typeface="+mn-cs"/>
+      </a:defRPr>
+    </a:lvl2pPr>
+    <a:lvl3pPr marL="914400" algn="l" defTabSz="914400" rtl="0" eaLnBrk="1" latinLnBrk="0" hangingPunct="1">
+      <a:defRPr sz="1200" kern="1200">
+        <a:solidFill>
+          <a:schemeClr val="tx1"/>
+        </a:solidFill>
+        <a:latin typeface="+mn-lt"/>
+        <a:ea typeface="+mn-ea"/>
+        <a:cs typeface="+mn-cs"/>
+      </a:defRPr>
+    </a:lvl3pPr>
+    <a:lvl4pPr marL="1371600" algn="l" defTabSz="914400" rtl="0" eaLnBrk="1" latinLnBrk="0" hangingPunct="1">
+      <a:defRPr sz="1200" kern="1200">
+        <a:solidFill>
+          <a:schemeClr val="tx1"/>
+        </a:solidFill>
+        <a:latin typeface="+mn-lt"/>
+        <a:ea typeface="+mn-ea"/>
+        <a:cs typeface="+mn-cs"/>
+      </a:defRPr>
+    </a:lvl4pPr>
+    <a:lvl5pPr marL="1828800" algn="l" defTabSz="914400" rtl="0" eaLnBrk="1" latinLnBrk="0" hangingPunct="1">
+      <a:defRPr sz="1200" kern="1200">
+        <a:solidFill>
+          <a:schemeClr val="tx1"/>
+        </a:solidFill>
+        <a:latin typeface="+mn-lt"/>
+        <a:ea typeface="+mn-ea"/>
+        <a:cs typeface="+mn-cs"/>
+      </a:defRPr>
+    </a:lvl5pPr>
+    <a:lvl6pPr marL="2286000" algn="l" defTabSz="914400" rtl="0" eaLnBrk="1" latinLnBrk="0" hangingPunct="1">
+      <a:defRPr sz="1200" kern="1200">
+        <a:solidFill>
+          <a:schemeClr val="tx1"/>
+        </a:solidFill>
+        <a:latin typeface="+mn-lt"/>
+        <a:ea typeface="+mn-ea"/>
+        <a:cs typeface="+mn-cs"/>
+      </a:defRPr>
+    </a:lvl6pPr>
+    <a:lvl7pPr marL="2743200" algn="l" defTabSz="914400" rtl="0" eaLnBrk="1" latinLnBrk="0" hangingPunct="1">
+      <a:defRPr sz="1200" kern="1200">
+        <a:solidFill>
+          <a:schemeClr val="tx1"/>
+        </a:solidFill>
+        <a:latin typeface="+mn-lt"/>
+        <a:ea typeface="+mn-ea"/>
+        <a:cs typeface="+mn-cs"/>
+      </a:defRPr>
+    </a:lvl7pPr>
+    <a:lvl8pPr marL="3200400" algn="l" defTabSz="914400" rtl="0" eaLnBrk="1" latinLnBrk="0" hangingPunct="1">
+      <a:defRPr sz="1200" kern="1200">
+        <a:solidFill>
+          <a:schemeClr val="tx1"/>
+        </a:solidFill>
+        <a:latin typeface="+mn-lt"/>
+        <a:ea typeface="+mn-ea"/>
+        <a:cs typeface="+mn-cs"/>
+      </a:defRPr>
+    </a:lvl8pPr>
+    <a:lvl9pPr marL="3657600" algn="l" defTabSz="914400" rtl="0" eaLnBrk="1" latinLnBrk="0" hangingPunct="1">
+      <a:defRPr sz="1200" kern="1200">
+        <a:solidFill>
+          <a:schemeClr val="tx1"/>
+        </a:solidFill>
+        <a:latin typeface="+mn-lt"/>
+        <a:ea typeface="+mn-ea"/>
+        <a:cs typeface="+mn-cs"/>
+      </a:defRPr>
+    </a:lvl9pPr>
+  </p:notesStyle>
+</p:notesMaster>
+</file>
+
+<file path=ppt/notesSlides/notesSlide1.xml><?xml version="1.0" encoding="utf-8"?>
+<p:notes xmlns:a="http://schemas.openxmlformats.org/drawingml/2006/main" xmlns:r="http://schemas.openxmlformats.org/officeDocument/2006/relationships" xmlns:p="http://schemas.openxmlformats.org/presentationml/2006/main">
+  <p:cSld>
+    <p:spTree>
+      <p:nvGrpSpPr>
+        <p:cNvPr id="1" name=""/>
+        <p:cNvGrpSpPr/>
+        <p:nvPr/>
+      </p:nvGrpSpPr>
+      <p:grpSpPr>
+        <a:xfrm>
+          <a:off x="0" y="0"/>
+          <a:ext cx="0" cy="0"/>
+          <a:chOff x="0" y="0"/>
+          <a:chExt cx="0" cy="0"/>
+        </a:xfrm>
+      </p:grpSpPr>
+      <p:sp>
+        <p:nvSpPr>
+          <p:cNvPr id="2" name="Slide Image Placeholder 1"/>
+          <p:cNvSpPr>
+            <a:spLocks noGrp="1" noRot="1" noChangeAspect="1"/>
+          </p:cNvSpPr>
+          <p:nvPr>
+            <p:ph type="sldImg"/>
+          </p:nvPr>
+        </p:nvSpPr>
+        <p:spPr/>
+      </p:sp>
+      <p:sp>
+        <p:nvSpPr>
+          <p:cNvPr id="3" name="Notes Placeholder 2"/>
+          <p:cNvSpPr>
+            <a:spLocks noGrp="1"/>
+          </p:cNvSpPr>
+          <p:nvPr>
+            <p:ph type="body" idx="1"/>
+          </p:nvPr>
+        </p:nvSpPr>
+        <p:spPr/>
+        <p:txBody>
+          <a:bodyPr/>
+          <a:lstStyle/>
+          <a:p>
+            <a:endParaRPr lang="en-US" dirty="0"/>
+          </a:p>
+        </p:txBody>
+      </p:sp>
+      <p:sp>
+        <p:nvSpPr>
+          <p:cNvPr id="4" name="Slide Number Placeholder 3"/>
+          <p:cNvSpPr>
+            <a:spLocks noGrp="1"/>
+          </p:cNvSpPr>
+          <p:nvPr>
+            <p:ph type="sldNum" sz="quarter" idx="5"/>
+          </p:nvPr>
+        </p:nvSpPr>
+        <p:spPr/>
+        <p:txBody>
+          <a:bodyPr/>
+          <a:lstStyle/>
+          <a:p>
+            <a:fld id="{C6F3DA7C-EC83-4247-A7C9-512D14D879DF}" type="slidenum">
+              <a:rPr lang="en-US" smtClean="0"/>
+              <a:t>2</a:t>
+            </a:fld>
+            <a:endParaRPr lang="en-US"/>
+          </a:p>
+        </p:txBody>
+      </p:sp>
+    </p:spTree>
+    <p:extLst>
+      <p:ext uri="{BB962C8B-B14F-4D97-AF65-F5344CB8AC3E}">
+        <p14:creationId xmlns:p14="http://schemas.microsoft.com/office/powerpoint/2010/main" val="2161515128"/>
+      </p:ext>
+    </p:extLst>
+  </p:cSld>
+  <p:clrMapOvr>
+    <a:masterClrMapping/>
+  </p:clrMapOvr>
+</p:notes>
+</file>
+
+<file path=ppt/notesSlides/notesSlide2.xml><?xml version="1.0" encoding="utf-8"?>
+<p:notes xmlns:a="http://schemas.openxmlformats.org/drawingml/2006/main" xmlns:r="http://schemas.openxmlformats.org/officeDocument/2006/relationships" xmlns:p="http://schemas.openxmlformats.org/presentationml/2006/main">
+  <p:cSld>
+    <p:spTree>
+      <p:nvGrpSpPr>
+        <p:cNvPr id="1" name=""/>
+        <p:cNvGrpSpPr/>
+        <p:nvPr/>
+      </p:nvGrpSpPr>
+      <p:grpSpPr>
+        <a:xfrm>
+          <a:off x="0" y="0"/>
+          <a:ext cx="0" cy="0"/>
+          <a:chOff x="0" y="0"/>
+          <a:chExt cx="0" cy="0"/>
+        </a:xfrm>
+      </p:grpSpPr>
+      <p:sp>
+        <p:nvSpPr>
+          <p:cNvPr id="2" name="Slide Image Placeholder 1"/>
+          <p:cNvSpPr>
+            <a:spLocks noGrp="1" noRot="1" noChangeAspect="1"/>
+          </p:cNvSpPr>
+          <p:nvPr>
+            <p:ph type="sldImg"/>
+          </p:nvPr>
+        </p:nvSpPr>
+        <p:spPr/>
+      </p:sp>
+      <p:sp>
+        <p:nvSpPr>
+          <p:cNvPr id="3" name="Notes Placeholder 2"/>
+          <p:cNvSpPr>
+            <a:spLocks noGrp="1"/>
+          </p:cNvSpPr>
+          <p:nvPr>
+            <p:ph type="body" idx="1"/>
+          </p:nvPr>
+        </p:nvSpPr>
+        <p:spPr/>
+        <p:txBody>
+          <a:bodyPr/>
+          <a:lstStyle/>
+          <a:p>
+            <a:r>
+              <a:rPr lang="en-US" dirty="0"/>
+              <a:t>Slope @ resistance is the key!!!</a:t>
+            </a:r>
+          </a:p>
+        </p:txBody>
+      </p:sp>
+      <p:sp>
+        <p:nvSpPr>
+          <p:cNvPr id="4" name="Slide Number Placeholder 3"/>
+          <p:cNvSpPr>
+            <a:spLocks noGrp="1"/>
+          </p:cNvSpPr>
+          <p:nvPr>
+            <p:ph type="sldNum" sz="quarter" idx="5"/>
+          </p:nvPr>
+        </p:nvSpPr>
+        <p:spPr/>
+        <p:txBody>
+          <a:bodyPr/>
+          <a:lstStyle/>
+          <a:p>
+            <a:fld id="{C6F3DA7C-EC83-4247-A7C9-512D14D879DF}" type="slidenum">
+              <a:rPr lang="en-US" smtClean="0"/>
+              <a:t>5</a:t>
+            </a:fld>
+            <a:endParaRPr lang="en-US"/>
+          </a:p>
+        </p:txBody>
+      </p:sp>
+    </p:spTree>
+    <p:extLst>
+      <p:ext uri="{BB962C8B-B14F-4D97-AF65-F5344CB8AC3E}">
+        <p14:creationId xmlns:p14="http://schemas.microsoft.com/office/powerpoint/2010/main" val="3741425419"/>
+      </p:ext>
+    </p:extLst>
+  </p:cSld>
+  <p:clrMapOvr>
+    <a:masterClrMapping/>
+  </p:clrMapOvr>
+</p:notes>
+</file>
+
+<file path=ppt/notesSlides/notesSlide3.xml><?xml version="1.0" encoding="utf-8"?>
+<p:notes xmlns:a="http://schemas.openxmlformats.org/drawingml/2006/main" xmlns:r="http://schemas.openxmlformats.org/officeDocument/2006/relationships" xmlns:p="http://schemas.openxmlformats.org/presentationml/2006/main">
+  <p:cSld>
+    <p:spTree>
+      <p:nvGrpSpPr>
+        <p:cNvPr id="1" name=""/>
+        <p:cNvGrpSpPr/>
+        <p:nvPr/>
+      </p:nvGrpSpPr>
+      <p:grpSpPr>
+        <a:xfrm>
+          <a:off x="0" y="0"/>
+          <a:ext cx="0" cy="0"/>
+          <a:chOff x="0" y="0"/>
+          <a:chExt cx="0" cy="0"/>
+        </a:xfrm>
+      </p:grpSpPr>
+      <p:sp>
+        <p:nvSpPr>
+          <p:cNvPr id="2" name="Slide Image Placeholder 1"/>
+          <p:cNvSpPr>
+            <a:spLocks noGrp="1" noRot="1" noChangeAspect="1"/>
+          </p:cNvSpPr>
+          <p:nvPr>
+            <p:ph type="sldImg"/>
+          </p:nvPr>
+        </p:nvSpPr>
+        <p:spPr/>
+      </p:sp>
+      <p:sp>
+        <p:nvSpPr>
+          <p:cNvPr id="3" name="Notes Placeholder 2"/>
+          <p:cNvSpPr>
+            <a:spLocks noGrp="1"/>
+          </p:cNvSpPr>
+          <p:nvPr>
+            <p:ph type="body" idx="1"/>
+          </p:nvPr>
+        </p:nvSpPr>
+        <p:spPr/>
+        <p:txBody>
+          <a:bodyPr/>
+          <a:lstStyle/>
+          <a:p>
+            <a:r>
+              <a:rPr lang="en-US" dirty="0"/>
+              <a:t>Slope @ resistance is the key!!!</a:t>
+            </a:r>
+          </a:p>
+        </p:txBody>
+      </p:sp>
+      <p:sp>
+        <p:nvSpPr>
+          <p:cNvPr id="4" name="Slide Number Placeholder 3"/>
+          <p:cNvSpPr>
+            <a:spLocks noGrp="1"/>
+          </p:cNvSpPr>
+          <p:nvPr>
+            <p:ph type="sldNum" sz="quarter" idx="5"/>
+          </p:nvPr>
+        </p:nvSpPr>
+        <p:spPr/>
+        <p:txBody>
+          <a:bodyPr/>
+          <a:lstStyle/>
+          <a:p>
+            <a:fld id="{C6F3DA7C-EC83-4247-A7C9-512D14D879DF}" type="slidenum">
+              <a:rPr lang="en-US" smtClean="0"/>
+              <a:t>6</a:t>
+            </a:fld>
+            <a:endParaRPr lang="en-US"/>
+          </a:p>
+        </p:txBody>
+      </p:sp>
+    </p:spTree>
+    <p:extLst>
+      <p:ext uri="{BB962C8B-B14F-4D97-AF65-F5344CB8AC3E}">
+        <p14:creationId xmlns:p14="http://schemas.microsoft.com/office/powerpoint/2010/main" val="2857640961"/>
+      </p:ext>
+    </p:extLst>
+  </p:cSld>
+  <p:clrMapOvr>
+    <a:masterClrMapping/>
+  </p:clrMapOvr>
+</p:notes>
+</file>
+
+<file path=ppt/notesSlides/notesSlide4.xml><?xml version="1.0" encoding="utf-8"?>
+<p:notes xmlns:a="http://schemas.openxmlformats.org/drawingml/2006/main" xmlns:r="http://schemas.openxmlformats.org/officeDocument/2006/relationships" xmlns:p="http://schemas.openxmlformats.org/presentationml/2006/main">
+  <p:cSld>
+    <p:spTree>
+      <p:nvGrpSpPr>
+        <p:cNvPr id="1" name=""/>
+        <p:cNvGrpSpPr/>
+        <p:nvPr/>
+      </p:nvGrpSpPr>
+      <p:grpSpPr>
+        <a:xfrm>
+          <a:off x="0" y="0"/>
+          <a:ext cx="0" cy="0"/>
+          <a:chOff x="0" y="0"/>
+          <a:chExt cx="0" cy="0"/>
+        </a:xfrm>
+      </p:grpSpPr>
+      <p:sp>
+        <p:nvSpPr>
+          <p:cNvPr id="2" name="Slide Image Placeholder 1"/>
+          <p:cNvSpPr>
+            <a:spLocks noGrp="1" noRot="1" noChangeAspect="1"/>
+          </p:cNvSpPr>
+          <p:nvPr>
+            <p:ph type="sldImg"/>
+          </p:nvPr>
+        </p:nvSpPr>
+        <p:spPr/>
+      </p:sp>
+      <p:sp>
+        <p:nvSpPr>
+          <p:cNvPr id="3" name="Notes Placeholder 2"/>
+          <p:cNvSpPr>
+            <a:spLocks noGrp="1"/>
+          </p:cNvSpPr>
+          <p:nvPr>
+            <p:ph type="body" idx="1"/>
+          </p:nvPr>
+        </p:nvSpPr>
+        <p:spPr/>
+        <p:txBody>
+          <a:bodyPr/>
+          <a:lstStyle/>
+          <a:p>
+            <a:endParaRPr lang="en-US" dirty="0"/>
+          </a:p>
+        </p:txBody>
+      </p:sp>
+      <p:sp>
+        <p:nvSpPr>
+          <p:cNvPr id="4" name="Slide Number Placeholder 3"/>
+          <p:cNvSpPr>
+            <a:spLocks noGrp="1"/>
+          </p:cNvSpPr>
+          <p:nvPr>
+            <p:ph type="sldNum" sz="quarter" idx="5"/>
+          </p:nvPr>
+        </p:nvSpPr>
+        <p:spPr/>
+        <p:txBody>
+          <a:bodyPr/>
+          <a:lstStyle/>
+          <a:p>
+            <a:fld id="{C6F3DA7C-EC83-4247-A7C9-512D14D879DF}" type="slidenum">
+              <a:rPr lang="en-US" smtClean="0"/>
+              <a:t>8</a:t>
+            </a:fld>
+            <a:endParaRPr lang="en-US"/>
+          </a:p>
+        </p:txBody>
+      </p:sp>
+    </p:spTree>
+    <p:extLst>
+      <p:ext uri="{BB962C8B-B14F-4D97-AF65-F5344CB8AC3E}">
+        <p14:creationId xmlns:p14="http://schemas.microsoft.com/office/powerpoint/2010/main" val="3467306222"/>
+      </p:ext>
+    </p:extLst>
+  </p:cSld>
+  <p:clrMapOvr>
+    <a:masterClrMapping/>
+  </p:clrMapOvr>
+</p:notes>
+</file>
+
 <file path=ppt/slideLayouts/slideLayout1.xml><?xml version="1.0" encoding="utf-8"?>
 <p:sldLayout xmlns:a="http://schemas.openxmlformats.org/drawingml/2006/main" xmlns:r="http://schemas.openxmlformats.org/officeDocument/2006/relationships" xmlns:p="http://schemas.openxmlformats.org/presentationml/2006/main" type="title" preserve="1">
   <p:cSld name="Title Slide">
@@ -4511,7 +7159,7 @@
           <a:p>
             <a:fld id="{8C0AA0B7-332D-774C-A1C2-95B9048EE1A4}" type="datetimeFigureOut">
               <a:rPr lang="en-US" smtClean="0"/>
-              <a:t>7/17/20</a:t>
+              <a:t>7/18/20</a:t>
             </a:fld>
             <a:endParaRPr lang="en-US"/>
           </a:p>
@@ -4709,7 +7357,7 @@
           <a:p>
             <a:fld id="{8C0AA0B7-332D-774C-A1C2-95B9048EE1A4}" type="datetimeFigureOut">
               <a:rPr lang="en-US" smtClean="0"/>
-              <a:t>7/17/20</a:t>
+              <a:t>7/18/20</a:t>
             </a:fld>
             <a:endParaRPr lang="en-US"/>
           </a:p>
@@ -4917,7 +7565,7 @@
           <a:p>
             <a:fld id="{8C0AA0B7-332D-774C-A1C2-95B9048EE1A4}" type="datetimeFigureOut">
               <a:rPr lang="en-US" smtClean="0"/>
-              <a:t>7/17/20</a:t>
+              <a:t>7/18/20</a:t>
             </a:fld>
             <a:endParaRPr lang="en-US"/>
           </a:p>
@@ -5115,7 +7763,7 @@
           <a:p>
             <a:fld id="{8C0AA0B7-332D-774C-A1C2-95B9048EE1A4}" type="datetimeFigureOut">
               <a:rPr lang="en-US" smtClean="0"/>
-              <a:t>7/17/20</a:t>
+              <a:t>7/18/20</a:t>
             </a:fld>
             <a:endParaRPr lang="en-US"/>
           </a:p>
@@ -5390,7 +8038,7 @@
           <a:p>
             <a:fld id="{8C0AA0B7-332D-774C-A1C2-95B9048EE1A4}" type="datetimeFigureOut">
               <a:rPr lang="en-US" smtClean="0"/>
-              <a:t>7/17/20</a:t>
+              <a:t>7/18/20</a:t>
             </a:fld>
             <a:endParaRPr lang="en-US"/>
           </a:p>
@@ -5655,7 +8303,7 @@
           <a:p>
             <a:fld id="{8C0AA0B7-332D-774C-A1C2-95B9048EE1A4}" type="datetimeFigureOut">
               <a:rPr lang="en-US" smtClean="0"/>
-              <a:t>7/17/20</a:t>
+              <a:t>7/18/20</a:t>
             </a:fld>
             <a:endParaRPr lang="en-US"/>
           </a:p>
@@ -6067,7 +8715,7 @@
           <a:p>
             <a:fld id="{8C0AA0B7-332D-774C-A1C2-95B9048EE1A4}" type="datetimeFigureOut">
               <a:rPr lang="en-US" smtClean="0"/>
-              <a:t>7/17/20</a:t>
+              <a:t>7/18/20</a:t>
             </a:fld>
             <a:endParaRPr lang="en-US"/>
           </a:p>
@@ -6208,7 +8856,7 @@
           <a:p>
             <a:fld id="{8C0AA0B7-332D-774C-A1C2-95B9048EE1A4}" type="datetimeFigureOut">
               <a:rPr lang="en-US" smtClean="0"/>
-              <a:t>7/17/20</a:t>
+              <a:t>7/18/20</a:t>
             </a:fld>
             <a:endParaRPr lang="en-US"/>
           </a:p>
@@ -6321,7 +8969,7 @@
           <a:p>
             <a:fld id="{8C0AA0B7-332D-774C-A1C2-95B9048EE1A4}" type="datetimeFigureOut">
               <a:rPr lang="en-US" smtClean="0"/>
-              <a:t>7/17/20</a:t>
+              <a:t>7/18/20</a:t>
             </a:fld>
             <a:endParaRPr lang="en-US"/>
           </a:p>
@@ -6632,7 +9280,7 @@
           <a:p>
             <a:fld id="{8C0AA0B7-332D-774C-A1C2-95B9048EE1A4}" type="datetimeFigureOut">
               <a:rPr lang="en-US" smtClean="0"/>
-              <a:t>7/17/20</a:t>
+              <a:t>7/18/20</a:t>
             </a:fld>
             <a:endParaRPr lang="en-US"/>
           </a:p>
@@ -6920,7 +9568,7 @@
           <a:p>
             <a:fld id="{8C0AA0B7-332D-774C-A1C2-95B9048EE1A4}" type="datetimeFigureOut">
               <a:rPr lang="en-US" smtClean="0"/>
-              <a:t>7/17/20</a:t>
+              <a:t>7/18/20</a:t>
             </a:fld>
             <a:endParaRPr lang="en-US"/>
           </a:p>
@@ -7161,7 +9809,7 @@
           <a:p>
             <a:fld id="{8C0AA0B7-332D-774C-A1C2-95B9048EE1A4}" type="datetimeFigureOut">
               <a:rPr lang="en-US" smtClean="0"/>
-              <a:t>7/17/20</a:t>
+              <a:t>7/18/20</a:t>
             </a:fld>
             <a:endParaRPr lang="en-US"/>
           </a:p>
@@ -7864,6 +10512,3104 @@
 </p:sld>
 </file>
 
+<file path=ppt/slides/slide10.xml><?xml version="1.0" encoding="utf-8"?>
+<p:sld xmlns:a="http://schemas.openxmlformats.org/drawingml/2006/main" xmlns:r="http://schemas.openxmlformats.org/officeDocument/2006/relationships" xmlns:p="http://schemas.openxmlformats.org/presentationml/2006/main">
+  <p:cSld>
+    <p:bg>
+      <p:bgPr>
+        <a:solidFill>
+          <a:schemeClr val="bg1"/>
+        </a:solidFill>
+        <a:effectLst/>
+      </p:bgPr>
+    </p:bg>
+    <p:spTree>
+      <p:nvGrpSpPr>
+        <p:cNvPr id="1" name=""/>
+        <p:cNvGrpSpPr/>
+        <p:nvPr/>
+      </p:nvGrpSpPr>
+      <p:grpSpPr>
+        <a:xfrm>
+          <a:off x="0" y="0"/>
+          <a:ext cx="0" cy="0"/>
+          <a:chOff x="0" y="0"/>
+          <a:chExt cx="0" cy="0"/>
+        </a:xfrm>
+      </p:grpSpPr>
+      <p:sp>
+        <p:nvSpPr>
+          <p:cNvPr id="25" name="Rectangle 20">
+            <a:extLst>
+              <a:ext uri="{FF2B5EF4-FFF2-40B4-BE49-F238E27FC236}">
+                <a16:creationId xmlns:a16="http://schemas.microsoft.com/office/drawing/2014/main" id="{6753252F-4873-4F63-801D-CC719279A7D5}"/>
+              </a:ext>
+              <a:ext uri="{C183D7F6-B498-43B3-948B-1728B52AA6E4}">
+                <adec:decorative xmlns:adec="http://schemas.microsoft.com/office/drawing/2017/decorative" val="1"/>
+              </a:ext>
+            </a:extLst>
+          </p:cNvPr>
+          <p:cNvSpPr>
+            <a:spLocks noGrp="1" noRot="1" noChangeAspect="1" noMove="1" noResize="1" noEditPoints="1" noAdjustHandles="1" noChangeArrowheads="1" noChangeShapeType="1" noTextEdit="1"/>
+          </p:cNvSpPr>
+          <p:nvPr>
+            <p:extLst>
+              <p:ext uri="{386F3935-93C4-4BCD-93E2-E3B085C9AB24}">
+                <p16:designElem xmlns:p16="http://schemas.microsoft.com/office/powerpoint/2015/main" val="1"/>
+              </p:ext>
+            </p:extLst>
+          </p:nvPr>
+        </p:nvSpPr>
+        <p:spPr>
+          <a:xfrm>
+            <a:off x="0" y="0"/>
+            <a:ext cx="12192000" cy="6858000"/>
+          </a:xfrm>
+          <a:prstGeom prst="rect">
+            <a:avLst/>
+          </a:prstGeom>
+          <a:solidFill>
+            <a:srgbClr val="FFFFFF"/>
+          </a:solidFill>
+          <a:ln>
+            <a:noFill/>
+          </a:ln>
+        </p:spPr>
+        <p:style>
+          <a:lnRef idx="2">
+            <a:schemeClr val="accent1">
+              <a:shade val="50000"/>
+            </a:schemeClr>
+          </a:lnRef>
+          <a:fillRef idx="1">
+            <a:schemeClr val="accent1"/>
+          </a:fillRef>
+          <a:effectRef idx="0">
+            <a:schemeClr val="accent1"/>
+          </a:effectRef>
+          <a:fontRef idx="minor">
+            <a:schemeClr val="lt1"/>
+          </a:fontRef>
+        </p:style>
+        <p:txBody>
+          <a:bodyPr rtlCol="0" anchor="ctr"/>
+          <a:lstStyle/>
+          <a:p>
+            <a:pPr algn="ctr"/>
+            <a:endParaRPr lang="en-US"/>
+          </a:p>
+        </p:txBody>
+      </p:sp>
+      <p:sp>
+        <p:nvSpPr>
+          <p:cNvPr id="26" name="Rectangle 22">
+            <a:extLst>
+              <a:ext uri="{FF2B5EF4-FFF2-40B4-BE49-F238E27FC236}">
+                <a16:creationId xmlns:a16="http://schemas.microsoft.com/office/drawing/2014/main" id="{047C8CCB-F95D-4249-92DD-651249D3535A}"/>
+              </a:ext>
+              <a:ext uri="{C183D7F6-B498-43B3-948B-1728B52AA6E4}">
+                <adec:decorative xmlns:adec="http://schemas.microsoft.com/office/drawing/2017/decorative" val="1"/>
+              </a:ext>
+            </a:extLst>
+          </p:cNvPr>
+          <p:cNvSpPr>
+            <a:spLocks noGrp="1" noRot="1" noChangeAspect="1" noMove="1" noResize="1" noEditPoints="1" noAdjustHandles="1" noChangeArrowheads="1" noChangeShapeType="1" noTextEdit="1"/>
+          </p:cNvSpPr>
+          <p:nvPr>
+            <p:extLst>
+              <p:ext uri="{386F3935-93C4-4BCD-93E2-E3B085C9AB24}">
+                <p16:designElem xmlns:p16="http://schemas.microsoft.com/office/powerpoint/2015/main" val="1"/>
+              </p:ext>
+            </p:extLst>
+          </p:nvPr>
+        </p:nvSpPr>
+        <p:spPr>
+          <a:xfrm>
+            <a:off x="0" y="0"/>
+            <a:ext cx="2013557" cy="6858000"/>
+          </a:xfrm>
+          <a:prstGeom prst="rect">
+            <a:avLst/>
+          </a:prstGeom>
+          <a:solidFill>
+            <a:srgbClr val="7F7F7F"/>
+          </a:solidFill>
+          <a:ln>
+            <a:noFill/>
+          </a:ln>
+        </p:spPr>
+        <p:style>
+          <a:lnRef idx="2">
+            <a:schemeClr val="accent1">
+              <a:shade val="50000"/>
+            </a:schemeClr>
+          </a:lnRef>
+          <a:fillRef idx="1">
+            <a:schemeClr val="accent1"/>
+          </a:fillRef>
+          <a:effectRef idx="0">
+            <a:schemeClr val="accent1"/>
+          </a:effectRef>
+          <a:fontRef idx="minor">
+            <a:schemeClr val="lt1"/>
+          </a:fontRef>
+        </p:style>
+        <p:txBody>
+          <a:bodyPr rtlCol="0" anchor="ctr"/>
+          <a:lstStyle/>
+          <a:p>
+            <a:pPr algn="ctr"/>
+            <a:endParaRPr lang="en-US"/>
+          </a:p>
+        </p:txBody>
+      </p:sp>
+      <p:sp>
+        <p:nvSpPr>
+          <p:cNvPr id="2" name="Title 1">
+            <a:extLst>
+              <a:ext uri="{FF2B5EF4-FFF2-40B4-BE49-F238E27FC236}">
+                <a16:creationId xmlns:a16="http://schemas.microsoft.com/office/drawing/2014/main" id="{FC47B41E-90B5-D14B-82FA-CC03960D78D5}"/>
+              </a:ext>
+            </a:extLst>
+          </p:cNvPr>
+          <p:cNvSpPr>
+            <a:spLocks noGrp="1"/>
+          </p:cNvSpPr>
+          <p:nvPr>
+            <p:ph type="title"/>
+          </p:nvPr>
+        </p:nvSpPr>
+        <p:spPr>
+          <a:xfrm>
+            <a:off x="640080" y="2074363"/>
+            <a:ext cx="2752354" cy="2709275"/>
+          </a:xfrm>
+          <a:prstGeom prst="ellipse">
+            <a:avLst/>
+          </a:prstGeom>
+          <a:solidFill>
+            <a:srgbClr val="262626"/>
+          </a:solidFill>
+          <a:ln w="174625" cmpd="thinThick">
+            <a:solidFill>
+              <a:srgbClr val="262626"/>
+            </a:solidFill>
+          </a:ln>
+        </p:spPr>
+        <p:txBody>
+          <a:bodyPr vert="horz" lIns="91440" tIns="45720" rIns="91440" bIns="45720" rtlCol="0" anchor="ctr">
+            <a:normAutofit/>
+          </a:bodyPr>
+          <a:lstStyle/>
+          <a:p>
+            <a:pPr algn="ctr"/>
+            <a:r>
+              <a:rPr lang="en-US" sz="2600" kern="1200">
+                <a:solidFill>
+                  <a:srgbClr val="FFFFFF"/>
+                </a:solidFill>
+                <a:latin typeface="+mj-lt"/>
+                <a:ea typeface="+mj-ea"/>
+                <a:cs typeface="+mj-cs"/>
+              </a:rPr>
+              <a:t>Resistance Ranges</a:t>
+            </a:r>
+          </a:p>
+        </p:txBody>
+      </p:sp>
+      <p:graphicFrame>
+        <p:nvGraphicFramePr>
+          <p:cNvPr id="16" name="Content Placeholder 3">
+            <a:extLst>
+              <a:ext uri="{FF2B5EF4-FFF2-40B4-BE49-F238E27FC236}">
+                <a16:creationId xmlns:a16="http://schemas.microsoft.com/office/drawing/2014/main" id="{6DFCCF45-5481-BF4A-8082-752758907726}"/>
+              </a:ext>
+            </a:extLst>
+          </p:cNvPr>
+          <p:cNvGraphicFramePr>
+            <a:graphicFrameLocks/>
+          </p:cNvGraphicFramePr>
+          <p:nvPr>
+            <p:extLst>
+              <p:ext uri="{D42A27DB-BD31-4B8C-83A1-F6EECF244321}">
+                <p14:modId xmlns:p14="http://schemas.microsoft.com/office/powerpoint/2010/main" val="1315230357"/>
+              </p:ext>
+            </p:extLst>
+          </p:nvPr>
+        </p:nvGraphicFramePr>
+        <p:xfrm>
+          <a:off x="4205786" y="961812"/>
+          <a:ext cx="6853830" cy="4930992"/>
+        </p:xfrm>
+        <a:graphic>
+          <a:graphicData uri="http://schemas.openxmlformats.org/drawingml/2006/table">
+            <a:tbl>
+              <a:tblPr firstRow="1" bandRow="1">
+                <a:tableStyleId>{8EC20E35-A176-4012-BC5E-935CFFF8708E}</a:tableStyleId>
+              </a:tblPr>
+              <a:tblGrid>
+                <a:gridCol w="1595281">
+                  <a:extLst>
+                    <a:ext uri="{9D8B030D-6E8A-4147-A177-3AD203B41FA5}">
+                      <a16:colId xmlns:a16="http://schemas.microsoft.com/office/drawing/2014/main" val="1960723173"/>
+                    </a:ext>
+                  </a:extLst>
+                </a:gridCol>
+                <a:gridCol w="1187302">
+                  <a:extLst>
+                    <a:ext uri="{9D8B030D-6E8A-4147-A177-3AD203B41FA5}">
+                      <a16:colId xmlns:a16="http://schemas.microsoft.com/office/drawing/2014/main" val="3542743656"/>
+                    </a:ext>
+                  </a:extLst>
+                </a:gridCol>
+                <a:gridCol w="1237983">
+                  <a:extLst>
+                    <a:ext uri="{9D8B030D-6E8A-4147-A177-3AD203B41FA5}">
+                      <a16:colId xmlns:a16="http://schemas.microsoft.com/office/drawing/2014/main" val="129346160"/>
+                    </a:ext>
+                  </a:extLst>
+                </a:gridCol>
+                <a:gridCol w="1374821">
+                  <a:extLst>
+                    <a:ext uri="{9D8B030D-6E8A-4147-A177-3AD203B41FA5}">
+                      <a16:colId xmlns:a16="http://schemas.microsoft.com/office/drawing/2014/main" val="2023039964"/>
+                    </a:ext>
+                  </a:extLst>
+                </a:gridCol>
+                <a:gridCol w="1458443">
+                  <a:extLst>
+                    <a:ext uri="{9D8B030D-6E8A-4147-A177-3AD203B41FA5}">
+                      <a16:colId xmlns:a16="http://schemas.microsoft.com/office/drawing/2014/main" val="2192817691"/>
+                    </a:ext>
+                  </a:extLst>
+                </a:gridCol>
+              </a:tblGrid>
+              <a:tr h="547888">
+                <a:tc>
+                  <a:txBody>
+                    <a:bodyPr/>
+                    <a:lstStyle/>
+                    <a:p>
+                      <a:endParaRPr lang="en-US" sz="2400"/>
+                    </a:p>
+                  </a:txBody>
+                  <a:tcPr marL="124601" marR="124601" marT="62301" marB="62301">
+                    <a:lnL w="12700" cap="flat" cmpd="sng" algn="ctr">
+                      <a:solidFill>
+                        <a:schemeClr val="tx1"/>
+                      </a:solidFill>
+                      <a:prstDash val="solid"/>
+                      <a:round/>
+                      <a:headEnd type="none" w="med" len="med"/>
+                      <a:tailEnd type="none" w="med" len="med"/>
+                    </a:lnL>
+                    <a:lnR w="12700" cap="flat" cmpd="sng" algn="ctr">
+                      <a:solidFill>
+                        <a:schemeClr val="tx1"/>
+                      </a:solidFill>
+                      <a:prstDash val="solid"/>
+                      <a:round/>
+                      <a:headEnd type="none" w="med" len="med"/>
+                      <a:tailEnd type="none" w="med" len="med"/>
+                    </a:lnR>
+                    <a:lnT w="12700" cap="flat" cmpd="sng" algn="ctr">
+                      <a:solidFill>
+                        <a:schemeClr val="tx1"/>
+                      </a:solidFill>
+                      <a:prstDash val="solid"/>
+                      <a:round/>
+                      <a:headEnd type="none" w="med" len="med"/>
+                      <a:tailEnd type="none" w="med" len="med"/>
+                    </a:lnT>
+                    <a:lnB w="12700" cap="flat" cmpd="sng" algn="ctr">
+                      <a:solidFill>
+                        <a:schemeClr val="tx1"/>
+                      </a:solidFill>
+                      <a:prstDash val="solid"/>
+                      <a:round/>
+                      <a:headEnd type="none" w="med" len="med"/>
+                      <a:tailEnd type="none" w="med" len="med"/>
+                    </a:lnB>
+                  </a:tcPr>
+                </a:tc>
+                <a:tc>
+                  <a:txBody>
+                    <a:bodyPr/>
+                    <a:lstStyle/>
+                    <a:p>
+                      <a:r>
+                        <a:rPr lang="en-US" sz="2400"/>
+                        <a:t>Rmin</a:t>
+                      </a:r>
+                    </a:p>
+                  </a:txBody>
+                  <a:tcPr marL="124601" marR="124601" marT="62301" marB="62301">
+                    <a:lnL w="12700" cap="flat" cmpd="sng" algn="ctr">
+                      <a:solidFill>
+                        <a:schemeClr val="tx1"/>
+                      </a:solidFill>
+                      <a:prstDash val="solid"/>
+                      <a:round/>
+                      <a:headEnd type="none" w="med" len="med"/>
+                      <a:tailEnd type="none" w="med" len="med"/>
+                    </a:lnL>
+                    <a:lnR w="12700" cap="flat" cmpd="sng" algn="ctr">
+                      <a:solidFill>
+                        <a:schemeClr val="tx1"/>
+                      </a:solidFill>
+                      <a:prstDash val="solid"/>
+                      <a:round/>
+                      <a:headEnd type="none" w="med" len="med"/>
+                      <a:tailEnd type="none" w="med" len="med"/>
+                    </a:lnR>
+                    <a:lnT w="12700" cap="flat" cmpd="sng" algn="ctr">
+                      <a:solidFill>
+                        <a:schemeClr val="tx1"/>
+                      </a:solidFill>
+                      <a:prstDash val="solid"/>
+                      <a:round/>
+                      <a:headEnd type="none" w="med" len="med"/>
+                      <a:tailEnd type="none" w="med" len="med"/>
+                    </a:lnT>
+                    <a:lnB w="12700" cap="flat" cmpd="sng" algn="ctr">
+                      <a:solidFill>
+                        <a:schemeClr val="tx1"/>
+                      </a:solidFill>
+                      <a:prstDash val="solid"/>
+                      <a:round/>
+                      <a:headEnd type="none" w="med" len="med"/>
+                      <a:tailEnd type="none" w="med" len="med"/>
+                    </a:lnB>
+                  </a:tcPr>
+                </a:tc>
+                <a:tc>
+                  <a:txBody>
+                    <a:bodyPr/>
+                    <a:lstStyle/>
+                    <a:p>
+                      <a:r>
+                        <a:rPr lang="en-US" sz="2400"/>
+                        <a:t>Rmax</a:t>
+                      </a:r>
+                    </a:p>
+                  </a:txBody>
+                  <a:tcPr marL="124601" marR="124601" marT="62301" marB="62301">
+                    <a:lnL w="12700" cap="flat" cmpd="sng" algn="ctr">
+                      <a:solidFill>
+                        <a:schemeClr val="tx1"/>
+                      </a:solidFill>
+                      <a:prstDash val="solid"/>
+                      <a:round/>
+                      <a:headEnd type="none" w="med" len="med"/>
+                      <a:tailEnd type="none" w="med" len="med"/>
+                    </a:lnL>
+                    <a:lnR w="12700" cap="flat" cmpd="sng" algn="ctr">
+                      <a:solidFill>
+                        <a:schemeClr val="tx1"/>
+                      </a:solidFill>
+                      <a:prstDash val="solid"/>
+                      <a:round/>
+                      <a:headEnd type="none" w="med" len="med"/>
+                      <a:tailEnd type="none" w="med" len="med"/>
+                    </a:lnR>
+                    <a:lnT w="12700" cap="flat" cmpd="sng" algn="ctr">
+                      <a:solidFill>
+                        <a:schemeClr val="tx1"/>
+                      </a:solidFill>
+                      <a:prstDash val="solid"/>
+                      <a:round/>
+                      <a:headEnd type="none" w="med" len="med"/>
+                      <a:tailEnd type="none" w="med" len="med"/>
+                    </a:lnT>
+                    <a:lnB w="12700" cap="flat" cmpd="sng" algn="ctr">
+                      <a:solidFill>
+                        <a:schemeClr val="tx1"/>
+                      </a:solidFill>
+                      <a:prstDash val="solid"/>
+                      <a:round/>
+                      <a:headEnd type="none" w="med" len="med"/>
+                      <a:tailEnd type="none" w="med" len="med"/>
+                    </a:lnB>
+                  </a:tcPr>
+                </a:tc>
+                <a:tc>
+                  <a:txBody>
+                    <a:bodyPr/>
+                    <a:lstStyle/>
+                    <a:p>
+                      <a:r>
+                        <a:rPr lang="en-US" sz="2400"/>
+                        <a:t>Rwmin</a:t>
+                      </a:r>
+                    </a:p>
+                  </a:txBody>
+                  <a:tcPr marL="124601" marR="124601" marT="62301" marB="62301">
+                    <a:lnL w="12700" cap="flat" cmpd="sng" algn="ctr">
+                      <a:solidFill>
+                        <a:schemeClr val="tx1"/>
+                      </a:solidFill>
+                      <a:prstDash val="solid"/>
+                      <a:round/>
+                      <a:headEnd type="none" w="med" len="med"/>
+                      <a:tailEnd type="none" w="med" len="med"/>
+                    </a:lnL>
+                    <a:lnR w="12700" cap="flat" cmpd="sng" algn="ctr">
+                      <a:solidFill>
+                        <a:schemeClr val="tx1"/>
+                      </a:solidFill>
+                      <a:prstDash val="solid"/>
+                      <a:round/>
+                      <a:headEnd type="none" w="med" len="med"/>
+                      <a:tailEnd type="none" w="med" len="med"/>
+                    </a:lnR>
+                    <a:lnT w="12700" cap="flat" cmpd="sng" algn="ctr">
+                      <a:solidFill>
+                        <a:schemeClr val="tx1"/>
+                      </a:solidFill>
+                      <a:prstDash val="solid"/>
+                      <a:round/>
+                      <a:headEnd type="none" w="med" len="med"/>
+                      <a:tailEnd type="none" w="med" len="med"/>
+                    </a:lnT>
+                    <a:lnB w="12700" cap="flat" cmpd="sng" algn="ctr">
+                      <a:solidFill>
+                        <a:schemeClr val="tx1"/>
+                      </a:solidFill>
+                      <a:prstDash val="solid"/>
+                      <a:round/>
+                      <a:headEnd type="none" w="med" len="med"/>
+                      <a:tailEnd type="none" w="med" len="med"/>
+                    </a:lnB>
+                  </a:tcPr>
+                </a:tc>
+                <a:tc>
+                  <a:txBody>
+                    <a:bodyPr/>
+                    <a:lstStyle/>
+                    <a:p>
+                      <a:r>
+                        <a:rPr lang="en-US" sz="2400"/>
+                        <a:t>Rwmax</a:t>
+                      </a:r>
+                    </a:p>
+                  </a:txBody>
+                  <a:tcPr marL="124601" marR="124601" marT="62301" marB="62301">
+                    <a:lnL w="12700" cap="flat" cmpd="sng" algn="ctr">
+                      <a:solidFill>
+                        <a:schemeClr val="tx1"/>
+                      </a:solidFill>
+                      <a:prstDash val="solid"/>
+                      <a:round/>
+                      <a:headEnd type="none" w="med" len="med"/>
+                      <a:tailEnd type="none" w="med" len="med"/>
+                    </a:lnL>
+                    <a:lnR w="12700" cap="flat" cmpd="sng" algn="ctr">
+                      <a:solidFill>
+                        <a:schemeClr val="tx1"/>
+                      </a:solidFill>
+                      <a:prstDash val="solid"/>
+                      <a:round/>
+                      <a:headEnd type="none" w="med" len="med"/>
+                      <a:tailEnd type="none" w="med" len="med"/>
+                    </a:lnR>
+                    <a:lnT w="12700" cap="flat" cmpd="sng" algn="ctr">
+                      <a:solidFill>
+                        <a:schemeClr val="tx1"/>
+                      </a:solidFill>
+                      <a:prstDash val="solid"/>
+                      <a:round/>
+                      <a:headEnd type="none" w="med" len="med"/>
+                      <a:tailEnd type="none" w="med" len="med"/>
+                    </a:lnT>
+                    <a:lnB w="12700" cap="flat" cmpd="sng" algn="ctr">
+                      <a:solidFill>
+                        <a:schemeClr val="tx1"/>
+                      </a:solidFill>
+                      <a:prstDash val="solid"/>
+                      <a:round/>
+                      <a:headEnd type="none" w="med" len="med"/>
+                      <a:tailEnd type="none" w="med" len="med"/>
+                    </a:lnB>
+                  </a:tcPr>
+                </a:tc>
+                <a:extLst>
+                  <a:ext uri="{0D108BD9-81ED-4DB2-BD59-A6C34878D82A}">
+                    <a16:rowId xmlns:a16="http://schemas.microsoft.com/office/drawing/2014/main" val="2303816687"/>
+                  </a:ext>
+                </a:extLst>
+              </a:tr>
+              <a:tr h="547888">
+                <a:tc>
+                  <a:txBody>
+                    <a:bodyPr/>
+                    <a:lstStyle/>
+                    <a:p>
+                      <a:r>
+                        <a:rPr lang="en-US" sz="2400"/>
+                        <a:t>Range 0</a:t>
+                      </a:r>
+                    </a:p>
+                  </a:txBody>
+                  <a:tcPr marL="124601" marR="124601" marT="62301" marB="62301">
+                    <a:lnL w="12700" cap="flat" cmpd="sng" algn="ctr">
+                      <a:solidFill>
+                        <a:schemeClr val="tx1"/>
+                      </a:solidFill>
+                      <a:prstDash val="solid"/>
+                      <a:round/>
+                      <a:headEnd type="none" w="med" len="med"/>
+                      <a:tailEnd type="none" w="med" len="med"/>
+                    </a:lnL>
+                    <a:lnR w="12700" cap="flat" cmpd="sng" algn="ctr">
+                      <a:solidFill>
+                        <a:schemeClr val="tx1"/>
+                      </a:solidFill>
+                      <a:prstDash val="solid"/>
+                      <a:round/>
+                      <a:headEnd type="none" w="med" len="med"/>
+                      <a:tailEnd type="none" w="med" len="med"/>
+                    </a:lnR>
+                    <a:lnT w="12700" cap="flat" cmpd="sng" algn="ctr">
+                      <a:solidFill>
+                        <a:schemeClr val="tx1"/>
+                      </a:solidFill>
+                      <a:prstDash val="solid"/>
+                      <a:round/>
+                      <a:headEnd type="none" w="med" len="med"/>
+                      <a:tailEnd type="none" w="med" len="med"/>
+                    </a:lnT>
+                    <a:lnB w="12700" cap="flat" cmpd="sng" algn="ctr">
+                      <a:solidFill>
+                        <a:schemeClr val="tx1"/>
+                      </a:solidFill>
+                      <a:prstDash val="solid"/>
+                      <a:round/>
+                      <a:headEnd type="none" w="med" len="med"/>
+                      <a:tailEnd type="none" w="med" len="med"/>
+                    </a:lnB>
+                  </a:tcPr>
+                </a:tc>
+                <a:tc>
+                  <a:txBody>
+                    <a:bodyPr/>
+                    <a:lstStyle/>
+                    <a:p>
+                      <a:r>
+                        <a:rPr lang="en-US" sz="2400" dirty="0"/>
+                        <a:t>N/A</a:t>
+                      </a:r>
+                    </a:p>
+                  </a:txBody>
+                  <a:tcPr marL="124601" marR="124601" marT="62301" marB="62301">
+                    <a:lnL w="12700" cap="flat" cmpd="sng" algn="ctr">
+                      <a:solidFill>
+                        <a:schemeClr val="tx1"/>
+                      </a:solidFill>
+                      <a:prstDash val="solid"/>
+                      <a:round/>
+                      <a:headEnd type="none" w="med" len="med"/>
+                      <a:tailEnd type="none" w="med" len="med"/>
+                    </a:lnL>
+                    <a:lnR w="12700" cap="flat" cmpd="sng" algn="ctr">
+                      <a:solidFill>
+                        <a:schemeClr val="tx1"/>
+                      </a:solidFill>
+                      <a:prstDash val="solid"/>
+                      <a:round/>
+                      <a:headEnd type="none" w="med" len="med"/>
+                      <a:tailEnd type="none" w="med" len="med"/>
+                    </a:lnR>
+                    <a:lnT w="12700" cap="flat" cmpd="sng" algn="ctr">
+                      <a:solidFill>
+                        <a:schemeClr val="tx1"/>
+                      </a:solidFill>
+                      <a:prstDash val="solid"/>
+                      <a:round/>
+                      <a:headEnd type="none" w="med" len="med"/>
+                      <a:tailEnd type="none" w="med" len="med"/>
+                    </a:lnT>
+                    <a:lnB w="12700" cap="flat" cmpd="sng" algn="ctr">
+                      <a:solidFill>
+                        <a:schemeClr val="tx1"/>
+                      </a:solidFill>
+                      <a:prstDash val="solid"/>
+                      <a:round/>
+                      <a:headEnd type="none" w="med" len="med"/>
+                      <a:tailEnd type="none" w="med" len="med"/>
+                    </a:lnB>
+                  </a:tcPr>
+                </a:tc>
+                <a:tc>
+                  <a:txBody>
+                    <a:bodyPr/>
+                    <a:lstStyle/>
+                    <a:p>
+                      <a:r>
+                        <a:rPr lang="en-US" sz="2400"/>
+                        <a:t>4.3k</a:t>
+                      </a:r>
+                    </a:p>
+                  </a:txBody>
+                  <a:tcPr marL="124601" marR="124601" marT="62301" marB="62301">
+                    <a:lnL w="12700" cap="flat" cmpd="sng" algn="ctr">
+                      <a:solidFill>
+                        <a:schemeClr val="tx1"/>
+                      </a:solidFill>
+                      <a:prstDash val="solid"/>
+                      <a:round/>
+                      <a:headEnd type="none" w="med" len="med"/>
+                      <a:tailEnd type="none" w="med" len="med"/>
+                    </a:lnL>
+                    <a:lnR w="12700" cap="flat" cmpd="sng" algn="ctr">
+                      <a:solidFill>
+                        <a:schemeClr val="tx1"/>
+                      </a:solidFill>
+                      <a:prstDash val="solid"/>
+                      <a:round/>
+                      <a:headEnd type="none" w="med" len="med"/>
+                      <a:tailEnd type="none" w="med" len="med"/>
+                    </a:lnR>
+                    <a:lnT w="12700" cap="flat" cmpd="sng" algn="ctr">
+                      <a:solidFill>
+                        <a:schemeClr val="tx1"/>
+                      </a:solidFill>
+                      <a:prstDash val="solid"/>
+                      <a:round/>
+                      <a:headEnd type="none" w="med" len="med"/>
+                      <a:tailEnd type="none" w="med" len="med"/>
+                    </a:lnT>
+                    <a:lnB w="12700" cap="flat" cmpd="sng" algn="ctr">
+                      <a:solidFill>
+                        <a:schemeClr val="tx1"/>
+                      </a:solidFill>
+                      <a:prstDash val="solid"/>
+                      <a:round/>
+                      <a:headEnd type="none" w="med" len="med"/>
+                      <a:tailEnd type="none" w="med" len="med"/>
+                    </a:lnB>
+                  </a:tcPr>
+                </a:tc>
+                <a:tc>
+                  <a:txBody>
+                    <a:bodyPr/>
+                    <a:lstStyle/>
+                    <a:p>
+                      <a:r>
+                        <a:rPr lang="en-US" sz="2400"/>
+                        <a:t>N/A</a:t>
+                      </a:r>
+                    </a:p>
+                  </a:txBody>
+                  <a:tcPr marL="124601" marR="124601" marT="62301" marB="62301">
+                    <a:lnL w="12700" cap="flat" cmpd="sng" algn="ctr">
+                      <a:solidFill>
+                        <a:schemeClr val="tx1"/>
+                      </a:solidFill>
+                      <a:prstDash val="solid"/>
+                      <a:round/>
+                      <a:headEnd type="none" w="med" len="med"/>
+                      <a:tailEnd type="none" w="med" len="med"/>
+                    </a:lnL>
+                    <a:lnR w="12700" cap="flat" cmpd="sng" algn="ctr">
+                      <a:solidFill>
+                        <a:schemeClr val="tx1"/>
+                      </a:solidFill>
+                      <a:prstDash val="solid"/>
+                      <a:round/>
+                      <a:headEnd type="none" w="med" len="med"/>
+                      <a:tailEnd type="none" w="med" len="med"/>
+                    </a:lnR>
+                    <a:lnT w="12700" cap="flat" cmpd="sng" algn="ctr">
+                      <a:solidFill>
+                        <a:schemeClr val="tx1"/>
+                      </a:solidFill>
+                      <a:prstDash val="solid"/>
+                      <a:round/>
+                      <a:headEnd type="none" w="med" len="med"/>
+                      <a:tailEnd type="none" w="med" len="med"/>
+                    </a:lnT>
+                    <a:lnB w="12700" cap="flat" cmpd="sng" algn="ctr">
+                      <a:solidFill>
+                        <a:schemeClr val="tx1"/>
+                      </a:solidFill>
+                      <a:prstDash val="solid"/>
+                      <a:round/>
+                      <a:headEnd type="none" w="med" len="med"/>
+                      <a:tailEnd type="none" w="med" len="med"/>
+                    </a:lnB>
+                  </a:tcPr>
+                </a:tc>
+                <a:tc>
+                  <a:txBody>
+                    <a:bodyPr/>
+                    <a:lstStyle/>
+                    <a:p>
+                      <a:r>
+                        <a:rPr lang="en-US" sz="2400"/>
+                        <a:t>4.2k</a:t>
+                      </a:r>
+                    </a:p>
+                  </a:txBody>
+                  <a:tcPr marL="124601" marR="124601" marT="62301" marB="62301">
+                    <a:lnL w="12700" cap="flat" cmpd="sng" algn="ctr">
+                      <a:solidFill>
+                        <a:schemeClr val="tx1"/>
+                      </a:solidFill>
+                      <a:prstDash val="solid"/>
+                      <a:round/>
+                      <a:headEnd type="none" w="med" len="med"/>
+                      <a:tailEnd type="none" w="med" len="med"/>
+                    </a:lnL>
+                    <a:lnR w="12700" cap="flat" cmpd="sng" algn="ctr">
+                      <a:solidFill>
+                        <a:schemeClr val="tx1"/>
+                      </a:solidFill>
+                      <a:prstDash val="solid"/>
+                      <a:round/>
+                      <a:headEnd type="none" w="med" len="med"/>
+                      <a:tailEnd type="none" w="med" len="med"/>
+                    </a:lnR>
+                    <a:lnT w="12700" cap="flat" cmpd="sng" algn="ctr">
+                      <a:solidFill>
+                        <a:schemeClr val="tx1"/>
+                      </a:solidFill>
+                      <a:prstDash val="solid"/>
+                      <a:round/>
+                      <a:headEnd type="none" w="med" len="med"/>
+                      <a:tailEnd type="none" w="med" len="med"/>
+                    </a:lnT>
+                    <a:lnB w="12700" cap="flat" cmpd="sng" algn="ctr">
+                      <a:solidFill>
+                        <a:schemeClr val="tx1"/>
+                      </a:solidFill>
+                      <a:prstDash val="solid"/>
+                      <a:round/>
+                      <a:headEnd type="none" w="med" len="med"/>
+                      <a:tailEnd type="none" w="med" len="med"/>
+                    </a:lnB>
+                  </a:tcPr>
+                </a:tc>
+                <a:extLst>
+                  <a:ext uri="{0D108BD9-81ED-4DB2-BD59-A6C34878D82A}">
+                    <a16:rowId xmlns:a16="http://schemas.microsoft.com/office/drawing/2014/main" val="313025389"/>
+                  </a:ext>
+                </a:extLst>
+              </a:tr>
+              <a:tr h="547888">
+                <a:tc>
+                  <a:txBody>
+                    <a:bodyPr/>
+                    <a:lstStyle/>
+                    <a:p>
+                      <a:r>
+                        <a:rPr lang="en-US" sz="2400"/>
+                        <a:t>Range 1</a:t>
+                      </a:r>
+                    </a:p>
+                  </a:txBody>
+                  <a:tcPr marL="124601" marR="124601" marT="62301" marB="62301">
+                    <a:lnL w="12700" cap="flat" cmpd="sng" algn="ctr">
+                      <a:solidFill>
+                        <a:schemeClr val="tx1"/>
+                      </a:solidFill>
+                      <a:prstDash val="solid"/>
+                      <a:round/>
+                      <a:headEnd type="none" w="med" len="med"/>
+                      <a:tailEnd type="none" w="med" len="med"/>
+                    </a:lnL>
+                    <a:lnR w="12700" cap="flat" cmpd="sng" algn="ctr">
+                      <a:solidFill>
+                        <a:schemeClr val="tx1"/>
+                      </a:solidFill>
+                      <a:prstDash val="solid"/>
+                      <a:round/>
+                      <a:headEnd type="none" w="med" len="med"/>
+                      <a:tailEnd type="none" w="med" len="med"/>
+                    </a:lnR>
+                    <a:lnT w="12700" cap="flat" cmpd="sng" algn="ctr">
+                      <a:solidFill>
+                        <a:schemeClr val="tx1"/>
+                      </a:solidFill>
+                      <a:prstDash val="solid"/>
+                      <a:round/>
+                      <a:headEnd type="none" w="med" len="med"/>
+                      <a:tailEnd type="none" w="med" len="med"/>
+                    </a:lnT>
+                    <a:lnB w="12700" cap="flat" cmpd="sng" algn="ctr">
+                      <a:solidFill>
+                        <a:schemeClr val="tx1"/>
+                      </a:solidFill>
+                      <a:prstDash val="solid"/>
+                      <a:round/>
+                      <a:headEnd type="none" w="med" len="med"/>
+                      <a:tailEnd type="none" w="med" len="med"/>
+                    </a:lnB>
+                  </a:tcPr>
+                </a:tc>
+                <a:tc>
+                  <a:txBody>
+                    <a:bodyPr/>
+                    <a:lstStyle/>
+                    <a:p>
+                      <a:r>
+                        <a:rPr lang="en-US" sz="2400"/>
+                        <a:t>4.38k</a:t>
+                      </a:r>
+                    </a:p>
+                  </a:txBody>
+                  <a:tcPr marL="124601" marR="124601" marT="62301" marB="62301">
+                    <a:lnL w="12700" cap="flat" cmpd="sng" algn="ctr">
+                      <a:solidFill>
+                        <a:schemeClr val="tx1"/>
+                      </a:solidFill>
+                      <a:prstDash val="solid"/>
+                      <a:round/>
+                      <a:headEnd type="none" w="med" len="med"/>
+                      <a:tailEnd type="none" w="med" len="med"/>
+                    </a:lnL>
+                    <a:lnR w="12700" cap="flat" cmpd="sng" algn="ctr">
+                      <a:solidFill>
+                        <a:schemeClr val="tx1"/>
+                      </a:solidFill>
+                      <a:prstDash val="solid"/>
+                      <a:round/>
+                      <a:headEnd type="none" w="med" len="med"/>
+                      <a:tailEnd type="none" w="med" len="med"/>
+                    </a:lnR>
+                    <a:lnT w="12700" cap="flat" cmpd="sng" algn="ctr">
+                      <a:solidFill>
+                        <a:schemeClr val="tx1"/>
+                      </a:solidFill>
+                      <a:prstDash val="solid"/>
+                      <a:round/>
+                      <a:headEnd type="none" w="med" len="med"/>
+                      <a:tailEnd type="none" w="med" len="med"/>
+                    </a:lnT>
+                    <a:lnB w="12700" cap="flat" cmpd="sng" algn="ctr">
+                      <a:solidFill>
+                        <a:schemeClr val="tx1"/>
+                      </a:solidFill>
+                      <a:prstDash val="solid"/>
+                      <a:round/>
+                      <a:headEnd type="none" w="med" len="med"/>
+                      <a:tailEnd type="none" w="med" len="med"/>
+                    </a:lnB>
+                  </a:tcPr>
+                </a:tc>
+                <a:tc>
+                  <a:txBody>
+                    <a:bodyPr/>
+                    <a:lstStyle/>
+                    <a:p>
+                      <a:r>
+                        <a:rPr lang="en-US" sz="2400"/>
+                        <a:t>4.75k</a:t>
+                      </a:r>
+                    </a:p>
+                  </a:txBody>
+                  <a:tcPr marL="124601" marR="124601" marT="62301" marB="62301">
+                    <a:lnL w="12700" cap="flat" cmpd="sng" algn="ctr">
+                      <a:solidFill>
+                        <a:schemeClr val="tx1"/>
+                      </a:solidFill>
+                      <a:prstDash val="solid"/>
+                      <a:round/>
+                      <a:headEnd type="none" w="med" len="med"/>
+                      <a:tailEnd type="none" w="med" len="med"/>
+                    </a:lnL>
+                    <a:lnR w="12700" cap="flat" cmpd="sng" algn="ctr">
+                      <a:solidFill>
+                        <a:schemeClr val="tx1"/>
+                      </a:solidFill>
+                      <a:prstDash val="solid"/>
+                      <a:round/>
+                      <a:headEnd type="none" w="med" len="med"/>
+                      <a:tailEnd type="none" w="med" len="med"/>
+                    </a:lnR>
+                    <a:lnT w="12700" cap="flat" cmpd="sng" algn="ctr">
+                      <a:solidFill>
+                        <a:schemeClr val="tx1"/>
+                      </a:solidFill>
+                      <a:prstDash val="solid"/>
+                      <a:round/>
+                      <a:headEnd type="none" w="med" len="med"/>
+                      <a:tailEnd type="none" w="med" len="med"/>
+                    </a:lnT>
+                    <a:lnB w="12700" cap="flat" cmpd="sng" algn="ctr">
+                      <a:solidFill>
+                        <a:schemeClr val="tx1"/>
+                      </a:solidFill>
+                      <a:prstDash val="solid"/>
+                      <a:round/>
+                      <a:headEnd type="none" w="med" len="med"/>
+                      <a:tailEnd type="none" w="med" len="med"/>
+                    </a:lnB>
+                  </a:tcPr>
+                </a:tc>
+                <a:tc>
+                  <a:txBody>
+                    <a:bodyPr/>
+                    <a:lstStyle/>
+                    <a:p>
+                      <a:r>
+                        <a:rPr lang="en-US" sz="2400"/>
+                        <a:t>4.54k</a:t>
+                      </a:r>
+                    </a:p>
+                  </a:txBody>
+                  <a:tcPr marL="124601" marR="124601" marT="62301" marB="62301">
+                    <a:lnL w="12700" cap="flat" cmpd="sng" algn="ctr">
+                      <a:solidFill>
+                        <a:schemeClr val="tx1"/>
+                      </a:solidFill>
+                      <a:prstDash val="solid"/>
+                      <a:round/>
+                      <a:headEnd type="none" w="med" len="med"/>
+                      <a:tailEnd type="none" w="med" len="med"/>
+                    </a:lnL>
+                    <a:lnR w="12700" cap="flat" cmpd="sng" algn="ctr">
+                      <a:solidFill>
+                        <a:schemeClr val="tx1"/>
+                      </a:solidFill>
+                      <a:prstDash val="solid"/>
+                      <a:round/>
+                      <a:headEnd type="none" w="med" len="med"/>
+                      <a:tailEnd type="none" w="med" len="med"/>
+                    </a:lnR>
+                    <a:lnT w="12700" cap="flat" cmpd="sng" algn="ctr">
+                      <a:solidFill>
+                        <a:schemeClr val="tx1"/>
+                      </a:solidFill>
+                      <a:prstDash val="solid"/>
+                      <a:round/>
+                      <a:headEnd type="none" w="med" len="med"/>
+                      <a:tailEnd type="none" w="med" len="med"/>
+                    </a:lnT>
+                    <a:lnB w="12700" cap="flat" cmpd="sng" algn="ctr">
+                      <a:solidFill>
+                        <a:schemeClr val="tx1"/>
+                      </a:solidFill>
+                      <a:prstDash val="solid"/>
+                      <a:round/>
+                      <a:headEnd type="none" w="med" len="med"/>
+                      <a:tailEnd type="none" w="med" len="med"/>
+                    </a:lnB>
+                  </a:tcPr>
+                </a:tc>
+                <a:tc>
+                  <a:txBody>
+                    <a:bodyPr/>
+                    <a:lstStyle/>
+                    <a:p>
+                      <a:r>
+                        <a:rPr lang="en-US" sz="2400" dirty="0"/>
+                        <a:t>4.58k</a:t>
+                      </a:r>
+                    </a:p>
+                  </a:txBody>
+                  <a:tcPr marL="124601" marR="124601" marT="62301" marB="62301">
+                    <a:lnL w="12700" cap="flat" cmpd="sng" algn="ctr">
+                      <a:solidFill>
+                        <a:schemeClr val="tx1"/>
+                      </a:solidFill>
+                      <a:prstDash val="solid"/>
+                      <a:round/>
+                      <a:headEnd type="none" w="med" len="med"/>
+                      <a:tailEnd type="none" w="med" len="med"/>
+                    </a:lnL>
+                    <a:lnR w="12700" cap="flat" cmpd="sng" algn="ctr">
+                      <a:solidFill>
+                        <a:schemeClr val="tx1"/>
+                      </a:solidFill>
+                      <a:prstDash val="solid"/>
+                      <a:round/>
+                      <a:headEnd type="none" w="med" len="med"/>
+                      <a:tailEnd type="none" w="med" len="med"/>
+                    </a:lnR>
+                    <a:lnT w="12700" cap="flat" cmpd="sng" algn="ctr">
+                      <a:solidFill>
+                        <a:schemeClr val="tx1"/>
+                      </a:solidFill>
+                      <a:prstDash val="solid"/>
+                      <a:round/>
+                      <a:headEnd type="none" w="med" len="med"/>
+                      <a:tailEnd type="none" w="med" len="med"/>
+                    </a:lnT>
+                    <a:lnB w="12700" cap="flat" cmpd="sng" algn="ctr">
+                      <a:solidFill>
+                        <a:schemeClr val="tx1"/>
+                      </a:solidFill>
+                      <a:prstDash val="solid"/>
+                      <a:round/>
+                      <a:headEnd type="none" w="med" len="med"/>
+                      <a:tailEnd type="none" w="med" len="med"/>
+                    </a:lnB>
+                  </a:tcPr>
+                </a:tc>
+                <a:extLst>
+                  <a:ext uri="{0D108BD9-81ED-4DB2-BD59-A6C34878D82A}">
+                    <a16:rowId xmlns:a16="http://schemas.microsoft.com/office/drawing/2014/main" val="1871411977"/>
+                  </a:ext>
+                </a:extLst>
+              </a:tr>
+              <a:tr h="547888">
+                <a:tc>
+                  <a:txBody>
+                    <a:bodyPr/>
+                    <a:lstStyle/>
+                    <a:p>
+                      <a:r>
+                        <a:rPr lang="en-US" sz="2400"/>
+                        <a:t>Range 2</a:t>
+                      </a:r>
+                    </a:p>
+                  </a:txBody>
+                  <a:tcPr marL="124601" marR="124601" marT="62301" marB="62301">
+                    <a:lnL w="12700" cap="flat" cmpd="sng" algn="ctr">
+                      <a:solidFill>
+                        <a:schemeClr val="tx1"/>
+                      </a:solidFill>
+                      <a:prstDash val="solid"/>
+                      <a:round/>
+                      <a:headEnd type="none" w="med" len="med"/>
+                      <a:tailEnd type="none" w="med" len="med"/>
+                    </a:lnL>
+                    <a:lnR w="12700" cap="flat" cmpd="sng" algn="ctr">
+                      <a:solidFill>
+                        <a:schemeClr val="tx1"/>
+                      </a:solidFill>
+                      <a:prstDash val="solid"/>
+                      <a:round/>
+                      <a:headEnd type="none" w="med" len="med"/>
+                      <a:tailEnd type="none" w="med" len="med"/>
+                    </a:lnR>
+                    <a:lnT w="12700" cap="flat" cmpd="sng" algn="ctr">
+                      <a:solidFill>
+                        <a:schemeClr val="tx1"/>
+                      </a:solidFill>
+                      <a:prstDash val="solid"/>
+                      <a:round/>
+                      <a:headEnd type="none" w="med" len="med"/>
+                      <a:tailEnd type="none" w="med" len="med"/>
+                    </a:lnT>
+                    <a:lnB w="12700" cap="flat" cmpd="sng" algn="ctr">
+                      <a:solidFill>
+                        <a:schemeClr val="tx1"/>
+                      </a:solidFill>
+                      <a:prstDash val="solid"/>
+                      <a:round/>
+                      <a:headEnd type="none" w="med" len="med"/>
+                      <a:tailEnd type="none" w="med" len="med"/>
+                    </a:lnB>
+                  </a:tcPr>
+                </a:tc>
+                <a:tc>
+                  <a:txBody>
+                    <a:bodyPr/>
+                    <a:lstStyle/>
+                    <a:p>
+                      <a:r>
+                        <a:rPr lang="en-US" sz="2400"/>
+                        <a:t>4.84k</a:t>
+                      </a:r>
+                    </a:p>
+                  </a:txBody>
+                  <a:tcPr marL="124601" marR="124601" marT="62301" marB="62301">
+                    <a:lnL w="12700" cap="flat" cmpd="sng" algn="ctr">
+                      <a:solidFill>
+                        <a:schemeClr val="tx1"/>
+                      </a:solidFill>
+                      <a:prstDash val="solid"/>
+                      <a:round/>
+                      <a:headEnd type="none" w="med" len="med"/>
+                      <a:tailEnd type="none" w="med" len="med"/>
+                    </a:lnL>
+                    <a:lnR w="12700" cap="flat" cmpd="sng" algn="ctr">
+                      <a:solidFill>
+                        <a:schemeClr val="tx1"/>
+                      </a:solidFill>
+                      <a:prstDash val="solid"/>
+                      <a:round/>
+                      <a:headEnd type="none" w="med" len="med"/>
+                      <a:tailEnd type="none" w="med" len="med"/>
+                    </a:lnR>
+                    <a:lnT w="12700" cap="flat" cmpd="sng" algn="ctr">
+                      <a:solidFill>
+                        <a:schemeClr val="tx1"/>
+                      </a:solidFill>
+                      <a:prstDash val="solid"/>
+                      <a:round/>
+                      <a:headEnd type="none" w="med" len="med"/>
+                      <a:tailEnd type="none" w="med" len="med"/>
+                    </a:lnT>
+                    <a:lnB w="12700" cap="flat" cmpd="sng" algn="ctr">
+                      <a:solidFill>
+                        <a:schemeClr val="tx1"/>
+                      </a:solidFill>
+                      <a:prstDash val="solid"/>
+                      <a:round/>
+                      <a:headEnd type="none" w="med" len="med"/>
+                      <a:tailEnd type="none" w="med" len="med"/>
+                    </a:lnB>
+                  </a:tcPr>
+                </a:tc>
+                <a:tc>
+                  <a:txBody>
+                    <a:bodyPr/>
+                    <a:lstStyle/>
+                    <a:p>
+                      <a:r>
+                        <a:rPr lang="en-US" sz="2400"/>
+                        <a:t>5.3k</a:t>
+                      </a:r>
+                    </a:p>
+                  </a:txBody>
+                  <a:tcPr marL="124601" marR="124601" marT="62301" marB="62301">
+                    <a:lnL w="12700" cap="flat" cmpd="sng" algn="ctr">
+                      <a:solidFill>
+                        <a:schemeClr val="tx1"/>
+                      </a:solidFill>
+                      <a:prstDash val="solid"/>
+                      <a:round/>
+                      <a:headEnd type="none" w="med" len="med"/>
+                      <a:tailEnd type="none" w="med" len="med"/>
+                    </a:lnL>
+                    <a:lnR w="12700" cap="flat" cmpd="sng" algn="ctr">
+                      <a:solidFill>
+                        <a:schemeClr val="tx1"/>
+                      </a:solidFill>
+                      <a:prstDash val="solid"/>
+                      <a:round/>
+                      <a:headEnd type="none" w="med" len="med"/>
+                      <a:tailEnd type="none" w="med" len="med"/>
+                    </a:lnR>
+                    <a:lnT w="12700" cap="flat" cmpd="sng" algn="ctr">
+                      <a:solidFill>
+                        <a:schemeClr val="tx1"/>
+                      </a:solidFill>
+                      <a:prstDash val="solid"/>
+                      <a:round/>
+                      <a:headEnd type="none" w="med" len="med"/>
+                      <a:tailEnd type="none" w="med" len="med"/>
+                    </a:lnT>
+                    <a:lnB w="12700" cap="flat" cmpd="sng" algn="ctr">
+                      <a:solidFill>
+                        <a:schemeClr val="tx1"/>
+                      </a:solidFill>
+                      <a:prstDash val="solid"/>
+                      <a:round/>
+                      <a:headEnd type="none" w="med" len="med"/>
+                      <a:tailEnd type="none" w="med" len="med"/>
+                    </a:lnB>
+                  </a:tcPr>
+                </a:tc>
+                <a:tc>
+                  <a:txBody>
+                    <a:bodyPr/>
+                    <a:lstStyle/>
+                    <a:p>
+                      <a:r>
+                        <a:rPr lang="en-US" sz="2400"/>
+                        <a:t>5.04k</a:t>
+                      </a:r>
+                    </a:p>
+                  </a:txBody>
+                  <a:tcPr marL="124601" marR="124601" marT="62301" marB="62301">
+                    <a:lnL w="12700" cap="flat" cmpd="sng" algn="ctr">
+                      <a:solidFill>
+                        <a:schemeClr val="tx1"/>
+                      </a:solidFill>
+                      <a:prstDash val="solid"/>
+                      <a:round/>
+                      <a:headEnd type="none" w="med" len="med"/>
+                      <a:tailEnd type="none" w="med" len="med"/>
+                    </a:lnL>
+                    <a:lnR w="12700" cap="flat" cmpd="sng" algn="ctr">
+                      <a:solidFill>
+                        <a:schemeClr val="tx1"/>
+                      </a:solidFill>
+                      <a:prstDash val="solid"/>
+                      <a:round/>
+                      <a:headEnd type="none" w="med" len="med"/>
+                      <a:tailEnd type="none" w="med" len="med"/>
+                    </a:lnR>
+                    <a:lnT w="12700" cap="flat" cmpd="sng" algn="ctr">
+                      <a:solidFill>
+                        <a:schemeClr val="tx1"/>
+                      </a:solidFill>
+                      <a:prstDash val="solid"/>
+                      <a:round/>
+                      <a:headEnd type="none" w="med" len="med"/>
+                      <a:tailEnd type="none" w="med" len="med"/>
+                    </a:lnT>
+                    <a:lnB w="12700" cap="flat" cmpd="sng" algn="ctr">
+                      <a:solidFill>
+                        <a:schemeClr val="tx1"/>
+                      </a:solidFill>
+                      <a:prstDash val="solid"/>
+                      <a:round/>
+                      <a:headEnd type="none" w="med" len="med"/>
+                      <a:tailEnd type="none" w="med" len="med"/>
+                    </a:lnB>
+                  </a:tcPr>
+                </a:tc>
+                <a:tc>
+                  <a:txBody>
+                    <a:bodyPr/>
+                    <a:lstStyle/>
+                    <a:p>
+                      <a:r>
+                        <a:rPr lang="en-US" sz="2400"/>
+                        <a:t>5.09k</a:t>
+                      </a:r>
+                    </a:p>
+                  </a:txBody>
+                  <a:tcPr marL="124601" marR="124601" marT="62301" marB="62301">
+                    <a:lnL w="12700" cap="flat" cmpd="sng" algn="ctr">
+                      <a:solidFill>
+                        <a:schemeClr val="tx1"/>
+                      </a:solidFill>
+                      <a:prstDash val="solid"/>
+                      <a:round/>
+                      <a:headEnd type="none" w="med" len="med"/>
+                      <a:tailEnd type="none" w="med" len="med"/>
+                    </a:lnL>
+                    <a:lnR w="12700" cap="flat" cmpd="sng" algn="ctr">
+                      <a:solidFill>
+                        <a:schemeClr val="tx1"/>
+                      </a:solidFill>
+                      <a:prstDash val="solid"/>
+                      <a:round/>
+                      <a:headEnd type="none" w="med" len="med"/>
+                      <a:tailEnd type="none" w="med" len="med"/>
+                    </a:lnR>
+                    <a:lnT w="12700" cap="flat" cmpd="sng" algn="ctr">
+                      <a:solidFill>
+                        <a:schemeClr val="tx1"/>
+                      </a:solidFill>
+                      <a:prstDash val="solid"/>
+                      <a:round/>
+                      <a:headEnd type="none" w="med" len="med"/>
+                      <a:tailEnd type="none" w="med" len="med"/>
+                    </a:lnT>
+                    <a:lnB w="12700" cap="flat" cmpd="sng" algn="ctr">
+                      <a:solidFill>
+                        <a:schemeClr val="tx1"/>
+                      </a:solidFill>
+                      <a:prstDash val="solid"/>
+                      <a:round/>
+                      <a:headEnd type="none" w="med" len="med"/>
+                      <a:tailEnd type="none" w="med" len="med"/>
+                    </a:lnB>
+                  </a:tcPr>
+                </a:tc>
+                <a:extLst>
+                  <a:ext uri="{0D108BD9-81ED-4DB2-BD59-A6C34878D82A}">
+                    <a16:rowId xmlns:a16="http://schemas.microsoft.com/office/drawing/2014/main" val="167111624"/>
+                  </a:ext>
+                </a:extLst>
+              </a:tr>
+              <a:tr h="547888">
+                <a:tc>
+                  <a:txBody>
+                    <a:bodyPr/>
+                    <a:lstStyle/>
+                    <a:p>
+                      <a:r>
+                        <a:rPr lang="en-US" sz="2400"/>
+                        <a:t>Range 3</a:t>
+                      </a:r>
+                    </a:p>
+                  </a:txBody>
+                  <a:tcPr marL="124601" marR="124601" marT="62301" marB="62301">
+                    <a:lnL w="12700" cap="flat" cmpd="sng" algn="ctr">
+                      <a:solidFill>
+                        <a:schemeClr val="tx1"/>
+                      </a:solidFill>
+                      <a:prstDash val="solid"/>
+                      <a:round/>
+                      <a:headEnd type="none" w="med" len="med"/>
+                      <a:tailEnd type="none" w="med" len="med"/>
+                    </a:lnL>
+                    <a:lnR w="12700" cap="flat" cmpd="sng" algn="ctr">
+                      <a:solidFill>
+                        <a:schemeClr val="tx1"/>
+                      </a:solidFill>
+                      <a:prstDash val="solid"/>
+                      <a:round/>
+                      <a:headEnd type="none" w="med" len="med"/>
+                      <a:tailEnd type="none" w="med" len="med"/>
+                    </a:lnR>
+                    <a:lnT w="12700" cap="flat" cmpd="sng" algn="ctr">
+                      <a:solidFill>
+                        <a:schemeClr val="tx1"/>
+                      </a:solidFill>
+                      <a:prstDash val="solid"/>
+                      <a:round/>
+                      <a:headEnd type="none" w="med" len="med"/>
+                      <a:tailEnd type="none" w="med" len="med"/>
+                    </a:lnT>
+                    <a:lnB w="12700" cap="flat" cmpd="sng" algn="ctr">
+                      <a:solidFill>
+                        <a:schemeClr val="tx1"/>
+                      </a:solidFill>
+                      <a:prstDash val="solid"/>
+                      <a:round/>
+                      <a:headEnd type="none" w="med" len="med"/>
+                      <a:tailEnd type="none" w="med" len="med"/>
+                    </a:lnB>
+                  </a:tcPr>
+                </a:tc>
+                <a:tc>
+                  <a:txBody>
+                    <a:bodyPr/>
+                    <a:lstStyle/>
+                    <a:p>
+                      <a:r>
+                        <a:rPr lang="en-US" sz="2400"/>
+                        <a:t>5.42k</a:t>
+                      </a:r>
+                    </a:p>
+                  </a:txBody>
+                  <a:tcPr marL="124601" marR="124601" marT="62301" marB="62301">
+                    <a:lnL w="12700" cap="flat" cmpd="sng" algn="ctr">
+                      <a:solidFill>
+                        <a:schemeClr val="tx1"/>
+                      </a:solidFill>
+                      <a:prstDash val="solid"/>
+                      <a:round/>
+                      <a:headEnd type="none" w="med" len="med"/>
+                      <a:tailEnd type="none" w="med" len="med"/>
+                    </a:lnL>
+                    <a:lnR w="12700" cap="flat" cmpd="sng" algn="ctr">
+                      <a:solidFill>
+                        <a:schemeClr val="tx1"/>
+                      </a:solidFill>
+                      <a:prstDash val="solid"/>
+                      <a:round/>
+                      <a:headEnd type="none" w="med" len="med"/>
+                      <a:tailEnd type="none" w="med" len="med"/>
+                    </a:lnR>
+                    <a:lnT w="12700" cap="flat" cmpd="sng" algn="ctr">
+                      <a:solidFill>
+                        <a:schemeClr val="tx1"/>
+                      </a:solidFill>
+                      <a:prstDash val="solid"/>
+                      <a:round/>
+                      <a:headEnd type="none" w="med" len="med"/>
+                      <a:tailEnd type="none" w="med" len="med"/>
+                    </a:lnT>
+                    <a:lnB w="12700" cap="flat" cmpd="sng" algn="ctr">
+                      <a:solidFill>
+                        <a:schemeClr val="tx1"/>
+                      </a:solidFill>
+                      <a:prstDash val="solid"/>
+                      <a:round/>
+                      <a:headEnd type="none" w="med" len="med"/>
+                      <a:tailEnd type="none" w="med" len="med"/>
+                    </a:lnB>
+                  </a:tcPr>
+                </a:tc>
+                <a:tc>
+                  <a:txBody>
+                    <a:bodyPr/>
+                    <a:lstStyle/>
+                    <a:p>
+                      <a:r>
+                        <a:rPr lang="en-US" sz="2400"/>
+                        <a:t>6.01k</a:t>
+                      </a:r>
+                    </a:p>
+                  </a:txBody>
+                  <a:tcPr marL="124601" marR="124601" marT="62301" marB="62301">
+                    <a:lnL w="12700" cap="flat" cmpd="sng" algn="ctr">
+                      <a:solidFill>
+                        <a:schemeClr val="tx1"/>
+                      </a:solidFill>
+                      <a:prstDash val="solid"/>
+                      <a:round/>
+                      <a:headEnd type="none" w="med" len="med"/>
+                      <a:tailEnd type="none" w="med" len="med"/>
+                    </a:lnL>
+                    <a:lnR w="12700" cap="flat" cmpd="sng" algn="ctr">
+                      <a:solidFill>
+                        <a:schemeClr val="tx1"/>
+                      </a:solidFill>
+                      <a:prstDash val="solid"/>
+                      <a:round/>
+                      <a:headEnd type="none" w="med" len="med"/>
+                      <a:tailEnd type="none" w="med" len="med"/>
+                    </a:lnR>
+                    <a:lnT w="12700" cap="flat" cmpd="sng" algn="ctr">
+                      <a:solidFill>
+                        <a:schemeClr val="tx1"/>
+                      </a:solidFill>
+                      <a:prstDash val="solid"/>
+                      <a:round/>
+                      <a:headEnd type="none" w="med" len="med"/>
+                      <a:tailEnd type="none" w="med" len="med"/>
+                    </a:lnT>
+                    <a:lnB w="12700" cap="flat" cmpd="sng" algn="ctr">
+                      <a:solidFill>
+                        <a:schemeClr val="tx1"/>
+                      </a:solidFill>
+                      <a:prstDash val="solid"/>
+                      <a:round/>
+                      <a:headEnd type="none" w="med" len="med"/>
+                      <a:tailEnd type="none" w="med" len="med"/>
+                    </a:lnB>
+                  </a:tcPr>
+                </a:tc>
+                <a:tc>
+                  <a:txBody>
+                    <a:bodyPr/>
+                    <a:lstStyle/>
+                    <a:p>
+                      <a:r>
+                        <a:rPr lang="en-US" sz="2400" dirty="0"/>
+                        <a:t>5.67k</a:t>
+                      </a:r>
+                    </a:p>
+                  </a:txBody>
+                  <a:tcPr marL="124601" marR="124601" marT="62301" marB="62301">
+                    <a:lnL w="12700" cap="flat" cmpd="sng" algn="ctr">
+                      <a:solidFill>
+                        <a:schemeClr val="tx1"/>
+                      </a:solidFill>
+                      <a:prstDash val="solid"/>
+                      <a:round/>
+                      <a:headEnd type="none" w="med" len="med"/>
+                      <a:tailEnd type="none" w="med" len="med"/>
+                    </a:lnL>
+                    <a:lnR w="12700" cap="flat" cmpd="sng" algn="ctr">
+                      <a:solidFill>
+                        <a:schemeClr val="tx1"/>
+                      </a:solidFill>
+                      <a:prstDash val="solid"/>
+                      <a:round/>
+                      <a:headEnd type="none" w="med" len="med"/>
+                      <a:tailEnd type="none" w="med" len="med"/>
+                    </a:lnR>
+                    <a:lnT w="12700" cap="flat" cmpd="sng" algn="ctr">
+                      <a:solidFill>
+                        <a:schemeClr val="tx1"/>
+                      </a:solidFill>
+                      <a:prstDash val="solid"/>
+                      <a:round/>
+                      <a:headEnd type="none" w="med" len="med"/>
+                      <a:tailEnd type="none" w="med" len="med"/>
+                    </a:lnT>
+                    <a:lnB w="12700" cap="flat" cmpd="sng" algn="ctr">
+                      <a:solidFill>
+                        <a:schemeClr val="tx1"/>
+                      </a:solidFill>
+                      <a:prstDash val="solid"/>
+                      <a:round/>
+                      <a:headEnd type="none" w="med" len="med"/>
+                      <a:tailEnd type="none" w="med" len="med"/>
+                    </a:lnB>
+                  </a:tcPr>
+                </a:tc>
+                <a:tc>
+                  <a:txBody>
+                    <a:bodyPr/>
+                    <a:lstStyle/>
+                    <a:p>
+                      <a:r>
+                        <a:rPr lang="en-US" sz="2400"/>
+                        <a:t>5.73k</a:t>
+                      </a:r>
+                    </a:p>
+                  </a:txBody>
+                  <a:tcPr marL="124601" marR="124601" marT="62301" marB="62301">
+                    <a:lnL w="12700" cap="flat" cmpd="sng" algn="ctr">
+                      <a:solidFill>
+                        <a:schemeClr val="tx1"/>
+                      </a:solidFill>
+                      <a:prstDash val="solid"/>
+                      <a:round/>
+                      <a:headEnd type="none" w="med" len="med"/>
+                      <a:tailEnd type="none" w="med" len="med"/>
+                    </a:lnL>
+                    <a:lnR w="12700" cap="flat" cmpd="sng" algn="ctr">
+                      <a:solidFill>
+                        <a:schemeClr val="tx1"/>
+                      </a:solidFill>
+                      <a:prstDash val="solid"/>
+                      <a:round/>
+                      <a:headEnd type="none" w="med" len="med"/>
+                      <a:tailEnd type="none" w="med" len="med"/>
+                    </a:lnR>
+                    <a:lnT w="12700" cap="flat" cmpd="sng" algn="ctr">
+                      <a:solidFill>
+                        <a:schemeClr val="tx1"/>
+                      </a:solidFill>
+                      <a:prstDash val="solid"/>
+                      <a:round/>
+                      <a:headEnd type="none" w="med" len="med"/>
+                      <a:tailEnd type="none" w="med" len="med"/>
+                    </a:lnT>
+                    <a:lnB w="12700" cap="flat" cmpd="sng" algn="ctr">
+                      <a:solidFill>
+                        <a:schemeClr val="tx1"/>
+                      </a:solidFill>
+                      <a:prstDash val="solid"/>
+                      <a:round/>
+                      <a:headEnd type="none" w="med" len="med"/>
+                      <a:tailEnd type="none" w="med" len="med"/>
+                    </a:lnB>
+                  </a:tcPr>
+                </a:tc>
+                <a:extLst>
+                  <a:ext uri="{0D108BD9-81ED-4DB2-BD59-A6C34878D82A}">
+                    <a16:rowId xmlns:a16="http://schemas.microsoft.com/office/drawing/2014/main" val="968465765"/>
+                  </a:ext>
+                </a:extLst>
+              </a:tr>
+              <a:tr h="547888">
+                <a:tc>
+                  <a:txBody>
+                    <a:bodyPr/>
+                    <a:lstStyle/>
+                    <a:p>
+                      <a:r>
+                        <a:rPr lang="en-US" sz="2400"/>
+                        <a:t>Range 4</a:t>
+                      </a:r>
+                    </a:p>
+                  </a:txBody>
+                  <a:tcPr marL="124601" marR="124601" marT="62301" marB="62301">
+                    <a:lnL w="12700" cap="flat" cmpd="sng" algn="ctr">
+                      <a:solidFill>
+                        <a:schemeClr val="tx1"/>
+                      </a:solidFill>
+                      <a:prstDash val="solid"/>
+                      <a:round/>
+                      <a:headEnd type="none" w="med" len="med"/>
+                      <a:tailEnd type="none" w="med" len="med"/>
+                    </a:lnL>
+                    <a:lnR w="12700" cap="flat" cmpd="sng" algn="ctr">
+                      <a:solidFill>
+                        <a:schemeClr val="tx1"/>
+                      </a:solidFill>
+                      <a:prstDash val="solid"/>
+                      <a:round/>
+                      <a:headEnd type="none" w="med" len="med"/>
+                      <a:tailEnd type="none" w="med" len="med"/>
+                    </a:lnR>
+                    <a:lnT w="12700" cap="flat" cmpd="sng" algn="ctr">
+                      <a:solidFill>
+                        <a:schemeClr val="tx1"/>
+                      </a:solidFill>
+                      <a:prstDash val="solid"/>
+                      <a:round/>
+                      <a:headEnd type="none" w="med" len="med"/>
+                      <a:tailEnd type="none" w="med" len="med"/>
+                    </a:lnT>
+                    <a:lnB w="12700" cap="flat" cmpd="sng" algn="ctr">
+                      <a:solidFill>
+                        <a:schemeClr val="tx1"/>
+                      </a:solidFill>
+                      <a:prstDash val="solid"/>
+                      <a:round/>
+                      <a:headEnd type="none" w="med" len="med"/>
+                      <a:tailEnd type="none" w="med" len="med"/>
+                    </a:lnB>
+                  </a:tcPr>
+                </a:tc>
+                <a:tc>
+                  <a:txBody>
+                    <a:bodyPr/>
+                    <a:lstStyle/>
+                    <a:p>
+                      <a:r>
+                        <a:rPr lang="en-US" sz="2400"/>
+                        <a:t>6.16k</a:t>
+                      </a:r>
+                    </a:p>
+                  </a:txBody>
+                  <a:tcPr marL="124601" marR="124601" marT="62301" marB="62301">
+                    <a:lnL w="12700" cap="flat" cmpd="sng" algn="ctr">
+                      <a:solidFill>
+                        <a:schemeClr val="tx1"/>
+                      </a:solidFill>
+                      <a:prstDash val="solid"/>
+                      <a:round/>
+                      <a:headEnd type="none" w="med" len="med"/>
+                      <a:tailEnd type="none" w="med" len="med"/>
+                    </a:lnL>
+                    <a:lnR w="12700" cap="flat" cmpd="sng" algn="ctr">
+                      <a:solidFill>
+                        <a:schemeClr val="tx1"/>
+                      </a:solidFill>
+                      <a:prstDash val="solid"/>
+                      <a:round/>
+                      <a:headEnd type="none" w="med" len="med"/>
+                      <a:tailEnd type="none" w="med" len="med"/>
+                    </a:lnR>
+                    <a:lnT w="12700" cap="flat" cmpd="sng" algn="ctr">
+                      <a:solidFill>
+                        <a:schemeClr val="tx1"/>
+                      </a:solidFill>
+                      <a:prstDash val="solid"/>
+                      <a:round/>
+                      <a:headEnd type="none" w="med" len="med"/>
+                      <a:tailEnd type="none" w="med" len="med"/>
+                    </a:lnT>
+                    <a:lnB w="12700" cap="flat" cmpd="sng" algn="ctr">
+                      <a:solidFill>
+                        <a:schemeClr val="tx1"/>
+                      </a:solidFill>
+                      <a:prstDash val="solid"/>
+                      <a:round/>
+                      <a:headEnd type="none" w="med" len="med"/>
+                      <a:tailEnd type="none" w="med" len="med"/>
+                    </a:lnB>
+                  </a:tcPr>
+                </a:tc>
+                <a:tc>
+                  <a:txBody>
+                    <a:bodyPr/>
+                    <a:lstStyle/>
+                    <a:p>
+                      <a:r>
+                        <a:rPr lang="en-US" sz="2400"/>
+                        <a:t>6.99k</a:t>
+                      </a:r>
+                    </a:p>
+                  </a:txBody>
+                  <a:tcPr marL="124601" marR="124601" marT="62301" marB="62301">
+                    <a:lnL w="12700" cap="flat" cmpd="sng" algn="ctr">
+                      <a:solidFill>
+                        <a:schemeClr val="tx1"/>
+                      </a:solidFill>
+                      <a:prstDash val="solid"/>
+                      <a:round/>
+                      <a:headEnd type="none" w="med" len="med"/>
+                      <a:tailEnd type="none" w="med" len="med"/>
+                    </a:lnL>
+                    <a:lnR w="12700" cap="flat" cmpd="sng" algn="ctr">
+                      <a:solidFill>
+                        <a:schemeClr val="tx1"/>
+                      </a:solidFill>
+                      <a:prstDash val="solid"/>
+                      <a:round/>
+                      <a:headEnd type="none" w="med" len="med"/>
+                      <a:tailEnd type="none" w="med" len="med"/>
+                    </a:lnR>
+                    <a:lnT w="12700" cap="flat" cmpd="sng" algn="ctr">
+                      <a:solidFill>
+                        <a:schemeClr val="tx1"/>
+                      </a:solidFill>
+                      <a:prstDash val="solid"/>
+                      <a:round/>
+                      <a:headEnd type="none" w="med" len="med"/>
+                      <a:tailEnd type="none" w="med" len="med"/>
+                    </a:lnT>
+                    <a:lnB w="12700" cap="flat" cmpd="sng" algn="ctr">
+                      <a:solidFill>
+                        <a:schemeClr val="tx1"/>
+                      </a:solidFill>
+                      <a:prstDash val="solid"/>
+                      <a:round/>
+                      <a:headEnd type="none" w="med" len="med"/>
+                      <a:tailEnd type="none" w="med" len="med"/>
+                    </a:lnB>
+                  </a:tcPr>
+                </a:tc>
+                <a:tc>
+                  <a:txBody>
+                    <a:bodyPr/>
+                    <a:lstStyle/>
+                    <a:p>
+                      <a:r>
+                        <a:rPr lang="en-US" sz="2400" dirty="0"/>
+                        <a:t>6.51k</a:t>
+                      </a:r>
+                    </a:p>
+                  </a:txBody>
+                  <a:tcPr marL="124601" marR="124601" marT="62301" marB="62301">
+                    <a:lnL w="12700" cap="flat" cmpd="sng" algn="ctr">
+                      <a:solidFill>
+                        <a:schemeClr val="tx1"/>
+                      </a:solidFill>
+                      <a:prstDash val="solid"/>
+                      <a:round/>
+                      <a:headEnd type="none" w="med" len="med"/>
+                      <a:tailEnd type="none" w="med" len="med"/>
+                    </a:lnL>
+                    <a:lnR w="12700" cap="flat" cmpd="sng" algn="ctr">
+                      <a:solidFill>
+                        <a:schemeClr val="tx1"/>
+                      </a:solidFill>
+                      <a:prstDash val="solid"/>
+                      <a:round/>
+                      <a:headEnd type="none" w="med" len="med"/>
+                      <a:tailEnd type="none" w="med" len="med"/>
+                    </a:lnR>
+                    <a:lnT w="12700" cap="flat" cmpd="sng" algn="ctr">
+                      <a:solidFill>
+                        <a:schemeClr val="tx1"/>
+                      </a:solidFill>
+                      <a:prstDash val="solid"/>
+                      <a:round/>
+                      <a:headEnd type="none" w="med" len="med"/>
+                      <a:tailEnd type="none" w="med" len="med"/>
+                    </a:lnT>
+                    <a:lnB w="12700" cap="flat" cmpd="sng" algn="ctr">
+                      <a:solidFill>
+                        <a:schemeClr val="tx1"/>
+                      </a:solidFill>
+                      <a:prstDash val="solid"/>
+                      <a:round/>
+                      <a:headEnd type="none" w="med" len="med"/>
+                      <a:tailEnd type="none" w="med" len="med"/>
+                    </a:lnB>
+                  </a:tcPr>
+                </a:tc>
+                <a:tc>
+                  <a:txBody>
+                    <a:bodyPr/>
+                    <a:lstStyle/>
+                    <a:p>
+                      <a:r>
+                        <a:rPr lang="en-US" sz="2400"/>
+                        <a:t>6.59k</a:t>
+                      </a:r>
+                    </a:p>
+                  </a:txBody>
+                  <a:tcPr marL="124601" marR="124601" marT="62301" marB="62301">
+                    <a:lnL w="12700" cap="flat" cmpd="sng" algn="ctr">
+                      <a:solidFill>
+                        <a:schemeClr val="tx1"/>
+                      </a:solidFill>
+                      <a:prstDash val="solid"/>
+                      <a:round/>
+                      <a:headEnd type="none" w="med" len="med"/>
+                      <a:tailEnd type="none" w="med" len="med"/>
+                    </a:lnL>
+                    <a:lnR w="12700" cap="flat" cmpd="sng" algn="ctr">
+                      <a:solidFill>
+                        <a:schemeClr val="tx1"/>
+                      </a:solidFill>
+                      <a:prstDash val="solid"/>
+                      <a:round/>
+                      <a:headEnd type="none" w="med" len="med"/>
+                      <a:tailEnd type="none" w="med" len="med"/>
+                    </a:lnR>
+                    <a:lnT w="12700" cap="flat" cmpd="sng" algn="ctr">
+                      <a:solidFill>
+                        <a:schemeClr val="tx1"/>
+                      </a:solidFill>
+                      <a:prstDash val="solid"/>
+                      <a:round/>
+                      <a:headEnd type="none" w="med" len="med"/>
+                      <a:tailEnd type="none" w="med" len="med"/>
+                    </a:lnT>
+                    <a:lnB w="12700" cap="flat" cmpd="sng" algn="ctr">
+                      <a:solidFill>
+                        <a:schemeClr val="tx1"/>
+                      </a:solidFill>
+                      <a:prstDash val="solid"/>
+                      <a:round/>
+                      <a:headEnd type="none" w="med" len="med"/>
+                      <a:tailEnd type="none" w="med" len="med"/>
+                    </a:lnB>
+                  </a:tcPr>
+                </a:tc>
+                <a:extLst>
+                  <a:ext uri="{0D108BD9-81ED-4DB2-BD59-A6C34878D82A}">
+                    <a16:rowId xmlns:a16="http://schemas.microsoft.com/office/drawing/2014/main" val="3601584931"/>
+                  </a:ext>
+                </a:extLst>
+              </a:tr>
+              <a:tr h="547888">
+                <a:tc>
+                  <a:txBody>
+                    <a:bodyPr/>
+                    <a:lstStyle/>
+                    <a:p>
+                      <a:r>
+                        <a:rPr lang="en-US" sz="2400"/>
+                        <a:t>Range 5</a:t>
+                      </a:r>
+                    </a:p>
+                  </a:txBody>
+                  <a:tcPr marL="124601" marR="124601" marT="62301" marB="62301">
+                    <a:lnL w="12700" cap="flat" cmpd="sng" algn="ctr">
+                      <a:solidFill>
+                        <a:schemeClr val="tx1"/>
+                      </a:solidFill>
+                      <a:prstDash val="solid"/>
+                      <a:round/>
+                      <a:headEnd type="none" w="med" len="med"/>
+                      <a:tailEnd type="none" w="med" len="med"/>
+                    </a:lnL>
+                    <a:lnR w="12700" cap="flat" cmpd="sng" algn="ctr">
+                      <a:solidFill>
+                        <a:schemeClr val="tx1"/>
+                      </a:solidFill>
+                      <a:prstDash val="solid"/>
+                      <a:round/>
+                      <a:headEnd type="none" w="med" len="med"/>
+                      <a:tailEnd type="none" w="med" len="med"/>
+                    </a:lnR>
+                    <a:lnT w="12700" cap="flat" cmpd="sng" algn="ctr">
+                      <a:solidFill>
+                        <a:schemeClr val="tx1"/>
+                      </a:solidFill>
+                      <a:prstDash val="solid"/>
+                      <a:round/>
+                      <a:headEnd type="none" w="med" len="med"/>
+                      <a:tailEnd type="none" w="med" len="med"/>
+                    </a:lnT>
+                    <a:lnB w="12700" cap="flat" cmpd="sng" algn="ctr">
+                      <a:solidFill>
+                        <a:schemeClr val="tx1"/>
+                      </a:solidFill>
+                      <a:prstDash val="solid"/>
+                      <a:round/>
+                      <a:headEnd type="none" w="med" len="med"/>
+                      <a:tailEnd type="none" w="med" len="med"/>
+                    </a:lnB>
+                  </a:tcPr>
+                </a:tc>
+                <a:tc>
+                  <a:txBody>
+                    <a:bodyPr/>
+                    <a:lstStyle/>
+                    <a:p>
+                      <a:r>
+                        <a:rPr lang="en-US" sz="2400"/>
+                        <a:t>7.19k</a:t>
+                      </a:r>
+                    </a:p>
+                  </a:txBody>
+                  <a:tcPr marL="124601" marR="124601" marT="62301" marB="62301">
+                    <a:lnL w="12700" cap="flat" cmpd="sng" algn="ctr">
+                      <a:solidFill>
+                        <a:schemeClr val="tx1"/>
+                      </a:solidFill>
+                      <a:prstDash val="solid"/>
+                      <a:round/>
+                      <a:headEnd type="none" w="med" len="med"/>
+                      <a:tailEnd type="none" w="med" len="med"/>
+                    </a:lnL>
+                    <a:lnR w="12700" cap="flat" cmpd="sng" algn="ctr">
+                      <a:solidFill>
+                        <a:schemeClr val="tx1"/>
+                      </a:solidFill>
+                      <a:prstDash val="solid"/>
+                      <a:round/>
+                      <a:headEnd type="none" w="med" len="med"/>
+                      <a:tailEnd type="none" w="med" len="med"/>
+                    </a:lnR>
+                    <a:lnT w="12700" cap="flat" cmpd="sng" algn="ctr">
+                      <a:solidFill>
+                        <a:schemeClr val="tx1"/>
+                      </a:solidFill>
+                      <a:prstDash val="solid"/>
+                      <a:round/>
+                      <a:headEnd type="none" w="med" len="med"/>
+                      <a:tailEnd type="none" w="med" len="med"/>
+                    </a:lnT>
+                    <a:lnB w="12700" cap="flat" cmpd="sng" algn="ctr">
+                      <a:solidFill>
+                        <a:schemeClr val="tx1"/>
+                      </a:solidFill>
+                      <a:prstDash val="solid"/>
+                      <a:round/>
+                      <a:headEnd type="none" w="med" len="med"/>
+                      <a:tailEnd type="none" w="med" len="med"/>
+                    </a:lnB>
+                  </a:tcPr>
+                </a:tc>
+                <a:tc>
+                  <a:txBody>
+                    <a:bodyPr/>
+                    <a:lstStyle/>
+                    <a:p>
+                      <a:r>
+                        <a:rPr lang="en-US" sz="2400" dirty="0"/>
+                        <a:t>8.9k</a:t>
+                      </a:r>
+                    </a:p>
+                  </a:txBody>
+                  <a:tcPr marL="124601" marR="124601" marT="62301" marB="62301">
+                    <a:lnL w="12700" cap="flat" cmpd="sng" algn="ctr">
+                      <a:solidFill>
+                        <a:schemeClr val="tx1"/>
+                      </a:solidFill>
+                      <a:prstDash val="solid"/>
+                      <a:round/>
+                      <a:headEnd type="none" w="med" len="med"/>
+                      <a:tailEnd type="none" w="med" len="med"/>
+                    </a:lnL>
+                    <a:lnR w="12700" cap="flat" cmpd="sng" algn="ctr">
+                      <a:solidFill>
+                        <a:schemeClr val="tx1"/>
+                      </a:solidFill>
+                      <a:prstDash val="solid"/>
+                      <a:round/>
+                      <a:headEnd type="none" w="med" len="med"/>
+                      <a:tailEnd type="none" w="med" len="med"/>
+                    </a:lnR>
+                    <a:lnT w="12700" cap="flat" cmpd="sng" algn="ctr">
+                      <a:solidFill>
+                        <a:schemeClr val="tx1"/>
+                      </a:solidFill>
+                      <a:prstDash val="solid"/>
+                      <a:round/>
+                      <a:headEnd type="none" w="med" len="med"/>
+                      <a:tailEnd type="none" w="med" len="med"/>
+                    </a:lnT>
+                    <a:lnB w="12700" cap="flat" cmpd="sng" algn="ctr">
+                      <a:solidFill>
+                        <a:schemeClr val="tx1"/>
+                      </a:solidFill>
+                      <a:prstDash val="solid"/>
+                      <a:round/>
+                      <a:headEnd type="none" w="med" len="med"/>
+                      <a:tailEnd type="none" w="med" len="med"/>
+                    </a:lnB>
+                  </a:tcPr>
+                </a:tc>
+                <a:tc>
+                  <a:txBody>
+                    <a:bodyPr/>
+                    <a:lstStyle/>
+                    <a:p>
+                      <a:r>
+                        <a:rPr lang="en-US" sz="2400" dirty="0"/>
+                        <a:t>7.71k</a:t>
+                      </a:r>
+                    </a:p>
+                  </a:txBody>
+                  <a:tcPr marL="124601" marR="124601" marT="62301" marB="62301">
+                    <a:lnL w="12700" cap="flat" cmpd="sng" algn="ctr">
+                      <a:solidFill>
+                        <a:schemeClr val="tx1"/>
+                      </a:solidFill>
+                      <a:prstDash val="solid"/>
+                      <a:round/>
+                      <a:headEnd type="none" w="med" len="med"/>
+                      <a:tailEnd type="none" w="med" len="med"/>
+                    </a:lnL>
+                    <a:lnR w="12700" cap="flat" cmpd="sng" algn="ctr">
+                      <a:solidFill>
+                        <a:schemeClr val="tx1"/>
+                      </a:solidFill>
+                      <a:prstDash val="solid"/>
+                      <a:round/>
+                      <a:headEnd type="none" w="med" len="med"/>
+                      <a:tailEnd type="none" w="med" len="med"/>
+                    </a:lnR>
+                    <a:lnT w="12700" cap="flat" cmpd="sng" algn="ctr">
+                      <a:solidFill>
+                        <a:schemeClr val="tx1"/>
+                      </a:solidFill>
+                      <a:prstDash val="solid"/>
+                      <a:round/>
+                      <a:headEnd type="none" w="med" len="med"/>
+                      <a:tailEnd type="none" w="med" len="med"/>
+                    </a:lnT>
+                    <a:lnB w="12700" cap="flat" cmpd="sng" algn="ctr">
+                      <a:solidFill>
+                        <a:schemeClr val="tx1"/>
+                      </a:solidFill>
+                      <a:prstDash val="solid"/>
+                      <a:round/>
+                      <a:headEnd type="none" w="med" len="med"/>
+                      <a:tailEnd type="none" w="med" len="med"/>
+                    </a:lnB>
+                  </a:tcPr>
+                </a:tc>
+                <a:tc>
+                  <a:txBody>
+                    <a:bodyPr/>
+                    <a:lstStyle/>
+                    <a:p>
+                      <a:r>
+                        <a:rPr lang="en-US" sz="2400"/>
+                        <a:t>7.87k</a:t>
+                      </a:r>
+                    </a:p>
+                  </a:txBody>
+                  <a:tcPr marL="124601" marR="124601" marT="62301" marB="62301">
+                    <a:lnL w="12700" cap="flat" cmpd="sng" algn="ctr">
+                      <a:solidFill>
+                        <a:schemeClr val="tx1"/>
+                      </a:solidFill>
+                      <a:prstDash val="solid"/>
+                      <a:round/>
+                      <a:headEnd type="none" w="med" len="med"/>
+                      <a:tailEnd type="none" w="med" len="med"/>
+                    </a:lnL>
+                    <a:lnR w="12700" cap="flat" cmpd="sng" algn="ctr">
+                      <a:solidFill>
+                        <a:schemeClr val="tx1"/>
+                      </a:solidFill>
+                      <a:prstDash val="solid"/>
+                      <a:round/>
+                      <a:headEnd type="none" w="med" len="med"/>
+                      <a:tailEnd type="none" w="med" len="med"/>
+                    </a:lnR>
+                    <a:lnT w="12700" cap="flat" cmpd="sng" algn="ctr">
+                      <a:solidFill>
+                        <a:schemeClr val="tx1"/>
+                      </a:solidFill>
+                      <a:prstDash val="solid"/>
+                      <a:round/>
+                      <a:headEnd type="none" w="med" len="med"/>
+                      <a:tailEnd type="none" w="med" len="med"/>
+                    </a:lnT>
+                    <a:lnB w="12700" cap="flat" cmpd="sng" algn="ctr">
+                      <a:solidFill>
+                        <a:schemeClr val="tx1"/>
+                      </a:solidFill>
+                      <a:prstDash val="solid"/>
+                      <a:round/>
+                      <a:headEnd type="none" w="med" len="med"/>
+                      <a:tailEnd type="none" w="med" len="med"/>
+                    </a:lnB>
+                  </a:tcPr>
+                </a:tc>
+                <a:extLst>
+                  <a:ext uri="{0D108BD9-81ED-4DB2-BD59-A6C34878D82A}">
+                    <a16:rowId xmlns:a16="http://schemas.microsoft.com/office/drawing/2014/main" val="3708008194"/>
+                  </a:ext>
+                </a:extLst>
+              </a:tr>
+              <a:tr h="547888">
+                <a:tc>
+                  <a:txBody>
+                    <a:bodyPr/>
+                    <a:lstStyle/>
+                    <a:p>
+                      <a:r>
+                        <a:rPr lang="en-US" sz="2400"/>
+                        <a:t>Range 6</a:t>
+                      </a:r>
+                    </a:p>
+                  </a:txBody>
+                  <a:tcPr marL="124601" marR="124601" marT="62301" marB="62301">
+                    <a:lnL w="12700" cap="flat" cmpd="sng" algn="ctr">
+                      <a:solidFill>
+                        <a:schemeClr val="tx1"/>
+                      </a:solidFill>
+                      <a:prstDash val="solid"/>
+                      <a:round/>
+                      <a:headEnd type="none" w="med" len="med"/>
+                      <a:tailEnd type="none" w="med" len="med"/>
+                    </a:lnL>
+                    <a:lnR w="12700" cap="flat" cmpd="sng" algn="ctr">
+                      <a:solidFill>
+                        <a:schemeClr val="tx1"/>
+                      </a:solidFill>
+                      <a:prstDash val="solid"/>
+                      <a:round/>
+                      <a:headEnd type="none" w="med" len="med"/>
+                      <a:tailEnd type="none" w="med" len="med"/>
+                    </a:lnR>
+                    <a:lnT w="12700" cap="flat" cmpd="sng" algn="ctr">
+                      <a:solidFill>
+                        <a:schemeClr val="tx1"/>
+                      </a:solidFill>
+                      <a:prstDash val="solid"/>
+                      <a:round/>
+                      <a:headEnd type="none" w="med" len="med"/>
+                      <a:tailEnd type="none" w="med" len="med"/>
+                    </a:lnT>
+                    <a:lnB w="12700" cap="flat" cmpd="sng" algn="ctr">
+                      <a:solidFill>
+                        <a:schemeClr val="tx1"/>
+                      </a:solidFill>
+                      <a:prstDash val="solid"/>
+                      <a:round/>
+                      <a:headEnd type="none" w="med" len="med"/>
+                      <a:tailEnd type="none" w="med" len="med"/>
+                    </a:lnB>
+                  </a:tcPr>
+                </a:tc>
+                <a:tc>
+                  <a:txBody>
+                    <a:bodyPr/>
+                    <a:lstStyle/>
+                    <a:p>
+                      <a:r>
+                        <a:rPr lang="en-US" sz="2400" dirty="0"/>
+                        <a:t>9.2k</a:t>
+                      </a:r>
+                    </a:p>
+                  </a:txBody>
+                  <a:tcPr marL="124601" marR="124601" marT="62301" marB="62301">
+                    <a:lnL w="12700" cap="flat" cmpd="sng" algn="ctr">
+                      <a:solidFill>
+                        <a:schemeClr val="tx1"/>
+                      </a:solidFill>
+                      <a:prstDash val="solid"/>
+                      <a:round/>
+                      <a:headEnd type="none" w="med" len="med"/>
+                      <a:tailEnd type="none" w="med" len="med"/>
+                    </a:lnL>
+                    <a:lnR w="12700" cap="flat" cmpd="sng" algn="ctr">
+                      <a:solidFill>
+                        <a:schemeClr val="tx1"/>
+                      </a:solidFill>
+                      <a:prstDash val="solid"/>
+                      <a:round/>
+                      <a:headEnd type="none" w="med" len="med"/>
+                      <a:tailEnd type="none" w="med" len="med"/>
+                    </a:lnR>
+                    <a:lnT w="12700" cap="flat" cmpd="sng" algn="ctr">
+                      <a:solidFill>
+                        <a:schemeClr val="tx1"/>
+                      </a:solidFill>
+                      <a:prstDash val="solid"/>
+                      <a:round/>
+                      <a:headEnd type="none" w="med" len="med"/>
+                      <a:tailEnd type="none" w="med" len="med"/>
+                    </a:lnT>
+                    <a:lnB w="12700" cap="flat" cmpd="sng" algn="ctr">
+                      <a:solidFill>
+                        <a:schemeClr val="tx1"/>
+                      </a:solidFill>
+                      <a:prstDash val="solid"/>
+                      <a:round/>
+                      <a:headEnd type="none" w="med" len="med"/>
+                      <a:tailEnd type="none" w="med" len="med"/>
+                    </a:lnB>
+                  </a:tcPr>
+                </a:tc>
+                <a:tc>
+                  <a:txBody>
+                    <a:bodyPr/>
+                    <a:lstStyle/>
+                    <a:p>
+                      <a:r>
+                        <a:rPr lang="en-US" sz="2400" dirty="0"/>
+                        <a:t>25k</a:t>
+                      </a:r>
+                    </a:p>
+                  </a:txBody>
+                  <a:tcPr marL="124601" marR="124601" marT="62301" marB="62301">
+                    <a:lnL w="12700" cap="flat" cmpd="sng" algn="ctr">
+                      <a:solidFill>
+                        <a:schemeClr val="tx1"/>
+                      </a:solidFill>
+                      <a:prstDash val="solid"/>
+                      <a:round/>
+                      <a:headEnd type="none" w="med" len="med"/>
+                      <a:tailEnd type="none" w="med" len="med"/>
+                    </a:lnL>
+                    <a:lnR w="12700" cap="flat" cmpd="sng" algn="ctr">
+                      <a:solidFill>
+                        <a:schemeClr val="tx1"/>
+                      </a:solidFill>
+                      <a:prstDash val="solid"/>
+                      <a:round/>
+                      <a:headEnd type="none" w="med" len="med"/>
+                      <a:tailEnd type="none" w="med" len="med"/>
+                    </a:lnR>
+                    <a:lnT w="12700" cap="flat" cmpd="sng" algn="ctr">
+                      <a:solidFill>
+                        <a:schemeClr val="tx1"/>
+                      </a:solidFill>
+                      <a:prstDash val="solid"/>
+                      <a:round/>
+                      <a:headEnd type="none" w="med" len="med"/>
+                      <a:tailEnd type="none" w="med" len="med"/>
+                    </a:lnT>
+                    <a:lnB w="12700" cap="flat" cmpd="sng" algn="ctr">
+                      <a:solidFill>
+                        <a:schemeClr val="tx1"/>
+                      </a:solidFill>
+                      <a:prstDash val="solid"/>
+                      <a:round/>
+                      <a:headEnd type="none" w="med" len="med"/>
+                      <a:tailEnd type="none" w="med" len="med"/>
+                    </a:lnB>
+                  </a:tcPr>
+                </a:tc>
+                <a:tc>
+                  <a:txBody>
+                    <a:bodyPr/>
+                    <a:lstStyle/>
+                    <a:p>
+                      <a:r>
+                        <a:rPr lang="en-US" sz="2400" dirty="0"/>
+                        <a:t>11.42k</a:t>
+                      </a:r>
+                    </a:p>
+                  </a:txBody>
+                  <a:tcPr marL="124601" marR="124601" marT="62301" marB="62301">
+                    <a:lnL w="12700" cap="flat" cmpd="sng" algn="ctr">
+                      <a:solidFill>
+                        <a:schemeClr val="tx1"/>
+                      </a:solidFill>
+                      <a:prstDash val="solid"/>
+                      <a:round/>
+                      <a:headEnd type="none" w="med" len="med"/>
+                      <a:tailEnd type="none" w="med" len="med"/>
+                    </a:lnL>
+                    <a:lnR w="12700" cap="flat" cmpd="sng" algn="ctr">
+                      <a:solidFill>
+                        <a:schemeClr val="tx1"/>
+                      </a:solidFill>
+                      <a:prstDash val="solid"/>
+                      <a:round/>
+                      <a:headEnd type="none" w="med" len="med"/>
+                      <a:tailEnd type="none" w="med" len="med"/>
+                    </a:lnR>
+                    <a:lnT w="12700" cap="flat" cmpd="sng" algn="ctr">
+                      <a:solidFill>
+                        <a:schemeClr val="tx1"/>
+                      </a:solidFill>
+                      <a:prstDash val="solid"/>
+                      <a:round/>
+                      <a:headEnd type="none" w="med" len="med"/>
+                      <a:tailEnd type="none" w="med" len="med"/>
+                    </a:lnT>
+                    <a:lnB w="12700" cap="flat" cmpd="sng" algn="ctr">
+                      <a:solidFill>
+                        <a:schemeClr val="tx1"/>
+                      </a:solidFill>
+                      <a:prstDash val="solid"/>
+                      <a:round/>
+                      <a:headEnd type="none" w="med" len="med"/>
+                      <a:tailEnd type="none" w="med" len="med"/>
+                    </a:lnB>
+                  </a:tcPr>
+                </a:tc>
+                <a:tc>
+                  <a:txBody>
+                    <a:bodyPr/>
+                    <a:lstStyle/>
+                    <a:p>
+                      <a:r>
+                        <a:rPr lang="en-US" sz="2400" dirty="0"/>
+                        <a:t>11.93k</a:t>
+                      </a:r>
+                    </a:p>
+                  </a:txBody>
+                  <a:tcPr marL="124601" marR="124601" marT="62301" marB="62301">
+                    <a:lnL w="12700" cap="flat" cmpd="sng" algn="ctr">
+                      <a:solidFill>
+                        <a:schemeClr val="tx1"/>
+                      </a:solidFill>
+                      <a:prstDash val="solid"/>
+                      <a:round/>
+                      <a:headEnd type="none" w="med" len="med"/>
+                      <a:tailEnd type="none" w="med" len="med"/>
+                    </a:lnL>
+                    <a:lnR w="12700" cap="flat" cmpd="sng" algn="ctr">
+                      <a:solidFill>
+                        <a:schemeClr val="tx1"/>
+                      </a:solidFill>
+                      <a:prstDash val="solid"/>
+                      <a:round/>
+                      <a:headEnd type="none" w="med" len="med"/>
+                      <a:tailEnd type="none" w="med" len="med"/>
+                    </a:lnR>
+                    <a:lnT w="12700" cap="flat" cmpd="sng" algn="ctr">
+                      <a:solidFill>
+                        <a:schemeClr val="tx1"/>
+                      </a:solidFill>
+                      <a:prstDash val="solid"/>
+                      <a:round/>
+                      <a:headEnd type="none" w="med" len="med"/>
+                      <a:tailEnd type="none" w="med" len="med"/>
+                    </a:lnT>
+                    <a:lnB w="12700" cap="flat" cmpd="sng" algn="ctr">
+                      <a:solidFill>
+                        <a:schemeClr val="tx1"/>
+                      </a:solidFill>
+                      <a:prstDash val="solid"/>
+                      <a:round/>
+                      <a:headEnd type="none" w="med" len="med"/>
+                      <a:tailEnd type="none" w="med" len="med"/>
+                    </a:lnB>
+                  </a:tcPr>
+                </a:tc>
+                <a:extLst>
+                  <a:ext uri="{0D108BD9-81ED-4DB2-BD59-A6C34878D82A}">
+                    <a16:rowId xmlns:a16="http://schemas.microsoft.com/office/drawing/2014/main" val="3612343923"/>
+                  </a:ext>
+                </a:extLst>
+              </a:tr>
+              <a:tr h="547888">
+                <a:tc>
+                  <a:txBody>
+                    <a:bodyPr/>
+                    <a:lstStyle/>
+                    <a:p>
+                      <a:r>
+                        <a:rPr lang="en-US" sz="2400"/>
+                        <a:t>Range 7</a:t>
+                      </a:r>
+                    </a:p>
+                  </a:txBody>
+                  <a:tcPr marL="124601" marR="124601" marT="62301" marB="62301">
+                    <a:lnL w="12700" cap="flat" cmpd="sng" algn="ctr">
+                      <a:solidFill>
+                        <a:schemeClr val="tx1"/>
+                      </a:solidFill>
+                      <a:prstDash val="solid"/>
+                      <a:round/>
+                      <a:headEnd type="none" w="med" len="med"/>
+                      <a:tailEnd type="none" w="med" len="med"/>
+                    </a:lnL>
+                    <a:lnR w="12700" cap="flat" cmpd="sng" algn="ctr">
+                      <a:solidFill>
+                        <a:schemeClr val="tx1"/>
+                      </a:solidFill>
+                      <a:prstDash val="solid"/>
+                      <a:round/>
+                      <a:headEnd type="none" w="med" len="med"/>
+                      <a:tailEnd type="none" w="med" len="med"/>
+                    </a:lnR>
+                    <a:lnT w="12700" cap="flat" cmpd="sng" algn="ctr">
+                      <a:solidFill>
+                        <a:schemeClr val="tx1"/>
+                      </a:solidFill>
+                      <a:prstDash val="solid"/>
+                      <a:round/>
+                      <a:headEnd type="none" w="med" len="med"/>
+                      <a:tailEnd type="none" w="med" len="med"/>
+                    </a:lnT>
+                    <a:lnB w="12700" cap="flat" cmpd="sng" algn="ctr">
+                      <a:solidFill>
+                        <a:schemeClr val="tx1"/>
+                      </a:solidFill>
+                      <a:prstDash val="solid"/>
+                      <a:round/>
+                      <a:headEnd type="none" w="med" len="med"/>
+                      <a:tailEnd type="none" w="med" len="med"/>
+                    </a:lnB>
+                  </a:tcPr>
+                </a:tc>
+                <a:tc>
+                  <a:txBody>
+                    <a:bodyPr/>
+                    <a:lstStyle/>
+                    <a:p>
+                      <a:r>
+                        <a:rPr lang="en-US" sz="2400" dirty="0"/>
+                        <a:t>20k</a:t>
+                      </a:r>
+                    </a:p>
+                  </a:txBody>
+                  <a:tcPr marL="124601" marR="124601" marT="62301" marB="62301">
+                    <a:lnL w="12700" cap="flat" cmpd="sng" algn="ctr">
+                      <a:solidFill>
+                        <a:schemeClr val="tx1"/>
+                      </a:solidFill>
+                      <a:prstDash val="solid"/>
+                      <a:round/>
+                      <a:headEnd type="none" w="med" len="med"/>
+                      <a:tailEnd type="none" w="med" len="med"/>
+                    </a:lnL>
+                    <a:lnR w="12700" cap="flat" cmpd="sng" algn="ctr">
+                      <a:solidFill>
+                        <a:schemeClr val="tx1"/>
+                      </a:solidFill>
+                      <a:prstDash val="solid"/>
+                      <a:round/>
+                      <a:headEnd type="none" w="med" len="med"/>
+                      <a:tailEnd type="none" w="med" len="med"/>
+                    </a:lnR>
+                    <a:lnT w="12700" cap="flat" cmpd="sng" algn="ctr">
+                      <a:solidFill>
+                        <a:schemeClr val="tx1"/>
+                      </a:solidFill>
+                      <a:prstDash val="solid"/>
+                      <a:round/>
+                      <a:headEnd type="none" w="med" len="med"/>
+                      <a:tailEnd type="none" w="med" len="med"/>
+                    </a:lnT>
+                    <a:lnB w="12700" cap="flat" cmpd="sng" algn="ctr">
+                      <a:solidFill>
+                        <a:schemeClr val="tx1"/>
+                      </a:solidFill>
+                      <a:prstDash val="solid"/>
+                      <a:round/>
+                      <a:headEnd type="none" w="med" len="med"/>
+                      <a:tailEnd type="none" w="med" len="med"/>
+                    </a:lnB>
+                  </a:tcPr>
+                </a:tc>
+                <a:tc>
+                  <a:txBody>
+                    <a:bodyPr/>
+                    <a:lstStyle/>
+                    <a:p>
+                      <a:r>
+                        <a:rPr lang="en-US" sz="2400"/>
+                        <a:t>N/A</a:t>
+                      </a:r>
+                    </a:p>
+                  </a:txBody>
+                  <a:tcPr marL="124601" marR="124601" marT="62301" marB="62301">
+                    <a:lnL w="12700" cap="flat" cmpd="sng" algn="ctr">
+                      <a:solidFill>
+                        <a:schemeClr val="tx1"/>
+                      </a:solidFill>
+                      <a:prstDash val="solid"/>
+                      <a:round/>
+                      <a:headEnd type="none" w="med" len="med"/>
+                      <a:tailEnd type="none" w="med" len="med"/>
+                    </a:lnL>
+                    <a:lnR w="12700" cap="flat" cmpd="sng" algn="ctr">
+                      <a:solidFill>
+                        <a:schemeClr val="tx1"/>
+                      </a:solidFill>
+                      <a:prstDash val="solid"/>
+                      <a:round/>
+                      <a:headEnd type="none" w="med" len="med"/>
+                      <a:tailEnd type="none" w="med" len="med"/>
+                    </a:lnR>
+                    <a:lnT w="12700" cap="flat" cmpd="sng" algn="ctr">
+                      <a:solidFill>
+                        <a:schemeClr val="tx1"/>
+                      </a:solidFill>
+                      <a:prstDash val="solid"/>
+                      <a:round/>
+                      <a:headEnd type="none" w="med" len="med"/>
+                      <a:tailEnd type="none" w="med" len="med"/>
+                    </a:lnT>
+                    <a:lnB w="12700" cap="flat" cmpd="sng" algn="ctr">
+                      <a:solidFill>
+                        <a:schemeClr val="tx1"/>
+                      </a:solidFill>
+                      <a:prstDash val="solid"/>
+                      <a:round/>
+                      <a:headEnd type="none" w="med" len="med"/>
+                      <a:tailEnd type="none" w="med" len="med"/>
+                    </a:lnB>
+                  </a:tcPr>
+                </a:tc>
+                <a:tc>
+                  <a:txBody>
+                    <a:bodyPr/>
+                    <a:lstStyle/>
+                    <a:p>
+                      <a:r>
+                        <a:rPr lang="en-US" sz="2400"/>
+                        <a:t>80k</a:t>
+                      </a:r>
+                    </a:p>
+                  </a:txBody>
+                  <a:tcPr marL="124601" marR="124601" marT="62301" marB="62301">
+                    <a:lnL w="12700" cap="flat" cmpd="sng" algn="ctr">
+                      <a:solidFill>
+                        <a:schemeClr val="tx1"/>
+                      </a:solidFill>
+                      <a:prstDash val="solid"/>
+                      <a:round/>
+                      <a:headEnd type="none" w="med" len="med"/>
+                      <a:tailEnd type="none" w="med" len="med"/>
+                    </a:lnL>
+                    <a:lnR w="12700" cap="flat" cmpd="sng" algn="ctr">
+                      <a:solidFill>
+                        <a:schemeClr val="tx1"/>
+                      </a:solidFill>
+                      <a:prstDash val="solid"/>
+                      <a:round/>
+                      <a:headEnd type="none" w="med" len="med"/>
+                      <a:tailEnd type="none" w="med" len="med"/>
+                    </a:lnR>
+                    <a:lnT w="12700" cap="flat" cmpd="sng" algn="ctr">
+                      <a:solidFill>
+                        <a:schemeClr val="tx1"/>
+                      </a:solidFill>
+                      <a:prstDash val="solid"/>
+                      <a:round/>
+                      <a:headEnd type="none" w="med" len="med"/>
+                      <a:tailEnd type="none" w="med" len="med"/>
+                    </a:lnT>
+                    <a:lnB w="12700" cap="flat" cmpd="sng" algn="ctr">
+                      <a:solidFill>
+                        <a:schemeClr val="tx1"/>
+                      </a:solidFill>
+                      <a:prstDash val="solid"/>
+                      <a:round/>
+                      <a:headEnd type="none" w="med" len="med"/>
+                      <a:tailEnd type="none" w="med" len="med"/>
+                    </a:lnB>
+                  </a:tcPr>
+                </a:tc>
+                <a:tc>
+                  <a:txBody>
+                    <a:bodyPr/>
+                    <a:lstStyle/>
+                    <a:p>
+                      <a:r>
+                        <a:rPr lang="en-US" sz="2400" dirty="0"/>
+                        <a:t>N/A</a:t>
+                      </a:r>
+                    </a:p>
+                  </a:txBody>
+                  <a:tcPr marL="124601" marR="124601" marT="62301" marB="62301">
+                    <a:lnL w="12700" cap="flat" cmpd="sng" algn="ctr">
+                      <a:solidFill>
+                        <a:schemeClr val="tx1"/>
+                      </a:solidFill>
+                      <a:prstDash val="solid"/>
+                      <a:round/>
+                      <a:headEnd type="none" w="med" len="med"/>
+                      <a:tailEnd type="none" w="med" len="med"/>
+                    </a:lnL>
+                    <a:lnR w="12700" cap="flat" cmpd="sng" algn="ctr">
+                      <a:solidFill>
+                        <a:schemeClr val="tx1"/>
+                      </a:solidFill>
+                      <a:prstDash val="solid"/>
+                      <a:round/>
+                      <a:headEnd type="none" w="med" len="med"/>
+                      <a:tailEnd type="none" w="med" len="med"/>
+                    </a:lnR>
+                    <a:lnT w="12700" cap="flat" cmpd="sng" algn="ctr">
+                      <a:solidFill>
+                        <a:schemeClr val="tx1"/>
+                      </a:solidFill>
+                      <a:prstDash val="solid"/>
+                      <a:round/>
+                      <a:headEnd type="none" w="med" len="med"/>
+                      <a:tailEnd type="none" w="med" len="med"/>
+                    </a:lnT>
+                    <a:lnB w="12700" cap="flat" cmpd="sng" algn="ctr">
+                      <a:solidFill>
+                        <a:schemeClr val="tx1"/>
+                      </a:solidFill>
+                      <a:prstDash val="solid"/>
+                      <a:round/>
+                      <a:headEnd type="none" w="med" len="med"/>
+                      <a:tailEnd type="none" w="med" len="med"/>
+                    </a:lnB>
+                  </a:tcPr>
+                </a:tc>
+                <a:extLst>
+                  <a:ext uri="{0D108BD9-81ED-4DB2-BD59-A6C34878D82A}">
+                    <a16:rowId xmlns:a16="http://schemas.microsoft.com/office/drawing/2014/main" val="3264176639"/>
+                  </a:ext>
+                </a:extLst>
+              </a:tr>
+            </a:tbl>
+          </a:graphicData>
+        </a:graphic>
+      </p:graphicFrame>
+    </p:spTree>
+    <p:extLst>
+      <p:ext uri="{BB962C8B-B14F-4D97-AF65-F5344CB8AC3E}">
+        <p14:creationId xmlns:p14="http://schemas.microsoft.com/office/powerpoint/2010/main" val="3533247881"/>
+      </p:ext>
+    </p:extLst>
+  </p:cSld>
+  <p:clrMapOvr>
+    <a:masterClrMapping/>
+  </p:clrMapOvr>
+</p:sld>
+</file>
+
+<file path=ppt/slides/slide11.xml><?xml version="1.0" encoding="utf-8"?>
+<p:sld xmlns:a="http://schemas.openxmlformats.org/drawingml/2006/main" xmlns:r="http://schemas.openxmlformats.org/officeDocument/2006/relationships" xmlns:p="http://schemas.openxmlformats.org/presentationml/2006/main">
+  <p:cSld>
+    <p:bg>
+      <p:bgPr>
+        <a:solidFill>
+          <a:schemeClr val="bg1"/>
+        </a:solidFill>
+        <a:effectLst/>
+      </p:bgPr>
+    </p:bg>
+    <p:spTree>
+      <p:nvGrpSpPr>
+        <p:cNvPr id="1" name=""/>
+        <p:cNvGrpSpPr/>
+        <p:nvPr/>
+      </p:nvGrpSpPr>
+      <p:grpSpPr>
+        <a:xfrm>
+          <a:off x="0" y="0"/>
+          <a:ext cx="0" cy="0"/>
+          <a:chOff x="0" y="0"/>
+          <a:chExt cx="0" cy="0"/>
+        </a:xfrm>
+      </p:grpSpPr>
+      <p:sp>
+        <p:nvSpPr>
+          <p:cNvPr id="24" name="Rectangle 26">
+            <a:extLst>
+              <a:ext uri="{FF2B5EF4-FFF2-40B4-BE49-F238E27FC236}">
+                <a16:creationId xmlns:a16="http://schemas.microsoft.com/office/drawing/2014/main" id="{6753252F-4873-4F63-801D-CC719279A7D5}"/>
+              </a:ext>
+              <a:ext uri="{C183D7F6-B498-43B3-948B-1728B52AA6E4}">
+                <adec:decorative xmlns:adec="http://schemas.microsoft.com/office/drawing/2017/decorative" val="1"/>
+              </a:ext>
+            </a:extLst>
+          </p:cNvPr>
+          <p:cNvSpPr>
+            <a:spLocks noGrp="1" noRot="1" noChangeAspect="1" noMove="1" noResize="1" noEditPoints="1" noAdjustHandles="1" noChangeArrowheads="1" noChangeShapeType="1" noTextEdit="1"/>
+          </p:cNvSpPr>
+          <p:nvPr>
+            <p:extLst>
+              <p:ext uri="{386F3935-93C4-4BCD-93E2-E3B085C9AB24}">
+                <p16:designElem xmlns:p16="http://schemas.microsoft.com/office/powerpoint/2015/main" val="1"/>
+              </p:ext>
+            </p:extLst>
+          </p:nvPr>
+        </p:nvSpPr>
+        <p:spPr>
+          <a:xfrm>
+            <a:off x="0" y="0"/>
+            <a:ext cx="12192000" cy="6858000"/>
+          </a:xfrm>
+          <a:prstGeom prst="rect">
+            <a:avLst/>
+          </a:prstGeom>
+          <a:solidFill>
+            <a:srgbClr val="FFFFFF"/>
+          </a:solidFill>
+          <a:ln>
+            <a:noFill/>
+          </a:ln>
+        </p:spPr>
+        <p:style>
+          <a:lnRef idx="2">
+            <a:schemeClr val="accent1">
+              <a:shade val="50000"/>
+            </a:schemeClr>
+          </a:lnRef>
+          <a:fillRef idx="1">
+            <a:schemeClr val="accent1"/>
+          </a:fillRef>
+          <a:effectRef idx="0">
+            <a:schemeClr val="accent1"/>
+          </a:effectRef>
+          <a:fontRef idx="minor">
+            <a:schemeClr val="lt1"/>
+          </a:fontRef>
+        </p:style>
+        <p:txBody>
+          <a:bodyPr rtlCol="0" anchor="ctr"/>
+          <a:lstStyle/>
+          <a:p>
+            <a:pPr algn="ctr"/>
+            <a:endParaRPr lang="en-US"/>
+          </a:p>
+        </p:txBody>
+      </p:sp>
+      <p:sp>
+        <p:nvSpPr>
+          <p:cNvPr id="25" name="Rectangle 28">
+            <a:extLst>
+              <a:ext uri="{FF2B5EF4-FFF2-40B4-BE49-F238E27FC236}">
+                <a16:creationId xmlns:a16="http://schemas.microsoft.com/office/drawing/2014/main" id="{047C8CCB-F95D-4249-92DD-651249D3535A}"/>
+              </a:ext>
+              <a:ext uri="{C183D7F6-B498-43B3-948B-1728B52AA6E4}">
+                <adec:decorative xmlns:adec="http://schemas.microsoft.com/office/drawing/2017/decorative" val="1"/>
+              </a:ext>
+            </a:extLst>
+          </p:cNvPr>
+          <p:cNvSpPr>
+            <a:spLocks noGrp="1" noRot="1" noChangeAspect="1" noMove="1" noResize="1" noEditPoints="1" noAdjustHandles="1" noChangeArrowheads="1" noChangeShapeType="1" noTextEdit="1"/>
+          </p:cNvSpPr>
+          <p:nvPr>
+            <p:extLst>
+              <p:ext uri="{386F3935-93C4-4BCD-93E2-E3B085C9AB24}">
+                <p16:designElem xmlns:p16="http://schemas.microsoft.com/office/powerpoint/2015/main" val="1"/>
+              </p:ext>
+            </p:extLst>
+          </p:nvPr>
+        </p:nvSpPr>
+        <p:spPr>
+          <a:xfrm>
+            <a:off x="0" y="0"/>
+            <a:ext cx="2013557" cy="6858000"/>
+          </a:xfrm>
+          <a:prstGeom prst="rect">
+            <a:avLst/>
+          </a:prstGeom>
+          <a:solidFill>
+            <a:srgbClr val="7F7F7F"/>
+          </a:solidFill>
+          <a:ln>
+            <a:noFill/>
+          </a:ln>
+        </p:spPr>
+        <p:style>
+          <a:lnRef idx="2">
+            <a:schemeClr val="accent1">
+              <a:shade val="50000"/>
+            </a:schemeClr>
+          </a:lnRef>
+          <a:fillRef idx="1">
+            <a:schemeClr val="accent1"/>
+          </a:fillRef>
+          <a:effectRef idx="0">
+            <a:schemeClr val="accent1"/>
+          </a:effectRef>
+          <a:fontRef idx="minor">
+            <a:schemeClr val="lt1"/>
+          </a:fontRef>
+        </p:style>
+        <p:txBody>
+          <a:bodyPr rtlCol="0" anchor="ctr"/>
+          <a:lstStyle/>
+          <a:p>
+            <a:pPr algn="ctr"/>
+            <a:endParaRPr lang="en-US"/>
+          </a:p>
+        </p:txBody>
+      </p:sp>
+      <p:sp>
+        <p:nvSpPr>
+          <p:cNvPr id="2" name="Title 1">
+            <a:extLst>
+              <a:ext uri="{FF2B5EF4-FFF2-40B4-BE49-F238E27FC236}">
+                <a16:creationId xmlns:a16="http://schemas.microsoft.com/office/drawing/2014/main" id="{7B9E2CFA-2B31-6A4B-B5A2-1B35805CAF24}"/>
+              </a:ext>
+            </a:extLst>
+          </p:cNvPr>
+          <p:cNvSpPr>
+            <a:spLocks noGrp="1"/>
+          </p:cNvSpPr>
+          <p:nvPr>
+            <p:ph type="title"/>
+          </p:nvPr>
+        </p:nvSpPr>
+        <p:spPr>
+          <a:xfrm>
+            <a:off x="640080" y="2074363"/>
+            <a:ext cx="2752354" cy="2709275"/>
+          </a:xfrm>
+          <a:prstGeom prst="ellipse">
+            <a:avLst/>
+          </a:prstGeom>
+          <a:solidFill>
+            <a:srgbClr val="262626"/>
+          </a:solidFill>
+          <a:ln w="174625" cmpd="thinThick">
+            <a:solidFill>
+              <a:srgbClr val="262626"/>
+            </a:solidFill>
+          </a:ln>
+        </p:spPr>
+        <p:txBody>
+          <a:bodyPr vert="horz" lIns="91440" tIns="45720" rIns="91440" bIns="45720" rtlCol="0" anchor="ctr">
+            <a:normAutofit/>
+          </a:bodyPr>
+          <a:lstStyle/>
+          <a:p>
+            <a:pPr algn="ctr"/>
+            <a:r>
+              <a:rPr lang="en-US" sz="2600" kern="1200" dirty="0">
+                <a:solidFill>
+                  <a:srgbClr val="FFFFFF"/>
+                </a:solidFill>
+                <a:latin typeface="+mj-lt"/>
+                <a:ea typeface="+mj-ea"/>
+                <a:cs typeface="+mj-cs"/>
+              </a:rPr>
+              <a:t>Retention model plot</a:t>
+            </a:r>
+          </a:p>
+        </p:txBody>
+      </p:sp>
+      <p:pic>
+        <p:nvPicPr>
+          <p:cNvPr id="22" name="Content Placeholder 21">
+            <a:extLst>
+              <a:ext uri="{FF2B5EF4-FFF2-40B4-BE49-F238E27FC236}">
+                <a16:creationId xmlns:a16="http://schemas.microsoft.com/office/drawing/2014/main" id="{29A0DA17-2B21-244D-AC00-21DE716C76F6}"/>
+              </a:ext>
+            </a:extLst>
+          </p:cNvPr>
+          <p:cNvPicPr>
+            <a:picLocks noGrp="1" noChangeAspect="1"/>
+          </p:cNvPicPr>
+          <p:nvPr>
+            <p:ph idx="1"/>
+          </p:nvPr>
+        </p:nvPicPr>
+        <p:blipFill>
+          <a:blip r:embed="rId2"/>
+          <a:srcRect/>
+          <a:stretch/>
+        </p:blipFill>
+        <p:spPr>
+          <a:xfrm>
+            <a:off x="4040427" y="1210797"/>
+            <a:ext cx="7184544" cy="4433017"/>
+          </a:xfrm>
+          <a:prstGeom prst="rect">
+            <a:avLst/>
+          </a:prstGeom>
+        </p:spPr>
+      </p:pic>
+    </p:spTree>
+    <p:extLst>
+      <p:ext uri="{BB962C8B-B14F-4D97-AF65-F5344CB8AC3E}">
+        <p14:creationId xmlns:p14="http://schemas.microsoft.com/office/powerpoint/2010/main" val="720483808"/>
+      </p:ext>
+    </p:extLst>
+  </p:cSld>
+  <p:clrMapOvr>
+    <a:masterClrMapping/>
+  </p:clrMapOvr>
+</p:sld>
+</file>
+
+<file path=ppt/slides/slide12.xml><?xml version="1.0" encoding="utf-8"?>
+<p:sld xmlns:a="http://schemas.openxmlformats.org/drawingml/2006/main" xmlns:r="http://schemas.openxmlformats.org/officeDocument/2006/relationships" xmlns:p="http://schemas.openxmlformats.org/presentationml/2006/main">
+  <p:cSld>
+    <p:bg>
+      <p:bgPr>
+        <a:solidFill>
+          <a:schemeClr val="bg1"/>
+        </a:solidFill>
+        <a:effectLst/>
+      </p:bgPr>
+    </p:bg>
+    <p:spTree>
+      <p:nvGrpSpPr>
+        <p:cNvPr id="1" name=""/>
+        <p:cNvGrpSpPr/>
+        <p:nvPr/>
+      </p:nvGrpSpPr>
+      <p:grpSpPr>
+        <a:xfrm>
+          <a:off x="0" y="0"/>
+          <a:ext cx="0" cy="0"/>
+          <a:chOff x="0" y="0"/>
+          <a:chExt cx="0" cy="0"/>
+        </a:xfrm>
+      </p:grpSpPr>
+      <p:sp>
+        <p:nvSpPr>
+          <p:cNvPr id="10" name="Rectangle 9">
+            <a:extLst>
+              <a:ext uri="{FF2B5EF4-FFF2-40B4-BE49-F238E27FC236}">
+                <a16:creationId xmlns:a16="http://schemas.microsoft.com/office/drawing/2014/main" id="{6753252F-4873-4F63-801D-CC719279A7D5}"/>
+              </a:ext>
+              <a:ext uri="{C183D7F6-B498-43B3-948B-1728B52AA6E4}">
+                <adec:decorative xmlns:adec="http://schemas.microsoft.com/office/drawing/2017/decorative" val="1"/>
+              </a:ext>
+            </a:extLst>
+          </p:cNvPr>
+          <p:cNvSpPr>
+            <a:spLocks noGrp="1" noRot="1" noChangeAspect="1" noMove="1" noResize="1" noEditPoints="1" noAdjustHandles="1" noChangeArrowheads="1" noChangeShapeType="1" noTextEdit="1"/>
+          </p:cNvSpPr>
+          <p:nvPr>
+            <p:extLst>
+              <p:ext uri="{386F3935-93C4-4BCD-93E2-E3B085C9AB24}">
+                <p16:designElem xmlns:p16="http://schemas.microsoft.com/office/powerpoint/2015/main" val="1"/>
+              </p:ext>
+            </p:extLst>
+          </p:nvPr>
+        </p:nvSpPr>
+        <p:spPr>
+          <a:xfrm>
+            <a:off x="0" y="0"/>
+            <a:ext cx="12192000" cy="6858000"/>
+          </a:xfrm>
+          <a:prstGeom prst="rect">
+            <a:avLst/>
+          </a:prstGeom>
+          <a:solidFill>
+            <a:srgbClr val="FFFFFF"/>
+          </a:solidFill>
+          <a:ln>
+            <a:noFill/>
+          </a:ln>
+        </p:spPr>
+        <p:style>
+          <a:lnRef idx="2">
+            <a:schemeClr val="accent1">
+              <a:shade val="50000"/>
+            </a:schemeClr>
+          </a:lnRef>
+          <a:fillRef idx="1">
+            <a:schemeClr val="accent1"/>
+          </a:fillRef>
+          <a:effectRef idx="0">
+            <a:schemeClr val="accent1"/>
+          </a:effectRef>
+          <a:fontRef idx="minor">
+            <a:schemeClr val="lt1"/>
+          </a:fontRef>
+        </p:style>
+        <p:txBody>
+          <a:bodyPr rtlCol="0" anchor="ctr"/>
+          <a:lstStyle/>
+          <a:p>
+            <a:pPr algn="ctr"/>
+            <a:endParaRPr lang="en-US"/>
+          </a:p>
+        </p:txBody>
+      </p:sp>
+      <p:sp>
+        <p:nvSpPr>
+          <p:cNvPr id="12" name="Rectangle 11">
+            <a:extLst>
+              <a:ext uri="{FF2B5EF4-FFF2-40B4-BE49-F238E27FC236}">
+                <a16:creationId xmlns:a16="http://schemas.microsoft.com/office/drawing/2014/main" id="{047C8CCB-F95D-4249-92DD-651249D3535A}"/>
+              </a:ext>
+              <a:ext uri="{C183D7F6-B498-43B3-948B-1728B52AA6E4}">
+                <adec:decorative xmlns:adec="http://schemas.microsoft.com/office/drawing/2017/decorative" val="1"/>
+              </a:ext>
+            </a:extLst>
+          </p:cNvPr>
+          <p:cNvSpPr>
+            <a:spLocks noGrp="1" noRot="1" noChangeAspect="1" noMove="1" noResize="1" noEditPoints="1" noAdjustHandles="1" noChangeArrowheads="1" noChangeShapeType="1" noTextEdit="1"/>
+          </p:cNvSpPr>
+          <p:nvPr>
+            <p:extLst>
+              <p:ext uri="{386F3935-93C4-4BCD-93E2-E3B085C9AB24}">
+                <p16:designElem xmlns:p16="http://schemas.microsoft.com/office/powerpoint/2015/main" val="1"/>
+              </p:ext>
+            </p:extLst>
+          </p:nvPr>
+        </p:nvSpPr>
+        <p:spPr>
+          <a:xfrm>
+            <a:off x="0" y="0"/>
+            <a:ext cx="2013557" cy="6858000"/>
+          </a:xfrm>
+          <a:prstGeom prst="rect">
+            <a:avLst/>
+          </a:prstGeom>
+          <a:solidFill>
+            <a:srgbClr val="7F7F7F"/>
+          </a:solidFill>
+          <a:ln>
+            <a:noFill/>
+          </a:ln>
+        </p:spPr>
+        <p:style>
+          <a:lnRef idx="2">
+            <a:schemeClr val="accent1">
+              <a:shade val="50000"/>
+            </a:schemeClr>
+          </a:lnRef>
+          <a:fillRef idx="1">
+            <a:schemeClr val="accent1"/>
+          </a:fillRef>
+          <a:effectRef idx="0">
+            <a:schemeClr val="accent1"/>
+          </a:effectRef>
+          <a:fontRef idx="minor">
+            <a:schemeClr val="lt1"/>
+          </a:fontRef>
+        </p:style>
+        <p:txBody>
+          <a:bodyPr rtlCol="0" anchor="ctr"/>
+          <a:lstStyle/>
+          <a:p>
+            <a:pPr algn="ctr"/>
+            <a:endParaRPr lang="en-US"/>
+          </a:p>
+        </p:txBody>
+      </p:sp>
+      <p:sp>
+        <p:nvSpPr>
+          <p:cNvPr id="2" name="Title 1">
+            <a:extLst>
+              <a:ext uri="{FF2B5EF4-FFF2-40B4-BE49-F238E27FC236}">
+                <a16:creationId xmlns:a16="http://schemas.microsoft.com/office/drawing/2014/main" id="{67F017A3-29CD-954D-BFF9-0C2279F1BC5A}"/>
+              </a:ext>
+            </a:extLst>
+          </p:cNvPr>
+          <p:cNvSpPr>
+            <a:spLocks noGrp="1"/>
+          </p:cNvSpPr>
+          <p:nvPr>
+            <p:ph type="title"/>
+          </p:nvPr>
+        </p:nvSpPr>
+        <p:spPr>
+          <a:xfrm>
+            <a:off x="640080" y="2074363"/>
+            <a:ext cx="2752354" cy="2709275"/>
+          </a:xfrm>
+          <a:prstGeom prst="ellipse">
+            <a:avLst/>
+          </a:prstGeom>
+          <a:solidFill>
+            <a:srgbClr val="262626"/>
+          </a:solidFill>
+          <a:ln w="174625" cmpd="thinThick">
+            <a:solidFill>
+              <a:srgbClr val="262626"/>
+            </a:solidFill>
+          </a:ln>
+        </p:spPr>
+        <p:txBody>
+          <a:bodyPr vert="horz" lIns="91440" tIns="45720" rIns="91440" bIns="45720" rtlCol="0" anchor="ctr">
+            <a:normAutofit/>
+          </a:bodyPr>
+          <a:lstStyle/>
+          <a:p>
+            <a:pPr algn="ctr"/>
+            <a:r>
+              <a:rPr lang="en-US" sz="2600" kern="1200">
+                <a:solidFill>
+                  <a:srgbClr val="FFFFFF"/>
+                </a:solidFill>
+                <a:latin typeface="+mj-lt"/>
+                <a:ea typeface="+mj-ea"/>
+                <a:cs typeface="+mj-cs"/>
+              </a:rPr>
+              <a:t>Retention BER plot</a:t>
+            </a:r>
+          </a:p>
+        </p:txBody>
+      </p:sp>
+      <p:pic>
+        <p:nvPicPr>
+          <p:cNvPr id="5" name="Content Placeholder 4">
+            <a:extLst>
+              <a:ext uri="{FF2B5EF4-FFF2-40B4-BE49-F238E27FC236}">
+                <a16:creationId xmlns:a16="http://schemas.microsoft.com/office/drawing/2014/main" id="{05674DBB-B74B-1445-9091-2C6A3B64F701}"/>
+              </a:ext>
+            </a:extLst>
+          </p:cNvPr>
+          <p:cNvPicPr>
+            <a:picLocks noGrp="1" noChangeAspect="1"/>
+          </p:cNvPicPr>
+          <p:nvPr>
+            <p:ph idx="1"/>
+          </p:nvPr>
+        </p:nvPicPr>
+        <p:blipFill>
+          <a:blip r:embed="rId2"/>
+          <a:stretch>
+            <a:fillRect/>
+          </a:stretch>
+        </p:blipFill>
+        <p:spPr>
+          <a:xfrm>
+            <a:off x="4345375" y="961812"/>
+            <a:ext cx="6574649" cy="4930987"/>
+          </a:xfrm>
+          <a:prstGeom prst="rect">
+            <a:avLst/>
+          </a:prstGeom>
+        </p:spPr>
+      </p:pic>
+    </p:spTree>
+    <p:extLst>
+      <p:ext uri="{BB962C8B-B14F-4D97-AF65-F5344CB8AC3E}">
+        <p14:creationId xmlns:p14="http://schemas.microsoft.com/office/powerpoint/2010/main" val="2526247354"/>
+      </p:ext>
+    </p:extLst>
+  </p:cSld>
+  <p:clrMapOvr>
+    <a:masterClrMapping/>
+  </p:clrMapOvr>
+</p:sld>
+</file>
+
 <file path=ppt/slides/slide2.xml><?xml version="1.0" encoding="utf-8"?>
 <p:sld xmlns:a="http://schemas.openxmlformats.org/drawingml/2006/main" xmlns:r="http://schemas.openxmlformats.org/officeDocument/2006/relationships" xmlns:p="http://schemas.openxmlformats.org/presentationml/2006/main">
   <p:cSld>
@@ -8425,7 +14171,7 @@
             <p:ph idx="1"/>
             <p:extLst>
               <p:ext uri="{D42A27DB-BD31-4B8C-83A1-F6EECF244321}">
-                <p14:modId xmlns:p14="http://schemas.microsoft.com/office/powerpoint/2010/main" val="2449786226"/>
+                <p14:modId xmlns:p14="http://schemas.microsoft.com/office/powerpoint/2010/main" val="1013820597"/>
               </p:ext>
             </p:extLst>
           </p:nvPr>
@@ -8436,7 +14182,7 @@
         </p:xfrm>
         <a:graphic>
           <a:graphicData uri="http://schemas.openxmlformats.org/drawingml/2006/diagram">
-            <dgm:relIds xmlns:dgm="http://schemas.openxmlformats.org/drawingml/2006/diagram" xmlns:r="http://schemas.openxmlformats.org/officeDocument/2006/relationships" r:dm="rId2" r:lo="rId3" r:qs="rId4" r:cs="rId5"/>
+            <dgm:relIds xmlns:dgm="http://schemas.openxmlformats.org/drawingml/2006/diagram" xmlns:r="http://schemas.openxmlformats.org/officeDocument/2006/relationships" r:dm="rId3" r:lo="rId4" r:qs="rId5" r:cs="rId6"/>
           </a:graphicData>
         </a:graphic>
       </p:graphicFrame>
@@ -8454,6 +14200,179 @@
 </file>
 
 <file path=ppt/slides/slide3.xml><?xml version="1.0" encoding="utf-8"?>
+<p:sld xmlns:a="http://schemas.openxmlformats.org/drawingml/2006/main" xmlns:r="http://schemas.openxmlformats.org/officeDocument/2006/relationships" xmlns:p="http://schemas.openxmlformats.org/presentationml/2006/main">
+  <p:cSld>
+    <p:spTree>
+      <p:nvGrpSpPr>
+        <p:cNvPr id="1" name=""/>
+        <p:cNvGrpSpPr/>
+        <p:nvPr/>
+      </p:nvGrpSpPr>
+      <p:grpSpPr>
+        <a:xfrm>
+          <a:off x="0" y="0"/>
+          <a:ext cx="0" cy="0"/>
+          <a:chOff x="0" y="0"/>
+          <a:chExt cx="0" cy="0"/>
+        </a:xfrm>
+      </p:grpSpPr>
+      <p:sp>
+        <p:nvSpPr>
+          <p:cNvPr id="2" name="Title 1">
+            <a:extLst>
+              <a:ext uri="{FF2B5EF4-FFF2-40B4-BE49-F238E27FC236}">
+                <a16:creationId xmlns:a16="http://schemas.microsoft.com/office/drawing/2014/main" id="{0F566C5E-D1B1-6F43-9A3F-83024E6BBB36}"/>
+              </a:ext>
+            </a:extLst>
+          </p:cNvPr>
+          <p:cNvSpPr>
+            <a:spLocks noGrp="1"/>
+          </p:cNvSpPr>
+          <p:nvPr>
+            <p:ph type="title"/>
+          </p:nvPr>
+        </p:nvSpPr>
+        <p:spPr/>
+        <p:txBody>
+          <a:bodyPr/>
+          <a:lstStyle/>
+          <a:p>
+            <a:r>
+              <a:rPr lang="en-US" dirty="0"/>
+              <a:t>TODO List (In Order)</a:t>
+            </a:r>
+          </a:p>
+        </p:txBody>
+      </p:sp>
+      <p:sp>
+        <p:nvSpPr>
+          <p:cNvPr id="3" name="Content Placeholder 2">
+            <a:extLst>
+              <a:ext uri="{FF2B5EF4-FFF2-40B4-BE49-F238E27FC236}">
+                <a16:creationId xmlns:a16="http://schemas.microsoft.com/office/drawing/2014/main" id="{3B94A307-89B7-A843-B5DD-76DC70E2A558}"/>
+              </a:ext>
+            </a:extLst>
+          </p:cNvPr>
+          <p:cNvSpPr>
+            <a:spLocks noGrp="1"/>
+          </p:cNvSpPr>
+          <p:nvPr>
+            <p:ph idx="1"/>
+          </p:nvPr>
+        </p:nvSpPr>
+        <p:spPr/>
+        <p:txBody>
+          <a:bodyPr>
+            <a:normAutofit fontScale="70000" lnSpcReduction="20000"/>
+          </a:bodyPr>
+          <a:lstStyle/>
+          <a:p>
+            <a:r>
+              <a:rPr lang="en-US" dirty="0"/>
+              <a:t>Evaluate ISPP on 4K more cells and add to previously collected data</a:t>
+            </a:r>
+          </a:p>
+          <a:p>
+            <a:r>
+              <a:rPr lang="en-US" dirty="0"/>
+              <a:t>Optimize SDR SL over 256 cells</a:t>
+            </a:r>
+          </a:p>
+          <a:p>
+            <a:pPr lvl="1"/>
+            <a:r>
+              <a:rPr lang="en-US" dirty="0"/>
+              <a:t>Sweep step size from 0.02 to 0.14 in steps of 0.02 (7)</a:t>
+            </a:r>
+          </a:p>
+          <a:p>
+            <a:pPr lvl="1"/>
+            <a:r>
+              <a:rPr lang="en-US" dirty="0"/>
+              <a:t>Sweep start voltage from 0 to 1 in steps of 0.2 (6)</a:t>
+            </a:r>
+          </a:p>
+          <a:p>
+            <a:pPr lvl="1"/>
+            <a:r>
+              <a:rPr lang="en-US" dirty="0"/>
+              <a:t>Total: 42</a:t>
+            </a:r>
+          </a:p>
+          <a:p>
+            <a:r>
+              <a:rPr lang="en-US" dirty="0"/>
+              <a:t>Optimize SDR BL over 256 cells</a:t>
+            </a:r>
+          </a:p>
+          <a:p>
+            <a:pPr lvl="1"/>
+            <a:r>
+              <a:rPr lang="en-US" dirty="0"/>
+              <a:t>Sweep step size from 0.02 to 0.14 in steps of 0.02 (7)</a:t>
+            </a:r>
+          </a:p>
+          <a:p>
+            <a:pPr lvl="1"/>
+            <a:r>
+              <a:rPr lang="en-US" dirty="0"/>
+              <a:t>Sweep start voltage from 0 to 1 in steps of 0.2 (6)</a:t>
+            </a:r>
+          </a:p>
+          <a:p>
+            <a:pPr lvl="1"/>
+            <a:r>
+              <a:rPr lang="en-US" dirty="0"/>
+              <a:t>Total: 42</a:t>
+            </a:r>
+          </a:p>
+          <a:p>
+            <a:r>
+              <a:rPr lang="en-US" dirty="0"/>
+              <a:t>Evaluate SDCFC on 8K cells</a:t>
+            </a:r>
+          </a:p>
+          <a:p>
+            <a:r>
+              <a:rPr lang="en-US" dirty="0"/>
+              <a:t>Evaluate FPPVv2 on 8K cells (with 2000 attempts)</a:t>
+            </a:r>
+          </a:p>
+          <a:p>
+            <a:r>
+              <a:rPr lang="en-US" dirty="0"/>
+              <a:t>Redo sweeps on 50 cells with 10 per cell and using consistent step sizes</a:t>
+            </a:r>
+          </a:p>
+          <a:p>
+            <a:pPr lvl="1"/>
+            <a:r>
+              <a:rPr lang="en-US" dirty="0"/>
+              <a:t>7.5 kOhm slope measurement</a:t>
+            </a:r>
+          </a:p>
+          <a:p>
+            <a:r>
+              <a:rPr lang="en-US" dirty="0"/>
+              <a:t>Endurance testing</a:t>
+            </a:r>
+          </a:p>
+        </p:txBody>
+      </p:sp>
+    </p:spTree>
+    <p:extLst>
+      <p:ext uri="{BB962C8B-B14F-4D97-AF65-F5344CB8AC3E}">
+        <p14:creationId xmlns:p14="http://schemas.microsoft.com/office/powerpoint/2010/main" val="3025206054"/>
+      </p:ext>
+    </p:extLst>
+  </p:cSld>
+  <p:clrMapOvr>
+    <a:masterClrMapping/>
+  </p:clrMapOvr>
+</p:sld>
+</file>
+
+<file path=ppt/slides/slide4.xml><?xml version="1.0" encoding="utf-8"?>
 <p:sld xmlns:a="http://schemas.openxmlformats.org/drawingml/2006/main" xmlns:r="http://schemas.openxmlformats.org/officeDocument/2006/relationships" xmlns:p="http://schemas.openxmlformats.org/presentationml/2006/main">
   <p:cSld>
     <p:bg>
@@ -8480,7 +14399,7 @@
       </p:grpSpPr>
       <p:sp>
         <p:nvSpPr>
-          <p:cNvPr id="23" name="Rectangle 19">
+          <p:cNvPr id="63" name="Rectangle 62">
             <a:extLst>
               <a:ext uri="{FF2B5EF4-FFF2-40B4-BE49-F238E27FC236}">
                 <a16:creationId xmlns:a16="http://schemas.microsoft.com/office/drawing/2014/main" id="{6753252F-4873-4F63-801D-CC719279A7D5}"/>
@@ -8543,7 +14462,7 @@
       </p:sp>
       <p:sp>
         <p:nvSpPr>
-          <p:cNvPr id="22" name="Rectangle 21">
+          <p:cNvPr id="65" name="Rectangle 64">
             <a:extLst>
               <a:ext uri="{FF2B5EF4-FFF2-40B4-BE49-F238E27FC236}">
                 <a16:creationId xmlns:a16="http://schemas.microsoft.com/office/drawing/2014/main" id="{047C8CCB-F95D-4249-92DD-651249D3535A}"/>
@@ -8645,7 +14564,7 @@
           <a:p>
             <a:pPr algn="ctr"/>
             <a:r>
-              <a:rPr lang="en-US" sz="2600" kern="1200">
+              <a:rPr lang="en-US" sz="2600" kern="1200" dirty="0">
                 <a:solidFill>
                   <a:srgbClr val="FFFFFF"/>
                 </a:solidFill>
@@ -8655,14 +14574,6 @@
               </a:rPr>
               <a:t>Sweep Plots: FPPV VWL</a:t>
             </a:r>
-            <a:endParaRPr lang="en-US" sz="2600" kern="1200" dirty="0">
-              <a:solidFill>
-                <a:srgbClr val="FFFFFF"/>
-              </a:solidFill>
-              <a:latin typeface="+mj-lt"/>
-              <a:ea typeface="+mj-ea"/>
-              <a:cs typeface="+mj-cs"/>
-            </a:endParaRPr>
           </a:p>
         </p:txBody>
       </p:sp>
@@ -8676,17 +14587,13 @@
             </a:extLst>
           </p:cNvPr>
           <p:cNvPicPr>
-            <a:picLocks noGrp="1" noChangeAspect="1"/>
+            <a:picLocks noChangeAspect="1"/>
           </p:cNvPicPr>
-          <p:nvPr>
-            <p:ph idx="1"/>
-          </p:nvPr>
+          <p:nvPr/>
         </p:nvPicPr>
         <p:blipFill>
           <a:blip r:embed="rId2"/>
-          <a:stretch>
-            <a:fillRect/>
-          </a:stretch>
+          <a:stretch/>
         </p:blipFill>
         <p:spPr>
           <a:xfrm>
@@ -8711,9 +14618,633 @@
 </p:sld>
 </file>
 
-<file path=ppt/slides/slide4.xml><?xml version="1.0" encoding="utf-8"?>
+<file path=ppt/slides/slide5.xml><?xml version="1.0" encoding="utf-8"?>
 <p:sld xmlns:a="http://schemas.openxmlformats.org/drawingml/2006/main" xmlns:r="http://schemas.openxmlformats.org/officeDocument/2006/relationships" xmlns:p="http://schemas.openxmlformats.org/presentationml/2006/main">
   <p:cSld>
+    <p:bg>
+      <p:bgPr>
+        <a:solidFill>
+          <a:schemeClr val="bg1"/>
+        </a:solidFill>
+        <a:effectLst/>
+      </p:bgPr>
+    </p:bg>
+    <p:spTree>
+      <p:nvGrpSpPr>
+        <p:cNvPr id="1" name=""/>
+        <p:cNvGrpSpPr/>
+        <p:nvPr/>
+      </p:nvGrpSpPr>
+      <p:grpSpPr>
+        <a:xfrm>
+          <a:off x="0" y="0"/>
+          <a:ext cx="0" cy="0"/>
+          <a:chOff x="0" y="0"/>
+          <a:chExt cx="0" cy="0"/>
+        </a:xfrm>
+      </p:grpSpPr>
+      <p:cxnSp>
+        <p:nvCxnSpPr>
+          <p:cNvPr id="53" name="Straight Connector 46">
+            <a:extLst>
+              <a:ext uri="{FF2B5EF4-FFF2-40B4-BE49-F238E27FC236}">
+                <a16:creationId xmlns:a16="http://schemas.microsoft.com/office/drawing/2014/main" id="{DB146403-F3D6-484B-B2ED-97F9565D0370}"/>
+              </a:ext>
+              <a:ext uri="{C183D7F6-B498-43B3-948B-1728B52AA6E4}">
+                <adec:decorative xmlns:adec="http://schemas.microsoft.com/office/drawing/2017/decorative" val="1"/>
+              </a:ext>
+            </a:extLst>
+          </p:cNvPr>
+          <p:cNvCxnSpPr>
+            <a:cxnSpLocks noGrp="1" noRot="1" noChangeAspect="1" noMove="1" noResize="1" noEditPoints="1" noAdjustHandles="1" noChangeArrowheads="1" noChangeShapeType="1"/>
+          </p:cNvCxnSpPr>
+          <p:nvPr>
+            <p:extLst>
+              <p:ext uri="{386F3935-93C4-4BCD-93E2-E3B085C9AB24}">
+                <p16:designElem xmlns:p16="http://schemas.microsoft.com/office/powerpoint/2015/main" val="1"/>
+              </p:ext>
+            </p:extLst>
+          </p:nvPr>
+        </p:nvCxnSpPr>
+        <p:spPr>
+          <a:xfrm>
+            <a:off x="6096000" y="477749"/>
+            <a:ext cx="0" cy="3657600"/>
+          </a:xfrm>
+          <a:prstGeom prst="line">
+            <a:avLst/>
+          </a:prstGeom>
+          <a:ln w="101600" cmpd="dbl">
+            <a:solidFill>
+              <a:srgbClr val="595959"/>
+            </a:solidFill>
+          </a:ln>
+        </p:spPr>
+        <p:style>
+          <a:lnRef idx="1">
+            <a:schemeClr val="accent1"/>
+          </a:lnRef>
+          <a:fillRef idx="0">
+            <a:schemeClr val="accent1"/>
+          </a:fillRef>
+          <a:effectRef idx="0">
+            <a:schemeClr val="accent1"/>
+          </a:effectRef>
+          <a:fontRef idx="minor">
+            <a:schemeClr val="tx1"/>
+          </a:fontRef>
+        </p:style>
+      </p:cxnSp>
+      <p:sp>
+        <p:nvSpPr>
+          <p:cNvPr id="54" name="Rectangle 48">
+            <a:extLst>
+              <a:ext uri="{FF2B5EF4-FFF2-40B4-BE49-F238E27FC236}">
+                <a16:creationId xmlns:a16="http://schemas.microsoft.com/office/drawing/2014/main" id="{823AC064-BC96-4F32-8AE1-B2FD38754823}"/>
+              </a:ext>
+              <a:ext uri="{C183D7F6-B498-43B3-948B-1728B52AA6E4}">
+                <adec:decorative xmlns:adec="http://schemas.microsoft.com/office/drawing/2017/decorative" val="1"/>
+              </a:ext>
+            </a:extLst>
+          </p:cNvPr>
+          <p:cNvSpPr>
+            <a:spLocks noGrp="1" noRot="1" noChangeAspect="1" noMove="1" noResize="1" noEditPoints="1" noAdjustHandles="1" noChangeArrowheads="1" noChangeShapeType="1" noTextEdit="1"/>
+          </p:cNvSpPr>
+          <p:nvPr>
+            <p:extLst>
+              <p:ext uri="{386F3935-93C4-4BCD-93E2-E3B085C9AB24}">
+                <p16:designElem xmlns:p16="http://schemas.microsoft.com/office/powerpoint/2015/main" val="1"/>
+              </p:ext>
+            </p:extLst>
+          </p:nvPr>
+        </p:nvSpPr>
+        <p:spPr bwMode="ltGray">
+          <a:xfrm>
+            <a:off x="378068" y="4633546"/>
+            <a:ext cx="11438793" cy="1844256"/>
+          </a:xfrm>
+          <a:prstGeom prst="rect">
+            <a:avLst/>
+          </a:prstGeom>
+          <a:solidFill>
+            <a:srgbClr val="404040"/>
+          </a:solidFill>
+          <a:ln w="127000" cap="sq" cmpd="thinThick">
+            <a:solidFill>
+              <a:srgbClr val="404040"/>
+            </a:solidFill>
+          </a:ln>
+        </p:spPr>
+        <p:style>
+          <a:lnRef idx="2">
+            <a:schemeClr val="accent1">
+              <a:shade val="50000"/>
+            </a:schemeClr>
+          </a:lnRef>
+          <a:fillRef idx="1">
+            <a:schemeClr val="accent1"/>
+          </a:fillRef>
+          <a:effectRef idx="0">
+            <a:schemeClr val="accent1"/>
+          </a:effectRef>
+          <a:fontRef idx="minor">
+            <a:schemeClr val="lt1"/>
+          </a:fontRef>
+        </p:style>
+        <p:txBody>
+          <a:bodyPr rtlCol="0" anchor="ctr"/>
+          <a:lstStyle/>
+          <a:p>
+            <a:pPr algn="ctr"/>
+            <a:endParaRPr lang="en-US"/>
+          </a:p>
+        </p:txBody>
+      </p:sp>
+      <p:sp>
+        <p:nvSpPr>
+          <p:cNvPr id="2" name="Title 1">
+            <a:extLst>
+              <a:ext uri="{FF2B5EF4-FFF2-40B4-BE49-F238E27FC236}">
+                <a16:creationId xmlns:a16="http://schemas.microsoft.com/office/drawing/2014/main" id="{B28CA756-91BE-654F-9680-DAC4D6232177}"/>
+              </a:ext>
+            </a:extLst>
+          </p:cNvPr>
+          <p:cNvSpPr>
+            <a:spLocks noGrp="1"/>
+          </p:cNvSpPr>
+          <p:nvPr>
+            <p:ph type="title"/>
+          </p:nvPr>
+        </p:nvSpPr>
+        <p:spPr>
+          <a:xfrm>
+            <a:off x="527538" y="4756638"/>
+            <a:ext cx="11139854" cy="930447"/>
+          </a:xfrm>
+          <a:prstGeom prst="ellipse">
+            <a:avLst/>
+          </a:prstGeom>
+        </p:spPr>
+        <p:txBody>
+          <a:bodyPr vert="horz" lIns="91440" tIns="45720" rIns="91440" bIns="45720" rtlCol="0" anchor="b">
+            <a:normAutofit/>
+          </a:bodyPr>
+          <a:lstStyle/>
+          <a:p>
+            <a:pPr algn="ctr"/>
+            <a:r>
+              <a:rPr lang="en-US" sz="3800" dirty="0">
+                <a:solidFill>
+                  <a:srgbClr val="FFFFFF"/>
+                </a:solidFill>
+              </a:rPr>
+              <a:t>Sweep Plots: VWL SET/RST (REDO STEP)</a:t>
+            </a:r>
+          </a:p>
+        </p:txBody>
+      </p:sp>
+      <p:pic>
+        <p:nvPicPr>
+          <p:cNvPr id="12" name="Content Placeholder 11">
+            <a:extLst>
+              <a:ext uri="{FF2B5EF4-FFF2-40B4-BE49-F238E27FC236}">
+                <a16:creationId xmlns:a16="http://schemas.microsoft.com/office/drawing/2014/main" id="{46A8BB66-3B13-E240-9288-FC164CF3DBC8}"/>
+              </a:ext>
+            </a:extLst>
+          </p:cNvPr>
+          <p:cNvPicPr>
+            <a:picLocks noChangeAspect="1"/>
+          </p:cNvPicPr>
+          <p:nvPr/>
+        </p:nvPicPr>
+        <p:blipFill>
+          <a:blip r:embed="rId3"/>
+          <a:srcRect/>
+          <a:stretch/>
+        </p:blipFill>
+        <p:spPr>
+          <a:xfrm>
+            <a:off x="382907" y="307731"/>
+            <a:ext cx="5330182" cy="3997636"/>
+          </a:xfrm>
+          <a:prstGeom prst="rect">
+            <a:avLst/>
+          </a:prstGeom>
+        </p:spPr>
+      </p:pic>
+      <p:pic>
+        <p:nvPicPr>
+          <p:cNvPr id="7" name="Content Placeholder 6">
+            <a:extLst>
+              <a:ext uri="{FF2B5EF4-FFF2-40B4-BE49-F238E27FC236}">
+                <a16:creationId xmlns:a16="http://schemas.microsoft.com/office/drawing/2014/main" id="{DDDC7C8B-EFAE-5343-840E-F989946D5688}"/>
+              </a:ext>
+            </a:extLst>
+          </p:cNvPr>
+          <p:cNvPicPr>
+            <a:picLocks noChangeAspect="1"/>
+          </p:cNvPicPr>
+          <p:nvPr/>
+        </p:nvPicPr>
+        <p:blipFill>
+          <a:blip r:embed="rId4"/>
+          <a:srcRect/>
+          <a:stretch/>
+        </p:blipFill>
+        <p:spPr>
+          <a:xfrm>
+            <a:off x="6478910" y="307731"/>
+            <a:ext cx="5330182" cy="3997636"/>
+          </a:xfrm>
+          <a:prstGeom prst="rect">
+            <a:avLst/>
+          </a:prstGeom>
+        </p:spPr>
+      </p:pic>
+      <p:cxnSp>
+        <p:nvCxnSpPr>
+          <p:cNvPr id="55" name="Straight Connector 50">
+            <a:extLst>
+              <a:ext uri="{FF2B5EF4-FFF2-40B4-BE49-F238E27FC236}">
+                <a16:creationId xmlns:a16="http://schemas.microsoft.com/office/drawing/2014/main" id="{7E7C77BC-7138-40B1-A15B-20F57A494629}"/>
+              </a:ext>
+              <a:ext uri="{C183D7F6-B498-43B3-948B-1728B52AA6E4}">
+                <adec:decorative xmlns:adec="http://schemas.microsoft.com/office/drawing/2017/decorative" val="1"/>
+              </a:ext>
+            </a:extLst>
+          </p:cNvPr>
+          <p:cNvCxnSpPr>
+            <a:cxnSpLocks noGrp="1" noRot="1" noChangeAspect="1" noMove="1" noResize="1" noEditPoints="1" noAdjustHandles="1" noChangeArrowheads="1" noChangeShapeType="1"/>
+          </p:cNvCxnSpPr>
+          <p:nvPr>
+            <p:extLst>
+              <p:ext uri="{386F3935-93C4-4BCD-93E2-E3B085C9AB24}">
+                <p16:designElem xmlns:p16="http://schemas.microsoft.com/office/powerpoint/2015/main" val="1"/>
+              </p:ext>
+            </p:extLst>
+          </p:nvPr>
+        </p:nvCxnSpPr>
+        <p:spPr>
+          <a:xfrm>
+            <a:off x="2209800" y="5738691"/>
+            <a:ext cx="7772400" cy="0"/>
+          </a:xfrm>
+          <a:prstGeom prst="line">
+            <a:avLst/>
+          </a:prstGeom>
+          <a:ln w="22225">
+            <a:solidFill>
+              <a:srgbClr val="D9D9D9"/>
+            </a:solidFill>
+          </a:ln>
+        </p:spPr>
+        <p:style>
+          <a:lnRef idx="1">
+            <a:schemeClr val="accent1"/>
+          </a:lnRef>
+          <a:fillRef idx="0">
+            <a:schemeClr val="accent1"/>
+          </a:fillRef>
+          <a:effectRef idx="0">
+            <a:schemeClr val="accent1"/>
+          </a:effectRef>
+          <a:fontRef idx="minor">
+            <a:schemeClr val="tx1"/>
+          </a:fontRef>
+        </p:style>
+      </p:cxnSp>
+    </p:spTree>
+    <p:extLst>
+      <p:ext uri="{BB962C8B-B14F-4D97-AF65-F5344CB8AC3E}">
+        <p14:creationId xmlns:p14="http://schemas.microsoft.com/office/powerpoint/2010/main" val="641444577"/>
+      </p:ext>
+    </p:extLst>
+  </p:cSld>
+  <p:clrMapOvr>
+    <a:masterClrMapping/>
+  </p:clrMapOvr>
+</p:sld>
+</file>
+
+<file path=ppt/slides/slide6.xml><?xml version="1.0" encoding="utf-8"?>
+<p:sld xmlns:a="http://schemas.openxmlformats.org/drawingml/2006/main" xmlns:r="http://schemas.openxmlformats.org/officeDocument/2006/relationships" xmlns:p="http://schemas.openxmlformats.org/presentationml/2006/main">
+  <p:cSld>
+    <p:bg>
+      <p:bgPr>
+        <a:solidFill>
+          <a:schemeClr val="bg1"/>
+        </a:solidFill>
+        <a:effectLst/>
+      </p:bgPr>
+    </p:bg>
+    <p:spTree>
+      <p:nvGrpSpPr>
+        <p:cNvPr id="1" name=""/>
+        <p:cNvGrpSpPr/>
+        <p:nvPr/>
+      </p:nvGrpSpPr>
+      <p:grpSpPr>
+        <a:xfrm>
+          <a:off x="0" y="0"/>
+          <a:ext cx="0" cy="0"/>
+          <a:chOff x="0" y="0"/>
+          <a:chExt cx="0" cy="0"/>
+        </a:xfrm>
+      </p:grpSpPr>
+      <p:cxnSp>
+        <p:nvCxnSpPr>
+          <p:cNvPr id="53" name="Straight Connector 46">
+            <a:extLst>
+              <a:ext uri="{FF2B5EF4-FFF2-40B4-BE49-F238E27FC236}">
+                <a16:creationId xmlns:a16="http://schemas.microsoft.com/office/drawing/2014/main" id="{DB146403-F3D6-484B-B2ED-97F9565D0370}"/>
+              </a:ext>
+              <a:ext uri="{C183D7F6-B498-43B3-948B-1728B52AA6E4}">
+                <adec:decorative xmlns:adec="http://schemas.microsoft.com/office/drawing/2017/decorative" val="1"/>
+              </a:ext>
+            </a:extLst>
+          </p:cNvPr>
+          <p:cNvCxnSpPr>
+            <a:cxnSpLocks noGrp="1" noRot="1" noChangeAspect="1" noMove="1" noResize="1" noEditPoints="1" noAdjustHandles="1" noChangeArrowheads="1" noChangeShapeType="1"/>
+          </p:cNvCxnSpPr>
+          <p:nvPr>
+            <p:extLst>
+              <p:ext uri="{386F3935-93C4-4BCD-93E2-E3B085C9AB24}">
+                <p16:designElem xmlns:p16="http://schemas.microsoft.com/office/powerpoint/2015/main" val="1"/>
+              </p:ext>
+            </p:extLst>
+          </p:nvPr>
+        </p:nvCxnSpPr>
+        <p:spPr>
+          <a:xfrm>
+            <a:off x="6096000" y="477749"/>
+            <a:ext cx="0" cy="3657600"/>
+          </a:xfrm>
+          <a:prstGeom prst="line">
+            <a:avLst/>
+          </a:prstGeom>
+          <a:ln w="101600" cmpd="dbl">
+            <a:solidFill>
+              <a:srgbClr val="595959"/>
+            </a:solidFill>
+          </a:ln>
+        </p:spPr>
+        <p:style>
+          <a:lnRef idx="1">
+            <a:schemeClr val="accent1"/>
+          </a:lnRef>
+          <a:fillRef idx="0">
+            <a:schemeClr val="accent1"/>
+          </a:fillRef>
+          <a:effectRef idx="0">
+            <a:schemeClr val="accent1"/>
+          </a:effectRef>
+          <a:fontRef idx="minor">
+            <a:schemeClr val="tx1"/>
+          </a:fontRef>
+        </p:style>
+      </p:cxnSp>
+      <p:sp>
+        <p:nvSpPr>
+          <p:cNvPr id="54" name="Rectangle 48">
+            <a:extLst>
+              <a:ext uri="{FF2B5EF4-FFF2-40B4-BE49-F238E27FC236}">
+                <a16:creationId xmlns:a16="http://schemas.microsoft.com/office/drawing/2014/main" id="{823AC064-BC96-4F32-8AE1-B2FD38754823}"/>
+              </a:ext>
+              <a:ext uri="{C183D7F6-B498-43B3-948B-1728B52AA6E4}">
+                <adec:decorative xmlns:adec="http://schemas.microsoft.com/office/drawing/2017/decorative" val="1"/>
+              </a:ext>
+            </a:extLst>
+          </p:cNvPr>
+          <p:cNvSpPr>
+            <a:spLocks noGrp="1" noRot="1" noChangeAspect="1" noMove="1" noResize="1" noEditPoints="1" noAdjustHandles="1" noChangeArrowheads="1" noChangeShapeType="1" noTextEdit="1"/>
+          </p:cNvSpPr>
+          <p:nvPr>
+            <p:extLst>
+              <p:ext uri="{386F3935-93C4-4BCD-93E2-E3B085C9AB24}">
+                <p16:designElem xmlns:p16="http://schemas.microsoft.com/office/powerpoint/2015/main" val="1"/>
+              </p:ext>
+            </p:extLst>
+          </p:nvPr>
+        </p:nvSpPr>
+        <p:spPr bwMode="ltGray">
+          <a:xfrm>
+            <a:off x="378068" y="4633546"/>
+            <a:ext cx="11438793" cy="1844256"/>
+          </a:xfrm>
+          <a:prstGeom prst="rect">
+            <a:avLst/>
+          </a:prstGeom>
+          <a:solidFill>
+            <a:srgbClr val="404040"/>
+          </a:solidFill>
+          <a:ln w="127000" cap="sq" cmpd="thinThick">
+            <a:solidFill>
+              <a:srgbClr val="404040"/>
+            </a:solidFill>
+          </a:ln>
+        </p:spPr>
+        <p:style>
+          <a:lnRef idx="2">
+            <a:schemeClr val="accent1">
+              <a:shade val="50000"/>
+            </a:schemeClr>
+          </a:lnRef>
+          <a:fillRef idx="1">
+            <a:schemeClr val="accent1"/>
+          </a:fillRef>
+          <a:effectRef idx="0">
+            <a:schemeClr val="accent1"/>
+          </a:effectRef>
+          <a:fontRef idx="minor">
+            <a:schemeClr val="lt1"/>
+          </a:fontRef>
+        </p:style>
+        <p:txBody>
+          <a:bodyPr rtlCol="0" anchor="ctr"/>
+          <a:lstStyle/>
+          <a:p>
+            <a:pPr algn="ctr"/>
+            <a:endParaRPr lang="en-US"/>
+          </a:p>
+        </p:txBody>
+      </p:sp>
+      <p:sp>
+        <p:nvSpPr>
+          <p:cNvPr id="2" name="Title 1">
+            <a:extLst>
+              <a:ext uri="{FF2B5EF4-FFF2-40B4-BE49-F238E27FC236}">
+                <a16:creationId xmlns:a16="http://schemas.microsoft.com/office/drawing/2014/main" id="{B28CA756-91BE-654F-9680-DAC4D6232177}"/>
+              </a:ext>
+            </a:extLst>
+          </p:cNvPr>
+          <p:cNvSpPr>
+            <a:spLocks noGrp="1"/>
+          </p:cNvSpPr>
+          <p:nvPr>
+            <p:ph type="title"/>
+          </p:nvPr>
+        </p:nvSpPr>
+        <p:spPr>
+          <a:xfrm>
+            <a:off x="527538" y="4756638"/>
+            <a:ext cx="11139854" cy="930447"/>
+          </a:xfrm>
+          <a:prstGeom prst="ellipse">
+            <a:avLst/>
+          </a:prstGeom>
+        </p:spPr>
+        <p:txBody>
+          <a:bodyPr vert="horz" lIns="91440" tIns="45720" rIns="91440" bIns="45720" rtlCol="0" anchor="b">
+            <a:normAutofit fontScale="90000"/>
+          </a:bodyPr>
+          <a:lstStyle/>
+          <a:p>
+            <a:pPr algn="ctr"/>
+            <a:r>
+              <a:rPr lang="en-US" sz="3800" dirty="0">
+                <a:solidFill>
+                  <a:srgbClr val="FFFFFF"/>
+                </a:solidFill>
+              </a:rPr>
+              <a:t>Sweep Plots: VBL/VSL SET/RST (REDO STEP)</a:t>
+            </a:r>
+          </a:p>
+        </p:txBody>
+      </p:sp>
+      <p:pic>
+        <p:nvPicPr>
+          <p:cNvPr id="12" name="Content Placeholder 11">
+            <a:extLst>
+              <a:ext uri="{FF2B5EF4-FFF2-40B4-BE49-F238E27FC236}">
+                <a16:creationId xmlns:a16="http://schemas.microsoft.com/office/drawing/2014/main" id="{46A8BB66-3B13-E240-9288-FC164CF3DBC8}"/>
+              </a:ext>
+            </a:extLst>
+          </p:cNvPr>
+          <p:cNvPicPr>
+            <a:picLocks noChangeAspect="1"/>
+          </p:cNvPicPr>
+          <p:nvPr/>
+        </p:nvPicPr>
+        <p:blipFill>
+          <a:blip r:embed="rId3"/>
+          <a:srcRect/>
+          <a:stretch/>
+        </p:blipFill>
+        <p:spPr>
+          <a:xfrm>
+            <a:off x="382907" y="307731"/>
+            <a:ext cx="5330181" cy="3997636"/>
+          </a:xfrm>
+          <a:prstGeom prst="rect">
+            <a:avLst/>
+          </a:prstGeom>
+        </p:spPr>
+      </p:pic>
+      <p:pic>
+        <p:nvPicPr>
+          <p:cNvPr id="7" name="Content Placeholder 6">
+            <a:extLst>
+              <a:ext uri="{FF2B5EF4-FFF2-40B4-BE49-F238E27FC236}">
+                <a16:creationId xmlns:a16="http://schemas.microsoft.com/office/drawing/2014/main" id="{DDDC7C8B-EFAE-5343-840E-F989946D5688}"/>
+              </a:ext>
+            </a:extLst>
+          </p:cNvPr>
+          <p:cNvPicPr>
+            <a:picLocks noChangeAspect="1"/>
+          </p:cNvPicPr>
+          <p:nvPr/>
+        </p:nvPicPr>
+        <p:blipFill>
+          <a:blip r:embed="rId4"/>
+          <a:srcRect/>
+          <a:stretch/>
+        </p:blipFill>
+        <p:spPr>
+          <a:xfrm>
+            <a:off x="6478910" y="307731"/>
+            <a:ext cx="5330181" cy="3997636"/>
+          </a:xfrm>
+          <a:prstGeom prst="rect">
+            <a:avLst/>
+          </a:prstGeom>
+        </p:spPr>
+      </p:pic>
+      <p:cxnSp>
+        <p:nvCxnSpPr>
+          <p:cNvPr id="55" name="Straight Connector 50">
+            <a:extLst>
+              <a:ext uri="{FF2B5EF4-FFF2-40B4-BE49-F238E27FC236}">
+                <a16:creationId xmlns:a16="http://schemas.microsoft.com/office/drawing/2014/main" id="{7E7C77BC-7138-40B1-A15B-20F57A494629}"/>
+              </a:ext>
+              <a:ext uri="{C183D7F6-B498-43B3-948B-1728B52AA6E4}">
+                <adec:decorative xmlns:adec="http://schemas.microsoft.com/office/drawing/2017/decorative" val="1"/>
+              </a:ext>
+            </a:extLst>
+          </p:cNvPr>
+          <p:cNvCxnSpPr>
+            <a:cxnSpLocks noGrp="1" noRot="1" noChangeAspect="1" noMove="1" noResize="1" noEditPoints="1" noAdjustHandles="1" noChangeArrowheads="1" noChangeShapeType="1"/>
+          </p:cNvCxnSpPr>
+          <p:nvPr>
+            <p:extLst>
+              <p:ext uri="{386F3935-93C4-4BCD-93E2-E3B085C9AB24}">
+                <p16:designElem xmlns:p16="http://schemas.microsoft.com/office/powerpoint/2015/main" val="1"/>
+              </p:ext>
+            </p:extLst>
+          </p:nvPr>
+        </p:nvCxnSpPr>
+        <p:spPr>
+          <a:xfrm>
+            <a:off x="2209800" y="5738691"/>
+            <a:ext cx="7772400" cy="0"/>
+          </a:xfrm>
+          <a:prstGeom prst="line">
+            <a:avLst/>
+          </a:prstGeom>
+          <a:ln w="22225">
+            <a:solidFill>
+              <a:srgbClr val="D9D9D9"/>
+            </a:solidFill>
+          </a:ln>
+        </p:spPr>
+        <p:style>
+          <a:lnRef idx="1">
+            <a:schemeClr val="accent1"/>
+          </a:lnRef>
+          <a:fillRef idx="0">
+            <a:schemeClr val="accent1"/>
+          </a:fillRef>
+          <a:effectRef idx="0">
+            <a:schemeClr val="accent1"/>
+          </a:effectRef>
+          <a:fontRef idx="minor">
+            <a:schemeClr val="tx1"/>
+          </a:fontRef>
+        </p:style>
+      </p:cxnSp>
+    </p:spTree>
+    <p:extLst>
+      <p:ext uri="{BB962C8B-B14F-4D97-AF65-F5344CB8AC3E}">
+        <p14:creationId xmlns:p14="http://schemas.microsoft.com/office/powerpoint/2010/main" val="2629044055"/>
+      </p:ext>
+    </p:extLst>
+  </p:cSld>
+  <p:clrMapOvr>
+    <a:masterClrMapping/>
+  </p:clrMapOvr>
+</p:sld>
+</file>
+
+<file path=ppt/slides/slide7.xml><?xml version="1.0" encoding="utf-8"?>
+<p:sld xmlns:a="http://schemas.openxmlformats.org/drawingml/2006/main" xmlns:r="http://schemas.openxmlformats.org/officeDocument/2006/relationships" xmlns:p="http://schemas.openxmlformats.org/presentationml/2006/main">
+  <p:cSld>
+    <p:bg>
+      <p:bgPr>
+        <a:solidFill>
+          <a:schemeClr val="bg1"/>
+        </a:solidFill>
+        <a:effectLst/>
+      </p:bgPr>
+    </p:bg>
     <p:spTree>
       <p:nvGrpSpPr>
         <p:cNvPr id="1" name=""/>
@@ -8730,10 +15261,136 @@
       </p:grpSpPr>
       <p:sp>
         <p:nvSpPr>
+          <p:cNvPr id="18" name="Rectangle 17">
+            <a:extLst>
+              <a:ext uri="{FF2B5EF4-FFF2-40B4-BE49-F238E27FC236}">
+                <a16:creationId xmlns:a16="http://schemas.microsoft.com/office/drawing/2014/main" id="{6753252F-4873-4F63-801D-CC719279A7D5}"/>
+              </a:ext>
+              <a:ext uri="{C183D7F6-B498-43B3-948B-1728B52AA6E4}">
+                <adec:decorative xmlns:adec="http://schemas.microsoft.com/office/drawing/2017/decorative" val="1"/>
+              </a:ext>
+            </a:extLst>
+          </p:cNvPr>
+          <p:cNvSpPr>
+            <a:spLocks noGrp="1" noRot="1" noChangeAspect="1" noMove="1" noResize="1" noEditPoints="1" noAdjustHandles="1" noChangeArrowheads="1" noChangeShapeType="1" noTextEdit="1"/>
+          </p:cNvSpPr>
+          <p:nvPr>
+            <p:extLst>
+              <p:ext uri="{386F3935-93C4-4BCD-93E2-E3B085C9AB24}">
+                <p16:designElem xmlns:p16="http://schemas.microsoft.com/office/powerpoint/2015/main" val="1"/>
+              </p:ext>
+            </p:extLst>
+          </p:nvPr>
+        </p:nvSpPr>
+        <p:spPr>
+          <a:xfrm>
+            <a:off x="0" y="0"/>
+            <a:ext cx="12192000" cy="6858000"/>
+          </a:xfrm>
+          <a:prstGeom prst="rect">
+            <a:avLst/>
+          </a:prstGeom>
+          <a:solidFill>
+            <a:srgbClr val="FFFFFF"/>
+          </a:solidFill>
+          <a:ln>
+            <a:noFill/>
+          </a:ln>
+        </p:spPr>
+        <p:style>
+          <a:lnRef idx="2">
+            <a:schemeClr val="accent1">
+              <a:shade val="50000"/>
+            </a:schemeClr>
+          </a:lnRef>
+          <a:fillRef idx="1">
+            <a:schemeClr val="accent1"/>
+          </a:fillRef>
+          <a:effectRef idx="0">
+            <a:schemeClr val="accent1"/>
+          </a:effectRef>
+          <a:fontRef idx="minor">
+            <a:schemeClr val="lt1"/>
+          </a:fontRef>
+        </p:style>
+        <p:txBody>
+          <a:bodyPr rtlCol="0" anchor="ctr"/>
+          <a:lstStyle/>
+          <a:p>
+            <a:pPr algn="ctr"/>
+            <a:endParaRPr lang="en-US"/>
+          </a:p>
+        </p:txBody>
+      </p:sp>
+      <p:sp>
+        <p:nvSpPr>
+          <p:cNvPr id="20" name="Rectangle 19">
+            <a:extLst>
+              <a:ext uri="{FF2B5EF4-FFF2-40B4-BE49-F238E27FC236}">
+                <a16:creationId xmlns:a16="http://schemas.microsoft.com/office/drawing/2014/main" id="{047C8CCB-F95D-4249-92DD-651249D3535A}"/>
+              </a:ext>
+              <a:ext uri="{C183D7F6-B498-43B3-948B-1728B52AA6E4}">
+                <adec:decorative xmlns:adec="http://schemas.microsoft.com/office/drawing/2017/decorative" val="1"/>
+              </a:ext>
+            </a:extLst>
+          </p:cNvPr>
+          <p:cNvSpPr>
+            <a:spLocks noGrp="1" noRot="1" noChangeAspect="1" noMove="1" noResize="1" noEditPoints="1" noAdjustHandles="1" noChangeArrowheads="1" noChangeShapeType="1" noTextEdit="1"/>
+          </p:cNvSpPr>
+          <p:nvPr>
+            <p:extLst>
+              <p:ext uri="{386F3935-93C4-4BCD-93E2-E3B085C9AB24}">
+                <p16:designElem xmlns:p16="http://schemas.microsoft.com/office/powerpoint/2015/main" val="1"/>
+              </p:ext>
+            </p:extLst>
+          </p:nvPr>
+        </p:nvSpPr>
+        <p:spPr>
+          <a:xfrm>
+            <a:off x="0" y="0"/>
+            <a:ext cx="2013557" cy="6858000"/>
+          </a:xfrm>
+          <a:prstGeom prst="rect">
+            <a:avLst/>
+          </a:prstGeom>
+          <a:solidFill>
+            <a:srgbClr val="7F7F7F"/>
+          </a:solidFill>
+          <a:ln>
+            <a:noFill/>
+          </a:ln>
+        </p:spPr>
+        <p:style>
+          <a:lnRef idx="2">
+            <a:schemeClr val="accent1">
+              <a:shade val="50000"/>
+            </a:schemeClr>
+          </a:lnRef>
+          <a:fillRef idx="1">
+            <a:schemeClr val="accent1"/>
+          </a:fillRef>
+          <a:effectRef idx="0">
+            <a:schemeClr val="accent1"/>
+          </a:effectRef>
+          <a:fontRef idx="minor">
+            <a:schemeClr val="lt1"/>
+          </a:fontRef>
+        </p:style>
+        <p:txBody>
+          <a:bodyPr rtlCol="0" anchor="ctr"/>
+          <a:lstStyle/>
+          <a:p>
+            <a:pPr algn="ctr"/>
+            <a:endParaRPr lang="en-US"/>
+          </a:p>
+        </p:txBody>
+      </p:sp>
+      <p:sp>
+        <p:nvSpPr>
           <p:cNvPr id="2" name="Title 1">
             <a:extLst>
               <a:ext uri="{FF2B5EF4-FFF2-40B4-BE49-F238E27FC236}">
-                <a16:creationId xmlns:a16="http://schemas.microsoft.com/office/drawing/2014/main" id="{B28CA756-91BE-654F-9680-DAC4D6232177}"/>
+                <a16:creationId xmlns:a16="http://schemas.microsoft.com/office/drawing/2014/main" id="{4AF448A7-3745-2F4F-A211-5658B2A25C91}"/>
               </a:ext>
             </a:extLst>
           </p:cNvPr>
@@ -8744,24 +15401,72 @@
             <p:ph type="title"/>
           </p:nvPr>
         </p:nvSpPr>
-        <p:spPr/>
+        <p:spPr>
+          <a:xfrm>
+            <a:off x="640080" y="2074363"/>
+            <a:ext cx="2752354" cy="2709275"/>
+          </a:xfrm>
+          <a:prstGeom prst="ellipse">
+            <a:avLst/>
+          </a:prstGeom>
+          <a:solidFill>
+            <a:srgbClr val="262626"/>
+          </a:solidFill>
+          <a:ln w="174625" cmpd="thinThick">
+            <a:solidFill>
+              <a:srgbClr val="262626"/>
+            </a:solidFill>
+          </a:ln>
+        </p:spPr>
         <p:txBody>
-          <a:bodyPr/>
+          <a:bodyPr vert="horz" lIns="91440" tIns="45720" rIns="91440" bIns="45720" rtlCol="0" anchor="ctr">
+            <a:normAutofit/>
+          </a:bodyPr>
           <a:lstStyle/>
           <a:p>
+            <a:pPr algn="ctr"/>
             <a:r>
-              <a:rPr lang="en-US" dirty="0"/>
-              <a:t>Sweep Plots: VWL SET/RESET</a:t>
+              <a:rPr lang="en-US" sz="2600" kern="1200" dirty="0">
+                <a:solidFill>
+                  <a:srgbClr val="FFFFFF"/>
+                </a:solidFill>
+                <a:latin typeface="+mj-lt"/>
+                <a:ea typeface="+mj-ea"/>
+                <a:cs typeface="+mj-cs"/>
+              </a:rPr>
+              <a:t>ISPP Optimization </a:t>
+            </a:r>
+            <a:r>
+              <a:rPr lang="en-US" sz="2600" kern="1200">
+                <a:solidFill>
+                  <a:srgbClr val="FFFFFF"/>
+                </a:solidFill>
+                <a:latin typeface="+mj-lt"/>
+                <a:ea typeface="+mj-ea"/>
+                <a:cs typeface="+mj-cs"/>
+              </a:rPr>
+              <a:t>R</a:t>
+            </a:r>
+            <a:r>
+              <a:rPr lang="en-US" sz="2600" kern="1200" dirty="0">
+                <a:solidFill>
+                  <a:srgbClr val="FFFFFF"/>
+                </a:solidFill>
+                <a:latin typeface="+mj-lt"/>
+                <a:ea typeface="+mj-ea"/>
+                <a:cs typeface="+mj-cs"/>
+              </a:rPr>
+              <a:t>esults</a:t>
             </a:r>
           </a:p>
         </p:txBody>
       </p:sp>
       <p:pic>
         <p:nvPicPr>
-          <p:cNvPr id="7" name="Content Placeholder 6">
+          <p:cNvPr id="6" name="Content Placeholder 5">
             <a:extLst>
               <a:ext uri="{FF2B5EF4-FFF2-40B4-BE49-F238E27FC236}">
-                <a16:creationId xmlns:a16="http://schemas.microsoft.com/office/drawing/2014/main" id="{DDDC7C8B-EFAE-5343-840E-F989946D5688}"/>
+                <a16:creationId xmlns:a16="http://schemas.microsoft.com/office/drawing/2014/main" id="{685618DF-42D5-F143-B70F-02C4EC87B956}"/>
               </a:ext>
             </a:extLst>
           </p:cNvPr>
@@ -8769,60 +15474,28 @@
             <a:picLocks noGrp="1" noChangeAspect="1"/>
           </p:cNvPicPr>
           <p:nvPr>
-            <p:ph sz="half" idx="1"/>
+            <p:ph sz="half" idx="2"/>
           </p:nvPr>
         </p:nvPicPr>
         <p:blipFill>
           <a:blip r:embed="rId2"/>
-          <a:stretch>
-            <a:fillRect/>
-          </a:stretch>
+          <a:srcRect/>
+          <a:stretch/>
         </p:blipFill>
         <p:spPr>
           <a:xfrm>
-            <a:off x="1600200" y="2629694"/>
-            <a:ext cx="3657600" cy="2743200"/>
+            <a:off x="4345375" y="961812"/>
+            <a:ext cx="6574649" cy="4930986"/>
           </a:xfrm>
+          <a:prstGeom prst="rect">
+            <a:avLst/>
+          </a:prstGeom>
         </p:spPr>
       </p:pic>
-      <p:sp>
-        <p:nvSpPr>
-          <p:cNvPr id="5" name="Content Placeholder 4">
-            <a:extLst>
-              <a:ext uri="{FF2B5EF4-FFF2-40B4-BE49-F238E27FC236}">
-                <a16:creationId xmlns:a16="http://schemas.microsoft.com/office/drawing/2014/main" id="{5D16BBD2-73F0-6647-91C2-BA3D568946B8}"/>
-              </a:ext>
-            </a:extLst>
-          </p:cNvPr>
-          <p:cNvSpPr>
-            <a:spLocks noGrp="1"/>
-          </p:cNvSpPr>
-          <p:nvPr>
-            <p:ph sz="half" idx="2"/>
-          </p:nvPr>
-        </p:nvSpPr>
-        <p:spPr/>
-        <p:txBody>
-          <a:bodyPr/>
-          <a:lstStyle/>
-          <a:p>
-            <a:r>
-              <a:rPr lang="en-US" dirty="0"/>
-              <a:t>TODO: Fine RESET WL Voltage Sweep</a:t>
-            </a:r>
-          </a:p>
-          <a:p>
-            <a:r>
-              <a:rPr lang="en-US" dirty="0"/>
-              <a:t>Make sure the PW is 200ns</a:t>
-            </a:r>
-          </a:p>
-        </p:txBody>
-      </p:sp>
     </p:spTree>
     <p:extLst>
       <p:ext uri="{BB962C8B-B14F-4D97-AF65-F5344CB8AC3E}">
-        <p14:creationId xmlns:p14="http://schemas.microsoft.com/office/powerpoint/2010/main" val="641444577"/>
+        <p14:creationId xmlns:p14="http://schemas.microsoft.com/office/powerpoint/2010/main" val="2466518177"/>
       </p:ext>
     </p:extLst>
   </p:cSld>
@@ -8832,133 +15505,7 @@
 </p:sld>
 </file>
 
-<file path=ppt/slides/slide5.xml><?xml version="1.0" encoding="utf-8"?>
-<p:sld xmlns:a="http://schemas.openxmlformats.org/drawingml/2006/main" xmlns:r="http://schemas.openxmlformats.org/officeDocument/2006/relationships" xmlns:p="http://schemas.openxmlformats.org/presentationml/2006/main">
-  <p:cSld>
-    <p:spTree>
-      <p:nvGrpSpPr>
-        <p:cNvPr id="1" name=""/>
-        <p:cNvGrpSpPr/>
-        <p:nvPr/>
-      </p:nvGrpSpPr>
-      <p:grpSpPr>
-        <a:xfrm>
-          <a:off x="0" y="0"/>
-          <a:ext cx="0" cy="0"/>
-          <a:chOff x="0" y="0"/>
-          <a:chExt cx="0" cy="0"/>
-        </a:xfrm>
-      </p:grpSpPr>
-      <p:sp>
-        <p:nvSpPr>
-          <p:cNvPr id="2" name="Title 1">
-            <a:extLst>
-              <a:ext uri="{FF2B5EF4-FFF2-40B4-BE49-F238E27FC236}">
-                <a16:creationId xmlns:a16="http://schemas.microsoft.com/office/drawing/2014/main" id="{59B8C9EB-0D11-A343-9097-7333FEF5BC88}"/>
-              </a:ext>
-            </a:extLst>
-          </p:cNvPr>
-          <p:cNvSpPr>
-            <a:spLocks noGrp="1"/>
-          </p:cNvSpPr>
-          <p:nvPr>
-            <p:ph type="title"/>
-          </p:nvPr>
-        </p:nvSpPr>
-        <p:spPr/>
-        <p:txBody>
-          <a:bodyPr/>
-          <a:lstStyle/>
-          <a:p>
-            <a:r>
-              <a:rPr lang="en-US" dirty="0"/>
-              <a:t>Sweep Plots: VBL SET/RESET</a:t>
-            </a:r>
-          </a:p>
-        </p:txBody>
-      </p:sp>
-      <p:sp>
-        <p:nvSpPr>
-          <p:cNvPr id="3" name="Content Placeholder 2">
-            <a:extLst>
-              <a:ext uri="{FF2B5EF4-FFF2-40B4-BE49-F238E27FC236}">
-                <a16:creationId xmlns:a16="http://schemas.microsoft.com/office/drawing/2014/main" id="{DB1B70A2-E69C-E548-9192-5F04B46D233B}"/>
-              </a:ext>
-            </a:extLst>
-          </p:cNvPr>
-          <p:cNvSpPr>
-            <a:spLocks noGrp="1"/>
-          </p:cNvSpPr>
-          <p:nvPr>
-            <p:ph sz="half" idx="1"/>
-          </p:nvPr>
-        </p:nvSpPr>
-        <p:spPr/>
-        <p:txBody>
-          <a:bodyPr/>
-          <a:lstStyle/>
-          <a:p>
-            <a:r>
-              <a:rPr lang="en-US" dirty="0"/>
-              <a:t>TODO: VBL SET Plot here</a:t>
-            </a:r>
-          </a:p>
-          <a:p>
-            <a:r>
-              <a:rPr lang="en-US" dirty="0"/>
-              <a:t>Make sure PW is 200 ns</a:t>
-            </a:r>
-          </a:p>
-        </p:txBody>
-      </p:sp>
-      <p:sp>
-        <p:nvSpPr>
-          <p:cNvPr id="4" name="Content Placeholder 3">
-            <a:extLst>
-              <a:ext uri="{FF2B5EF4-FFF2-40B4-BE49-F238E27FC236}">
-                <a16:creationId xmlns:a16="http://schemas.microsoft.com/office/drawing/2014/main" id="{728249A0-14D9-D740-A0DB-1E04519524B3}"/>
-              </a:ext>
-            </a:extLst>
-          </p:cNvPr>
-          <p:cNvSpPr>
-            <a:spLocks noGrp="1"/>
-          </p:cNvSpPr>
-          <p:nvPr>
-            <p:ph sz="half" idx="2"/>
-          </p:nvPr>
-        </p:nvSpPr>
-        <p:spPr/>
-        <p:txBody>
-          <a:bodyPr/>
-          <a:lstStyle/>
-          <a:p>
-            <a:r>
-              <a:rPr lang="en-US" dirty="0"/>
-              <a:t>TODO: VSL RESET Plot here</a:t>
-            </a:r>
-          </a:p>
-          <a:p>
-            <a:r>
-              <a:rPr lang="en-US" dirty="0"/>
-              <a:t>Make sure PW is 200 ns</a:t>
-            </a:r>
-          </a:p>
-        </p:txBody>
-      </p:sp>
-    </p:spTree>
-    <p:extLst>
-      <p:ext uri="{BB962C8B-B14F-4D97-AF65-F5344CB8AC3E}">
-        <p14:creationId xmlns:p14="http://schemas.microsoft.com/office/powerpoint/2010/main" val="2688645774"/>
-      </p:ext>
-    </p:extLst>
-  </p:cSld>
-  <p:clrMapOvr>
-    <a:masterClrMapping/>
-  </p:clrMapOvr>
-</p:sld>
-</file>
-
-<file path=ppt/slides/slide6.xml><?xml version="1.0" encoding="utf-8"?>
+<file path=ppt/slides/slide8.xml><?xml version="1.0" encoding="utf-8"?>
 <p:sld xmlns:a="http://schemas.openxmlformats.org/drawingml/2006/main" xmlns:r="http://schemas.openxmlformats.org/officeDocument/2006/relationships" xmlns:p="http://schemas.openxmlformats.org/presentationml/2006/main">
   <p:cSld>
     <p:bg>
@@ -9114,7 +15661,7 @@
           <p:cNvPr id="2" name="Title 1">
             <a:extLst>
               <a:ext uri="{FF2B5EF4-FFF2-40B4-BE49-F238E27FC236}">
-                <a16:creationId xmlns:a16="http://schemas.microsoft.com/office/drawing/2014/main" id="{4AF448A7-3745-2F4F-A211-5658B2A25C91}"/>
+                <a16:creationId xmlns:a16="http://schemas.microsoft.com/office/drawing/2014/main" id="{0DC20D0A-1987-9B4E-A869-51F473A5029A}"/>
               </a:ext>
             </a:extLst>
           </p:cNvPr>
@@ -9150,7 +15697,7 @@
           <a:p>
             <a:pPr algn="ctr"/>
             <a:r>
-              <a:rPr lang="en-US" sz="2600" kern="1200">
+              <a:rPr lang="en-US" sz="2600" kern="1200" dirty="0">
                 <a:solidFill>
                   <a:srgbClr val="FFFFFF"/>
                 </a:solidFill>
@@ -9158,7 +15705,26 @@
                 <a:ea typeface="+mj-ea"/>
                 <a:cs typeface="+mj-cs"/>
               </a:rPr>
-              <a:t>ISPP optimization results</a:t>
+              <a:t>Algorithm evaluation on </a:t>
+            </a:r>
+            <a:r>
+              <a:rPr lang="en-US" sz="2600" dirty="0">
+                <a:solidFill>
+                  <a:srgbClr val="FFFFFF"/>
+                </a:solidFill>
+              </a:rPr>
+              <a:t>4 </a:t>
+            </a:r>
+            <a:r>
+              <a:rPr lang="en-US" sz="2600" kern="1200" dirty="0">
+                <a:solidFill>
+                  <a:srgbClr val="FFFFFF"/>
+                </a:solidFill>
+                <a:latin typeface="+mj-lt"/>
+                <a:ea typeface="+mj-ea"/>
+                <a:cs typeface="+mj-cs"/>
+              </a:rPr>
+              <a:t>WLs (TODO)</a:t>
             </a:r>
           </a:p>
         </p:txBody>
@@ -9168,7 +15734,7 @@
           <p:cNvPr id="6" name="Content Placeholder 5">
             <a:extLst>
               <a:ext uri="{FF2B5EF4-FFF2-40B4-BE49-F238E27FC236}">
-                <a16:creationId xmlns:a16="http://schemas.microsoft.com/office/drawing/2014/main" id="{685618DF-42D5-F143-B70F-02C4EC87B956}"/>
+                <a16:creationId xmlns:a16="http://schemas.microsoft.com/office/drawing/2014/main" id="{B9A7FAC3-633F-DC4C-A765-A9F602BD6C78}"/>
               </a:ext>
             </a:extLst>
           </p:cNvPr>
@@ -9176,64 +15742,28 @@
             <a:picLocks noGrp="1" noChangeAspect="1"/>
           </p:cNvPicPr>
           <p:nvPr>
-            <p:ph sz="half" idx="2"/>
+            <p:ph idx="1"/>
           </p:nvPr>
         </p:nvPicPr>
         <p:blipFill>
-          <a:blip r:embed="rId2"/>
-          <a:stretch>
-            <a:fillRect/>
-          </a:stretch>
+          <a:blip r:embed="rId3"/>
+          <a:srcRect/>
+          <a:stretch/>
         </p:blipFill>
         <p:spPr>
           <a:xfrm>
             <a:off x="4345375" y="961812"/>
-            <a:ext cx="6574649" cy="4930987"/>
+            <a:ext cx="6574649" cy="4930986"/>
           </a:xfrm>
           <a:prstGeom prst="rect">
             <a:avLst/>
           </a:prstGeom>
         </p:spPr>
       </p:pic>
-      <p:sp>
-        <p:nvSpPr>
-          <p:cNvPr id="7" name="TextBox 6">
-            <a:extLst>
-              <a:ext uri="{FF2B5EF4-FFF2-40B4-BE49-F238E27FC236}">
-                <a16:creationId xmlns:a16="http://schemas.microsoft.com/office/drawing/2014/main" id="{1AF25F6C-2D8F-8342-994B-44F9903A7FED}"/>
-              </a:ext>
-            </a:extLst>
-          </p:cNvPr>
-          <p:cNvSpPr txBox="1"/>
-          <p:nvPr/>
-        </p:nvSpPr>
-        <p:spPr>
-          <a:xfrm>
-            <a:off x="6457951" y="6006067"/>
-            <a:ext cx="4286250" cy="646331"/>
-          </a:xfrm>
-          <a:prstGeom prst="rect">
-            <a:avLst/>
-          </a:prstGeom>
-          <a:noFill/>
-        </p:spPr>
-        <p:txBody>
-          <a:bodyPr wrap="square" rtlCol="0">
-            <a:spAutoFit/>
-          </a:bodyPr>
-          <a:lstStyle/>
-          <a:p>
-            <a:r>
-              <a:rPr lang="en-US" dirty="0"/>
-              <a:t>TODO: update with 200ns version, can also examine levels in more detail</a:t>
-            </a:r>
-          </a:p>
-        </p:txBody>
-      </p:sp>
     </p:spTree>
     <p:extLst>
       <p:ext uri="{BB962C8B-B14F-4D97-AF65-F5344CB8AC3E}">
-        <p14:creationId xmlns:p14="http://schemas.microsoft.com/office/powerpoint/2010/main" val="2466518177"/>
+        <p14:creationId xmlns:p14="http://schemas.microsoft.com/office/powerpoint/2010/main" val="2254662136"/>
       </p:ext>
     </p:extLst>
   </p:cSld>
@@ -9243,9 +15773,17 @@
 </p:sld>
 </file>
 
-<file path=ppt/slides/slide7.xml><?xml version="1.0" encoding="utf-8"?>
+<file path=ppt/slides/slide9.xml><?xml version="1.0" encoding="utf-8"?>
 <p:sld xmlns:a="http://schemas.openxmlformats.org/drawingml/2006/main" xmlns:r="http://schemas.openxmlformats.org/officeDocument/2006/relationships" xmlns:p="http://schemas.openxmlformats.org/presentationml/2006/main">
   <p:cSld>
+    <p:bg>
+      <p:bgPr>
+        <a:solidFill>
+          <a:schemeClr val="bg1"/>
+        </a:solidFill>
+        <a:effectLst/>
+      </p:bgPr>
+    </p:bg>
     <p:spTree>
       <p:nvGrpSpPr>
         <p:cNvPr id="1" name=""/>
@@ -9262,6 +15800,132 @@
       </p:grpSpPr>
       <p:sp>
         <p:nvSpPr>
+          <p:cNvPr id="88" name="Rectangle 77">
+            <a:extLst>
+              <a:ext uri="{FF2B5EF4-FFF2-40B4-BE49-F238E27FC236}">
+                <a16:creationId xmlns:a16="http://schemas.microsoft.com/office/drawing/2014/main" id="{6753252F-4873-4F63-801D-CC719279A7D5}"/>
+              </a:ext>
+              <a:ext uri="{C183D7F6-B498-43B3-948B-1728B52AA6E4}">
+                <adec:decorative xmlns:adec="http://schemas.microsoft.com/office/drawing/2017/decorative" val="1"/>
+              </a:ext>
+            </a:extLst>
+          </p:cNvPr>
+          <p:cNvSpPr>
+            <a:spLocks noGrp="1" noRot="1" noChangeAspect="1" noMove="1" noResize="1" noEditPoints="1" noAdjustHandles="1" noChangeArrowheads="1" noChangeShapeType="1" noTextEdit="1"/>
+          </p:cNvSpPr>
+          <p:nvPr>
+            <p:extLst>
+              <p:ext uri="{386F3935-93C4-4BCD-93E2-E3B085C9AB24}">
+                <p16:designElem xmlns:p16="http://schemas.microsoft.com/office/powerpoint/2015/main" val="1"/>
+              </p:ext>
+            </p:extLst>
+          </p:nvPr>
+        </p:nvSpPr>
+        <p:spPr>
+          <a:xfrm>
+            <a:off x="0" y="0"/>
+            <a:ext cx="12192000" cy="6858000"/>
+          </a:xfrm>
+          <a:prstGeom prst="rect">
+            <a:avLst/>
+          </a:prstGeom>
+          <a:solidFill>
+            <a:srgbClr val="FFFFFF"/>
+          </a:solidFill>
+          <a:ln>
+            <a:noFill/>
+          </a:ln>
+        </p:spPr>
+        <p:style>
+          <a:lnRef idx="2">
+            <a:schemeClr val="accent1">
+              <a:shade val="50000"/>
+            </a:schemeClr>
+          </a:lnRef>
+          <a:fillRef idx="1">
+            <a:schemeClr val="accent1"/>
+          </a:fillRef>
+          <a:effectRef idx="0">
+            <a:schemeClr val="accent1"/>
+          </a:effectRef>
+          <a:fontRef idx="minor">
+            <a:schemeClr val="lt1"/>
+          </a:fontRef>
+        </p:style>
+        <p:txBody>
+          <a:bodyPr rtlCol="0" anchor="ctr"/>
+          <a:lstStyle/>
+          <a:p>
+            <a:pPr algn="ctr"/>
+            <a:endParaRPr lang="en-US"/>
+          </a:p>
+        </p:txBody>
+      </p:sp>
+      <p:sp>
+        <p:nvSpPr>
+          <p:cNvPr id="89" name="Rectangle 79">
+            <a:extLst>
+              <a:ext uri="{FF2B5EF4-FFF2-40B4-BE49-F238E27FC236}">
+                <a16:creationId xmlns:a16="http://schemas.microsoft.com/office/drawing/2014/main" id="{047C8CCB-F95D-4249-92DD-651249D3535A}"/>
+              </a:ext>
+              <a:ext uri="{C183D7F6-B498-43B3-948B-1728B52AA6E4}">
+                <adec:decorative xmlns:adec="http://schemas.microsoft.com/office/drawing/2017/decorative" val="1"/>
+              </a:ext>
+            </a:extLst>
+          </p:cNvPr>
+          <p:cNvSpPr>
+            <a:spLocks noGrp="1" noRot="1" noChangeAspect="1" noMove="1" noResize="1" noEditPoints="1" noAdjustHandles="1" noChangeArrowheads="1" noChangeShapeType="1" noTextEdit="1"/>
+          </p:cNvSpPr>
+          <p:nvPr>
+            <p:extLst>
+              <p:ext uri="{386F3935-93C4-4BCD-93E2-E3B085C9AB24}">
+                <p16:designElem xmlns:p16="http://schemas.microsoft.com/office/powerpoint/2015/main" val="1"/>
+              </p:ext>
+            </p:extLst>
+          </p:nvPr>
+        </p:nvSpPr>
+        <p:spPr>
+          <a:xfrm>
+            <a:off x="0" y="0"/>
+            <a:ext cx="2013557" cy="6858000"/>
+          </a:xfrm>
+          <a:prstGeom prst="rect">
+            <a:avLst/>
+          </a:prstGeom>
+          <a:solidFill>
+            <a:srgbClr val="7F7F7F"/>
+          </a:solidFill>
+          <a:ln>
+            <a:noFill/>
+          </a:ln>
+        </p:spPr>
+        <p:style>
+          <a:lnRef idx="2">
+            <a:schemeClr val="accent1">
+              <a:shade val="50000"/>
+            </a:schemeClr>
+          </a:lnRef>
+          <a:fillRef idx="1">
+            <a:schemeClr val="accent1"/>
+          </a:fillRef>
+          <a:effectRef idx="0">
+            <a:schemeClr val="accent1"/>
+          </a:effectRef>
+          <a:fontRef idx="minor">
+            <a:schemeClr val="lt1"/>
+          </a:fontRef>
+        </p:style>
+        <p:txBody>
+          <a:bodyPr rtlCol="0" anchor="ctr"/>
+          <a:lstStyle/>
+          <a:p>
+            <a:pPr algn="ctr"/>
+            <a:endParaRPr lang="en-US"/>
+          </a:p>
+        </p:txBody>
+      </p:sp>
+      <p:sp>
+        <p:nvSpPr>
           <p:cNvPr id="2" name="Title 1">
             <a:extLst>
               <a:ext uri="{FF2B5EF4-FFF2-40B4-BE49-F238E27FC236}">
@@ -9276,197 +15940,1756 @@
             <p:ph type="title"/>
           </p:nvPr>
         </p:nvSpPr>
-        <p:spPr/>
+        <p:spPr>
+          <a:xfrm>
+            <a:off x="640080" y="2074363"/>
+            <a:ext cx="2752354" cy="2709275"/>
+          </a:xfrm>
+          <a:prstGeom prst="ellipse">
+            <a:avLst/>
+          </a:prstGeom>
+          <a:solidFill>
+            <a:srgbClr val="262626"/>
+          </a:solidFill>
+          <a:ln w="174625" cmpd="thinThick">
+            <a:solidFill>
+              <a:srgbClr val="262626"/>
+            </a:solidFill>
+          </a:ln>
+        </p:spPr>
         <p:txBody>
-          <a:bodyPr/>
+          <a:bodyPr vert="horz" lIns="91440" tIns="45720" rIns="91440" bIns="45720" rtlCol="0" anchor="ctr">
+            <a:normAutofit/>
+          </a:bodyPr>
           <a:lstStyle/>
           <a:p>
+            <a:pPr algn="ctr"/>
             <a:r>
-              <a:rPr lang="en-US" dirty="0"/>
-              <a:t>ISPP/FPPV evaluation on chip 1</a:t>
+              <a:rPr lang="en-US" sz="2600" kern="1200" dirty="0">
+                <a:solidFill>
+                  <a:srgbClr val="FFFFFF"/>
+                </a:solidFill>
+                <a:latin typeface="+mj-lt"/>
+                <a:ea typeface="+mj-ea"/>
+                <a:cs typeface="+mj-cs"/>
+              </a:rPr>
+              <a:t>Algorithm evaluation on 4 WLs</a:t>
+            </a:r>
+            <a:br>
+              <a:rPr lang="en-US" sz="2600" kern="1200" dirty="0">
+                <a:solidFill>
+                  <a:srgbClr val="FFFFFF"/>
+                </a:solidFill>
+                <a:latin typeface="+mj-lt"/>
+                <a:ea typeface="+mj-ea"/>
+                <a:cs typeface="+mj-cs"/>
+              </a:rPr>
+            </a:br>
+            <a:r>
+              <a:rPr lang="en-US" sz="2600" kern="1200" dirty="0">
+                <a:solidFill>
+                  <a:srgbClr val="FFFFFF"/>
+                </a:solidFill>
+                <a:latin typeface="+mj-lt"/>
+                <a:ea typeface="+mj-ea"/>
+                <a:cs typeface="+mj-cs"/>
+              </a:rPr>
+              <a:t>(TODO)</a:t>
             </a:r>
           </a:p>
         </p:txBody>
       </p:sp>
       <p:graphicFrame>
         <p:nvGraphicFramePr>
-          <p:cNvPr id="7" name="Content Placeholder 6">
+          <p:cNvPr id="16" name="Content Placeholder 4">
             <a:extLst>
               <a:ext uri="{FF2B5EF4-FFF2-40B4-BE49-F238E27FC236}">
-                <a16:creationId xmlns:a16="http://schemas.microsoft.com/office/drawing/2014/main" id="{6BC21C2D-3E7B-2A48-BF3A-B32F7D062D34}"/>
+                <a16:creationId xmlns:a16="http://schemas.microsoft.com/office/drawing/2014/main" id="{408DA692-8F4E-8F48-8516-BB1D21B94E8B}"/>
               </a:ext>
             </a:extLst>
           </p:cNvPr>
           <p:cNvGraphicFramePr>
-            <a:graphicFrameLocks noGrp="1"/>
+            <a:graphicFrameLocks/>
           </p:cNvGraphicFramePr>
           <p:nvPr>
-            <p:ph sz="half" idx="1"/>
             <p:extLst>
               <p:ext uri="{D42A27DB-BD31-4B8C-83A1-F6EECF244321}">
-                <p14:modId xmlns:p14="http://schemas.microsoft.com/office/powerpoint/2010/main" val="247221522"/>
+                <p14:modId xmlns:p14="http://schemas.microsoft.com/office/powerpoint/2010/main" val="699245134"/>
               </p:ext>
             </p:extLst>
           </p:nvPr>
         </p:nvGraphicFramePr>
         <p:xfrm>
-          <a:off x="838200" y="1825625"/>
-          <a:ext cx="5181600" cy="741680"/>
+          <a:off x="4038600" y="1272415"/>
+          <a:ext cx="7188201" cy="4309783"/>
         </p:xfrm>
         <a:graphic>
           <a:graphicData uri="http://schemas.openxmlformats.org/drawingml/2006/table">
             <a:tbl>
               <a:tblPr firstRow="1" bandRow="1">
+                <a:solidFill>
+                  <a:schemeClr val="bg1"/>
+                </a:solidFill>
                 <a:tableStyleId>{5C22544A-7EE6-4342-B048-85BDC9FD1C3A}</a:tableStyleId>
               </a:tblPr>
               <a:tblGrid>
-                <a:gridCol w="1036320">
+                <a:gridCol w="1383957">
                   <a:extLst>
                     <a:ext uri="{9D8B030D-6E8A-4147-A177-3AD203B41FA5}">
-                      <a16:colId xmlns:a16="http://schemas.microsoft.com/office/drawing/2014/main" val="4106395907"/>
+                      <a16:colId xmlns:a16="http://schemas.microsoft.com/office/drawing/2014/main" val="3377438545"/>
                     </a:ext>
                   </a:extLst>
                 </a:gridCol>
-                <a:gridCol w="1036320">
+                <a:gridCol w="1558857">
                   <a:extLst>
                     <a:ext uri="{9D8B030D-6E8A-4147-A177-3AD203B41FA5}">
-                      <a16:colId xmlns:a16="http://schemas.microsoft.com/office/drawing/2014/main" val="1345786010"/>
+                      <a16:colId xmlns:a16="http://schemas.microsoft.com/office/drawing/2014/main" val="1980714270"/>
                     </a:ext>
                   </a:extLst>
                 </a:gridCol>
-                <a:gridCol w="1036320">
+                <a:gridCol w="1315247">
                   <a:extLst>
                     <a:ext uri="{9D8B030D-6E8A-4147-A177-3AD203B41FA5}">
-                      <a16:colId xmlns:a16="http://schemas.microsoft.com/office/drawing/2014/main" val="1428486531"/>
+                      <a16:colId xmlns:a16="http://schemas.microsoft.com/office/drawing/2014/main" val="184899816"/>
                     </a:ext>
                   </a:extLst>
                 </a:gridCol>
-                <a:gridCol w="1036320">
+                <a:gridCol w="1426611">
                   <a:extLst>
                     <a:ext uri="{9D8B030D-6E8A-4147-A177-3AD203B41FA5}">
-                      <a16:colId xmlns:a16="http://schemas.microsoft.com/office/drawing/2014/main" val="1701534309"/>
+                      <a16:colId xmlns:a16="http://schemas.microsoft.com/office/drawing/2014/main" val="254197326"/>
                     </a:ext>
                   </a:extLst>
                 </a:gridCol>
-                <a:gridCol w="1036320">
+                <a:gridCol w="1503529">
                   <a:extLst>
                     <a:ext uri="{9D8B030D-6E8A-4147-A177-3AD203B41FA5}">
-                      <a16:colId xmlns:a16="http://schemas.microsoft.com/office/drawing/2014/main" val="1525660048"/>
+                      <a16:colId xmlns:a16="http://schemas.microsoft.com/office/drawing/2014/main" val="3304410218"/>
                     </a:ext>
                   </a:extLst>
                 </a:gridCol>
               </a:tblGrid>
-              <a:tr h="370840">
+              <a:tr h="1184727">
                 <a:tc>
                   <a:txBody>
                     <a:bodyPr/>
                     <a:lstStyle/>
                     <a:p>
-                      <a:endParaRPr lang="en-US" dirty="0"/>
+                      <a:r>
+                        <a:rPr lang="en-US" sz="2600" b="0" cap="none" spc="0">
+                          <a:solidFill>
+                            <a:schemeClr val="bg1"/>
+                          </a:solidFill>
+                        </a:rPr>
+                        <a:t>Chip #</a:t>
+                      </a:r>
                     </a:p>
                   </a:txBody>
-                  <a:tcPr/>
+                  <a:tcPr marL="222258" marR="165182" marT="170969" marB="170969" anchor="ctr">
+                    <a:lnL w="12700" cap="flat" cmpd="sng" algn="ctr">
+                      <a:solidFill>
+                        <a:schemeClr val="tx1"/>
+                      </a:solidFill>
+                      <a:prstDash val="solid"/>
+                      <a:round/>
+                      <a:headEnd type="none" w="med" len="med"/>
+                      <a:tailEnd type="none" w="med" len="med"/>
+                    </a:lnL>
+                    <a:lnR w="12700" cap="flat" cmpd="sng" algn="ctr">
+                      <a:solidFill>
+                        <a:schemeClr val="tx1"/>
+                      </a:solidFill>
+                      <a:prstDash val="solid"/>
+                      <a:round/>
+                      <a:headEnd type="none" w="med" len="med"/>
+                      <a:tailEnd type="none" w="med" len="med"/>
+                    </a:lnR>
+                    <a:lnT w="12700" cap="flat" cmpd="sng" algn="ctr">
+                      <a:solidFill>
+                        <a:schemeClr val="tx1"/>
+                      </a:solidFill>
+                      <a:prstDash val="solid"/>
+                      <a:round/>
+                      <a:headEnd type="none" w="med" len="med"/>
+                      <a:tailEnd type="none" w="med" len="med"/>
+                    </a:lnT>
+                    <a:lnB w="12700" cap="flat" cmpd="sng" algn="ctr">
+                      <a:solidFill>
+                        <a:schemeClr val="tx1"/>
+                      </a:solidFill>
+                      <a:prstDash val="solid"/>
+                      <a:round/>
+                      <a:headEnd type="none" w="med" len="med"/>
+                      <a:tailEnd type="none" w="med" len="med"/>
+                    </a:lnB>
+                    <a:lnTlToBr w="12700" cmpd="sng">
+                      <a:noFill/>
+                      <a:prstDash val="solid"/>
+                    </a:lnTlToBr>
+                    <a:lnBlToTr w="12700" cmpd="sng">
+                      <a:noFill/>
+                      <a:prstDash val="solid"/>
+                    </a:lnBlToTr>
+                    <a:solidFill>
+                      <a:schemeClr val="tx1"/>
+                    </a:solidFill>
+                  </a:tcPr>
                 </a:tc>
                 <a:tc>
                   <a:txBody>
                     <a:bodyPr/>
                     <a:lstStyle/>
                     <a:p>
-                      <a:endParaRPr lang="en-US"/>
+                      <a:r>
+                        <a:rPr lang="en-US" sz="2600" b="0" cap="none" spc="0">
+                          <a:solidFill>
+                            <a:schemeClr val="bg1"/>
+                          </a:solidFill>
+                        </a:rPr>
+                        <a:t>Cycles</a:t>
+                      </a:r>
                     </a:p>
                   </a:txBody>
-                  <a:tcPr/>
+                  <a:tcPr marL="222258" marR="165182" marT="170969" marB="170969" anchor="ctr">
+                    <a:lnL w="12700" cap="flat" cmpd="sng" algn="ctr">
+                      <a:solidFill>
+                        <a:schemeClr val="tx1"/>
+                      </a:solidFill>
+                      <a:prstDash val="solid"/>
+                      <a:round/>
+                      <a:headEnd type="none" w="med" len="med"/>
+                      <a:tailEnd type="none" w="med" len="med"/>
+                    </a:lnL>
+                    <a:lnR w="12700" cap="flat" cmpd="sng" algn="ctr">
+                      <a:solidFill>
+                        <a:schemeClr val="tx1"/>
+                      </a:solidFill>
+                      <a:prstDash val="solid"/>
+                      <a:round/>
+                      <a:headEnd type="none" w="med" len="med"/>
+                      <a:tailEnd type="none" w="med" len="med"/>
+                    </a:lnR>
+                    <a:lnT w="12700" cap="flat" cmpd="sng" algn="ctr">
+                      <a:solidFill>
+                        <a:schemeClr val="tx1"/>
+                      </a:solidFill>
+                      <a:prstDash val="solid"/>
+                      <a:round/>
+                      <a:headEnd type="none" w="med" len="med"/>
+                      <a:tailEnd type="none" w="med" len="med"/>
+                    </a:lnT>
+                    <a:lnB w="12700" cap="flat" cmpd="sng" algn="ctr">
+                      <a:solidFill>
+                        <a:schemeClr val="tx1"/>
+                      </a:solidFill>
+                      <a:prstDash val="solid"/>
+                      <a:round/>
+                      <a:headEnd type="none" w="med" len="med"/>
+                      <a:tailEnd type="none" w="med" len="med"/>
+                    </a:lnB>
+                    <a:lnTlToBr w="12700" cmpd="sng">
+                      <a:noFill/>
+                      <a:prstDash val="solid"/>
+                    </a:lnTlToBr>
+                    <a:lnBlToTr w="12700" cmpd="sng">
+                      <a:noFill/>
+                      <a:prstDash val="solid"/>
+                    </a:lnBlToTr>
+                    <a:solidFill>
+                      <a:schemeClr val="tx1"/>
+                    </a:solidFill>
+                  </a:tcPr>
                 </a:tc>
                 <a:tc>
                   <a:txBody>
                     <a:bodyPr/>
                     <a:lstStyle/>
                     <a:p>
-                      <a:endParaRPr lang="en-US"/>
+                      <a:r>
+                        <a:rPr lang="en-US" sz="2600" b="0" cap="none" spc="0" dirty="0">
+                          <a:solidFill>
+                            <a:schemeClr val="bg1"/>
+                          </a:solidFill>
+                        </a:rPr>
+                        <a:t>ISPP</a:t>
+                      </a:r>
                     </a:p>
                   </a:txBody>
-                  <a:tcPr/>
+                  <a:tcPr marL="222258" marR="165182" marT="170969" marB="170969" anchor="ctr">
+                    <a:lnL w="12700" cap="flat" cmpd="sng" algn="ctr">
+                      <a:solidFill>
+                        <a:schemeClr val="tx1"/>
+                      </a:solidFill>
+                      <a:prstDash val="solid"/>
+                      <a:round/>
+                      <a:headEnd type="none" w="med" len="med"/>
+                      <a:tailEnd type="none" w="med" len="med"/>
+                    </a:lnL>
+                    <a:lnR w="12700" cap="flat" cmpd="sng" algn="ctr">
+                      <a:solidFill>
+                        <a:schemeClr val="tx1"/>
+                      </a:solidFill>
+                      <a:prstDash val="solid"/>
+                      <a:round/>
+                      <a:headEnd type="none" w="med" len="med"/>
+                      <a:tailEnd type="none" w="med" len="med"/>
+                    </a:lnR>
+                    <a:lnT w="12700" cap="flat" cmpd="sng" algn="ctr">
+                      <a:solidFill>
+                        <a:schemeClr val="tx1"/>
+                      </a:solidFill>
+                      <a:prstDash val="solid"/>
+                      <a:round/>
+                      <a:headEnd type="none" w="med" len="med"/>
+                      <a:tailEnd type="none" w="med" len="med"/>
+                    </a:lnT>
+                    <a:lnB w="12700" cap="flat" cmpd="sng" algn="ctr">
+                      <a:solidFill>
+                        <a:schemeClr val="tx1"/>
+                      </a:solidFill>
+                      <a:prstDash val="solid"/>
+                      <a:round/>
+                      <a:headEnd type="none" w="med" len="med"/>
+                      <a:tailEnd type="none" w="med" len="med"/>
+                    </a:lnB>
+                    <a:lnTlToBr w="12700" cmpd="sng">
+                      <a:noFill/>
+                      <a:prstDash val="solid"/>
+                    </a:lnTlToBr>
+                    <a:lnBlToTr w="12700" cmpd="sng">
+                      <a:noFill/>
+                      <a:prstDash val="solid"/>
+                    </a:lnBlToTr>
+                    <a:solidFill>
+                      <a:schemeClr val="tx1"/>
+                    </a:solidFill>
+                  </a:tcPr>
                 </a:tc>
                 <a:tc>
                   <a:txBody>
                     <a:bodyPr/>
                     <a:lstStyle/>
                     <a:p>
-                      <a:endParaRPr lang="en-US"/>
+                      <a:r>
+                        <a:rPr lang="en-US" sz="2600" b="0" cap="none" spc="0" dirty="0">
+                          <a:solidFill>
+                            <a:schemeClr val="bg1"/>
+                          </a:solidFill>
+                        </a:rPr>
+                        <a:t>FPPV</a:t>
+                      </a:r>
                     </a:p>
                   </a:txBody>
-                  <a:tcPr/>
+                  <a:tcPr marL="222258" marR="165182" marT="170969" marB="170969" anchor="ctr">
+                    <a:lnL w="12700" cap="flat" cmpd="sng" algn="ctr">
+                      <a:solidFill>
+                        <a:schemeClr val="tx1"/>
+                      </a:solidFill>
+                      <a:prstDash val="solid"/>
+                      <a:round/>
+                      <a:headEnd type="none" w="med" len="med"/>
+                      <a:tailEnd type="none" w="med" len="med"/>
+                    </a:lnL>
+                    <a:lnR w="12700" cap="flat" cmpd="sng" algn="ctr">
+                      <a:solidFill>
+                        <a:schemeClr val="tx1"/>
+                      </a:solidFill>
+                      <a:prstDash val="solid"/>
+                      <a:round/>
+                      <a:headEnd type="none" w="med" len="med"/>
+                      <a:tailEnd type="none" w="med" len="med"/>
+                    </a:lnR>
+                    <a:lnT w="12700" cap="flat" cmpd="sng" algn="ctr">
+                      <a:solidFill>
+                        <a:schemeClr val="tx1"/>
+                      </a:solidFill>
+                      <a:prstDash val="solid"/>
+                      <a:round/>
+                      <a:headEnd type="none" w="med" len="med"/>
+                      <a:tailEnd type="none" w="med" len="med"/>
+                    </a:lnT>
+                    <a:lnB w="12700" cap="flat" cmpd="sng" algn="ctr">
+                      <a:solidFill>
+                        <a:schemeClr val="tx1"/>
+                      </a:solidFill>
+                      <a:prstDash val="solid"/>
+                      <a:round/>
+                      <a:headEnd type="none" w="med" len="med"/>
+                      <a:tailEnd type="none" w="med" len="med"/>
+                    </a:lnB>
+                    <a:lnTlToBr w="12700" cmpd="sng">
+                      <a:noFill/>
+                      <a:prstDash val="solid"/>
+                    </a:lnTlToBr>
+                    <a:lnBlToTr w="12700" cmpd="sng">
+                      <a:noFill/>
+                      <a:prstDash val="solid"/>
+                    </a:lnBlToTr>
+                    <a:solidFill>
+                      <a:schemeClr val="tx1"/>
+                    </a:solidFill>
+                  </a:tcPr>
                 </a:tc>
                 <a:tc>
                   <a:txBody>
                     <a:bodyPr/>
                     <a:lstStyle/>
                     <a:p>
-                      <a:endParaRPr lang="en-US"/>
+                      <a:r>
+                        <a:rPr lang="en-US" sz="2600" b="0" cap="none" spc="0">
+                          <a:solidFill>
+                            <a:schemeClr val="bg1"/>
+                          </a:solidFill>
+                        </a:rPr>
+                        <a:t>SDCFC</a:t>
+                      </a:r>
                     </a:p>
                   </a:txBody>
-                  <a:tcPr/>
+                  <a:tcPr marL="222258" marR="165182" marT="170969" marB="170969" anchor="ctr">
+                    <a:lnL w="12700" cap="flat" cmpd="sng" algn="ctr">
+                      <a:solidFill>
+                        <a:schemeClr val="tx1"/>
+                      </a:solidFill>
+                      <a:prstDash val="solid"/>
+                      <a:round/>
+                      <a:headEnd type="none" w="med" len="med"/>
+                      <a:tailEnd type="none" w="med" len="med"/>
+                    </a:lnL>
+                    <a:lnR w="12700" cap="flat" cmpd="sng" algn="ctr">
+                      <a:solidFill>
+                        <a:schemeClr val="tx1"/>
+                      </a:solidFill>
+                      <a:prstDash val="solid"/>
+                      <a:round/>
+                      <a:headEnd type="none" w="med" len="med"/>
+                      <a:tailEnd type="none" w="med" len="med"/>
+                    </a:lnR>
+                    <a:lnT w="12700" cap="flat" cmpd="sng" algn="ctr">
+                      <a:solidFill>
+                        <a:schemeClr val="tx1"/>
+                      </a:solidFill>
+                      <a:prstDash val="solid"/>
+                      <a:round/>
+                      <a:headEnd type="none" w="med" len="med"/>
+                      <a:tailEnd type="none" w="med" len="med"/>
+                    </a:lnT>
+                    <a:lnB w="12700" cap="flat" cmpd="sng" algn="ctr">
+                      <a:solidFill>
+                        <a:schemeClr val="tx1"/>
+                      </a:solidFill>
+                      <a:prstDash val="solid"/>
+                      <a:round/>
+                      <a:headEnd type="none" w="med" len="med"/>
+                      <a:tailEnd type="none" w="med" len="med"/>
+                    </a:lnB>
+                    <a:lnTlToBr w="12700" cmpd="sng">
+                      <a:noFill/>
+                      <a:prstDash val="solid"/>
+                    </a:lnTlToBr>
+                    <a:lnBlToTr w="12700" cmpd="sng">
+                      <a:noFill/>
+                      <a:prstDash val="solid"/>
+                    </a:lnBlToTr>
+                    <a:solidFill>
+                      <a:schemeClr val="tx1"/>
+                    </a:solidFill>
+                  </a:tcPr>
                 </a:tc>
                 <a:extLst>
                   <a:ext uri="{0D108BD9-81ED-4DB2-BD59-A6C34878D82A}">
-                    <a16:rowId xmlns:a16="http://schemas.microsoft.com/office/drawing/2014/main" val="677496205"/>
+                    <a16:rowId xmlns:a16="http://schemas.microsoft.com/office/drawing/2014/main" val="230851791"/>
                   </a:ext>
                 </a:extLst>
               </a:tr>
-              <a:tr h="370840">
+              <a:tr h="781264">
                 <a:tc>
                   <a:txBody>
                     <a:bodyPr/>
                     <a:lstStyle/>
                     <a:p>
-                      <a:endParaRPr lang="en-US"/>
+                      <a:r>
+                        <a:rPr lang="en-US" sz="2600" cap="none" spc="0">
+                          <a:solidFill>
+                            <a:schemeClr val="tx1"/>
+                          </a:solidFill>
+                        </a:rPr>
+                        <a:t>1</a:t>
+                      </a:r>
                     </a:p>
                   </a:txBody>
-                  <a:tcPr/>
+                  <a:tcPr marL="222258" marR="165182" marT="170969" marB="170969">
+                    <a:lnL w="12700" cap="flat" cmpd="sng" algn="ctr">
+                      <a:solidFill>
+                        <a:schemeClr val="tx1"/>
+                      </a:solidFill>
+                      <a:prstDash val="solid"/>
+                      <a:round/>
+                      <a:headEnd type="none" w="med" len="med"/>
+                      <a:tailEnd type="none" w="med" len="med"/>
+                    </a:lnL>
+                    <a:lnR w="12700" cap="flat" cmpd="sng" algn="ctr">
+                      <a:solidFill>
+                        <a:schemeClr val="tx1"/>
+                      </a:solidFill>
+                      <a:prstDash val="solid"/>
+                      <a:round/>
+                      <a:headEnd type="none" w="med" len="med"/>
+                      <a:tailEnd type="none" w="med" len="med"/>
+                    </a:lnR>
+                    <a:lnT w="12700" cap="flat" cmpd="sng" algn="ctr">
+                      <a:solidFill>
+                        <a:schemeClr val="tx1"/>
+                      </a:solidFill>
+                      <a:prstDash val="solid"/>
+                      <a:round/>
+                      <a:headEnd type="none" w="med" len="med"/>
+                      <a:tailEnd type="none" w="med" len="med"/>
+                    </a:lnT>
+                    <a:lnB w="12700" cap="flat" cmpd="sng" algn="ctr">
+                      <a:solidFill>
+                        <a:schemeClr val="tx1"/>
+                      </a:solidFill>
+                      <a:prstDash val="solid"/>
+                      <a:round/>
+                      <a:headEnd type="none" w="med" len="med"/>
+                      <a:tailEnd type="none" w="med" len="med"/>
+                    </a:lnB>
+                    <a:lnTlToBr w="12700" cmpd="sng">
+                      <a:noFill/>
+                      <a:prstDash val="solid"/>
+                    </a:lnTlToBr>
+                    <a:lnBlToTr w="12700" cmpd="sng">
+                      <a:noFill/>
+                      <a:prstDash val="solid"/>
+                    </a:lnBlToTr>
+                    <a:noFill/>
+                  </a:tcPr>
                 </a:tc>
                 <a:tc>
                   <a:txBody>
                     <a:bodyPr/>
                     <a:lstStyle/>
                     <a:p>
-                      <a:endParaRPr lang="en-US"/>
+                      <a:r>
+                        <a:rPr lang="en-US" sz="2600" cap="none" spc="0">
+                          <a:solidFill>
+                            <a:schemeClr val="tx1"/>
+                          </a:solidFill>
+                        </a:rPr>
+                        <a:t>300</a:t>
+                      </a:r>
                     </a:p>
                   </a:txBody>
-                  <a:tcPr/>
+                  <a:tcPr marL="222258" marR="165182" marT="170969" marB="170969">
+                    <a:lnL w="12700" cap="flat" cmpd="sng" algn="ctr">
+                      <a:solidFill>
+                        <a:schemeClr val="tx1"/>
+                      </a:solidFill>
+                      <a:prstDash val="solid"/>
+                      <a:round/>
+                      <a:headEnd type="none" w="med" len="med"/>
+                      <a:tailEnd type="none" w="med" len="med"/>
+                    </a:lnL>
+                    <a:lnR w="12700" cap="flat" cmpd="sng" algn="ctr">
+                      <a:solidFill>
+                        <a:schemeClr val="tx1"/>
+                      </a:solidFill>
+                      <a:prstDash val="solid"/>
+                      <a:round/>
+                      <a:headEnd type="none" w="med" len="med"/>
+                      <a:tailEnd type="none" w="med" len="med"/>
+                    </a:lnR>
+                    <a:lnT w="12700" cap="flat" cmpd="sng" algn="ctr">
+                      <a:solidFill>
+                        <a:schemeClr val="tx1"/>
+                      </a:solidFill>
+                      <a:prstDash val="solid"/>
+                      <a:round/>
+                      <a:headEnd type="none" w="med" len="med"/>
+                      <a:tailEnd type="none" w="med" len="med"/>
+                    </a:lnT>
+                    <a:lnB w="12700" cap="flat" cmpd="sng" algn="ctr">
+                      <a:solidFill>
+                        <a:schemeClr val="tx1"/>
+                      </a:solidFill>
+                      <a:prstDash val="solid"/>
+                      <a:round/>
+                      <a:headEnd type="none" w="med" len="med"/>
+                      <a:tailEnd type="none" w="med" len="med"/>
+                    </a:lnB>
+                    <a:lnTlToBr w="12700" cmpd="sng">
+                      <a:noFill/>
+                      <a:prstDash val="solid"/>
+                    </a:lnTlToBr>
+                    <a:lnBlToTr w="12700" cmpd="sng">
+                      <a:noFill/>
+                      <a:prstDash val="solid"/>
+                    </a:lnBlToTr>
+                    <a:noFill/>
+                  </a:tcPr>
                 </a:tc>
                 <a:tc>
                   <a:txBody>
                     <a:bodyPr/>
                     <a:lstStyle/>
                     <a:p>
-                      <a:endParaRPr lang="en-US"/>
+                      <a:endParaRPr lang="en-US" sz="2600" cap="none" spc="0">
+                        <a:solidFill>
+                          <a:schemeClr val="tx1"/>
+                        </a:solidFill>
+                      </a:endParaRPr>
                     </a:p>
                   </a:txBody>
-                  <a:tcPr/>
+                  <a:tcPr marL="222258" marR="165182" marT="170969" marB="170969">
+                    <a:lnL w="12700" cap="flat" cmpd="sng" algn="ctr">
+                      <a:solidFill>
+                        <a:schemeClr val="tx1"/>
+                      </a:solidFill>
+                      <a:prstDash val="solid"/>
+                      <a:round/>
+                      <a:headEnd type="none" w="med" len="med"/>
+                      <a:tailEnd type="none" w="med" len="med"/>
+                    </a:lnL>
+                    <a:lnR w="12700" cap="flat" cmpd="sng" algn="ctr">
+                      <a:solidFill>
+                        <a:schemeClr val="tx1"/>
+                      </a:solidFill>
+                      <a:prstDash val="solid"/>
+                      <a:round/>
+                      <a:headEnd type="none" w="med" len="med"/>
+                      <a:tailEnd type="none" w="med" len="med"/>
+                    </a:lnR>
+                    <a:lnT w="12700" cap="flat" cmpd="sng" algn="ctr">
+                      <a:solidFill>
+                        <a:schemeClr val="tx1"/>
+                      </a:solidFill>
+                      <a:prstDash val="solid"/>
+                      <a:round/>
+                      <a:headEnd type="none" w="med" len="med"/>
+                      <a:tailEnd type="none" w="med" len="med"/>
+                    </a:lnT>
+                    <a:lnB w="12700" cap="flat" cmpd="sng" algn="ctr">
+                      <a:solidFill>
+                        <a:schemeClr val="tx1"/>
+                      </a:solidFill>
+                      <a:prstDash val="solid"/>
+                      <a:round/>
+                      <a:headEnd type="none" w="med" len="med"/>
+                      <a:tailEnd type="none" w="med" len="med"/>
+                    </a:lnB>
+                    <a:lnTlToBr w="12700" cmpd="sng">
+                      <a:noFill/>
+                      <a:prstDash val="solid"/>
+                    </a:lnTlToBr>
+                    <a:lnBlToTr w="12700" cmpd="sng">
+                      <a:noFill/>
+                      <a:prstDash val="solid"/>
+                    </a:lnBlToTr>
+                    <a:noFill/>
+                  </a:tcPr>
                 </a:tc>
                 <a:tc>
                   <a:txBody>
                     <a:bodyPr/>
                     <a:lstStyle/>
                     <a:p>
-                      <a:endParaRPr lang="en-US"/>
+                      <a:endParaRPr lang="en-US" sz="2600" cap="none" spc="0">
+                        <a:solidFill>
+                          <a:schemeClr val="tx1"/>
+                        </a:solidFill>
+                      </a:endParaRPr>
                     </a:p>
                   </a:txBody>
-                  <a:tcPr/>
+                  <a:tcPr marL="222258" marR="165182" marT="170969" marB="170969">
+                    <a:lnL w="12700" cap="flat" cmpd="sng" algn="ctr">
+                      <a:solidFill>
+                        <a:schemeClr val="tx1"/>
+                      </a:solidFill>
+                      <a:prstDash val="solid"/>
+                      <a:round/>
+                      <a:headEnd type="none" w="med" len="med"/>
+                      <a:tailEnd type="none" w="med" len="med"/>
+                    </a:lnL>
+                    <a:lnR w="12700" cap="flat" cmpd="sng" algn="ctr">
+                      <a:solidFill>
+                        <a:schemeClr val="tx1"/>
+                      </a:solidFill>
+                      <a:prstDash val="solid"/>
+                      <a:round/>
+                      <a:headEnd type="none" w="med" len="med"/>
+                      <a:tailEnd type="none" w="med" len="med"/>
+                    </a:lnR>
+                    <a:lnT w="12700" cap="flat" cmpd="sng" algn="ctr">
+                      <a:solidFill>
+                        <a:schemeClr val="tx1"/>
+                      </a:solidFill>
+                      <a:prstDash val="solid"/>
+                      <a:round/>
+                      <a:headEnd type="none" w="med" len="med"/>
+                      <a:tailEnd type="none" w="med" len="med"/>
+                    </a:lnT>
+                    <a:lnB w="12700" cap="flat" cmpd="sng" algn="ctr">
+                      <a:solidFill>
+                        <a:schemeClr val="tx1"/>
+                      </a:solidFill>
+                      <a:prstDash val="solid"/>
+                      <a:round/>
+                      <a:headEnd type="none" w="med" len="med"/>
+                      <a:tailEnd type="none" w="med" len="med"/>
+                    </a:lnB>
+                    <a:lnTlToBr w="12700" cmpd="sng">
+                      <a:noFill/>
+                      <a:prstDash val="solid"/>
+                    </a:lnTlToBr>
+                    <a:lnBlToTr w="12700" cmpd="sng">
+                      <a:noFill/>
+                      <a:prstDash val="solid"/>
+                    </a:lnBlToTr>
+                    <a:noFill/>
+                  </a:tcPr>
                 </a:tc>
                 <a:tc>
                   <a:txBody>
                     <a:bodyPr/>
                     <a:lstStyle/>
                     <a:p>
-                      <a:endParaRPr lang="en-US"/>
+                      <a:endParaRPr lang="en-US" sz="2600" cap="none" spc="0">
+                        <a:solidFill>
+                          <a:schemeClr val="tx1"/>
+                        </a:solidFill>
+                      </a:endParaRPr>
                     </a:p>
                   </a:txBody>
-                  <a:tcPr/>
+                  <a:tcPr marL="222258" marR="165182" marT="170969" marB="170969">
+                    <a:lnL w="12700" cap="flat" cmpd="sng" algn="ctr">
+                      <a:solidFill>
+                        <a:schemeClr val="tx1"/>
+                      </a:solidFill>
+                      <a:prstDash val="solid"/>
+                      <a:round/>
+                      <a:headEnd type="none" w="med" len="med"/>
+                      <a:tailEnd type="none" w="med" len="med"/>
+                    </a:lnL>
+                    <a:lnR w="12700" cap="flat" cmpd="sng" algn="ctr">
+                      <a:solidFill>
+                        <a:schemeClr val="tx1"/>
+                      </a:solidFill>
+                      <a:prstDash val="solid"/>
+                      <a:round/>
+                      <a:headEnd type="none" w="med" len="med"/>
+                      <a:tailEnd type="none" w="med" len="med"/>
+                    </a:lnR>
+                    <a:lnT w="12700" cap="flat" cmpd="sng" algn="ctr">
+                      <a:solidFill>
+                        <a:schemeClr val="tx1"/>
+                      </a:solidFill>
+                      <a:prstDash val="solid"/>
+                      <a:round/>
+                      <a:headEnd type="none" w="med" len="med"/>
+                      <a:tailEnd type="none" w="med" len="med"/>
+                    </a:lnT>
+                    <a:lnB w="12700" cap="flat" cmpd="sng" algn="ctr">
+                      <a:solidFill>
+                        <a:schemeClr val="tx1"/>
+                      </a:solidFill>
+                      <a:prstDash val="solid"/>
+                      <a:round/>
+                      <a:headEnd type="none" w="med" len="med"/>
+                      <a:tailEnd type="none" w="med" len="med"/>
+                    </a:lnB>
+                    <a:lnTlToBr w="12700" cmpd="sng">
+                      <a:noFill/>
+                      <a:prstDash val="solid"/>
+                    </a:lnTlToBr>
+                    <a:lnBlToTr w="12700" cmpd="sng">
+                      <a:noFill/>
+                      <a:prstDash val="solid"/>
+                    </a:lnBlToTr>
+                    <a:noFill/>
+                  </a:tcPr>
                 </a:tc>
                 <a:extLst>
                   <a:ext uri="{0D108BD9-81ED-4DB2-BD59-A6C34878D82A}">
-                    <a16:rowId xmlns:a16="http://schemas.microsoft.com/office/drawing/2014/main" val="988513935"/>
+                    <a16:rowId xmlns:a16="http://schemas.microsoft.com/office/drawing/2014/main" val="3324534679"/>
+                  </a:ext>
+                </a:extLst>
+              </a:tr>
+              <a:tr h="781264">
+                <a:tc>
+                  <a:txBody>
+                    <a:bodyPr/>
+                    <a:lstStyle/>
+                    <a:p>
+                      <a:r>
+                        <a:rPr lang="en-US" sz="2600" cap="none" spc="0">
+                          <a:solidFill>
+                            <a:schemeClr val="tx1"/>
+                          </a:solidFill>
+                        </a:rPr>
+                        <a:t>2</a:t>
+                      </a:r>
+                    </a:p>
+                  </a:txBody>
+                  <a:tcPr marL="222258" marR="165182" marT="170969" marB="170969">
+                    <a:lnL w="12700" cap="flat" cmpd="sng" algn="ctr">
+                      <a:solidFill>
+                        <a:schemeClr val="tx1"/>
+                      </a:solidFill>
+                      <a:prstDash val="solid"/>
+                      <a:round/>
+                      <a:headEnd type="none" w="med" len="med"/>
+                      <a:tailEnd type="none" w="med" len="med"/>
+                    </a:lnL>
+                    <a:lnR w="12700" cap="flat" cmpd="sng" algn="ctr">
+                      <a:solidFill>
+                        <a:schemeClr val="tx1"/>
+                      </a:solidFill>
+                      <a:prstDash val="solid"/>
+                      <a:round/>
+                      <a:headEnd type="none" w="med" len="med"/>
+                      <a:tailEnd type="none" w="med" len="med"/>
+                    </a:lnR>
+                    <a:lnT w="12700" cap="flat" cmpd="sng" algn="ctr">
+                      <a:solidFill>
+                        <a:schemeClr val="tx1"/>
+                      </a:solidFill>
+                      <a:prstDash val="solid"/>
+                      <a:round/>
+                      <a:headEnd type="none" w="med" len="med"/>
+                      <a:tailEnd type="none" w="med" len="med"/>
+                    </a:lnT>
+                    <a:lnB w="12700" cap="flat" cmpd="sng" algn="ctr">
+                      <a:solidFill>
+                        <a:schemeClr val="tx1"/>
+                      </a:solidFill>
+                      <a:prstDash val="solid"/>
+                      <a:round/>
+                      <a:headEnd type="none" w="med" len="med"/>
+                      <a:tailEnd type="none" w="med" len="med"/>
+                    </a:lnB>
+                    <a:lnTlToBr w="12700" cmpd="sng">
+                      <a:noFill/>
+                      <a:prstDash val="solid"/>
+                    </a:lnTlToBr>
+                    <a:lnBlToTr w="12700" cmpd="sng">
+                      <a:noFill/>
+                      <a:prstDash val="solid"/>
+                    </a:lnBlToTr>
+                    <a:solidFill>
+                      <a:schemeClr val="bg1">
+                        <a:lumMod val="85000"/>
+                      </a:schemeClr>
+                    </a:solidFill>
+                  </a:tcPr>
+                </a:tc>
+                <a:tc>
+                  <a:txBody>
+                    <a:bodyPr/>
+                    <a:lstStyle/>
+                    <a:p>
+                      <a:r>
+                        <a:rPr lang="en-US" sz="2600" cap="none" spc="0">
+                          <a:solidFill>
+                            <a:schemeClr val="tx1"/>
+                          </a:solidFill>
+                        </a:rPr>
+                        <a:t>300</a:t>
+                      </a:r>
+                    </a:p>
+                  </a:txBody>
+                  <a:tcPr marL="222258" marR="165182" marT="170969" marB="170969">
+                    <a:lnL w="12700" cap="flat" cmpd="sng" algn="ctr">
+                      <a:solidFill>
+                        <a:schemeClr val="tx1"/>
+                      </a:solidFill>
+                      <a:prstDash val="solid"/>
+                      <a:round/>
+                      <a:headEnd type="none" w="med" len="med"/>
+                      <a:tailEnd type="none" w="med" len="med"/>
+                    </a:lnL>
+                    <a:lnR w="12700" cap="flat" cmpd="sng" algn="ctr">
+                      <a:solidFill>
+                        <a:schemeClr val="tx1"/>
+                      </a:solidFill>
+                      <a:prstDash val="solid"/>
+                      <a:round/>
+                      <a:headEnd type="none" w="med" len="med"/>
+                      <a:tailEnd type="none" w="med" len="med"/>
+                    </a:lnR>
+                    <a:lnT w="12700" cap="flat" cmpd="sng" algn="ctr">
+                      <a:solidFill>
+                        <a:schemeClr val="tx1"/>
+                      </a:solidFill>
+                      <a:prstDash val="solid"/>
+                      <a:round/>
+                      <a:headEnd type="none" w="med" len="med"/>
+                      <a:tailEnd type="none" w="med" len="med"/>
+                    </a:lnT>
+                    <a:lnB w="12700" cap="flat" cmpd="sng" algn="ctr">
+                      <a:solidFill>
+                        <a:schemeClr val="tx1"/>
+                      </a:solidFill>
+                      <a:prstDash val="solid"/>
+                      <a:round/>
+                      <a:headEnd type="none" w="med" len="med"/>
+                      <a:tailEnd type="none" w="med" len="med"/>
+                    </a:lnB>
+                    <a:lnTlToBr w="12700" cmpd="sng">
+                      <a:noFill/>
+                      <a:prstDash val="solid"/>
+                    </a:lnTlToBr>
+                    <a:lnBlToTr w="12700" cmpd="sng">
+                      <a:noFill/>
+                      <a:prstDash val="solid"/>
+                    </a:lnBlToTr>
+                    <a:solidFill>
+                      <a:schemeClr val="bg1">
+                        <a:lumMod val="85000"/>
+                      </a:schemeClr>
+                    </a:solidFill>
+                  </a:tcPr>
+                </a:tc>
+                <a:tc>
+                  <a:txBody>
+                    <a:bodyPr/>
+                    <a:lstStyle/>
+                    <a:p>
+                      <a:endParaRPr lang="en-US" sz="2600" cap="none" spc="0">
+                        <a:solidFill>
+                          <a:schemeClr val="tx1"/>
+                        </a:solidFill>
+                      </a:endParaRPr>
+                    </a:p>
+                  </a:txBody>
+                  <a:tcPr marL="222258" marR="165182" marT="170969" marB="170969">
+                    <a:lnL w="12700" cap="flat" cmpd="sng" algn="ctr">
+                      <a:solidFill>
+                        <a:schemeClr val="tx1"/>
+                      </a:solidFill>
+                      <a:prstDash val="solid"/>
+                      <a:round/>
+                      <a:headEnd type="none" w="med" len="med"/>
+                      <a:tailEnd type="none" w="med" len="med"/>
+                    </a:lnL>
+                    <a:lnR w="12700" cap="flat" cmpd="sng" algn="ctr">
+                      <a:solidFill>
+                        <a:schemeClr val="tx1"/>
+                      </a:solidFill>
+                      <a:prstDash val="solid"/>
+                      <a:round/>
+                      <a:headEnd type="none" w="med" len="med"/>
+                      <a:tailEnd type="none" w="med" len="med"/>
+                    </a:lnR>
+                    <a:lnT w="12700" cap="flat" cmpd="sng" algn="ctr">
+                      <a:solidFill>
+                        <a:schemeClr val="tx1"/>
+                      </a:solidFill>
+                      <a:prstDash val="solid"/>
+                      <a:round/>
+                      <a:headEnd type="none" w="med" len="med"/>
+                      <a:tailEnd type="none" w="med" len="med"/>
+                    </a:lnT>
+                    <a:lnB w="12700" cap="flat" cmpd="sng" algn="ctr">
+                      <a:solidFill>
+                        <a:schemeClr val="tx1"/>
+                      </a:solidFill>
+                      <a:prstDash val="solid"/>
+                      <a:round/>
+                      <a:headEnd type="none" w="med" len="med"/>
+                      <a:tailEnd type="none" w="med" len="med"/>
+                    </a:lnB>
+                    <a:lnTlToBr w="12700" cmpd="sng">
+                      <a:noFill/>
+                      <a:prstDash val="solid"/>
+                    </a:lnTlToBr>
+                    <a:lnBlToTr w="12700" cmpd="sng">
+                      <a:noFill/>
+                      <a:prstDash val="solid"/>
+                    </a:lnBlToTr>
+                    <a:solidFill>
+                      <a:schemeClr val="bg1">
+                        <a:lumMod val="85000"/>
+                      </a:schemeClr>
+                    </a:solidFill>
+                  </a:tcPr>
+                </a:tc>
+                <a:tc>
+                  <a:txBody>
+                    <a:bodyPr/>
+                    <a:lstStyle/>
+                    <a:p>
+                      <a:endParaRPr lang="en-US" sz="2600" cap="none" spc="0">
+                        <a:solidFill>
+                          <a:schemeClr val="tx1"/>
+                        </a:solidFill>
+                      </a:endParaRPr>
+                    </a:p>
+                  </a:txBody>
+                  <a:tcPr marL="222258" marR="165182" marT="170969" marB="170969">
+                    <a:lnL w="12700" cap="flat" cmpd="sng" algn="ctr">
+                      <a:solidFill>
+                        <a:schemeClr val="tx1"/>
+                      </a:solidFill>
+                      <a:prstDash val="solid"/>
+                      <a:round/>
+                      <a:headEnd type="none" w="med" len="med"/>
+                      <a:tailEnd type="none" w="med" len="med"/>
+                    </a:lnL>
+                    <a:lnR w="12700" cap="flat" cmpd="sng" algn="ctr">
+                      <a:solidFill>
+                        <a:schemeClr val="tx1"/>
+                      </a:solidFill>
+                      <a:prstDash val="solid"/>
+                      <a:round/>
+                      <a:headEnd type="none" w="med" len="med"/>
+                      <a:tailEnd type="none" w="med" len="med"/>
+                    </a:lnR>
+                    <a:lnT w="12700" cap="flat" cmpd="sng" algn="ctr">
+                      <a:solidFill>
+                        <a:schemeClr val="tx1"/>
+                      </a:solidFill>
+                      <a:prstDash val="solid"/>
+                      <a:round/>
+                      <a:headEnd type="none" w="med" len="med"/>
+                      <a:tailEnd type="none" w="med" len="med"/>
+                    </a:lnT>
+                    <a:lnB w="12700" cap="flat" cmpd="sng" algn="ctr">
+                      <a:solidFill>
+                        <a:schemeClr val="tx1"/>
+                      </a:solidFill>
+                      <a:prstDash val="solid"/>
+                      <a:round/>
+                      <a:headEnd type="none" w="med" len="med"/>
+                      <a:tailEnd type="none" w="med" len="med"/>
+                    </a:lnB>
+                    <a:lnTlToBr w="12700" cmpd="sng">
+                      <a:noFill/>
+                      <a:prstDash val="solid"/>
+                    </a:lnTlToBr>
+                    <a:lnBlToTr w="12700" cmpd="sng">
+                      <a:noFill/>
+                      <a:prstDash val="solid"/>
+                    </a:lnBlToTr>
+                    <a:solidFill>
+                      <a:schemeClr val="bg1">
+                        <a:lumMod val="85000"/>
+                      </a:schemeClr>
+                    </a:solidFill>
+                  </a:tcPr>
+                </a:tc>
+                <a:tc>
+                  <a:txBody>
+                    <a:bodyPr/>
+                    <a:lstStyle/>
+                    <a:p>
+                      <a:endParaRPr lang="en-US" sz="2600" cap="none" spc="0">
+                        <a:solidFill>
+                          <a:schemeClr val="tx1"/>
+                        </a:solidFill>
+                      </a:endParaRPr>
+                    </a:p>
+                  </a:txBody>
+                  <a:tcPr marL="222258" marR="165182" marT="170969" marB="170969">
+                    <a:lnL w="12700" cap="flat" cmpd="sng" algn="ctr">
+                      <a:solidFill>
+                        <a:schemeClr val="tx1"/>
+                      </a:solidFill>
+                      <a:prstDash val="solid"/>
+                      <a:round/>
+                      <a:headEnd type="none" w="med" len="med"/>
+                      <a:tailEnd type="none" w="med" len="med"/>
+                    </a:lnL>
+                    <a:lnR w="12700" cap="flat" cmpd="sng" algn="ctr">
+                      <a:solidFill>
+                        <a:schemeClr val="tx1"/>
+                      </a:solidFill>
+                      <a:prstDash val="solid"/>
+                      <a:round/>
+                      <a:headEnd type="none" w="med" len="med"/>
+                      <a:tailEnd type="none" w="med" len="med"/>
+                    </a:lnR>
+                    <a:lnT w="12700" cap="flat" cmpd="sng" algn="ctr">
+                      <a:solidFill>
+                        <a:schemeClr val="tx1"/>
+                      </a:solidFill>
+                      <a:prstDash val="solid"/>
+                      <a:round/>
+                      <a:headEnd type="none" w="med" len="med"/>
+                      <a:tailEnd type="none" w="med" len="med"/>
+                    </a:lnT>
+                    <a:lnB w="12700" cap="flat" cmpd="sng" algn="ctr">
+                      <a:solidFill>
+                        <a:schemeClr val="tx1"/>
+                      </a:solidFill>
+                      <a:prstDash val="solid"/>
+                      <a:round/>
+                      <a:headEnd type="none" w="med" len="med"/>
+                      <a:tailEnd type="none" w="med" len="med"/>
+                    </a:lnB>
+                    <a:lnTlToBr w="12700" cmpd="sng">
+                      <a:noFill/>
+                      <a:prstDash val="solid"/>
+                    </a:lnTlToBr>
+                    <a:lnBlToTr w="12700" cmpd="sng">
+                      <a:noFill/>
+                      <a:prstDash val="solid"/>
+                    </a:lnBlToTr>
+                    <a:solidFill>
+                      <a:schemeClr val="bg1">
+                        <a:lumMod val="85000"/>
+                      </a:schemeClr>
+                    </a:solidFill>
+                  </a:tcPr>
+                </a:tc>
+                <a:extLst>
+                  <a:ext uri="{0D108BD9-81ED-4DB2-BD59-A6C34878D82A}">
+                    <a16:rowId xmlns:a16="http://schemas.microsoft.com/office/drawing/2014/main" val="1565407393"/>
+                  </a:ext>
+                </a:extLst>
+              </a:tr>
+              <a:tr h="781264">
+                <a:tc>
+                  <a:txBody>
+                    <a:bodyPr/>
+                    <a:lstStyle/>
+                    <a:p>
+                      <a:r>
+                        <a:rPr lang="en-US" sz="2600" cap="none" spc="0">
+                          <a:solidFill>
+                            <a:schemeClr val="tx1"/>
+                          </a:solidFill>
+                        </a:rPr>
+                        <a:t>1</a:t>
+                      </a:r>
+                    </a:p>
+                  </a:txBody>
+                  <a:tcPr marL="222258" marR="165182" marT="170969" marB="170969">
+                    <a:lnL w="12700" cap="flat" cmpd="sng" algn="ctr">
+                      <a:solidFill>
+                        <a:schemeClr val="tx1"/>
+                      </a:solidFill>
+                      <a:prstDash val="solid"/>
+                      <a:round/>
+                      <a:headEnd type="none" w="med" len="med"/>
+                      <a:tailEnd type="none" w="med" len="med"/>
+                    </a:lnL>
+                    <a:lnR w="12700" cap="flat" cmpd="sng" algn="ctr">
+                      <a:solidFill>
+                        <a:schemeClr val="tx1"/>
+                      </a:solidFill>
+                      <a:prstDash val="solid"/>
+                      <a:round/>
+                      <a:headEnd type="none" w="med" len="med"/>
+                      <a:tailEnd type="none" w="med" len="med"/>
+                    </a:lnR>
+                    <a:lnT w="12700" cap="flat" cmpd="sng" algn="ctr">
+                      <a:solidFill>
+                        <a:schemeClr val="tx1"/>
+                      </a:solidFill>
+                      <a:prstDash val="solid"/>
+                      <a:round/>
+                      <a:headEnd type="none" w="med" len="med"/>
+                      <a:tailEnd type="none" w="med" len="med"/>
+                    </a:lnT>
+                    <a:lnB w="12700" cap="flat" cmpd="sng" algn="ctr">
+                      <a:solidFill>
+                        <a:schemeClr val="tx1"/>
+                      </a:solidFill>
+                      <a:prstDash val="solid"/>
+                      <a:round/>
+                      <a:headEnd type="none" w="med" len="med"/>
+                      <a:tailEnd type="none" w="med" len="med"/>
+                    </a:lnB>
+                    <a:lnTlToBr w="12700" cmpd="sng">
+                      <a:noFill/>
+                      <a:prstDash val="solid"/>
+                    </a:lnTlToBr>
+                    <a:lnBlToTr w="12700" cmpd="sng">
+                      <a:noFill/>
+                      <a:prstDash val="solid"/>
+                    </a:lnBlToTr>
+                    <a:noFill/>
+                  </a:tcPr>
+                </a:tc>
+                <a:tc>
+                  <a:txBody>
+                    <a:bodyPr/>
+                    <a:lstStyle/>
+                    <a:p>
+                      <a:r>
+                        <a:rPr lang="en-US" sz="2600" cap="none" spc="0">
+                          <a:solidFill>
+                            <a:schemeClr val="tx1"/>
+                          </a:solidFill>
+                        </a:rPr>
+                        <a:t>10k</a:t>
+                      </a:r>
+                    </a:p>
+                  </a:txBody>
+                  <a:tcPr marL="222258" marR="165182" marT="170969" marB="170969">
+                    <a:lnL w="12700" cap="flat" cmpd="sng" algn="ctr">
+                      <a:solidFill>
+                        <a:schemeClr val="tx1"/>
+                      </a:solidFill>
+                      <a:prstDash val="solid"/>
+                      <a:round/>
+                      <a:headEnd type="none" w="med" len="med"/>
+                      <a:tailEnd type="none" w="med" len="med"/>
+                    </a:lnL>
+                    <a:lnR w="12700" cap="flat" cmpd="sng" algn="ctr">
+                      <a:solidFill>
+                        <a:schemeClr val="tx1"/>
+                      </a:solidFill>
+                      <a:prstDash val="solid"/>
+                      <a:round/>
+                      <a:headEnd type="none" w="med" len="med"/>
+                      <a:tailEnd type="none" w="med" len="med"/>
+                    </a:lnR>
+                    <a:lnT w="12700" cap="flat" cmpd="sng" algn="ctr">
+                      <a:solidFill>
+                        <a:schemeClr val="tx1"/>
+                      </a:solidFill>
+                      <a:prstDash val="solid"/>
+                      <a:round/>
+                      <a:headEnd type="none" w="med" len="med"/>
+                      <a:tailEnd type="none" w="med" len="med"/>
+                    </a:lnT>
+                    <a:lnB w="12700" cap="flat" cmpd="sng" algn="ctr">
+                      <a:solidFill>
+                        <a:schemeClr val="tx1"/>
+                      </a:solidFill>
+                      <a:prstDash val="solid"/>
+                      <a:round/>
+                      <a:headEnd type="none" w="med" len="med"/>
+                      <a:tailEnd type="none" w="med" len="med"/>
+                    </a:lnB>
+                    <a:lnTlToBr w="12700" cmpd="sng">
+                      <a:noFill/>
+                      <a:prstDash val="solid"/>
+                    </a:lnTlToBr>
+                    <a:lnBlToTr w="12700" cmpd="sng">
+                      <a:noFill/>
+                      <a:prstDash val="solid"/>
+                    </a:lnBlToTr>
+                    <a:noFill/>
+                  </a:tcPr>
+                </a:tc>
+                <a:tc>
+                  <a:txBody>
+                    <a:bodyPr/>
+                    <a:lstStyle/>
+                    <a:p>
+                      <a:endParaRPr lang="en-US" sz="2600" cap="none" spc="0">
+                        <a:solidFill>
+                          <a:schemeClr val="tx1"/>
+                        </a:solidFill>
+                      </a:endParaRPr>
+                    </a:p>
+                  </a:txBody>
+                  <a:tcPr marL="222258" marR="165182" marT="170969" marB="170969">
+                    <a:lnL w="12700" cap="flat" cmpd="sng" algn="ctr">
+                      <a:solidFill>
+                        <a:schemeClr val="tx1"/>
+                      </a:solidFill>
+                      <a:prstDash val="solid"/>
+                      <a:round/>
+                      <a:headEnd type="none" w="med" len="med"/>
+                      <a:tailEnd type="none" w="med" len="med"/>
+                    </a:lnL>
+                    <a:lnR w="12700" cap="flat" cmpd="sng" algn="ctr">
+                      <a:solidFill>
+                        <a:schemeClr val="tx1"/>
+                      </a:solidFill>
+                      <a:prstDash val="solid"/>
+                      <a:round/>
+                      <a:headEnd type="none" w="med" len="med"/>
+                      <a:tailEnd type="none" w="med" len="med"/>
+                    </a:lnR>
+                    <a:lnT w="12700" cap="flat" cmpd="sng" algn="ctr">
+                      <a:solidFill>
+                        <a:schemeClr val="tx1"/>
+                      </a:solidFill>
+                      <a:prstDash val="solid"/>
+                      <a:round/>
+                      <a:headEnd type="none" w="med" len="med"/>
+                      <a:tailEnd type="none" w="med" len="med"/>
+                    </a:lnT>
+                    <a:lnB w="12700" cap="flat" cmpd="sng" algn="ctr">
+                      <a:solidFill>
+                        <a:schemeClr val="tx1"/>
+                      </a:solidFill>
+                      <a:prstDash val="solid"/>
+                      <a:round/>
+                      <a:headEnd type="none" w="med" len="med"/>
+                      <a:tailEnd type="none" w="med" len="med"/>
+                    </a:lnB>
+                    <a:lnTlToBr w="12700" cmpd="sng">
+                      <a:noFill/>
+                      <a:prstDash val="solid"/>
+                    </a:lnTlToBr>
+                    <a:lnBlToTr w="12700" cmpd="sng">
+                      <a:noFill/>
+                      <a:prstDash val="solid"/>
+                    </a:lnBlToTr>
+                    <a:noFill/>
+                  </a:tcPr>
+                </a:tc>
+                <a:tc>
+                  <a:txBody>
+                    <a:bodyPr/>
+                    <a:lstStyle/>
+                    <a:p>
+                      <a:endParaRPr lang="en-US" sz="2600" cap="none" spc="0">
+                        <a:solidFill>
+                          <a:schemeClr val="tx1"/>
+                        </a:solidFill>
+                      </a:endParaRPr>
+                    </a:p>
+                  </a:txBody>
+                  <a:tcPr marL="222258" marR="165182" marT="170969" marB="170969">
+                    <a:lnL w="12700" cap="flat" cmpd="sng" algn="ctr">
+                      <a:solidFill>
+                        <a:schemeClr val="tx1"/>
+                      </a:solidFill>
+                      <a:prstDash val="solid"/>
+                      <a:round/>
+                      <a:headEnd type="none" w="med" len="med"/>
+                      <a:tailEnd type="none" w="med" len="med"/>
+                    </a:lnL>
+                    <a:lnR w="12700" cap="flat" cmpd="sng" algn="ctr">
+                      <a:solidFill>
+                        <a:schemeClr val="tx1"/>
+                      </a:solidFill>
+                      <a:prstDash val="solid"/>
+                      <a:round/>
+                      <a:headEnd type="none" w="med" len="med"/>
+                      <a:tailEnd type="none" w="med" len="med"/>
+                    </a:lnR>
+                    <a:lnT w="12700" cap="flat" cmpd="sng" algn="ctr">
+                      <a:solidFill>
+                        <a:schemeClr val="tx1"/>
+                      </a:solidFill>
+                      <a:prstDash val="solid"/>
+                      <a:round/>
+                      <a:headEnd type="none" w="med" len="med"/>
+                      <a:tailEnd type="none" w="med" len="med"/>
+                    </a:lnT>
+                    <a:lnB w="12700" cap="flat" cmpd="sng" algn="ctr">
+                      <a:solidFill>
+                        <a:schemeClr val="tx1"/>
+                      </a:solidFill>
+                      <a:prstDash val="solid"/>
+                      <a:round/>
+                      <a:headEnd type="none" w="med" len="med"/>
+                      <a:tailEnd type="none" w="med" len="med"/>
+                    </a:lnB>
+                    <a:lnTlToBr w="12700" cmpd="sng">
+                      <a:noFill/>
+                      <a:prstDash val="solid"/>
+                    </a:lnTlToBr>
+                    <a:lnBlToTr w="12700" cmpd="sng">
+                      <a:noFill/>
+                      <a:prstDash val="solid"/>
+                    </a:lnBlToTr>
+                    <a:noFill/>
+                  </a:tcPr>
+                </a:tc>
+                <a:tc>
+                  <a:txBody>
+                    <a:bodyPr/>
+                    <a:lstStyle/>
+                    <a:p>
+                      <a:endParaRPr lang="en-US" sz="2600" cap="none" spc="0">
+                        <a:solidFill>
+                          <a:schemeClr val="tx1"/>
+                        </a:solidFill>
+                      </a:endParaRPr>
+                    </a:p>
+                  </a:txBody>
+                  <a:tcPr marL="222258" marR="165182" marT="170969" marB="170969">
+                    <a:lnL w="12700" cap="flat" cmpd="sng" algn="ctr">
+                      <a:solidFill>
+                        <a:schemeClr val="tx1"/>
+                      </a:solidFill>
+                      <a:prstDash val="solid"/>
+                      <a:round/>
+                      <a:headEnd type="none" w="med" len="med"/>
+                      <a:tailEnd type="none" w="med" len="med"/>
+                    </a:lnL>
+                    <a:lnR w="12700" cap="flat" cmpd="sng" algn="ctr">
+                      <a:solidFill>
+                        <a:schemeClr val="tx1"/>
+                      </a:solidFill>
+                      <a:prstDash val="solid"/>
+                      <a:round/>
+                      <a:headEnd type="none" w="med" len="med"/>
+                      <a:tailEnd type="none" w="med" len="med"/>
+                    </a:lnR>
+                    <a:lnT w="12700" cap="flat" cmpd="sng" algn="ctr">
+                      <a:solidFill>
+                        <a:schemeClr val="tx1"/>
+                      </a:solidFill>
+                      <a:prstDash val="solid"/>
+                      <a:round/>
+                      <a:headEnd type="none" w="med" len="med"/>
+                      <a:tailEnd type="none" w="med" len="med"/>
+                    </a:lnT>
+                    <a:lnB w="12700" cap="flat" cmpd="sng" algn="ctr">
+                      <a:solidFill>
+                        <a:schemeClr val="tx1"/>
+                      </a:solidFill>
+                      <a:prstDash val="solid"/>
+                      <a:round/>
+                      <a:headEnd type="none" w="med" len="med"/>
+                      <a:tailEnd type="none" w="med" len="med"/>
+                    </a:lnB>
+                    <a:lnTlToBr w="12700" cmpd="sng">
+                      <a:noFill/>
+                      <a:prstDash val="solid"/>
+                    </a:lnTlToBr>
+                    <a:lnBlToTr w="12700" cmpd="sng">
+                      <a:noFill/>
+                      <a:prstDash val="solid"/>
+                    </a:lnBlToTr>
+                    <a:noFill/>
+                  </a:tcPr>
+                </a:tc>
+                <a:extLst>
+                  <a:ext uri="{0D108BD9-81ED-4DB2-BD59-A6C34878D82A}">
+                    <a16:rowId xmlns:a16="http://schemas.microsoft.com/office/drawing/2014/main" val="2490218386"/>
+                  </a:ext>
+                </a:extLst>
+              </a:tr>
+              <a:tr h="781264">
+                <a:tc>
+                  <a:txBody>
+                    <a:bodyPr/>
+                    <a:lstStyle/>
+                    <a:p>
+                      <a:r>
+                        <a:rPr lang="en-US" sz="2600" cap="none" spc="0">
+                          <a:solidFill>
+                            <a:schemeClr val="tx1"/>
+                          </a:solidFill>
+                        </a:rPr>
+                        <a:t>2</a:t>
+                      </a:r>
+                    </a:p>
+                  </a:txBody>
+                  <a:tcPr marL="222258" marR="165182" marT="170969" marB="170969">
+                    <a:lnL w="12700" cap="flat" cmpd="sng" algn="ctr">
+                      <a:solidFill>
+                        <a:schemeClr val="tx1"/>
+                      </a:solidFill>
+                      <a:prstDash val="solid"/>
+                      <a:round/>
+                      <a:headEnd type="none" w="med" len="med"/>
+                      <a:tailEnd type="none" w="med" len="med"/>
+                    </a:lnL>
+                    <a:lnR w="12700" cap="flat" cmpd="sng" algn="ctr">
+                      <a:solidFill>
+                        <a:schemeClr val="tx1"/>
+                      </a:solidFill>
+                      <a:prstDash val="solid"/>
+                      <a:round/>
+                      <a:headEnd type="none" w="med" len="med"/>
+                      <a:tailEnd type="none" w="med" len="med"/>
+                    </a:lnR>
+                    <a:lnT w="12700" cap="flat" cmpd="sng" algn="ctr">
+                      <a:solidFill>
+                        <a:schemeClr val="tx1"/>
+                      </a:solidFill>
+                      <a:prstDash val="solid"/>
+                      <a:round/>
+                      <a:headEnd type="none" w="med" len="med"/>
+                      <a:tailEnd type="none" w="med" len="med"/>
+                    </a:lnT>
+                    <a:lnB w="12700" cap="flat" cmpd="sng" algn="ctr">
+                      <a:solidFill>
+                        <a:schemeClr val="tx1"/>
+                      </a:solidFill>
+                      <a:prstDash val="solid"/>
+                      <a:round/>
+                      <a:headEnd type="none" w="med" len="med"/>
+                      <a:tailEnd type="none" w="med" len="med"/>
+                    </a:lnB>
+                    <a:lnTlToBr w="12700" cmpd="sng">
+                      <a:noFill/>
+                      <a:prstDash val="solid"/>
+                    </a:lnTlToBr>
+                    <a:lnBlToTr w="12700" cmpd="sng">
+                      <a:noFill/>
+                      <a:prstDash val="solid"/>
+                    </a:lnBlToTr>
+                    <a:solidFill>
+                      <a:schemeClr val="bg1">
+                        <a:lumMod val="85000"/>
+                      </a:schemeClr>
+                    </a:solidFill>
+                  </a:tcPr>
+                </a:tc>
+                <a:tc>
+                  <a:txBody>
+                    <a:bodyPr/>
+                    <a:lstStyle/>
+                    <a:p>
+                      <a:r>
+                        <a:rPr lang="en-US" sz="2600" cap="none" spc="0">
+                          <a:solidFill>
+                            <a:schemeClr val="tx1"/>
+                          </a:solidFill>
+                        </a:rPr>
+                        <a:t>10k</a:t>
+                      </a:r>
+                    </a:p>
+                  </a:txBody>
+                  <a:tcPr marL="222258" marR="165182" marT="170969" marB="170969">
+                    <a:lnL w="12700" cap="flat" cmpd="sng" algn="ctr">
+                      <a:solidFill>
+                        <a:schemeClr val="tx1"/>
+                      </a:solidFill>
+                      <a:prstDash val="solid"/>
+                      <a:round/>
+                      <a:headEnd type="none" w="med" len="med"/>
+                      <a:tailEnd type="none" w="med" len="med"/>
+                    </a:lnL>
+                    <a:lnR w="12700" cap="flat" cmpd="sng" algn="ctr">
+                      <a:solidFill>
+                        <a:schemeClr val="tx1"/>
+                      </a:solidFill>
+                      <a:prstDash val="solid"/>
+                      <a:round/>
+                      <a:headEnd type="none" w="med" len="med"/>
+                      <a:tailEnd type="none" w="med" len="med"/>
+                    </a:lnR>
+                    <a:lnT w="12700" cap="flat" cmpd="sng" algn="ctr">
+                      <a:solidFill>
+                        <a:schemeClr val="tx1"/>
+                      </a:solidFill>
+                      <a:prstDash val="solid"/>
+                      <a:round/>
+                      <a:headEnd type="none" w="med" len="med"/>
+                      <a:tailEnd type="none" w="med" len="med"/>
+                    </a:lnT>
+                    <a:lnB w="12700" cap="flat" cmpd="sng" algn="ctr">
+                      <a:solidFill>
+                        <a:schemeClr val="tx1"/>
+                      </a:solidFill>
+                      <a:prstDash val="solid"/>
+                      <a:round/>
+                      <a:headEnd type="none" w="med" len="med"/>
+                      <a:tailEnd type="none" w="med" len="med"/>
+                    </a:lnB>
+                    <a:lnTlToBr w="12700" cmpd="sng">
+                      <a:noFill/>
+                      <a:prstDash val="solid"/>
+                    </a:lnTlToBr>
+                    <a:lnBlToTr w="12700" cmpd="sng">
+                      <a:noFill/>
+                      <a:prstDash val="solid"/>
+                    </a:lnBlToTr>
+                    <a:solidFill>
+                      <a:schemeClr val="bg1">
+                        <a:lumMod val="85000"/>
+                      </a:schemeClr>
+                    </a:solidFill>
+                  </a:tcPr>
+                </a:tc>
+                <a:tc>
+                  <a:txBody>
+                    <a:bodyPr/>
+                    <a:lstStyle/>
+                    <a:p>
+                      <a:endParaRPr lang="en-US" sz="2600" cap="none" spc="0">
+                        <a:solidFill>
+                          <a:schemeClr val="tx1"/>
+                        </a:solidFill>
+                      </a:endParaRPr>
+                    </a:p>
+                  </a:txBody>
+                  <a:tcPr marL="222258" marR="165182" marT="170969" marB="170969">
+                    <a:lnL w="12700" cap="flat" cmpd="sng" algn="ctr">
+                      <a:solidFill>
+                        <a:schemeClr val="tx1"/>
+                      </a:solidFill>
+                      <a:prstDash val="solid"/>
+                      <a:round/>
+                      <a:headEnd type="none" w="med" len="med"/>
+                      <a:tailEnd type="none" w="med" len="med"/>
+                    </a:lnL>
+                    <a:lnR w="12700" cap="flat" cmpd="sng" algn="ctr">
+                      <a:solidFill>
+                        <a:schemeClr val="tx1"/>
+                      </a:solidFill>
+                      <a:prstDash val="solid"/>
+                      <a:round/>
+                      <a:headEnd type="none" w="med" len="med"/>
+                      <a:tailEnd type="none" w="med" len="med"/>
+                    </a:lnR>
+                    <a:lnT w="12700" cap="flat" cmpd="sng" algn="ctr">
+                      <a:solidFill>
+                        <a:schemeClr val="tx1"/>
+                      </a:solidFill>
+                      <a:prstDash val="solid"/>
+                      <a:round/>
+                      <a:headEnd type="none" w="med" len="med"/>
+                      <a:tailEnd type="none" w="med" len="med"/>
+                    </a:lnT>
+                    <a:lnB w="12700" cap="flat" cmpd="sng" algn="ctr">
+                      <a:solidFill>
+                        <a:schemeClr val="tx1"/>
+                      </a:solidFill>
+                      <a:prstDash val="solid"/>
+                      <a:round/>
+                      <a:headEnd type="none" w="med" len="med"/>
+                      <a:tailEnd type="none" w="med" len="med"/>
+                    </a:lnB>
+                    <a:lnTlToBr w="12700" cmpd="sng">
+                      <a:noFill/>
+                      <a:prstDash val="solid"/>
+                    </a:lnTlToBr>
+                    <a:lnBlToTr w="12700" cmpd="sng">
+                      <a:noFill/>
+                      <a:prstDash val="solid"/>
+                    </a:lnBlToTr>
+                    <a:solidFill>
+                      <a:schemeClr val="bg1">
+                        <a:lumMod val="85000"/>
+                      </a:schemeClr>
+                    </a:solidFill>
+                  </a:tcPr>
+                </a:tc>
+                <a:tc>
+                  <a:txBody>
+                    <a:bodyPr/>
+                    <a:lstStyle/>
+                    <a:p>
+                      <a:endParaRPr lang="en-US" sz="2600" cap="none" spc="0" dirty="0">
+                        <a:solidFill>
+                          <a:schemeClr val="tx1"/>
+                        </a:solidFill>
+                      </a:endParaRPr>
+                    </a:p>
+                  </a:txBody>
+                  <a:tcPr marL="222258" marR="165182" marT="170969" marB="170969">
+                    <a:lnL w="12700" cap="flat" cmpd="sng" algn="ctr">
+                      <a:solidFill>
+                        <a:schemeClr val="tx1"/>
+                      </a:solidFill>
+                      <a:prstDash val="solid"/>
+                      <a:round/>
+                      <a:headEnd type="none" w="med" len="med"/>
+                      <a:tailEnd type="none" w="med" len="med"/>
+                    </a:lnL>
+                    <a:lnR w="12700" cap="flat" cmpd="sng" algn="ctr">
+                      <a:solidFill>
+                        <a:schemeClr val="tx1"/>
+                      </a:solidFill>
+                      <a:prstDash val="solid"/>
+                      <a:round/>
+                      <a:headEnd type="none" w="med" len="med"/>
+                      <a:tailEnd type="none" w="med" len="med"/>
+                    </a:lnR>
+                    <a:lnT w="12700" cap="flat" cmpd="sng" algn="ctr">
+                      <a:solidFill>
+                        <a:schemeClr val="tx1"/>
+                      </a:solidFill>
+                      <a:prstDash val="solid"/>
+                      <a:round/>
+                      <a:headEnd type="none" w="med" len="med"/>
+                      <a:tailEnd type="none" w="med" len="med"/>
+                    </a:lnT>
+                    <a:lnB w="12700" cap="flat" cmpd="sng" algn="ctr">
+                      <a:solidFill>
+                        <a:schemeClr val="tx1"/>
+                      </a:solidFill>
+                      <a:prstDash val="solid"/>
+                      <a:round/>
+                      <a:headEnd type="none" w="med" len="med"/>
+                      <a:tailEnd type="none" w="med" len="med"/>
+                    </a:lnB>
+                    <a:lnTlToBr w="12700" cmpd="sng">
+                      <a:noFill/>
+                      <a:prstDash val="solid"/>
+                    </a:lnTlToBr>
+                    <a:lnBlToTr w="12700" cmpd="sng">
+                      <a:noFill/>
+                      <a:prstDash val="solid"/>
+                    </a:lnBlToTr>
+                    <a:solidFill>
+                      <a:schemeClr val="bg1">
+                        <a:lumMod val="85000"/>
+                      </a:schemeClr>
+                    </a:solidFill>
+                  </a:tcPr>
+                </a:tc>
+                <a:tc>
+                  <a:txBody>
+                    <a:bodyPr/>
+                    <a:lstStyle/>
+                    <a:p>
+                      <a:endParaRPr lang="en-US" sz="2600" cap="none" spc="0" dirty="0">
+                        <a:solidFill>
+                          <a:schemeClr val="tx1"/>
+                        </a:solidFill>
+                      </a:endParaRPr>
+                    </a:p>
+                  </a:txBody>
+                  <a:tcPr marL="222258" marR="165182" marT="170969" marB="170969">
+                    <a:lnL w="12700" cap="flat" cmpd="sng" algn="ctr">
+                      <a:solidFill>
+                        <a:schemeClr val="tx1"/>
+                      </a:solidFill>
+                      <a:prstDash val="solid"/>
+                      <a:round/>
+                      <a:headEnd type="none" w="med" len="med"/>
+                      <a:tailEnd type="none" w="med" len="med"/>
+                    </a:lnL>
+                    <a:lnR w="12700" cap="flat" cmpd="sng" algn="ctr">
+                      <a:solidFill>
+                        <a:schemeClr val="tx1"/>
+                      </a:solidFill>
+                      <a:prstDash val="solid"/>
+                      <a:round/>
+                      <a:headEnd type="none" w="med" len="med"/>
+                      <a:tailEnd type="none" w="med" len="med"/>
+                    </a:lnR>
+                    <a:lnT w="12700" cap="flat" cmpd="sng" algn="ctr">
+                      <a:solidFill>
+                        <a:schemeClr val="tx1"/>
+                      </a:solidFill>
+                      <a:prstDash val="solid"/>
+                      <a:round/>
+                      <a:headEnd type="none" w="med" len="med"/>
+                      <a:tailEnd type="none" w="med" len="med"/>
+                    </a:lnT>
+                    <a:lnB w="12700" cap="flat" cmpd="sng" algn="ctr">
+                      <a:solidFill>
+                        <a:schemeClr val="tx1"/>
+                      </a:solidFill>
+                      <a:prstDash val="solid"/>
+                      <a:round/>
+                      <a:headEnd type="none" w="med" len="med"/>
+                      <a:tailEnd type="none" w="med" len="med"/>
+                    </a:lnB>
+                    <a:lnTlToBr w="12700" cmpd="sng">
+                      <a:noFill/>
+                      <a:prstDash val="solid"/>
+                    </a:lnTlToBr>
+                    <a:lnBlToTr w="12700" cmpd="sng">
+                      <a:noFill/>
+                      <a:prstDash val="solid"/>
+                    </a:lnBlToTr>
+                    <a:solidFill>
+                      <a:schemeClr val="bg1">
+                        <a:lumMod val="85000"/>
+                      </a:schemeClr>
+                    </a:solidFill>
+                  </a:tcPr>
+                </a:tc>
+                <a:extLst>
+                  <a:ext uri="{0D108BD9-81ED-4DB2-BD59-A6C34878D82A}">
+                    <a16:rowId xmlns:a16="http://schemas.microsoft.com/office/drawing/2014/main" val="2818196496"/>
                   </a:ext>
                 </a:extLst>
               </a:tr>
@@ -9474,204 +17697,10 @@
           </a:graphicData>
         </a:graphic>
       </p:graphicFrame>
-      <p:sp>
-        <p:nvSpPr>
-          <p:cNvPr id="8" name="Content Placeholder 7">
-            <a:extLst>
-              <a:ext uri="{FF2B5EF4-FFF2-40B4-BE49-F238E27FC236}">
-                <a16:creationId xmlns:a16="http://schemas.microsoft.com/office/drawing/2014/main" id="{7102343E-2CAF-6744-B0C9-873D00542A5F}"/>
-              </a:ext>
-            </a:extLst>
-          </p:cNvPr>
-          <p:cNvSpPr>
-            <a:spLocks noGrp="1"/>
-          </p:cNvSpPr>
-          <p:nvPr>
-            <p:ph sz="half" idx="2"/>
-          </p:nvPr>
-        </p:nvSpPr>
-        <p:spPr/>
-        <p:txBody>
-          <a:bodyPr/>
-          <a:lstStyle/>
-          <a:p>
-            <a:r>
-              <a:rPr lang="en-US" dirty="0"/>
-              <a:t>BER vs. Mean Pulses Plot</a:t>
-            </a:r>
-          </a:p>
-        </p:txBody>
-      </p:sp>
     </p:spTree>
     <p:extLst>
       <p:ext uri="{BB962C8B-B14F-4D97-AF65-F5344CB8AC3E}">
-        <p14:creationId xmlns:p14="http://schemas.microsoft.com/office/powerpoint/2010/main" val="2254662136"/>
-      </p:ext>
-    </p:extLst>
-  </p:cSld>
-  <p:clrMapOvr>
-    <a:masterClrMapping/>
-  </p:clrMapOvr>
-</p:sld>
-</file>
-
-<file path=ppt/slides/slide8.xml><?xml version="1.0" encoding="utf-8"?>
-<p:sld xmlns:a="http://schemas.openxmlformats.org/drawingml/2006/main" xmlns:r="http://schemas.openxmlformats.org/officeDocument/2006/relationships" xmlns:p="http://schemas.openxmlformats.org/presentationml/2006/main">
-  <p:cSld>
-    <p:spTree>
-      <p:nvGrpSpPr>
-        <p:cNvPr id="1" name=""/>
-        <p:cNvGrpSpPr/>
-        <p:nvPr/>
-      </p:nvGrpSpPr>
-      <p:grpSpPr>
-        <a:xfrm>
-          <a:off x="0" y="0"/>
-          <a:ext cx="0" cy="0"/>
-          <a:chOff x="0" y="0"/>
-          <a:chExt cx="0" cy="0"/>
-        </a:xfrm>
-      </p:grpSpPr>
-      <p:sp>
-        <p:nvSpPr>
-          <p:cNvPr id="2" name="Title 1">
-            <a:extLst>
-              <a:ext uri="{FF2B5EF4-FFF2-40B4-BE49-F238E27FC236}">
-                <a16:creationId xmlns:a16="http://schemas.microsoft.com/office/drawing/2014/main" id="{7B9E2CFA-2B31-6A4B-B5A2-1B35805CAF24}"/>
-              </a:ext>
-            </a:extLst>
-          </p:cNvPr>
-          <p:cNvSpPr>
-            <a:spLocks noGrp="1"/>
-          </p:cNvSpPr>
-          <p:nvPr>
-            <p:ph type="title"/>
-          </p:nvPr>
-        </p:nvSpPr>
-        <p:spPr/>
-        <p:txBody>
-          <a:bodyPr/>
-          <a:lstStyle/>
-          <a:p>
-            <a:r>
-              <a:rPr lang="en-US" dirty="0"/>
-              <a:t>Retention distribution plot</a:t>
-            </a:r>
-          </a:p>
-        </p:txBody>
-      </p:sp>
-      <p:sp>
-        <p:nvSpPr>
-          <p:cNvPr id="3" name="Content Placeholder 2">
-            <a:extLst>
-              <a:ext uri="{FF2B5EF4-FFF2-40B4-BE49-F238E27FC236}">
-                <a16:creationId xmlns:a16="http://schemas.microsoft.com/office/drawing/2014/main" id="{6390FCED-5D18-1A45-B8BB-936DB4460A1F}"/>
-              </a:ext>
-            </a:extLst>
-          </p:cNvPr>
-          <p:cNvSpPr>
-            <a:spLocks noGrp="1"/>
-          </p:cNvSpPr>
-          <p:nvPr>
-            <p:ph idx="1"/>
-          </p:nvPr>
-        </p:nvSpPr>
-        <p:spPr/>
-        <p:txBody>
-          <a:bodyPr/>
-          <a:lstStyle/>
-          <a:p>
-            <a:endParaRPr lang="en-US"/>
-          </a:p>
-        </p:txBody>
-      </p:sp>
-    </p:spTree>
-    <p:extLst>
-      <p:ext uri="{BB962C8B-B14F-4D97-AF65-F5344CB8AC3E}">
-        <p14:creationId xmlns:p14="http://schemas.microsoft.com/office/powerpoint/2010/main" val="2797879788"/>
-      </p:ext>
-    </p:extLst>
-  </p:cSld>
-  <p:clrMapOvr>
-    <a:masterClrMapping/>
-  </p:clrMapOvr>
-</p:sld>
-</file>
-
-<file path=ppt/slides/slide9.xml><?xml version="1.0" encoding="utf-8"?>
-<p:sld xmlns:a="http://schemas.openxmlformats.org/drawingml/2006/main" xmlns:r="http://schemas.openxmlformats.org/officeDocument/2006/relationships" xmlns:p="http://schemas.openxmlformats.org/presentationml/2006/main">
-  <p:cSld>
-    <p:spTree>
-      <p:nvGrpSpPr>
-        <p:cNvPr id="1" name=""/>
-        <p:cNvGrpSpPr/>
-        <p:nvPr/>
-      </p:nvGrpSpPr>
-      <p:grpSpPr>
-        <a:xfrm>
-          <a:off x="0" y="0"/>
-          <a:ext cx="0" cy="0"/>
-          <a:chOff x="0" y="0"/>
-          <a:chExt cx="0" cy="0"/>
-        </a:xfrm>
-      </p:grpSpPr>
-      <p:sp>
-        <p:nvSpPr>
-          <p:cNvPr id="2" name="Title 1">
-            <a:extLst>
-              <a:ext uri="{FF2B5EF4-FFF2-40B4-BE49-F238E27FC236}">
-                <a16:creationId xmlns:a16="http://schemas.microsoft.com/office/drawing/2014/main" id="{67F017A3-29CD-954D-BFF9-0C2279F1BC5A}"/>
-              </a:ext>
-            </a:extLst>
-          </p:cNvPr>
-          <p:cNvSpPr>
-            <a:spLocks noGrp="1"/>
-          </p:cNvSpPr>
-          <p:nvPr>
-            <p:ph type="title"/>
-          </p:nvPr>
-        </p:nvSpPr>
-        <p:spPr/>
-        <p:txBody>
-          <a:bodyPr/>
-          <a:lstStyle/>
-          <a:p>
-            <a:r>
-              <a:rPr lang="en-US" dirty="0"/>
-              <a:t>Retention BER plot</a:t>
-            </a:r>
-          </a:p>
-        </p:txBody>
-      </p:sp>
-      <p:sp>
-        <p:nvSpPr>
-          <p:cNvPr id="3" name="Content Placeholder 2">
-            <a:extLst>
-              <a:ext uri="{FF2B5EF4-FFF2-40B4-BE49-F238E27FC236}">
-                <a16:creationId xmlns:a16="http://schemas.microsoft.com/office/drawing/2014/main" id="{935900F6-FD30-BF44-ACE5-AAA90F8A6F71}"/>
-              </a:ext>
-            </a:extLst>
-          </p:cNvPr>
-          <p:cNvSpPr>
-            <a:spLocks noGrp="1"/>
-          </p:cNvSpPr>
-          <p:nvPr>
-            <p:ph idx="1"/>
-          </p:nvPr>
-        </p:nvSpPr>
-        <p:spPr/>
-        <p:txBody>
-          <a:bodyPr/>
-          <a:lstStyle/>
-          <a:p>
-            <a:endParaRPr lang="en-US"/>
-          </a:p>
-        </p:txBody>
-      </p:sp>
-    </p:spTree>
-    <p:extLst>
-      <p:ext uri="{BB962C8B-B14F-4D97-AF65-F5344CB8AC3E}">
-        <p14:creationId xmlns:p14="http://schemas.microsoft.com/office/powerpoint/2010/main" val="2526247354"/>
+        <p14:creationId xmlns:p14="http://schemas.microsoft.com/office/powerpoint/2010/main" val="2891184337"/>
       </p:ext>
     </p:extLst>
   </p:cSld>
@@ -9974,4 +18003,299 @@
     </a:ext>
   </a:extLst>
 </a:theme>
+</file>
+
+<file path=ppt/theme/theme2.xml><?xml version="1.0" encoding="utf-8"?>
+<a:theme xmlns:a="http://schemas.openxmlformats.org/drawingml/2006/main" name="Office Theme">
+  <a:themeElements>
+    <a:clrScheme name="Office">
+      <a:dk1>
+        <a:sysClr val="windowText" lastClr="000000"/>
+      </a:dk1>
+      <a:lt1>
+        <a:sysClr val="window" lastClr="FFFFFF"/>
+      </a:lt1>
+      <a:dk2>
+        <a:srgbClr val="44546A"/>
+      </a:dk2>
+      <a:lt2>
+        <a:srgbClr val="E7E6E6"/>
+      </a:lt2>
+      <a:accent1>
+        <a:srgbClr val="4472C4"/>
+      </a:accent1>
+      <a:accent2>
+        <a:srgbClr val="ED7D31"/>
+      </a:accent2>
+      <a:accent3>
+        <a:srgbClr val="A5A5A5"/>
+      </a:accent3>
+      <a:accent4>
+        <a:srgbClr val="FFC000"/>
+      </a:accent4>
+      <a:accent5>
+        <a:srgbClr val="5B9BD5"/>
+      </a:accent5>
+      <a:accent6>
+        <a:srgbClr val="70AD47"/>
+      </a:accent6>
+      <a:hlink>
+        <a:srgbClr val="0563C1"/>
+      </a:hlink>
+      <a:folHlink>
+        <a:srgbClr val="954F72"/>
+      </a:folHlink>
+    </a:clrScheme>
+    <a:fontScheme name="Office">
+      <a:majorFont>
+        <a:latin typeface="Calibri Light" panose="020F0302020204030204"/>
+        <a:ea typeface=""/>
+        <a:cs typeface=""/>
+        <a:font script="Jpan" typeface="游ゴシック Light"/>
+        <a:font script="Hang" typeface="맑은 고딕"/>
+        <a:font script="Hans" typeface="等线 Light"/>
+        <a:font script="Hant" typeface="新細明體"/>
+        <a:font script="Arab" typeface="Times New Roman"/>
+        <a:font script="Hebr" typeface="Times New Roman"/>
+        <a:font script="Thai" typeface="Angsana New"/>
+        <a:font script="Ethi" typeface="Nyala"/>
+        <a:font script="Beng" typeface="Vrinda"/>
+        <a:font script="Gujr" typeface="Shruti"/>
+        <a:font script="Khmr" typeface="MoolBoran"/>
+        <a:font script="Knda" typeface="Tunga"/>
+        <a:font script="Guru" typeface="Raavi"/>
+        <a:font script="Cans" typeface="Euphemia"/>
+        <a:font script="Cher" typeface="Plantagenet Cherokee"/>
+        <a:font script="Yiii" typeface="Microsoft Yi Baiti"/>
+        <a:font script="Tibt" typeface="Microsoft Himalaya"/>
+        <a:font script="Thaa" typeface="MV Boli"/>
+        <a:font script="Deva" typeface="Mangal"/>
+        <a:font script="Telu" typeface="Gautami"/>
+        <a:font script="Taml" typeface="Latha"/>
+        <a:font script="Syrc" typeface="Estrangelo Edessa"/>
+        <a:font script="Orya" typeface="Kalinga"/>
+        <a:font script="Mlym" typeface="Kartika"/>
+        <a:font script="Laoo" typeface="DokChampa"/>
+        <a:font script="Sinh" typeface="Iskoola Pota"/>
+        <a:font script="Mong" typeface="Mongolian Baiti"/>
+        <a:font script="Viet" typeface="Times New Roman"/>
+        <a:font script="Uigh" typeface="Microsoft Uighur"/>
+        <a:font script="Geor" typeface="Sylfaen"/>
+        <a:font script="Armn" typeface="Arial"/>
+        <a:font script="Bugi" typeface="Leelawadee UI"/>
+        <a:font script="Bopo" typeface="Microsoft JhengHei"/>
+        <a:font script="Java" typeface="Javanese Text"/>
+        <a:font script="Lisu" typeface="Segoe UI"/>
+        <a:font script="Mymr" typeface="Myanmar Text"/>
+        <a:font script="Nkoo" typeface="Ebrima"/>
+        <a:font script="Olck" typeface="Nirmala UI"/>
+        <a:font script="Osma" typeface="Ebrima"/>
+        <a:font script="Phag" typeface="Phagspa"/>
+        <a:font script="Syrn" typeface="Estrangelo Edessa"/>
+        <a:font script="Syrj" typeface="Estrangelo Edessa"/>
+        <a:font script="Syre" typeface="Estrangelo Edessa"/>
+        <a:font script="Sora" typeface="Nirmala UI"/>
+        <a:font script="Tale" typeface="Microsoft Tai Le"/>
+        <a:font script="Talu" typeface="Microsoft New Tai Lue"/>
+        <a:font script="Tfng" typeface="Ebrima"/>
+      </a:majorFont>
+      <a:minorFont>
+        <a:latin typeface="Calibri" panose="020F0502020204030204"/>
+        <a:ea typeface=""/>
+        <a:cs typeface=""/>
+        <a:font script="Jpan" typeface="游ゴシック"/>
+        <a:font script="Hang" typeface="맑은 고딕"/>
+        <a:font script="Hans" typeface="等线"/>
+        <a:font script="Hant" typeface="新細明體"/>
+        <a:font script="Arab" typeface="Arial"/>
+        <a:font script="Hebr" typeface="Arial"/>
+        <a:font script="Thai" typeface="Cordia New"/>
+        <a:font script="Ethi" typeface="Nyala"/>
+        <a:font script="Beng" typeface="Vrinda"/>
+        <a:font script="Gujr" typeface="Shruti"/>
+        <a:font script="Khmr" typeface="DaunPenh"/>
+        <a:font script="Knda" typeface="Tunga"/>
+        <a:font script="Guru" typeface="Raavi"/>
+        <a:font script="Cans" typeface="Euphemia"/>
+        <a:font script="Cher" typeface="Plantagenet Cherokee"/>
+        <a:font script="Yiii" typeface="Microsoft Yi Baiti"/>
+        <a:font script="Tibt" typeface="Microsoft Himalaya"/>
+        <a:font script="Thaa" typeface="MV Boli"/>
+        <a:font script="Deva" typeface="Mangal"/>
+        <a:font script="Telu" typeface="Gautami"/>
+        <a:font script="Taml" typeface="Latha"/>
+        <a:font script="Syrc" typeface="Estrangelo Edessa"/>
+        <a:font script="Orya" typeface="Kalinga"/>
+        <a:font script="Mlym" typeface="Kartika"/>
+        <a:font script="Laoo" typeface="DokChampa"/>
+        <a:font script="Sinh" typeface="Iskoola Pota"/>
+        <a:font script="Mong" typeface="Mongolian Baiti"/>
+        <a:font script="Viet" typeface="Arial"/>
+        <a:font script="Uigh" typeface="Microsoft Uighur"/>
+        <a:font script="Geor" typeface="Sylfaen"/>
+        <a:font script="Armn" typeface="Arial"/>
+        <a:font script="Bugi" typeface="Leelawadee UI"/>
+        <a:font script="Bopo" typeface="Microsoft JhengHei"/>
+        <a:font script="Java" typeface="Javanese Text"/>
+        <a:font script="Lisu" typeface="Segoe UI"/>
+        <a:font script="Mymr" typeface="Myanmar Text"/>
+        <a:font script="Nkoo" typeface="Ebrima"/>
+        <a:font script="Olck" typeface="Nirmala UI"/>
+        <a:font script="Osma" typeface="Ebrima"/>
+        <a:font script="Phag" typeface="Phagspa"/>
+        <a:font script="Syrn" typeface="Estrangelo Edessa"/>
+        <a:font script="Syrj" typeface="Estrangelo Edessa"/>
+        <a:font script="Syre" typeface="Estrangelo Edessa"/>
+        <a:font script="Sora" typeface="Nirmala UI"/>
+        <a:font script="Tale" typeface="Microsoft Tai Le"/>
+        <a:font script="Talu" typeface="Microsoft New Tai Lue"/>
+        <a:font script="Tfng" typeface="Ebrima"/>
+      </a:minorFont>
+    </a:fontScheme>
+    <a:fmtScheme name="Office">
+      <a:fillStyleLst>
+        <a:solidFill>
+          <a:schemeClr val="phClr"/>
+        </a:solidFill>
+        <a:gradFill rotWithShape="1">
+          <a:gsLst>
+            <a:gs pos="0">
+              <a:schemeClr val="phClr">
+                <a:lumMod val="110000"/>
+                <a:satMod val="105000"/>
+                <a:tint val="67000"/>
+              </a:schemeClr>
+            </a:gs>
+            <a:gs pos="50000">
+              <a:schemeClr val="phClr">
+                <a:lumMod val="105000"/>
+                <a:satMod val="103000"/>
+                <a:tint val="73000"/>
+              </a:schemeClr>
+            </a:gs>
+            <a:gs pos="100000">
+              <a:schemeClr val="phClr">
+                <a:lumMod val="105000"/>
+                <a:satMod val="109000"/>
+                <a:tint val="81000"/>
+              </a:schemeClr>
+            </a:gs>
+          </a:gsLst>
+          <a:lin ang="5400000" scaled="0"/>
+        </a:gradFill>
+        <a:gradFill rotWithShape="1">
+          <a:gsLst>
+            <a:gs pos="0">
+              <a:schemeClr val="phClr">
+                <a:satMod val="103000"/>
+                <a:lumMod val="102000"/>
+                <a:tint val="94000"/>
+              </a:schemeClr>
+            </a:gs>
+            <a:gs pos="50000">
+              <a:schemeClr val="phClr">
+                <a:satMod val="110000"/>
+                <a:lumMod val="100000"/>
+                <a:shade val="100000"/>
+              </a:schemeClr>
+            </a:gs>
+            <a:gs pos="100000">
+              <a:schemeClr val="phClr">
+                <a:lumMod val="99000"/>
+                <a:satMod val="120000"/>
+                <a:shade val="78000"/>
+              </a:schemeClr>
+            </a:gs>
+          </a:gsLst>
+          <a:lin ang="5400000" scaled="0"/>
+        </a:gradFill>
+      </a:fillStyleLst>
+      <a:lnStyleLst>
+        <a:ln w="6350" cap="flat" cmpd="sng" algn="ctr">
+          <a:solidFill>
+            <a:schemeClr val="phClr"/>
+          </a:solidFill>
+          <a:prstDash val="solid"/>
+          <a:miter lim="800000"/>
+        </a:ln>
+        <a:ln w="12700" cap="flat" cmpd="sng" algn="ctr">
+          <a:solidFill>
+            <a:schemeClr val="phClr"/>
+          </a:solidFill>
+          <a:prstDash val="solid"/>
+          <a:miter lim="800000"/>
+        </a:ln>
+        <a:ln w="19050" cap="flat" cmpd="sng" algn="ctr">
+          <a:solidFill>
+            <a:schemeClr val="phClr"/>
+          </a:solidFill>
+          <a:prstDash val="solid"/>
+          <a:miter lim="800000"/>
+        </a:ln>
+      </a:lnStyleLst>
+      <a:effectStyleLst>
+        <a:effectStyle>
+          <a:effectLst/>
+        </a:effectStyle>
+        <a:effectStyle>
+          <a:effectLst/>
+        </a:effectStyle>
+        <a:effectStyle>
+          <a:effectLst>
+            <a:outerShdw blurRad="57150" dist="19050" dir="5400000" algn="ctr" rotWithShape="0">
+              <a:srgbClr val="000000">
+                <a:alpha val="63000"/>
+              </a:srgbClr>
+            </a:outerShdw>
+          </a:effectLst>
+        </a:effectStyle>
+      </a:effectStyleLst>
+      <a:bgFillStyleLst>
+        <a:solidFill>
+          <a:schemeClr val="phClr"/>
+        </a:solidFill>
+        <a:solidFill>
+          <a:schemeClr val="phClr">
+            <a:tint val="95000"/>
+            <a:satMod val="170000"/>
+          </a:schemeClr>
+        </a:solidFill>
+        <a:gradFill rotWithShape="1">
+          <a:gsLst>
+            <a:gs pos="0">
+              <a:schemeClr val="phClr">
+                <a:tint val="93000"/>
+                <a:satMod val="150000"/>
+                <a:shade val="98000"/>
+                <a:lumMod val="102000"/>
+              </a:schemeClr>
+            </a:gs>
+            <a:gs pos="50000">
+              <a:schemeClr val="phClr">
+                <a:tint val="98000"/>
+                <a:satMod val="130000"/>
+                <a:shade val="90000"/>
+                <a:lumMod val="103000"/>
+              </a:schemeClr>
+            </a:gs>
+            <a:gs pos="100000">
+              <a:schemeClr val="phClr">
+                <a:shade val="63000"/>
+                <a:satMod val="120000"/>
+              </a:schemeClr>
+            </a:gs>
+          </a:gsLst>
+          <a:lin ang="5400000" scaled="0"/>
+        </a:gradFill>
+      </a:bgFillStyleLst>
+    </a:fmtScheme>
+  </a:themeElements>
+  <a:objectDefaults/>
+  <a:extraClrSchemeLst/>
+  <a:extLst>
+    <a:ext uri="{05A4C25C-085E-4340-85A3-A5531E510DB2}">
+      <thm15:themeFamily xmlns:thm15="http://schemas.microsoft.com/office/thememl/2012/main" name="Office Theme" id="{62F939B6-93AF-4DB8-9C6B-D6C7DFDC589F}" vid="{4A3C46E8-61CC-4603-A589-7422A47A8E4A}"/>
+    </a:ext>
+  </a:extLst>
+</a:theme>
 </file>
--- a/presentations/7-18-20.pptx
+++ b/presentations/7-18-20.pptx
@@ -129,7 +129,7 @@
 <file path=ppt/revisionInfo.xml><?xml version="1.0" encoding="utf-8"?>
 <p1510:revInfo xmlns:a="http://schemas.openxmlformats.org/drawingml/2006/main" xmlns:r="http://schemas.openxmlformats.org/officeDocument/2006/relationships" xmlns:p1510="http://schemas.microsoft.com/office/powerpoint/2015/10/main">
   <p1510:revLst>
-    <p1510:client id="{615F8C4F-5DDB-C146-AD2D-80AE6169014A}" v="97" dt="2020-07-24T16:22:14.177"/>
+    <p1510:client id="{615F8C4F-5DDB-C146-AD2D-80AE6169014A}" v="98" dt="2020-07-24T18:56:07.573"/>
   </p1510:revLst>
 </p1510:revInfo>
 </file>
@@ -139,7 +139,7 @@
   <pc:docChgLst>
     <pc:chgData name="Akash Levy" userId="0f662538-7453-45f3-952a-fc9f1a7c515e" providerId="ADAL" clId="{615F8C4F-5DDB-C146-AD2D-80AE6169014A}"/>
     <pc:docChg chg="undo redo custSel mod addSld delSld modSld sldOrd">
-      <pc:chgData name="Akash Levy" userId="0f662538-7453-45f3-952a-fc9f1a7c515e" providerId="ADAL" clId="{615F8C4F-5DDB-C146-AD2D-80AE6169014A}" dt="2020-07-24T16:22:26.625" v="2787" actId="2696"/>
+      <pc:chgData name="Akash Levy" userId="0f662538-7453-45f3-952a-fc9f1a7c515e" providerId="ADAL" clId="{615F8C4F-5DDB-C146-AD2D-80AE6169014A}" dt="2020-07-25T05:21:35.284" v="2790" actId="1076"/>
       <pc:docMkLst>
         <pc:docMk/>
       </pc:docMkLst>
@@ -730,7 +730,7 @@
         </pc:picChg>
       </pc:sldChg>
       <pc:sldChg chg="addSp delSp modSp add mod setBg modClrScheme chgLayout">
-        <pc:chgData name="Akash Levy" userId="0f662538-7453-45f3-952a-fc9f1a7c515e" providerId="ADAL" clId="{615F8C4F-5DDB-C146-AD2D-80AE6169014A}" dt="2020-07-24T16:20:35.328" v="2763" actId="20577"/>
+        <pc:chgData name="Akash Levy" userId="0f662538-7453-45f3-952a-fc9f1a7c515e" providerId="ADAL" clId="{615F8C4F-5DDB-C146-AD2D-80AE6169014A}" dt="2020-07-25T05:21:35.284" v="2790" actId="1076"/>
         <pc:sldMkLst>
           <pc:docMk/>
           <pc:sldMk cId="2254662136" sldId="262"/>
@@ -824,7 +824,7 @@
           </ac:graphicFrameMkLst>
         </pc:graphicFrameChg>
         <pc:picChg chg="add mod ord">
-          <ac:chgData name="Akash Levy" userId="0f662538-7453-45f3-952a-fc9f1a7c515e" providerId="ADAL" clId="{615F8C4F-5DDB-C146-AD2D-80AE6169014A}" dt="2020-07-21T02:39:46.470" v="1794" actId="14826"/>
+          <ac:chgData name="Akash Levy" userId="0f662538-7453-45f3-952a-fc9f1a7c515e" providerId="ADAL" clId="{615F8C4F-5DDB-C146-AD2D-80AE6169014A}" dt="2020-07-25T05:21:35.284" v="2790" actId="1076"/>
           <ac:picMkLst>
             <pc:docMk/>
             <pc:sldMk cId="2254662136" sldId="262"/>
@@ -2244,6 +2244,13 @@
             <ac:spMk id="3" creationId="{3B94A307-89B7-A843-B5DD-76DC70E2A558}"/>
           </ac:spMkLst>
         </pc:spChg>
+      </pc:sldChg>
+      <pc:sldChg chg="add del">
+        <pc:chgData name="Akash Levy" userId="0f662538-7453-45f3-952a-fc9f1a7c515e" providerId="ADAL" clId="{615F8C4F-5DDB-C146-AD2D-80AE6169014A}" dt="2020-07-24T18:56:16.930" v="2789" actId="2696"/>
+        <pc:sldMkLst>
+          <pc:docMk/>
+          <pc:sldMk cId="1881273916" sldId="272"/>
+        </pc:sldMkLst>
       </pc:sldChg>
     </pc:docChg>
   </pc:docChgLst>
@@ -7012,6 +7019,90 @@
 </p:notes>
 </file>
 
+<file path=ppt/notesSlides/notesSlide5.xml><?xml version="1.0" encoding="utf-8"?>
+<p:notes xmlns:a="http://schemas.openxmlformats.org/drawingml/2006/main" xmlns:r="http://schemas.openxmlformats.org/officeDocument/2006/relationships" xmlns:p="http://schemas.openxmlformats.org/presentationml/2006/main">
+  <p:cSld>
+    <p:spTree>
+      <p:nvGrpSpPr>
+        <p:cNvPr id="1" name=""/>
+        <p:cNvGrpSpPr/>
+        <p:nvPr/>
+      </p:nvGrpSpPr>
+      <p:grpSpPr>
+        <a:xfrm>
+          <a:off x="0" y="0"/>
+          <a:ext cx="0" cy="0"/>
+          <a:chOff x="0" y="0"/>
+          <a:chExt cx="0" cy="0"/>
+        </a:xfrm>
+      </p:grpSpPr>
+      <p:sp>
+        <p:nvSpPr>
+          <p:cNvPr id="2" name="Slide Image Placeholder 1"/>
+          <p:cNvSpPr>
+            <a:spLocks noGrp="1" noRot="1" noChangeAspect="1"/>
+          </p:cNvSpPr>
+          <p:nvPr>
+            <p:ph type="sldImg"/>
+          </p:nvPr>
+        </p:nvSpPr>
+        <p:spPr/>
+      </p:sp>
+      <p:sp>
+        <p:nvSpPr>
+          <p:cNvPr id="3" name="Notes Placeholder 2"/>
+          <p:cNvSpPr>
+            <a:spLocks noGrp="1"/>
+          </p:cNvSpPr>
+          <p:nvPr>
+            <p:ph type="body" idx="1"/>
+          </p:nvPr>
+        </p:nvSpPr>
+        <p:spPr/>
+        <p:txBody>
+          <a:bodyPr/>
+          <a:lstStyle/>
+          <a:p>
+            <a:endParaRPr lang="en-US" dirty="0"/>
+          </a:p>
+        </p:txBody>
+      </p:sp>
+      <p:sp>
+        <p:nvSpPr>
+          <p:cNvPr id="4" name="Slide Number Placeholder 3"/>
+          <p:cNvSpPr>
+            <a:spLocks noGrp="1"/>
+          </p:cNvSpPr>
+          <p:nvPr>
+            <p:ph type="sldNum" sz="quarter" idx="5"/>
+          </p:nvPr>
+        </p:nvSpPr>
+        <p:spPr/>
+        <p:txBody>
+          <a:bodyPr/>
+          <a:lstStyle/>
+          <a:p>
+            <a:fld id="{C6F3DA7C-EC83-4247-A7C9-512D14D879DF}" type="slidenum">
+              <a:rPr lang="en-US" smtClean="0"/>
+              <a:t>12</a:t>
+            </a:fld>
+            <a:endParaRPr lang="en-US"/>
+          </a:p>
+        </p:txBody>
+      </p:sp>
+    </p:spTree>
+    <p:extLst>
+      <p:ext uri="{BB962C8B-B14F-4D97-AF65-F5344CB8AC3E}">
+        <p14:creationId xmlns:p14="http://schemas.microsoft.com/office/powerpoint/2010/main" val="605496204"/>
+      </p:ext>
+    </p:extLst>
+  </p:cSld>
+  <p:clrMapOvr>
+    <a:masterClrMapping/>
+  </p:clrMapOvr>
+</p:notes>
+</file>
+
 <file path=ppt/slideLayouts/slideLayout1.xml><?xml version="1.0" encoding="utf-8"?>
 <p:sldLayout xmlns:a="http://schemas.openxmlformats.org/drawingml/2006/main" xmlns:r="http://schemas.openxmlformats.org/officeDocument/2006/relationships" xmlns:p="http://schemas.openxmlformats.org/presentationml/2006/main" type="title" preserve="1">
   <p:cSld name="Title Slide">
@@ -13582,7 +13673,7 @@
           </p:nvPr>
         </p:nvPicPr>
         <p:blipFill>
-          <a:blip r:embed="rId2"/>
+          <a:blip r:embed="rId3"/>
           <a:stretch>
             <a:fillRect/>
           </a:stretch>
@@ -15752,7 +15843,7 @@
         </p:blipFill>
         <p:spPr>
           <a:xfrm>
-            <a:off x="4345375" y="961812"/>
+            <a:off x="4664352" y="963507"/>
             <a:ext cx="6574649" cy="4930986"/>
           </a:xfrm>
           <a:prstGeom prst="rect">

--- a/presentations/7-18-20.pptx
+++ b/presentations/7-18-20.pptx
@@ -5,7 +5,7 @@
     <p:sldMasterId id="2147483648" r:id="rId1"/>
   </p:sldMasterIdLst>
   <p:notesMasterIdLst>
-    <p:notesMasterId r:id="rId14"/>
+    <p:notesMasterId r:id="rId22"/>
   </p:notesMasterIdLst>
   <p:sldIdLst>
     <p:sldId id="256" r:id="rId2"/>
@@ -16,10 +16,18 @@
     <p:sldId id="266" r:id="rId7"/>
     <p:sldId id="261" r:id="rId8"/>
     <p:sldId id="262" r:id="rId9"/>
-    <p:sldId id="269" r:id="rId10"/>
-    <p:sldId id="270" r:id="rId11"/>
-    <p:sldId id="268" r:id="rId12"/>
-    <p:sldId id="264" r:id="rId13"/>
+    <p:sldId id="275" r:id="rId10"/>
+    <p:sldId id="273" r:id="rId11"/>
+    <p:sldId id="274" r:id="rId12"/>
+    <p:sldId id="269" r:id="rId13"/>
+    <p:sldId id="270" r:id="rId14"/>
+    <p:sldId id="278" r:id="rId15"/>
+    <p:sldId id="279" r:id="rId16"/>
+    <p:sldId id="268" r:id="rId17"/>
+    <p:sldId id="264" r:id="rId18"/>
+    <p:sldId id="277" r:id="rId19"/>
+    <p:sldId id="272" r:id="rId20"/>
+    <p:sldId id="276" r:id="rId21"/>
   </p:sldIdLst>
   <p:sldSz cx="12192000" cy="6858000"/>
   <p:notesSz cx="6858000" cy="9144000"/>
@@ -129,7 +137,7 @@
 <file path=ppt/revisionInfo.xml><?xml version="1.0" encoding="utf-8"?>
 <p1510:revInfo xmlns:a="http://schemas.openxmlformats.org/drawingml/2006/main" xmlns:r="http://schemas.openxmlformats.org/officeDocument/2006/relationships" xmlns:p1510="http://schemas.microsoft.com/office/powerpoint/2015/10/main">
   <p1510:revLst>
-    <p1510:client id="{615F8C4F-5DDB-C146-AD2D-80AE6169014A}" v="98" dt="2020-07-24T18:56:07.573"/>
+    <p1510:client id="{615F8C4F-5DDB-C146-AD2D-80AE6169014A}" v="174" dt="2020-07-30T00:43:33.945"/>
   </p1510:revLst>
 </p1510:revInfo>
 </file>
@@ -139,7 +147,7 @@
   <pc:docChgLst>
     <pc:chgData name="Akash Levy" userId="0f662538-7453-45f3-952a-fc9f1a7c515e" providerId="ADAL" clId="{615F8C4F-5DDB-C146-AD2D-80AE6169014A}"/>
     <pc:docChg chg="undo redo custSel mod addSld delSld modSld sldOrd">
-      <pc:chgData name="Akash Levy" userId="0f662538-7453-45f3-952a-fc9f1a7c515e" providerId="ADAL" clId="{615F8C4F-5DDB-C146-AD2D-80AE6169014A}" dt="2020-07-25T05:21:35.284" v="2790" actId="1076"/>
+      <pc:chgData name="Akash Levy" userId="0f662538-7453-45f3-952a-fc9f1a7c515e" providerId="ADAL" clId="{615F8C4F-5DDB-C146-AD2D-80AE6169014A}" dt="2020-07-30T00:43:45.198" v="3843" actId="20577"/>
       <pc:docMkLst>
         <pc:docMk/>
       </pc:docMkLst>
@@ -730,7 +738,7 @@
         </pc:picChg>
       </pc:sldChg>
       <pc:sldChg chg="addSp delSp modSp add mod setBg modClrScheme chgLayout">
-        <pc:chgData name="Akash Levy" userId="0f662538-7453-45f3-952a-fc9f1a7c515e" providerId="ADAL" clId="{615F8C4F-5DDB-C146-AD2D-80AE6169014A}" dt="2020-07-25T05:21:35.284" v="2790" actId="1076"/>
+        <pc:chgData name="Akash Levy" userId="0f662538-7453-45f3-952a-fc9f1a7c515e" providerId="ADAL" clId="{615F8C4F-5DDB-C146-AD2D-80AE6169014A}" dt="2020-07-30T00:11:53.921" v="3551" actId="14826"/>
         <pc:sldMkLst>
           <pc:docMk/>
           <pc:sldMk cId="2254662136" sldId="262"/>
@@ -824,7 +832,7 @@
           </ac:graphicFrameMkLst>
         </pc:graphicFrameChg>
         <pc:picChg chg="add mod ord">
-          <ac:chgData name="Akash Levy" userId="0f662538-7453-45f3-952a-fc9f1a7c515e" providerId="ADAL" clId="{615F8C4F-5DDB-C146-AD2D-80AE6169014A}" dt="2020-07-25T05:21:35.284" v="2790" actId="1076"/>
+          <ac:chgData name="Akash Levy" userId="0f662538-7453-45f3-952a-fc9f1a7c515e" providerId="ADAL" clId="{615F8C4F-5DDB-C146-AD2D-80AE6169014A}" dt="2020-07-30T00:11:53.921" v="3551" actId="14826"/>
           <ac:picMkLst>
             <pc:docMk/>
             <pc:sldMk cId="2254662136" sldId="262"/>
@@ -1184,13 +1192,13 @@
         </pc:cxnChg>
       </pc:sldChg>
       <pc:sldChg chg="addSp delSp modSp add mod setBg">
-        <pc:chgData name="Akash Levy" userId="0f662538-7453-45f3-952a-fc9f1a7c515e" providerId="ADAL" clId="{615F8C4F-5DDB-C146-AD2D-80AE6169014A}" dt="2020-07-24T16:04:21.606" v="2664" actId="26606"/>
+        <pc:chgData name="Akash Levy" userId="0f662538-7453-45f3-952a-fc9f1a7c515e" providerId="ADAL" clId="{615F8C4F-5DDB-C146-AD2D-80AE6169014A}" dt="2020-07-30T00:02:35.950" v="3546" actId="20577"/>
         <pc:sldMkLst>
           <pc:docMk/>
           <pc:sldMk cId="2526247354" sldId="264"/>
         </pc:sldMkLst>
         <pc:spChg chg="mod">
-          <ac:chgData name="Akash Levy" userId="0f662538-7453-45f3-952a-fc9f1a7c515e" providerId="ADAL" clId="{615F8C4F-5DDB-C146-AD2D-80AE6169014A}" dt="2020-07-24T16:04:21.606" v="2664" actId="26606"/>
+          <ac:chgData name="Akash Levy" userId="0f662538-7453-45f3-952a-fc9f1a7c515e" providerId="ADAL" clId="{615F8C4F-5DDB-C146-AD2D-80AE6169014A}" dt="2020-07-30T00:02:35.950" v="3546" actId="20577"/>
           <ac:spMkLst>
             <pc:docMk/>
             <pc:sldMk cId="2526247354" sldId="264"/>
@@ -1737,7 +1745,7 @@
         </pc:cxnChg>
       </pc:sldChg>
       <pc:sldChg chg="addSp delSp modSp add mod">
-        <pc:chgData name="Akash Levy" userId="0f662538-7453-45f3-952a-fc9f1a7c515e" providerId="ADAL" clId="{615F8C4F-5DDB-C146-AD2D-80AE6169014A}" dt="2020-07-24T16:21:53.831" v="2785"/>
+        <pc:chgData name="Akash Levy" userId="0f662538-7453-45f3-952a-fc9f1a7c515e" providerId="ADAL" clId="{615F8C4F-5DDB-C146-AD2D-80AE6169014A}" dt="2020-07-30T00:41:38.924" v="3786" actId="207"/>
         <pc:sldMkLst>
           <pc:docMk/>
           <pc:sldMk cId="2891184337" sldId="269"/>
@@ -2071,7 +2079,7 @@
           </ac:graphicFrameMkLst>
         </pc:graphicFrameChg>
         <pc:graphicFrameChg chg="add mod modGraphic">
-          <ac:chgData name="Akash Levy" userId="0f662538-7453-45f3-952a-fc9f1a7c515e" providerId="ADAL" clId="{615F8C4F-5DDB-C146-AD2D-80AE6169014A}" dt="2020-07-24T16:21:53.831" v="2785"/>
+          <ac:chgData name="Akash Levy" userId="0f662538-7453-45f3-952a-fc9f1a7c515e" providerId="ADAL" clId="{615F8C4F-5DDB-C146-AD2D-80AE6169014A}" dt="2020-07-30T00:41:38.924" v="3786" actId="207"/>
           <ac:graphicFrameMkLst>
             <pc:docMk/>
             <pc:sldMk cId="2891184337" sldId="269"/>
@@ -2088,7 +2096,7 @@
         </pc:picChg>
       </pc:sldChg>
       <pc:sldChg chg="addSp delSp modSp add mod setBg">
-        <pc:chgData name="Akash Levy" userId="0f662538-7453-45f3-952a-fc9f1a7c515e" providerId="ADAL" clId="{615F8C4F-5DDB-C146-AD2D-80AE6169014A}" dt="2020-07-24T16:22:14.176" v="2786"/>
+        <pc:chgData name="Akash Levy" userId="0f662538-7453-45f3-952a-fc9f1a7c515e" providerId="ADAL" clId="{615F8C4F-5DDB-C146-AD2D-80AE6169014A}" dt="2020-07-30T00:13:08.015" v="3566"/>
         <pc:sldMkLst>
           <pc:docMk/>
           <pc:sldMk cId="3533247881" sldId="270"/>
@@ -2109,6 +2117,14 @@
             <ac:spMk id="3" creationId="{883B3AF1-B6F1-284E-9008-F475198C05FF}"/>
           </ac:spMkLst>
         </pc:spChg>
+        <pc:spChg chg="add del mod">
+          <ac:chgData name="Akash Levy" userId="0f662538-7453-45f3-952a-fc9f1a7c515e" providerId="ADAL" clId="{615F8C4F-5DDB-C146-AD2D-80AE6169014A}" dt="2020-07-30T00:13:08.015" v="3566"/>
+          <ac:spMkLst>
+            <pc:docMk/>
+            <pc:sldMk cId="3533247881" sldId="270"/>
+            <ac:spMk id="3" creationId="{DD21E074-B383-F041-95BD-5F6B7F501168}"/>
+          </ac:spMkLst>
+        </pc:spChg>
         <pc:spChg chg="add del">
           <ac:chgData name="Akash Levy" userId="0f662538-7453-45f3-952a-fc9f1a7c515e" providerId="ADAL" clId="{615F8C4F-5DDB-C146-AD2D-80AE6169014A}" dt="2020-07-20T14:59:04.409" v="1772" actId="26606"/>
           <ac:spMkLst>
@@ -2222,14 +2238,14 @@
           </ac:picMkLst>
         </pc:picChg>
       </pc:sldChg>
-      <pc:sldChg chg="modSp add mod">
-        <pc:chgData name="Akash Levy" userId="0f662538-7453-45f3-952a-fc9f1a7c515e" providerId="ADAL" clId="{615F8C4F-5DDB-C146-AD2D-80AE6169014A}" dt="2020-07-24T16:19:18.868" v="2728"/>
+      <pc:sldChg chg="addSp modSp add mod setBg setClrOvrMap">
+        <pc:chgData name="Akash Levy" userId="0f662538-7453-45f3-952a-fc9f1a7c515e" providerId="ADAL" clId="{615F8C4F-5DDB-C146-AD2D-80AE6169014A}" dt="2020-07-29T22:27:16.871" v="2968" actId="6549"/>
         <pc:sldMkLst>
           <pc:docMk/>
           <pc:sldMk cId="3025206054" sldId="271"/>
         </pc:sldMkLst>
         <pc:spChg chg="mod">
-          <ac:chgData name="Akash Levy" userId="0f662538-7453-45f3-952a-fc9f1a7c515e" providerId="ADAL" clId="{615F8C4F-5DDB-C146-AD2D-80AE6169014A}" dt="2020-07-24T09:19:52.081" v="1983" actId="20577"/>
+          <ac:chgData name="Akash Levy" userId="0f662538-7453-45f3-952a-fc9f1a7c515e" providerId="ADAL" clId="{615F8C4F-5DDB-C146-AD2D-80AE6169014A}" dt="2020-07-29T13:30:14.024" v="2869" actId="26606"/>
           <ac:spMkLst>
             <pc:docMk/>
             <pc:sldMk cId="3025206054" sldId="271"/>
@@ -2237,13 +2253,108 @@
           </ac:spMkLst>
         </pc:spChg>
         <pc:spChg chg="mod">
-          <ac:chgData name="Akash Levy" userId="0f662538-7453-45f3-952a-fc9f1a7c515e" providerId="ADAL" clId="{615F8C4F-5DDB-C146-AD2D-80AE6169014A}" dt="2020-07-24T16:19:18.868" v="2728"/>
+          <ac:chgData name="Akash Levy" userId="0f662538-7453-45f3-952a-fc9f1a7c515e" providerId="ADAL" clId="{615F8C4F-5DDB-C146-AD2D-80AE6169014A}" dt="2020-07-29T22:27:16.871" v="2968" actId="6549"/>
           <ac:spMkLst>
             <pc:docMk/>
             <pc:sldMk cId="3025206054" sldId="271"/>
             <ac:spMk id="3" creationId="{3B94A307-89B7-A843-B5DD-76DC70E2A558}"/>
           </ac:spMkLst>
         </pc:spChg>
+        <pc:spChg chg="add">
+          <ac:chgData name="Akash Levy" userId="0f662538-7453-45f3-952a-fc9f1a7c515e" providerId="ADAL" clId="{615F8C4F-5DDB-C146-AD2D-80AE6169014A}" dt="2020-07-29T13:30:14.024" v="2869" actId="26606"/>
+          <ac:spMkLst>
+            <pc:docMk/>
+            <pc:sldMk cId="3025206054" sldId="271"/>
+            <ac:spMk id="8" creationId="{AD21898E-86C0-4C8A-A76C-DF33E844C87A}"/>
+          </ac:spMkLst>
+        </pc:spChg>
+        <pc:spChg chg="add">
+          <ac:chgData name="Akash Levy" userId="0f662538-7453-45f3-952a-fc9f1a7c515e" providerId="ADAL" clId="{615F8C4F-5DDB-C146-AD2D-80AE6169014A}" dt="2020-07-29T13:30:14.024" v="2869" actId="26606"/>
+          <ac:spMkLst>
+            <pc:docMk/>
+            <pc:sldMk cId="3025206054" sldId="271"/>
+            <ac:spMk id="10" creationId="{5C8F04BD-D093-45D0-B54C-50FDB308B4EE}"/>
+          </ac:spMkLst>
+        </pc:spChg>
+      </pc:sldChg>
+      <pc:sldChg chg="addSp delSp modSp add mod ord">
+        <pc:chgData name="Akash Levy" userId="0f662538-7453-45f3-952a-fc9f1a7c515e" providerId="ADAL" clId="{615F8C4F-5DDB-C146-AD2D-80AE6169014A}" dt="2020-07-29T23:38:46.300" v="3488" actId="14100"/>
+        <pc:sldMkLst>
+          <pc:docMk/>
+          <pc:sldMk cId="734798000" sldId="272"/>
+        </pc:sldMkLst>
+        <pc:spChg chg="mod">
+          <ac:chgData name="Akash Levy" userId="0f662538-7453-45f3-952a-fc9f1a7c515e" providerId="ADAL" clId="{615F8C4F-5DDB-C146-AD2D-80AE6169014A}" dt="2020-07-29T23:00:15.166" v="2987" actId="20577"/>
+          <ac:spMkLst>
+            <pc:docMk/>
+            <pc:sldMk cId="734798000" sldId="272"/>
+            <ac:spMk id="2" creationId="{010B0EF1-1183-1F45-8E15-96E43B1A0326}"/>
+          </ac:spMkLst>
+        </pc:spChg>
+        <pc:spChg chg="del">
+          <ac:chgData name="Akash Levy" userId="0f662538-7453-45f3-952a-fc9f1a7c515e" providerId="ADAL" clId="{615F8C4F-5DDB-C146-AD2D-80AE6169014A}" dt="2020-07-29T23:00:27.407" v="2988" actId="931"/>
+          <ac:spMkLst>
+            <pc:docMk/>
+            <pc:sldMk cId="734798000" sldId="272"/>
+            <ac:spMk id="3" creationId="{F8D8DC84-9AA1-B249-B5B3-61171D96D991}"/>
+          </ac:spMkLst>
+        </pc:spChg>
+        <pc:spChg chg="add del mod">
+          <ac:chgData name="Akash Levy" userId="0f662538-7453-45f3-952a-fc9f1a7c515e" providerId="ADAL" clId="{615F8C4F-5DDB-C146-AD2D-80AE6169014A}" dt="2020-07-29T23:03:17.059" v="2991" actId="931"/>
+          <ac:spMkLst>
+            <pc:docMk/>
+            <pc:sldMk cId="734798000" sldId="272"/>
+            <ac:spMk id="7" creationId="{4F85E5BD-35A8-624B-9A12-D6471C9FE81C}"/>
+          </ac:spMkLst>
+        </pc:spChg>
+        <pc:spChg chg="add mod">
+          <ac:chgData name="Akash Levy" userId="0f662538-7453-45f3-952a-fc9f1a7c515e" providerId="ADAL" clId="{615F8C4F-5DDB-C146-AD2D-80AE6169014A}" dt="2020-07-29T23:38:46.300" v="3488" actId="14100"/>
+          <ac:spMkLst>
+            <pc:docMk/>
+            <pc:sldMk cId="734798000" sldId="272"/>
+            <ac:spMk id="12" creationId="{1E56ED6F-BA81-8246-B88C-60D460FDC251}"/>
+          </ac:spMkLst>
+        </pc:spChg>
+        <pc:spChg chg="add del mod">
+          <ac:chgData name="Akash Levy" userId="0f662538-7453-45f3-952a-fc9f1a7c515e" providerId="ADAL" clId="{615F8C4F-5DDB-C146-AD2D-80AE6169014A}" dt="2020-07-29T23:07:59.192" v="3048" actId="931"/>
+          <ac:spMkLst>
+            <pc:docMk/>
+            <pc:sldMk cId="734798000" sldId="272"/>
+            <ac:spMk id="14" creationId="{8E1D1541-D8D1-6A4B-B582-54E68885D399}"/>
+          </ac:spMkLst>
+        </pc:spChg>
+        <pc:picChg chg="add del mod modCrop">
+          <ac:chgData name="Akash Levy" userId="0f662538-7453-45f3-952a-fc9f1a7c515e" providerId="ADAL" clId="{615F8C4F-5DDB-C146-AD2D-80AE6169014A}" dt="2020-07-29T23:00:50.203" v="2990" actId="478"/>
+          <ac:picMkLst>
+            <pc:docMk/>
+            <pc:sldMk cId="734798000" sldId="272"/>
+            <ac:picMk id="5" creationId="{8CECABCC-82BD-6B41-9000-9FD703D2BAA7}"/>
+          </ac:picMkLst>
+        </pc:picChg>
+        <pc:picChg chg="add del mod">
+          <ac:chgData name="Akash Levy" userId="0f662538-7453-45f3-952a-fc9f1a7c515e" providerId="ADAL" clId="{615F8C4F-5DDB-C146-AD2D-80AE6169014A}" dt="2020-07-29T23:04:37.788" v="3047" actId="478"/>
+          <ac:picMkLst>
+            <pc:docMk/>
+            <pc:sldMk cId="734798000" sldId="272"/>
+            <ac:picMk id="9" creationId="{7D5557BB-D83A-884A-887F-B518D7E151F1}"/>
+          </ac:picMkLst>
+        </pc:picChg>
+        <pc:picChg chg="add mod modCrop">
+          <ac:chgData name="Akash Levy" userId="0f662538-7453-45f3-952a-fc9f1a7c515e" providerId="ADAL" clId="{615F8C4F-5DDB-C146-AD2D-80AE6169014A}" dt="2020-07-29T23:16:52.614" v="3165" actId="732"/>
+          <ac:picMkLst>
+            <pc:docMk/>
+            <pc:sldMk cId="734798000" sldId="272"/>
+            <ac:picMk id="16" creationId="{9770E254-8A18-0847-8D17-2AD2222A61E9}"/>
+          </ac:picMkLst>
+        </pc:picChg>
+        <pc:cxnChg chg="add mod">
+          <ac:chgData name="Akash Levy" userId="0f662538-7453-45f3-952a-fc9f1a7c515e" providerId="ADAL" clId="{615F8C4F-5DDB-C146-AD2D-80AE6169014A}" dt="2020-07-29T23:38:46.300" v="3488" actId="14100"/>
+          <ac:cxnSpMkLst>
+            <pc:docMk/>
+            <pc:sldMk cId="734798000" sldId="272"/>
+            <ac:cxnSpMk id="11" creationId="{50FF218F-F2D1-5C4A-BAC3-A55C1074DEAF}"/>
+          </ac:cxnSpMkLst>
+        </pc:cxnChg>
       </pc:sldChg>
       <pc:sldChg chg="add del">
         <pc:chgData name="Akash Levy" userId="0f662538-7453-45f3-952a-fc9f1a7c515e" providerId="ADAL" clId="{615F8C4F-5DDB-C146-AD2D-80AE6169014A}" dt="2020-07-24T18:56:16.930" v="2789" actId="2696"/>
@@ -2251,6 +2362,580 @@
           <pc:docMk/>
           <pc:sldMk cId="1881273916" sldId="272"/>
         </pc:sldMkLst>
+      </pc:sldChg>
+      <pc:sldChg chg="addSp delSp modSp add mod setBg">
+        <pc:chgData name="Akash Levy" userId="0f662538-7453-45f3-952a-fc9f1a7c515e" providerId="ADAL" clId="{615F8C4F-5DDB-C146-AD2D-80AE6169014A}" dt="2020-07-29T23:39:18.702" v="3490" actId="26606"/>
+        <pc:sldMkLst>
+          <pc:docMk/>
+          <pc:sldMk cId="994093988" sldId="273"/>
+        </pc:sldMkLst>
+        <pc:spChg chg="mod">
+          <ac:chgData name="Akash Levy" userId="0f662538-7453-45f3-952a-fc9f1a7c515e" providerId="ADAL" clId="{615F8C4F-5DDB-C146-AD2D-80AE6169014A}" dt="2020-07-29T23:17:47.134" v="3203" actId="26606"/>
+          <ac:spMkLst>
+            <pc:docMk/>
+            <pc:sldMk cId="994093988" sldId="273"/>
+            <ac:spMk id="2" creationId="{BFE59AFC-F1AE-9C48-9EF1-5661A5D06323}"/>
+          </ac:spMkLst>
+        </pc:spChg>
+        <pc:spChg chg="del">
+          <ac:chgData name="Akash Levy" userId="0f662538-7453-45f3-952a-fc9f1a7c515e" providerId="ADAL" clId="{615F8C4F-5DDB-C146-AD2D-80AE6169014A}" dt="2020-07-29T23:14:16.658" v="3142" actId="931"/>
+          <ac:spMkLst>
+            <pc:docMk/>
+            <pc:sldMk cId="994093988" sldId="273"/>
+            <ac:spMk id="3" creationId="{318BA8D8-0819-A248-A172-DEBB31C6629A}"/>
+          </ac:spMkLst>
+        </pc:spChg>
+        <pc:spChg chg="add del">
+          <ac:chgData name="Akash Levy" userId="0f662538-7453-45f3-952a-fc9f1a7c515e" providerId="ADAL" clId="{615F8C4F-5DDB-C146-AD2D-80AE6169014A}" dt="2020-07-29T23:39:18.702" v="3490" actId="26606"/>
+          <ac:spMkLst>
+            <pc:docMk/>
+            <pc:sldMk cId="994093988" sldId="273"/>
+            <ac:spMk id="10" creationId="{6753252F-4873-4F63-801D-CC719279A7D5}"/>
+          </ac:spMkLst>
+        </pc:spChg>
+        <pc:spChg chg="add del">
+          <ac:chgData name="Akash Levy" userId="0f662538-7453-45f3-952a-fc9f1a7c515e" providerId="ADAL" clId="{615F8C4F-5DDB-C146-AD2D-80AE6169014A}" dt="2020-07-29T23:39:18.702" v="3490" actId="26606"/>
+          <ac:spMkLst>
+            <pc:docMk/>
+            <pc:sldMk cId="994093988" sldId="273"/>
+            <ac:spMk id="12" creationId="{047C8CCB-F95D-4249-92DD-651249D3535A}"/>
+          </ac:spMkLst>
+        </pc:spChg>
+        <pc:spChg chg="add">
+          <ac:chgData name="Akash Levy" userId="0f662538-7453-45f3-952a-fc9f1a7c515e" providerId="ADAL" clId="{615F8C4F-5DDB-C146-AD2D-80AE6169014A}" dt="2020-07-29T23:39:18.702" v="3490" actId="26606"/>
+          <ac:spMkLst>
+            <pc:docMk/>
+            <pc:sldMk cId="994093988" sldId="273"/>
+            <ac:spMk id="17" creationId="{6753252F-4873-4F63-801D-CC719279A7D5}"/>
+          </ac:spMkLst>
+        </pc:spChg>
+        <pc:spChg chg="add">
+          <ac:chgData name="Akash Levy" userId="0f662538-7453-45f3-952a-fc9f1a7c515e" providerId="ADAL" clId="{615F8C4F-5DDB-C146-AD2D-80AE6169014A}" dt="2020-07-29T23:39:18.702" v="3490" actId="26606"/>
+          <ac:spMkLst>
+            <pc:docMk/>
+            <pc:sldMk cId="994093988" sldId="273"/>
+            <ac:spMk id="19" creationId="{047C8CCB-F95D-4249-92DD-651249D3535A}"/>
+          </ac:spMkLst>
+        </pc:spChg>
+        <pc:picChg chg="add mod">
+          <ac:chgData name="Akash Levy" userId="0f662538-7453-45f3-952a-fc9f1a7c515e" providerId="ADAL" clId="{615F8C4F-5DDB-C146-AD2D-80AE6169014A}" dt="2020-07-29T23:39:18.702" v="3490" actId="26606"/>
+          <ac:picMkLst>
+            <pc:docMk/>
+            <pc:sldMk cId="994093988" sldId="273"/>
+            <ac:picMk id="5" creationId="{D000D309-AA32-AE4D-BF85-B8ACCC1D937E}"/>
+          </ac:picMkLst>
+        </pc:picChg>
+      </pc:sldChg>
+      <pc:sldChg chg="modSp add mod">
+        <pc:chgData name="Akash Levy" userId="0f662538-7453-45f3-952a-fc9f1a7c515e" providerId="ADAL" clId="{615F8C4F-5DDB-C146-AD2D-80AE6169014A}" dt="2020-07-30T00:25:13.205" v="3775" actId="20577"/>
+        <pc:sldMkLst>
+          <pc:docMk/>
+          <pc:sldMk cId="2262564985" sldId="274"/>
+        </pc:sldMkLst>
+        <pc:spChg chg="mod">
+          <ac:chgData name="Akash Levy" userId="0f662538-7453-45f3-952a-fc9f1a7c515e" providerId="ADAL" clId="{615F8C4F-5DDB-C146-AD2D-80AE6169014A}" dt="2020-07-30T00:25:13.205" v="3775" actId="20577"/>
+          <ac:spMkLst>
+            <pc:docMk/>
+            <pc:sldMk cId="2262564985" sldId="274"/>
+            <ac:spMk id="2" creationId="{A44DEBA8-7F4D-624A-9EDA-A32A431E1222}"/>
+          </ac:spMkLst>
+        </pc:spChg>
+      </pc:sldChg>
+      <pc:sldChg chg="addSp delSp modSp add mod setBg modClrScheme chgLayout">
+        <pc:chgData name="Akash Levy" userId="0f662538-7453-45f3-952a-fc9f1a7c515e" providerId="ADAL" clId="{615F8C4F-5DDB-C146-AD2D-80AE6169014A}" dt="2020-07-29T23:40:15.691" v="3523" actId="26606"/>
+        <pc:sldMkLst>
+          <pc:docMk/>
+          <pc:sldMk cId="2589020222" sldId="275"/>
+        </pc:sldMkLst>
+        <pc:spChg chg="mod ord">
+          <ac:chgData name="Akash Levy" userId="0f662538-7453-45f3-952a-fc9f1a7c515e" providerId="ADAL" clId="{615F8C4F-5DDB-C146-AD2D-80AE6169014A}" dt="2020-07-29T23:40:10.645" v="3522" actId="20577"/>
+          <ac:spMkLst>
+            <pc:docMk/>
+            <pc:sldMk cId="2589020222" sldId="275"/>
+            <ac:spMk id="2" creationId="{5C21E938-7B92-7448-8184-24C245B1CFC6}"/>
+          </ac:spMkLst>
+        </pc:spChg>
+        <pc:spChg chg="del mod ord">
+          <ac:chgData name="Akash Levy" userId="0f662538-7453-45f3-952a-fc9f1a7c515e" providerId="ADAL" clId="{615F8C4F-5DDB-C146-AD2D-80AE6169014A}" dt="2020-07-29T23:19:22.365" v="3268" actId="700"/>
+          <ac:spMkLst>
+            <pc:docMk/>
+            <pc:sldMk cId="2589020222" sldId="275"/>
+            <ac:spMk id="3" creationId="{47427EBF-0E6F-734C-9CF3-2D6626DB0F49}"/>
+          </ac:spMkLst>
+        </pc:spChg>
+        <pc:spChg chg="add mod ord">
+          <ac:chgData name="Akash Levy" userId="0f662538-7453-45f3-952a-fc9f1a7c515e" providerId="ADAL" clId="{615F8C4F-5DDB-C146-AD2D-80AE6169014A}" dt="2020-07-29T23:39:43.635" v="3494" actId="26606"/>
+          <ac:spMkLst>
+            <pc:docMk/>
+            <pc:sldMk cId="2589020222" sldId="275"/>
+            <ac:spMk id="4" creationId="{2FCD8DFA-D50D-5940-A01C-175384B67EA5}"/>
+          </ac:spMkLst>
+        </pc:spChg>
+        <pc:spChg chg="add del mod ord">
+          <ac:chgData name="Akash Levy" userId="0f662538-7453-45f3-952a-fc9f1a7c515e" providerId="ADAL" clId="{615F8C4F-5DDB-C146-AD2D-80AE6169014A}" dt="2020-07-29T23:39:26.315" v="3491" actId="931"/>
+          <ac:spMkLst>
+            <pc:docMk/>
+            <pc:sldMk cId="2589020222" sldId="275"/>
+            <ac:spMk id="5" creationId="{8857D517-649E-F74A-89E8-7971F89EADF0}"/>
+          </ac:spMkLst>
+        </pc:spChg>
+        <pc:spChg chg="add del">
+          <ac:chgData name="Akash Levy" userId="0f662538-7453-45f3-952a-fc9f1a7c515e" providerId="ADAL" clId="{615F8C4F-5DDB-C146-AD2D-80AE6169014A}" dt="2020-07-29T23:39:43.615" v="3493" actId="26606"/>
+          <ac:spMkLst>
+            <pc:docMk/>
+            <pc:sldMk cId="2589020222" sldId="275"/>
+            <ac:spMk id="12" creationId="{CEB41C5C-0F34-4DDA-9D7C-5E717F35F60C}"/>
+          </ac:spMkLst>
+        </pc:spChg>
+        <pc:spChg chg="add del">
+          <ac:chgData name="Akash Levy" userId="0f662538-7453-45f3-952a-fc9f1a7c515e" providerId="ADAL" clId="{615F8C4F-5DDB-C146-AD2D-80AE6169014A}" dt="2020-07-29T23:40:15.691" v="3523" actId="26606"/>
+          <ac:spMkLst>
+            <pc:docMk/>
+            <pc:sldMk cId="2589020222" sldId="275"/>
+            <ac:spMk id="16" creationId="{42A5316D-ED2F-4F89-B4B4-8D9240B1A348}"/>
+          </ac:spMkLst>
+        </pc:spChg>
+        <pc:spChg chg="add">
+          <ac:chgData name="Akash Levy" userId="0f662538-7453-45f3-952a-fc9f1a7c515e" providerId="ADAL" clId="{615F8C4F-5DDB-C146-AD2D-80AE6169014A}" dt="2020-07-29T23:40:15.691" v="3523" actId="26606"/>
+          <ac:spMkLst>
+            <pc:docMk/>
+            <pc:sldMk cId="2589020222" sldId="275"/>
+            <ac:spMk id="21" creationId="{42A5316D-ED2F-4F89-B4B4-8D9240B1A348}"/>
+          </ac:spMkLst>
+        </pc:spChg>
+        <pc:picChg chg="add mod">
+          <ac:chgData name="Akash Levy" userId="0f662538-7453-45f3-952a-fc9f1a7c515e" providerId="ADAL" clId="{615F8C4F-5DDB-C146-AD2D-80AE6169014A}" dt="2020-07-29T23:39:43.635" v="3494" actId="26606"/>
+          <ac:picMkLst>
+            <pc:docMk/>
+            <pc:sldMk cId="2589020222" sldId="275"/>
+            <ac:picMk id="7" creationId="{96FD6782-5B3E-3940-AA73-4D267C8FA240}"/>
+          </ac:picMkLst>
+        </pc:picChg>
+        <pc:cxnChg chg="add del">
+          <ac:chgData name="Akash Levy" userId="0f662538-7453-45f3-952a-fc9f1a7c515e" providerId="ADAL" clId="{615F8C4F-5DDB-C146-AD2D-80AE6169014A}" dt="2020-07-29T23:39:43.615" v="3493" actId="26606"/>
+          <ac:cxnSpMkLst>
+            <pc:docMk/>
+            <pc:sldMk cId="2589020222" sldId="275"/>
+            <ac:cxnSpMk id="14" creationId="{57E1E5E6-F385-4E9C-B201-BA5BDE5CAD52}"/>
+          </ac:cxnSpMkLst>
+        </pc:cxnChg>
+      </pc:sldChg>
+      <pc:sldChg chg="addSp delSp modSp add mod">
+        <pc:chgData name="Akash Levy" userId="0f662538-7453-45f3-952a-fc9f1a7c515e" providerId="ADAL" clId="{615F8C4F-5DDB-C146-AD2D-80AE6169014A}" dt="2020-07-29T23:35:33.739" v="3437" actId="20577"/>
+        <pc:sldMkLst>
+          <pc:docMk/>
+          <pc:sldMk cId="3274438284" sldId="276"/>
+        </pc:sldMkLst>
+        <pc:spChg chg="mod">
+          <ac:chgData name="Akash Levy" userId="0f662538-7453-45f3-952a-fc9f1a7c515e" providerId="ADAL" clId="{615F8C4F-5DDB-C146-AD2D-80AE6169014A}" dt="2020-07-29T23:31:06.960" v="3426" actId="20577"/>
+          <ac:spMkLst>
+            <pc:docMk/>
+            <pc:sldMk cId="3274438284" sldId="276"/>
+            <ac:spMk id="2" creationId="{5FEC19CE-75E0-F744-931C-343EA8833947}"/>
+          </ac:spMkLst>
+        </pc:spChg>
+        <pc:spChg chg="del">
+          <ac:chgData name="Akash Levy" userId="0f662538-7453-45f3-952a-fc9f1a7c515e" providerId="ADAL" clId="{615F8C4F-5DDB-C146-AD2D-80AE6169014A}" dt="2020-07-29T23:34:33.780" v="3427" actId="931"/>
+          <ac:spMkLst>
+            <pc:docMk/>
+            <pc:sldMk cId="3274438284" sldId="276"/>
+            <ac:spMk id="3" creationId="{31B30CE3-CBFC-314C-AF4F-F40D4DA40A84}"/>
+          </ac:spMkLst>
+        </pc:spChg>
+        <pc:spChg chg="add mod">
+          <ac:chgData name="Akash Levy" userId="0f662538-7453-45f3-952a-fc9f1a7c515e" providerId="ADAL" clId="{615F8C4F-5DDB-C146-AD2D-80AE6169014A}" dt="2020-07-29T23:35:33.739" v="3437" actId="20577"/>
+          <ac:spMkLst>
+            <pc:docMk/>
+            <pc:sldMk cId="3274438284" sldId="276"/>
+            <ac:spMk id="7" creationId="{B1FBC326-557E-F14C-9662-EAE8EE3D1855}"/>
+          </ac:spMkLst>
+        </pc:spChg>
+        <pc:picChg chg="add mod">
+          <ac:chgData name="Akash Levy" userId="0f662538-7453-45f3-952a-fc9f1a7c515e" providerId="ADAL" clId="{615F8C4F-5DDB-C146-AD2D-80AE6169014A}" dt="2020-07-29T23:34:33.780" v="3427" actId="931"/>
+          <ac:picMkLst>
+            <pc:docMk/>
+            <pc:sldMk cId="3274438284" sldId="276"/>
+            <ac:picMk id="5" creationId="{F878DF02-075C-E845-8247-61215B7D79CE}"/>
+          </ac:picMkLst>
+        </pc:picChg>
+        <pc:cxnChg chg="add mod">
+          <ac:chgData name="Akash Levy" userId="0f662538-7453-45f3-952a-fc9f1a7c515e" providerId="ADAL" clId="{615F8C4F-5DDB-C146-AD2D-80AE6169014A}" dt="2020-07-29T23:34:49.969" v="3430" actId="1076"/>
+          <ac:cxnSpMkLst>
+            <pc:docMk/>
+            <pc:sldMk cId="3274438284" sldId="276"/>
+            <ac:cxnSpMk id="6" creationId="{BBD0B368-F463-5845-9A9F-2955DF37E878}"/>
+          </ac:cxnSpMkLst>
+        </pc:cxnChg>
+      </pc:sldChg>
+      <pc:sldChg chg="addSp delSp modSp add mod delDesignElem chgLayout">
+        <pc:chgData name="Akash Levy" userId="0f662538-7453-45f3-952a-fc9f1a7c515e" providerId="ADAL" clId="{615F8C4F-5DDB-C146-AD2D-80AE6169014A}" dt="2020-07-30T00:25:00.461" v="3769" actId="26606"/>
+        <pc:sldMkLst>
+          <pc:docMk/>
+          <pc:sldMk cId="4127877217" sldId="277"/>
+        </pc:sldMkLst>
+        <pc:spChg chg="mod ord">
+          <ac:chgData name="Akash Levy" userId="0f662538-7453-45f3-952a-fc9f1a7c515e" providerId="ADAL" clId="{615F8C4F-5DDB-C146-AD2D-80AE6169014A}" dt="2020-07-30T00:25:00.461" v="3769" actId="26606"/>
+          <ac:spMkLst>
+            <pc:docMk/>
+            <pc:sldMk cId="4127877217" sldId="277"/>
+            <ac:spMk id="2" creationId="{67F017A3-29CD-954D-BFF9-0C2279F1BC5A}"/>
+          </ac:spMkLst>
+        </pc:spChg>
+        <pc:spChg chg="add del mod">
+          <ac:chgData name="Akash Levy" userId="0f662538-7453-45f3-952a-fc9f1a7c515e" providerId="ADAL" clId="{615F8C4F-5DDB-C146-AD2D-80AE6169014A}" dt="2020-07-30T00:02:48.539" v="3548"/>
+          <ac:spMkLst>
+            <pc:docMk/>
+            <pc:sldMk cId="4127877217" sldId="277"/>
+            <ac:spMk id="3" creationId="{3AD455FC-1C74-D742-BB11-F7FC220D4545}"/>
+          </ac:spMkLst>
+        </pc:spChg>
+        <pc:spChg chg="add del mod">
+          <ac:chgData name="Akash Levy" userId="0f662538-7453-45f3-952a-fc9f1a7c515e" providerId="ADAL" clId="{615F8C4F-5DDB-C146-AD2D-80AE6169014A}" dt="2020-07-30T00:02:48.539" v="3548"/>
+          <ac:spMkLst>
+            <pc:docMk/>
+            <pc:sldMk cId="4127877217" sldId="277"/>
+            <ac:spMk id="4" creationId="{E9C7991C-05BD-6749-BC93-F6460A1729A3}"/>
+          </ac:spMkLst>
+        </pc:spChg>
+        <pc:spChg chg="add del mod">
+          <ac:chgData name="Akash Levy" userId="0f662538-7453-45f3-952a-fc9f1a7c515e" providerId="ADAL" clId="{615F8C4F-5DDB-C146-AD2D-80AE6169014A}" dt="2020-07-30T00:03:27.886" v="3550" actId="931"/>
+          <ac:spMkLst>
+            <pc:docMk/>
+            <pc:sldMk cId="4127877217" sldId="277"/>
+            <ac:spMk id="7" creationId="{7CDABE70-914C-0542-8477-94626B890C20}"/>
+          </ac:spMkLst>
+        </pc:spChg>
+        <pc:spChg chg="del">
+          <ac:chgData name="Akash Levy" userId="0f662538-7453-45f3-952a-fc9f1a7c515e" providerId="ADAL" clId="{615F8C4F-5DDB-C146-AD2D-80AE6169014A}" dt="2020-07-30T00:02:45.124" v="3547" actId="700"/>
+          <ac:spMkLst>
+            <pc:docMk/>
+            <pc:sldMk cId="4127877217" sldId="277"/>
+            <ac:spMk id="10" creationId="{6753252F-4873-4F63-801D-CC719279A7D5}"/>
+          </ac:spMkLst>
+        </pc:spChg>
+        <pc:spChg chg="del">
+          <ac:chgData name="Akash Levy" userId="0f662538-7453-45f3-952a-fc9f1a7c515e" providerId="ADAL" clId="{615F8C4F-5DDB-C146-AD2D-80AE6169014A}" dt="2020-07-30T00:02:45.124" v="3547" actId="700"/>
+          <ac:spMkLst>
+            <pc:docMk/>
+            <pc:sldMk cId="4127877217" sldId="277"/>
+            <ac:spMk id="12" creationId="{047C8CCB-F95D-4249-92DD-651249D3535A}"/>
+          </ac:spMkLst>
+        </pc:spChg>
+        <pc:spChg chg="add">
+          <ac:chgData name="Akash Levy" userId="0f662538-7453-45f3-952a-fc9f1a7c515e" providerId="ADAL" clId="{615F8C4F-5DDB-C146-AD2D-80AE6169014A}" dt="2020-07-30T00:25:00.461" v="3769" actId="26606"/>
+          <ac:spMkLst>
+            <pc:docMk/>
+            <pc:sldMk cId="4127877217" sldId="277"/>
+            <ac:spMk id="14" creationId="{6753252F-4873-4F63-801D-CC719279A7D5}"/>
+          </ac:spMkLst>
+        </pc:spChg>
+        <pc:spChg chg="add">
+          <ac:chgData name="Akash Levy" userId="0f662538-7453-45f3-952a-fc9f1a7c515e" providerId="ADAL" clId="{615F8C4F-5DDB-C146-AD2D-80AE6169014A}" dt="2020-07-30T00:25:00.461" v="3769" actId="26606"/>
+          <ac:spMkLst>
+            <pc:docMk/>
+            <pc:sldMk cId="4127877217" sldId="277"/>
+            <ac:spMk id="16" creationId="{047C8CCB-F95D-4249-92DD-651249D3535A}"/>
+          </ac:spMkLst>
+        </pc:spChg>
+        <pc:picChg chg="del mod ord">
+          <ac:chgData name="Akash Levy" userId="0f662538-7453-45f3-952a-fc9f1a7c515e" providerId="ADAL" clId="{615F8C4F-5DDB-C146-AD2D-80AE6169014A}" dt="2020-07-30T00:02:58.302" v="3549" actId="478"/>
+          <ac:picMkLst>
+            <pc:docMk/>
+            <pc:sldMk cId="4127877217" sldId="277"/>
+            <ac:picMk id="5" creationId="{05674DBB-B74B-1445-9091-2C6A3B64F701}"/>
+          </ac:picMkLst>
+        </pc:picChg>
+        <pc:picChg chg="add mod">
+          <ac:chgData name="Akash Levy" userId="0f662538-7453-45f3-952a-fc9f1a7c515e" providerId="ADAL" clId="{615F8C4F-5DDB-C146-AD2D-80AE6169014A}" dt="2020-07-30T00:25:00.461" v="3769" actId="26606"/>
+          <ac:picMkLst>
+            <pc:docMk/>
+            <pc:sldMk cId="4127877217" sldId="277"/>
+            <ac:picMk id="9" creationId="{28D436FB-8435-4B46-BA52-798E5DFAF6E3}"/>
+          </ac:picMkLst>
+        </pc:picChg>
+      </pc:sldChg>
+      <pc:sldChg chg="modSp add del mod">
+        <pc:chgData name="Akash Levy" userId="0f662538-7453-45f3-952a-fc9f1a7c515e" providerId="ADAL" clId="{615F8C4F-5DDB-C146-AD2D-80AE6169014A}" dt="2020-07-30T00:13:14.157" v="3570" actId="2696"/>
+        <pc:sldMkLst>
+          <pc:docMk/>
+          <pc:sldMk cId="1171520936" sldId="278"/>
+        </pc:sldMkLst>
+        <pc:spChg chg="mod">
+          <ac:chgData name="Akash Levy" userId="0f662538-7453-45f3-952a-fc9f1a7c515e" providerId="ADAL" clId="{615F8C4F-5DDB-C146-AD2D-80AE6169014A}" dt="2020-07-30T00:13:03.762" v="3564" actId="20577"/>
+          <ac:spMkLst>
+            <pc:docMk/>
+            <pc:sldMk cId="1171520936" sldId="278"/>
+            <ac:spMk id="2" creationId="{C89264A8-8CBB-0146-911B-64503BC21F06}"/>
+          </ac:spMkLst>
+        </pc:spChg>
+      </pc:sldChg>
+      <pc:sldChg chg="addSp delSp modSp add mod setBg delDesignElem">
+        <pc:chgData name="Akash Levy" userId="0f662538-7453-45f3-952a-fc9f1a7c515e" providerId="ADAL" clId="{615F8C4F-5DDB-C146-AD2D-80AE6169014A}" dt="2020-07-30T00:24:31.054" v="3768" actId="207"/>
+        <pc:sldMkLst>
+          <pc:docMk/>
+          <pc:sldMk cId="3706440179" sldId="278"/>
+        </pc:sldMkLst>
+        <pc:spChg chg="mod">
+          <ac:chgData name="Akash Levy" userId="0f662538-7453-45f3-952a-fc9f1a7c515e" providerId="ADAL" clId="{615F8C4F-5DDB-C146-AD2D-80AE6169014A}" dt="2020-07-30T00:24:15.392" v="3767" actId="26606"/>
+          <ac:spMkLst>
+            <pc:docMk/>
+            <pc:sldMk cId="3706440179" sldId="278"/>
+            <ac:spMk id="2" creationId="{FC47B41E-90B5-D14B-82FA-CC03960D78D5}"/>
+          </ac:spMkLst>
+        </pc:spChg>
+        <pc:spChg chg="add del mod">
+          <ac:chgData name="Akash Levy" userId="0f662538-7453-45f3-952a-fc9f1a7c515e" providerId="ADAL" clId="{615F8C4F-5DDB-C146-AD2D-80AE6169014A}" dt="2020-07-30T00:15:26.103" v="3646" actId="47"/>
+          <ac:spMkLst>
+            <pc:docMk/>
+            <pc:sldMk cId="3706440179" sldId="278"/>
+            <ac:spMk id="3" creationId="{7D7BFA4A-1D1B-F441-9E92-47BCC56548F8}"/>
+          </ac:spMkLst>
+        </pc:spChg>
+        <pc:spChg chg="add del">
+          <ac:chgData name="Akash Levy" userId="0f662538-7453-45f3-952a-fc9f1a7c515e" providerId="ADAL" clId="{615F8C4F-5DDB-C146-AD2D-80AE6169014A}" dt="2020-07-30T00:13:32.351" v="3577" actId="26606"/>
+          <ac:spMkLst>
+            <pc:docMk/>
+            <pc:sldMk cId="3706440179" sldId="278"/>
+            <ac:spMk id="21" creationId="{6753252F-4873-4F63-801D-CC719279A7D5}"/>
+          </ac:spMkLst>
+        </pc:spChg>
+        <pc:spChg chg="add del">
+          <ac:chgData name="Akash Levy" userId="0f662538-7453-45f3-952a-fc9f1a7c515e" providerId="ADAL" clId="{615F8C4F-5DDB-C146-AD2D-80AE6169014A}" dt="2020-07-30T00:13:32.351" v="3577" actId="26606"/>
+          <ac:spMkLst>
+            <pc:docMk/>
+            <pc:sldMk cId="3706440179" sldId="278"/>
+            <ac:spMk id="23" creationId="{047C8CCB-F95D-4249-92DD-651249D3535A}"/>
+          </ac:spMkLst>
+        </pc:spChg>
+        <pc:spChg chg="del">
+          <ac:chgData name="Akash Levy" userId="0f662538-7453-45f3-952a-fc9f1a7c515e" providerId="ADAL" clId="{615F8C4F-5DDB-C146-AD2D-80AE6169014A}" dt="2020-07-30T00:13:27.712" v="3575"/>
+          <ac:spMkLst>
+            <pc:docMk/>
+            <pc:sldMk cId="3706440179" sldId="278"/>
+            <ac:spMk id="25" creationId="{6753252F-4873-4F63-801D-CC719279A7D5}"/>
+          </ac:spMkLst>
+        </pc:spChg>
+        <pc:spChg chg="del">
+          <ac:chgData name="Akash Levy" userId="0f662538-7453-45f3-952a-fc9f1a7c515e" providerId="ADAL" clId="{615F8C4F-5DDB-C146-AD2D-80AE6169014A}" dt="2020-07-30T00:13:27.712" v="3575"/>
+          <ac:spMkLst>
+            <pc:docMk/>
+            <pc:sldMk cId="3706440179" sldId="278"/>
+            <ac:spMk id="26" creationId="{047C8CCB-F95D-4249-92DD-651249D3535A}"/>
+          </ac:spMkLst>
+        </pc:spChg>
+        <pc:spChg chg="add del">
+          <ac:chgData name="Akash Levy" userId="0f662538-7453-45f3-952a-fc9f1a7c515e" providerId="ADAL" clId="{615F8C4F-5DDB-C146-AD2D-80AE6169014A}" dt="2020-07-30T00:14:03.539" v="3618" actId="26606"/>
+          <ac:spMkLst>
+            <pc:docMk/>
+            <pc:sldMk cId="3706440179" sldId="278"/>
+            <ac:spMk id="27" creationId="{6753252F-4873-4F63-801D-CC719279A7D5}"/>
+          </ac:spMkLst>
+        </pc:spChg>
+        <pc:spChg chg="add del">
+          <ac:chgData name="Akash Levy" userId="0f662538-7453-45f3-952a-fc9f1a7c515e" providerId="ADAL" clId="{615F8C4F-5DDB-C146-AD2D-80AE6169014A}" dt="2020-07-30T00:14:03.539" v="3618" actId="26606"/>
+          <ac:spMkLst>
+            <pc:docMk/>
+            <pc:sldMk cId="3706440179" sldId="278"/>
+            <ac:spMk id="28" creationId="{047C8CCB-F95D-4249-92DD-651249D3535A}"/>
+          </ac:spMkLst>
+        </pc:spChg>
+        <pc:spChg chg="add del">
+          <ac:chgData name="Akash Levy" userId="0f662538-7453-45f3-952a-fc9f1a7c515e" providerId="ADAL" clId="{615F8C4F-5DDB-C146-AD2D-80AE6169014A}" dt="2020-07-30T00:16:37.805" v="3694" actId="26606"/>
+          <ac:spMkLst>
+            <pc:docMk/>
+            <pc:sldMk cId="3706440179" sldId="278"/>
+            <ac:spMk id="33" creationId="{6753252F-4873-4F63-801D-CC719279A7D5}"/>
+          </ac:spMkLst>
+        </pc:spChg>
+        <pc:spChg chg="add del">
+          <ac:chgData name="Akash Levy" userId="0f662538-7453-45f3-952a-fc9f1a7c515e" providerId="ADAL" clId="{615F8C4F-5DDB-C146-AD2D-80AE6169014A}" dt="2020-07-30T00:16:37.805" v="3694" actId="26606"/>
+          <ac:spMkLst>
+            <pc:docMk/>
+            <pc:sldMk cId="3706440179" sldId="278"/>
+            <ac:spMk id="35" creationId="{047C8CCB-F95D-4249-92DD-651249D3535A}"/>
+          </ac:spMkLst>
+        </pc:spChg>
+        <pc:spChg chg="add del">
+          <ac:chgData name="Akash Levy" userId="0f662538-7453-45f3-952a-fc9f1a7c515e" providerId="ADAL" clId="{615F8C4F-5DDB-C146-AD2D-80AE6169014A}" dt="2020-07-30T00:16:37.682" v="3693" actId="26606"/>
+          <ac:spMkLst>
+            <pc:docMk/>
+            <pc:sldMk cId="3706440179" sldId="278"/>
+            <ac:spMk id="37" creationId="{6753252F-4873-4F63-801D-CC719279A7D5}"/>
+          </ac:spMkLst>
+        </pc:spChg>
+        <pc:spChg chg="add del">
+          <ac:chgData name="Akash Levy" userId="0f662538-7453-45f3-952a-fc9f1a7c515e" providerId="ADAL" clId="{615F8C4F-5DDB-C146-AD2D-80AE6169014A}" dt="2020-07-30T00:16:37.682" v="3693" actId="26606"/>
+          <ac:spMkLst>
+            <pc:docMk/>
+            <pc:sldMk cId="3706440179" sldId="278"/>
+            <ac:spMk id="38" creationId="{047C8CCB-F95D-4249-92DD-651249D3535A}"/>
+          </ac:spMkLst>
+        </pc:spChg>
+        <pc:spChg chg="add del">
+          <ac:chgData name="Akash Levy" userId="0f662538-7453-45f3-952a-fc9f1a7c515e" providerId="ADAL" clId="{615F8C4F-5DDB-C146-AD2D-80AE6169014A}" dt="2020-07-30T00:16:33.843" v="3691" actId="26606"/>
+          <ac:spMkLst>
+            <pc:docMk/>
+            <pc:sldMk cId="3706440179" sldId="278"/>
+            <ac:spMk id="40" creationId="{6753252F-4873-4F63-801D-CC719279A7D5}"/>
+          </ac:spMkLst>
+        </pc:spChg>
+        <pc:spChg chg="add del">
+          <ac:chgData name="Akash Levy" userId="0f662538-7453-45f3-952a-fc9f1a7c515e" providerId="ADAL" clId="{615F8C4F-5DDB-C146-AD2D-80AE6169014A}" dt="2020-07-30T00:16:33.843" v="3691" actId="26606"/>
+          <ac:spMkLst>
+            <pc:docMk/>
+            <pc:sldMk cId="3706440179" sldId="278"/>
+            <ac:spMk id="42" creationId="{047C8CCB-F95D-4249-92DD-651249D3535A}"/>
+          </ac:spMkLst>
+        </pc:spChg>
+        <pc:spChg chg="add del">
+          <ac:chgData name="Akash Levy" userId="0f662538-7453-45f3-952a-fc9f1a7c515e" providerId="ADAL" clId="{615F8C4F-5DDB-C146-AD2D-80AE6169014A}" dt="2020-07-30T00:24:15.392" v="3767" actId="26606"/>
+          <ac:spMkLst>
+            <pc:docMk/>
+            <pc:sldMk cId="3706440179" sldId="278"/>
+            <ac:spMk id="43" creationId="{7F57BEA8-497D-4AA8-8A18-BDCD696B25FE}"/>
+          </ac:spMkLst>
+        </pc:spChg>
+        <pc:spChg chg="add">
+          <ac:chgData name="Akash Levy" userId="0f662538-7453-45f3-952a-fc9f1a7c515e" providerId="ADAL" clId="{615F8C4F-5DDB-C146-AD2D-80AE6169014A}" dt="2020-07-30T00:24:15.392" v="3767" actId="26606"/>
+          <ac:spMkLst>
+            <pc:docMk/>
+            <pc:sldMk cId="3706440179" sldId="278"/>
+            <ac:spMk id="51" creationId="{6753252F-4873-4F63-801D-CC719279A7D5}"/>
+          </ac:spMkLst>
+        </pc:spChg>
+        <pc:spChg chg="add">
+          <ac:chgData name="Akash Levy" userId="0f662538-7453-45f3-952a-fc9f1a7c515e" providerId="ADAL" clId="{615F8C4F-5DDB-C146-AD2D-80AE6169014A}" dt="2020-07-30T00:24:15.392" v="3767" actId="26606"/>
+          <ac:spMkLst>
+            <pc:docMk/>
+            <pc:sldMk cId="3706440179" sldId="278"/>
+            <ac:spMk id="53" creationId="{047C8CCB-F95D-4249-92DD-651249D3535A}"/>
+          </ac:spMkLst>
+        </pc:spChg>
+        <pc:graphicFrameChg chg="add del mod">
+          <ac:chgData name="Akash Levy" userId="0f662538-7453-45f3-952a-fc9f1a7c515e" providerId="ADAL" clId="{615F8C4F-5DDB-C146-AD2D-80AE6169014A}" dt="2020-07-30T00:15:28.968" v="3648"/>
+          <ac:graphicFrameMkLst>
+            <pc:docMk/>
+            <pc:sldMk cId="3706440179" sldId="278"/>
+            <ac:graphicFrameMk id="4" creationId="{8010FF18-2FF7-5049-96D7-E28FB97ADEA5}"/>
+          </ac:graphicFrameMkLst>
+        </pc:graphicFrameChg>
+        <pc:graphicFrameChg chg="add del mod modGraphic">
+          <ac:chgData name="Akash Levy" userId="0f662538-7453-45f3-952a-fc9f1a7c515e" providerId="ADAL" clId="{615F8C4F-5DDB-C146-AD2D-80AE6169014A}" dt="2020-07-30T00:24:12.165" v="3766" actId="478"/>
+          <ac:graphicFrameMkLst>
+            <pc:docMk/>
+            <pc:sldMk cId="3706440179" sldId="278"/>
+            <ac:graphicFrameMk id="5" creationId="{9DDB67DE-7E99-C746-83F7-F14AF1140F48}"/>
+          </ac:graphicFrameMkLst>
+        </pc:graphicFrameChg>
+        <pc:graphicFrameChg chg="add del mod">
+          <ac:chgData name="Akash Levy" userId="0f662538-7453-45f3-952a-fc9f1a7c515e" providerId="ADAL" clId="{615F8C4F-5DDB-C146-AD2D-80AE6169014A}" dt="2020-07-30T00:16:23.835" v="3689" actId="21"/>
+          <ac:graphicFrameMkLst>
+            <pc:docMk/>
+            <pc:sldMk cId="3706440179" sldId="278"/>
+            <ac:graphicFrameMk id="14" creationId="{55AB958E-5576-F445-A3A1-F19E79AAB93C}"/>
+          </ac:graphicFrameMkLst>
+        </pc:graphicFrameChg>
+        <pc:graphicFrameChg chg="mod ord modGraphic">
+          <ac:chgData name="Akash Levy" userId="0f662538-7453-45f3-952a-fc9f1a7c515e" providerId="ADAL" clId="{615F8C4F-5DDB-C146-AD2D-80AE6169014A}" dt="2020-07-30T00:24:31.054" v="3768" actId="207"/>
+          <ac:graphicFrameMkLst>
+            <pc:docMk/>
+            <pc:sldMk cId="3706440179" sldId="278"/>
+            <ac:graphicFrameMk id="16" creationId="{6DFCCF45-5481-BF4A-8082-752758907726}"/>
+          </ac:graphicFrameMkLst>
+        </pc:graphicFrameChg>
+        <pc:graphicFrameChg chg="add del mod">
+          <ac:chgData name="Akash Levy" userId="0f662538-7453-45f3-952a-fc9f1a7c515e" providerId="ADAL" clId="{615F8C4F-5DDB-C146-AD2D-80AE6169014A}" dt="2020-07-30T00:17:29.767" v="3735" actId="478"/>
+          <ac:graphicFrameMkLst>
+            <pc:docMk/>
+            <pc:sldMk cId="3706440179" sldId="278"/>
+            <ac:graphicFrameMk id="24" creationId="{B7B43F6B-1E69-9B4C-96DD-B4DD79973B9F}"/>
+          </ac:graphicFrameMkLst>
+        </pc:graphicFrameChg>
+        <pc:cxnChg chg="add del">
+          <ac:chgData name="Akash Levy" userId="0f662538-7453-45f3-952a-fc9f1a7c515e" providerId="ADAL" clId="{615F8C4F-5DDB-C146-AD2D-80AE6169014A}" dt="2020-07-30T00:24:15.392" v="3767" actId="26606"/>
+          <ac:cxnSpMkLst>
+            <pc:docMk/>
+            <pc:sldMk cId="3706440179" sldId="278"/>
+            <ac:cxnSpMk id="41" creationId="{D2E961F1-4A28-4A5F-BBD4-6E400E5E6C75}"/>
+          </ac:cxnSpMkLst>
+        </pc:cxnChg>
+        <pc:cxnChg chg="add del">
+          <ac:chgData name="Akash Levy" userId="0f662538-7453-45f3-952a-fc9f1a7c515e" providerId="ADAL" clId="{615F8C4F-5DDB-C146-AD2D-80AE6169014A}" dt="2020-07-30T00:24:15.392" v="3767" actId="26606"/>
+          <ac:cxnSpMkLst>
+            <pc:docMk/>
+            <pc:sldMk cId="3706440179" sldId="278"/>
+            <ac:cxnSpMk id="44" creationId="{A82415D3-DDE5-4D63-8CB3-23A5EC581B27}"/>
+          </ac:cxnSpMkLst>
+        </pc:cxnChg>
+        <pc:cxnChg chg="add del">
+          <ac:chgData name="Akash Levy" userId="0f662538-7453-45f3-952a-fc9f1a7c515e" providerId="ADAL" clId="{615F8C4F-5DDB-C146-AD2D-80AE6169014A}" dt="2020-07-30T00:24:15.392" v="3767" actId="26606"/>
+          <ac:cxnSpMkLst>
+            <pc:docMk/>
+            <pc:sldMk cId="3706440179" sldId="278"/>
+            <ac:cxnSpMk id="46" creationId="{AD7193FB-6AE6-4B3B-8F89-56B55DD63B4D}"/>
+          </ac:cxnSpMkLst>
+        </pc:cxnChg>
+      </pc:sldChg>
+      <pc:sldChg chg="addSp delSp add del setBg delDesignElem">
+        <pc:chgData name="Akash Levy" userId="0f662538-7453-45f3-952a-fc9f1a7c515e" providerId="ADAL" clId="{615F8C4F-5DDB-C146-AD2D-80AE6169014A}" dt="2020-07-30T00:13:24.632" v="3573"/>
+        <pc:sldMkLst>
+          <pc:docMk/>
+          <pc:sldMk cId="3752082820" sldId="278"/>
+        </pc:sldMkLst>
+        <pc:spChg chg="add del">
+          <ac:chgData name="Akash Levy" userId="0f662538-7453-45f3-952a-fc9f1a7c515e" providerId="ADAL" clId="{615F8C4F-5DDB-C146-AD2D-80AE6169014A}" dt="2020-07-30T00:13:24.632" v="3573"/>
+          <ac:spMkLst>
+            <pc:docMk/>
+            <pc:sldMk cId="3752082820" sldId="278"/>
+            <ac:spMk id="25" creationId="{6753252F-4873-4F63-801D-CC719279A7D5}"/>
+          </ac:spMkLst>
+        </pc:spChg>
+        <pc:spChg chg="add del">
+          <ac:chgData name="Akash Levy" userId="0f662538-7453-45f3-952a-fc9f1a7c515e" providerId="ADAL" clId="{615F8C4F-5DDB-C146-AD2D-80AE6169014A}" dt="2020-07-30T00:13:24.632" v="3573"/>
+          <ac:spMkLst>
+            <pc:docMk/>
+            <pc:sldMk cId="3752082820" sldId="278"/>
+            <ac:spMk id="26" creationId="{047C8CCB-F95D-4249-92DD-651249D3535A}"/>
+          </ac:spMkLst>
+        </pc:spChg>
+      </pc:sldChg>
+      <pc:sldChg chg="addSp delSp add del setBg delDesignElem">
+        <pc:chgData name="Akash Levy" userId="0f662538-7453-45f3-952a-fc9f1a7c515e" providerId="ADAL" clId="{615F8C4F-5DDB-C146-AD2D-80AE6169014A}" dt="2020-07-30T00:13:12.648" v="3569"/>
+        <pc:sldMkLst>
+          <pc:docMk/>
+          <pc:sldMk cId="1280781954" sldId="279"/>
+        </pc:sldMkLst>
+        <pc:spChg chg="add del">
+          <ac:chgData name="Akash Levy" userId="0f662538-7453-45f3-952a-fc9f1a7c515e" providerId="ADAL" clId="{615F8C4F-5DDB-C146-AD2D-80AE6169014A}" dt="2020-07-30T00:13:12.648" v="3569"/>
+          <ac:spMkLst>
+            <pc:docMk/>
+            <pc:sldMk cId="1280781954" sldId="279"/>
+            <ac:spMk id="25" creationId="{6753252F-4873-4F63-801D-CC719279A7D5}"/>
+          </ac:spMkLst>
+        </pc:spChg>
+        <pc:spChg chg="add del">
+          <ac:chgData name="Akash Levy" userId="0f662538-7453-45f3-952a-fc9f1a7c515e" providerId="ADAL" clId="{615F8C4F-5DDB-C146-AD2D-80AE6169014A}" dt="2020-07-30T00:13:12.648" v="3569"/>
+          <ac:spMkLst>
+            <pc:docMk/>
+            <pc:sldMk cId="1280781954" sldId="279"/>
+            <ac:spMk id="26" creationId="{047C8CCB-F95D-4249-92DD-651249D3535A}"/>
+          </ac:spMkLst>
+        </pc:spChg>
+      </pc:sldChg>
+      <pc:sldChg chg="modSp add mod">
+        <pc:chgData name="Akash Levy" userId="0f662538-7453-45f3-952a-fc9f1a7c515e" providerId="ADAL" clId="{615F8C4F-5DDB-C146-AD2D-80AE6169014A}" dt="2020-07-30T00:43:45.198" v="3843" actId="20577"/>
+        <pc:sldMkLst>
+          <pc:docMk/>
+          <pc:sldMk cId="3800919461" sldId="279"/>
+        </pc:sldMkLst>
+        <pc:spChg chg="mod">
+          <ac:chgData name="Akash Levy" userId="0f662538-7453-45f3-952a-fc9f1a7c515e" providerId="ADAL" clId="{615F8C4F-5DDB-C146-AD2D-80AE6169014A}" dt="2020-07-30T00:43:45.198" v="3843" actId="20577"/>
+          <ac:spMkLst>
+            <pc:docMk/>
+            <pc:sldMk cId="3800919461" sldId="279"/>
+            <ac:spMk id="2" creationId="{D8115B46-FE7B-1044-8D50-F98F59B9AE32}"/>
+          </ac:spMkLst>
+        </pc:spChg>
       </pc:sldChg>
     </pc:docChg>
   </pc:docChgLst>
@@ -6410,7 +7095,7 @@
           <a:p>
             <a:fld id="{8FB244FF-1FFB-514F-A5D9-580791D347E8}" type="datetimeFigureOut">
               <a:rPr lang="en-US" smtClean="0"/>
-              <a:t>7/18/20</a:t>
+              <a:t>7/29/20</a:t>
             </a:fld>
             <a:endParaRPr lang="en-US"/>
           </a:p>
@@ -7084,7 +7769,7 @@
           <a:p>
             <a:fld id="{C6F3DA7C-EC83-4247-A7C9-512D14D879DF}" type="slidenum">
               <a:rPr lang="en-US" smtClean="0"/>
-              <a:t>12</a:t>
+              <a:t>17</a:t>
             </a:fld>
             <a:endParaRPr lang="en-US"/>
           </a:p>
@@ -7094,6 +7779,90 @@
     <p:extLst>
       <p:ext uri="{BB962C8B-B14F-4D97-AF65-F5344CB8AC3E}">
         <p14:creationId xmlns:p14="http://schemas.microsoft.com/office/powerpoint/2010/main" val="605496204"/>
+      </p:ext>
+    </p:extLst>
+  </p:cSld>
+  <p:clrMapOvr>
+    <a:masterClrMapping/>
+  </p:clrMapOvr>
+</p:notes>
+</file>
+
+<file path=ppt/notesSlides/notesSlide6.xml><?xml version="1.0" encoding="utf-8"?>
+<p:notes xmlns:a="http://schemas.openxmlformats.org/drawingml/2006/main" xmlns:r="http://schemas.openxmlformats.org/officeDocument/2006/relationships" xmlns:p="http://schemas.openxmlformats.org/presentationml/2006/main">
+  <p:cSld>
+    <p:spTree>
+      <p:nvGrpSpPr>
+        <p:cNvPr id="1" name=""/>
+        <p:cNvGrpSpPr/>
+        <p:nvPr/>
+      </p:nvGrpSpPr>
+      <p:grpSpPr>
+        <a:xfrm>
+          <a:off x="0" y="0"/>
+          <a:ext cx="0" cy="0"/>
+          <a:chOff x="0" y="0"/>
+          <a:chExt cx="0" cy="0"/>
+        </a:xfrm>
+      </p:grpSpPr>
+      <p:sp>
+        <p:nvSpPr>
+          <p:cNvPr id="2" name="Slide Image Placeholder 1"/>
+          <p:cNvSpPr>
+            <a:spLocks noGrp="1" noRot="1" noChangeAspect="1"/>
+          </p:cNvSpPr>
+          <p:nvPr>
+            <p:ph type="sldImg"/>
+          </p:nvPr>
+        </p:nvSpPr>
+        <p:spPr/>
+      </p:sp>
+      <p:sp>
+        <p:nvSpPr>
+          <p:cNvPr id="3" name="Notes Placeholder 2"/>
+          <p:cNvSpPr>
+            <a:spLocks noGrp="1"/>
+          </p:cNvSpPr>
+          <p:nvPr>
+            <p:ph type="body" idx="1"/>
+          </p:nvPr>
+        </p:nvSpPr>
+        <p:spPr/>
+        <p:txBody>
+          <a:bodyPr/>
+          <a:lstStyle/>
+          <a:p>
+            <a:endParaRPr lang="en-US" dirty="0"/>
+          </a:p>
+        </p:txBody>
+      </p:sp>
+      <p:sp>
+        <p:nvSpPr>
+          <p:cNvPr id="4" name="Slide Number Placeholder 3"/>
+          <p:cNvSpPr>
+            <a:spLocks noGrp="1"/>
+          </p:cNvSpPr>
+          <p:nvPr>
+            <p:ph type="sldNum" sz="quarter" idx="5"/>
+          </p:nvPr>
+        </p:nvSpPr>
+        <p:spPr/>
+        <p:txBody>
+          <a:bodyPr/>
+          <a:lstStyle/>
+          <a:p>
+            <a:fld id="{C6F3DA7C-EC83-4247-A7C9-512D14D879DF}" type="slidenum">
+              <a:rPr lang="en-US" smtClean="0"/>
+              <a:t>18</a:t>
+            </a:fld>
+            <a:endParaRPr lang="en-US"/>
+          </a:p>
+        </p:txBody>
+      </p:sp>
+    </p:spTree>
+    <p:extLst>
+      <p:ext uri="{BB962C8B-B14F-4D97-AF65-F5344CB8AC3E}">
+        <p14:creationId xmlns:p14="http://schemas.microsoft.com/office/powerpoint/2010/main" val="836063890"/>
       </p:ext>
     </p:extLst>
   </p:cSld>
@@ -7250,7 +8019,7 @@
           <a:p>
             <a:fld id="{8C0AA0B7-332D-774C-A1C2-95B9048EE1A4}" type="datetimeFigureOut">
               <a:rPr lang="en-US" smtClean="0"/>
-              <a:t>7/18/20</a:t>
+              <a:t>7/29/20</a:t>
             </a:fld>
             <a:endParaRPr lang="en-US"/>
           </a:p>
@@ -7448,7 +8217,7 @@
           <a:p>
             <a:fld id="{8C0AA0B7-332D-774C-A1C2-95B9048EE1A4}" type="datetimeFigureOut">
               <a:rPr lang="en-US" smtClean="0"/>
-              <a:t>7/18/20</a:t>
+              <a:t>7/29/20</a:t>
             </a:fld>
             <a:endParaRPr lang="en-US"/>
           </a:p>
@@ -7656,7 +8425,7 @@
           <a:p>
             <a:fld id="{8C0AA0B7-332D-774C-A1C2-95B9048EE1A4}" type="datetimeFigureOut">
               <a:rPr lang="en-US" smtClean="0"/>
-              <a:t>7/18/20</a:t>
+              <a:t>7/29/20</a:t>
             </a:fld>
             <a:endParaRPr lang="en-US"/>
           </a:p>
@@ -7854,7 +8623,7 @@
           <a:p>
             <a:fld id="{8C0AA0B7-332D-774C-A1C2-95B9048EE1A4}" type="datetimeFigureOut">
               <a:rPr lang="en-US" smtClean="0"/>
-              <a:t>7/18/20</a:t>
+              <a:t>7/29/20</a:t>
             </a:fld>
             <a:endParaRPr lang="en-US"/>
           </a:p>
@@ -8129,7 +8898,7 @@
           <a:p>
             <a:fld id="{8C0AA0B7-332D-774C-A1C2-95B9048EE1A4}" type="datetimeFigureOut">
               <a:rPr lang="en-US" smtClean="0"/>
-              <a:t>7/18/20</a:t>
+              <a:t>7/29/20</a:t>
             </a:fld>
             <a:endParaRPr lang="en-US"/>
           </a:p>
@@ -8394,7 +9163,7 @@
           <a:p>
             <a:fld id="{8C0AA0B7-332D-774C-A1C2-95B9048EE1A4}" type="datetimeFigureOut">
               <a:rPr lang="en-US" smtClean="0"/>
-              <a:t>7/18/20</a:t>
+              <a:t>7/29/20</a:t>
             </a:fld>
             <a:endParaRPr lang="en-US"/>
           </a:p>
@@ -8806,7 +9575,7 @@
           <a:p>
             <a:fld id="{8C0AA0B7-332D-774C-A1C2-95B9048EE1A4}" type="datetimeFigureOut">
               <a:rPr lang="en-US" smtClean="0"/>
-              <a:t>7/18/20</a:t>
+              <a:t>7/29/20</a:t>
             </a:fld>
             <a:endParaRPr lang="en-US"/>
           </a:p>
@@ -8947,7 +9716,7 @@
           <a:p>
             <a:fld id="{8C0AA0B7-332D-774C-A1C2-95B9048EE1A4}" type="datetimeFigureOut">
               <a:rPr lang="en-US" smtClean="0"/>
-              <a:t>7/18/20</a:t>
+              <a:t>7/29/20</a:t>
             </a:fld>
             <a:endParaRPr lang="en-US"/>
           </a:p>
@@ -9060,7 +9829,7 @@
           <a:p>
             <a:fld id="{8C0AA0B7-332D-774C-A1C2-95B9048EE1A4}" type="datetimeFigureOut">
               <a:rPr lang="en-US" smtClean="0"/>
-              <a:t>7/18/20</a:t>
+              <a:t>7/29/20</a:t>
             </a:fld>
             <a:endParaRPr lang="en-US"/>
           </a:p>
@@ -9371,7 +10140,7 @@
           <a:p>
             <a:fld id="{8C0AA0B7-332D-774C-A1C2-95B9048EE1A4}" type="datetimeFigureOut">
               <a:rPr lang="en-US" smtClean="0"/>
-              <a:t>7/18/20</a:t>
+              <a:t>7/29/20</a:t>
             </a:fld>
             <a:endParaRPr lang="en-US"/>
           </a:p>
@@ -9659,7 +10428,7 @@
           <a:p>
             <a:fld id="{8C0AA0B7-332D-774C-A1C2-95B9048EE1A4}" type="datetimeFigureOut">
               <a:rPr lang="en-US" smtClean="0"/>
-              <a:t>7/18/20</a:t>
+              <a:t>7/29/20</a:t>
             </a:fld>
             <a:endParaRPr lang="en-US"/>
           </a:p>
@@ -9900,7 +10669,7 @@
           <a:p>
             <a:fld id="{8C0AA0B7-332D-774C-A1C2-95B9048EE1A4}" type="datetimeFigureOut">
               <a:rPr lang="en-US" smtClean="0"/>
-              <a:t>7/18/20</a:t>
+              <a:t>7/29/20</a:t>
             </a:fld>
             <a:endParaRPr lang="en-US"/>
           </a:p>
@@ -10630,6 +11399,2280 @@
       </p:grpSpPr>
       <p:sp>
         <p:nvSpPr>
+          <p:cNvPr id="17" name="Rectangle 16">
+            <a:extLst>
+              <a:ext uri="{FF2B5EF4-FFF2-40B4-BE49-F238E27FC236}">
+                <a16:creationId xmlns:a16="http://schemas.microsoft.com/office/drawing/2014/main" id="{6753252F-4873-4F63-801D-CC719279A7D5}"/>
+              </a:ext>
+              <a:ext uri="{C183D7F6-B498-43B3-948B-1728B52AA6E4}">
+                <adec:decorative xmlns:adec="http://schemas.microsoft.com/office/drawing/2017/decorative" val="1"/>
+              </a:ext>
+            </a:extLst>
+          </p:cNvPr>
+          <p:cNvSpPr>
+            <a:spLocks noGrp="1" noRot="1" noChangeAspect="1" noMove="1" noResize="1" noEditPoints="1" noAdjustHandles="1" noChangeArrowheads="1" noChangeShapeType="1" noTextEdit="1"/>
+          </p:cNvSpPr>
+          <p:nvPr>
+            <p:extLst>
+              <p:ext uri="{386F3935-93C4-4BCD-93E2-E3B085C9AB24}">
+                <p16:designElem xmlns:p16="http://schemas.microsoft.com/office/powerpoint/2015/main" val="1"/>
+              </p:ext>
+            </p:extLst>
+          </p:nvPr>
+        </p:nvSpPr>
+        <p:spPr>
+          <a:xfrm>
+            <a:off x="0" y="0"/>
+            <a:ext cx="12192000" cy="6858000"/>
+          </a:xfrm>
+          <a:prstGeom prst="rect">
+            <a:avLst/>
+          </a:prstGeom>
+          <a:solidFill>
+            <a:srgbClr val="FFFFFF"/>
+          </a:solidFill>
+          <a:ln>
+            <a:noFill/>
+          </a:ln>
+        </p:spPr>
+        <p:style>
+          <a:lnRef idx="2">
+            <a:schemeClr val="accent1">
+              <a:shade val="50000"/>
+            </a:schemeClr>
+          </a:lnRef>
+          <a:fillRef idx="1">
+            <a:schemeClr val="accent1"/>
+          </a:fillRef>
+          <a:effectRef idx="0">
+            <a:schemeClr val="accent1"/>
+          </a:effectRef>
+          <a:fontRef idx="minor">
+            <a:schemeClr val="lt1"/>
+          </a:fontRef>
+        </p:style>
+        <p:txBody>
+          <a:bodyPr rtlCol="0" anchor="ctr"/>
+          <a:lstStyle/>
+          <a:p>
+            <a:pPr algn="ctr"/>
+            <a:endParaRPr lang="en-US"/>
+          </a:p>
+        </p:txBody>
+      </p:sp>
+      <p:sp>
+        <p:nvSpPr>
+          <p:cNvPr id="19" name="Rectangle 18">
+            <a:extLst>
+              <a:ext uri="{FF2B5EF4-FFF2-40B4-BE49-F238E27FC236}">
+                <a16:creationId xmlns:a16="http://schemas.microsoft.com/office/drawing/2014/main" id="{047C8CCB-F95D-4249-92DD-651249D3535A}"/>
+              </a:ext>
+              <a:ext uri="{C183D7F6-B498-43B3-948B-1728B52AA6E4}">
+                <adec:decorative xmlns:adec="http://schemas.microsoft.com/office/drawing/2017/decorative" val="1"/>
+              </a:ext>
+            </a:extLst>
+          </p:cNvPr>
+          <p:cNvSpPr>
+            <a:spLocks noGrp="1" noRot="1" noChangeAspect="1" noMove="1" noResize="1" noEditPoints="1" noAdjustHandles="1" noChangeArrowheads="1" noChangeShapeType="1" noTextEdit="1"/>
+          </p:cNvSpPr>
+          <p:nvPr>
+            <p:extLst>
+              <p:ext uri="{386F3935-93C4-4BCD-93E2-E3B085C9AB24}">
+                <p16:designElem xmlns:p16="http://schemas.microsoft.com/office/powerpoint/2015/main" val="1"/>
+              </p:ext>
+            </p:extLst>
+          </p:nvPr>
+        </p:nvSpPr>
+        <p:spPr>
+          <a:xfrm>
+            <a:off x="0" y="0"/>
+            <a:ext cx="2013557" cy="6858000"/>
+          </a:xfrm>
+          <a:prstGeom prst="rect">
+            <a:avLst/>
+          </a:prstGeom>
+          <a:solidFill>
+            <a:srgbClr val="7F7F7F"/>
+          </a:solidFill>
+          <a:ln>
+            <a:noFill/>
+          </a:ln>
+        </p:spPr>
+        <p:style>
+          <a:lnRef idx="2">
+            <a:schemeClr val="accent1">
+              <a:shade val="50000"/>
+            </a:schemeClr>
+          </a:lnRef>
+          <a:fillRef idx="1">
+            <a:schemeClr val="accent1"/>
+          </a:fillRef>
+          <a:effectRef idx="0">
+            <a:schemeClr val="accent1"/>
+          </a:effectRef>
+          <a:fontRef idx="minor">
+            <a:schemeClr val="lt1"/>
+          </a:fontRef>
+        </p:style>
+        <p:txBody>
+          <a:bodyPr rtlCol="0" anchor="ctr"/>
+          <a:lstStyle/>
+          <a:p>
+            <a:pPr algn="ctr"/>
+            <a:endParaRPr lang="en-US"/>
+          </a:p>
+        </p:txBody>
+      </p:sp>
+      <p:sp>
+        <p:nvSpPr>
+          <p:cNvPr id="2" name="Title 1">
+            <a:extLst>
+              <a:ext uri="{FF2B5EF4-FFF2-40B4-BE49-F238E27FC236}">
+                <a16:creationId xmlns:a16="http://schemas.microsoft.com/office/drawing/2014/main" id="{BFE59AFC-F1AE-9C48-9EF1-5661A5D06323}"/>
+              </a:ext>
+            </a:extLst>
+          </p:cNvPr>
+          <p:cNvSpPr>
+            <a:spLocks noGrp="1"/>
+          </p:cNvSpPr>
+          <p:nvPr>
+            <p:ph type="title"/>
+          </p:nvPr>
+        </p:nvSpPr>
+        <p:spPr>
+          <a:xfrm>
+            <a:off x="640080" y="2074363"/>
+            <a:ext cx="2752354" cy="2709275"/>
+          </a:xfrm>
+          <a:prstGeom prst="ellipse">
+            <a:avLst/>
+          </a:prstGeom>
+          <a:solidFill>
+            <a:srgbClr val="262626"/>
+          </a:solidFill>
+          <a:ln w="174625" cmpd="thinThick">
+            <a:solidFill>
+              <a:srgbClr val="262626"/>
+            </a:solidFill>
+          </a:ln>
+        </p:spPr>
+        <p:txBody>
+          <a:bodyPr vert="horz" lIns="91440" tIns="45720" rIns="91440" bIns="45720" rtlCol="0" anchor="ctr">
+            <a:normAutofit/>
+          </a:bodyPr>
+          <a:lstStyle/>
+          <a:p>
+            <a:pPr algn="ctr"/>
+            <a:r>
+              <a:rPr lang="en-US" sz="2600" kern="1200" dirty="0">
+                <a:solidFill>
+                  <a:srgbClr val="FFFFFF"/>
+                </a:solidFill>
+                <a:latin typeface="+mj-lt"/>
+                <a:ea typeface="+mj-ea"/>
+                <a:cs typeface="+mj-cs"/>
+              </a:rPr>
+              <a:t>VBL Step Size Optimization</a:t>
+            </a:r>
+          </a:p>
+        </p:txBody>
+      </p:sp>
+      <p:pic>
+        <p:nvPicPr>
+          <p:cNvPr id="5" name="Content Placeholder 4">
+            <a:extLst>
+              <a:ext uri="{FF2B5EF4-FFF2-40B4-BE49-F238E27FC236}">
+                <a16:creationId xmlns:a16="http://schemas.microsoft.com/office/drawing/2014/main" id="{D000D309-AA32-AE4D-BF85-B8ACCC1D937E}"/>
+              </a:ext>
+            </a:extLst>
+          </p:cNvPr>
+          <p:cNvPicPr>
+            <a:picLocks noGrp="1" noChangeAspect="1"/>
+          </p:cNvPicPr>
+          <p:nvPr>
+            <p:ph idx="1"/>
+          </p:nvPr>
+        </p:nvPicPr>
+        <p:blipFill>
+          <a:blip r:embed="rId2"/>
+          <a:stretch/>
+        </p:blipFill>
+        <p:spPr>
+          <a:xfrm>
+            <a:off x="4663726" y="961812"/>
+            <a:ext cx="5937946" cy="4930987"/>
+          </a:xfrm>
+          <a:prstGeom prst="rect">
+            <a:avLst/>
+          </a:prstGeom>
+        </p:spPr>
+      </p:pic>
+    </p:spTree>
+    <p:extLst>
+      <p:ext uri="{BB962C8B-B14F-4D97-AF65-F5344CB8AC3E}">
+        <p14:creationId xmlns:p14="http://schemas.microsoft.com/office/powerpoint/2010/main" val="994093988"/>
+      </p:ext>
+    </p:extLst>
+  </p:cSld>
+  <p:clrMapOvr>
+    <a:masterClrMapping/>
+  </p:clrMapOvr>
+</p:sld>
+</file>
+
+<file path=ppt/slides/slide11.xml><?xml version="1.0" encoding="utf-8"?>
+<p:sld xmlns:a="http://schemas.openxmlformats.org/drawingml/2006/main" xmlns:r="http://schemas.openxmlformats.org/officeDocument/2006/relationships" xmlns:p="http://schemas.openxmlformats.org/presentationml/2006/main">
+  <p:cSld>
+    <p:spTree>
+      <p:nvGrpSpPr>
+        <p:cNvPr id="1" name=""/>
+        <p:cNvGrpSpPr/>
+        <p:nvPr/>
+      </p:nvGrpSpPr>
+      <p:grpSpPr>
+        <a:xfrm>
+          <a:off x="0" y="0"/>
+          <a:ext cx="0" cy="0"/>
+          <a:chOff x="0" y="0"/>
+          <a:chExt cx="0" cy="0"/>
+        </a:xfrm>
+      </p:grpSpPr>
+      <p:sp>
+        <p:nvSpPr>
+          <p:cNvPr id="2" name="Title 1">
+            <a:extLst>
+              <a:ext uri="{FF2B5EF4-FFF2-40B4-BE49-F238E27FC236}">
+                <a16:creationId xmlns:a16="http://schemas.microsoft.com/office/drawing/2014/main" id="{A44DEBA8-7F4D-624A-9EDA-A32A431E1222}"/>
+              </a:ext>
+            </a:extLst>
+          </p:cNvPr>
+          <p:cNvSpPr>
+            <a:spLocks noGrp="1"/>
+          </p:cNvSpPr>
+          <p:nvPr>
+            <p:ph type="title"/>
+          </p:nvPr>
+        </p:nvSpPr>
+        <p:spPr/>
+        <p:txBody>
+          <a:bodyPr/>
+          <a:lstStyle/>
+          <a:p>
+            <a:r>
+              <a:rPr lang="en-US" dirty="0"/>
+              <a:t>VSL Step Size Optimization Final</a:t>
+            </a:r>
+          </a:p>
+        </p:txBody>
+      </p:sp>
+      <p:sp>
+        <p:nvSpPr>
+          <p:cNvPr id="3" name="Content Placeholder 2">
+            <a:extLst>
+              <a:ext uri="{FF2B5EF4-FFF2-40B4-BE49-F238E27FC236}">
+                <a16:creationId xmlns:a16="http://schemas.microsoft.com/office/drawing/2014/main" id="{42216DCE-76CC-7447-8531-C8EDCCDAF1C8}"/>
+              </a:ext>
+            </a:extLst>
+          </p:cNvPr>
+          <p:cNvSpPr>
+            <a:spLocks noGrp="1"/>
+          </p:cNvSpPr>
+          <p:nvPr>
+            <p:ph idx="1"/>
+          </p:nvPr>
+        </p:nvSpPr>
+        <p:spPr/>
+        <p:txBody>
+          <a:bodyPr/>
+          <a:lstStyle/>
+          <a:p>
+            <a:endParaRPr lang="en-US"/>
+          </a:p>
+        </p:txBody>
+      </p:sp>
+    </p:spTree>
+    <p:extLst>
+      <p:ext uri="{BB962C8B-B14F-4D97-AF65-F5344CB8AC3E}">
+        <p14:creationId xmlns:p14="http://schemas.microsoft.com/office/powerpoint/2010/main" val="2262564985"/>
+      </p:ext>
+    </p:extLst>
+  </p:cSld>
+  <p:clrMapOvr>
+    <a:masterClrMapping/>
+  </p:clrMapOvr>
+</p:sld>
+</file>
+
+<file path=ppt/slides/slide12.xml><?xml version="1.0" encoding="utf-8"?>
+<p:sld xmlns:a="http://schemas.openxmlformats.org/drawingml/2006/main" xmlns:r="http://schemas.openxmlformats.org/officeDocument/2006/relationships" xmlns:p="http://schemas.openxmlformats.org/presentationml/2006/main">
+  <p:cSld>
+    <p:bg>
+      <p:bgPr>
+        <a:solidFill>
+          <a:schemeClr val="bg1"/>
+        </a:solidFill>
+        <a:effectLst/>
+      </p:bgPr>
+    </p:bg>
+    <p:spTree>
+      <p:nvGrpSpPr>
+        <p:cNvPr id="1" name=""/>
+        <p:cNvGrpSpPr/>
+        <p:nvPr/>
+      </p:nvGrpSpPr>
+      <p:grpSpPr>
+        <a:xfrm>
+          <a:off x="0" y="0"/>
+          <a:ext cx="0" cy="0"/>
+          <a:chOff x="0" y="0"/>
+          <a:chExt cx="0" cy="0"/>
+        </a:xfrm>
+      </p:grpSpPr>
+      <p:sp>
+        <p:nvSpPr>
+          <p:cNvPr id="88" name="Rectangle 77">
+            <a:extLst>
+              <a:ext uri="{FF2B5EF4-FFF2-40B4-BE49-F238E27FC236}">
+                <a16:creationId xmlns:a16="http://schemas.microsoft.com/office/drawing/2014/main" id="{6753252F-4873-4F63-801D-CC719279A7D5}"/>
+              </a:ext>
+              <a:ext uri="{C183D7F6-B498-43B3-948B-1728B52AA6E4}">
+                <adec:decorative xmlns:adec="http://schemas.microsoft.com/office/drawing/2017/decorative" val="1"/>
+              </a:ext>
+            </a:extLst>
+          </p:cNvPr>
+          <p:cNvSpPr>
+            <a:spLocks noGrp="1" noRot="1" noChangeAspect="1" noMove="1" noResize="1" noEditPoints="1" noAdjustHandles="1" noChangeArrowheads="1" noChangeShapeType="1" noTextEdit="1"/>
+          </p:cNvSpPr>
+          <p:nvPr>
+            <p:extLst>
+              <p:ext uri="{386F3935-93C4-4BCD-93E2-E3B085C9AB24}">
+                <p16:designElem xmlns:p16="http://schemas.microsoft.com/office/powerpoint/2015/main" val="1"/>
+              </p:ext>
+            </p:extLst>
+          </p:nvPr>
+        </p:nvSpPr>
+        <p:spPr>
+          <a:xfrm>
+            <a:off x="0" y="0"/>
+            <a:ext cx="12192000" cy="6858000"/>
+          </a:xfrm>
+          <a:prstGeom prst="rect">
+            <a:avLst/>
+          </a:prstGeom>
+          <a:solidFill>
+            <a:srgbClr val="FFFFFF"/>
+          </a:solidFill>
+          <a:ln>
+            <a:noFill/>
+          </a:ln>
+        </p:spPr>
+        <p:style>
+          <a:lnRef idx="2">
+            <a:schemeClr val="accent1">
+              <a:shade val="50000"/>
+            </a:schemeClr>
+          </a:lnRef>
+          <a:fillRef idx="1">
+            <a:schemeClr val="accent1"/>
+          </a:fillRef>
+          <a:effectRef idx="0">
+            <a:schemeClr val="accent1"/>
+          </a:effectRef>
+          <a:fontRef idx="minor">
+            <a:schemeClr val="lt1"/>
+          </a:fontRef>
+        </p:style>
+        <p:txBody>
+          <a:bodyPr rtlCol="0" anchor="ctr"/>
+          <a:lstStyle/>
+          <a:p>
+            <a:pPr algn="ctr"/>
+            <a:endParaRPr lang="en-US"/>
+          </a:p>
+        </p:txBody>
+      </p:sp>
+      <p:sp>
+        <p:nvSpPr>
+          <p:cNvPr id="89" name="Rectangle 79">
+            <a:extLst>
+              <a:ext uri="{FF2B5EF4-FFF2-40B4-BE49-F238E27FC236}">
+                <a16:creationId xmlns:a16="http://schemas.microsoft.com/office/drawing/2014/main" id="{047C8CCB-F95D-4249-92DD-651249D3535A}"/>
+              </a:ext>
+              <a:ext uri="{C183D7F6-B498-43B3-948B-1728B52AA6E4}">
+                <adec:decorative xmlns:adec="http://schemas.microsoft.com/office/drawing/2017/decorative" val="1"/>
+              </a:ext>
+            </a:extLst>
+          </p:cNvPr>
+          <p:cNvSpPr>
+            <a:spLocks noGrp="1" noRot="1" noChangeAspect="1" noMove="1" noResize="1" noEditPoints="1" noAdjustHandles="1" noChangeArrowheads="1" noChangeShapeType="1" noTextEdit="1"/>
+          </p:cNvSpPr>
+          <p:nvPr>
+            <p:extLst>
+              <p:ext uri="{386F3935-93C4-4BCD-93E2-E3B085C9AB24}">
+                <p16:designElem xmlns:p16="http://schemas.microsoft.com/office/powerpoint/2015/main" val="1"/>
+              </p:ext>
+            </p:extLst>
+          </p:nvPr>
+        </p:nvSpPr>
+        <p:spPr>
+          <a:xfrm>
+            <a:off x="0" y="0"/>
+            <a:ext cx="2013557" cy="6858000"/>
+          </a:xfrm>
+          <a:prstGeom prst="rect">
+            <a:avLst/>
+          </a:prstGeom>
+          <a:solidFill>
+            <a:srgbClr val="7F7F7F"/>
+          </a:solidFill>
+          <a:ln>
+            <a:noFill/>
+          </a:ln>
+        </p:spPr>
+        <p:style>
+          <a:lnRef idx="2">
+            <a:schemeClr val="accent1">
+              <a:shade val="50000"/>
+            </a:schemeClr>
+          </a:lnRef>
+          <a:fillRef idx="1">
+            <a:schemeClr val="accent1"/>
+          </a:fillRef>
+          <a:effectRef idx="0">
+            <a:schemeClr val="accent1"/>
+          </a:effectRef>
+          <a:fontRef idx="minor">
+            <a:schemeClr val="lt1"/>
+          </a:fontRef>
+        </p:style>
+        <p:txBody>
+          <a:bodyPr rtlCol="0" anchor="ctr"/>
+          <a:lstStyle/>
+          <a:p>
+            <a:pPr algn="ctr"/>
+            <a:endParaRPr lang="en-US"/>
+          </a:p>
+        </p:txBody>
+      </p:sp>
+      <p:sp>
+        <p:nvSpPr>
+          <p:cNvPr id="2" name="Title 1">
+            <a:extLst>
+              <a:ext uri="{FF2B5EF4-FFF2-40B4-BE49-F238E27FC236}">
+                <a16:creationId xmlns:a16="http://schemas.microsoft.com/office/drawing/2014/main" id="{0DC20D0A-1987-9B4E-A869-51F473A5029A}"/>
+              </a:ext>
+            </a:extLst>
+          </p:cNvPr>
+          <p:cNvSpPr>
+            <a:spLocks noGrp="1"/>
+          </p:cNvSpPr>
+          <p:nvPr>
+            <p:ph type="title"/>
+          </p:nvPr>
+        </p:nvSpPr>
+        <p:spPr>
+          <a:xfrm>
+            <a:off x="640080" y="2074363"/>
+            <a:ext cx="2752354" cy="2709275"/>
+          </a:xfrm>
+          <a:prstGeom prst="ellipse">
+            <a:avLst/>
+          </a:prstGeom>
+          <a:solidFill>
+            <a:srgbClr val="262626"/>
+          </a:solidFill>
+          <a:ln w="174625" cmpd="thinThick">
+            <a:solidFill>
+              <a:srgbClr val="262626"/>
+            </a:solidFill>
+          </a:ln>
+        </p:spPr>
+        <p:txBody>
+          <a:bodyPr vert="horz" lIns="91440" tIns="45720" rIns="91440" bIns="45720" rtlCol="0" anchor="ctr">
+            <a:normAutofit/>
+          </a:bodyPr>
+          <a:lstStyle/>
+          <a:p>
+            <a:pPr algn="ctr"/>
+            <a:r>
+              <a:rPr lang="en-US" sz="2600" kern="1200" dirty="0">
+                <a:solidFill>
+                  <a:srgbClr val="FFFFFF"/>
+                </a:solidFill>
+                <a:latin typeface="+mj-lt"/>
+                <a:ea typeface="+mj-ea"/>
+                <a:cs typeface="+mj-cs"/>
+              </a:rPr>
+              <a:t>Algorithm evaluation on 4 WLs</a:t>
+            </a:r>
+            <a:br>
+              <a:rPr lang="en-US" sz="2600" kern="1200" dirty="0">
+                <a:solidFill>
+                  <a:srgbClr val="FFFFFF"/>
+                </a:solidFill>
+                <a:latin typeface="+mj-lt"/>
+                <a:ea typeface="+mj-ea"/>
+                <a:cs typeface="+mj-cs"/>
+              </a:rPr>
+            </a:br>
+            <a:r>
+              <a:rPr lang="en-US" sz="2600" kern="1200" dirty="0">
+                <a:solidFill>
+                  <a:srgbClr val="FFFFFF"/>
+                </a:solidFill>
+                <a:latin typeface="+mj-lt"/>
+                <a:ea typeface="+mj-ea"/>
+                <a:cs typeface="+mj-cs"/>
+              </a:rPr>
+              <a:t>(TODO)</a:t>
+            </a:r>
+          </a:p>
+        </p:txBody>
+      </p:sp>
+      <p:graphicFrame>
+        <p:nvGraphicFramePr>
+          <p:cNvPr id="16" name="Content Placeholder 4">
+            <a:extLst>
+              <a:ext uri="{FF2B5EF4-FFF2-40B4-BE49-F238E27FC236}">
+                <a16:creationId xmlns:a16="http://schemas.microsoft.com/office/drawing/2014/main" id="{408DA692-8F4E-8F48-8516-BB1D21B94E8B}"/>
+              </a:ext>
+            </a:extLst>
+          </p:cNvPr>
+          <p:cNvGraphicFramePr>
+            <a:graphicFrameLocks/>
+          </p:cNvGraphicFramePr>
+          <p:nvPr>
+            <p:extLst>
+              <p:ext uri="{D42A27DB-BD31-4B8C-83A1-F6EECF244321}">
+                <p14:modId xmlns:p14="http://schemas.microsoft.com/office/powerpoint/2010/main" val="3320641226"/>
+              </p:ext>
+            </p:extLst>
+          </p:nvPr>
+        </p:nvGraphicFramePr>
+        <p:xfrm>
+          <a:off x="4038600" y="1272415"/>
+          <a:ext cx="7188201" cy="4309783"/>
+        </p:xfrm>
+        <a:graphic>
+          <a:graphicData uri="http://schemas.openxmlformats.org/drawingml/2006/table">
+            <a:tbl>
+              <a:tblPr firstRow="1" bandRow="1">
+                <a:solidFill>
+                  <a:schemeClr val="bg1"/>
+                </a:solidFill>
+                <a:tableStyleId>{5C22544A-7EE6-4342-B048-85BDC9FD1C3A}</a:tableStyleId>
+              </a:tblPr>
+              <a:tblGrid>
+                <a:gridCol w="1383957">
+                  <a:extLst>
+                    <a:ext uri="{9D8B030D-6E8A-4147-A177-3AD203B41FA5}">
+                      <a16:colId xmlns:a16="http://schemas.microsoft.com/office/drawing/2014/main" val="3377438545"/>
+                    </a:ext>
+                  </a:extLst>
+                </a:gridCol>
+                <a:gridCol w="1558857">
+                  <a:extLst>
+                    <a:ext uri="{9D8B030D-6E8A-4147-A177-3AD203B41FA5}">
+                      <a16:colId xmlns:a16="http://schemas.microsoft.com/office/drawing/2014/main" val="1980714270"/>
+                    </a:ext>
+                  </a:extLst>
+                </a:gridCol>
+                <a:gridCol w="1315247">
+                  <a:extLst>
+                    <a:ext uri="{9D8B030D-6E8A-4147-A177-3AD203B41FA5}">
+                      <a16:colId xmlns:a16="http://schemas.microsoft.com/office/drawing/2014/main" val="184899816"/>
+                    </a:ext>
+                  </a:extLst>
+                </a:gridCol>
+                <a:gridCol w="1426611">
+                  <a:extLst>
+                    <a:ext uri="{9D8B030D-6E8A-4147-A177-3AD203B41FA5}">
+                      <a16:colId xmlns:a16="http://schemas.microsoft.com/office/drawing/2014/main" val="254197326"/>
+                    </a:ext>
+                  </a:extLst>
+                </a:gridCol>
+                <a:gridCol w="1503529">
+                  <a:extLst>
+                    <a:ext uri="{9D8B030D-6E8A-4147-A177-3AD203B41FA5}">
+                      <a16:colId xmlns:a16="http://schemas.microsoft.com/office/drawing/2014/main" val="3304410218"/>
+                    </a:ext>
+                  </a:extLst>
+                </a:gridCol>
+              </a:tblGrid>
+              <a:tr h="1184727">
+                <a:tc>
+                  <a:txBody>
+                    <a:bodyPr/>
+                    <a:lstStyle/>
+                    <a:p>
+                      <a:r>
+                        <a:rPr lang="en-US" sz="2600" b="0" cap="none" spc="0">
+                          <a:solidFill>
+                            <a:schemeClr val="bg1"/>
+                          </a:solidFill>
+                        </a:rPr>
+                        <a:t>Chip #</a:t>
+                      </a:r>
+                    </a:p>
+                  </a:txBody>
+                  <a:tcPr marL="222258" marR="165182" marT="170969" marB="170969" anchor="ctr">
+                    <a:lnL w="12700" cap="flat" cmpd="sng" algn="ctr">
+                      <a:solidFill>
+                        <a:schemeClr val="tx1"/>
+                      </a:solidFill>
+                      <a:prstDash val="solid"/>
+                      <a:round/>
+                      <a:headEnd type="none" w="med" len="med"/>
+                      <a:tailEnd type="none" w="med" len="med"/>
+                    </a:lnL>
+                    <a:lnR w="12700" cap="flat" cmpd="sng" algn="ctr">
+                      <a:solidFill>
+                        <a:schemeClr val="tx1"/>
+                      </a:solidFill>
+                      <a:prstDash val="solid"/>
+                      <a:round/>
+                      <a:headEnd type="none" w="med" len="med"/>
+                      <a:tailEnd type="none" w="med" len="med"/>
+                    </a:lnR>
+                    <a:lnT w="12700" cap="flat" cmpd="sng" algn="ctr">
+                      <a:solidFill>
+                        <a:schemeClr val="tx1"/>
+                      </a:solidFill>
+                      <a:prstDash val="solid"/>
+                      <a:round/>
+                      <a:headEnd type="none" w="med" len="med"/>
+                      <a:tailEnd type="none" w="med" len="med"/>
+                    </a:lnT>
+                    <a:lnB w="12700" cap="flat" cmpd="sng" algn="ctr">
+                      <a:solidFill>
+                        <a:schemeClr val="tx1"/>
+                      </a:solidFill>
+                      <a:prstDash val="solid"/>
+                      <a:round/>
+                      <a:headEnd type="none" w="med" len="med"/>
+                      <a:tailEnd type="none" w="med" len="med"/>
+                    </a:lnB>
+                    <a:lnTlToBr w="12700" cmpd="sng">
+                      <a:noFill/>
+                      <a:prstDash val="solid"/>
+                    </a:lnTlToBr>
+                    <a:lnBlToTr w="12700" cmpd="sng">
+                      <a:noFill/>
+                      <a:prstDash val="solid"/>
+                    </a:lnBlToTr>
+                    <a:solidFill>
+                      <a:schemeClr val="tx1"/>
+                    </a:solidFill>
+                  </a:tcPr>
+                </a:tc>
+                <a:tc>
+                  <a:txBody>
+                    <a:bodyPr/>
+                    <a:lstStyle/>
+                    <a:p>
+                      <a:r>
+                        <a:rPr lang="en-US" sz="2600" b="0" cap="none" spc="0">
+                          <a:solidFill>
+                            <a:schemeClr val="bg1"/>
+                          </a:solidFill>
+                        </a:rPr>
+                        <a:t>Cycles</a:t>
+                      </a:r>
+                    </a:p>
+                  </a:txBody>
+                  <a:tcPr marL="222258" marR="165182" marT="170969" marB="170969" anchor="ctr">
+                    <a:lnL w="12700" cap="flat" cmpd="sng" algn="ctr">
+                      <a:solidFill>
+                        <a:schemeClr val="tx1"/>
+                      </a:solidFill>
+                      <a:prstDash val="solid"/>
+                      <a:round/>
+                      <a:headEnd type="none" w="med" len="med"/>
+                      <a:tailEnd type="none" w="med" len="med"/>
+                    </a:lnL>
+                    <a:lnR w="12700" cap="flat" cmpd="sng" algn="ctr">
+                      <a:solidFill>
+                        <a:schemeClr val="tx1"/>
+                      </a:solidFill>
+                      <a:prstDash val="solid"/>
+                      <a:round/>
+                      <a:headEnd type="none" w="med" len="med"/>
+                      <a:tailEnd type="none" w="med" len="med"/>
+                    </a:lnR>
+                    <a:lnT w="12700" cap="flat" cmpd="sng" algn="ctr">
+                      <a:solidFill>
+                        <a:schemeClr val="tx1"/>
+                      </a:solidFill>
+                      <a:prstDash val="solid"/>
+                      <a:round/>
+                      <a:headEnd type="none" w="med" len="med"/>
+                      <a:tailEnd type="none" w="med" len="med"/>
+                    </a:lnT>
+                    <a:lnB w="12700" cap="flat" cmpd="sng" algn="ctr">
+                      <a:solidFill>
+                        <a:schemeClr val="tx1"/>
+                      </a:solidFill>
+                      <a:prstDash val="solid"/>
+                      <a:round/>
+                      <a:headEnd type="none" w="med" len="med"/>
+                      <a:tailEnd type="none" w="med" len="med"/>
+                    </a:lnB>
+                    <a:lnTlToBr w="12700" cmpd="sng">
+                      <a:noFill/>
+                      <a:prstDash val="solid"/>
+                    </a:lnTlToBr>
+                    <a:lnBlToTr w="12700" cmpd="sng">
+                      <a:noFill/>
+                      <a:prstDash val="solid"/>
+                    </a:lnBlToTr>
+                    <a:solidFill>
+                      <a:schemeClr val="tx1"/>
+                    </a:solidFill>
+                  </a:tcPr>
+                </a:tc>
+                <a:tc>
+                  <a:txBody>
+                    <a:bodyPr/>
+                    <a:lstStyle/>
+                    <a:p>
+                      <a:r>
+                        <a:rPr lang="en-US" sz="2600" b="0" cap="none" spc="0" dirty="0">
+                          <a:solidFill>
+                            <a:schemeClr val="bg1"/>
+                          </a:solidFill>
+                        </a:rPr>
+                        <a:t>ISPP</a:t>
+                      </a:r>
+                    </a:p>
+                  </a:txBody>
+                  <a:tcPr marL="222258" marR="165182" marT="170969" marB="170969" anchor="ctr">
+                    <a:lnL w="12700" cap="flat" cmpd="sng" algn="ctr">
+                      <a:solidFill>
+                        <a:schemeClr val="tx1"/>
+                      </a:solidFill>
+                      <a:prstDash val="solid"/>
+                      <a:round/>
+                      <a:headEnd type="none" w="med" len="med"/>
+                      <a:tailEnd type="none" w="med" len="med"/>
+                    </a:lnL>
+                    <a:lnR w="12700" cap="flat" cmpd="sng" algn="ctr">
+                      <a:solidFill>
+                        <a:schemeClr val="tx1"/>
+                      </a:solidFill>
+                      <a:prstDash val="solid"/>
+                      <a:round/>
+                      <a:headEnd type="none" w="med" len="med"/>
+                      <a:tailEnd type="none" w="med" len="med"/>
+                    </a:lnR>
+                    <a:lnT w="12700" cap="flat" cmpd="sng" algn="ctr">
+                      <a:solidFill>
+                        <a:schemeClr val="tx1"/>
+                      </a:solidFill>
+                      <a:prstDash val="solid"/>
+                      <a:round/>
+                      <a:headEnd type="none" w="med" len="med"/>
+                      <a:tailEnd type="none" w="med" len="med"/>
+                    </a:lnT>
+                    <a:lnB w="12700" cap="flat" cmpd="sng" algn="ctr">
+                      <a:solidFill>
+                        <a:schemeClr val="tx1"/>
+                      </a:solidFill>
+                      <a:prstDash val="solid"/>
+                      <a:round/>
+                      <a:headEnd type="none" w="med" len="med"/>
+                      <a:tailEnd type="none" w="med" len="med"/>
+                    </a:lnB>
+                    <a:lnTlToBr w="12700" cmpd="sng">
+                      <a:noFill/>
+                      <a:prstDash val="solid"/>
+                    </a:lnTlToBr>
+                    <a:lnBlToTr w="12700" cmpd="sng">
+                      <a:noFill/>
+                      <a:prstDash val="solid"/>
+                    </a:lnBlToTr>
+                    <a:solidFill>
+                      <a:schemeClr val="tx1"/>
+                    </a:solidFill>
+                  </a:tcPr>
+                </a:tc>
+                <a:tc>
+                  <a:txBody>
+                    <a:bodyPr/>
+                    <a:lstStyle/>
+                    <a:p>
+                      <a:r>
+                        <a:rPr lang="en-US" sz="2600" b="0" cap="none" spc="0" dirty="0">
+                          <a:solidFill>
+                            <a:schemeClr val="bg1"/>
+                          </a:solidFill>
+                        </a:rPr>
+                        <a:t>FPPV</a:t>
+                      </a:r>
+                    </a:p>
+                  </a:txBody>
+                  <a:tcPr marL="222258" marR="165182" marT="170969" marB="170969" anchor="ctr">
+                    <a:lnL w="12700" cap="flat" cmpd="sng" algn="ctr">
+                      <a:solidFill>
+                        <a:schemeClr val="tx1"/>
+                      </a:solidFill>
+                      <a:prstDash val="solid"/>
+                      <a:round/>
+                      <a:headEnd type="none" w="med" len="med"/>
+                      <a:tailEnd type="none" w="med" len="med"/>
+                    </a:lnL>
+                    <a:lnR w="12700" cap="flat" cmpd="sng" algn="ctr">
+                      <a:solidFill>
+                        <a:schemeClr val="tx1"/>
+                      </a:solidFill>
+                      <a:prstDash val="solid"/>
+                      <a:round/>
+                      <a:headEnd type="none" w="med" len="med"/>
+                      <a:tailEnd type="none" w="med" len="med"/>
+                    </a:lnR>
+                    <a:lnT w="12700" cap="flat" cmpd="sng" algn="ctr">
+                      <a:solidFill>
+                        <a:schemeClr val="tx1"/>
+                      </a:solidFill>
+                      <a:prstDash val="solid"/>
+                      <a:round/>
+                      <a:headEnd type="none" w="med" len="med"/>
+                      <a:tailEnd type="none" w="med" len="med"/>
+                    </a:lnT>
+                    <a:lnB w="12700" cap="flat" cmpd="sng" algn="ctr">
+                      <a:solidFill>
+                        <a:schemeClr val="tx1"/>
+                      </a:solidFill>
+                      <a:prstDash val="solid"/>
+                      <a:round/>
+                      <a:headEnd type="none" w="med" len="med"/>
+                      <a:tailEnd type="none" w="med" len="med"/>
+                    </a:lnB>
+                    <a:lnTlToBr w="12700" cmpd="sng">
+                      <a:noFill/>
+                      <a:prstDash val="solid"/>
+                    </a:lnTlToBr>
+                    <a:lnBlToTr w="12700" cmpd="sng">
+                      <a:noFill/>
+                      <a:prstDash val="solid"/>
+                    </a:lnBlToTr>
+                    <a:solidFill>
+                      <a:schemeClr val="tx1"/>
+                    </a:solidFill>
+                  </a:tcPr>
+                </a:tc>
+                <a:tc>
+                  <a:txBody>
+                    <a:bodyPr/>
+                    <a:lstStyle/>
+                    <a:p>
+                      <a:r>
+                        <a:rPr lang="en-US" sz="2600" b="0" cap="none" spc="0">
+                          <a:solidFill>
+                            <a:schemeClr val="bg1"/>
+                          </a:solidFill>
+                        </a:rPr>
+                        <a:t>SDCFC</a:t>
+                      </a:r>
+                    </a:p>
+                  </a:txBody>
+                  <a:tcPr marL="222258" marR="165182" marT="170969" marB="170969" anchor="ctr">
+                    <a:lnL w="12700" cap="flat" cmpd="sng" algn="ctr">
+                      <a:solidFill>
+                        <a:schemeClr val="tx1"/>
+                      </a:solidFill>
+                      <a:prstDash val="solid"/>
+                      <a:round/>
+                      <a:headEnd type="none" w="med" len="med"/>
+                      <a:tailEnd type="none" w="med" len="med"/>
+                    </a:lnL>
+                    <a:lnR w="12700" cap="flat" cmpd="sng" algn="ctr">
+                      <a:solidFill>
+                        <a:schemeClr val="tx1"/>
+                      </a:solidFill>
+                      <a:prstDash val="solid"/>
+                      <a:round/>
+                      <a:headEnd type="none" w="med" len="med"/>
+                      <a:tailEnd type="none" w="med" len="med"/>
+                    </a:lnR>
+                    <a:lnT w="12700" cap="flat" cmpd="sng" algn="ctr">
+                      <a:solidFill>
+                        <a:schemeClr val="tx1"/>
+                      </a:solidFill>
+                      <a:prstDash val="solid"/>
+                      <a:round/>
+                      <a:headEnd type="none" w="med" len="med"/>
+                      <a:tailEnd type="none" w="med" len="med"/>
+                    </a:lnT>
+                    <a:lnB w="12700" cap="flat" cmpd="sng" algn="ctr">
+                      <a:solidFill>
+                        <a:schemeClr val="tx1"/>
+                      </a:solidFill>
+                      <a:prstDash val="solid"/>
+                      <a:round/>
+                      <a:headEnd type="none" w="med" len="med"/>
+                      <a:tailEnd type="none" w="med" len="med"/>
+                    </a:lnB>
+                    <a:lnTlToBr w="12700" cmpd="sng">
+                      <a:noFill/>
+                      <a:prstDash val="solid"/>
+                    </a:lnTlToBr>
+                    <a:lnBlToTr w="12700" cmpd="sng">
+                      <a:noFill/>
+                      <a:prstDash val="solid"/>
+                    </a:lnBlToTr>
+                    <a:solidFill>
+                      <a:schemeClr val="tx1"/>
+                    </a:solidFill>
+                  </a:tcPr>
+                </a:tc>
+                <a:extLst>
+                  <a:ext uri="{0D108BD9-81ED-4DB2-BD59-A6C34878D82A}">
+                    <a16:rowId xmlns:a16="http://schemas.microsoft.com/office/drawing/2014/main" val="230851791"/>
+                  </a:ext>
+                </a:extLst>
+              </a:tr>
+              <a:tr h="781264">
+                <a:tc>
+                  <a:txBody>
+                    <a:bodyPr/>
+                    <a:lstStyle/>
+                    <a:p>
+                      <a:r>
+                        <a:rPr lang="en-US" sz="2600" cap="none" spc="0">
+                          <a:solidFill>
+                            <a:schemeClr val="tx1"/>
+                          </a:solidFill>
+                        </a:rPr>
+                        <a:t>1</a:t>
+                      </a:r>
+                    </a:p>
+                  </a:txBody>
+                  <a:tcPr marL="222258" marR="165182" marT="170969" marB="170969">
+                    <a:lnL w="12700" cap="flat" cmpd="sng" algn="ctr">
+                      <a:solidFill>
+                        <a:schemeClr val="tx1"/>
+                      </a:solidFill>
+                      <a:prstDash val="solid"/>
+                      <a:round/>
+                      <a:headEnd type="none" w="med" len="med"/>
+                      <a:tailEnd type="none" w="med" len="med"/>
+                    </a:lnL>
+                    <a:lnR w="12700" cap="flat" cmpd="sng" algn="ctr">
+                      <a:solidFill>
+                        <a:schemeClr val="tx1"/>
+                      </a:solidFill>
+                      <a:prstDash val="solid"/>
+                      <a:round/>
+                      <a:headEnd type="none" w="med" len="med"/>
+                      <a:tailEnd type="none" w="med" len="med"/>
+                    </a:lnR>
+                    <a:lnT w="12700" cap="flat" cmpd="sng" algn="ctr">
+                      <a:solidFill>
+                        <a:schemeClr val="tx1"/>
+                      </a:solidFill>
+                      <a:prstDash val="solid"/>
+                      <a:round/>
+                      <a:headEnd type="none" w="med" len="med"/>
+                      <a:tailEnd type="none" w="med" len="med"/>
+                    </a:lnT>
+                    <a:lnB w="12700" cap="flat" cmpd="sng" algn="ctr">
+                      <a:solidFill>
+                        <a:schemeClr val="tx1"/>
+                      </a:solidFill>
+                      <a:prstDash val="solid"/>
+                      <a:round/>
+                      <a:headEnd type="none" w="med" len="med"/>
+                      <a:tailEnd type="none" w="med" len="med"/>
+                    </a:lnB>
+                    <a:lnTlToBr w="12700" cmpd="sng">
+                      <a:noFill/>
+                      <a:prstDash val="solid"/>
+                    </a:lnTlToBr>
+                    <a:lnBlToTr w="12700" cmpd="sng">
+                      <a:noFill/>
+                      <a:prstDash val="solid"/>
+                    </a:lnBlToTr>
+                    <a:noFill/>
+                  </a:tcPr>
+                </a:tc>
+                <a:tc>
+                  <a:txBody>
+                    <a:bodyPr/>
+                    <a:lstStyle/>
+                    <a:p>
+                      <a:r>
+                        <a:rPr lang="en-US" sz="2600" cap="none" spc="0">
+                          <a:solidFill>
+                            <a:schemeClr val="tx1"/>
+                          </a:solidFill>
+                        </a:rPr>
+                        <a:t>300</a:t>
+                      </a:r>
+                    </a:p>
+                  </a:txBody>
+                  <a:tcPr marL="222258" marR="165182" marT="170969" marB="170969">
+                    <a:lnL w="12700" cap="flat" cmpd="sng" algn="ctr">
+                      <a:solidFill>
+                        <a:schemeClr val="tx1"/>
+                      </a:solidFill>
+                      <a:prstDash val="solid"/>
+                      <a:round/>
+                      <a:headEnd type="none" w="med" len="med"/>
+                      <a:tailEnd type="none" w="med" len="med"/>
+                    </a:lnL>
+                    <a:lnR w="12700" cap="flat" cmpd="sng" algn="ctr">
+                      <a:solidFill>
+                        <a:schemeClr val="tx1"/>
+                      </a:solidFill>
+                      <a:prstDash val="solid"/>
+                      <a:round/>
+                      <a:headEnd type="none" w="med" len="med"/>
+                      <a:tailEnd type="none" w="med" len="med"/>
+                    </a:lnR>
+                    <a:lnT w="12700" cap="flat" cmpd="sng" algn="ctr">
+                      <a:solidFill>
+                        <a:schemeClr val="tx1"/>
+                      </a:solidFill>
+                      <a:prstDash val="solid"/>
+                      <a:round/>
+                      <a:headEnd type="none" w="med" len="med"/>
+                      <a:tailEnd type="none" w="med" len="med"/>
+                    </a:lnT>
+                    <a:lnB w="12700" cap="flat" cmpd="sng" algn="ctr">
+                      <a:solidFill>
+                        <a:schemeClr val="tx1"/>
+                      </a:solidFill>
+                      <a:prstDash val="solid"/>
+                      <a:round/>
+                      <a:headEnd type="none" w="med" len="med"/>
+                      <a:tailEnd type="none" w="med" len="med"/>
+                    </a:lnB>
+                    <a:lnTlToBr w="12700" cmpd="sng">
+                      <a:noFill/>
+                      <a:prstDash val="solid"/>
+                    </a:lnTlToBr>
+                    <a:lnBlToTr w="12700" cmpd="sng">
+                      <a:noFill/>
+                      <a:prstDash val="solid"/>
+                    </a:lnBlToTr>
+                    <a:noFill/>
+                  </a:tcPr>
+                </a:tc>
+                <a:tc>
+                  <a:txBody>
+                    <a:bodyPr/>
+                    <a:lstStyle/>
+                    <a:p>
+                      <a:r>
+                        <a:rPr lang="en-US" sz="2600" cap="none" spc="0" dirty="0">
+                          <a:solidFill>
+                            <a:schemeClr val="tx1"/>
+                          </a:solidFill>
+                        </a:rPr>
+                        <a:t>86.10</a:t>
+                      </a:r>
+                    </a:p>
+                  </a:txBody>
+                  <a:tcPr marL="222258" marR="165182" marT="170969" marB="170969">
+                    <a:lnL w="12700" cap="flat" cmpd="sng" algn="ctr">
+                      <a:solidFill>
+                        <a:schemeClr val="tx1"/>
+                      </a:solidFill>
+                      <a:prstDash val="solid"/>
+                      <a:round/>
+                      <a:headEnd type="none" w="med" len="med"/>
+                      <a:tailEnd type="none" w="med" len="med"/>
+                    </a:lnL>
+                    <a:lnR w="12700" cap="flat" cmpd="sng" algn="ctr">
+                      <a:solidFill>
+                        <a:schemeClr val="tx1"/>
+                      </a:solidFill>
+                      <a:prstDash val="solid"/>
+                      <a:round/>
+                      <a:headEnd type="none" w="med" len="med"/>
+                      <a:tailEnd type="none" w="med" len="med"/>
+                    </a:lnR>
+                    <a:lnT w="12700" cap="flat" cmpd="sng" algn="ctr">
+                      <a:solidFill>
+                        <a:schemeClr val="tx1"/>
+                      </a:solidFill>
+                      <a:prstDash val="solid"/>
+                      <a:round/>
+                      <a:headEnd type="none" w="med" len="med"/>
+                      <a:tailEnd type="none" w="med" len="med"/>
+                    </a:lnT>
+                    <a:lnB w="12700" cap="flat" cmpd="sng" algn="ctr">
+                      <a:solidFill>
+                        <a:schemeClr val="tx1"/>
+                      </a:solidFill>
+                      <a:prstDash val="solid"/>
+                      <a:round/>
+                      <a:headEnd type="none" w="med" len="med"/>
+                      <a:tailEnd type="none" w="med" len="med"/>
+                    </a:lnB>
+                    <a:lnTlToBr w="12700" cmpd="sng">
+                      <a:noFill/>
+                      <a:prstDash val="solid"/>
+                    </a:lnTlToBr>
+                    <a:lnBlToTr w="12700" cmpd="sng">
+                      <a:noFill/>
+                      <a:prstDash val="solid"/>
+                    </a:lnBlToTr>
+                    <a:noFill/>
+                  </a:tcPr>
+                </a:tc>
+                <a:tc>
+                  <a:txBody>
+                    <a:bodyPr/>
+                    <a:lstStyle/>
+                    <a:p>
+                      <a:endParaRPr lang="en-US" sz="2600" cap="none" spc="0">
+                        <a:solidFill>
+                          <a:schemeClr val="tx1"/>
+                        </a:solidFill>
+                      </a:endParaRPr>
+                    </a:p>
+                  </a:txBody>
+                  <a:tcPr marL="222258" marR="165182" marT="170969" marB="170969">
+                    <a:lnL w="12700" cap="flat" cmpd="sng" algn="ctr">
+                      <a:solidFill>
+                        <a:schemeClr val="tx1"/>
+                      </a:solidFill>
+                      <a:prstDash val="solid"/>
+                      <a:round/>
+                      <a:headEnd type="none" w="med" len="med"/>
+                      <a:tailEnd type="none" w="med" len="med"/>
+                    </a:lnL>
+                    <a:lnR w="12700" cap="flat" cmpd="sng" algn="ctr">
+                      <a:solidFill>
+                        <a:schemeClr val="tx1"/>
+                      </a:solidFill>
+                      <a:prstDash val="solid"/>
+                      <a:round/>
+                      <a:headEnd type="none" w="med" len="med"/>
+                      <a:tailEnd type="none" w="med" len="med"/>
+                    </a:lnR>
+                    <a:lnT w="12700" cap="flat" cmpd="sng" algn="ctr">
+                      <a:solidFill>
+                        <a:schemeClr val="tx1"/>
+                      </a:solidFill>
+                      <a:prstDash val="solid"/>
+                      <a:round/>
+                      <a:headEnd type="none" w="med" len="med"/>
+                      <a:tailEnd type="none" w="med" len="med"/>
+                    </a:lnT>
+                    <a:lnB w="12700" cap="flat" cmpd="sng" algn="ctr">
+                      <a:solidFill>
+                        <a:schemeClr val="tx1"/>
+                      </a:solidFill>
+                      <a:prstDash val="solid"/>
+                      <a:round/>
+                      <a:headEnd type="none" w="med" len="med"/>
+                      <a:tailEnd type="none" w="med" len="med"/>
+                    </a:lnB>
+                    <a:lnTlToBr w="12700" cmpd="sng">
+                      <a:noFill/>
+                      <a:prstDash val="solid"/>
+                    </a:lnTlToBr>
+                    <a:lnBlToTr w="12700" cmpd="sng">
+                      <a:noFill/>
+                      <a:prstDash val="solid"/>
+                    </a:lnBlToTr>
+                    <a:noFill/>
+                  </a:tcPr>
+                </a:tc>
+                <a:tc>
+                  <a:txBody>
+                    <a:bodyPr/>
+                    <a:lstStyle/>
+                    <a:p>
+                      <a:r>
+                        <a:rPr lang="en-US" sz="2600" cap="none" spc="0" dirty="0">
+                          <a:solidFill>
+                            <a:srgbClr val="FF0000"/>
+                          </a:solidFill>
+                        </a:rPr>
+                        <a:t>35.71</a:t>
+                      </a:r>
+                    </a:p>
+                  </a:txBody>
+                  <a:tcPr marL="222258" marR="165182" marT="170969" marB="170969">
+                    <a:lnL w="12700" cap="flat" cmpd="sng" algn="ctr">
+                      <a:solidFill>
+                        <a:schemeClr val="tx1"/>
+                      </a:solidFill>
+                      <a:prstDash val="solid"/>
+                      <a:round/>
+                      <a:headEnd type="none" w="med" len="med"/>
+                      <a:tailEnd type="none" w="med" len="med"/>
+                    </a:lnL>
+                    <a:lnR w="12700" cap="flat" cmpd="sng" algn="ctr">
+                      <a:solidFill>
+                        <a:schemeClr val="tx1"/>
+                      </a:solidFill>
+                      <a:prstDash val="solid"/>
+                      <a:round/>
+                      <a:headEnd type="none" w="med" len="med"/>
+                      <a:tailEnd type="none" w="med" len="med"/>
+                    </a:lnR>
+                    <a:lnT w="12700" cap="flat" cmpd="sng" algn="ctr">
+                      <a:solidFill>
+                        <a:schemeClr val="tx1"/>
+                      </a:solidFill>
+                      <a:prstDash val="solid"/>
+                      <a:round/>
+                      <a:headEnd type="none" w="med" len="med"/>
+                      <a:tailEnd type="none" w="med" len="med"/>
+                    </a:lnT>
+                    <a:lnB w="12700" cap="flat" cmpd="sng" algn="ctr">
+                      <a:solidFill>
+                        <a:schemeClr val="tx1"/>
+                      </a:solidFill>
+                      <a:prstDash val="solid"/>
+                      <a:round/>
+                      <a:headEnd type="none" w="med" len="med"/>
+                      <a:tailEnd type="none" w="med" len="med"/>
+                    </a:lnB>
+                    <a:lnTlToBr w="12700" cmpd="sng">
+                      <a:noFill/>
+                      <a:prstDash val="solid"/>
+                    </a:lnTlToBr>
+                    <a:lnBlToTr w="12700" cmpd="sng">
+                      <a:noFill/>
+                      <a:prstDash val="solid"/>
+                    </a:lnBlToTr>
+                    <a:noFill/>
+                  </a:tcPr>
+                </a:tc>
+                <a:extLst>
+                  <a:ext uri="{0D108BD9-81ED-4DB2-BD59-A6C34878D82A}">
+                    <a16:rowId xmlns:a16="http://schemas.microsoft.com/office/drawing/2014/main" val="3324534679"/>
+                  </a:ext>
+                </a:extLst>
+              </a:tr>
+              <a:tr h="781264">
+                <a:tc>
+                  <a:txBody>
+                    <a:bodyPr/>
+                    <a:lstStyle/>
+                    <a:p>
+                      <a:r>
+                        <a:rPr lang="en-US" sz="2600" cap="none" spc="0">
+                          <a:solidFill>
+                            <a:schemeClr val="tx1"/>
+                          </a:solidFill>
+                        </a:rPr>
+                        <a:t>2</a:t>
+                      </a:r>
+                    </a:p>
+                  </a:txBody>
+                  <a:tcPr marL="222258" marR="165182" marT="170969" marB="170969">
+                    <a:lnL w="12700" cap="flat" cmpd="sng" algn="ctr">
+                      <a:solidFill>
+                        <a:schemeClr val="tx1"/>
+                      </a:solidFill>
+                      <a:prstDash val="solid"/>
+                      <a:round/>
+                      <a:headEnd type="none" w="med" len="med"/>
+                      <a:tailEnd type="none" w="med" len="med"/>
+                    </a:lnL>
+                    <a:lnR w="12700" cap="flat" cmpd="sng" algn="ctr">
+                      <a:solidFill>
+                        <a:schemeClr val="tx1"/>
+                      </a:solidFill>
+                      <a:prstDash val="solid"/>
+                      <a:round/>
+                      <a:headEnd type="none" w="med" len="med"/>
+                      <a:tailEnd type="none" w="med" len="med"/>
+                    </a:lnR>
+                    <a:lnT w="12700" cap="flat" cmpd="sng" algn="ctr">
+                      <a:solidFill>
+                        <a:schemeClr val="tx1"/>
+                      </a:solidFill>
+                      <a:prstDash val="solid"/>
+                      <a:round/>
+                      <a:headEnd type="none" w="med" len="med"/>
+                      <a:tailEnd type="none" w="med" len="med"/>
+                    </a:lnT>
+                    <a:lnB w="12700" cap="flat" cmpd="sng" algn="ctr">
+                      <a:solidFill>
+                        <a:schemeClr val="tx1"/>
+                      </a:solidFill>
+                      <a:prstDash val="solid"/>
+                      <a:round/>
+                      <a:headEnd type="none" w="med" len="med"/>
+                      <a:tailEnd type="none" w="med" len="med"/>
+                    </a:lnB>
+                    <a:lnTlToBr w="12700" cmpd="sng">
+                      <a:noFill/>
+                      <a:prstDash val="solid"/>
+                    </a:lnTlToBr>
+                    <a:lnBlToTr w="12700" cmpd="sng">
+                      <a:noFill/>
+                      <a:prstDash val="solid"/>
+                    </a:lnBlToTr>
+                    <a:solidFill>
+                      <a:schemeClr val="bg1">
+                        <a:lumMod val="85000"/>
+                      </a:schemeClr>
+                    </a:solidFill>
+                  </a:tcPr>
+                </a:tc>
+                <a:tc>
+                  <a:txBody>
+                    <a:bodyPr/>
+                    <a:lstStyle/>
+                    <a:p>
+                      <a:r>
+                        <a:rPr lang="en-US" sz="2600" cap="none" spc="0">
+                          <a:solidFill>
+                            <a:schemeClr val="tx1"/>
+                          </a:solidFill>
+                        </a:rPr>
+                        <a:t>300</a:t>
+                      </a:r>
+                    </a:p>
+                  </a:txBody>
+                  <a:tcPr marL="222258" marR="165182" marT="170969" marB="170969">
+                    <a:lnL w="12700" cap="flat" cmpd="sng" algn="ctr">
+                      <a:solidFill>
+                        <a:schemeClr val="tx1"/>
+                      </a:solidFill>
+                      <a:prstDash val="solid"/>
+                      <a:round/>
+                      <a:headEnd type="none" w="med" len="med"/>
+                      <a:tailEnd type="none" w="med" len="med"/>
+                    </a:lnL>
+                    <a:lnR w="12700" cap="flat" cmpd="sng" algn="ctr">
+                      <a:solidFill>
+                        <a:schemeClr val="tx1"/>
+                      </a:solidFill>
+                      <a:prstDash val="solid"/>
+                      <a:round/>
+                      <a:headEnd type="none" w="med" len="med"/>
+                      <a:tailEnd type="none" w="med" len="med"/>
+                    </a:lnR>
+                    <a:lnT w="12700" cap="flat" cmpd="sng" algn="ctr">
+                      <a:solidFill>
+                        <a:schemeClr val="tx1"/>
+                      </a:solidFill>
+                      <a:prstDash val="solid"/>
+                      <a:round/>
+                      <a:headEnd type="none" w="med" len="med"/>
+                      <a:tailEnd type="none" w="med" len="med"/>
+                    </a:lnT>
+                    <a:lnB w="12700" cap="flat" cmpd="sng" algn="ctr">
+                      <a:solidFill>
+                        <a:schemeClr val="tx1"/>
+                      </a:solidFill>
+                      <a:prstDash val="solid"/>
+                      <a:round/>
+                      <a:headEnd type="none" w="med" len="med"/>
+                      <a:tailEnd type="none" w="med" len="med"/>
+                    </a:lnB>
+                    <a:lnTlToBr w="12700" cmpd="sng">
+                      <a:noFill/>
+                      <a:prstDash val="solid"/>
+                    </a:lnTlToBr>
+                    <a:lnBlToTr w="12700" cmpd="sng">
+                      <a:noFill/>
+                      <a:prstDash val="solid"/>
+                    </a:lnBlToTr>
+                    <a:solidFill>
+                      <a:schemeClr val="bg1">
+                        <a:lumMod val="85000"/>
+                      </a:schemeClr>
+                    </a:solidFill>
+                  </a:tcPr>
+                </a:tc>
+                <a:tc>
+                  <a:txBody>
+                    <a:bodyPr/>
+                    <a:lstStyle/>
+                    <a:p>
+                      <a:endParaRPr lang="en-US" sz="2600" cap="none" spc="0">
+                        <a:solidFill>
+                          <a:schemeClr val="tx1"/>
+                        </a:solidFill>
+                      </a:endParaRPr>
+                    </a:p>
+                  </a:txBody>
+                  <a:tcPr marL="222258" marR="165182" marT="170969" marB="170969">
+                    <a:lnL w="12700" cap="flat" cmpd="sng" algn="ctr">
+                      <a:solidFill>
+                        <a:schemeClr val="tx1"/>
+                      </a:solidFill>
+                      <a:prstDash val="solid"/>
+                      <a:round/>
+                      <a:headEnd type="none" w="med" len="med"/>
+                      <a:tailEnd type="none" w="med" len="med"/>
+                    </a:lnL>
+                    <a:lnR w="12700" cap="flat" cmpd="sng" algn="ctr">
+                      <a:solidFill>
+                        <a:schemeClr val="tx1"/>
+                      </a:solidFill>
+                      <a:prstDash val="solid"/>
+                      <a:round/>
+                      <a:headEnd type="none" w="med" len="med"/>
+                      <a:tailEnd type="none" w="med" len="med"/>
+                    </a:lnR>
+                    <a:lnT w="12700" cap="flat" cmpd="sng" algn="ctr">
+                      <a:solidFill>
+                        <a:schemeClr val="tx1"/>
+                      </a:solidFill>
+                      <a:prstDash val="solid"/>
+                      <a:round/>
+                      <a:headEnd type="none" w="med" len="med"/>
+                      <a:tailEnd type="none" w="med" len="med"/>
+                    </a:lnT>
+                    <a:lnB w="12700" cap="flat" cmpd="sng" algn="ctr">
+                      <a:solidFill>
+                        <a:schemeClr val="tx1"/>
+                      </a:solidFill>
+                      <a:prstDash val="solid"/>
+                      <a:round/>
+                      <a:headEnd type="none" w="med" len="med"/>
+                      <a:tailEnd type="none" w="med" len="med"/>
+                    </a:lnB>
+                    <a:lnTlToBr w="12700" cmpd="sng">
+                      <a:noFill/>
+                      <a:prstDash val="solid"/>
+                    </a:lnTlToBr>
+                    <a:lnBlToTr w="12700" cmpd="sng">
+                      <a:noFill/>
+                      <a:prstDash val="solid"/>
+                    </a:lnBlToTr>
+                    <a:solidFill>
+                      <a:schemeClr val="bg1">
+                        <a:lumMod val="85000"/>
+                      </a:schemeClr>
+                    </a:solidFill>
+                  </a:tcPr>
+                </a:tc>
+                <a:tc>
+                  <a:txBody>
+                    <a:bodyPr/>
+                    <a:lstStyle/>
+                    <a:p>
+                      <a:endParaRPr lang="en-US" sz="2600" cap="none" spc="0" dirty="0">
+                        <a:solidFill>
+                          <a:schemeClr val="tx1"/>
+                        </a:solidFill>
+                      </a:endParaRPr>
+                    </a:p>
+                  </a:txBody>
+                  <a:tcPr marL="222258" marR="165182" marT="170969" marB="170969">
+                    <a:lnL w="12700" cap="flat" cmpd="sng" algn="ctr">
+                      <a:solidFill>
+                        <a:schemeClr val="tx1"/>
+                      </a:solidFill>
+                      <a:prstDash val="solid"/>
+                      <a:round/>
+                      <a:headEnd type="none" w="med" len="med"/>
+                      <a:tailEnd type="none" w="med" len="med"/>
+                    </a:lnL>
+                    <a:lnR w="12700" cap="flat" cmpd="sng" algn="ctr">
+                      <a:solidFill>
+                        <a:schemeClr val="tx1"/>
+                      </a:solidFill>
+                      <a:prstDash val="solid"/>
+                      <a:round/>
+                      <a:headEnd type="none" w="med" len="med"/>
+                      <a:tailEnd type="none" w="med" len="med"/>
+                    </a:lnR>
+                    <a:lnT w="12700" cap="flat" cmpd="sng" algn="ctr">
+                      <a:solidFill>
+                        <a:schemeClr val="tx1"/>
+                      </a:solidFill>
+                      <a:prstDash val="solid"/>
+                      <a:round/>
+                      <a:headEnd type="none" w="med" len="med"/>
+                      <a:tailEnd type="none" w="med" len="med"/>
+                    </a:lnT>
+                    <a:lnB w="12700" cap="flat" cmpd="sng" algn="ctr">
+                      <a:solidFill>
+                        <a:schemeClr val="tx1"/>
+                      </a:solidFill>
+                      <a:prstDash val="solid"/>
+                      <a:round/>
+                      <a:headEnd type="none" w="med" len="med"/>
+                      <a:tailEnd type="none" w="med" len="med"/>
+                    </a:lnB>
+                    <a:lnTlToBr w="12700" cmpd="sng">
+                      <a:noFill/>
+                      <a:prstDash val="solid"/>
+                    </a:lnTlToBr>
+                    <a:lnBlToTr w="12700" cmpd="sng">
+                      <a:noFill/>
+                      <a:prstDash val="solid"/>
+                    </a:lnBlToTr>
+                    <a:solidFill>
+                      <a:schemeClr val="bg1">
+                        <a:lumMod val="85000"/>
+                      </a:schemeClr>
+                    </a:solidFill>
+                  </a:tcPr>
+                </a:tc>
+                <a:tc>
+                  <a:txBody>
+                    <a:bodyPr/>
+                    <a:lstStyle/>
+                    <a:p>
+                      <a:endParaRPr lang="en-US" sz="2600" cap="none" spc="0">
+                        <a:solidFill>
+                          <a:schemeClr val="tx1"/>
+                        </a:solidFill>
+                      </a:endParaRPr>
+                    </a:p>
+                  </a:txBody>
+                  <a:tcPr marL="222258" marR="165182" marT="170969" marB="170969">
+                    <a:lnL w="12700" cap="flat" cmpd="sng" algn="ctr">
+                      <a:solidFill>
+                        <a:schemeClr val="tx1"/>
+                      </a:solidFill>
+                      <a:prstDash val="solid"/>
+                      <a:round/>
+                      <a:headEnd type="none" w="med" len="med"/>
+                      <a:tailEnd type="none" w="med" len="med"/>
+                    </a:lnL>
+                    <a:lnR w="12700" cap="flat" cmpd="sng" algn="ctr">
+                      <a:solidFill>
+                        <a:schemeClr val="tx1"/>
+                      </a:solidFill>
+                      <a:prstDash val="solid"/>
+                      <a:round/>
+                      <a:headEnd type="none" w="med" len="med"/>
+                      <a:tailEnd type="none" w="med" len="med"/>
+                    </a:lnR>
+                    <a:lnT w="12700" cap="flat" cmpd="sng" algn="ctr">
+                      <a:solidFill>
+                        <a:schemeClr val="tx1"/>
+                      </a:solidFill>
+                      <a:prstDash val="solid"/>
+                      <a:round/>
+                      <a:headEnd type="none" w="med" len="med"/>
+                      <a:tailEnd type="none" w="med" len="med"/>
+                    </a:lnT>
+                    <a:lnB w="12700" cap="flat" cmpd="sng" algn="ctr">
+                      <a:solidFill>
+                        <a:schemeClr val="tx1"/>
+                      </a:solidFill>
+                      <a:prstDash val="solid"/>
+                      <a:round/>
+                      <a:headEnd type="none" w="med" len="med"/>
+                      <a:tailEnd type="none" w="med" len="med"/>
+                    </a:lnB>
+                    <a:lnTlToBr w="12700" cmpd="sng">
+                      <a:noFill/>
+                      <a:prstDash val="solid"/>
+                    </a:lnTlToBr>
+                    <a:lnBlToTr w="12700" cmpd="sng">
+                      <a:noFill/>
+                      <a:prstDash val="solid"/>
+                    </a:lnBlToTr>
+                    <a:solidFill>
+                      <a:schemeClr val="bg1">
+                        <a:lumMod val="85000"/>
+                      </a:schemeClr>
+                    </a:solidFill>
+                  </a:tcPr>
+                </a:tc>
+                <a:extLst>
+                  <a:ext uri="{0D108BD9-81ED-4DB2-BD59-A6C34878D82A}">
+                    <a16:rowId xmlns:a16="http://schemas.microsoft.com/office/drawing/2014/main" val="1565407393"/>
+                  </a:ext>
+                </a:extLst>
+              </a:tr>
+              <a:tr h="781264">
+                <a:tc>
+                  <a:txBody>
+                    <a:bodyPr/>
+                    <a:lstStyle/>
+                    <a:p>
+                      <a:r>
+                        <a:rPr lang="en-US" sz="2600" cap="none" spc="0">
+                          <a:solidFill>
+                            <a:schemeClr val="tx1"/>
+                          </a:solidFill>
+                        </a:rPr>
+                        <a:t>1</a:t>
+                      </a:r>
+                    </a:p>
+                  </a:txBody>
+                  <a:tcPr marL="222258" marR="165182" marT="170969" marB="170969">
+                    <a:lnL w="12700" cap="flat" cmpd="sng" algn="ctr">
+                      <a:solidFill>
+                        <a:schemeClr val="tx1"/>
+                      </a:solidFill>
+                      <a:prstDash val="solid"/>
+                      <a:round/>
+                      <a:headEnd type="none" w="med" len="med"/>
+                      <a:tailEnd type="none" w="med" len="med"/>
+                    </a:lnL>
+                    <a:lnR w="12700" cap="flat" cmpd="sng" algn="ctr">
+                      <a:solidFill>
+                        <a:schemeClr val="tx1"/>
+                      </a:solidFill>
+                      <a:prstDash val="solid"/>
+                      <a:round/>
+                      <a:headEnd type="none" w="med" len="med"/>
+                      <a:tailEnd type="none" w="med" len="med"/>
+                    </a:lnR>
+                    <a:lnT w="12700" cap="flat" cmpd="sng" algn="ctr">
+                      <a:solidFill>
+                        <a:schemeClr val="tx1"/>
+                      </a:solidFill>
+                      <a:prstDash val="solid"/>
+                      <a:round/>
+                      <a:headEnd type="none" w="med" len="med"/>
+                      <a:tailEnd type="none" w="med" len="med"/>
+                    </a:lnT>
+                    <a:lnB w="12700" cap="flat" cmpd="sng" algn="ctr">
+                      <a:solidFill>
+                        <a:schemeClr val="tx1"/>
+                      </a:solidFill>
+                      <a:prstDash val="solid"/>
+                      <a:round/>
+                      <a:headEnd type="none" w="med" len="med"/>
+                      <a:tailEnd type="none" w="med" len="med"/>
+                    </a:lnB>
+                    <a:lnTlToBr w="12700" cmpd="sng">
+                      <a:noFill/>
+                      <a:prstDash val="solid"/>
+                    </a:lnTlToBr>
+                    <a:lnBlToTr w="12700" cmpd="sng">
+                      <a:noFill/>
+                      <a:prstDash val="solid"/>
+                    </a:lnBlToTr>
+                    <a:noFill/>
+                  </a:tcPr>
+                </a:tc>
+                <a:tc>
+                  <a:txBody>
+                    <a:bodyPr/>
+                    <a:lstStyle/>
+                    <a:p>
+                      <a:r>
+                        <a:rPr lang="en-US" sz="2600" cap="none" spc="0">
+                          <a:solidFill>
+                            <a:schemeClr val="tx1"/>
+                          </a:solidFill>
+                        </a:rPr>
+                        <a:t>10k</a:t>
+                      </a:r>
+                    </a:p>
+                  </a:txBody>
+                  <a:tcPr marL="222258" marR="165182" marT="170969" marB="170969">
+                    <a:lnL w="12700" cap="flat" cmpd="sng" algn="ctr">
+                      <a:solidFill>
+                        <a:schemeClr val="tx1"/>
+                      </a:solidFill>
+                      <a:prstDash val="solid"/>
+                      <a:round/>
+                      <a:headEnd type="none" w="med" len="med"/>
+                      <a:tailEnd type="none" w="med" len="med"/>
+                    </a:lnL>
+                    <a:lnR w="12700" cap="flat" cmpd="sng" algn="ctr">
+                      <a:solidFill>
+                        <a:schemeClr val="tx1"/>
+                      </a:solidFill>
+                      <a:prstDash val="solid"/>
+                      <a:round/>
+                      <a:headEnd type="none" w="med" len="med"/>
+                      <a:tailEnd type="none" w="med" len="med"/>
+                    </a:lnR>
+                    <a:lnT w="12700" cap="flat" cmpd="sng" algn="ctr">
+                      <a:solidFill>
+                        <a:schemeClr val="tx1"/>
+                      </a:solidFill>
+                      <a:prstDash val="solid"/>
+                      <a:round/>
+                      <a:headEnd type="none" w="med" len="med"/>
+                      <a:tailEnd type="none" w="med" len="med"/>
+                    </a:lnT>
+                    <a:lnB w="12700" cap="flat" cmpd="sng" algn="ctr">
+                      <a:solidFill>
+                        <a:schemeClr val="tx1"/>
+                      </a:solidFill>
+                      <a:prstDash val="solid"/>
+                      <a:round/>
+                      <a:headEnd type="none" w="med" len="med"/>
+                      <a:tailEnd type="none" w="med" len="med"/>
+                    </a:lnB>
+                    <a:lnTlToBr w="12700" cmpd="sng">
+                      <a:noFill/>
+                      <a:prstDash val="solid"/>
+                    </a:lnTlToBr>
+                    <a:lnBlToTr w="12700" cmpd="sng">
+                      <a:noFill/>
+                      <a:prstDash val="solid"/>
+                    </a:lnBlToTr>
+                    <a:noFill/>
+                  </a:tcPr>
+                </a:tc>
+                <a:tc>
+                  <a:txBody>
+                    <a:bodyPr/>
+                    <a:lstStyle/>
+                    <a:p>
+                      <a:endParaRPr lang="en-US" sz="2600" cap="none" spc="0">
+                        <a:solidFill>
+                          <a:schemeClr val="tx1"/>
+                        </a:solidFill>
+                      </a:endParaRPr>
+                    </a:p>
+                  </a:txBody>
+                  <a:tcPr marL="222258" marR="165182" marT="170969" marB="170969">
+                    <a:lnL w="12700" cap="flat" cmpd="sng" algn="ctr">
+                      <a:solidFill>
+                        <a:schemeClr val="tx1"/>
+                      </a:solidFill>
+                      <a:prstDash val="solid"/>
+                      <a:round/>
+                      <a:headEnd type="none" w="med" len="med"/>
+                      <a:tailEnd type="none" w="med" len="med"/>
+                    </a:lnL>
+                    <a:lnR w="12700" cap="flat" cmpd="sng" algn="ctr">
+                      <a:solidFill>
+                        <a:schemeClr val="tx1"/>
+                      </a:solidFill>
+                      <a:prstDash val="solid"/>
+                      <a:round/>
+                      <a:headEnd type="none" w="med" len="med"/>
+                      <a:tailEnd type="none" w="med" len="med"/>
+                    </a:lnR>
+                    <a:lnT w="12700" cap="flat" cmpd="sng" algn="ctr">
+                      <a:solidFill>
+                        <a:schemeClr val="tx1"/>
+                      </a:solidFill>
+                      <a:prstDash val="solid"/>
+                      <a:round/>
+                      <a:headEnd type="none" w="med" len="med"/>
+                      <a:tailEnd type="none" w="med" len="med"/>
+                    </a:lnT>
+                    <a:lnB w="12700" cap="flat" cmpd="sng" algn="ctr">
+                      <a:solidFill>
+                        <a:schemeClr val="tx1"/>
+                      </a:solidFill>
+                      <a:prstDash val="solid"/>
+                      <a:round/>
+                      <a:headEnd type="none" w="med" len="med"/>
+                      <a:tailEnd type="none" w="med" len="med"/>
+                    </a:lnB>
+                    <a:lnTlToBr w="12700" cmpd="sng">
+                      <a:noFill/>
+                      <a:prstDash val="solid"/>
+                    </a:lnTlToBr>
+                    <a:lnBlToTr w="12700" cmpd="sng">
+                      <a:noFill/>
+                      <a:prstDash val="solid"/>
+                    </a:lnBlToTr>
+                    <a:noFill/>
+                  </a:tcPr>
+                </a:tc>
+                <a:tc>
+                  <a:txBody>
+                    <a:bodyPr/>
+                    <a:lstStyle/>
+                    <a:p>
+                      <a:endParaRPr lang="en-US" sz="2600" cap="none" spc="0">
+                        <a:solidFill>
+                          <a:schemeClr val="tx1"/>
+                        </a:solidFill>
+                      </a:endParaRPr>
+                    </a:p>
+                  </a:txBody>
+                  <a:tcPr marL="222258" marR="165182" marT="170969" marB="170969">
+                    <a:lnL w="12700" cap="flat" cmpd="sng" algn="ctr">
+                      <a:solidFill>
+                        <a:schemeClr val="tx1"/>
+                      </a:solidFill>
+                      <a:prstDash val="solid"/>
+                      <a:round/>
+                      <a:headEnd type="none" w="med" len="med"/>
+                      <a:tailEnd type="none" w="med" len="med"/>
+                    </a:lnL>
+                    <a:lnR w="12700" cap="flat" cmpd="sng" algn="ctr">
+                      <a:solidFill>
+                        <a:schemeClr val="tx1"/>
+                      </a:solidFill>
+                      <a:prstDash val="solid"/>
+                      <a:round/>
+                      <a:headEnd type="none" w="med" len="med"/>
+                      <a:tailEnd type="none" w="med" len="med"/>
+                    </a:lnR>
+                    <a:lnT w="12700" cap="flat" cmpd="sng" algn="ctr">
+                      <a:solidFill>
+                        <a:schemeClr val="tx1"/>
+                      </a:solidFill>
+                      <a:prstDash val="solid"/>
+                      <a:round/>
+                      <a:headEnd type="none" w="med" len="med"/>
+                      <a:tailEnd type="none" w="med" len="med"/>
+                    </a:lnT>
+                    <a:lnB w="12700" cap="flat" cmpd="sng" algn="ctr">
+                      <a:solidFill>
+                        <a:schemeClr val="tx1"/>
+                      </a:solidFill>
+                      <a:prstDash val="solid"/>
+                      <a:round/>
+                      <a:headEnd type="none" w="med" len="med"/>
+                      <a:tailEnd type="none" w="med" len="med"/>
+                    </a:lnB>
+                    <a:lnTlToBr w="12700" cmpd="sng">
+                      <a:noFill/>
+                      <a:prstDash val="solid"/>
+                    </a:lnTlToBr>
+                    <a:lnBlToTr w="12700" cmpd="sng">
+                      <a:noFill/>
+                      <a:prstDash val="solid"/>
+                    </a:lnBlToTr>
+                    <a:noFill/>
+                  </a:tcPr>
+                </a:tc>
+                <a:tc>
+                  <a:txBody>
+                    <a:bodyPr/>
+                    <a:lstStyle/>
+                    <a:p>
+                      <a:endParaRPr lang="en-US" sz="2600" cap="none" spc="0">
+                        <a:solidFill>
+                          <a:schemeClr val="tx1"/>
+                        </a:solidFill>
+                      </a:endParaRPr>
+                    </a:p>
+                  </a:txBody>
+                  <a:tcPr marL="222258" marR="165182" marT="170969" marB="170969">
+                    <a:lnL w="12700" cap="flat" cmpd="sng" algn="ctr">
+                      <a:solidFill>
+                        <a:schemeClr val="tx1"/>
+                      </a:solidFill>
+                      <a:prstDash val="solid"/>
+                      <a:round/>
+                      <a:headEnd type="none" w="med" len="med"/>
+                      <a:tailEnd type="none" w="med" len="med"/>
+                    </a:lnL>
+                    <a:lnR w="12700" cap="flat" cmpd="sng" algn="ctr">
+                      <a:solidFill>
+                        <a:schemeClr val="tx1"/>
+                      </a:solidFill>
+                      <a:prstDash val="solid"/>
+                      <a:round/>
+                      <a:headEnd type="none" w="med" len="med"/>
+                      <a:tailEnd type="none" w="med" len="med"/>
+                    </a:lnR>
+                    <a:lnT w="12700" cap="flat" cmpd="sng" algn="ctr">
+                      <a:solidFill>
+                        <a:schemeClr val="tx1"/>
+                      </a:solidFill>
+                      <a:prstDash val="solid"/>
+                      <a:round/>
+                      <a:headEnd type="none" w="med" len="med"/>
+                      <a:tailEnd type="none" w="med" len="med"/>
+                    </a:lnT>
+                    <a:lnB w="12700" cap="flat" cmpd="sng" algn="ctr">
+                      <a:solidFill>
+                        <a:schemeClr val="tx1"/>
+                      </a:solidFill>
+                      <a:prstDash val="solid"/>
+                      <a:round/>
+                      <a:headEnd type="none" w="med" len="med"/>
+                      <a:tailEnd type="none" w="med" len="med"/>
+                    </a:lnB>
+                    <a:lnTlToBr w="12700" cmpd="sng">
+                      <a:noFill/>
+                      <a:prstDash val="solid"/>
+                    </a:lnTlToBr>
+                    <a:lnBlToTr w="12700" cmpd="sng">
+                      <a:noFill/>
+                      <a:prstDash val="solid"/>
+                    </a:lnBlToTr>
+                    <a:noFill/>
+                  </a:tcPr>
+                </a:tc>
+                <a:extLst>
+                  <a:ext uri="{0D108BD9-81ED-4DB2-BD59-A6C34878D82A}">
+                    <a16:rowId xmlns:a16="http://schemas.microsoft.com/office/drawing/2014/main" val="2490218386"/>
+                  </a:ext>
+                </a:extLst>
+              </a:tr>
+              <a:tr h="781264">
+                <a:tc>
+                  <a:txBody>
+                    <a:bodyPr/>
+                    <a:lstStyle/>
+                    <a:p>
+                      <a:r>
+                        <a:rPr lang="en-US" sz="2600" cap="none" spc="0">
+                          <a:solidFill>
+                            <a:schemeClr val="tx1"/>
+                          </a:solidFill>
+                        </a:rPr>
+                        <a:t>2</a:t>
+                      </a:r>
+                    </a:p>
+                  </a:txBody>
+                  <a:tcPr marL="222258" marR="165182" marT="170969" marB="170969">
+                    <a:lnL w="12700" cap="flat" cmpd="sng" algn="ctr">
+                      <a:solidFill>
+                        <a:schemeClr val="tx1"/>
+                      </a:solidFill>
+                      <a:prstDash val="solid"/>
+                      <a:round/>
+                      <a:headEnd type="none" w="med" len="med"/>
+                      <a:tailEnd type="none" w="med" len="med"/>
+                    </a:lnL>
+                    <a:lnR w="12700" cap="flat" cmpd="sng" algn="ctr">
+                      <a:solidFill>
+                        <a:schemeClr val="tx1"/>
+                      </a:solidFill>
+                      <a:prstDash val="solid"/>
+                      <a:round/>
+                      <a:headEnd type="none" w="med" len="med"/>
+                      <a:tailEnd type="none" w="med" len="med"/>
+                    </a:lnR>
+                    <a:lnT w="12700" cap="flat" cmpd="sng" algn="ctr">
+                      <a:solidFill>
+                        <a:schemeClr val="tx1"/>
+                      </a:solidFill>
+                      <a:prstDash val="solid"/>
+                      <a:round/>
+                      <a:headEnd type="none" w="med" len="med"/>
+                      <a:tailEnd type="none" w="med" len="med"/>
+                    </a:lnT>
+                    <a:lnB w="12700" cap="flat" cmpd="sng" algn="ctr">
+                      <a:solidFill>
+                        <a:schemeClr val="tx1"/>
+                      </a:solidFill>
+                      <a:prstDash val="solid"/>
+                      <a:round/>
+                      <a:headEnd type="none" w="med" len="med"/>
+                      <a:tailEnd type="none" w="med" len="med"/>
+                    </a:lnB>
+                    <a:lnTlToBr w="12700" cmpd="sng">
+                      <a:noFill/>
+                      <a:prstDash val="solid"/>
+                    </a:lnTlToBr>
+                    <a:lnBlToTr w="12700" cmpd="sng">
+                      <a:noFill/>
+                      <a:prstDash val="solid"/>
+                    </a:lnBlToTr>
+                    <a:solidFill>
+                      <a:schemeClr val="bg1">
+                        <a:lumMod val="85000"/>
+                      </a:schemeClr>
+                    </a:solidFill>
+                  </a:tcPr>
+                </a:tc>
+                <a:tc>
+                  <a:txBody>
+                    <a:bodyPr/>
+                    <a:lstStyle/>
+                    <a:p>
+                      <a:r>
+                        <a:rPr lang="en-US" sz="2600" cap="none" spc="0">
+                          <a:solidFill>
+                            <a:schemeClr val="tx1"/>
+                          </a:solidFill>
+                        </a:rPr>
+                        <a:t>10k</a:t>
+                      </a:r>
+                    </a:p>
+                  </a:txBody>
+                  <a:tcPr marL="222258" marR="165182" marT="170969" marB="170969">
+                    <a:lnL w="12700" cap="flat" cmpd="sng" algn="ctr">
+                      <a:solidFill>
+                        <a:schemeClr val="tx1"/>
+                      </a:solidFill>
+                      <a:prstDash val="solid"/>
+                      <a:round/>
+                      <a:headEnd type="none" w="med" len="med"/>
+                      <a:tailEnd type="none" w="med" len="med"/>
+                    </a:lnL>
+                    <a:lnR w="12700" cap="flat" cmpd="sng" algn="ctr">
+                      <a:solidFill>
+                        <a:schemeClr val="tx1"/>
+                      </a:solidFill>
+                      <a:prstDash val="solid"/>
+                      <a:round/>
+                      <a:headEnd type="none" w="med" len="med"/>
+                      <a:tailEnd type="none" w="med" len="med"/>
+                    </a:lnR>
+                    <a:lnT w="12700" cap="flat" cmpd="sng" algn="ctr">
+                      <a:solidFill>
+                        <a:schemeClr val="tx1"/>
+                      </a:solidFill>
+                      <a:prstDash val="solid"/>
+                      <a:round/>
+                      <a:headEnd type="none" w="med" len="med"/>
+                      <a:tailEnd type="none" w="med" len="med"/>
+                    </a:lnT>
+                    <a:lnB w="12700" cap="flat" cmpd="sng" algn="ctr">
+                      <a:solidFill>
+                        <a:schemeClr val="tx1"/>
+                      </a:solidFill>
+                      <a:prstDash val="solid"/>
+                      <a:round/>
+                      <a:headEnd type="none" w="med" len="med"/>
+                      <a:tailEnd type="none" w="med" len="med"/>
+                    </a:lnB>
+                    <a:lnTlToBr w="12700" cmpd="sng">
+                      <a:noFill/>
+                      <a:prstDash val="solid"/>
+                    </a:lnTlToBr>
+                    <a:lnBlToTr w="12700" cmpd="sng">
+                      <a:noFill/>
+                      <a:prstDash val="solid"/>
+                    </a:lnBlToTr>
+                    <a:solidFill>
+                      <a:schemeClr val="bg1">
+                        <a:lumMod val="85000"/>
+                      </a:schemeClr>
+                    </a:solidFill>
+                  </a:tcPr>
+                </a:tc>
+                <a:tc>
+                  <a:txBody>
+                    <a:bodyPr/>
+                    <a:lstStyle/>
+                    <a:p>
+                      <a:endParaRPr lang="en-US" sz="2600" cap="none" spc="0">
+                        <a:solidFill>
+                          <a:schemeClr val="tx1"/>
+                        </a:solidFill>
+                      </a:endParaRPr>
+                    </a:p>
+                  </a:txBody>
+                  <a:tcPr marL="222258" marR="165182" marT="170969" marB="170969">
+                    <a:lnL w="12700" cap="flat" cmpd="sng" algn="ctr">
+                      <a:solidFill>
+                        <a:schemeClr val="tx1"/>
+                      </a:solidFill>
+                      <a:prstDash val="solid"/>
+                      <a:round/>
+                      <a:headEnd type="none" w="med" len="med"/>
+                      <a:tailEnd type="none" w="med" len="med"/>
+                    </a:lnL>
+                    <a:lnR w="12700" cap="flat" cmpd="sng" algn="ctr">
+                      <a:solidFill>
+                        <a:schemeClr val="tx1"/>
+                      </a:solidFill>
+                      <a:prstDash val="solid"/>
+                      <a:round/>
+                      <a:headEnd type="none" w="med" len="med"/>
+                      <a:tailEnd type="none" w="med" len="med"/>
+                    </a:lnR>
+                    <a:lnT w="12700" cap="flat" cmpd="sng" algn="ctr">
+                      <a:solidFill>
+                        <a:schemeClr val="tx1"/>
+                      </a:solidFill>
+                      <a:prstDash val="solid"/>
+                      <a:round/>
+                      <a:headEnd type="none" w="med" len="med"/>
+                      <a:tailEnd type="none" w="med" len="med"/>
+                    </a:lnT>
+                    <a:lnB w="12700" cap="flat" cmpd="sng" algn="ctr">
+                      <a:solidFill>
+                        <a:schemeClr val="tx1"/>
+                      </a:solidFill>
+                      <a:prstDash val="solid"/>
+                      <a:round/>
+                      <a:headEnd type="none" w="med" len="med"/>
+                      <a:tailEnd type="none" w="med" len="med"/>
+                    </a:lnB>
+                    <a:lnTlToBr w="12700" cmpd="sng">
+                      <a:noFill/>
+                      <a:prstDash val="solid"/>
+                    </a:lnTlToBr>
+                    <a:lnBlToTr w="12700" cmpd="sng">
+                      <a:noFill/>
+                      <a:prstDash val="solid"/>
+                    </a:lnBlToTr>
+                    <a:solidFill>
+                      <a:schemeClr val="bg1">
+                        <a:lumMod val="85000"/>
+                      </a:schemeClr>
+                    </a:solidFill>
+                  </a:tcPr>
+                </a:tc>
+                <a:tc>
+                  <a:txBody>
+                    <a:bodyPr/>
+                    <a:lstStyle/>
+                    <a:p>
+                      <a:endParaRPr lang="en-US" sz="2600" cap="none" spc="0" dirty="0">
+                        <a:solidFill>
+                          <a:schemeClr val="tx1"/>
+                        </a:solidFill>
+                      </a:endParaRPr>
+                    </a:p>
+                  </a:txBody>
+                  <a:tcPr marL="222258" marR="165182" marT="170969" marB="170969">
+                    <a:lnL w="12700" cap="flat" cmpd="sng" algn="ctr">
+                      <a:solidFill>
+                        <a:schemeClr val="tx1"/>
+                      </a:solidFill>
+                      <a:prstDash val="solid"/>
+                      <a:round/>
+                      <a:headEnd type="none" w="med" len="med"/>
+                      <a:tailEnd type="none" w="med" len="med"/>
+                    </a:lnL>
+                    <a:lnR w="12700" cap="flat" cmpd="sng" algn="ctr">
+                      <a:solidFill>
+                        <a:schemeClr val="tx1"/>
+                      </a:solidFill>
+                      <a:prstDash val="solid"/>
+                      <a:round/>
+                      <a:headEnd type="none" w="med" len="med"/>
+                      <a:tailEnd type="none" w="med" len="med"/>
+                    </a:lnR>
+                    <a:lnT w="12700" cap="flat" cmpd="sng" algn="ctr">
+                      <a:solidFill>
+                        <a:schemeClr val="tx1"/>
+                      </a:solidFill>
+                      <a:prstDash val="solid"/>
+                      <a:round/>
+                      <a:headEnd type="none" w="med" len="med"/>
+                      <a:tailEnd type="none" w="med" len="med"/>
+                    </a:lnT>
+                    <a:lnB w="12700" cap="flat" cmpd="sng" algn="ctr">
+                      <a:solidFill>
+                        <a:schemeClr val="tx1"/>
+                      </a:solidFill>
+                      <a:prstDash val="solid"/>
+                      <a:round/>
+                      <a:headEnd type="none" w="med" len="med"/>
+                      <a:tailEnd type="none" w="med" len="med"/>
+                    </a:lnB>
+                    <a:lnTlToBr w="12700" cmpd="sng">
+                      <a:noFill/>
+                      <a:prstDash val="solid"/>
+                    </a:lnTlToBr>
+                    <a:lnBlToTr w="12700" cmpd="sng">
+                      <a:noFill/>
+                      <a:prstDash val="solid"/>
+                    </a:lnBlToTr>
+                    <a:solidFill>
+                      <a:schemeClr val="bg1">
+                        <a:lumMod val="85000"/>
+                      </a:schemeClr>
+                    </a:solidFill>
+                  </a:tcPr>
+                </a:tc>
+                <a:tc>
+                  <a:txBody>
+                    <a:bodyPr/>
+                    <a:lstStyle/>
+                    <a:p>
+                      <a:endParaRPr lang="en-US" sz="2600" cap="none" spc="0" dirty="0">
+                        <a:solidFill>
+                          <a:schemeClr val="tx1"/>
+                        </a:solidFill>
+                      </a:endParaRPr>
+                    </a:p>
+                  </a:txBody>
+                  <a:tcPr marL="222258" marR="165182" marT="170969" marB="170969">
+                    <a:lnL w="12700" cap="flat" cmpd="sng" algn="ctr">
+                      <a:solidFill>
+                        <a:schemeClr val="tx1"/>
+                      </a:solidFill>
+                      <a:prstDash val="solid"/>
+                      <a:round/>
+                      <a:headEnd type="none" w="med" len="med"/>
+                      <a:tailEnd type="none" w="med" len="med"/>
+                    </a:lnL>
+                    <a:lnR w="12700" cap="flat" cmpd="sng" algn="ctr">
+                      <a:solidFill>
+                        <a:schemeClr val="tx1"/>
+                      </a:solidFill>
+                      <a:prstDash val="solid"/>
+                      <a:round/>
+                      <a:headEnd type="none" w="med" len="med"/>
+                      <a:tailEnd type="none" w="med" len="med"/>
+                    </a:lnR>
+                    <a:lnT w="12700" cap="flat" cmpd="sng" algn="ctr">
+                      <a:solidFill>
+                        <a:schemeClr val="tx1"/>
+                      </a:solidFill>
+                      <a:prstDash val="solid"/>
+                      <a:round/>
+                      <a:headEnd type="none" w="med" len="med"/>
+                      <a:tailEnd type="none" w="med" len="med"/>
+                    </a:lnT>
+                    <a:lnB w="12700" cap="flat" cmpd="sng" algn="ctr">
+                      <a:solidFill>
+                        <a:schemeClr val="tx1"/>
+                      </a:solidFill>
+                      <a:prstDash val="solid"/>
+                      <a:round/>
+                      <a:headEnd type="none" w="med" len="med"/>
+                      <a:tailEnd type="none" w="med" len="med"/>
+                    </a:lnB>
+                    <a:lnTlToBr w="12700" cmpd="sng">
+                      <a:noFill/>
+                      <a:prstDash val="solid"/>
+                    </a:lnTlToBr>
+                    <a:lnBlToTr w="12700" cmpd="sng">
+                      <a:noFill/>
+                      <a:prstDash val="solid"/>
+                    </a:lnBlToTr>
+                    <a:solidFill>
+                      <a:schemeClr val="bg1">
+                        <a:lumMod val="85000"/>
+                      </a:schemeClr>
+                    </a:solidFill>
+                  </a:tcPr>
+                </a:tc>
+                <a:extLst>
+                  <a:ext uri="{0D108BD9-81ED-4DB2-BD59-A6C34878D82A}">
+                    <a16:rowId xmlns:a16="http://schemas.microsoft.com/office/drawing/2014/main" val="2818196496"/>
+                  </a:ext>
+                </a:extLst>
+              </a:tr>
+            </a:tbl>
+          </a:graphicData>
+        </a:graphic>
+      </p:graphicFrame>
+    </p:spTree>
+    <p:extLst>
+      <p:ext uri="{BB962C8B-B14F-4D97-AF65-F5344CB8AC3E}">
+        <p14:creationId xmlns:p14="http://schemas.microsoft.com/office/powerpoint/2010/main" val="2891184337"/>
+      </p:ext>
+    </p:extLst>
+  </p:cSld>
+  <p:clrMapOvr>
+    <a:masterClrMapping/>
+  </p:clrMapOvr>
+</p:sld>
+</file>
+
+<file path=ppt/slides/slide13.xml><?xml version="1.0" encoding="utf-8"?>
+<p:sld xmlns:a="http://schemas.openxmlformats.org/drawingml/2006/main" xmlns:r="http://schemas.openxmlformats.org/officeDocument/2006/relationships" xmlns:p="http://schemas.openxmlformats.org/presentationml/2006/main">
+  <p:cSld>
+    <p:bg>
+      <p:bgPr>
+        <a:solidFill>
+          <a:schemeClr val="bg1"/>
+        </a:solidFill>
+        <a:effectLst/>
+      </p:bgPr>
+    </p:bg>
+    <p:spTree>
+      <p:nvGrpSpPr>
+        <p:cNvPr id="1" name=""/>
+        <p:cNvGrpSpPr/>
+        <p:nvPr/>
+      </p:nvGrpSpPr>
+      <p:grpSpPr>
+        <a:xfrm>
+          <a:off x="0" y="0"/>
+          <a:ext cx="0" cy="0"/>
+          <a:chOff x="0" y="0"/>
+          <a:chExt cx="0" cy="0"/>
+        </a:xfrm>
+      </p:grpSpPr>
+      <p:sp>
+        <p:nvSpPr>
           <p:cNvPr id="25" name="Rectangle 20">
             <a:extLst>
               <a:ext uri="{FF2B5EF4-FFF2-40B4-BE49-F238E27FC236}">
@@ -13202,7 +16245,2512 @@
 </p:sld>
 </file>
 
-<file path=ppt/slides/slide11.xml><?xml version="1.0" encoding="utf-8"?>
+<file path=ppt/slides/slide14.xml><?xml version="1.0" encoding="utf-8"?>
+<p:sld xmlns:a="http://schemas.openxmlformats.org/drawingml/2006/main" xmlns:r="http://schemas.openxmlformats.org/officeDocument/2006/relationships" xmlns:p="http://schemas.openxmlformats.org/presentationml/2006/main">
+  <p:cSld>
+    <p:bg>
+      <p:bgPr>
+        <a:solidFill>
+          <a:schemeClr val="bg1"/>
+        </a:solidFill>
+        <a:effectLst/>
+      </p:bgPr>
+    </p:bg>
+    <p:spTree>
+      <p:nvGrpSpPr>
+        <p:cNvPr id="1" name=""/>
+        <p:cNvGrpSpPr/>
+        <p:nvPr/>
+      </p:nvGrpSpPr>
+      <p:grpSpPr>
+        <a:xfrm>
+          <a:off x="0" y="0"/>
+          <a:ext cx="0" cy="0"/>
+          <a:chOff x="0" y="0"/>
+          <a:chExt cx="0" cy="0"/>
+        </a:xfrm>
+      </p:grpSpPr>
+      <p:sp>
+        <p:nvSpPr>
+          <p:cNvPr id="51" name="Rectangle 50">
+            <a:extLst>
+              <a:ext uri="{FF2B5EF4-FFF2-40B4-BE49-F238E27FC236}">
+                <a16:creationId xmlns:a16="http://schemas.microsoft.com/office/drawing/2014/main" id="{6753252F-4873-4F63-801D-CC719279A7D5}"/>
+              </a:ext>
+              <a:ext uri="{C183D7F6-B498-43B3-948B-1728B52AA6E4}">
+                <adec:decorative xmlns:adec="http://schemas.microsoft.com/office/drawing/2017/decorative" val="1"/>
+              </a:ext>
+            </a:extLst>
+          </p:cNvPr>
+          <p:cNvSpPr>
+            <a:spLocks noGrp="1" noRot="1" noChangeAspect="1" noMove="1" noResize="1" noEditPoints="1" noAdjustHandles="1" noChangeArrowheads="1" noChangeShapeType="1" noTextEdit="1"/>
+          </p:cNvSpPr>
+          <p:nvPr>
+            <p:extLst>
+              <p:ext uri="{386F3935-93C4-4BCD-93E2-E3B085C9AB24}">
+                <p16:designElem xmlns:p16="http://schemas.microsoft.com/office/powerpoint/2015/main" val="1"/>
+              </p:ext>
+            </p:extLst>
+          </p:nvPr>
+        </p:nvSpPr>
+        <p:spPr>
+          <a:xfrm>
+            <a:off x="0" y="0"/>
+            <a:ext cx="12192000" cy="6858000"/>
+          </a:xfrm>
+          <a:prstGeom prst="rect">
+            <a:avLst/>
+          </a:prstGeom>
+          <a:solidFill>
+            <a:srgbClr val="FFFFFF"/>
+          </a:solidFill>
+          <a:ln>
+            <a:noFill/>
+          </a:ln>
+        </p:spPr>
+        <p:style>
+          <a:lnRef idx="2">
+            <a:schemeClr val="accent1">
+              <a:shade val="50000"/>
+            </a:schemeClr>
+          </a:lnRef>
+          <a:fillRef idx="1">
+            <a:schemeClr val="accent1"/>
+          </a:fillRef>
+          <a:effectRef idx="0">
+            <a:schemeClr val="accent1"/>
+          </a:effectRef>
+          <a:fontRef idx="minor">
+            <a:schemeClr val="lt1"/>
+          </a:fontRef>
+        </p:style>
+        <p:txBody>
+          <a:bodyPr rtlCol="0" anchor="ctr"/>
+          <a:lstStyle/>
+          <a:p>
+            <a:pPr algn="ctr"/>
+            <a:endParaRPr lang="en-US"/>
+          </a:p>
+        </p:txBody>
+      </p:sp>
+      <p:sp>
+        <p:nvSpPr>
+          <p:cNvPr id="53" name="Rectangle 52">
+            <a:extLst>
+              <a:ext uri="{FF2B5EF4-FFF2-40B4-BE49-F238E27FC236}">
+                <a16:creationId xmlns:a16="http://schemas.microsoft.com/office/drawing/2014/main" id="{047C8CCB-F95D-4249-92DD-651249D3535A}"/>
+              </a:ext>
+              <a:ext uri="{C183D7F6-B498-43B3-948B-1728B52AA6E4}">
+                <adec:decorative xmlns:adec="http://schemas.microsoft.com/office/drawing/2017/decorative" val="1"/>
+              </a:ext>
+            </a:extLst>
+          </p:cNvPr>
+          <p:cNvSpPr>
+            <a:spLocks noGrp="1" noRot="1" noChangeAspect="1" noMove="1" noResize="1" noEditPoints="1" noAdjustHandles="1" noChangeArrowheads="1" noChangeShapeType="1" noTextEdit="1"/>
+          </p:cNvSpPr>
+          <p:nvPr>
+            <p:extLst>
+              <p:ext uri="{386F3935-93C4-4BCD-93E2-E3B085C9AB24}">
+                <p16:designElem xmlns:p16="http://schemas.microsoft.com/office/powerpoint/2015/main" val="1"/>
+              </p:ext>
+            </p:extLst>
+          </p:nvPr>
+        </p:nvSpPr>
+        <p:spPr>
+          <a:xfrm>
+            <a:off x="0" y="0"/>
+            <a:ext cx="2013557" cy="6858000"/>
+          </a:xfrm>
+          <a:prstGeom prst="rect">
+            <a:avLst/>
+          </a:prstGeom>
+          <a:solidFill>
+            <a:srgbClr val="7F7F7F"/>
+          </a:solidFill>
+          <a:ln>
+            <a:noFill/>
+          </a:ln>
+        </p:spPr>
+        <p:style>
+          <a:lnRef idx="2">
+            <a:schemeClr val="accent1">
+              <a:shade val="50000"/>
+            </a:schemeClr>
+          </a:lnRef>
+          <a:fillRef idx="1">
+            <a:schemeClr val="accent1"/>
+          </a:fillRef>
+          <a:effectRef idx="0">
+            <a:schemeClr val="accent1"/>
+          </a:effectRef>
+          <a:fontRef idx="minor">
+            <a:schemeClr val="lt1"/>
+          </a:fontRef>
+        </p:style>
+        <p:txBody>
+          <a:bodyPr rtlCol="0" anchor="ctr"/>
+          <a:lstStyle/>
+          <a:p>
+            <a:pPr algn="ctr"/>
+            <a:endParaRPr lang="en-US"/>
+          </a:p>
+        </p:txBody>
+      </p:sp>
+      <p:sp>
+        <p:nvSpPr>
+          <p:cNvPr id="2" name="Title 1">
+            <a:extLst>
+              <a:ext uri="{FF2B5EF4-FFF2-40B4-BE49-F238E27FC236}">
+                <a16:creationId xmlns:a16="http://schemas.microsoft.com/office/drawing/2014/main" id="{FC47B41E-90B5-D14B-82FA-CC03960D78D5}"/>
+              </a:ext>
+            </a:extLst>
+          </p:cNvPr>
+          <p:cNvSpPr>
+            <a:spLocks noGrp="1"/>
+          </p:cNvSpPr>
+          <p:nvPr>
+            <p:ph type="title"/>
+          </p:nvPr>
+        </p:nvSpPr>
+        <p:spPr>
+          <a:xfrm>
+            <a:off x="640080" y="2074363"/>
+            <a:ext cx="2752354" cy="2709275"/>
+          </a:xfrm>
+          <a:prstGeom prst="ellipse">
+            <a:avLst/>
+          </a:prstGeom>
+          <a:solidFill>
+            <a:srgbClr val="262626"/>
+          </a:solidFill>
+          <a:ln w="174625" cmpd="thinThick">
+            <a:solidFill>
+              <a:srgbClr val="262626"/>
+            </a:solidFill>
+          </a:ln>
+        </p:spPr>
+        <p:txBody>
+          <a:bodyPr vert="horz" lIns="91440" tIns="45720" rIns="91440" bIns="45720" rtlCol="0" anchor="ctr">
+            <a:normAutofit/>
+          </a:bodyPr>
+          <a:lstStyle/>
+          <a:p>
+            <a:pPr algn="ctr"/>
+            <a:r>
+              <a:rPr lang="en-US" sz="2600" kern="1200">
+                <a:solidFill>
+                  <a:srgbClr val="FFFFFF"/>
+                </a:solidFill>
+                <a:latin typeface="+mj-lt"/>
+                <a:ea typeface="+mj-ea"/>
+                <a:cs typeface="+mj-cs"/>
+              </a:rPr>
+              <a:t>Resistance Ranges</a:t>
+            </a:r>
+          </a:p>
+        </p:txBody>
+      </p:sp>
+      <p:sp>
+        <p:nvSpPr>
+          <p:cNvPr id="3" name="TextBox 2">
+            <a:extLst>
+              <a:ext uri="{FF2B5EF4-FFF2-40B4-BE49-F238E27FC236}">
+                <a16:creationId xmlns:a16="http://schemas.microsoft.com/office/drawing/2014/main" id="{7D7BFA4A-1D1B-F441-9E92-47BCC56548F8}"/>
+              </a:ext>
+            </a:extLst>
+          </p:cNvPr>
+          <p:cNvSpPr txBox="1"/>
+          <p:nvPr/>
+        </p:nvSpPr>
+        <p:spPr>
+          <a:xfrm>
+            <a:off x="4627756" y="6411951"/>
+            <a:ext cx="184731" cy="369332"/>
+          </a:xfrm>
+          <a:prstGeom prst="rect">
+            <a:avLst/>
+          </a:prstGeom>
+          <a:noFill/>
+        </p:spPr>
+        <p:txBody>
+          <a:bodyPr wrap="none" rtlCol="0">
+            <a:spAutoFit/>
+          </a:bodyPr>
+          <a:lstStyle/>
+          <a:p>
+            <a:endParaRPr lang="en-US" dirty="0"/>
+          </a:p>
+        </p:txBody>
+      </p:sp>
+      <p:graphicFrame>
+        <p:nvGraphicFramePr>
+          <p:cNvPr id="16" name="Content Placeholder 3">
+            <a:extLst>
+              <a:ext uri="{FF2B5EF4-FFF2-40B4-BE49-F238E27FC236}">
+                <a16:creationId xmlns:a16="http://schemas.microsoft.com/office/drawing/2014/main" id="{6DFCCF45-5481-BF4A-8082-752758907726}"/>
+              </a:ext>
+            </a:extLst>
+          </p:cNvPr>
+          <p:cNvGraphicFramePr>
+            <a:graphicFrameLocks/>
+          </p:cNvGraphicFramePr>
+          <p:nvPr>
+            <p:extLst>
+              <p:ext uri="{D42A27DB-BD31-4B8C-83A1-F6EECF244321}">
+                <p14:modId xmlns:p14="http://schemas.microsoft.com/office/powerpoint/2010/main" val="2757570845"/>
+              </p:ext>
+            </p:extLst>
+          </p:nvPr>
+        </p:nvGraphicFramePr>
+        <p:xfrm>
+          <a:off x="4038600" y="1448511"/>
+          <a:ext cx="7188200" cy="3957593"/>
+        </p:xfrm>
+        <a:graphic>
+          <a:graphicData uri="http://schemas.openxmlformats.org/drawingml/2006/table">
+            <a:tbl>
+              <a:tblPr firstRow="1" bandRow="1">
+                <a:tableStyleId>{8EC20E35-A176-4012-BC5E-935CFFF8708E}</a:tableStyleId>
+              </a:tblPr>
+              <a:tblGrid>
+                <a:gridCol w="1339528">
+                  <a:extLst>
+                    <a:ext uri="{9D8B030D-6E8A-4147-A177-3AD203B41FA5}">
+                      <a16:colId xmlns:a16="http://schemas.microsoft.com/office/drawing/2014/main" val="1960723173"/>
+                    </a:ext>
+                  </a:extLst>
+                </a:gridCol>
+                <a:gridCol w="1468709">
+                  <a:extLst>
+                    <a:ext uri="{9D8B030D-6E8A-4147-A177-3AD203B41FA5}">
+                      <a16:colId xmlns:a16="http://schemas.microsoft.com/office/drawing/2014/main" val="3542743656"/>
+                    </a:ext>
+                  </a:extLst>
+                </a:gridCol>
+                <a:gridCol w="1455627">
+                  <a:extLst>
+                    <a:ext uri="{9D8B030D-6E8A-4147-A177-3AD203B41FA5}">
+                      <a16:colId xmlns:a16="http://schemas.microsoft.com/office/drawing/2014/main" val="129346160"/>
+                    </a:ext>
+                  </a:extLst>
+                </a:gridCol>
+                <a:gridCol w="1468709">
+                  <a:extLst>
+                    <a:ext uri="{9D8B030D-6E8A-4147-A177-3AD203B41FA5}">
+                      <a16:colId xmlns:a16="http://schemas.microsoft.com/office/drawing/2014/main" val="2023039964"/>
+                    </a:ext>
+                  </a:extLst>
+                </a:gridCol>
+                <a:gridCol w="1455627">
+                  <a:extLst>
+                    <a:ext uri="{9D8B030D-6E8A-4147-A177-3AD203B41FA5}">
+                      <a16:colId xmlns:a16="http://schemas.microsoft.com/office/drawing/2014/main" val="2192817691"/>
+                    </a:ext>
+                  </a:extLst>
+                </a:gridCol>
+              </a:tblGrid>
+              <a:tr h="769415">
+                <a:tc>
+                  <a:txBody>
+                    <a:bodyPr/>
+                    <a:lstStyle/>
+                    <a:p>
+                      <a:endParaRPr lang="en-US" sz="2100"/>
+                    </a:p>
+                  </a:txBody>
+                  <a:tcPr marL="103816" marR="103816" marT="51909" marB="51909">
+                    <a:lnL w="12700" cap="flat" cmpd="sng" algn="ctr">
+                      <a:solidFill>
+                        <a:schemeClr val="tx1"/>
+                      </a:solidFill>
+                      <a:prstDash val="solid"/>
+                      <a:round/>
+                      <a:headEnd type="none" w="med" len="med"/>
+                      <a:tailEnd type="none" w="med" len="med"/>
+                    </a:lnL>
+                    <a:lnR w="12700" cap="flat" cmpd="sng" algn="ctr">
+                      <a:solidFill>
+                        <a:schemeClr val="tx1"/>
+                      </a:solidFill>
+                      <a:prstDash val="solid"/>
+                      <a:round/>
+                      <a:headEnd type="none" w="med" len="med"/>
+                      <a:tailEnd type="none" w="med" len="med"/>
+                    </a:lnR>
+                    <a:lnT w="12700" cap="flat" cmpd="sng" algn="ctr">
+                      <a:solidFill>
+                        <a:schemeClr val="tx1"/>
+                      </a:solidFill>
+                      <a:prstDash val="solid"/>
+                      <a:round/>
+                      <a:headEnd type="none" w="med" len="med"/>
+                      <a:tailEnd type="none" w="med" len="med"/>
+                    </a:lnT>
+                    <a:lnB w="12700" cap="flat" cmpd="sng" algn="ctr">
+                      <a:solidFill>
+                        <a:schemeClr val="tx1"/>
+                      </a:solidFill>
+                      <a:prstDash val="solid"/>
+                      <a:round/>
+                      <a:headEnd type="none" w="med" len="med"/>
+                      <a:tailEnd type="none" w="med" len="med"/>
+                    </a:lnB>
+                  </a:tcPr>
+                </a:tc>
+                <a:tc>
+                  <a:txBody>
+                    <a:bodyPr/>
+                    <a:lstStyle/>
+                    <a:p>
+                      <a:r>
+                        <a:rPr lang="en-US" sz="2100"/>
+                        <a:t>VBL Start (V)</a:t>
+                      </a:r>
+                    </a:p>
+                  </a:txBody>
+                  <a:tcPr marL="103816" marR="103816" marT="51909" marB="51909">
+                    <a:lnL w="12700" cap="flat" cmpd="sng" algn="ctr">
+                      <a:solidFill>
+                        <a:schemeClr val="tx1"/>
+                      </a:solidFill>
+                      <a:prstDash val="solid"/>
+                      <a:round/>
+                      <a:headEnd type="none" w="med" len="med"/>
+                      <a:tailEnd type="none" w="med" len="med"/>
+                    </a:lnL>
+                    <a:lnR w="12700" cap="flat" cmpd="sng" algn="ctr">
+                      <a:solidFill>
+                        <a:schemeClr val="tx1"/>
+                      </a:solidFill>
+                      <a:prstDash val="solid"/>
+                      <a:round/>
+                      <a:headEnd type="none" w="med" len="med"/>
+                      <a:tailEnd type="none" w="med" len="med"/>
+                    </a:lnR>
+                    <a:lnT w="12700" cap="flat" cmpd="sng" algn="ctr">
+                      <a:solidFill>
+                        <a:schemeClr val="tx1"/>
+                      </a:solidFill>
+                      <a:prstDash val="solid"/>
+                      <a:round/>
+                      <a:headEnd type="none" w="med" len="med"/>
+                      <a:tailEnd type="none" w="med" len="med"/>
+                    </a:lnT>
+                    <a:lnB w="12700" cap="flat" cmpd="sng" algn="ctr">
+                      <a:solidFill>
+                        <a:schemeClr val="tx1"/>
+                      </a:solidFill>
+                      <a:prstDash val="solid"/>
+                      <a:round/>
+                      <a:headEnd type="none" w="med" len="med"/>
+                      <a:tailEnd type="none" w="med" len="med"/>
+                    </a:lnB>
+                  </a:tcPr>
+                </a:tc>
+                <a:tc>
+                  <a:txBody>
+                    <a:bodyPr/>
+                    <a:lstStyle/>
+                    <a:p>
+                      <a:r>
+                        <a:rPr lang="en-US" sz="2100"/>
+                        <a:t>VBL Step (V)</a:t>
+                      </a:r>
+                    </a:p>
+                  </a:txBody>
+                  <a:tcPr marL="103816" marR="103816" marT="51909" marB="51909">
+                    <a:lnL w="12700" cap="flat" cmpd="sng" algn="ctr">
+                      <a:solidFill>
+                        <a:schemeClr val="tx1"/>
+                      </a:solidFill>
+                      <a:prstDash val="solid"/>
+                      <a:round/>
+                      <a:headEnd type="none" w="med" len="med"/>
+                      <a:tailEnd type="none" w="med" len="med"/>
+                    </a:lnL>
+                    <a:lnR w="12700" cap="flat" cmpd="sng" algn="ctr">
+                      <a:solidFill>
+                        <a:schemeClr val="tx1"/>
+                      </a:solidFill>
+                      <a:prstDash val="solid"/>
+                      <a:round/>
+                      <a:headEnd type="none" w="med" len="med"/>
+                      <a:tailEnd type="none" w="med" len="med"/>
+                    </a:lnR>
+                    <a:lnT w="12700" cap="flat" cmpd="sng" algn="ctr">
+                      <a:solidFill>
+                        <a:schemeClr val="tx1"/>
+                      </a:solidFill>
+                      <a:prstDash val="solid"/>
+                      <a:round/>
+                      <a:headEnd type="none" w="med" len="med"/>
+                      <a:tailEnd type="none" w="med" len="med"/>
+                    </a:lnT>
+                    <a:lnB w="12700" cap="flat" cmpd="sng" algn="ctr">
+                      <a:solidFill>
+                        <a:schemeClr val="tx1"/>
+                      </a:solidFill>
+                      <a:prstDash val="solid"/>
+                      <a:round/>
+                      <a:headEnd type="none" w="med" len="med"/>
+                      <a:tailEnd type="none" w="med" len="med"/>
+                    </a:lnB>
+                  </a:tcPr>
+                </a:tc>
+                <a:tc>
+                  <a:txBody>
+                    <a:bodyPr/>
+                    <a:lstStyle/>
+                    <a:p>
+                      <a:r>
+                        <a:rPr lang="en-US" sz="2100"/>
+                        <a:t>VSL Start (V)</a:t>
+                      </a:r>
+                    </a:p>
+                  </a:txBody>
+                  <a:tcPr marL="103816" marR="103816" marT="51909" marB="51909">
+                    <a:lnL w="12700" cap="flat" cmpd="sng" algn="ctr">
+                      <a:solidFill>
+                        <a:schemeClr val="tx1"/>
+                      </a:solidFill>
+                      <a:prstDash val="solid"/>
+                      <a:round/>
+                      <a:headEnd type="none" w="med" len="med"/>
+                      <a:tailEnd type="none" w="med" len="med"/>
+                    </a:lnL>
+                    <a:lnR w="12700" cap="flat" cmpd="sng" algn="ctr">
+                      <a:solidFill>
+                        <a:schemeClr val="tx1"/>
+                      </a:solidFill>
+                      <a:prstDash val="solid"/>
+                      <a:round/>
+                      <a:headEnd type="none" w="med" len="med"/>
+                      <a:tailEnd type="none" w="med" len="med"/>
+                    </a:lnR>
+                    <a:lnT w="12700" cap="flat" cmpd="sng" algn="ctr">
+                      <a:solidFill>
+                        <a:schemeClr val="tx1"/>
+                      </a:solidFill>
+                      <a:prstDash val="solid"/>
+                      <a:round/>
+                      <a:headEnd type="none" w="med" len="med"/>
+                      <a:tailEnd type="none" w="med" len="med"/>
+                    </a:lnT>
+                    <a:lnB w="12700" cap="flat" cmpd="sng" algn="ctr">
+                      <a:solidFill>
+                        <a:schemeClr val="tx1"/>
+                      </a:solidFill>
+                      <a:prstDash val="solid"/>
+                      <a:round/>
+                      <a:headEnd type="none" w="med" len="med"/>
+                      <a:tailEnd type="none" w="med" len="med"/>
+                    </a:lnB>
+                  </a:tcPr>
+                </a:tc>
+                <a:tc>
+                  <a:txBody>
+                    <a:bodyPr/>
+                    <a:lstStyle/>
+                    <a:p>
+                      <a:r>
+                        <a:rPr lang="en-US" sz="2100"/>
+                        <a:t>VSL Step (V)</a:t>
+                      </a:r>
+                    </a:p>
+                  </a:txBody>
+                  <a:tcPr marL="103816" marR="103816" marT="51909" marB="51909">
+                    <a:lnL w="12700" cap="flat" cmpd="sng" algn="ctr">
+                      <a:solidFill>
+                        <a:schemeClr val="tx1"/>
+                      </a:solidFill>
+                      <a:prstDash val="solid"/>
+                      <a:round/>
+                      <a:headEnd type="none" w="med" len="med"/>
+                      <a:tailEnd type="none" w="med" len="med"/>
+                    </a:lnL>
+                    <a:lnR w="12700" cap="flat" cmpd="sng" algn="ctr">
+                      <a:solidFill>
+                        <a:schemeClr val="tx1"/>
+                      </a:solidFill>
+                      <a:prstDash val="solid"/>
+                      <a:round/>
+                      <a:headEnd type="none" w="med" len="med"/>
+                      <a:tailEnd type="none" w="med" len="med"/>
+                    </a:lnR>
+                    <a:lnT w="12700" cap="flat" cmpd="sng" algn="ctr">
+                      <a:solidFill>
+                        <a:schemeClr val="tx1"/>
+                      </a:solidFill>
+                      <a:prstDash val="solid"/>
+                      <a:round/>
+                      <a:headEnd type="none" w="med" len="med"/>
+                      <a:tailEnd type="none" w="med" len="med"/>
+                    </a:lnT>
+                    <a:lnB w="12700" cap="flat" cmpd="sng" algn="ctr">
+                      <a:solidFill>
+                        <a:schemeClr val="tx1"/>
+                      </a:solidFill>
+                      <a:prstDash val="solid"/>
+                      <a:round/>
+                      <a:headEnd type="none" w="med" len="med"/>
+                      <a:tailEnd type="none" w="med" len="med"/>
+                    </a:lnB>
+                  </a:tcPr>
+                </a:tc>
+                <a:extLst>
+                  <a:ext uri="{0D108BD9-81ED-4DB2-BD59-A6C34878D82A}">
+                    <a16:rowId xmlns:a16="http://schemas.microsoft.com/office/drawing/2014/main" val="2303816687"/>
+                  </a:ext>
+                </a:extLst>
+              </a:tr>
+              <a:tr h="455454">
+                <a:tc>
+                  <a:txBody>
+                    <a:bodyPr/>
+                    <a:lstStyle/>
+                    <a:p>
+                      <a:r>
+                        <a:rPr lang="en-US" sz="2100"/>
+                        <a:t>Range 0</a:t>
+                      </a:r>
+                    </a:p>
+                  </a:txBody>
+                  <a:tcPr marL="103816" marR="103816" marT="51909" marB="51909">
+                    <a:lnL w="12700" cap="flat" cmpd="sng" algn="ctr">
+                      <a:solidFill>
+                        <a:schemeClr val="tx1"/>
+                      </a:solidFill>
+                      <a:prstDash val="solid"/>
+                      <a:round/>
+                      <a:headEnd type="none" w="med" len="med"/>
+                      <a:tailEnd type="none" w="med" len="med"/>
+                    </a:lnL>
+                    <a:lnR w="12700" cap="flat" cmpd="sng" algn="ctr">
+                      <a:solidFill>
+                        <a:schemeClr val="tx1"/>
+                      </a:solidFill>
+                      <a:prstDash val="solid"/>
+                      <a:round/>
+                      <a:headEnd type="none" w="med" len="med"/>
+                      <a:tailEnd type="none" w="med" len="med"/>
+                    </a:lnR>
+                    <a:lnT w="12700" cap="flat" cmpd="sng" algn="ctr">
+                      <a:solidFill>
+                        <a:schemeClr val="tx1"/>
+                      </a:solidFill>
+                      <a:prstDash val="solid"/>
+                      <a:round/>
+                      <a:headEnd type="none" w="med" len="med"/>
+                      <a:tailEnd type="none" w="med" len="med"/>
+                    </a:lnT>
+                    <a:lnB w="12700" cap="flat" cmpd="sng" algn="ctr">
+                      <a:solidFill>
+                        <a:schemeClr val="tx1"/>
+                      </a:solidFill>
+                      <a:prstDash val="solid"/>
+                      <a:round/>
+                      <a:headEnd type="none" w="med" len="med"/>
+                      <a:tailEnd type="none" w="med" len="med"/>
+                    </a:lnB>
+                  </a:tcPr>
+                </a:tc>
+                <a:tc>
+                  <a:txBody>
+                    <a:bodyPr/>
+                    <a:lstStyle/>
+                    <a:p>
+                      <a:r>
+                        <a:rPr lang="en-US" sz="2100"/>
+                        <a:t>2</a:t>
+                      </a:r>
+                    </a:p>
+                  </a:txBody>
+                  <a:tcPr marL="103816" marR="103816" marT="51909" marB="51909">
+                    <a:lnL w="12700" cap="flat" cmpd="sng" algn="ctr">
+                      <a:solidFill>
+                        <a:schemeClr val="tx1"/>
+                      </a:solidFill>
+                      <a:prstDash val="solid"/>
+                      <a:round/>
+                      <a:headEnd type="none" w="med" len="med"/>
+                      <a:tailEnd type="none" w="med" len="med"/>
+                    </a:lnL>
+                    <a:lnR w="12700" cap="flat" cmpd="sng" algn="ctr">
+                      <a:solidFill>
+                        <a:schemeClr val="tx1"/>
+                      </a:solidFill>
+                      <a:prstDash val="solid"/>
+                      <a:round/>
+                      <a:headEnd type="none" w="med" len="med"/>
+                      <a:tailEnd type="none" w="med" len="med"/>
+                    </a:lnR>
+                    <a:lnT w="12700" cap="flat" cmpd="sng" algn="ctr">
+                      <a:solidFill>
+                        <a:schemeClr val="tx1"/>
+                      </a:solidFill>
+                      <a:prstDash val="solid"/>
+                      <a:round/>
+                      <a:headEnd type="none" w="med" len="med"/>
+                      <a:tailEnd type="none" w="med" len="med"/>
+                    </a:lnT>
+                    <a:lnB w="12700" cap="flat" cmpd="sng" algn="ctr">
+                      <a:solidFill>
+                        <a:schemeClr val="tx1"/>
+                      </a:solidFill>
+                      <a:prstDash val="solid"/>
+                      <a:round/>
+                      <a:headEnd type="none" w="med" len="med"/>
+                      <a:tailEnd type="none" w="med" len="med"/>
+                    </a:lnB>
+                  </a:tcPr>
+                </a:tc>
+                <a:tc>
+                  <a:txBody>
+                    <a:bodyPr/>
+                    <a:lstStyle/>
+                    <a:p>
+                      <a:r>
+                        <a:rPr lang="en-US" sz="2100"/>
+                        <a:t>0.3</a:t>
+                      </a:r>
+                    </a:p>
+                  </a:txBody>
+                  <a:tcPr marL="103816" marR="103816" marT="51909" marB="51909">
+                    <a:lnL w="12700" cap="flat" cmpd="sng" algn="ctr">
+                      <a:solidFill>
+                        <a:schemeClr val="tx1"/>
+                      </a:solidFill>
+                      <a:prstDash val="solid"/>
+                      <a:round/>
+                      <a:headEnd type="none" w="med" len="med"/>
+                      <a:tailEnd type="none" w="med" len="med"/>
+                    </a:lnL>
+                    <a:lnR w="12700" cap="flat" cmpd="sng" algn="ctr">
+                      <a:solidFill>
+                        <a:schemeClr val="tx1"/>
+                      </a:solidFill>
+                      <a:prstDash val="solid"/>
+                      <a:round/>
+                      <a:headEnd type="none" w="med" len="med"/>
+                      <a:tailEnd type="none" w="med" len="med"/>
+                    </a:lnR>
+                    <a:lnT w="12700" cap="flat" cmpd="sng" algn="ctr">
+                      <a:solidFill>
+                        <a:schemeClr val="tx1"/>
+                      </a:solidFill>
+                      <a:prstDash val="solid"/>
+                      <a:round/>
+                      <a:headEnd type="none" w="med" len="med"/>
+                      <a:tailEnd type="none" w="med" len="med"/>
+                    </a:lnT>
+                    <a:lnB w="12700" cap="flat" cmpd="sng" algn="ctr">
+                      <a:solidFill>
+                        <a:schemeClr val="tx1"/>
+                      </a:solidFill>
+                      <a:prstDash val="solid"/>
+                      <a:round/>
+                      <a:headEnd type="none" w="med" len="med"/>
+                      <a:tailEnd type="none" w="med" len="med"/>
+                    </a:lnB>
+                  </a:tcPr>
+                </a:tc>
+                <a:tc>
+                  <a:txBody>
+                    <a:bodyPr/>
+                    <a:lstStyle/>
+                    <a:p>
+                      <a:r>
+                        <a:rPr lang="en-US" sz="2100"/>
+                        <a:t>N/A</a:t>
+                      </a:r>
+                    </a:p>
+                  </a:txBody>
+                  <a:tcPr marL="103816" marR="103816" marT="51909" marB="51909">
+                    <a:lnL w="12700" cap="flat" cmpd="sng" algn="ctr">
+                      <a:solidFill>
+                        <a:schemeClr val="tx1"/>
+                      </a:solidFill>
+                      <a:prstDash val="solid"/>
+                      <a:round/>
+                      <a:headEnd type="none" w="med" len="med"/>
+                      <a:tailEnd type="none" w="med" len="med"/>
+                    </a:lnL>
+                    <a:lnR w="12700" cap="flat" cmpd="sng" algn="ctr">
+                      <a:solidFill>
+                        <a:schemeClr val="tx1"/>
+                      </a:solidFill>
+                      <a:prstDash val="solid"/>
+                      <a:round/>
+                      <a:headEnd type="none" w="med" len="med"/>
+                      <a:tailEnd type="none" w="med" len="med"/>
+                    </a:lnR>
+                    <a:lnT w="12700" cap="flat" cmpd="sng" algn="ctr">
+                      <a:solidFill>
+                        <a:schemeClr val="tx1"/>
+                      </a:solidFill>
+                      <a:prstDash val="solid"/>
+                      <a:round/>
+                      <a:headEnd type="none" w="med" len="med"/>
+                      <a:tailEnd type="none" w="med" len="med"/>
+                    </a:lnT>
+                    <a:lnB w="12700" cap="flat" cmpd="sng" algn="ctr">
+                      <a:solidFill>
+                        <a:schemeClr val="tx1"/>
+                      </a:solidFill>
+                      <a:prstDash val="solid"/>
+                      <a:round/>
+                      <a:headEnd type="none" w="med" len="med"/>
+                      <a:tailEnd type="none" w="med" len="med"/>
+                    </a:lnB>
+                  </a:tcPr>
+                </a:tc>
+                <a:tc>
+                  <a:txBody>
+                    <a:bodyPr/>
+                    <a:lstStyle/>
+                    <a:p>
+                      <a:r>
+                        <a:rPr lang="en-US" sz="2100"/>
+                        <a:t>N/A</a:t>
+                      </a:r>
+                    </a:p>
+                  </a:txBody>
+                  <a:tcPr marL="103816" marR="103816" marT="51909" marB="51909">
+                    <a:lnL w="12700" cap="flat" cmpd="sng" algn="ctr">
+                      <a:solidFill>
+                        <a:schemeClr val="tx1"/>
+                      </a:solidFill>
+                      <a:prstDash val="solid"/>
+                      <a:round/>
+                      <a:headEnd type="none" w="med" len="med"/>
+                      <a:tailEnd type="none" w="med" len="med"/>
+                    </a:lnL>
+                    <a:lnR w="12700" cap="flat" cmpd="sng" algn="ctr">
+                      <a:solidFill>
+                        <a:schemeClr val="tx1"/>
+                      </a:solidFill>
+                      <a:prstDash val="solid"/>
+                      <a:round/>
+                      <a:headEnd type="none" w="med" len="med"/>
+                      <a:tailEnd type="none" w="med" len="med"/>
+                    </a:lnR>
+                    <a:lnT w="12700" cap="flat" cmpd="sng" algn="ctr">
+                      <a:solidFill>
+                        <a:schemeClr val="tx1"/>
+                      </a:solidFill>
+                      <a:prstDash val="solid"/>
+                      <a:round/>
+                      <a:headEnd type="none" w="med" len="med"/>
+                      <a:tailEnd type="none" w="med" len="med"/>
+                    </a:lnT>
+                    <a:lnB w="12700" cap="flat" cmpd="sng" algn="ctr">
+                      <a:solidFill>
+                        <a:schemeClr val="tx1"/>
+                      </a:solidFill>
+                      <a:prstDash val="solid"/>
+                      <a:round/>
+                      <a:headEnd type="none" w="med" len="med"/>
+                      <a:tailEnd type="none" w="med" len="med"/>
+                    </a:lnB>
+                  </a:tcPr>
+                </a:tc>
+                <a:extLst>
+                  <a:ext uri="{0D108BD9-81ED-4DB2-BD59-A6C34878D82A}">
+                    <a16:rowId xmlns:a16="http://schemas.microsoft.com/office/drawing/2014/main" val="313025389"/>
+                  </a:ext>
+                </a:extLst>
+              </a:tr>
+              <a:tr h="455454">
+                <a:tc>
+                  <a:txBody>
+                    <a:bodyPr/>
+                    <a:lstStyle/>
+                    <a:p>
+                      <a:r>
+                        <a:rPr lang="en-US" sz="2100"/>
+                        <a:t>Range 1</a:t>
+                      </a:r>
+                    </a:p>
+                  </a:txBody>
+                  <a:tcPr marL="103816" marR="103816" marT="51909" marB="51909">
+                    <a:lnL w="12700" cap="flat" cmpd="sng" algn="ctr">
+                      <a:solidFill>
+                        <a:schemeClr val="tx1"/>
+                      </a:solidFill>
+                      <a:prstDash val="solid"/>
+                      <a:round/>
+                      <a:headEnd type="none" w="med" len="med"/>
+                      <a:tailEnd type="none" w="med" len="med"/>
+                    </a:lnL>
+                    <a:lnR w="12700" cap="flat" cmpd="sng" algn="ctr">
+                      <a:solidFill>
+                        <a:schemeClr val="tx1"/>
+                      </a:solidFill>
+                      <a:prstDash val="solid"/>
+                      <a:round/>
+                      <a:headEnd type="none" w="med" len="med"/>
+                      <a:tailEnd type="none" w="med" len="med"/>
+                    </a:lnR>
+                    <a:lnT w="12700" cap="flat" cmpd="sng" algn="ctr">
+                      <a:solidFill>
+                        <a:schemeClr val="tx1"/>
+                      </a:solidFill>
+                      <a:prstDash val="solid"/>
+                      <a:round/>
+                      <a:headEnd type="none" w="med" len="med"/>
+                      <a:tailEnd type="none" w="med" len="med"/>
+                    </a:lnT>
+                    <a:lnB w="12700" cap="flat" cmpd="sng" algn="ctr">
+                      <a:solidFill>
+                        <a:schemeClr val="tx1"/>
+                      </a:solidFill>
+                      <a:prstDash val="solid"/>
+                      <a:round/>
+                      <a:headEnd type="none" w="med" len="med"/>
+                      <a:tailEnd type="none" w="med" len="med"/>
+                    </a:lnB>
+                  </a:tcPr>
+                </a:tc>
+                <a:tc>
+                  <a:txBody>
+                    <a:bodyPr/>
+                    <a:lstStyle/>
+                    <a:p>
+                      <a:r>
+                        <a:rPr lang="en-US" sz="2100"/>
+                        <a:t>0.14</a:t>
+                      </a:r>
+                    </a:p>
+                  </a:txBody>
+                  <a:tcPr marL="103816" marR="103816" marT="51909" marB="51909">
+                    <a:lnL w="12700" cap="flat" cmpd="sng" algn="ctr">
+                      <a:solidFill>
+                        <a:schemeClr val="tx1"/>
+                      </a:solidFill>
+                      <a:prstDash val="solid"/>
+                      <a:round/>
+                      <a:headEnd type="none" w="med" len="med"/>
+                      <a:tailEnd type="none" w="med" len="med"/>
+                    </a:lnL>
+                    <a:lnR w="12700" cap="flat" cmpd="sng" algn="ctr">
+                      <a:solidFill>
+                        <a:schemeClr val="tx1"/>
+                      </a:solidFill>
+                      <a:prstDash val="solid"/>
+                      <a:round/>
+                      <a:headEnd type="none" w="med" len="med"/>
+                      <a:tailEnd type="none" w="med" len="med"/>
+                    </a:lnR>
+                    <a:lnT w="12700" cap="flat" cmpd="sng" algn="ctr">
+                      <a:solidFill>
+                        <a:schemeClr val="tx1"/>
+                      </a:solidFill>
+                      <a:prstDash val="solid"/>
+                      <a:round/>
+                      <a:headEnd type="none" w="med" len="med"/>
+                      <a:tailEnd type="none" w="med" len="med"/>
+                    </a:lnT>
+                    <a:lnB w="12700" cap="flat" cmpd="sng" algn="ctr">
+                      <a:solidFill>
+                        <a:schemeClr val="tx1"/>
+                      </a:solidFill>
+                      <a:prstDash val="solid"/>
+                      <a:round/>
+                      <a:headEnd type="none" w="med" len="med"/>
+                      <a:tailEnd type="none" w="med" len="med"/>
+                    </a:lnB>
+                  </a:tcPr>
+                </a:tc>
+                <a:tc>
+                  <a:txBody>
+                    <a:bodyPr/>
+                    <a:lstStyle/>
+                    <a:p>
+                      <a:r>
+                        <a:rPr lang="en-US" sz="2100"/>
+                        <a:t>0.14</a:t>
+                      </a:r>
+                    </a:p>
+                  </a:txBody>
+                  <a:tcPr marL="103816" marR="103816" marT="51909" marB="51909">
+                    <a:lnL w="12700" cap="flat" cmpd="sng" algn="ctr">
+                      <a:solidFill>
+                        <a:schemeClr val="tx1"/>
+                      </a:solidFill>
+                      <a:prstDash val="solid"/>
+                      <a:round/>
+                      <a:headEnd type="none" w="med" len="med"/>
+                      <a:tailEnd type="none" w="med" len="med"/>
+                    </a:lnL>
+                    <a:lnR w="12700" cap="flat" cmpd="sng" algn="ctr">
+                      <a:solidFill>
+                        <a:schemeClr val="tx1"/>
+                      </a:solidFill>
+                      <a:prstDash val="solid"/>
+                      <a:round/>
+                      <a:headEnd type="none" w="med" len="med"/>
+                      <a:tailEnd type="none" w="med" len="med"/>
+                    </a:lnR>
+                    <a:lnT w="12700" cap="flat" cmpd="sng" algn="ctr">
+                      <a:solidFill>
+                        <a:schemeClr val="tx1"/>
+                      </a:solidFill>
+                      <a:prstDash val="solid"/>
+                      <a:round/>
+                      <a:headEnd type="none" w="med" len="med"/>
+                      <a:tailEnd type="none" w="med" len="med"/>
+                    </a:lnT>
+                    <a:lnB w="12700" cap="flat" cmpd="sng" algn="ctr">
+                      <a:solidFill>
+                        <a:schemeClr val="tx1"/>
+                      </a:solidFill>
+                      <a:prstDash val="solid"/>
+                      <a:round/>
+                      <a:headEnd type="none" w="med" len="med"/>
+                      <a:tailEnd type="none" w="med" len="med"/>
+                    </a:lnB>
+                  </a:tcPr>
+                </a:tc>
+                <a:tc>
+                  <a:txBody>
+                    <a:bodyPr/>
+                    <a:lstStyle/>
+                    <a:p>
+                      <a:r>
+                        <a:rPr lang="en-US" sz="2100" dirty="0">
+                          <a:solidFill>
+                            <a:srgbClr val="FF0000"/>
+                          </a:solidFill>
+                        </a:rPr>
+                        <a:t>0.18</a:t>
+                      </a:r>
+                    </a:p>
+                  </a:txBody>
+                  <a:tcPr marL="103816" marR="103816" marT="51909" marB="51909">
+                    <a:lnL w="12700" cap="flat" cmpd="sng" algn="ctr">
+                      <a:solidFill>
+                        <a:schemeClr val="tx1"/>
+                      </a:solidFill>
+                      <a:prstDash val="solid"/>
+                      <a:round/>
+                      <a:headEnd type="none" w="med" len="med"/>
+                      <a:tailEnd type="none" w="med" len="med"/>
+                    </a:lnL>
+                    <a:lnR w="12700" cap="flat" cmpd="sng" algn="ctr">
+                      <a:solidFill>
+                        <a:schemeClr val="tx1"/>
+                      </a:solidFill>
+                      <a:prstDash val="solid"/>
+                      <a:round/>
+                      <a:headEnd type="none" w="med" len="med"/>
+                      <a:tailEnd type="none" w="med" len="med"/>
+                    </a:lnR>
+                    <a:lnT w="12700" cap="flat" cmpd="sng" algn="ctr">
+                      <a:solidFill>
+                        <a:schemeClr val="tx1"/>
+                      </a:solidFill>
+                      <a:prstDash val="solid"/>
+                      <a:round/>
+                      <a:headEnd type="none" w="med" len="med"/>
+                      <a:tailEnd type="none" w="med" len="med"/>
+                    </a:lnT>
+                    <a:lnB w="12700" cap="flat" cmpd="sng" algn="ctr">
+                      <a:solidFill>
+                        <a:schemeClr val="tx1"/>
+                      </a:solidFill>
+                      <a:prstDash val="solid"/>
+                      <a:round/>
+                      <a:headEnd type="none" w="med" len="med"/>
+                      <a:tailEnd type="none" w="med" len="med"/>
+                    </a:lnB>
+                  </a:tcPr>
+                </a:tc>
+                <a:tc>
+                  <a:txBody>
+                    <a:bodyPr/>
+                    <a:lstStyle/>
+                    <a:p>
+                      <a:r>
+                        <a:rPr lang="en-US" sz="2100">
+                          <a:solidFill>
+                            <a:srgbClr val="FF0000"/>
+                          </a:solidFill>
+                        </a:rPr>
+                        <a:t>0.6</a:t>
+                      </a:r>
+                    </a:p>
+                  </a:txBody>
+                  <a:tcPr marL="103816" marR="103816" marT="51909" marB="51909">
+                    <a:lnL w="12700" cap="flat" cmpd="sng" algn="ctr">
+                      <a:solidFill>
+                        <a:schemeClr val="tx1"/>
+                      </a:solidFill>
+                      <a:prstDash val="solid"/>
+                      <a:round/>
+                      <a:headEnd type="none" w="med" len="med"/>
+                      <a:tailEnd type="none" w="med" len="med"/>
+                    </a:lnL>
+                    <a:lnR w="12700" cap="flat" cmpd="sng" algn="ctr">
+                      <a:solidFill>
+                        <a:schemeClr val="tx1"/>
+                      </a:solidFill>
+                      <a:prstDash val="solid"/>
+                      <a:round/>
+                      <a:headEnd type="none" w="med" len="med"/>
+                      <a:tailEnd type="none" w="med" len="med"/>
+                    </a:lnR>
+                    <a:lnT w="12700" cap="flat" cmpd="sng" algn="ctr">
+                      <a:solidFill>
+                        <a:schemeClr val="tx1"/>
+                      </a:solidFill>
+                      <a:prstDash val="solid"/>
+                      <a:round/>
+                      <a:headEnd type="none" w="med" len="med"/>
+                      <a:tailEnd type="none" w="med" len="med"/>
+                    </a:lnT>
+                    <a:lnB w="12700" cap="flat" cmpd="sng" algn="ctr">
+                      <a:solidFill>
+                        <a:schemeClr val="tx1"/>
+                      </a:solidFill>
+                      <a:prstDash val="solid"/>
+                      <a:round/>
+                      <a:headEnd type="none" w="med" len="med"/>
+                      <a:tailEnd type="none" w="med" len="med"/>
+                    </a:lnB>
+                  </a:tcPr>
+                </a:tc>
+                <a:extLst>
+                  <a:ext uri="{0D108BD9-81ED-4DB2-BD59-A6C34878D82A}">
+                    <a16:rowId xmlns:a16="http://schemas.microsoft.com/office/drawing/2014/main" val="1871411977"/>
+                  </a:ext>
+                </a:extLst>
+              </a:tr>
+              <a:tr h="455454">
+                <a:tc>
+                  <a:txBody>
+                    <a:bodyPr/>
+                    <a:lstStyle/>
+                    <a:p>
+                      <a:r>
+                        <a:rPr lang="en-US" sz="2100"/>
+                        <a:t>Range 2</a:t>
+                      </a:r>
+                    </a:p>
+                  </a:txBody>
+                  <a:tcPr marL="103816" marR="103816" marT="51909" marB="51909">
+                    <a:lnL w="12700" cap="flat" cmpd="sng" algn="ctr">
+                      <a:solidFill>
+                        <a:schemeClr val="tx1"/>
+                      </a:solidFill>
+                      <a:prstDash val="solid"/>
+                      <a:round/>
+                      <a:headEnd type="none" w="med" len="med"/>
+                      <a:tailEnd type="none" w="med" len="med"/>
+                    </a:lnL>
+                    <a:lnR w="12700" cap="flat" cmpd="sng" algn="ctr">
+                      <a:solidFill>
+                        <a:schemeClr val="tx1"/>
+                      </a:solidFill>
+                      <a:prstDash val="solid"/>
+                      <a:round/>
+                      <a:headEnd type="none" w="med" len="med"/>
+                      <a:tailEnd type="none" w="med" len="med"/>
+                    </a:lnR>
+                    <a:lnT w="12700" cap="flat" cmpd="sng" algn="ctr">
+                      <a:solidFill>
+                        <a:schemeClr val="tx1"/>
+                      </a:solidFill>
+                      <a:prstDash val="solid"/>
+                      <a:round/>
+                      <a:headEnd type="none" w="med" len="med"/>
+                      <a:tailEnd type="none" w="med" len="med"/>
+                    </a:lnT>
+                    <a:lnB w="12700" cap="flat" cmpd="sng" algn="ctr">
+                      <a:solidFill>
+                        <a:schemeClr val="tx1"/>
+                      </a:solidFill>
+                      <a:prstDash val="solid"/>
+                      <a:round/>
+                      <a:headEnd type="none" w="med" len="med"/>
+                      <a:tailEnd type="none" w="med" len="med"/>
+                    </a:lnB>
+                  </a:tcPr>
+                </a:tc>
+                <a:tc>
+                  <a:txBody>
+                    <a:bodyPr/>
+                    <a:lstStyle/>
+                    <a:p>
+                      <a:r>
+                        <a:rPr lang="en-US" sz="2100"/>
+                        <a:t>0.1</a:t>
+                      </a:r>
+                    </a:p>
+                  </a:txBody>
+                  <a:tcPr marL="103816" marR="103816" marT="51909" marB="51909">
+                    <a:lnL w="12700" cap="flat" cmpd="sng" algn="ctr">
+                      <a:solidFill>
+                        <a:schemeClr val="tx1"/>
+                      </a:solidFill>
+                      <a:prstDash val="solid"/>
+                      <a:round/>
+                      <a:headEnd type="none" w="med" len="med"/>
+                      <a:tailEnd type="none" w="med" len="med"/>
+                    </a:lnL>
+                    <a:lnR w="12700" cap="flat" cmpd="sng" algn="ctr">
+                      <a:solidFill>
+                        <a:schemeClr val="tx1"/>
+                      </a:solidFill>
+                      <a:prstDash val="solid"/>
+                      <a:round/>
+                      <a:headEnd type="none" w="med" len="med"/>
+                      <a:tailEnd type="none" w="med" len="med"/>
+                    </a:lnR>
+                    <a:lnT w="12700" cap="flat" cmpd="sng" algn="ctr">
+                      <a:solidFill>
+                        <a:schemeClr val="tx1"/>
+                      </a:solidFill>
+                      <a:prstDash val="solid"/>
+                      <a:round/>
+                      <a:headEnd type="none" w="med" len="med"/>
+                      <a:tailEnd type="none" w="med" len="med"/>
+                    </a:lnT>
+                    <a:lnB w="12700" cap="flat" cmpd="sng" algn="ctr">
+                      <a:solidFill>
+                        <a:schemeClr val="tx1"/>
+                      </a:solidFill>
+                      <a:prstDash val="solid"/>
+                      <a:round/>
+                      <a:headEnd type="none" w="med" len="med"/>
+                      <a:tailEnd type="none" w="med" len="med"/>
+                    </a:lnB>
+                  </a:tcPr>
+                </a:tc>
+                <a:tc>
+                  <a:txBody>
+                    <a:bodyPr/>
+                    <a:lstStyle/>
+                    <a:p>
+                      <a:r>
+                        <a:rPr lang="en-US" sz="2100"/>
+                        <a:t>0.1</a:t>
+                      </a:r>
+                    </a:p>
+                  </a:txBody>
+                  <a:tcPr marL="103816" marR="103816" marT="51909" marB="51909">
+                    <a:lnL w="12700" cap="flat" cmpd="sng" algn="ctr">
+                      <a:solidFill>
+                        <a:schemeClr val="tx1"/>
+                      </a:solidFill>
+                      <a:prstDash val="solid"/>
+                      <a:round/>
+                      <a:headEnd type="none" w="med" len="med"/>
+                      <a:tailEnd type="none" w="med" len="med"/>
+                    </a:lnL>
+                    <a:lnR w="12700" cap="flat" cmpd="sng" algn="ctr">
+                      <a:solidFill>
+                        <a:schemeClr val="tx1"/>
+                      </a:solidFill>
+                      <a:prstDash val="solid"/>
+                      <a:round/>
+                      <a:headEnd type="none" w="med" len="med"/>
+                      <a:tailEnd type="none" w="med" len="med"/>
+                    </a:lnR>
+                    <a:lnT w="12700" cap="flat" cmpd="sng" algn="ctr">
+                      <a:solidFill>
+                        <a:schemeClr val="tx1"/>
+                      </a:solidFill>
+                      <a:prstDash val="solid"/>
+                      <a:round/>
+                      <a:headEnd type="none" w="med" len="med"/>
+                      <a:tailEnd type="none" w="med" len="med"/>
+                    </a:lnT>
+                    <a:lnB w="12700" cap="flat" cmpd="sng" algn="ctr">
+                      <a:solidFill>
+                        <a:schemeClr val="tx1"/>
+                      </a:solidFill>
+                      <a:prstDash val="solid"/>
+                      <a:round/>
+                      <a:headEnd type="none" w="med" len="med"/>
+                      <a:tailEnd type="none" w="med" len="med"/>
+                    </a:lnB>
+                  </a:tcPr>
+                </a:tc>
+                <a:tc>
+                  <a:txBody>
+                    <a:bodyPr/>
+                    <a:lstStyle/>
+                    <a:p>
+                      <a:r>
+                        <a:rPr lang="en-US" sz="2100" dirty="0">
+                          <a:solidFill>
+                            <a:srgbClr val="FF0000"/>
+                          </a:solidFill>
+                        </a:rPr>
+                        <a:t>0.22</a:t>
+                      </a:r>
+                    </a:p>
+                  </a:txBody>
+                  <a:tcPr marL="103816" marR="103816" marT="51909" marB="51909">
+                    <a:lnL w="12700" cap="flat" cmpd="sng" algn="ctr">
+                      <a:solidFill>
+                        <a:schemeClr val="tx1"/>
+                      </a:solidFill>
+                      <a:prstDash val="solid"/>
+                      <a:round/>
+                      <a:headEnd type="none" w="med" len="med"/>
+                      <a:tailEnd type="none" w="med" len="med"/>
+                    </a:lnL>
+                    <a:lnR w="12700" cap="flat" cmpd="sng" algn="ctr">
+                      <a:solidFill>
+                        <a:schemeClr val="tx1"/>
+                      </a:solidFill>
+                      <a:prstDash val="solid"/>
+                      <a:round/>
+                      <a:headEnd type="none" w="med" len="med"/>
+                      <a:tailEnd type="none" w="med" len="med"/>
+                    </a:lnR>
+                    <a:lnT w="12700" cap="flat" cmpd="sng" algn="ctr">
+                      <a:solidFill>
+                        <a:schemeClr val="tx1"/>
+                      </a:solidFill>
+                      <a:prstDash val="solid"/>
+                      <a:round/>
+                      <a:headEnd type="none" w="med" len="med"/>
+                      <a:tailEnd type="none" w="med" len="med"/>
+                    </a:lnT>
+                    <a:lnB w="12700" cap="flat" cmpd="sng" algn="ctr">
+                      <a:solidFill>
+                        <a:schemeClr val="tx1"/>
+                      </a:solidFill>
+                      <a:prstDash val="solid"/>
+                      <a:round/>
+                      <a:headEnd type="none" w="med" len="med"/>
+                      <a:tailEnd type="none" w="med" len="med"/>
+                    </a:lnB>
+                  </a:tcPr>
+                </a:tc>
+                <a:tc>
+                  <a:txBody>
+                    <a:bodyPr/>
+                    <a:lstStyle/>
+                    <a:p>
+                      <a:r>
+                        <a:rPr lang="en-US" sz="2100">
+                          <a:solidFill>
+                            <a:srgbClr val="FF0000"/>
+                          </a:solidFill>
+                        </a:rPr>
+                        <a:t>0.2</a:t>
+                      </a:r>
+                    </a:p>
+                  </a:txBody>
+                  <a:tcPr marL="103816" marR="103816" marT="51909" marB="51909">
+                    <a:lnL w="12700" cap="flat" cmpd="sng" algn="ctr">
+                      <a:solidFill>
+                        <a:schemeClr val="tx1"/>
+                      </a:solidFill>
+                      <a:prstDash val="solid"/>
+                      <a:round/>
+                      <a:headEnd type="none" w="med" len="med"/>
+                      <a:tailEnd type="none" w="med" len="med"/>
+                    </a:lnL>
+                    <a:lnR w="12700" cap="flat" cmpd="sng" algn="ctr">
+                      <a:solidFill>
+                        <a:schemeClr val="tx1"/>
+                      </a:solidFill>
+                      <a:prstDash val="solid"/>
+                      <a:round/>
+                      <a:headEnd type="none" w="med" len="med"/>
+                      <a:tailEnd type="none" w="med" len="med"/>
+                    </a:lnR>
+                    <a:lnT w="12700" cap="flat" cmpd="sng" algn="ctr">
+                      <a:solidFill>
+                        <a:schemeClr val="tx1"/>
+                      </a:solidFill>
+                      <a:prstDash val="solid"/>
+                      <a:round/>
+                      <a:headEnd type="none" w="med" len="med"/>
+                      <a:tailEnd type="none" w="med" len="med"/>
+                    </a:lnT>
+                    <a:lnB w="12700" cap="flat" cmpd="sng" algn="ctr">
+                      <a:solidFill>
+                        <a:schemeClr val="tx1"/>
+                      </a:solidFill>
+                      <a:prstDash val="solid"/>
+                      <a:round/>
+                      <a:headEnd type="none" w="med" len="med"/>
+                      <a:tailEnd type="none" w="med" len="med"/>
+                    </a:lnB>
+                  </a:tcPr>
+                </a:tc>
+                <a:extLst>
+                  <a:ext uri="{0D108BD9-81ED-4DB2-BD59-A6C34878D82A}">
+                    <a16:rowId xmlns:a16="http://schemas.microsoft.com/office/drawing/2014/main" val="167111624"/>
+                  </a:ext>
+                </a:extLst>
+              </a:tr>
+              <a:tr h="455454">
+                <a:tc>
+                  <a:txBody>
+                    <a:bodyPr/>
+                    <a:lstStyle/>
+                    <a:p>
+                      <a:r>
+                        <a:rPr lang="en-US" sz="2100"/>
+                        <a:t>Range 3</a:t>
+                      </a:r>
+                    </a:p>
+                  </a:txBody>
+                  <a:tcPr marL="103816" marR="103816" marT="51909" marB="51909">
+                    <a:lnL w="12700" cap="flat" cmpd="sng" algn="ctr">
+                      <a:solidFill>
+                        <a:schemeClr val="tx1"/>
+                      </a:solidFill>
+                      <a:prstDash val="solid"/>
+                      <a:round/>
+                      <a:headEnd type="none" w="med" len="med"/>
+                      <a:tailEnd type="none" w="med" len="med"/>
+                    </a:lnL>
+                    <a:lnR w="12700" cap="flat" cmpd="sng" algn="ctr">
+                      <a:solidFill>
+                        <a:schemeClr val="tx1"/>
+                      </a:solidFill>
+                      <a:prstDash val="solid"/>
+                      <a:round/>
+                      <a:headEnd type="none" w="med" len="med"/>
+                      <a:tailEnd type="none" w="med" len="med"/>
+                    </a:lnR>
+                    <a:lnT w="12700" cap="flat" cmpd="sng" algn="ctr">
+                      <a:solidFill>
+                        <a:schemeClr val="tx1"/>
+                      </a:solidFill>
+                      <a:prstDash val="solid"/>
+                      <a:round/>
+                      <a:headEnd type="none" w="med" len="med"/>
+                      <a:tailEnd type="none" w="med" len="med"/>
+                    </a:lnT>
+                    <a:lnB w="12700" cap="flat" cmpd="sng" algn="ctr">
+                      <a:solidFill>
+                        <a:schemeClr val="tx1"/>
+                      </a:solidFill>
+                      <a:prstDash val="solid"/>
+                      <a:round/>
+                      <a:headEnd type="none" w="med" len="med"/>
+                      <a:tailEnd type="none" w="med" len="med"/>
+                    </a:lnB>
+                  </a:tcPr>
+                </a:tc>
+                <a:tc>
+                  <a:txBody>
+                    <a:bodyPr/>
+                    <a:lstStyle/>
+                    <a:p>
+                      <a:r>
+                        <a:rPr lang="en-US" sz="2100"/>
+                        <a:t>0.1</a:t>
+                      </a:r>
+                    </a:p>
+                  </a:txBody>
+                  <a:tcPr marL="103816" marR="103816" marT="51909" marB="51909">
+                    <a:lnL w="12700" cap="flat" cmpd="sng" algn="ctr">
+                      <a:solidFill>
+                        <a:schemeClr val="tx1"/>
+                      </a:solidFill>
+                      <a:prstDash val="solid"/>
+                      <a:round/>
+                      <a:headEnd type="none" w="med" len="med"/>
+                      <a:tailEnd type="none" w="med" len="med"/>
+                    </a:lnL>
+                    <a:lnR w="12700" cap="flat" cmpd="sng" algn="ctr">
+                      <a:solidFill>
+                        <a:schemeClr val="tx1"/>
+                      </a:solidFill>
+                      <a:prstDash val="solid"/>
+                      <a:round/>
+                      <a:headEnd type="none" w="med" len="med"/>
+                      <a:tailEnd type="none" w="med" len="med"/>
+                    </a:lnR>
+                    <a:lnT w="12700" cap="flat" cmpd="sng" algn="ctr">
+                      <a:solidFill>
+                        <a:schemeClr val="tx1"/>
+                      </a:solidFill>
+                      <a:prstDash val="solid"/>
+                      <a:round/>
+                      <a:headEnd type="none" w="med" len="med"/>
+                      <a:tailEnd type="none" w="med" len="med"/>
+                    </a:lnT>
+                    <a:lnB w="12700" cap="flat" cmpd="sng" algn="ctr">
+                      <a:solidFill>
+                        <a:schemeClr val="tx1"/>
+                      </a:solidFill>
+                      <a:prstDash val="solid"/>
+                      <a:round/>
+                      <a:headEnd type="none" w="med" len="med"/>
+                      <a:tailEnd type="none" w="med" len="med"/>
+                    </a:lnB>
+                  </a:tcPr>
+                </a:tc>
+                <a:tc>
+                  <a:txBody>
+                    <a:bodyPr/>
+                    <a:lstStyle/>
+                    <a:p>
+                      <a:r>
+                        <a:rPr lang="en-US" sz="2100"/>
+                        <a:t>0.1</a:t>
+                      </a:r>
+                    </a:p>
+                  </a:txBody>
+                  <a:tcPr marL="103816" marR="103816" marT="51909" marB="51909">
+                    <a:lnL w="12700" cap="flat" cmpd="sng" algn="ctr">
+                      <a:solidFill>
+                        <a:schemeClr val="tx1"/>
+                      </a:solidFill>
+                      <a:prstDash val="solid"/>
+                      <a:round/>
+                      <a:headEnd type="none" w="med" len="med"/>
+                      <a:tailEnd type="none" w="med" len="med"/>
+                    </a:lnL>
+                    <a:lnR w="12700" cap="flat" cmpd="sng" algn="ctr">
+                      <a:solidFill>
+                        <a:schemeClr val="tx1"/>
+                      </a:solidFill>
+                      <a:prstDash val="solid"/>
+                      <a:round/>
+                      <a:headEnd type="none" w="med" len="med"/>
+                      <a:tailEnd type="none" w="med" len="med"/>
+                    </a:lnR>
+                    <a:lnT w="12700" cap="flat" cmpd="sng" algn="ctr">
+                      <a:solidFill>
+                        <a:schemeClr val="tx1"/>
+                      </a:solidFill>
+                      <a:prstDash val="solid"/>
+                      <a:round/>
+                      <a:headEnd type="none" w="med" len="med"/>
+                      <a:tailEnd type="none" w="med" len="med"/>
+                    </a:lnT>
+                    <a:lnB w="12700" cap="flat" cmpd="sng" algn="ctr">
+                      <a:solidFill>
+                        <a:schemeClr val="tx1"/>
+                      </a:solidFill>
+                      <a:prstDash val="solid"/>
+                      <a:round/>
+                      <a:headEnd type="none" w="med" len="med"/>
+                      <a:tailEnd type="none" w="med" len="med"/>
+                    </a:lnB>
+                  </a:tcPr>
+                </a:tc>
+                <a:tc>
+                  <a:txBody>
+                    <a:bodyPr/>
+                    <a:lstStyle/>
+                    <a:p>
+                      <a:r>
+                        <a:rPr lang="en-US" sz="2100" dirty="0">
+                          <a:solidFill>
+                            <a:srgbClr val="FF0000"/>
+                          </a:solidFill>
+                        </a:rPr>
+                        <a:t>0.14</a:t>
+                      </a:r>
+                    </a:p>
+                  </a:txBody>
+                  <a:tcPr marL="103816" marR="103816" marT="51909" marB="51909">
+                    <a:lnL w="12700" cap="flat" cmpd="sng" algn="ctr">
+                      <a:solidFill>
+                        <a:schemeClr val="tx1"/>
+                      </a:solidFill>
+                      <a:prstDash val="solid"/>
+                      <a:round/>
+                      <a:headEnd type="none" w="med" len="med"/>
+                      <a:tailEnd type="none" w="med" len="med"/>
+                    </a:lnL>
+                    <a:lnR w="12700" cap="flat" cmpd="sng" algn="ctr">
+                      <a:solidFill>
+                        <a:schemeClr val="tx1"/>
+                      </a:solidFill>
+                      <a:prstDash val="solid"/>
+                      <a:round/>
+                      <a:headEnd type="none" w="med" len="med"/>
+                      <a:tailEnd type="none" w="med" len="med"/>
+                    </a:lnR>
+                    <a:lnT w="12700" cap="flat" cmpd="sng" algn="ctr">
+                      <a:solidFill>
+                        <a:schemeClr val="tx1"/>
+                      </a:solidFill>
+                      <a:prstDash val="solid"/>
+                      <a:round/>
+                      <a:headEnd type="none" w="med" len="med"/>
+                      <a:tailEnd type="none" w="med" len="med"/>
+                    </a:lnT>
+                    <a:lnB w="12700" cap="flat" cmpd="sng" algn="ctr">
+                      <a:solidFill>
+                        <a:schemeClr val="tx1"/>
+                      </a:solidFill>
+                      <a:prstDash val="solid"/>
+                      <a:round/>
+                      <a:headEnd type="none" w="med" len="med"/>
+                      <a:tailEnd type="none" w="med" len="med"/>
+                    </a:lnB>
+                  </a:tcPr>
+                </a:tc>
+                <a:tc>
+                  <a:txBody>
+                    <a:bodyPr/>
+                    <a:lstStyle/>
+                    <a:p>
+                      <a:r>
+                        <a:rPr lang="en-US" sz="2100">
+                          <a:solidFill>
+                            <a:srgbClr val="FF0000"/>
+                          </a:solidFill>
+                        </a:rPr>
+                        <a:t>0.4</a:t>
+                      </a:r>
+                    </a:p>
+                  </a:txBody>
+                  <a:tcPr marL="103816" marR="103816" marT="51909" marB="51909">
+                    <a:lnL w="12700" cap="flat" cmpd="sng" algn="ctr">
+                      <a:solidFill>
+                        <a:schemeClr val="tx1"/>
+                      </a:solidFill>
+                      <a:prstDash val="solid"/>
+                      <a:round/>
+                      <a:headEnd type="none" w="med" len="med"/>
+                      <a:tailEnd type="none" w="med" len="med"/>
+                    </a:lnL>
+                    <a:lnR w="12700" cap="flat" cmpd="sng" algn="ctr">
+                      <a:solidFill>
+                        <a:schemeClr val="tx1"/>
+                      </a:solidFill>
+                      <a:prstDash val="solid"/>
+                      <a:round/>
+                      <a:headEnd type="none" w="med" len="med"/>
+                      <a:tailEnd type="none" w="med" len="med"/>
+                    </a:lnR>
+                    <a:lnT w="12700" cap="flat" cmpd="sng" algn="ctr">
+                      <a:solidFill>
+                        <a:schemeClr val="tx1"/>
+                      </a:solidFill>
+                      <a:prstDash val="solid"/>
+                      <a:round/>
+                      <a:headEnd type="none" w="med" len="med"/>
+                      <a:tailEnd type="none" w="med" len="med"/>
+                    </a:lnT>
+                    <a:lnB w="12700" cap="flat" cmpd="sng" algn="ctr">
+                      <a:solidFill>
+                        <a:schemeClr val="tx1"/>
+                      </a:solidFill>
+                      <a:prstDash val="solid"/>
+                      <a:round/>
+                      <a:headEnd type="none" w="med" len="med"/>
+                      <a:tailEnd type="none" w="med" len="med"/>
+                    </a:lnB>
+                  </a:tcPr>
+                </a:tc>
+                <a:extLst>
+                  <a:ext uri="{0D108BD9-81ED-4DB2-BD59-A6C34878D82A}">
+                    <a16:rowId xmlns:a16="http://schemas.microsoft.com/office/drawing/2014/main" val="968465765"/>
+                  </a:ext>
+                </a:extLst>
+              </a:tr>
+              <a:tr h="455454">
+                <a:tc>
+                  <a:txBody>
+                    <a:bodyPr/>
+                    <a:lstStyle/>
+                    <a:p>
+                      <a:r>
+                        <a:rPr lang="en-US" sz="2100"/>
+                        <a:t>Range 4</a:t>
+                      </a:r>
+                    </a:p>
+                  </a:txBody>
+                  <a:tcPr marL="103816" marR="103816" marT="51909" marB="51909">
+                    <a:lnL w="12700" cap="flat" cmpd="sng" algn="ctr">
+                      <a:solidFill>
+                        <a:schemeClr val="tx1"/>
+                      </a:solidFill>
+                      <a:prstDash val="solid"/>
+                      <a:round/>
+                      <a:headEnd type="none" w="med" len="med"/>
+                      <a:tailEnd type="none" w="med" len="med"/>
+                    </a:lnL>
+                    <a:lnR w="12700" cap="flat" cmpd="sng" algn="ctr">
+                      <a:solidFill>
+                        <a:schemeClr val="tx1"/>
+                      </a:solidFill>
+                      <a:prstDash val="solid"/>
+                      <a:round/>
+                      <a:headEnd type="none" w="med" len="med"/>
+                      <a:tailEnd type="none" w="med" len="med"/>
+                    </a:lnR>
+                    <a:lnT w="12700" cap="flat" cmpd="sng" algn="ctr">
+                      <a:solidFill>
+                        <a:schemeClr val="tx1"/>
+                      </a:solidFill>
+                      <a:prstDash val="solid"/>
+                      <a:round/>
+                      <a:headEnd type="none" w="med" len="med"/>
+                      <a:tailEnd type="none" w="med" len="med"/>
+                    </a:lnT>
+                    <a:lnB w="12700" cap="flat" cmpd="sng" algn="ctr">
+                      <a:solidFill>
+                        <a:schemeClr val="tx1"/>
+                      </a:solidFill>
+                      <a:prstDash val="solid"/>
+                      <a:round/>
+                      <a:headEnd type="none" w="med" len="med"/>
+                      <a:tailEnd type="none" w="med" len="med"/>
+                    </a:lnB>
+                  </a:tcPr>
+                </a:tc>
+                <a:tc>
+                  <a:txBody>
+                    <a:bodyPr/>
+                    <a:lstStyle/>
+                    <a:p>
+                      <a:r>
+                        <a:rPr lang="en-US" sz="2100"/>
+                        <a:t>0.1</a:t>
+                      </a:r>
+                    </a:p>
+                  </a:txBody>
+                  <a:tcPr marL="103816" marR="103816" marT="51909" marB="51909">
+                    <a:lnL w="12700" cap="flat" cmpd="sng" algn="ctr">
+                      <a:solidFill>
+                        <a:schemeClr val="tx1"/>
+                      </a:solidFill>
+                      <a:prstDash val="solid"/>
+                      <a:round/>
+                      <a:headEnd type="none" w="med" len="med"/>
+                      <a:tailEnd type="none" w="med" len="med"/>
+                    </a:lnL>
+                    <a:lnR w="12700" cap="flat" cmpd="sng" algn="ctr">
+                      <a:solidFill>
+                        <a:schemeClr val="tx1"/>
+                      </a:solidFill>
+                      <a:prstDash val="solid"/>
+                      <a:round/>
+                      <a:headEnd type="none" w="med" len="med"/>
+                      <a:tailEnd type="none" w="med" len="med"/>
+                    </a:lnR>
+                    <a:lnT w="12700" cap="flat" cmpd="sng" algn="ctr">
+                      <a:solidFill>
+                        <a:schemeClr val="tx1"/>
+                      </a:solidFill>
+                      <a:prstDash val="solid"/>
+                      <a:round/>
+                      <a:headEnd type="none" w="med" len="med"/>
+                      <a:tailEnd type="none" w="med" len="med"/>
+                    </a:lnT>
+                    <a:lnB w="12700" cap="flat" cmpd="sng" algn="ctr">
+                      <a:solidFill>
+                        <a:schemeClr val="tx1"/>
+                      </a:solidFill>
+                      <a:prstDash val="solid"/>
+                      <a:round/>
+                      <a:headEnd type="none" w="med" len="med"/>
+                      <a:tailEnd type="none" w="med" len="med"/>
+                    </a:lnB>
+                  </a:tcPr>
+                </a:tc>
+                <a:tc>
+                  <a:txBody>
+                    <a:bodyPr/>
+                    <a:lstStyle/>
+                    <a:p>
+                      <a:r>
+                        <a:rPr lang="en-US" sz="2100"/>
+                        <a:t>0.1</a:t>
+                      </a:r>
+                    </a:p>
+                  </a:txBody>
+                  <a:tcPr marL="103816" marR="103816" marT="51909" marB="51909">
+                    <a:lnL w="12700" cap="flat" cmpd="sng" algn="ctr">
+                      <a:solidFill>
+                        <a:schemeClr val="tx1"/>
+                      </a:solidFill>
+                      <a:prstDash val="solid"/>
+                      <a:round/>
+                      <a:headEnd type="none" w="med" len="med"/>
+                      <a:tailEnd type="none" w="med" len="med"/>
+                    </a:lnL>
+                    <a:lnR w="12700" cap="flat" cmpd="sng" algn="ctr">
+                      <a:solidFill>
+                        <a:schemeClr val="tx1"/>
+                      </a:solidFill>
+                      <a:prstDash val="solid"/>
+                      <a:round/>
+                      <a:headEnd type="none" w="med" len="med"/>
+                      <a:tailEnd type="none" w="med" len="med"/>
+                    </a:lnR>
+                    <a:lnT w="12700" cap="flat" cmpd="sng" algn="ctr">
+                      <a:solidFill>
+                        <a:schemeClr val="tx1"/>
+                      </a:solidFill>
+                      <a:prstDash val="solid"/>
+                      <a:round/>
+                      <a:headEnd type="none" w="med" len="med"/>
+                      <a:tailEnd type="none" w="med" len="med"/>
+                    </a:lnT>
+                    <a:lnB w="12700" cap="flat" cmpd="sng" algn="ctr">
+                      <a:solidFill>
+                        <a:schemeClr val="tx1"/>
+                      </a:solidFill>
+                      <a:prstDash val="solid"/>
+                      <a:round/>
+                      <a:headEnd type="none" w="med" len="med"/>
+                      <a:tailEnd type="none" w="med" len="med"/>
+                    </a:lnB>
+                  </a:tcPr>
+                </a:tc>
+                <a:tc>
+                  <a:txBody>
+                    <a:bodyPr/>
+                    <a:lstStyle/>
+                    <a:p>
+                      <a:r>
+                        <a:rPr lang="en-US" sz="2100" dirty="0">
+                          <a:solidFill>
+                            <a:srgbClr val="FF0000"/>
+                          </a:solidFill>
+                        </a:rPr>
+                        <a:t>0.14</a:t>
+                      </a:r>
+                    </a:p>
+                  </a:txBody>
+                  <a:tcPr marL="103816" marR="103816" marT="51909" marB="51909">
+                    <a:lnL w="12700" cap="flat" cmpd="sng" algn="ctr">
+                      <a:solidFill>
+                        <a:schemeClr val="tx1"/>
+                      </a:solidFill>
+                      <a:prstDash val="solid"/>
+                      <a:round/>
+                      <a:headEnd type="none" w="med" len="med"/>
+                      <a:tailEnd type="none" w="med" len="med"/>
+                    </a:lnL>
+                    <a:lnR w="12700" cap="flat" cmpd="sng" algn="ctr">
+                      <a:solidFill>
+                        <a:schemeClr val="tx1"/>
+                      </a:solidFill>
+                      <a:prstDash val="solid"/>
+                      <a:round/>
+                      <a:headEnd type="none" w="med" len="med"/>
+                      <a:tailEnd type="none" w="med" len="med"/>
+                    </a:lnR>
+                    <a:lnT w="12700" cap="flat" cmpd="sng" algn="ctr">
+                      <a:solidFill>
+                        <a:schemeClr val="tx1"/>
+                      </a:solidFill>
+                      <a:prstDash val="solid"/>
+                      <a:round/>
+                      <a:headEnd type="none" w="med" len="med"/>
+                      <a:tailEnd type="none" w="med" len="med"/>
+                    </a:lnT>
+                    <a:lnB w="12700" cap="flat" cmpd="sng" algn="ctr">
+                      <a:solidFill>
+                        <a:schemeClr val="tx1"/>
+                      </a:solidFill>
+                      <a:prstDash val="solid"/>
+                      <a:round/>
+                      <a:headEnd type="none" w="med" len="med"/>
+                      <a:tailEnd type="none" w="med" len="med"/>
+                    </a:lnB>
+                  </a:tcPr>
+                </a:tc>
+                <a:tc>
+                  <a:txBody>
+                    <a:bodyPr/>
+                    <a:lstStyle/>
+                    <a:p>
+                      <a:r>
+                        <a:rPr lang="en-US" sz="2100">
+                          <a:solidFill>
+                            <a:srgbClr val="FF0000"/>
+                          </a:solidFill>
+                        </a:rPr>
+                        <a:t>0.4</a:t>
+                      </a:r>
+                    </a:p>
+                  </a:txBody>
+                  <a:tcPr marL="103816" marR="103816" marT="51909" marB="51909">
+                    <a:lnL w="12700" cap="flat" cmpd="sng" algn="ctr">
+                      <a:solidFill>
+                        <a:schemeClr val="tx1"/>
+                      </a:solidFill>
+                      <a:prstDash val="solid"/>
+                      <a:round/>
+                      <a:headEnd type="none" w="med" len="med"/>
+                      <a:tailEnd type="none" w="med" len="med"/>
+                    </a:lnL>
+                    <a:lnR w="12700" cap="flat" cmpd="sng" algn="ctr">
+                      <a:solidFill>
+                        <a:schemeClr val="tx1"/>
+                      </a:solidFill>
+                      <a:prstDash val="solid"/>
+                      <a:round/>
+                      <a:headEnd type="none" w="med" len="med"/>
+                      <a:tailEnd type="none" w="med" len="med"/>
+                    </a:lnR>
+                    <a:lnT w="12700" cap="flat" cmpd="sng" algn="ctr">
+                      <a:solidFill>
+                        <a:schemeClr val="tx1"/>
+                      </a:solidFill>
+                      <a:prstDash val="solid"/>
+                      <a:round/>
+                      <a:headEnd type="none" w="med" len="med"/>
+                      <a:tailEnd type="none" w="med" len="med"/>
+                    </a:lnT>
+                    <a:lnB w="12700" cap="flat" cmpd="sng" algn="ctr">
+                      <a:solidFill>
+                        <a:schemeClr val="tx1"/>
+                      </a:solidFill>
+                      <a:prstDash val="solid"/>
+                      <a:round/>
+                      <a:headEnd type="none" w="med" len="med"/>
+                      <a:tailEnd type="none" w="med" len="med"/>
+                    </a:lnB>
+                  </a:tcPr>
+                </a:tc>
+                <a:extLst>
+                  <a:ext uri="{0D108BD9-81ED-4DB2-BD59-A6C34878D82A}">
+                    <a16:rowId xmlns:a16="http://schemas.microsoft.com/office/drawing/2014/main" val="3601584931"/>
+                  </a:ext>
+                </a:extLst>
+              </a:tr>
+              <a:tr h="455454">
+                <a:tc>
+                  <a:txBody>
+                    <a:bodyPr/>
+                    <a:lstStyle/>
+                    <a:p>
+                      <a:r>
+                        <a:rPr lang="en-US" sz="2100"/>
+                        <a:t>Range 5</a:t>
+                      </a:r>
+                    </a:p>
+                  </a:txBody>
+                  <a:tcPr marL="103816" marR="103816" marT="51909" marB="51909">
+                    <a:lnL w="12700" cap="flat" cmpd="sng" algn="ctr">
+                      <a:solidFill>
+                        <a:schemeClr val="tx1"/>
+                      </a:solidFill>
+                      <a:prstDash val="solid"/>
+                      <a:round/>
+                      <a:headEnd type="none" w="med" len="med"/>
+                      <a:tailEnd type="none" w="med" len="med"/>
+                    </a:lnL>
+                    <a:lnR w="12700" cap="flat" cmpd="sng" algn="ctr">
+                      <a:solidFill>
+                        <a:schemeClr val="tx1"/>
+                      </a:solidFill>
+                      <a:prstDash val="solid"/>
+                      <a:round/>
+                      <a:headEnd type="none" w="med" len="med"/>
+                      <a:tailEnd type="none" w="med" len="med"/>
+                    </a:lnR>
+                    <a:lnT w="12700" cap="flat" cmpd="sng" algn="ctr">
+                      <a:solidFill>
+                        <a:schemeClr val="tx1"/>
+                      </a:solidFill>
+                      <a:prstDash val="solid"/>
+                      <a:round/>
+                      <a:headEnd type="none" w="med" len="med"/>
+                      <a:tailEnd type="none" w="med" len="med"/>
+                    </a:lnT>
+                    <a:lnB w="12700" cap="flat" cmpd="sng" algn="ctr">
+                      <a:solidFill>
+                        <a:schemeClr val="tx1"/>
+                      </a:solidFill>
+                      <a:prstDash val="solid"/>
+                      <a:round/>
+                      <a:headEnd type="none" w="med" len="med"/>
+                      <a:tailEnd type="none" w="med" len="med"/>
+                    </a:lnB>
+                  </a:tcPr>
+                </a:tc>
+                <a:tc>
+                  <a:txBody>
+                    <a:bodyPr/>
+                    <a:lstStyle/>
+                    <a:p>
+                      <a:r>
+                        <a:rPr lang="en-US" sz="2100"/>
+                        <a:t>0.06</a:t>
+                      </a:r>
+                    </a:p>
+                  </a:txBody>
+                  <a:tcPr marL="103816" marR="103816" marT="51909" marB="51909">
+                    <a:lnL w="12700" cap="flat" cmpd="sng" algn="ctr">
+                      <a:solidFill>
+                        <a:schemeClr val="tx1"/>
+                      </a:solidFill>
+                      <a:prstDash val="solid"/>
+                      <a:round/>
+                      <a:headEnd type="none" w="med" len="med"/>
+                      <a:tailEnd type="none" w="med" len="med"/>
+                    </a:lnL>
+                    <a:lnR w="12700" cap="flat" cmpd="sng" algn="ctr">
+                      <a:solidFill>
+                        <a:schemeClr val="tx1"/>
+                      </a:solidFill>
+                      <a:prstDash val="solid"/>
+                      <a:round/>
+                      <a:headEnd type="none" w="med" len="med"/>
+                      <a:tailEnd type="none" w="med" len="med"/>
+                    </a:lnR>
+                    <a:lnT w="12700" cap="flat" cmpd="sng" algn="ctr">
+                      <a:solidFill>
+                        <a:schemeClr val="tx1"/>
+                      </a:solidFill>
+                      <a:prstDash val="solid"/>
+                      <a:round/>
+                      <a:headEnd type="none" w="med" len="med"/>
+                      <a:tailEnd type="none" w="med" len="med"/>
+                    </a:lnT>
+                    <a:lnB w="12700" cap="flat" cmpd="sng" algn="ctr">
+                      <a:solidFill>
+                        <a:schemeClr val="tx1"/>
+                      </a:solidFill>
+                      <a:prstDash val="solid"/>
+                      <a:round/>
+                      <a:headEnd type="none" w="med" len="med"/>
+                      <a:tailEnd type="none" w="med" len="med"/>
+                    </a:lnB>
+                  </a:tcPr>
+                </a:tc>
+                <a:tc>
+                  <a:txBody>
+                    <a:bodyPr/>
+                    <a:lstStyle/>
+                    <a:p>
+                      <a:r>
+                        <a:rPr lang="en-US" sz="2100"/>
+                        <a:t>0.06</a:t>
+                      </a:r>
+                    </a:p>
+                  </a:txBody>
+                  <a:tcPr marL="103816" marR="103816" marT="51909" marB="51909">
+                    <a:lnL w="12700" cap="flat" cmpd="sng" algn="ctr">
+                      <a:solidFill>
+                        <a:schemeClr val="tx1"/>
+                      </a:solidFill>
+                      <a:prstDash val="solid"/>
+                      <a:round/>
+                      <a:headEnd type="none" w="med" len="med"/>
+                      <a:tailEnd type="none" w="med" len="med"/>
+                    </a:lnL>
+                    <a:lnR w="12700" cap="flat" cmpd="sng" algn="ctr">
+                      <a:solidFill>
+                        <a:schemeClr val="tx1"/>
+                      </a:solidFill>
+                      <a:prstDash val="solid"/>
+                      <a:round/>
+                      <a:headEnd type="none" w="med" len="med"/>
+                      <a:tailEnd type="none" w="med" len="med"/>
+                    </a:lnR>
+                    <a:lnT w="12700" cap="flat" cmpd="sng" algn="ctr">
+                      <a:solidFill>
+                        <a:schemeClr val="tx1"/>
+                      </a:solidFill>
+                      <a:prstDash val="solid"/>
+                      <a:round/>
+                      <a:headEnd type="none" w="med" len="med"/>
+                      <a:tailEnd type="none" w="med" len="med"/>
+                    </a:lnT>
+                    <a:lnB w="12700" cap="flat" cmpd="sng" algn="ctr">
+                      <a:solidFill>
+                        <a:schemeClr val="tx1"/>
+                      </a:solidFill>
+                      <a:prstDash val="solid"/>
+                      <a:round/>
+                      <a:headEnd type="none" w="med" len="med"/>
+                      <a:tailEnd type="none" w="med" len="med"/>
+                    </a:lnB>
+                  </a:tcPr>
+                </a:tc>
+                <a:tc>
+                  <a:txBody>
+                    <a:bodyPr/>
+                    <a:lstStyle/>
+                    <a:p>
+                      <a:r>
+                        <a:rPr lang="en-US" sz="2100" dirty="0">
+                          <a:solidFill>
+                            <a:srgbClr val="FF0000"/>
+                          </a:solidFill>
+                        </a:rPr>
+                        <a:t>0.14</a:t>
+                      </a:r>
+                    </a:p>
+                  </a:txBody>
+                  <a:tcPr marL="103816" marR="103816" marT="51909" marB="51909">
+                    <a:lnL w="12700" cap="flat" cmpd="sng" algn="ctr">
+                      <a:solidFill>
+                        <a:schemeClr val="tx1"/>
+                      </a:solidFill>
+                      <a:prstDash val="solid"/>
+                      <a:round/>
+                      <a:headEnd type="none" w="med" len="med"/>
+                      <a:tailEnd type="none" w="med" len="med"/>
+                    </a:lnL>
+                    <a:lnR w="12700" cap="flat" cmpd="sng" algn="ctr">
+                      <a:solidFill>
+                        <a:schemeClr val="tx1"/>
+                      </a:solidFill>
+                      <a:prstDash val="solid"/>
+                      <a:round/>
+                      <a:headEnd type="none" w="med" len="med"/>
+                      <a:tailEnd type="none" w="med" len="med"/>
+                    </a:lnR>
+                    <a:lnT w="12700" cap="flat" cmpd="sng" algn="ctr">
+                      <a:solidFill>
+                        <a:schemeClr val="tx1"/>
+                      </a:solidFill>
+                      <a:prstDash val="solid"/>
+                      <a:round/>
+                      <a:headEnd type="none" w="med" len="med"/>
+                      <a:tailEnd type="none" w="med" len="med"/>
+                    </a:lnT>
+                    <a:lnB w="12700" cap="flat" cmpd="sng" algn="ctr">
+                      <a:solidFill>
+                        <a:schemeClr val="tx1"/>
+                      </a:solidFill>
+                      <a:prstDash val="solid"/>
+                      <a:round/>
+                      <a:headEnd type="none" w="med" len="med"/>
+                      <a:tailEnd type="none" w="med" len="med"/>
+                    </a:lnB>
+                  </a:tcPr>
+                </a:tc>
+                <a:tc>
+                  <a:txBody>
+                    <a:bodyPr/>
+                    <a:lstStyle/>
+                    <a:p>
+                      <a:r>
+                        <a:rPr lang="en-US" sz="2100" dirty="0">
+                          <a:solidFill>
+                            <a:srgbClr val="FF0000"/>
+                          </a:solidFill>
+                        </a:rPr>
+                        <a:t>0.4</a:t>
+                      </a:r>
+                    </a:p>
+                  </a:txBody>
+                  <a:tcPr marL="103816" marR="103816" marT="51909" marB="51909">
+                    <a:lnL w="12700" cap="flat" cmpd="sng" algn="ctr">
+                      <a:solidFill>
+                        <a:schemeClr val="tx1"/>
+                      </a:solidFill>
+                      <a:prstDash val="solid"/>
+                      <a:round/>
+                      <a:headEnd type="none" w="med" len="med"/>
+                      <a:tailEnd type="none" w="med" len="med"/>
+                    </a:lnL>
+                    <a:lnR w="12700" cap="flat" cmpd="sng" algn="ctr">
+                      <a:solidFill>
+                        <a:schemeClr val="tx1"/>
+                      </a:solidFill>
+                      <a:prstDash val="solid"/>
+                      <a:round/>
+                      <a:headEnd type="none" w="med" len="med"/>
+                      <a:tailEnd type="none" w="med" len="med"/>
+                    </a:lnR>
+                    <a:lnT w="12700" cap="flat" cmpd="sng" algn="ctr">
+                      <a:solidFill>
+                        <a:schemeClr val="tx1"/>
+                      </a:solidFill>
+                      <a:prstDash val="solid"/>
+                      <a:round/>
+                      <a:headEnd type="none" w="med" len="med"/>
+                      <a:tailEnd type="none" w="med" len="med"/>
+                    </a:lnT>
+                    <a:lnB w="12700" cap="flat" cmpd="sng" algn="ctr">
+                      <a:solidFill>
+                        <a:schemeClr val="tx1"/>
+                      </a:solidFill>
+                      <a:prstDash val="solid"/>
+                      <a:round/>
+                      <a:headEnd type="none" w="med" len="med"/>
+                      <a:tailEnd type="none" w="med" len="med"/>
+                    </a:lnB>
+                  </a:tcPr>
+                </a:tc>
+                <a:extLst>
+                  <a:ext uri="{0D108BD9-81ED-4DB2-BD59-A6C34878D82A}">
+                    <a16:rowId xmlns:a16="http://schemas.microsoft.com/office/drawing/2014/main" val="3708008194"/>
+                  </a:ext>
+                </a:extLst>
+              </a:tr>
+              <a:tr h="455454">
+                <a:tc>
+                  <a:txBody>
+                    <a:bodyPr/>
+                    <a:lstStyle/>
+                    <a:p>
+                      <a:r>
+                        <a:rPr lang="en-US" sz="2100"/>
+                        <a:t>Range 6</a:t>
+                      </a:r>
+                    </a:p>
+                  </a:txBody>
+                  <a:tcPr marL="103816" marR="103816" marT="51909" marB="51909">
+                    <a:lnL w="12700" cap="flat" cmpd="sng" algn="ctr">
+                      <a:solidFill>
+                        <a:schemeClr val="tx1"/>
+                      </a:solidFill>
+                      <a:prstDash val="solid"/>
+                      <a:round/>
+                      <a:headEnd type="none" w="med" len="med"/>
+                      <a:tailEnd type="none" w="med" len="med"/>
+                    </a:lnL>
+                    <a:lnR w="12700" cap="flat" cmpd="sng" algn="ctr">
+                      <a:solidFill>
+                        <a:schemeClr val="tx1"/>
+                      </a:solidFill>
+                      <a:prstDash val="solid"/>
+                      <a:round/>
+                      <a:headEnd type="none" w="med" len="med"/>
+                      <a:tailEnd type="none" w="med" len="med"/>
+                    </a:lnR>
+                    <a:lnT w="12700" cap="flat" cmpd="sng" algn="ctr">
+                      <a:solidFill>
+                        <a:schemeClr val="tx1"/>
+                      </a:solidFill>
+                      <a:prstDash val="solid"/>
+                      <a:round/>
+                      <a:headEnd type="none" w="med" len="med"/>
+                      <a:tailEnd type="none" w="med" len="med"/>
+                    </a:lnT>
+                    <a:lnB w="12700" cap="flat" cmpd="sng" algn="ctr">
+                      <a:solidFill>
+                        <a:schemeClr val="tx1"/>
+                      </a:solidFill>
+                      <a:prstDash val="solid"/>
+                      <a:round/>
+                      <a:headEnd type="none" w="med" len="med"/>
+                      <a:tailEnd type="none" w="med" len="med"/>
+                    </a:lnB>
+                  </a:tcPr>
+                </a:tc>
+                <a:tc>
+                  <a:txBody>
+                    <a:bodyPr/>
+                    <a:lstStyle/>
+                    <a:p>
+                      <a:r>
+                        <a:rPr lang="en-US" sz="2100"/>
+                        <a:t>0.06</a:t>
+                      </a:r>
+                    </a:p>
+                  </a:txBody>
+                  <a:tcPr marL="103816" marR="103816" marT="51909" marB="51909">
+                    <a:lnL w="12700" cap="flat" cmpd="sng" algn="ctr">
+                      <a:solidFill>
+                        <a:schemeClr val="tx1"/>
+                      </a:solidFill>
+                      <a:prstDash val="solid"/>
+                      <a:round/>
+                      <a:headEnd type="none" w="med" len="med"/>
+                      <a:tailEnd type="none" w="med" len="med"/>
+                    </a:lnL>
+                    <a:lnR w="12700" cap="flat" cmpd="sng" algn="ctr">
+                      <a:solidFill>
+                        <a:schemeClr val="tx1"/>
+                      </a:solidFill>
+                      <a:prstDash val="solid"/>
+                      <a:round/>
+                      <a:headEnd type="none" w="med" len="med"/>
+                      <a:tailEnd type="none" w="med" len="med"/>
+                    </a:lnR>
+                    <a:lnT w="12700" cap="flat" cmpd="sng" algn="ctr">
+                      <a:solidFill>
+                        <a:schemeClr val="tx1"/>
+                      </a:solidFill>
+                      <a:prstDash val="solid"/>
+                      <a:round/>
+                      <a:headEnd type="none" w="med" len="med"/>
+                      <a:tailEnd type="none" w="med" len="med"/>
+                    </a:lnT>
+                    <a:lnB w="12700" cap="flat" cmpd="sng" algn="ctr">
+                      <a:solidFill>
+                        <a:schemeClr val="tx1"/>
+                      </a:solidFill>
+                      <a:prstDash val="solid"/>
+                      <a:round/>
+                      <a:headEnd type="none" w="med" len="med"/>
+                      <a:tailEnd type="none" w="med" len="med"/>
+                    </a:lnB>
+                  </a:tcPr>
+                </a:tc>
+                <a:tc>
+                  <a:txBody>
+                    <a:bodyPr/>
+                    <a:lstStyle/>
+                    <a:p>
+                      <a:r>
+                        <a:rPr lang="en-US" sz="2100"/>
+                        <a:t>0.06</a:t>
+                      </a:r>
+                    </a:p>
+                  </a:txBody>
+                  <a:tcPr marL="103816" marR="103816" marT="51909" marB="51909">
+                    <a:lnL w="12700" cap="flat" cmpd="sng" algn="ctr">
+                      <a:solidFill>
+                        <a:schemeClr val="tx1"/>
+                      </a:solidFill>
+                      <a:prstDash val="solid"/>
+                      <a:round/>
+                      <a:headEnd type="none" w="med" len="med"/>
+                      <a:tailEnd type="none" w="med" len="med"/>
+                    </a:lnL>
+                    <a:lnR w="12700" cap="flat" cmpd="sng" algn="ctr">
+                      <a:solidFill>
+                        <a:schemeClr val="tx1"/>
+                      </a:solidFill>
+                      <a:prstDash val="solid"/>
+                      <a:round/>
+                      <a:headEnd type="none" w="med" len="med"/>
+                      <a:tailEnd type="none" w="med" len="med"/>
+                    </a:lnR>
+                    <a:lnT w="12700" cap="flat" cmpd="sng" algn="ctr">
+                      <a:solidFill>
+                        <a:schemeClr val="tx1"/>
+                      </a:solidFill>
+                      <a:prstDash val="solid"/>
+                      <a:round/>
+                      <a:headEnd type="none" w="med" len="med"/>
+                      <a:tailEnd type="none" w="med" len="med"/>
+                    </a:lnT>
+                    <a:lnB w="12700" cap="flat" cmpd="sng" algn="ctr">
+                      <a:solidFill>
+                        <a:schemeClr val="tx1"/>
+                      </a:solidFill>
+                      <a:prstDash val="solid"/>
+                      <a:round/>
+                      <a:headEnd type="none" w="med" len="med"/>
+                      <a:tailEnd type="none" w="med" len="med"/>
+                    </a:lnB>
+                  </a:tcPr>
+                </a:tc>
+                <a:tc>
+                  <a:txBody>
+                    <a:bodyPr/>
+                    <a:lstStyle/>
+                    <a:p>
+                      <a:r>
+                        <a:rPr lang="en-US" sz="2100">
+                          <a:solidFill>
+                            <a:srgbClr val="FF0000"/>
+                          </a:solidFill>
+                        </a:rPr>
+                        <a:t>0.14</a:t>
+                      </a:r>
+                    </a:p>
+                  </a:txBody>
+                  <a:tcPr marL="103816" marR="103816" marT="51909" marB="51909">
+                    <a:lnL w="12700" cap="flat" cmpd="sng" algn="ctr">
+                      <a:solidFill>
+                        <a:schemeClr val="tx1"/>
+                      </a:solidFill>
+                      <a:prstDash val="solid"/>
+                      <a:round/>
+                      <a:headEnd type="none" w="med" len="med"/>
+                      <a:tailEnd type="none" w="med" len="med"/>
+                    </a:lnL>
+                    <a:lnR w="12700" cap="flat" cmpd="sng" algn="ctr">
+                      <a:solidFill>
+                        <a:schemeClr val="tx1"/>
+                      </a:solidFill>
+                      <a:prstDash val="solid"/>
+                      <a:round/>
+                      <a:headEnd type="none" w="med" len="med"/>
+                      <a:tailEnd type="none" w="med" len="med"/>
+                    </a:lnR>
+                    <a:lnT w="12700" cap="flat" cmpd="sng" algn="ctr">
+                      <a:solidFill>
+                        <a:schemeClr val="tx1"/>
+                      </a:solidFill>
+                      <a:prstDash val="solid"/>
+                      <a:round/>
+                      <a:headEnd type="none" w="med" len="med"/>
+                      <a:tailEnd type="none" w="med" len="med"/>
+                    </a:lnT>
+                    <a:lnB w="12700" cap="flat" cmpd="sng" algn="ctr">
+                      <a:solidFill>
+                        <a:schemeClr val="tx1"/>
+                      </a:solidFill>
+                      <a:prstDash val="solid"/>
+                      <a:round/>
+                      <a:headEnd type="none" w="med" len="med"/>
+                      <a:tailEnd type="none" w="med" len="med"/>
+                    </a:lnB>
+                  </a:tcPr>
+                </a:tc>
+                <a:tc>
+                  <a:txBody>
+                    <a:bodyPr/>
+                    <a:lstStyle/>
+                    <a:p>
+                      <a:r>
+                        <a:rPr lang="en-US" sz="2100" dirty="0">
+                          <a:solidFill>
+                            <a:srgbClr val="FF0000"/>
+                          </a:solidFill>
+                        </a:rPr>
+                        <a:t>0.4</a:t>
+                      </a:r>
+                    </a:p>
+                  </a:txBody>
+                  <a:tcPr marL="103816" marR="103816" marT="51909" marB="51909">
+                    <a:lnL w="12700" cap="flat" cmpd="sng" algn="ctr">
+                      <a:solidFill>
+                        <a:schemeClr val="tx1"/>
+                      </a:solidFill>
+                      <a:prstDash val="solid"/>
+                      <a:round/>
+                      <a:headEnd type="none" w="med" len="med"/>
+                      <a:tailEnd type="none" w="med" len="med"/>
+                    </a:lnL>
+                    <a:lnR w="12700" cap="flat" cmpd="sng" algn="ctr">
+                      <a:solidFill>
+                        <a:schemeClr val="tx1"/>
+                      </a:solidFill>
+                      <a:prstDash val="solid"/>
+                      <a:round/>
+                      <a:headEnd type="none" w="med" len="med"/>
+                      <a:tailEnd type="none" w="med" len="med"/>
+                    </a:lnR>
+                    <a:lnT w="12700" cap="flat" cmpd="sng" algn="ctr">
+                      <a:solidFill>
+                        <a:schemeClr val="tx1"/>
+                      </a:solidFill>
+                      <a:prstDash val="solid"/>
+                      <a:round/>
+                      <a:headEnd type="none" w="med" len="med"/>
+                      <a:tailEnd type="none" w="med" len="med"/>
+                    </a:lnT>
+                    <a:lnB w="12700" cap="flat" cmpd="sng" algn="ctr">
+                      <a:solidFill>
+                        <a:schemeClr val="tx1"/>
+                      </a:solidFill>
+                      <a:prstDash val="solid"/>
+                      <a:round/>
+                      <a:headEnd type="none" w="med" len="med"/>
+                      <a:tailEnd type="none" w="med" len="med"/>
+                    </a:lnB>
+                  </a:tcPr>
+                </a:tc>
+                <a:extLst>
+                  <a:ext uri="{0D108BD9-81ED-4DB2-BD59-A6C34878D82A}">
+                    <a16:rowId xmlns:a16="http://schemas.microsoft.com/office/drawing/2014/main" val="3612343923"/>
+                  </a:ext>
+                </a:extLst>
+              </a:tr>
+            </a:tbl>
+          </a:graphicData>
+        </a:graphic>
+      </p:graphicFrame>
+    </p:spTree>
+    <p:extLst>
+      <p:ext uri="{BB962C8B-B14F-4D97-AF65-F5344CB8AC3E}">
+        <p14:creationId xmlns:p14="http://schemas.microsoft.com/office/powerpoint/2010/main" val="3706440179"/>
+      </p:ext>
+    </p:extLst>
+  </p:cSld>
+  <p:clrMapOvr>
+    <a:masterClrMapping/>
+  </p:clrMapOvr>
+</p:sld>
+</file>
+
+<file path=ppt/slides/slide15.xml><?xml version="1.0" encoding="utf-8"?>
+<p:sld xmlns:a="http://schemas.openxmlformats.org/drawingml/2006/main" xmlns:r="http://schemas.openxmlformats.org/officeDocument/2006/relationships" xmlns:p="http://schemas.openxmlformats.org/presentationml/2006/main">
+  <p:cSld>
+    <p:spTree>
+      <p:nvGrpSpPr>
+        <p:cNvPr id="1" name=""/>
+        <p:cNvGrpSpPr/>
+        <p:nvPr/>
+      </p:nvGrpSpPr>
+      <p:grpSpPr>
+        <a:xfrm>
+          <a:off x="0" y="0"/>
+          <a:ext cx="0" cy="0"/>
+          <a:chOff x="0" y="0"/>
+          <a:chExt cx="0" cy="0"/>
+        </a:xfrm>
+      </p:grpSpPr>
+      <p:sp>
+        <p:nvSpPr>
+          <p:cNvPr id="2" name="Title 1">
+            <a:extLst>
+              <a:ext uri="{FF2B5EF4-FFF2-40B4-BE49-F238E27FC236}">
+                <a16:creationId xmlns:a16="http://schemas.microsoft.com/office/drawing/2014/main" id="{D8115B46-FE7B-1044-8D50-F98F59B9AE32}"/>
+              </a:ext>
+            </a:extLst>
+          </p:cNvPr>
+          <p:cNvSpPr>
+            <a:spLocks noGrp="1"/>
+          </p:cNvSpPr>
+          <p:nvPr>
+            <p:ph type="title"/>
+          </p:nvPr>
+        </p:nvSpPr>
+        <p:spPr/>
+        <p:txBody>
+          <a:bodyPr/>
+          <a:lstStyle/>
+          <a:p>
+            <a:r>
+              <a:rPr lang="en-US" dirty="0"/>
+              <a:t>Combined Pre/Post-Bake Distribution Plot</a:t>
+            </a:r>
+          </a:p>
+        </p:txBody>
+      </p:sp>
+      <p:sp>
+        <p:nvSpPr>
+          <p:cNvPr id="3" name="Content Placeholder 2">
+            <a:extLst>
+              <a:ext uri="{FF2B5EF4-FFF2-40B4-BE49-F238E27FC236}">
+                <a16:creationId xmlns:a16="http://schemas.microsoft.com/office/drawing/2014/main" id="{D5AE8E89-80A2-9C43-BD94-2C4E74255414}"/>
+              </a:ext>
+            </a:extLst>
+          </p:cNvPr>
+          <p:cNvSpPr>
+            <a:spLocks noGrp="1"/>
+          </p:cNvSpPr>
+          <p:nvPr>
+            <p:ph idx="1"/>
+          </p:nvPr>
+        </p:nvSpPr>
+        <p:spPr/>
+        <p:txBody>
+          <a:bodyPr/>
+          <a:lstStyle/>
+          <a:p>
+            <a:endParaRPr lang="en-US"/>
+          </a:p>
+        </p:txBody>
+      </p:sp>
+    </p:spTree>
+    <p:extLst>
+      <p:ext uri="{BB962C8B-B14F-4D97-AF65-F5344CB8AC3E}">
+        <p14:creationId xmlns:p14="http://schemas.microsoft.com/office/powerpoint/2010/main" val="3800919461"/>
+      </p:ext>
+    </p:extLst>
+  </p:cSld>
+  <p:clrMapOvr>
+    <a:masterClrMapping/>
+  </p:clrMapOvr>
+</p:sld>
+</file>
+
+<file path=ppt/slides/slide16.xml><?xml version="1.0" encoding="utf-8"?>
 <p:sld xmlns:a="http://schemas.openxmlformats.org/drawingml/2006/main" xmlns:r="http://schemas.openxmlformats.org/officeDocument/2006/relationships" xmlns:p="http://schemas.openxmlformats.org/presentationml/2006/main">
   <p:cSld>
     <p:bg>
@@ -13451,7 +18999,7 @@
 </p:sld>
 </file>
 
-<file path=ppt/slides/slide12.xml><?xml version="1.0" encoding="utf-8"?>
+<file path=ppt/slides/slide17.xml><?xml version="1.0" encoding="utf-8"?>
 <p:sld xmlns:a="http://schemas.openxmlformats.org/drawingml/2006/main" xmlns:r="http://schemas.openxmlformats.org/officeDocument/2006/relationships" xmlns:p="http://schemas.openxmlformats.org/presentationml/2006/main">
   <p:cSld>
     <p:bg>
@@ -13643,7 +19191,7 @@
           <a:p>
             <a:pPr algn="ctr"/>
             <a:r>
-              <a:rPr lang="en-US" sz="2600" kern="1200">
+              <a:rPr lang="en-US" sz="2600" kern="1200" dirty="0">
                 <a:solidFill>
                   <a:srgbClr val="FFFFFF"/>
                 </a:solidFill>
@@ -13692,6 +19240,468 @@
     <p:extLst>
       <p:ext uri="{BB962C8B-B14F-4D97-AF65-F5344CB8AC3E}">
         <p14:creationId xmlns:p14="http://schemas.microsoft.com/office/powerpoint/2010/main" val="2526247354"/>
+      </p:ext>
+    </p:extLst>
+  </p:cSld>
+  <p:clrMapOvr>
+    <a:masterClrMapping/>
+  </p:clrMapOvr>
+</p:sld>
+</file>
+
+<file path=ppt/slides/slide18.xml><?xml version="1.0" encoding="utf-8"?>
+<p:sld xmlns:a="http://schemas.openxmlformats.org/drawingml/2006/main" xmlns:r="http://schemas.openxmlformats.org/officeDocument/2006/relationships" xmlns:p="http://schemas.openxmlformats.org/presentationml/2006/main">
+  <p:cSld>
+    <p:bg>
+      <p:bgPr>
+        <a:solidFill>
+          <a:schemeClr val="bg1"/>
+        </a:solidFill>
+        <a:effectLst/>
+      </p:bgPr>
+    </p:bg>
+    <p:spTree>
+      <p:nvGrpSpPr>
+        <p:cNvPr id="1" name=""/>
+        <p:cNvGrpSpPr/>
+        <p:nvPr/>
+      </p:nvGrpSpPr>
+      <p:grpSpPr>
+        <a:xfrm>
+          <a:off x="0" y="0"/>
+          <a:ext cx="0" cy="0"/>
+          <a:chOff x="0" y="0"/>
+          <a:chExt cx="0" cy="0"/>
+        </a:xfrm>
+      </p:grpSpPr>
+      <p:sp>
+        <p:nvSpPr>
+          <p:cNvPr id="14" name="Rectangle 13">
+            <a:extLst>
+              <a:ext uri="{FF2B5EF4-FFF2-40B4-BE49-F238E27FC236}">
+                <a16:creationId xmlns:a16="http://schemas.microsoft.com/office/drawing/2014/main" id="{6753252F-4873-4F63-801D-CC719279A7D5}"/>
+              </a:ext>
+              <a:ext uri="{C183D7F6-B498-43B3-948B-1728B52AA6E4}">
+                <adec:decorative xmlns:adec="http://schemas.microsoft.com/office/drawing/2017/decorative" val="1"/>
+              </a:ext>
+            </a:extLst>
+          </p:cNvPr>
+          <p:cNvSpPr>
+            <a:spLocks noGrp="1" noRot="1" noChangeAspect="1" noMove="1" noResize="1" noEditPoints="1" noAdjustHandles="1" noChangeArrowheads="1" noChangeShapeType="1" noTextEdit="1"/>
+          </p:cNvSpPr>
+          <p:nvPr>
+            <p:extLst>
+              <p:ext uri="{386F3935-93C4-4BCD-93E2-E3B085C9AB24}">
+                <p16:designElem xmlns:p16="http://schemas.microsoft.com/office/powerpoint/2015/main" val="1"/>
+              </p:ext>
+            </p:extLst>
+          </p:nvPr>
+        </p:nvSpPr>
+        <p:spPr>
+          <a:xfrm>
+            <a:off x="0" y="0"/>
+            <a:ext cx="12192000" cy="6858000"/>
+          </a:xfrm>
+          <a:prstGeom prst="rect">
+            <a:avLst/>
+          </a:prstGeom>
+          <a:solidFill>
+            <a:srgbClr val="FFFFFF"/>
+          </a:solidFill>
+          <a:ln>
+            <a:noFill/>
+          </a:ln>
+        </p:spPr>
+        <p:style>
+          <a:lnRef idx="2">
+            <a:schemeClr val="accent1">
+              <a:shade val="50000"/>
+            </a:schemeClr>
+          </a:lnRef>
+          <a:fillRef idx="1">
+            <a:schemeClr val="accent1"/>
+          </a:fillRef>
+          <a:effectRef idx="0">
+            <a:schemeClr val="accent1"/>
+          </a:effectRef>
+          <a:fontRef idx="minor">
+            <a:schemeClr val="lt1"/>
+          </a:fontRef>
+        </p:style>
+        <p:txBody>
+          <a:bodyPr rtlCol="0" anchor="ctr"/>
+          <a:lstStyle/>
+          <a:p>
+            <a:pPr algn="ctr"/>
+            <a:endParaRPr lang="en-US"/>
+          </a:p>
+        </p:txBody>
+      </p:sp>
+      <p:sp>
+        <p:nvSpPr>
+          <p:cNvPr id="16" name="Rectangle 15">
+            <a:extLst>
+              <a:ext uri="{FF2B5EF4-FFF2-40B4-BE49-F238E27FC236}">
+                <a16:creationId xmlns:a16="http://schemas.microsoft.com/office/drawing/2014/main" id="{047C8CCB-F95D-4249-92DD-651249D3535A}"/>
+              </a:ext>
+              <a:ext uri="{C183D7F6-B498-43B3-948B-1728B52AA6E4}">
+                <adec:decorative xmlns:adec="http://schemas.microsoft.com/office/drawing/2017/decorative" val="1"/>
+              </a:ext>
+            </a:extLst>
+          </p:cNvPr>
+          <p:cNvSpPr>
+            <a:spLocks noGrp="1" noRot="1" noChangeAspect="1" noMove="1" noResize="1" noEditPoints="1" noAdjustHandles="1" noChangeArrowheads="1" noChangeShapeType="1" noTextEdit="1"/>
+          </p:cNvSpPr>
+          <p:nvPr>
+            <p:extLst>
+              <p:ext uri="{386F3935-93C4-4BCD-93E2-E3B085C9AB24}">
+                <p16:designElem xmlns:p16="http://schemas.microsoft.com/office/powerpoint/2015/main" val="1"/>
+              </p:ext>
+            </p:extLst>
+          </p:nvPr>
+        </p:nvSpPr>
+        <p:spPr>
+          <a:xfrm>
+            <a:off x="0" y="0"/>
+            <a:ext cx="2013557" cy="6858000"/>
+          </a:xfrm>
+          <a:prstGeom prst="rect">
+            <a:avLst/>
+          </a:prstGeom>
+          <a:solidFill>
+            <a:srgbClr val="7F7F7F"/>
+          </a:solidFill>
+          <a:ln>
+            <a:noFill/>
+          </a:ln>
+        </p:spPr>
+        <p:style>
+          <a:lnRef idx="2">
+            <a:schemeClr val="accent1">
+              <a:shade val="50000"/>
+            </a:schemeClr>
+          </a:lnRef>
+          <a:fillRef idx="1">
+            <a:schemeClr val="accent1"/>
+          </a:fillRef>
+          <a:effectRef idx="0">
+            <a:schemeClr val="accent1"/>
+          </a:effectRef>
+          <a:fontRef idx="minor">
+            <a:schemeClr val="lt1"/>
+          </a:fontRef>
+        </p:style>
+        <p:txBody>
+          <a:bodyPr rtlCol="0" anchor="ctr"/>
+          <a:lstStyle/>
+          <a:p>
+            <a:pPr algn="ctr"/>
+            <a:endParaRPr lang="en-US"/>
+          </a:p>
+        </p:txBody>
+      </p:sp>
+      <p:sp>
+        <p:nvSpPr>
+          <p:cNvPr id="2" name="Title 1">
+            <a:extLst>
+              <a:ext uri="{FF2B5EF4-FFF2-40B4-BE49-F238E27FC236}">
+                <a16:creationId xmlns:a16="http://schemas.microsoft.com/office/drawing/2014/main" id="{67F017A3-29CD-954D-BFF9-0C2279F1BC5A}"/>
+              </a:ext>
+            </a:extLst>
+          </p:cNvPr>
+          <p:cNvSpPr>
+            <a:spLocks noGrp="1"/>
+          </p:cNvSpPr>
+          <p:nvPr>
+            <p:ph type="title"/>
+          </p:nvPr>
+        </p:nvSpPr>
+        <p:spPr>
+          <a:xfrm>
+            <a:off x="640080" y="2074363"/>
+            <a:ext cx="2752354" cy="2709275"/>
+          </a:xfrm>
+          <a:prstGeom prst="ellipse">
+            <a:avLst/>
+          </a:prstGeom>
+          <a:solidFill>
+            <a:srgbClr val="262626"/>
+          </a:solidFill>
+          <a:ln w="174625" cmpd="thinThick">
+            <a:solidFill>
+              <a:srgbClr val="262626"/>
+            </a:solidFill>
+          </a:ln>
+        </p:spPr>
+        <p:txBody>
+          <a:bodyPr vert="horz" lIns="91440" tIns="45720" rIns="91440" bIns="45720" rtlCol="0" anchor="ctr">
+            <a:normAutofit/>
+          </a:bodyPr>
+          <a:lstStyle/>
+          <a:p>
+            <a:pPr algn="ctr"/>
+            <a:r>
+              <a:rPr lang="en-US" sz="2600" kern="1200">
+                <a:solidFill>
+                  <a:srgbClr val="FFFFFF"/>
+                </a:solidFill>
+                <a:latin typeface="+mj-lt"/>
+                <a:ea typeface="+mj-ea"/>
+                <a:cs typeface="+mj-cs"/>
+              </a:rPr>
+              <a:t>Retention BER plot full</a:t>
+            </a:r>
+          </a:p>
+        </p:txBody>
+      </p:sp>
+      <p:pic>
+        <p:nvPicPr>
+          <p:cNvPr id="9" name="Content Placeholder 8">
+            <a:extLst>
+              <a:ext uri="{FF2B5EF4-FFF2-40B4-BE49-F238E27FC236}">
+                <a16:creationId xmlns:a16="http://schemas.microsoft.com/office/drawing/2014/main" id="{28D436FB-8435-4B46-BA52-798E5DFAF6E3}"/>
+              </a:ext>
+            </a:extLst>
+          </p:cNvPr>
+          <p:cNvPicPr>
+            <a:picLocks noGrp="1" noChangeAspect="1"/>
+          </p:cNvPicPr>
+          <p:nvPr>
+            <p:ph idx="1"/>
+          </p:nvPr>
+        </p:nvPicPr>
+        <p:blipFill>
+          <a:blip r:embed="rId3"/>
+          <a:stretch>
+            <a:fillRect/>
+          </a:stretch>
+        </p:blipFill>
+        <p:spPr>
+          <a:xfrm>
+            <a:off x="4345375" y="961812"/>
+            <a:ext cx="6574649" cy="4930987"/>
+          </a:xfrm>
+          <a:prstGeom prst="rect">
+            <a:avLst/>
+          </a:prstGeom>
+        </p:spPr>
+      </p:pic>
+    </p:spTree>
+    <p:extLst>
+      <p:ext uri="{BB962C8B-B14F-4D97-AF65-F5344CB8AC3E}">
+        <p14:creationId xmlns:p14="http://schemas.microsoft.com/office/powerpoint/2010/main" val="4127877217"/>
+      </p:ext>
+    </p:extLst>
+  </p:cSld>
+  <p:clrMapOvr>
+    <a:masterClrMapping/>
+  </p:clrMapOvr>
+</p:sld>
+</file>
+
+<file path=ppt/slides/slide19.xml><?xml version="1.0" encoding="utf-8"?>
+<p:sld xmlns:a="http://schemas.openxmlformats.org/drawingml/2006/main" xmlns:r="http://schemas.openxmlformats.org/officeDocument/2006/relationships" xmlns:p="http://schemas.openxmlformats.org/presentationml/2006/main">
+  <p:cSld>
+    <p:spTree>
+      <p:nvGrpSpPr>
+        <p:cNvPr id="1" name=""/>
+        <p:cNvGrpSpPr/>
+        <p:nvPr/>
+      </p:nvGrpSpPr>
+      <p:grpSpPr>
+        <a:xfrm>
+          <a:off x="0" y="0"/>
+          <a:ext cx="0" cy="0"/>
+          <a:chOff x="0" y="0"/>
+          <a:chExt cx="0" cy="0"/>
+        </a:xfrm>
+      </p:grpSpPr>
+      <p:pic>
+        <p:nvPicPr>
+          <p:cNvPr id="16" name="Content Placeholder 15">
+            <a:extLst>
+              <a:ext uri="{FF2B5EF4-FFF2-40B4-BE49-F238E27FC236}">
+                <a16:creationId xmlns:a16="http://schemas.microsoft.com/office/drawing/2014/main" id="{9770E254-8A18-0847-8D17-2AD2222A61E9}"/>
+              </a:ext>
+            </a:extLst>
+          </p:cNvPr>
+          <p:cNvPicPr>
+            <a:picLocks noGrp="1" noChangeAspect="1"/>
+          </p:cNvPicPr>
+          <p:nvPr>
+            <p:ph idx="1"/>
+          </p:nvPr>
+        </p:nvPicPr>
+        <p:blipFill rotWithShape="1">
+          <a:blip r:embed="rId2"/>
+          <a:srcRect l="9666"/>
+          <a:stretch/>
+        </p:blipFill>
+        <p:spPr>
+          <a:xfrm>
+            <a:off x="3757613" y="1825625"/>
+            <a:ext cx="5237182" cy="4351337"/>
+          </a:xfrm>
+        </p:spPr>
+      </p:pic>
+      <p:sp>
+        <p:nvSpPr>
+          <p:cNvPr id="2" name="Title 1">
+            <a:extLst>
+              <a:ext uri="{FF2B5EF4-FFF2-40B4-BE49-F238E27FC236}">
+                <a16:creationId xmlns:a16="http://schemas.microsoft.com/office/drawing/2014/main" id="{010B0EF1-1183-1F45-8E15-96E43B1A0326}"/>
+              </a:ext>
+            </a:extLst>
+          </p:cNvPr>
+          <p:cNvSpPr>
+            <a:spLocks noGrp="1"/>
+          </p:cNvSpPr>
+          <p:nvPr>
+            <p:ph type="title"/>
+          </p:nvPr>
+        </p:nvSpPr>
+        <p:spPr/>
+        <p:txBody>
+          <a:bodyPr/>
+          <a:lstStyle/>
+          <a:p>
+            <a:r>
+              <a:rPr lang="en-US" dirty="0"/>
+              <a:t>VBL Optimization</a:t>
+            </a:r>
+          </a:p>
+        </p:txBody>
+      </p:sp>
+      <p:cxnSp>
+        <p:nvCxnSpPr>
+          <p:cNvPr id="11" name="Straight Arrow Connector 10">
+            <a:extLst>
+              <a:ext uri="{FF2B5EF4-FFF2-40B4-BE49-F238E27FC236}">
+                <a16:creationId xmlns:a16="http://schemas.microsoft.com/office/drawing/2014/main" id="{50FF218F-F2D1-5C4A-BAC3-A55C1074DEAF}"/>
+              </a:ext>
+            </a:extLst>
+          </p:cNvPr>
+          <p:cNvCxnSpPr>
+            <a:cxnSpLocks/>
+            <a:stCxn id="12" idx="2"/>
+          </p:cNvCxnSpPr>
+          <p:nvPr/>
+        </p:nvCxnSpPr>
+        <p:spPr>
+          <a:xfrm flipH="1">
+            <a:off x="5001412" y="3568919"/>
+            <a:ext cx="123822" cy="1646019"/>
+          </a:xfrm>
+          <a:prstGeom prst="straightConnector1">
+            <a:avLst/>
+          </a:prstGeom>
+          <a:ln w="57150">
+            <a:solidFill>
+              <a:srgbClr val="FF0000"/>
+            </a:solidFill>
+            <a:tailEnd type="triangle"/>
+          </a:ln>
+        </p:spPr>
+        <p:style>
+          <a:lnRef idx="1">
+            <a:schemeClr val="accent1"/>
+          </a:lnRef>
+          <a:fillRef idx="0">
+            <a:schemeClr val="accent1"/>
+          </a:fillRef>
+          <a:effectRef idx="0">
+            <a:schemeClr val="accent1"/>
+          </a:effectRef>
+          <a:fontRef idx="minor">
+            <a:schemeClr val="tx1"/>
+          </a:fontRef>
+        </p:style>
+      </p:cxnSp>
+      <p:sp>
+        <p:nvSpPr>
+          <p:cNvPr id="12" name="TextBox 11">
+            <a:extLst>
+              <a:ext uri="{FF2B5EF4-FFF2-40B4-BE49-F238E27FC236}">
+                <a16:creationId xmlns:a16="http://schemas.microsoft.com/office/drawing/2014/main" id="{1E56ED6F-BA81-8246-B88C-60D460FDC251}"/>
+              </a:ext>
+            </a:extLst>
+          </p:cNvPr>
+          <p:cNvSpPr txBox="1"/>
+          <p:nvPr/>
+        </p:nvSpPr>
+        <p:spPr>
+          <a:xfrm>
+            <a:off x="3906817" y="2737922"/>
+            <a:ext cx="2436833" cy="830997"/>
+          </a:xfrm>
+          <a:prstGeom prst="rect">
+            <a:avLst/>
+          </a:prstGeom>
+          <a:solidFill>
+            <a:srgbClr val="FFFFFF">
+              <a:alpha val="70588"/>
+            </a:srgbClr>
+          </a:solidFill>
+        </p:spPr>
+        <p:txBody>
+          <a:bodyPr wrap="square" rtlCol="0">
+            <a:spAutoFit/>
+          </a:bodyPr>
+          <a:lstStyle/>
+          <a:p>
+            <a:r>
+              <a:rPr lang="en-US" sz="1200" b="1" dirty="0">
+                <a:solidFill>
+                  <a:srgbClr val="FF0000"/>
+                </a:solidFill>
+                <a:latin typeface="Times New Roman" panose="02020603050405020304" pitchFamily="18" charset="0"/>
+                <a:cs typeface="Times New Roman" panose="02020603050405020304" pitchFamily="18" charset="0"/>
+              </a:rPr>
+              <a:t>Optimal Parameter Set</a:t>
+            </a:r>
+          </a:p>
+          <a:p>
+            <a:r>
+              <a:rPr lang="en-US" sz="1200" dirty="0">
+                <a:solidFill>
+                  <a:srgbClr val="FF0000"/>
+                </a:solidFill>
+                <a:latin typeface="Times New Roman" panose="02020603050405020304" pitchFamily="18" charset="0"/>
+                <a:cs typeface="Times New Roman" panose="02020603050405020304" pitchFamily="18" charset="0"/>
+              </a:rPr>
+              <a:t>Step Size: 0.1V</a:t>
+            </a:r>
+          </a:p>
+          <a:p>
+            <a:r>
+              <a:rPr lang="en-US" sz="1200" dirty="0">
+                <a:solidFill>
+                  <a:srgbClr val="FF0000"/>
+                </a:solidFill>
+                <a:latin typeface="Times New Roman" panose="02020603050405020304" pitchFamily="18" charset="0"/>
+                <a:cs typeface="Times New Roman" panose="02020603050405020304" pitchFamily="18" charset="0"/>
+              </a:rPr>
+              <a:t>Start Voltage: 0V (adj. to 0.1V)</a:t>
+            </a:r>
+          </a:p>
+          <a:p>
+            <a:r>
+              <a:rPr lang="en-US" sz="1200" dirty="0">
+                <a:solidFill>
+                  <a:srgbClr val="FF0000"/>
+                </a:solidFill>
+                <a:latin typeface="Times New Roman" panose="02020603050405020304" pitchFamily="18" charset="0"/>
+                <a:cs typeface="Times New Roman" panose="02020603050405020304" pitchFamily="18" charset="0"/>
+              </a:rPr>
+              <a:t>Mean Pulses: 38.4, Success: 99.6%</a:t>
+            </a:r>
+          </a:p>
+        </p:txBody>
+      </p:sp>
+    </p:spTree>
+    <p:extLst>
+      <p:ext uri="{BB962C8B-B14F-4D97-AF65-F5344CB8AC3E}">
+        <p14:creationId xmlns:p14="http://schemas.microsoft.com/office/powerpoint/2010/main" val="734798000"/>
       </p:ext>
     </p:extLst>
   </p:cSld>
@@ -14290,7 +20300,7 @@
 </p:sld>
 </file>
 
-<file path=ppt/slides/slide3.xml><?xml version="1.0" encoding="utf-8"?>
+<file path=ppt/slides/slide20.xml><?xml version="1.0" encoding="utf-8"?>
 <p:sld xmlns:a="http://schemas.openxmlformats.org/drawingml/2006/main" xmlns:r="http://schemas.openxmlformats.org/officeDocument/2006/relationships" xmlns:p="http://schemas.openxmlformats.org/presentationml/2006/main">
   <p:cSld>
     <p:spTree>
@@ -14312,7 +20322,7 @@
           <p:cNvPr id="2" name="Title 1">
             <a:extLst>
               <a:ext uri="{FF2B5EF4-FFF2-40B4-BE49-F238E27FC236}">
-                <a16:creationId xmlns:a16="http://schemas.microsoft.com/office/drawing/2014/main" id="{0F566C5E-D1B1-6F43-9A3F-83024E6BBB36}"/>
+                <a16:creationId xmlns:a16="http://schemas.microsoft.com/office/drawing/2014/main" id="{5FEC19CE-75E0-F744-931C-343EA8833947}"/>
               </a:ext>
             </a:extLst>
           </p:cNvPr>
@@ -14330,8 +20340,570 @@
           <a:p>
             <a:r>
               <a:rPr lang="en-US" dirty="0"/>
+              <a:t>VSL Optimization</a:t>
+            </a:r>
+          </a:p>
+        </p:txBody>
+      </p:sp>
+      <p:pic>
+        <p:nvPicPr>
+          <p:cNvPr id="5" name="Content Placeholder 4">
+            <a:extLst>
+              <a:ext uri="{FF2B5EF4-FFF2-40B4-BE49-F238E27FC236}">
+                <a16:creationId xmlns:a16="http://schemas.microsoft.com/office/drawing/2014/main" id="{F878DF02-075C-E845-8247-61215B7D79CE}"/>
+              </a:ext>
+            </a:extLst>
+          </p:cNvPr>
+          <p:cNvPicPr>
+            <a:picLocks noGrp="1" noChangeAspect="1"/>
+          </p:cNvPicPr>
+          <p:nvPr>
+            <p:ph idx="1"/>
+          </p:nvPr>
+        </p:nvPicPr>
+        <p:blipFill>
+          <a:blip r:embed="rId2"/>
+          <a:stretch>
+            <a:fillRect/>
+          </a:stretch>
+        </p:blipFill>
+        <p:spPr>
+          <a:xfrm>
+            <a:off x="3197204" y="1825625"/>
+            <a:ext cx="5797591" cy="4351338"/>
+          </a:xfrm>
+        </p:spPr>
+      </p:pic>
+      <p:cxnSp>
+        <p:nvCxnSpPr>
+          <p:cNvPr id="6" name="Straight Arrow Connector 5">
+            <a:extLst>
+              <a:ext uri="{FF2B5EF4-FFF2-40B4-BE49-F238E27FC236}">
+                <a16:creationId xmlns:a16="http://schemas.microsoft.com/office/drawing/2014/main" id="{BBD0B368-F463-5845-9A9F-2955DF37E878}"/>
+              </a:ext>
+            </a:extLst>
+          </p:cNvPr>
+          <p:cNvCxnSpPr>
+            <a:cxnSpLocks/>
+            <a:stCxn id="7" idx="2"/>
+          </p:cNvCxnSpPr>
+          <p:nvPr/>
+        </p:nvCxnSpPr>
+        <p:spPr>
+          <a:xfrm>
+            <a:off x="6358722" y="3471862"/>
+            <a:ext cx="0" cy="1646019"/>
+          </a:xfrm>
+          <a:prstGeom prst="straightConnector1">
+            <a:avLst/>
+          </a:prstGeom>
+          <a:ln w="57150">
+            <a:solidFill>
+              <a:srgbClr val="FF0000"/>
+            </a:solidFill>
+            <a:tailEnd type="triangle"/>
+          </a:ln>
+        </p:spPr>
+        <p:style>
+          <a:lnRef idx="1">
+            <a:schemeClr val="accent1"/>
+          </a:lnRef>
+          <a:fillRef idx="0">
+            <a:schemeClr val="accent1"/>
+          </a:fillRef>
+          <a:effectRef idx="0">
+            <a:schemeClr val="accent1"/>
+          </a:effectRef>
+          <a:fontRef idx="minor">
+            <a:schemeClr val="tx1"/>
+          </a:fontRef>
+        </p:style>
+      </p:cxnSp>
+      <p:sp>
+        <p:nvSpPr>
+          <p:cNvPr id="7" name="TextBox 6">
+            <a:extLst>
+              <a:ext uri="{FF2B5EF4-FFF2-40B4-BE49-F238E27FC236}">
+                <a16:creationId xmlns:a16="http://schemas.microsoft.com/office/drawing/2014/main" id="{B1FBC326-557E-F14C-9662-EAE8EE3D1855}"/>
+              </a:ext>
+            </a:extLst>
+          </p:cNvPr>
+          <p:cNvSpPr txBox="1"/>
+          <p:nvPr/>
+        </p:nvSpPr>
+        <p:spPr>
+          <a:xfrm>
+            <a:off x="5264131" y="2640865"/>
+            <a:ext cx="2189182" cy="830997"/>
+          </a:xfrm>
+          <a:prstGeom prst="rect">
+            <a:avLst/>
+          </a:prstGeom>
+          <a:solidFill>
+            <a:srgbClr val="FFFFFF">
+              <a:alpha val="70588"/>
+            </a:srgbClr>
+          </a:solidFill>
+        </p:spPr>
+        <p:txBody>
+          <a:bodyPr wrap="square" rtlCol="0">
+            <a:spAutoFit/>
+          </a:bodyPr>
+          <a:lstStyle/>
+          <a:p>
+            <a:r>
+              <a:rPr lang="en-US" sz="1200" b="1" dirty="0">
+                <a:solidFill>
+                  <a:srgbClr val="FF0000"/>
+                </a:solidFill>
+                <a:latin typeface="Times New Roman" panose="02020603050405020304" pitchFamily="18" charset="0"/>
+                <a:cs typeface="Times New Roman" panose="02020603050405020304" pitchFamily="18" charset="0"/>
+              </a:rPr>
+              <a:t>Optimal Parameter Set</a:t>
+            </a:r>
+          </a:p>
+          <a:p>
+            <a:r>
+              <a:rPr lang="en-US" sz="1200" dirty="0">
+                <a:solidFill>
+                  <a:srgbClr val="FF0000"/>
+                </a:solidFill>
+                <a:latin typeface="Times New Roman" panose="02020603050405020304" pitchFamily="18" charset="0"/>
+                <a:cs typeface="Times New Roman" panose="02020603050405020304" pitchFamily="18" charset="0"/>
+              </a:rPr>
+              <a:t>Step Size: 0.14V</a:t>
+            </a:r>
+          </a:p>
+          <a:p>
+            <a:r>
+              <a:rPr lang="en-US" sz="1200" dirty="0">
+                <a:solidFill>
+                  <a:srgbClr val="FF0000"/>
+                </a:solidFill>
+                <a:latin typeface="Times New Roman" panose="02020603050405020304" pitchFamily="18" charset="0"/>
+                <a:cs typeface="Times New Roman" panose="02020603050405020304" pitchFamily="18" charset="0"/>
+              </a:rPr>
+              <a:t>Start Voltage: 0.4V</a:t>
+            </a:r>
+          </a:p>
+          <a:p>
+            <a:r>
+              <a:rPr lang="en-US" sz="1200" dirty="0">
+                <a:solidFill>
+                  <a:srgbClr val="FF0000"/>
+                </a:solidFill>
+                <a:latin typeface="Times New Roman" panose="02020603050405020304" pitchFamily="18" charset="0"/>
+                <a:cs typeface="Times New Roman" panose="02020603050405020304" pitchFamily="18" charset="0"/>
+              </a:rPr>
+              <a:t>Success Rate: 99.6%</a:t>
+            </a:r>
+          </a:p>
+        </p:txBody>
+      </p:sp>
+    </p:spTree>
+    <p:extLst>
+      <p:ext uri="{BB962C8B-B14F-4D97-AF65-F5344CB8AC3E}">
+        <p14:creationId xmlns:p14="http://schemas.microsoft.com/office/powerpoint/2010/main" val="3274438284"/>
+      </p:ext>
+    </p:extLst>
+  </p:cSld>
+  <p:clrMapOvr>
+    <a:masterClrMapping/>
+  </p:clrMapOvr>
+</p:sld>
+</file>
+
+<file path=ppt/slides/slide3.xml><?xml version="1.0" encoding="utf-8"?>
+<p:sld xmlns:a="http://schemas.openxmlformats.org/drawingml/2006/main" xmlns:r="http://schemas.openxmlformats.org/officeDocument/2006/relationships" xmlns:p="http://schemas.openxmlformats.org/presentationml/2006/main">
+  <p:cSld>
+    <p:bg>
+      <p:bgPr>
+        <a:solidFill>
+          <a:schemeClr val="bg1">
+            <a:tint val="95000"/>
+            <a:satMod val="170000"/>
+          </a:schemeClr>
+        </a:solidFill>
+        <a:effectLst/>
+      </p:bgPr>
+    </p:bg>
+    <p:spTree>
+      <p:nvGrpSpPr>
+        <p:cNvPr id="1" name=""/>
+        <p:cNvGrpSpPr/>
+        <p:nvPr/>
+      </p:nvGrpSpPr>
+      <p:grpSpPr>
+        <a:xfrm>
+          <a:off x="0" y="0"/>
+          <a:ext cx="0" cy="0"/>
+          <a:chOff x="0" y="0"/>
+          <a:chExt cx="0" cy="0"/>
+        </a:xfrm>
+      </p:grpSpPr>
+      <p:sp>
+        <p:nvSpPr>
+          <p:cNvPr id="8" name="Freeform: Shape 7">
+            <a:extLst>
+              <a:ext uri="{FF2B5EF4-FFF2-40B4-BE49-F238E27FC236}">
+                <a16:creationId xmlns:a16="http://schemas.microsoft.com/office/drawing/2014/main" id="{AD21898E-86C0-4C8A-A76C-DF33E844C87A}"/>
+              </a:ext>
+              <a:ext uri="{C183D7F6-B498-43B3-948B-1728B52AA6E4}">
+                <adec:decorative xmlns:adec="http://schemas.microsoft.com/office/drawing/2017/decorative" val="1"/>
+              </a:ext>
+            </a:extLst>
+          </p:cNvPr>
+          <p:cNvSpPr>
+            <a:spLocks noGrp="1" noRot="1" noChangeAspect="1" noMove="1" noResize="1" noEditPoints="1" noAdjustHandles="1" noChangeArrowheads="1" noChangeShapeType="1" noTextEdit="1"/>
+          </p:cNvSpPr>
+          <p:nvPr>
+            <p:extLst>
+              <p:ext uri="{386F3935-93C4-4BCD-93E2-E3B085C9AB24}">
+                <p16:designElem xmlns:p16="http://schemas.microsoft.com/office/powerpoint/2015/main" val="1"/>
+              </p:ext>
+            </p:extLst>
+          </p:nvPr>
+        </p:nvSpPr>
+        <p:spPr>
+          <a:xfrm>
+            <a:off x="879542" y="0"/>
+            <a:ext cx="10432916" cy="6858000"/>
+          </a:xfrm>
+          <a:custGeom>
+            <a:avLst/>
+            <a:gdLst>
+              <a:gd name="connsiteX0" fmla="*/ 1287962 w 10432916"/>
+              <a:gd name="connsiteY0" fmla="*/ 0 h 6858000"/>
+              <a:gd name="connsiteX1" fmla="*/ 9144956 w 10432916"/>
+              <a:gd name="connsiteY1" fmla="*/ 0 h 6858000"/>
+              <a:gd name="connsiteX2" fmla="*/ 9241731 w 10432916"/>
+              <a:gd name="connsiteY2" fmla="*/ 111692 h 6858000"/>
+              <a:gd name="connsiteX3" fmla="*/ 10432916 w 10432916"/>
+              <a:gd name="connsiteY3" fmla="*/ 3429001 h 6858000"/>
+              <a:gd name="connsiteX4" fmla="*/ 9241730 w 10432916"/>
+              <a:gd name="connsiteY4" fmla="*/ 6746310 h 6858000"/>
+              <a:gd name="connsiteX5" fmla="*/ 9144957 w 10432916"/>
+              <a:gd name="connsiteY5" fmla="*/ 6858000 h 6858000"/>
+              <a:gd name="connsiteX6" fmla="*/ 1287959 w 10432916"/>
+              <a:gd name="connsiteY6" fmla="*/ 6858000 h 6858000"/>
+              <a:gd name="connsiteX7" fmla="*/ 1191186 w 10432916"/>
+              <a:gd name="connsiteY7" fmla="*/ 6746310 h 6858000"/>
+              <a:gd name="connsiteX8" fmla="*/ 0 w 10432916"/>
+              <a:gd name="connsiteY8" fmla="*/ 3429001 h 6858000"/>
+              <a:gd name="connsiteX9" fmla="*/ 1191186 w 10432916"/>
+              <a:gd name="connsiteY9" fmla="*/ 111692 h 6858000"/>
+            </a:gdLst>
+            <a:ahLst/>
+            <a:cxnLst>
+              <a:cxn ang="0">
+                <a:pos x="connsiteX0" y="connsiteY0"/>
+              </a:cxn>
+              <a:cxn ang="0">
+                <a:pos x="connsiteX1" y="connsiteY1"/>
+              </a:cxn>
+              <a:cxn ang="0">
+                <a:pos x="connsiteX2" y="connsiteY2"/>
+              </a:cxn>
+              <a:cxn ang="0">
+                <a:pos x="connsiteX3" y="connsiteY3"/>
+              </a:cxn>
+              <a:cxn ang="0">
+                <a:pos x="connsiteX4" y="connsiteY4"/>
+              </a:cxn>
+              <a:cxn ang="0">
+                <a:pos x="connsiteX5" y="connsiteY5"/>
+              </a:cxn>
+              <a:cxn ang="0">
+                <a:pos x="connsiteX6" y="connsiteY6"/>
+              </a:cxn>
+              <a:cxn ang="0">
+                <a:pos x="connsiteX7" y="connsiteY7"/>
+              </a:cxn>
+              <a:cxn ang="0">
+                <a:pos x="connsiteX8" y="connsiteY8"/>
+              </a:cxn>
+              <a:cxn ang="0">
+                <a:pos x="connsiteX9" y="connsiteY9"/>
+              </a:cxn>
+            </a:cxnLst>
+            <a:rect l="l" t="t" r="r" b="b"/>
+            <a:pathLst>
+              <a:path w="10432916" h="6858000">
+                <a:moveTo>
+                  <a:pt x="1287962" y="0"/>
+                </a:moveTo>
+                <a:lnTo>
+                  <a:pt x="9144956" y="0"/>
+                </a:lnTo>
+                <a:lnTo>
+                  <a:pt x="9241731" y="111692"/>
+                </a:lnTo>
+                <a:cubicBezTo>
+                  <a:pt x="9985889" y="1013175"/>
+                  <a:pt x="10432916" y="2168897"/>
+                  <a:pt x="10432916" y="3429001"/>
+                </a:cubicBezTo>
+                <a:cubicBezTo>
+                  <a:pt x="10432916" y="4689105"/>
+                  <a:pt x="9985889" y="5844827"/>
+                  <a:pt x="9241730" y="6746310"/>
+                </a:cubicBezTo>
+                <a:lnTo>
+                  <a:pt x="9144957" y="6858000"/>
+                </a:lnTo>
+                <a:lnTo>
+                  <a:pt x="1287959" y="6858000"/>
+                </a:lnTo>
+                <a:lnTo>
+                  <a:pt x="1191186" y="6746310"/>
+                </a:lnTo>
+                <a:cubicBezTo>
+                  <a:pt x="447027" y="5844827"/>
+                  <a:pt x="0" y="4689105"/>
+                  <a:pt x="0" y="3429001"/>
+                </a:cubicBezTo>
+                <a:cubicBezTo>
+                  <a:pt x="0" y="2168897"/>
+                  <a:pt x="447027" y="1013175"/>
+                  <a:pt x="1191186" y="111692"/>
+                </a:cubicBezTo>
+                <a:close/>
+              </a:path>
+            </a:pathLst>
+          </a:custGeom>
+          <a:solidFill>
+            <a:schemeClr val="tx1">
+              <a:alpha val="80000"/>
+            </a:schemeClr>
+          </a:solidFill>
+          <a:ln>
+            <a:noFill/>
+          </a:ln>
+        </p:spPr>
+        <p:style>
+          <a:lnRef idx="2">
+            <a:schemeClr val="accent1">
+              <a:shade val="50000"/>
+            </a:schemeClr>
+          </a:lnRef>
+          <a:fillRef idx="1">
+            <a:schemeClr val="accent1"/>
+          </a:fillRef>
+          <a:effectRef idx="0">
+            <a:schemeClr val="accent1"/>
+          </a:effectRef>
+          <a:fontRef idx="minor">
+            <a:schemeClr val="lt1"/>
+          </a:fontRef>
+        </p:style>
+        <p:txBody>
+          <a:bodyPr rtlCol="0" anchor="ctr"/>
+          <a:lstStyle/>
+          <a:p>
+            <a:pPr algn="ctr"/>
+            <a:endParaRPr lang="en-US"/>
+          </a:p>
+        </p:txBody>
+      </p:sp>
+      <p:sp>
+        <p:nvSpPr>
+          <p:cNvPr id="10" name="Freeform: Shape 9">
+            <a:extLst>
+              <a:ext uri="{FF2B5EF4-FFF2-40B4-BE49-F238E27FC236}">
+                <a16:creationId xmlns:a16="http://schemas.microsoft.com/office/drawing/2014/main" id="{5C8F04BD-D093-45D0-B54C-50FDB308B4EE}"/>
+              </a:ext>
+              <a:ext uri="{C183D7F6-B498-43B3-948B-1728B52AA6E4}">
+                <adec:decorative xmlns:adec="http://schemas.microsoft.com/office/drawing/2017/decorative" val="1"/>
+              </a:ext>
+            </a:extLst>
+          </p:cNvPr>
+          <p:cNvSpPr>
+            <a:spLocks noGrp="1" noRot="1" noChangeAspect="1" noMove="1" noResize="1" noEditPoints="1" noAdjustHandles="1" noChangeArrowheads="1" noChangeShapeType="1" noTextEdit="1"/>
+          </p:cNvSpPr>
+          <p:nvPr>
+            <p:extLst>
+              <p:ext uri="{386F3935-93C4-4BCD-93E2-E3B085C9AB24}">
+                <p16:designElem xmlns:p16="http://schemas.microsoft.com/office/powerpoint/2015/main" val="1"/>
+              </p:ext>
+            </p:extLst>
+          </p:nvPr>
+        </p:nvSpPr>
+        <p:spPr>
+          <a:xfrm>
+            <a:off x="1134942" y="0"/>
+            <a:ext cx="9922116" cy="6858000"/>
+          </a:xfrm>
+          <a:custGeom>
+            <a:avLst/>
+            <a:gdLst>
+              <a:gd name="connsiteX0" fmla="*/ 1378575 w 9922116"/>
+              <a:gd name="connsiteY0" fmla="*/ 0 h 6858000"/>
+              <a:gd name="connsiteX1" fmla="*/ 8543542 w 9922116"/>
+              <a:gd name="connsiteY1" fmla="*/ 0 h 6858000"/>
+              <a:gd name="connsiteX2" fmla="*/ 8633323 w 9922116"/>
+              <a:gd name="connsiteY2" fmla="*/ 94145 h 6858000"/>
+              <a:gd name="connsiteX3" fmla="*/ 9922116 w 9922116"/>
+              <a:gd name="connsiteY3" fmla="*/ 3429001 h 6858000"/>
+              <a:gd name="connsiteX4" fmla="*/ 8633323 w 9922116"/>
+              <a:gd name="connsiteY4" fmla="*/ 6763858 h 6858000"/>
+              <a:gd name="connsiteX5" fmla="*/ 8543544 w 9922116"/>
+              <a:gd name="connsiteY5" fmla="*/ 6858000 h 6858000"/>
+              <a:gd name="connsiteX6" fmla="*/ 1378573 w 9922116"/>
+              <a:gd name="connsiteY6" fmla="*/ 6858000 h 6858000"/>
+              <a:gd name="connsiteX7" fmla="*/ 1288793 w 9922116"/>
+              <a:gd name="connsiteY7" fmla="*/ 6763858 h 6858000"/>
+              <a:gd name="connsiteX8" fmla="*/ 0 w 9922116"/>
+              <a:gd name="connsiteY8" fmla="*/ 3429001 h 6858000"/>
+              <a:gd name="connsiteX9" fmla="*/ 1288793 w 9922116"/>
+              <a:gd name="connsiteY9" fmla="*/ 94145 h 6858000"/>
+            </a:gdLst>
+            <a:ahLst/>
+            <a:cxnLst>
+              <a:cxn ang="0">
+                <a:pos x="connsiteX0" y="connsiteY0"/>
+              </a:cxn>
+              <a:cxn ang="0">
+                <a:pos x="connsiteX1" y="connsiteY1"/>
+              </a:cxn>
+              <a:cxn ang="0">
+                <a:pos x="connsiteX2" y="connsiteY2"/>
+              </a:cxn>
+              <a:cxn ang="0">
+                <a:pos x="connsiteX3" y="connsiteY3"/>
+              </a:cxn>
+              <a:cxn ang="0">
+                <a:pos x="connsiteX4" y="connsiteY4"/>
+              </a:cxn>
+              <a:cxn ang="0">
+                <a:pos x="connsiteX5" y="connsiteY5"/>
+              </a:cxn>
+              <a:cxn ang="0">
+                <a:pos x="connsiteX6" y="connsiteY6"/>
+              </a:cxn>
+              <a:cxn ang="0">
+                <a:pos x="connsiteX7" y="connsiteY7"/>
+              </a:cxn>
+              <a:cxn ang="0">
+                <a:pos x="connsiteX8" y="connsiteY8"/>
+              </a:cxn>
+              <a:cxn ang="0">
+                <a:pos x="connsiteX9" y="connsiteY9"/>
+              </a:cxn>
+            </a:cxnLst>
+            <a:rect l="l" t="t" r="r" b="b"/>
+            <a:pathLst>
+              <a:path w="9922116" h="6858000">
+                <a:moveTo>
+                  <a:pt x="1378575" y="0"/>
+                </a:moveTo>
+                <a:lnTo>
+                  <a:pt x="8543542" y="0"/>
+                </a:lnTo>
+                <a:lnTo>
+                  <a:pt x="8633323" y="94145"/>
+                </a:lnTo>
+                <a:cubicBezTo>
+                  <a:pt x="9434072" y="974941"/>
+                  <a:pt x="9922116" y="2144991"/>
+                  <a:pt x="9922116" y="3429001"/>
+                </a:cubicBezTo>
+                <a:cubicBezTo>
+                  <a:pt x="9922116" y="4713011"/>
+                  <a:pt x="9434072" y="5883061"/>
+                  <a:pt x="8633323" y="6763858"/>
+                </a:cubicBezTo>
+                <a:lnTo>
+                  <a:pt x="8543544" y="6858000"/>
+                </a:lnTo>
+                <a:lnTo>
+                  <a:pt x="1378573" y="6858000"/>
+                </a:lnTo>
+                <a:lnTo>
+                  <a:pt x="1288793" y="6763858"/>
+                </a:lnTo>
+                <a:cubicBezTo>
+                  <a:pt x="488044" y="5883061"/>
+                  <a:pt x="0" y="4713011"/>
+                  <a:pt x="0" y="3429001"/>
+                </a:cubicBezTo>
+                <a:cubicBezTo>
+                  <a:pt x="0" y="2144991"/>
+                  <a:pt x="488044" y="974941"/>
+                  <a:pt x="1288793" y="94145"/>
+                </a:cubicBezTo>
+                <a:close/>
+              </a:path>
+            </a:pathLst>
+          </a:custGeom>
+          <a:solidFill>
+            <a:schemeClr val="bg1">
+              <a:lumMod val="65000"/>
+              <a:lumOff val="35000"/>
+            </a:schemeClr>
+          </a:solidFill>
+          <a:ln>
+            <a:noFill/>
+          </a:ln>
+        </p:spPr>
+        <p:style>
+          <a:lnRef idx="2">
+            <a:schemeClr val="accent1">
+              <a:shade val="50000"/>
+            </a:schemeClr>
+          </a:lnRef>
+          <a:fillRef idx="1">
+            <a:schemeClr val="accent1"/>
+          </a:fillRef>
+          <a:effectRef idx="0">
+            <a:schemeClr val="accent1"/>
+          </a:effectRef>
+          <a:fontRef idx="minor">
+            <a:schemeClr val="lt1"/>
+          </a:fontRef>
+        </p:style>
+        <p:txBody>
+          <a:bodyPr rtlCol="0" anchor="ctr"/>
+          <a:lstStyle/>
+          <a:p>
+            <a:pPr algn="ctr"/>
+            <a:endParaRPr lang="en-US" dirty="0"/>
+          </a:p>
+        </p:txBody>
+      </p:sp>
+      <p:sp>
+        <p:nvSpPr>
+          <p:cNvPr id="2" name="Title 1">
+            <a:extLst>
+              <a:ext uri="{FF2B5EF4-FFF2-40B4-BE49-F238E27FC236}">
+                <a16:creationId xmlns:a16="http://schemas.microsoft.com/office/drawing/2014/main" id="{0F566C5E-D1B1-6F43-9A3F-83024E6BBB36}"/>
+              </a:ext>
+            </a:extLst>
+          </p:cNvPr>
+          <p:cNvSpPr>
+            <a:spLocks noGrp="1"/>
+          </p:cNvSpPr>
+          <p:nvPr>
+            <p:ph type="title"/>
+          </p:nvPr>
+        </p:nvSpPr>
+        <p:spPr>
+          <a:xfrm>
+            <a:off x="2311147" y="365760"/>
+            <a:ext cx="7569706" cy="1288238"/>
+          </a:xfrm>
+        </p:spPr>
+        <p:txBody>
+          <a:bodyPr anchor="ctr">
+            <a:normAutofit/>
+          </a:bodyPr>
+          <a:lstStyle/>
+          <a:p>
+            <a:pPr algn="ctr"/>
+            <a:r>
+              <a:rPr lang="en-US" dirty="0"/>
               <a:t>TODO List (In Order)</a:t>
             </a:r>
+            <a:endParaRPr lang="en-US"/>
           </a:p>
         </p:txBody>
       </p:sp>
@@ -14351,101 +20923,159 @@
             <p:ph idx="1"/>
           </p:nvPr>
         </p:nvSpPr>
-        <p:spPr/>
+        <p:spPr>
+          <a:xfrm>
+            <a:off x="2165569" y="1956816"/>
+            <a:ext cx="7860863" cy="4024884"/>
+          </a:xfrm>
+        </p:spPr>
         <p:txBody>
-          <a:bodyPr>
-            <a:normAutofit fontScale="70000" lnSpcReduction="20000"/>
+          <a:bodyPr numCol="2" anchor="t">
+            <a:normAutofit/>
           </a:bodyPr>
           <a:lstStyle/>
           <a:p>
+            <a:pPr>
+              <a:buFont typeface="Wingdings" pitchFamily="2" charset="2"/>
+              <a:buChar char="ü"/>
+            </a:pPr>
             <a:r>
-              <a:rPr lang="en-US" dirty="0"/>
+              <a:rPr lang="en-US" sz="1500" dirty="0"/>
               <a:t>Evaluate ISPP on 4K more cells and add to previously collected data</a:t>
             </a:r>
           </a:p>
           <a:p>
+            <a:pPr>
+              <a:buFont typeface="Wingdings" pitchFamily="2" charset="2"/>
+              <a:buChar char="ü"/>
+            </a:pPr>
             <a:r>
-              <a:rPr lang="en-US" dirty="0"/>
+              <a:rPr lang="en-US" sz="1500" dirty="0"/>
               <a:t>Optimize SDR SL over 256 cells</a:t>
             </a:r>
           </a:p>
           <a:p>
             <a:pPr lvl="1"/>
             <a:r>
-              <a:rPr lang="en-US" dirty="0"/>
-              <a:t>Sweep step size from 0.02 to 0.14 in steps of 0.02 (7)</a:t>
+              <a:rPr lang="en-US" sz="1500" dirty="0"/>
+              <a:t>Sweep step size from 0.02 to 0.22 in steps of 0.04 (6)</a:t>
             </a:r>
           </a:p>
           <a:p>
             <a:pPr lvl="1"/>
             <a:r>
-              <a:rPr lang="en-US" dirty="0"/>
+              <a:rPr lang="en-US" sz="1500" dirty="0"/>
               <a:t>Sweep start voltage from 0 to 1 in steps of 0.2 (6)</a:t>
             </a:r>
           </a:p>
           <a:p>
             <a:pPr lvl="1"/>
             <a:r>
-              <a:rPr lang="en-US" dirty="0"/>
-              <a:t>Total: 42</a:t>
+              <a:rPr lang="en-US" sz="1500" dirty="0"/>
+              <a:t>Total: 36</a:t>
             </a:r>
           </a:p>
           <a:p>
+            <a:pPr>
+              <a:buFont typeface="Wingdings" pitchFamily="2" charset="2"/>
+              <a:buChar char="ü"/>
+            </a:pPr>
             <a:r>
-              <a:rPr lang="en-US" dirty="0"/>
+              <a:rPr lang="en-US" sz="1500" dirty="0"/>
               <a:t>Optimize SDR BL over 256 cells</a:t>
             </a:r>
           </a:p>
           <a:p>
             <a:pPr lvl="1"/>
             <a:r>
-              <a:rPr lang="en-US" dirty="0"/>
-              <a:t>Sweep step size from 0.02 to 0.14 in steps of 0.02 (7)</a:t>
+              <a:rPr lang="en-US" sz="1500" dirty="0"/>
+              <a:t>Sweep step size from 0.02 to 0.22 in steps of 0.04 (6)</a:t>
             </a:r>
           </a:p>
           <a:p>
             <a:pPr lvl="1"/>
             <a:r>
-              <a:rPr lang="en-US" dirty="0"/>
-              <a:t>Sweep start voltage from 0 to 1 in steps of 0.2 (6)</a:t>
+              <a:rPr lang="en-US" sz="1500" dirty="0"/>
+              <a:t>Sweep start voltage from 0 to 1.2 in steps of 0.4 (4)</a:t>
             </a:r>
           </a:p>
           <a:p>
             <a:pPr lvl="1"/>
             <a:r>
-              <a:rPr lang="en-US" dirty="0"/>
-              <a:t>Total: 42</a:t>
+              <a:rPr lang="en-US" sz="1500" dirty="0"/>
+              <a:t>Total: 24</a:t>
             </a:r>
           </a:p>
           <a:p>
             <a:r>
-              <a:rPr lang="en-US" dirty="0"/>
-              <a:t>Evaluate SDCFC on 8K cells</a:t>
+              <a:rPr lang="en-US" sz="1500" dirty="0"/>
+              <a:t>Optimize SDR SL over 256 cells</a:t>
+            </a:r>
+          </a:p>
+          <a:p>
+            <a:pPr lvl="1"/>
+            <a:r>
+              <a:rPr lang="en-US" sz="1500" dirty="0"/>
+              <a:t>Sweep step size from 0.02 to 0.22 in steps of 0.04 (6)</a:t>
+            </a:r>
+          </a:p>
+          <a:p>
+            <a:pPr lvl="1"/>
+            <a:r>
+              <a:rPr lang="en-US" sz="1500" dirty="0"/>
+              <a:t>Sweep start voltage from 0 to 1.2 in steps of 0.4 (4)</a:t>
+            </a:r>
+          </a:p>
+          <a:p>
+            <a:pPr lvl="1"/>
+            <a:r>
+              <a:rPr lang="en-US" sz="1500" dirty="0"/>
+              <a:t>Total: 24</a:t>
             </a:r>
           </a:p>
           <a:p>
             <a:r>
-              <a:rPr lang="en-US" dirty="0"/>
+              <a:rPr lang="en-US" sz="1500" dirty="0"/>
+              <a:t>Evaluate SDCFC on 8K cells (</a:t>
+            </a:r>
+            <a:r>
+              <a:rPr lang="en-US" sz="1500" dirty="0" err="1"/>
+              <a:t>addr</a:t>
+            </a:r>
+            <a:r>
+              <a:rPr lang="en-US" sz="1500" dirty="0"/>
+              <a:t> 10240 -&gt; 8K)</a:t>
+            </a:r>
+          </a:p>
+          <a:p>
+            <a:r>
+              <a:rPr lang="en-US" sz="1500" dirty="0"/>
               <a:t>Evaluate FPPVv2 on 8K cells (with 2000 attempts)</a:t>
             </a:r>
           </a:p>
           <a:p>
             <a:r>
-              <a:rPr lang="en-US" dirty="0"/>
-              <a:t>Redo sweeps on 50 cells with 10 per cell and using consistent step sizes</a:t>
+              <a:rPr lang="en-US" sz="1500" dirty="0"/>
+              <a:t>Redo sweeps on 50 cells with 10 per cell using proper step sizes</a:t>
             </a:r>
           </a:p>
           <a:p>
             <a:pPr lvl="1"/>
             <a:r>
-              <a:rPr lang="en-US" dirty="0"/>
+              <a:rPr lang="en-US" sz="1500" dirty="0"/>
               <a:t>7.5 kOhm slope measurement</a:t>
             </a:r>
           </a:p>
           <a:p>
             <a:r>
-              <a:rPr lang="en-US" dirty="0"/>
+              <a:rPr lang="en-US" sz="1500" dirty="0"/>
               <a:t>Endurance testing</a:t>
+            </a:r>
+          </a:p>
+          <a:p>
+            <a:r>
+              <a:rPr lang="en-US" sz="1500" dirty="0"/>
+              <a:t>2bpc repeat</a:t>
             </a:r>
           </a:p>
         </p:txBody>
@@ -14458,7 +21088,7 @@
     </p:extLst>
   </p:cSld>
   <p:clrMapOvr>
-    <a:masterClrMapping/>
+    <a:overrideClrMapping bg1="dk1" tx1="lt1" bg2="dk2" tx2="lt2" accent1="accent1" accent2="accent2" accent3="accent3" accent4="accent4" accent5="accent5" accent6="accent6" hlink="hlink" folHlink="folHlink"/>
   </p:clrMapOvr>
 </p:sld>
 </file>
@@ -15844,7 +22474,7 @@
         <p:spPr>
           <a:xfrm>
             <a:off x="4664352" y="963507"/>
-            <a:ext cx="6574649" cy="4930986"/>
+            <a:ext cx="6574648" cy="4930986"/>
           </a:xfrm>
           <a:prstGeom prst="rect">
             <a:avLst/>
@@ -15891,73 +22521,10 @@
       </p:grpSpPr>
       <p:sp>
         <p:nvSpPr>
-          <p:cNvPr id="88" name="Rectangle 77">
+          <p:cNvPr id="21" name="Rectangle 20">
             <a:extLst>
               <a:ext uri="{FF2B5EF4-FFF2-40B4-BE49-F238E27FC236}">
-                <a16:creationId xmlns:a16="http://schemas.microsoft.com/office/drawing/2014/main" id="{6753252F-4873-4F63-801D-CC719279A7D5}"/>
-              </a:ext>
-              <a:ext uri="{C183D7F6-B498-43B3-948B-1728B52AA6E4}">
-                <adec:decorative xmlns:adec="http://schemas.microsoft.com/office/drawing/2017/decorative" val="1"/>
-              </a:ext>
-            </a:extLst>
-          </p:cNvPr>
-          <p:cNvSpPr>
-            <a:spLocks noGrp="1" noRot="1" noChangeAspect="1" noMove="1" noResize="1" noEditPoints="1" noAdjustHandles="1" noChangeArrowheads="1" noChangeShapeType="1" noTextEdit="1"/>
-          </p:cNvSpPr>
-          <p:nvPr>
-            <p:extLst>
-              <p:ext uri="{386F3935-93C4-4BCD-93E2-E3B085C9AB24}">
-                <p16:designElem xmlns:p16="http://schemas.microsoft.com/office/powerpoint/2015/main" val="1"/>
-              </p:ext>
-            </p:extLst>
-          </p:nvPr>
-        </p:nvSpPr>
-        <p:spPr>
-          <a:xfrm>
-            <a:off x="0" y="0"/>
-            <a:ext cx="12192000" cy="6858000"/>
-          </a:xfrm>
-          <a:prstGeom prst="rect">
-            <a:avLst/>
-          </a:prstGeom>
-          <a:solidFill>
-            <a:srgbClr val="FFFFFF"/>
-          </a:solidFill>
-          <a:ln>
-            <a:noFill/>
-          </a:ln>
-        </p:spPr>
-        <p:style>
-          <a:lnRef idx="2">
-            <a:schemeClr val="accent1">
-              <a:shade val="50000"/>
-            </a:schemeClr>
-          </a:lnRef>
-          <a:fillRef idx="1">
-            <a:schemeClr val="accent1"/>
-          </a:fillRef>
-          <a:effectRef idx="0">
-            <a:schemeClr val="accent1"/>
-          </a:effectRef>
-          <a:fontRef idx="minor">
-            <a:schemeClr val="lt1"/>
-          </a:fontRef>
-        </p:style>
-        <p:txBody>
-          <a:bodyPr rtlCol="0" anchor="ctr"/>
-          <a:lstStyle/>
-          <a:p>
-            <a:pPr algn="ctr"/>
-            <a:endParaRPr lang="en-US"/>
-          </a:p>
-        </p:txBody>
-      </p:sp>
-      <p:sp>
-        <p:nvSpPr>
-          <p:cNvPr id="89" name="Rectangle 79">
-            <a:extLst>
-              <a:ext uri="{FF2B5EF4-FFF2-40B4-BE49-F238E27FC236}">
-                <a16:creationId xmlns:a16="http://schemas.microsoft.com/office/drawing/2014/main" id="{047C8CCB-F95D-4249-92DD-651249D3535A}"/>
+                <a16:creationId xmlns:a16="http://schemas.microsoft.com/office/drawing/2014/main" id="{42A5316D-ED2F-4F89-B4B4-8D9240B1A348}"/>
               </a:ext>
               <a:ext uri="{C183D7F6-B498-43B3-948B-1728B52AA6E4}">
                 <adec:decorative xmlns:adec="http://schemas.microsoft.com/office/drawing/2017/decorative" val="1"/>
@@ -16010,8 +22577,37 @@
           <a:bodyPr rtlCol="0" anchor="ctr"/>
           <a:lstStyle/>
           <a:p>
-            <a:pPr algn="ctr"/>
-            <a:endParaRPr lang="en-US"/>
+            <a:pPr marL="0" marR="0" lvl="0" indent="0" algn="ctr" defTabSz="914400" rtl="0" eaLnBrk="1" fontAlgn="auto" latinLnBrk="0" hangingPunct="1">
+              <a:lnSpc>
+                <a:spcPct val="100000"/>
+              </a:lnSpc>
+              <a:spcBef>
+                <a:spcPts val="0"/>
+              </a:spcBef>
+              <a:spcAft>
+                <a:spcPts val="0"/>
+              </a:spcAft>
+              <a:buClrTx/>
+              <a:buSzTx/>
+              <a:buFontTx/>
+              <a:buNone/>
+              <a:tabLst/>
+              <a:defRPr/>
+            </a:pPr>
+            <a:endParaRPr kumimoji="0" lang="en-US" sz="1800" b="0" i="0" u="none" strike="noStrike" kern="1200" cap="none" spc="0" normalizeH="0" baseline="0" noProof="0">
+              <a:ln>
+                <a:noFill/>
+              </a:ln>
+              <a:solidFill>
+                <a:prstClr val="white"/>
+              </a:solidFill>
+              <a:effectLst/>
+              <a:uLnTx/>
+              <a:uFillTx/>
+              <a:latin typeface="Calibri" panose="020F0502020204030204"/>
+              <a:ea typeface="+mn-ea"/>
+              <a:cs typeface="+mn-cs"/>
+            </a:endParaRPr>
           </a:p>
         </p:txBody>
       </p:sp>
@@ -16020,7 +22616,7 @@
           <p:cNvPr id="2" name="Title 1">
             <a:extLst>
               <a:ext uri="{FF2B5EF4-FFF2-40B4-BE49-F238E27FC236}">
-                <a16:creationId xmlns:a16="http://schemas.microsoft.com/office/drawing/2014/main" id="{0DC20D0A-1987-9B4E-A869-51F473A5029A}"/>
+                <a16:creationId xmlns:a16="http://schemas.microsoft.com/office/drawing/2014/main" id="{5C21E938-7B92-7448-8184-24C245B1CFC6}"/>
               </a:ext>
             </a:extLst>
           </p:cNvPr>
@@ -16033,8 +22629,8 @@
         </p:nvSpPr>
         <p:spPr>
           <a:xfrm>
-            <a:off x="640080" y="2074363"/>
-            <a:ext cx="2752354" cy="2709275"/>
+            <a:off x="694510" y="1487272"/>
+            <a:ext cx="2743200" cy="2743200"/>
           </a:xfrm>
           <a:prstGeom prst="ellipse">
             <a:avLst/>
@@ -16064,1734 +22660,96 @@
                 <a:ea typeface="+mj-ea"/>
                 <a:cs typeface="+mj-cs"/>
               </a:rPr>
-              <a:t>Algorithm evaluation on 4 WLs</a:t>
-            </a:r>
-            <a:br>
-              <a:rPr lang="en-US" sz="2600" kern="1200" dirty="0">
-                <a:solidFill>
-                  <a:srgbClr val="FFFFFF"/>
-                </a:solidFill>
-                <a:latin typeface="+mj-lt"/>
-                <a:ea typeface="+mj-ea"/>
-                <a:cs typeface="+mj-cs"/>
-              </a:rPr>
-            </a:br>
-            <a:r>
-              <a:rPr lang="en-US" sz="2600" kern="1200" dirty="0">
-                <a:solidFill>
-                  <a:srgbClr val="FFFFFF"/>
-                </a:solidFill>
-                <a:latin typeface="+mj-lt"/>
-                <a:ea typeface="+mj-ea"/>
-                <a:cs typeface="+mj-cs"/>
-              </a:rPr>
-              <a:t>(TODO)</a:t>
+              <a:t>VSL Step Size Optimization Initial</a:t>
             </a:r>
           </a:p>
         </p:txBody>
       </p:sp>
-      <p:graphicFrame>
-        <p:nvGraphicFramePr>
-          <p:cNvPr id="16" name="Content Placeholder 4">
+      <p:pic>
+        <p:nvPicPr>
+          <p:cNvPr id="7" name="Content Placeholder 6">
             <a:extLst>
               <a:ext uri="{FF2B5EF4-FFF2-40B4-BE49-F238E27FC236}">
-                <a16:creationId xmlns:a16="http://schemas.microsoft.com/office/drawing/2014/main" id="{408DA692-8F4E-8F48-8516-BB1D21B94E8B}"/>
+                <a16:creationId xmlns:a16="http://schemas.microsoft.com/office/drawing/2014/main" id="{96FD6782-5B3E-3940-AA73-4D267C8FA240}"/>
               </a:ext>
             </a:extLst>
           </p:cNvPr>
-          <p:cNvGraphicFramePr>
-            <a:graphicFrameLocks/>
-          </p:cNvGraphicFramePr>
+          <p:cNvPicPr>
+            <a:picLocks noGrp="1" noChangeAspect="1"/>
+          </p:cNvPicPr>
           <p:nvPr>
-            <p:extLst>
-              <p:ext uri="{D42A27DB-BD31-4B8C-83A1-F6EECF244321}">
-                <p14:modId xmlns:p14="http://schemas.microsoft.com/office/powerpoint/2010/main" val="699245134"/>
-              </p:ext>
-            </p:extLst>
+            <p:ph sz="half" idx="2"/>
           </p:nvPr>
-        </p:nvGraphicFramePr>
-        <p:xfrm>
-          <a:off x="4038600" y="1272415"/>
-          <a:ext cx="7188201" cy="4309783"/>
-        </p:xfrm>
-        <a:graphic>
-          <a:graphicData uri="http://schemas.openxmlformats.org/drawingml/2006/table">
-            <a:tbl>
-              <a:tblPr firstRow="1" bandRow="1">
-                <a:solidFill>
-                  <a:schemeClr val="bg1"/>
-                </a:solidFill>
-                <a:tableStyleId>{5C22544A-7EE6-4342-B048-85BDC9FD1C3A}</a:tableStyleId>
-              </a:tblPr>
-              <a:tblGrid>
-                <a:gridCol w="1383957">
-                  <a:extLst>
-                    <a:ext uri="{9D8B030D-6E8A-4147-A177-3AD203B41FA5}">
-                      <a16:colId xmlns:a16="http://schemas.microsoft.com/office/drawing/2014/main" val="3377438545"/>
-                    </a:ext>
-                  </a:extLst>
-                </a:gridCol>
-                <a:gridCol w="1558857">
-                  <a:extLst>
-                    <a:ext uri="{9D8B030D-6E8A-4147-A177-3AD203B41FA5}">
-                      <a16:colId xmlns:a16="http://schemas.microsoft.com/office/drawing/2014/main" val="1980714270"/>
-                    </a:ext>
-                  </a:extLst>
-                </a:gridCol>
-                <a:gridCol w="1315247">
-                  <a:extLst>
-                    <a:ext uri="{9D8B030D-6E8A-4147-A177-3AD203B41FA5}">
-                      <a16:colId xmlns:a16="http://schemas.microsoft.com/office/drawing/2014/main" val="184899816"/>
-                    </a:ext>
-                  </a:extLst>
-                </a:gridCol>
-                <a:gridCol w="1426611">
-                  <a:extLst>
-                    <a:ext uri="{9D8B030D-6E8A-4147-A177-3AD203B41FA5}">
-                      <a16:colId xmlns:a16="http://schemas.microsoft.com/office/drawing/2014/main" val="254197326"/>
-                    </a:ext>
-                  </a:extLst>
-                </a:gridCol>
-                <a:gridCol w="1503529">
-                  <a:extLst>
-                    <a:ext uri="{9D8B030D-6E8A-4147-A177-3AD203B41FA5}">
-                      <a16:colId xmlns:a16="http://schemas.microsoft.com/office/drawing/2014/main" val="3304410218"/>
-                    </a:ext>
-                  </a:extLst>
-                </a:gridCol>
-              </a:tblGrid>
-              <a:tr h="1184727">
-                <a:tc>
-                  <a:txBody>
-                    <a:bodyPr/>
-                    <a:lstStyle/>
-                    <a:p>
-                      <a:r>
-                        <a:rPr lang="en-US" sz="2600" b="0" cap="none" spc="0">
-                          <a:solidFill>
-                            <a:schemeClr val="bg1"/>
-                          </a:solidFill>
-                        </a:rPr>
-                        <a:t>Chip #</a:t>
-                      </a:r>
-                    </a:p>
-                  </a:txBody>
-                  <a:tcPr marL="222258" marR="165182" marT="170969" marB="170969" anchor="ctr">
-                    <a:lnL w="12700" cap="flat" cmpd="sng" algn="ctr">
-                      <a:solidFill>
-                        <a:schemeClr val="tx1"/>
-                      </a:solidFill>
-                      <a:prstDash val="solid"/>
-                      <a:round/>
-                      <a:headEnd type="none" w="med" len="med"/>
-                      <a:tailEnd type="none" w="med" len="med"/>
-                    </a:lnL>
-                    <a:lnR w="12700" cap="flat" cmpd="sng" algn="ctr">
-                      <a:solidFill>
-                        <a:schemeClr val="tx1"/>
-                      </a:solidFill>
-                      <a:prstDash val="solid"/>
-                      <a:round/>
-                      <a:headEnd type="none" w="med" len="med"/>
-                      <a:tailEnd type="none" w="med" len="med"/>
-                    </a:lnR>
-                    <a:lnT w="12700" cap="flat" cmpd="sng" algn="ctr">
-                      <a:solidFill>
-                        <a:schemeClr val="tx1"/>
-                      </a:solidFill>
-                      <a:prstDash val="solid"/>
-                      <a:round/>
-                      <a:headEnd type="none" w="med" len="med"/>
-                      <a:tailEnd type="none" w="med" len="med"/>
-                    </a:lnT>
-                    <a:lnB w="12700" cap="flat" cmpd="sng" algn="ctr">
-                      <a:solidFill>
-                        <a:schemeClr val="tx1"/>
-                      </a:solidFill>
-                      <a:prstDash val="solid"/>
-                      <a:round/>
-                      <a:headEnd type="none" w="med" len="med"/>
-                      <a:tailEnd type="none" w="med" len="med"/>
-                    </a:lnB>
-                    <a:lnTlToBr w="12700" cmpd="sng">
-                      <a:noFill/>
-                      <a:prstDash val="solid"/>
-                    </a:lnTlToBr>
-                    <a:lnBlToTr w="12700" cmpd="sng">
-                      <a:noFill/>
-                      <a:prstDash val="solid"/>
-                    </a:lnBlToTr>
-                    <a:solidFill>
-                      <a:schemeClr val="tx1"/>
-                    </a:solidFill>
-                  </a:tcPr>
-                </a:tc>
-                <a:tc>
-                  <a:txBody>
-                    <a:bodyPr/>
-                    <a:lstStyle/>
-                    <a:p>
-                      <a:r>
-                        <a:rPr lang="en-US" sz="2600" b="0" cap="none" spc="0">
-                          <a:solidFill>
-                            <a:schemeClr val="bg1"/>
-                          </a:solidFill>
-                        </a:rPr>
-                        <a:t>Cycles</a:t>
-                      </a:r>
-                    </a:p>
-                  </a:txBody>
-                  <a:tcPr marL="222258" marR="165182" marT="170969" marB="170969" anchor="ctr">
-                    <a:lnL w="12700" cap="flat" cmpd="sng" algn="ctr">
-                      <a:solidFill>
-                        <a:schemeClr val="tx1"/>
-                      </a:solidFill>
-                      <a:prstDash val="solid"/>
-                      <a:round/>
-                      <a:headEnd type="none" w="med" len="med"/>
-                      <a:tailEnd type="none" w="med" len="med"/>
-                    </a:lnL>
-                    <a:lnR w="12700" cap="flat" cmpd="sng" algn="ctr">
-                      <a:solidFill>
-                        <a:schemeClr val="tx1"/>
-                      </a:solidFill>
-                      <a:prstDash val="solid"/>
-                      <a:round/>
-                      <a:headEnd type="none" w="med" len="med"/>
-                      <a:tailEnd type="none" w="med" len="med"/>
-                    </a:lnR>
-                    <a:lnT w="12700" cap="flat" cmpd="sng" algn="ctr">
-                      <a:solidFill>
-                        <a:schemeClr val="tx1"/>
-                      </a:solidFill>
-                      <a:prstDash val="solid"/>
-                      <a:round/>
-                      <a:headEnd type="none" w="med" len="med"/>
-                      <a:tailEnd type="none" w="med" len="med"/>
-                    </a:lnT>
-                    <a:lnB w="12700" cap="flat" cmpd="sng" algn="ctr">
-                      <a:solidFill>
-                        <a:schemeClr val="tx1"/>
-                      </a:solidFill>
-                      <a:prstDash val="solid"/>
-                      <a:round/>
-                      <a:headEnd type="none" w="med" len="med"/>
-                      <a:tailEnd type="none" w="med" len="med"/>
-                    </a:lnB>
-                    <a:lnTlToBr w="12700" cmpd="sng">
-                      <a:noFill/>
-                      <a:prstDash val="solid"/>
-                    </a:lnTlToBr>
-                    <a:lnBlToTr w="12700" cmpd="sng">
-                      <a:noFill/>
-                      <a:prstDash val="solid"/>
-                    </a:lnBlToTr>
-                    <a:solidFill>
-                      <a:schemeClr val="tx1"/>
-                    </a:solidFill>
-                  </a:tcPr>
-                </a:tc>
-                <a:tc>
-                  <a:txBody>
-                    <a:bodyPr/>
-                    <a:lstStyle/>
-                    <a:p>
-                      <a:r>
-                        <a:rPr lang="en-US" sz="2600" b="0" cap="none" spc="0" dirty="0">
-                          <a:solidFill>
-                            <a:schemeClr val="bg1"/>
-                          </a:solidFill>
-                        </a:rPr>
-                        <a:t>ISPP</a:t>
-                      </a:r>
-                    </a:p>
-                  </a:txBody>
-                  <a:tcPr marL="222258" marR="165182" marT="170969" marB="170969" anchor="ctr">
-                    <a:lnL w="12700" cap="flat" cmpd="sng" algn="ctr">
-                      <a:solidFill>
-                        <a:schemeClr val="tx1"/>
-                      </a:solidFill>
-                      <a:prstDash val="solid"/>
-                      <a:round/>
-                      <a:headEnd type="none" w="med" len="med"/>
-                      <a:tailEnd type="none" w="med" len="med"/>
-                    </a:lnL>
-                    <a:lnR w="12700" cap="flat" cmpd="sng" algn="ctr">
-                      <a:solidFill>
-                        <a:schemeClr val="tx1"/>
-                      </a:solidFill>
-                      <a:prstDash val="solid"/>
-                      <a:round/>
-                      <a:headEnd type="none" w="med" len="med"/>
-                      <a:tailEnd type="none" w="med" len="med"/>
-                    </a:lnR>
-                    <a:lnT w="12700" cap="flat" cmpd="sng" algn="ctr">
-                      <a:solidFill>
-                        <a:schemeClr val="tx1"/>
-                      </a:solidFill>
-                      <a:prstDash val="solid"/>
-                      <a:round/>
-                      <a:headEnd type="none" w="med" len="med"/>
-                      <a:tailEnd type="none" w="med" len="med"/>
-                    </a:lnT>
-                    <a:lnB w="12700" cap="flat" cmpd="sng" algn="ctr">
-                      <a:solidFill>
-                        <a:schemeClr val="tx1"/>
-                      </a:solidFill>
-                      <a:prstDash val="solid"/>
-                      <a:round/>
-                      <a:headEnd type="none" w="med" len="med"/>
-                      <a:tailEnd type="none" w="med" len="med"/>
-                    </a:lnB>
-                    <a:lnTlToBr w="12700" cmpd="sng">
-                      <a:noFill/>
-                      <a:prstDash val="solid"/>
-                    </a:lnTlToBr>
-                    <a:lnBlToTr w="12700" cmpd="sng">
-                      <a:noFill/>
-                      <a:prstDash val="solid"/>
-                    </a:lnBlToTr>
-                    <a:solidFill>
-                      <a:schemeClr val="tx1"/>
-                    </a:solidFill>
-                  </a:tcPr>
-                </a:tc>
-                <a:tc>
-                  <a:txBody>
-                    <a:bodyPr/>
-                    <a:lstStyle/>
-                    <a:p>
-                      <a:r>
-                        <a:rPr lang="en-US" sz="2600" b="0" cap="none" spc="0" dirty="0">
-                          <a:solidFill>
-                            <a:schemeClr val="bg1"/>
-                          </a:solidFill>
-                        </a:rPr>
-                        <a:t>FPPV</a:t>
-                      </a:r>
-                    </a:p>
-                  </a:txBody>
-                  <a:tcPr marL="222258" marR="165182" marT="170969" marB="170969" anchor="ctr">
-                    <a:lnL w="12700" cap="flat" cmpd="sng" algn="ctr">
-                      <a:solidFill>
-                        <a:schemeClr val="tx1"/>
-                      </a:solidFill>
-                      <a:prstDash val="solid"/>
-                      <a:round/>
-                      <a:headEnd type="none" w="med" len="med"/>
-                      <a:tailEnd type="none" w="med" len="med"/>
-                    </a:lnL>
-                    <a:lnR w="12700" cap="flat" cmpd="sng" algn="ctr">
-                      <a:solidFill>
-                        <a:schemeClr val="tx1"/>
-                      </a:solidFill>
-                      <a:prstDash val="solid"/>
-                      <a:round/>
-                      <a:headEnd type="none" w="med" len="med"/>
-                      <a:tailEnd type="none" w="med" len="med"/>
-                    </a:lnR>
-                    <a:lnT w="12700" cap="flat" cmpd="sng" algn="ctr">
-                      <a:solidFill>
-                        <a:schemeClr val="tx1"/>
-                      </a:solidFill>
-                      <a:prstDash val="solid"/>
-                      <a:round/>
-                      <a:headEnd type="none" w="med" len="med"/>
-                      <a:tailEnd type="none" w="med" len="med"/>
-                    </a:lnT>
-                    <a:lnB w="12700" cap="flat" cmpd="sng" algn="ctr">
-                      <a:solidFill>
-                        <a:schemeClr val="tx1"/>
-                      </a:solidFill>
-                      <a:prstDash val="solid"/>
-                      <a:round/>
-                      <a:headEnd type="none" w="med" len="med"/>
-                      <a:tailEnd type="none" w="med" len="med"/>
-                    </a:lnB>
-                    <a:lnTlToBr w="12700" cmpd="sng">
-                      <a:noFill/>
-                      <a:prstDash val="solid"/>
-                    </a:lnTlToBr>
-                    <a:lnBlToTr w="12700" cmpd="sng">
-                      <a:noFill/>
-                      <a:prstDash val="solid"/>
-                    </a:lnBlToTr>
-                    <a:solidFill>
-                      <a:schemeClr val="tx1"/>
-                    </a:solidFill>
-                  </a:tcPr>
-                </a:tc>
-                <a:tc>
-                  <a:txBody>
-                    <a:bodyPr/>
-                    <a:lstStyle/>
-                    <a:p>
-                      <a:r>
-                        <a:rPr lang="en-US" sz="2600" b="0" cap="none" spc="0">
-                          <a:solidFill>
-                            <a:schemeClr val="bg1"/>
-                          </a:solidFill>
-                        </a:rPr>
-                        <a:t>SDCFC</a:t>
-                      </a:r>
-                    </a:p>
-                  </a:txBody>
-                  <a:tcPr marL="222258" marR="165182" marT="170969" marB="170969" anchor="ctr">
-                    <a:lnL w="12700" cap="flat" cmpd="sng" algn="ctr">
-                      <a:solidFill>
-                        <a:schemeClr val="tx1"/>
-                      </a:solidFill>
-                      <a:prstDash val="solid"/>
-                      <a:round/>
-                      <a:headEnd type="none" w="med" len="med"/>
-                      <a:tailEnd type="none" w="med" len="med"/>
-                    </a:lnL>
-                    <a:lnR w="12700" cap="flat" cmpd="sng" algn="ctr">
-                      <a:solidFill>
-                        <a:schemeClr val="tx1"/>
-                      </a:solidFill>
-                      <a:prstDash val="solid"/>
-                      <a:round/>
-                      <a:headEnd type="none" w="med" len="med"/>
-                      <a:tailEnd type="none" w="med" len="med"/>
-                    </a:lnR>
-                    <a:lnT w="12700" cap="flat" cmpd="sng" algn="ctr">
-                      <a:solidFill>
-                        <a:schemeClr val="tx1"/>
-                      </a:solidFill>
-                      <a:prstDash val="solid"/>
-                      <a:round/>
-                      <a:headEnd type="none" w="med" len="med"/>
-                      <a:tailEnd type="none" w="med" len="med"/>
-                    </a:lnT>
-                    <a:lnB w="12700" cap="flat" cmpd="sng" algn="ctr">
-                      <a:solidFill>
-                        <a:schemeClr val="tx1"/>
-                      </a:solidFill>
-                      <a:prstDash val="solid"/>
-                      <a:round/>
-                      <a:headEnd type="none" w="med" len="med"/>
-                      <a:tailEnd type="none" w="med" len="med"/>
-                    </a:lnB>
-                    <a:lnTlToBr w="12700" cmpd="sng">
-                      <a:noFill/>
-                      <a:prstDash val="solid"/>
-                    </a:lnTlToBr>
-                    <a:lnBlToTr w="12700" cmpd="sng">
-                      <a:noFill/>
-                      <a:prstDash val="solid"/>
-                    </a:lnBlToTr>
-                    <a:solidFill>
-                      <a:schemeClr val="tx1"/>
-                    </a:solidFill>
-                  </a:tcPr>
-                </a:tc>
-                <a:extLst>
-                  <a:ext uri="{0D108BD9-81ED-4DB2-BD59-A6C34878D82A}">
-                    <a16:rowId xmlns:a16="http://schemas.microsoft.com/office/drawing/2014/main" val="230851791"/>
-                  </a:ext>
-                </a:extLst>
-              </a:tr>
-              <a:tr h="781264">
-                <a:tc>
-                  <a:txBody>
-                    <a:bodyPr/>
-                    <a:lstStyle/>
-                    <a:p>
-                      <a:r>
-                        <a:rPr lang="en-US" sz="2600" cap="none" spc="0">
-                          <a:solidFill>
-                            <a:schemeClr val="tx1"/>
-                          </a:solidFill>
-                        </a:rPr>
-                        <a:t>1</a:t>
-                      </a:r>
-                    </a:p>
-                  </a:txBody>
-                  <a:tcPr marL="222258" marR="165182" marT="170969" marB="170969">
-                    <a:lnL w="12700" cap="flat" cmpd="sng" algn="ctr">
-                      <a:solidFill>
-                        <a:schemeClr val="tx1"/>
-                      </a:solidFill>
-                      <a:prstDash val="solid"/>
-                      <a:round/>
-                      <a:headEnd type="none" w="med" len="med"/>
-                      <a:tailEnd type="none" w="med" len="med"/>
-                    </a:lnL>
-                    <a:lnR w="12700" cap="flat" cmpd="sng" algn="ctr">
-                      <a:solidFill>
-                        <a:schemeClr val="tx1"/>
-                      </a:solidFill>
-                      <a:prstDash val="solid"/>
-                      <a:round/>
-                      <a:headEnd type="none" w="med" len="med"/>
-                      <a:tailEnd type="none" w="med" len="med"/>
-                    </a:lnR>
-                    <a:lnT w="12700" cap="flat" cmpd="sng" algn="ctr">
-                      <a:solidFill>
-                        <a:schemeClr val="tx1"/>
-                      </a:solidFill>
-                      <a:prstDash val="solid"/>
-                      <a:round/>
-                      <a:headEnd type="none" w="med" len="med"/>
-                      <a:tailEnd type="none" w="med" len="med"/>
-                    </a:lnT>
-                    <a:lnB w="12700" cap="flat" cmpd="sng" algn="ctr">
-                      <a:solidFill>
-                        <a:schemeClr val="tx1"/>
-                      </a:solidFill>
-                      <a:prstDash val="solid"/>
-                      <a:round/>
-                      <a:headEnd type="none" w="med" len="med"/>
-                      <a:tailEnd type="none" w="med" len="med"/>
-                    </a:lnB>
-                    <a:lnTlToBr w="12700" cmpd="sng">
-                      <a:noFill/>
-                      <a:prstDash val="solid"/>
-                    </a:lnTlToBr>
-                    <a:lnBlToTr w="12700" cmpd="sng">
-                      <a:noFill/>
-                      <a:prstDash val="solid"/>
-                    </a:lnBlToTr>
-                    <a:noFill/>
-                  </a:tcPr>
-                </a:tc>
-                <a:tc>
-                  <a:txBody>
-                    <a:bodyPr/>
-                    <a:lstStyle/>
-                    <a:p>
-                      <a:r>
-                        <a:rPr lang="en-US" sz="2600" cap="none" spc="0">
-                          <a:solidFill>
-                            <a:schemeClr val="tx1"/>
-                          </a:solidFill>
-                        </a:rPr>
-                        <a:t>300</a:t>
-                      </a:r>
-                    </a:p>
-                  </a:txBody>
-                  <a:tcPr marL="222258" marR="165182" marT="170969" marB="170969">
-                    <a:lnL w="12700" cap="flat" cmpd="sng" algn="ctr">
-                      <a:solidFill>
-                        <a:schemeClr val="tx1"/>
-                      </a:solidFill>
-                      <a:prstDash val="solid"/>
-                      <a:round/>
-                      <a:headEnd type="none" w="med" len="med"/>
-                      <a:tailEnd type="none" w="med" len="med"/>
-                    </a:lnL>
-                    <a:lnR w="12700" cap="flat" cmpd="sng" algn="ctr">
-                      <a:solidFill>
-                        <a:schemeClr val="tx1"/>
-                      </a:solidFill>
-                      <a:prstDash val="solid"/>
-                      <a:round/>
-                      <a:headEnd type="none" w="med" len="med"/>
-                      <a:tailEnd type="none" w="med" len="med"/>
-                    </a:lnR>
-                    <a:lnT w="12700" cap="flat" cmpd="sng" algn="ctr">
-                      <a:solidFill>
-                        <a:schemeClr val="tx1"/>
-                      </a:solidFill>
-                      <a:prstDash val="solid"/>
-                      <a:round/>
-                      <a:headEnd type="none" w="med" len="med"/>
-                      <a:tailEnd type="none" w="med" len="med"/>
-                    </a:lnT>
-                    <a:lnB w="12700" cap="flat" cmpd="sng" algn="ctr">
-                      <a:solidFill>
-                        <a:schemeClr val="tx1"/>
-                      </a:solidFill>
-                      <a:prstDash val="solid"/>
-                      <a:round/>
-                      <a:headEnd type="none" w="med" len="med"/>
-                      <a:tailEnd type="none" w="med" len="med"/>
-                    </a:lnB>
-                    <a:lnTlToBr w="12700" cmpd="sng">
-                      <a:noFill/>
-                      <a:prstDash val="solid"/>
-                    </a:lnTlToBr>
-                    <a:lnBlToTr w="12700" cmpd="sng">
-                      <a:noFill/>
-                      <a:prstDash val="solid"/>
-                    </a:lnBlToTr>
-                    <a:noFill/>
-                  </a:tcPr>
-                </a:tc>
-                <a:tc>
-                  <a:txBody>
-                    <a:bodyPr/>
-                    <a:lstStyle/>
-                    <a:p>
-                      <a:endParaRPr lang="en-US" sz="2600" cap="none" spc="0">
-                        <a:solidFill>
-                          <a:schemeClr val="tx1"/>
-                        </a:solidFill>
-                      </a:endParaRPr>
-                    </a:p>
-                  </a:txBody>
-                  <a:tcPr marL="222258" marR="165182" marT="170969" marB="170969">
-                    <a:lnL w="12700" cap="flat" cmpd="sng" algn="ctr">
-                      <a:solidFill>
-                        <a:schemeClr val="tx1"/>
-                      </a:solidFill>
-                      <a:prstDash val="solid"/>
-                      <a:round/>
-                      <a:headEnd type="none" w="med" len="med"/>
-                      <a:tailEnd type="none" w="med" len="med"/>
-                    </a:lnL>
-                    <a:lnR w="12700" cap="flat" cmpd="sng" algn="ctr">
-                      <a:solidFill>
-                        <a:schemeClr val="tx1"/>
-                      </a:solidFill>
-                      <a:prstDash val="solid"/>
-                      <a:round/>
-                      <a:headEnd type="none" w="med" len="med"/>
-                      <a:tailEnd type="none" w="med" len="med"/>
-                    </a:lnR>
-                    <a:lnT w="12700" cap="flat" cmpd="sng" algn="ctr">
-                      <a:solidFill>
-                        <a:schemeClr val="tx1"/>
-                      </a:solidFill>
-                      <a:prstDash val="solid"/>
-                      <a:round/>
-                      <a:headEnd type="none" w="med" len="med"/>
-                      <a:tailEnd type="none" w="med" len="med"/>
-                    </a:lnT>
-                    <a:lnB w="12700" cap="flat" cmpd="sng" algn="ctr">
-                      <a:solidFill>
-                        <a:schemeClr val="tx1"/>
-                      </a:solidFill>
-                      <a:prstDash val="solid"/>
-                      <a:round/>
-                      <a:headEnd type="none" w="med" len="med"/>
-                      <a:tailEnd type="none" w="med" len="med"/>
-                    </a:lnB>
-                    <a:lnTlToBr w="12700" cmpd="sng">
-                      <a:noFill/>
-                      <a:prstDash val="solid"/>
-                    </a:lnTlToBr>
-                    <a:lnBlToTr w="12700" cmpd="sng">
-                      <a:noFill/>
-                      <a:prstDash val="solid"/>
-                    </a:lnBlToTr>
-                    <a:noFill/>
-                  </a:tcPr>
-                </a:tc>
-                <a:tc>
-                  <a:txBody>
-                    <a:bodyPr/>
-                    <a:lstStyle/>
-                    <a:p>
-                      <a:endParaRPr lang="en-US" sz="2600" cap="none" spc="0">
-                        <a:solidFill>
-                          <a:schemeClr val="tx1"/>
-                        </a:solidFill>
-                      </a:endParaRPr>
-                    </a:p>
-                  </a:txBody>
-                  <a:tcPr marL="222258" marR="165182" marT="170969" marB="170969">
-                    <a:lnL w="12700" cap="flat" cmpd="sng" algn="ctr">
-                      <a:solidFill>
-                        <a:schemeClr val="tx1"/>
-                      </a:solidFill>
-                      <a:prstDash val="solid"/>
-                      <a:round/>
-                      <a:headEnd type="none" w="med" len="med"/>
-                      <a:tailEnd type="none" w="med" len="med"/>
-                    </a:lnL>
-                    <a:lnR w="12700" cap="flat" cmpd="sng" algn="ctr">
-                      <a:solidFill>
-                        <a:schemeClr val="tx1"/>
-                      </a:solidFill>
-                      <a:prstDash val="solid"/>
-                      <a:round/>
-                      <a:headEnd type="none" w="med" len="med"/>
-                      <a:tailEnd type="none" w="med" len="med"/>
-                    </a:lnR>
-                    <a:lnT w="12700" cap="flat" cmpd="sng" algn="ctr">
-                      <a:solidFill>
-                        <a:schemeClr val="tx1"/>
-                      </a:solidFill>
-                      <a:prstDash val="solid"/>
-                      <a:round/>
-                      <a:headEnd type="none" w="med" len="med"/>
-                      <a:tailEnd type="none" w="med" len="med"/>
-                    </a:lnT>
-                    <a:lnB w="12700" cap="flat" cmpd="sng" algn="ctr">
-                      <a:solidFill>
-                        <a:schemeClr val="tx1"/>
-                      </a:solidFill>
-                      <a:prstDash val="solid"/>
-                      <a:round/>
-                      <a:headEnd type="none" w="med" len="med"/>
-                      <a:tailEnd type="none" w="med" len="med"/>
-                    </a:lnB>
-                    <a:lnTlToBr w="12700" cmpd="sng">
-                      <a:noFill/>
-                      <a:prstDash val="solid"/>
-                    </a:lnTlToBr>
-                    <a:lnBlToTr w="12700" cmpd="sng">
-                      <a:noFill/>
-                      <a:prstDash val="solid"/>
-                    </a:lnBlToTr>
-                    <a:noFill/>
-                  </a:tcPr>
-                </a:tc>
-                <a:tc>
-                  <a:txBody>
-                    <a:bodyPr/>
-                    <a:lstStyle/>
-                    <a:p>
-                      <a:endParaRPr lang="en-US" sz="2600" cap="none" spc="0">
-                        <a:solidFill>
-                          <a:schemeClr val="tx1"/>
-                        </a:solidFill>
-                      </a:endParaRPr>
-                    </a:p>
-                  </a:txBody>
-                  <a:tcPr marL="222258" marR="165182" marT="170969" marB="170969">
-                    <a:lnL w="12700" cap="flat" cmpd="sng" algn="ctr">
-                      <a:solidFill>
-                        <a:schemeClr val="tx1"/>
-                      </a:solidFill>
-                      <a:prstDash val="solid"/>
-                      <a:round/>
-                      <a:headEnd type="none" w="med" len="med"/>
-                      <a:tailEnd type="none" w="med" len="med"/>
-                    </a:lnL>
-                    <a:lnR w="12700" cap="flat" cmpd="sng" algn="ctr">
-                      <a:solidFill>
-                        <a:schemeClr val="tx1"/>
-                      </a:solidFill>
-                      <a:prstDash val="solid"/>
-                      <a:round/>
-                      <a:headEnd type="none" w="med" len="med"/>
-                      <a:tailEnd type="none" w="med" len="med"/>
-                    </a:lnR>
-                    <a:lnT w="12700" cap="flat" cmpd="sng" algn="ctr">
-                      <a:solidFill>
-                        <a:schemeClr val="tx1"/>
-                      </a:solidFill>
-                      <a:prstDash val="solid"/>
-                      <a:round/>
-                      <a:headEnd type="none" w="med" len="med"/>
-                      <a:tailEnd type="none" w="med" len="med"/>
-                    </a:lnT>
-                    <a:lnB w="12700" cap="flat" cmpd="sng" algn="ctr">
-                      <a:solidFill>
-                        <a:schemeClr val="tx1"/>
-                      </a:solidFill>
-                      <a:prstDash val="solid"/>
-                      <a:round/>
-                      <a:headEnd type="none" w="med" len="med"/>
-                      <a:tailEnd type="none" w="med" len="med"/>
-                    </a:lnB>
-                    <a:lnTlToBr w="12700" cmpd="sng">
-                      <a:noFill/>
-                      <a:prstDash val="solid"/>
-                    </a:lnTlToBr>
-                    <a:lnBlToTr w="12700" cmpd="sng">
-                      <a:noFill/>
-                      <a:prstDash val="solid"/>
-                    </a:lnBlToTr>
-                    <a:noFill/>
-                  </a:tcPr>
-                </a:tc>
-                <a:extLst>
-                  <a:ext uri="{0D108BD9-81ED-4DB2-BD59-A6C34878D82A}">
-                    <a16:rowId xmlns:a16="http://schemas.microsoft.com/office/drawing/2014/main" val="3324534679"/>
-                  </a:ext>
-                </a:extLst>
-              </a:tr>
-              <a:tr h="781264">
-                <a:tc>
-                  <a:txBody>
-                    <a:bodyPr/>
-                    <a:lstStyle/>
-                    <a:p>
-                      <a:r>
-                        <a:rPr lang="en-US" sz="2600" cap="none" spc="0">
-                          <a:solidFill>
-                            <a:schemeClr val="tx1"/>
-                          </a:solidFill>
-                        </a:rPr>
-                        <a:t>2</a:t>
-                      </a:r>
-                    </a:p>
-                  </a:txBody>
-                  <a:tcPr marL="222258" marR="165182" marT="170969" marB="170969">
-                    <a:lnL w="12700" cap="flat" cmpd="sng" algn="ctr">
-                      <a:solidFill>
-                        <a:schemeClr val="tx1"/>
-                      </a:solidFill>
-                      <a:prstDash val="solid"/>
-                      <a:round/>
-                      <a:headEnd type="none" w="med" len="med"/>
-                      <a:tailEnd type="none" w="med" len="med"/>
-                    </a:lnL>
-                    <a:lnR w="12700" cap="flat" cmpd="sng" algn="ctr">
-                      <a:solidFill>
-                        <a:schemeClr val="tx1"/>
-                      </a:solidFill>
-                      <a:prstDash val="solid"/>
-                      <a:round/>
-                      <a:headEnd type="none" w="med" len="med"/>
-                      <a:tailEnd type="none" w="med" len="med"/>
-                    </a:lnR>
-                    <a:lnT w="12700" cap="flat" cmpd="sng" algn="ctr">
-                      <a:solidFill>
-                        <a:schemeClr val="tx1"/>
-                      </a:solidFill>
-                      <a:prstDash val="solid"/>
-                      <a:round/>
-                      <a:headEnd type="none" w="med" len="med"/>
-                      <a:tailEnd type="none" w="med" len="med"/>
-                    </a:lnT>
-                    <a:lnB w="12700" cap="flat" cmpd="sng" algn="ctr">
-                      <a:solidFill>
-                        <a:schemeClr val="tx1"/>
-                      </a:solidFill>
-                      <a:prstDash val="solid"/>
-                      <a:round/>
-                      <a:headEnd type="none" w="med" len="med"/>
-                      <a:tailEnd type="none" w="med" len="med"/>
-                    </a:lnB>
-                    <a:lnTlToBr w="12700" cmpd="sng">
-                      <a:noFill/>
-                      <a:prstDash val="solid"/>
-                    </a:lnTlToBr>
-                    <a:lnBlToTr w="12700" cmpd="sng">
-                      <a:noFill/>
-                      <a:prstDash val="solid"/>
-                    </a:lnBlToTr>
-                    <a:solidFill>
-                      <a:schemeClr val="bg1">
-                        <a:lumMod val="85000"/>
-                      </a:schemeClr>
-                    </a:solidFill>
-                  </a:tcPr>
-                </a:tc>
-                <a:tc>
-                  <a:txBody>
-                    <a:bodyPr/>
-                    <a:lstStyle/>
-                    <a:p>
-                      <a:r>
-                        <a:rPr lang="en-US" sz="2600" cap="none" spc="0">
-                          <a:solidFill>
-                            <a:schemeClr val="tx1"/>
-                          </a:solidFill>
-                        </a:rPr>
-                        <a:t>300</a:t>
-                      </a:r>
-                    </a:p>
-                  </a:txBody>
-                  <a:tcPr marL="222258" marR="165182" marT="170969" marB="170969">
-                    <a:lnL w="12700" cap="flat" cmpd="sng" algn="ctr">
-                      <a:solidFill>
-                        <a:schemeClr val="tx1"/>
-                      </a:solidFill>
-                      <a:prstDash val="solid"/>
-                      <a:round/>
-                      <a:headEnd type="none" w="med" len="med"/>
-                      <a:tailEnd type="none" w="med" len="med"/>
-                    </a:lnL>
-                    <a:lnR w="12700" cap="flat" cmpd="sng" algn="ctr">
-                      <a:solidFill>
-                        <a:schemeClr val="tx1"/>
-                      </a:solidFill>
-                      <a:prstDash val="solid"/>
-                      <a:round/>
-                      <a:headEnd type="none" w="med" len="med"/>
-                      <a:tailEnd type="none" w="med" len="med"/>
-                    </a:lnR>
-                    <a:lnT w="12700" cap="flat" cmpd="sng" algn="ctr">
-                      <a:solidFill>
-                        <a:schemeClr val="tx1"/>
-                      </a:solidFill>
-                      <a:prstDash val="solid"/>
-                      <a:round/>
-                      <a:headEnd type="none" w="med" len="med"/>
-                      <a:tailEnd type="none" w="med" len="med"/>
-                    </a:lnT>
-                    <a:lnB w="12700" cap="flat" cmpd="sng" algn="ctr">
-                      <a:solidFill>
-                        <a:schemeClr val="tx1"/>
-                      </a:solidFill>
-                      <a:prstDash val="solid"/>
-                      <a:round/>
-                      <a:headEnd type="none" w="med" len="med"/>
-                      <a:tailEnd type="none" w="med" len="med"/>
-                    </a:lnB>
-                    <a:lnTlToBr w="12700" cmpd="sng">
-                      <a:noFill/>
-                      <a:prstDash val="solid"/>
-                    </a:lnTlToBr>
-                    <a:lnBlToTr w="12700" cmpd="sng">
-                      <a:noFill/>
-                      <a:prstDash val="solid"/>
-                    </a:lnBlToTr>
-                    <a:solidFill>
-                      <a:schemeClr val="bg1">
-                        <a:lumMod val="85000"/>
-                      </a:schemeClr>
-                    </a:solidFill>
-                  </a:tcPr>
-                </a:tc>
-                <a:tc>
-                  <a:txBody>
-                    <a:bodyPr/>
-                    <a:lstStyle/>
-                    <a:p>
-                      <a:endParaRPr lang="en-US" sz="2600" cap="none" spc="0">
-                        <a:solidFill>
-                          <a:schemeClr val="tx1"/>
-                        </a:solidFill>
-                      </a:endParaRPr>
-                    </a:p>
-                  </a:txBody>
-                  <a:tcPr marL="222258" marR="165182" marT="170969" marB="170969">
-                    <a:lnL w="12700" cap="flat" cmpd="sng" algn="ctr">
-                      <a:solidFill>
-                        <a:schemeClr val="tx1"/>
-                      </a:solidFill>
-                      <a:prstDash val="solid"/>
-                      <a:round/>
-                      <a:headEnd type="none" w="med" len="med"/>
-                      <a:tailEnd type="none" w="med" len="med"/>
-                    </a:lnL>
-                    <a:lnR w="12700" cap="flat" cmpd="sng" algn="ctr">
-                      <a:solidFill>
-                        <a:schemeClr val="tx1"/>
-                      </a:solidFill>
-                      <a:prstDash val="solid"/>
-                      <a:round/>
-                      <a:headEnd type="none" w="med" len="med"/>
-                      <a:tailEnd type="none" w="med" len="med"/>
-                    </a:lnR>
-                    <a:lnT w="12700" cap="flat" cmpd="sng" algn="ctr">
-                      <a:solidFill>
-                        <a:schemeClr val="tx1"/>
-                      </a:solidFill>
-                      <a:prstDash val="solid"/>
-                      <a:round/>
-                      <a:headEnd type="none" w="med" len="med"/>
-                      <a:tailEnd type="none" w="med" len="med"/>
-                    </a:lnT>
-                    <a:lnB w="12700" cap="flat" cmpd="sng" algn="ctr">
-                      <a:solidFill>
-                        <a:schemeClr val="tx1"/>
-                      </a:solidFill>
-                      <a:prstDash val="solid"/>
-                      <a:round/>
-                      <a:headEnd type="none" w="med" len="med"/>
-                      <a:tailEnd type="none" w="med" len="med"/>
-                    </a:lnB>
-                    <a:lnTlToBr w="12700" cmpd="sng">
-                      <a:noFill/>
-                      <a:prstDash val="solid"/>
-                    </a:lnTlToBr>
-                    <a:lnBlToTr w="12700" cmpd="sng">
-                      <a:noFill/>
-                      <a:prstDash val="solid"/>
-                    </a:lnBlToTr>
-                    <a:solidFill>
-                      <a:schemeClr val="bg1">
-                        <a:lumMod val="85000"/>
-                      </a:schemeClr>
-                    </a:solidFill>
-                  </a:tcPr>
-                </a:tc>
-                <a:tc>
-                  <a:txBody>
-                    <a:bodyPr/>
-                    <a:lstStyle/>
-                    <a:p>
-                      <a:endParaRPr lang="en-US" sz="2600" cap="none" spc="0">
-                        <a:solidFill>
-                          <a:schemeClr val="tx1"/>
-                        </a:solidFill>
-                      </a:endParaRPr>
-                    </a:p>
-                  </a:txBody>
-                  <a:tcPr marL="222258" marR="165182" marT="170969" marB="170969">
-                    <a:lnL w="12700" cap="flat" cmpd="sng" algn="ctr">
-                      <a:solidFill>
-                        <a:schemeClr val="tx1"/>
-                      </a:solidFill>
-                      <a:prstDash val="solid"/>
-                      <a:round/>
-                      <a:headEnd type="none" w="med" len="med"/>
-                      <a:tailEnd type="none" w="med" len="med"/>
-                    </a:lnL>
-                    <a:lnR w="12700" cap="flat" cmpd="sng" algn="ctr">
-                      <a:solidFill>
-                        <a:schemeClr val="tx1"/>
-                      </a:solidFill>
-                      <a:prstDash val="solid"/>
-                      <a:round/>
-                      <a:headEnd type="none" w="med" len="med"/>
-                      <a:tailEnd type="none" w="med" len="med"/>
-                    </a:lnR>
-                    <a:lnT w="12700" cap="flat" cmpd="sng" algn="ctr">
-                      <a:solidFill>
-                        <a:schemeClr val="tx1"/>
-                      </a:solidFill>
-                      <a:prstDash val="solid"/>
-                      <a:round/>
-                      <a:headEnd type="none" w="med" len="med"/>
-                      <a:tailEnd type="none" w="med" len="med"/>
-                    </a:lnT>
-                    <a:lnB w="12700" cap="flat" cmpd="sng" algn="ctr">
-                      <a:solidFill>
-                        <a:schemeClr val="tx1"/>
-                      </a:solidFill>
-                      <a:prstDash val="solid"/>
-                      <a:round/>
-                      <a:headEnd type="none" w="med" len="med"/>
-                      <a:tailEnd type="none" w="med" len="med"/>
-                    </a:lnB>
-                    <a:lnTlToBr w="12700" cmpd="sng">
-                      <a:noFill/>
-                      <a:prstDash val="solid"/>
-                    </a:lnTlToBr>
-                    <a:lnBlToTr w="12700" cmpd="sng">
-                      <a:noFill/>
-                      <a:prstDash val="solid"/>
-                    </a:lnBlToTr>
-                    <a:solidFill>
-                      <a:schemeClr val="bg1">
-                        <a:lumMod val="85000"/>
-                      </a:schemeClr>
-                    </a:solidFill>
-                  </a:tcPr>
-                </a:tc>
-                <a:tc>
-                  <a:txBody>
-                    <a:bodyPr/>
-                    <a:lstStyle/>
-                    <a:p>
-                      <a:endParaRPr lang="en-US" sz="2600" cap="none" spc="0">
-                        <a:solidFill>
-                          <a:schemeClr val="tx1"/>
-                        </a:solidFill>
-                      </a:endParaRPr>
-                    </a:p>
-                  </a:txBody>
-                  <a:tcPr marL="222258" marR="165182" marT="170969" marB="170969">
-                    <a:lnL w="12700" cap="flat" cmpd="sng" algn="ctr">
-                      <a:solidFill>
-                        <a:schemeClr val="tx1"/>
-                      </a:solidFill>
-                      <a:prstDash val="solid"/>
-                      <a:round/>
-                      <a:headEnd type="none" w="med" len="med"/>
-                      <a:tailEnd type="none" w="med" len="med"/>
-                    </a:lnL>
-                    <a:lnR w="12700" cap="flat" cmpd="sng" algn="ctr">
-                      <a:solidFill>
-                        <a:schemeClr val="tx1"/>
-                      </a:solidFill>
-                      <a:prstDash val="solid"/>
-                      <a:round/>
-                      <a:headEnd type="none" w="med" len="med"/>
-                      <a:tailEnd type="none" w="med" len="med"/>
-                    </a:lnR>
-                    <a:lnT w="12700" cap="flat" cmpd="sng" algn="ctr">
-                      <a:solidFill>
-                        <a:schemeClr val="tx1"/>
-                      </a:solidFill>
-                      <a:prstDash val="solid"/>
-                      <a:round/>
-                      <a:headEnd type="none" w="med" len="med"/>
-                      <a:tailEnd type="none" w="med" len="med"/>
-                    </a:lnT>
-                    <a:lnB w="12700" cap="flat" cmpd="sng" algn="ctr">
-                      <a:solidFill>
-                        <a:schemeClr val="tx1"/>
-                      </a:solidFill>
-                      <a:prstDash val="solid"/>
-                      <a:round/>
-                      <a:headEnd type="none" w="med" len="med"/>
-                      <a:tailEnd type="none" w="med" len="med"/>
-                    </a:lnB>
-                    <a:lnTlToBr w="12700" cmpd="sng">
-                      <a:noFill/>
-                      <a:prstDash val="solid"/>
-                    </a:lnTlToBr>
-                    <a:lnBlToTr w="12700" cmpd="sng">
-                      <a:noFill/>
-                      <a:prstDash val="solid"/>
-                    </a:lnBlToTr>
-                    <a:solidFill>
-                      <a:schemeClr val="bg1">
-                        <a:lumMod val="85000"/>
-                      </a:schemeClr>
-                    </a:solidFill>
-                  </a:tcPr>
-                </a:tc>
-                <a:extLst>
-                  <a:ext uri="{0D108BD9-81ED-4DB2-BD59-A6C34878D82A}">
-                    <a16:rowId xmlns:a16="http://schemas.microsoft.com/office/drawing/2014/main" val="1565407393"/>
-                  </a:ext>
-                </a:extLst>
-              </a:tr>
-              <a:tr h="781264">
-                <a:tc>
-                  <a:txBody>
-                    <a:bodyPr/>
-                    <a:lstStyle/>
-                    <a:p>
-                      <a:r>
-                        <a:rPr lang="en-US" sz="2600" cap="none" spc="0">
-                          <a:solidFill>
-                            <a:schemeClr val="tx1"/>
-                          </a:solidFill>
-                        </a:rPr>
-                        <a:t>1</a:t>
-                      </a:r>
-                    </a:p>
-                  </a:txBody>
-                  <a:tcPr marL="222258" marR="165182" marT="170969" marB="170969">
-                    <a:lnL w="12700" cap="flat" cmpd="sng" algn="ctr">
-                      <a:solidFill>
-                        <a:schemeClr val="tx1"/>
-                      </a:solidFill>
-                      <a:prstDash val="solid"/>
-                      <a:round/>
-                      <a:headEnd type="none" w="med" len="med"/>
-                      <a:tailEnd type="none" w="med" len="med"/>
-                    </a:lnL>
-                    <a:lnR w="12700" cap="flat" cmpd="sng" algn="ctr">
-                      <a:solidFill>
-                        <a:schemeClr val="tx1"/>
-                      </a:solidFill>
-                      <a:prstDash val="solid"/>
-                      <a:round/>
-                      <a:headEnd type="none" w="med" len="med"/>
-                      <a:tailEnd type="none" w="med" len="med"/>
-                    </a:lnR>
-                    <a:lnT w="12700" cap="flat" cmpd="sng" algn="ctr">
-                      <a:solidFill>
-                        <a:schemeClr val="tx1"/>
-                      </a:solidFill>
-                      <a:prstDash val="solid"/>
-                      <a:round/>
-                      <a:headEnd type="none" w="med" len="med"/>
-                      <a:tailEnd type="none" w="med" len="med"/>
-                    </a:lnT>
-                    <a:lnB w="12700" cap="flat" cmpd="sng" algn="ctr">
-                      <a:solidFill>
-                        <a:schemeClr val="tx1"/>
-                      </a:solidFill>
-                      <a:prstDash val="solid"/>
-                      <a:round/>
-                      <a:headEnd type="none" w="med" len="med"/>
-                      <a:tailEnd type="none" w="med" len="med"/>
-                    </a:lnB>
-                    <a:lnTlToBr w="12700" cmpd="sng">
-                      <a:noFill/>
-                      <a:prstDash val="solid"/>
-                    </a:lnTlToBr>
-                    <a:lnBlToTr w="12700" cmpd="sng">
-                      <a:noFill/>
-                      <a:prstDash val="solid"/>
-                    </a:lnBlToTr>
-                    <a:noFill/>
-                  </a:tcPr>
-                </a:tc>
-                <a:tc>
-                  <a:txBody>
-                    <a:bodyPr/>
-                    <a:lstStyle/>
-                    <a:p>
-                      <a:r>
-                        <a:rPr lang="en-US" sz="2600" cap="none" spc="0">
-                          <a:solidFill>
-                            <a:schemeClr val="tx1"/>
-                          </a:solidFill>
-                        </a:rPr>
-                        <a:t>10k</a:t>
-                      </a:r>
-                    </a:p>
-                  </a:txBody>
-                  <a:tcPr marL="222258" marR="165182" marT="170969" marB="170969">
-                    <a:lnL w="12700" cap="flat" cmpd="sng" algn="ctr">
-                      <a:solidFill>
-                        <a:schemeClr val="tx1"/>
-                      </a:solidFill>
-                      <a:prstDash val="solid"/>
-                      <a:round/>
-                      <a:headEnd type="none" w="med" len="med"/>
-                      <a:tailEnd type="none" w="med" len="med"/>
-                    </a:lnL>
-                    <a:lnR w="12700" cap="flat" cmpd="sng" algn="ctr">
-                      <a:solidFill>
-                        <a:schemeClr val="tx1"/>
-                      </a:solidFill>
-                      <a:prstDash val="solid"/>
-                      <a:round/>
-                      <a:headEnd type="none" w="med" len="med"/>
-                      <a:tailEnd type="none" w="med" len="med"/>
-                    </a:lnR>
-                    <a:lnT w="12700" cap="flat" cmpd="sng" algn="ctr">
-                      <a:solidFill>
-                        <a:schemeClr val="tx1"/>
-                      </a:solidFill>
-                      <a:prstDash val="solid"/>
-                      <a:round/>
-                      <a:headEnd type="none" w="med" len="med"/>
-                      <a:tailEnd type="none" w="med" len="med"/>
-                    </a:lnT>
-                    <a:lnB w="12700" cap="flat" cmpd="sng" algn="ctr">
-                      <a:solidFill>
-                        <a:schemeClr val="tx1"/>
-                      </a:solidFill>
-                      <a:prstDash val="solid"/>
-                      <a:round/>
-                      <a:headEnd type="none" w="med" len="med"/>
-                      <a:tailEnd type="none" w="med" len="med"/>
-                    </a:lnB>
-                    <a:lnTlToBr w="12700" cmpd="sng">
-                      <a:noFill/>
-                      <a:prstDash val="solid"/>
-                    </a:lnTlToBr>
-                    <a:lnBlToTr w="12700" cmpd="sng">
-                      <a:noFill/>
-                      <a:prstDash val="solid"/>
-                    </a:lnBlToTr>
-                    <a:noFill/>
-                  </a:tcPr>
-                </a:tc>
-                <a:tc>
-                  <a:txBody>
-                    <a:bodyPr/>
-                    <a:lstStyle/>
-                    <a:p>
-                      <a:endParaRPr lang="en-US" sz="2600" cap="none" spc="0">
-                        <a:solidFill>
-                          <a:schemeClr val="tx1"/>
-                        </a:solidFill>
-                      </a:endParaRPr>
-                    </a:p>
-                  </a:txBody>
-                  <a:tcPr marL="222258" marR="165182" marT="170969" marB="170969">
-                    <a:lnL w="12700" cap="flat" cmpd="sng" algn="ctr">
-                      <a:solidFill>
-                        <a:schemeClr val="tx1"/>
-                      </a:solidFill>
-                      <a:prstDash val="solid"/>
-                      <a:round/>
-                      <a:headEnd type="none" w="med" len="med"/>
-                      <a:tailEnd type="none" w="med" len="med"/>
-                    </a:lnL>
-                    <a:lnR w="12700" cap="flat" cmpd="sng" algn="ctr">
-                      <a:solidFill>
-                        <a:schemeClr val="tx1"/>
-                      </a:solidFill>
-                      <a:prstDash val="solid"/>
-                      <a:round/>
-                      <a:headEnd type="none" w="med" len="med"/>
-                      <a:tailEnd type="none" w="med" len="med"/>
-                    </a:lnR>
-                    <a:lnT w="12700" cap="flat" cmpd="sng" algn="ctr">
-                      <a:solidFill>
-                        <a:schemeClr val="tx1"/>
-                      </a:solidFill>
-                      <a:prstDash val="solid"/>
-                      <a:round/>
-                      <a:headEnd type="none" w="med" len="med"/>
-                      <a:tailEnd type="none" w="med" len="med"/>
-                    </a:lnT>
-                    <a:lnB w="12700" cap="flat" cmpd="sng" algn="ctr">
-                      <a:solidFill>
-                        <a:schemeClr val="tx1"/>
-                      </a:solidFill>
-                      <a:prstDash val="solid"/>
-                      <a:round/>
-                      <a:headEnd type="none" w="med" len="med"/>
-                      <a:tailEnd type="none" w="med" len="med"/>
-                    </a:lnB>
-                    <a:lnTlToBr w="12700" cmpd="sng">
-                      <a:noFill/>
-                      <a:prstDash val="solid"/>
-                    </a:lnTlToBr>
-                    <a:lnBlToTr w="12700" cmpd="sng">
-                      <a:noFill/>
-                      <a:prstDash val="solid"/>
-                    </a:lnBlToTr>
-                    <a:noFill/>
-                  </a:tcPr>
-                </a:tc>
-                <a:tc>
-                  <a:txBody>
-                    <a:bodyPr/>
-                    <a:lstStyle/>
-                    <a:p>
-                      <a:endParaRPr lang="en-US" sz="2600" cap="none" spc="0">
-                        <a:solidFill>
-                          <a:schemeClr val="tx1"/>
-                        </a:solidFill>
-                      </a:endParaRPr>
-                    </a:p>
-                  </a:txBody>
-                  <a:tcPr marL="222258" marR="165182" marT="170969" marB="170969">
-                    <a:lnL w="12700" cap="flat" cmpd="sng" algn="ctr">
-                      <a:solidFill>
-                        <a:schemeClr val="tx1"/>
-                      </a:solidFill>
-                      <a:prstDash val="solid"/>
-                      <a:round/>
-                      <a:headEnd type="none" w="med" len="med"/>
-                      <a:tailEnd type="none" w="med" len="med"/>
-                    </a:lnL>
-                    <a:lnR w="12700" cap="flat" cmpd="sng" algn="ctr">
-                      <a:solidFill>
-                        <a:schemeClr val="tx1"/>
-                      </a:solidFill>
-                      <a:prstDash val="solid"/>
-                      <a:round/>
-                      <a:headEnd type="none" w="med" len="med"/>
-                      <a:tailEnd type="none" w="med" len="med"/>
-                    </a:lnR>
-                    <a:lnT w="12700" cap="flat" cmpd="sng" algn="ctr">
-                      <a:solidFill>
-                        <a:schemeClr val="tx1"/>
-                      </a:solidFill>
-                      <a:prstDash val="solid"/>
-                      <a:round/>
-                      <a:headEnd type="none" w="med" len="med"/>
-                      <a:tailEnd type="none" w="med" len="med"/>
-                    </a:lnT>
-                    <a:lnB w="12700" cap="flat" cmpd="sng" algn="ctr">
-                      <a:solidFill>
-                        <a:schemeClr val="tx1"/>
-                      </a:solidFill>
-                      <a:prstDash val="solid"/>
-                      <a:round/>
-                      <a:headEnd type="none" w="med" len="med"/>
-                      <a:tailEnd type="none" w="med" len="med"/>
-                    </a:lnB>
-                    <a:lnTlToBr w="12700" cmpd="sng">
-                      <a:noFill/>
-                      <a:prstDash val="solid"/>
-                    </a:lnTlToBr>
-                    <a:lnBlToTr w="12700" cmpd="sng">
-                      <a:noFill/>
-                      <a:prstDash val="solid"/>
-                    </a:lnBlToTr>
-                    <a:noFill/>
-                  </a:tcPr>
-                </a:tc>
-                <a:tc>
-                  <a:txBody>
-                    <a:bodyPr/>
-                    <a:lstStyle/>
-                    <a:p>
-                      <a:endParaRPr lang="en-US" sz="2600" cap="none" spc="0">
-                        <a:solidFill>
-                          <a:schemeClr val="tx1"/>
-                        </a:solidFill>
-                      </a:endParaRPr>
-                    </a:p>
-                  </a:txBody>
-                  <a:tcPr marL="222258" marR="165182" marT="170969" marB="170969">
-                    <a:lnL w="12700" cap="flat" cmpd="sng" algn="ctr">
-                      <a:solidFill>
-                        <a:schemeClr val="tx1"/>
-                      </a:solidFill>
-                      <a:prstDash val="solid"/>
-                      <a:round/>
-                      <a:headEnd type="none" w="med" len="med"/>
-                      <a:tailEnd type="none" w="med" len="med"/>
-                    </a:lnL>
-                    <a:lnR w="12700" cap="flat" cmpd="sng" algn="ctr">
-                      <a:solidFill>
-                        <a:schemeClr val="tx1"/>
-                      </a:solidFill>
-                      <a:prstDash val="solid"/>
-                      <a:round/>
-                      <a:headEnd type="none" w="med" len="med"/>
-                      <a:tailEnd type="none" w="med" len="med"/>
-                    </a:lnR>
-                    <a:lnT w="12700" cap="flat" cmpd="sng" algn="ctr">
-                      <a:solidFill>
-                        <a:schemeClr val="tx1"/>
-                      </a:solidFill>
-                      <a:prstDash val="solid"/>
-                      <a:round/>
-                      <a:headEnd type="none" w="med" len="med"/>
-                      <a:tailEnd type="none" w="med" len="med"/>
-                    </a:lnT>
-                    <a:lnB w="12700" cap="flat" cmpd="sng" algn="ctr">
-                      <a:solidFill>
-                        <a:schemeClr val="tx1"/>
-                      </a:solidFill>
-                      <a:prstDash val="solid"/>
-                      <a:round/>
-                      <a:headEnd type="none" w="med" len="med"/>
-                      <a:tailEnd type="none" w="med" len="med"/>
-                    </a:lnB>
-                    <a:lnTlToBr w="12700" cmpd="sng">
-                      <a:noFill/>
-                      <a:prstDash val="solid"/>
-                    </a:lnTlToBr>
-                    <a:lnBlToTr w="12700" cmpd="sng">
-                      <a:noFill/>
-                      <a:prstDash val="solid"/>
-                    </a:lnBlToTr>
-                    <a:noFill/>
-                  </a:tcPr>
-                </a:tc>
-                <a:extLst>
-                  <a:ext uri="{0D108BD9-81ED-4DB2-BD59-A6C34878D82A}">
-                    <a16:rowId xmlns:a16="http://schemas.microsoft.com/office/drawing/2014/main" val="2490218386"/>
-                  </a:ext>
-                </a:extLst>
-              </a:tr>
-              <a:tr h="781264">
-                <a:tc>
-                  <a:txBody>
-                    <a:bodyPr/>
-                    <a:lstStyle/>
-                    <a:p>
-                      <a:r>
-                        <a:rPr lang="en-US" sz="2600" cap="none" spc="0">
-                          <a:solidFill>
-                            <a:schemeClr val="tx1"/>
-                          </a:solidFill>
-                        </a:rPr>
-                        <a:t>2</a:t>
-                      </a:r>
-                    </a:p>
-                  </a:txBody>
-                  <a:tcPr marL="222258" marR="165182" marT="170969" marB="170969">
-                    <a:lnL w="12700" cap="flat" cmpd="sng" algn="ctr">
-                      <a:solidFill>
-                        <a:schemeClr val="tx1"/>
-                      </a:solidFill>
-                      <a:prstDash val="solid"/>
-                      <a:round/>
-                      <a:headEnd type="none" w="med" len="med"/>
-                      <a:tailEnd type="none" w="med" len="med"/>
-                    </a:lnL>
-                    <a:lnR w="12700" cap="flat" cmpd="sng" algn="ctr">
-                      <a:solidFill>
-                        <a:schemeClr val="tx1"/>
-                      </a:solidFill>
-                      <a:prstDash val="solid"/>
-                      <a:round/>
-                      <a:headEnd type="none" w="med" len="med"/>
-                      <a:tailEnd type="none" w="med" len="med"/>
-                    </a:lnR>
-                    <a:lnT w="12700" cap="flat" cmpd="sng" algn="ctr">
-                      <a:solidFill>
-                        <a:schemeClr val="tx1"/>
-                      </a:solidFill>
-                      <a:prstDash val="solid"/>
-                      <a:round/>
-                      <a:headEnd type="none" w="med" len="med"/>
-                      <a:tailEnd type="none" w="med" len="med"/>
-                    </a:lnT>
-                    <a:lnB w="12700" cap="flat" cmpd="sng" algn="ctr">
-                      <a:solidFill>
-                        <a:schemeClr val="tx1"/>
-                      </a:solidFill>
-                      <a:prstDash val="solid"/>
-                      <a:round/>
-                      <a:headEnd type="none" w="med" len="med"/>
-                      <a:tailEnd type="none" w="med" len="med"/>
-                    </a:lnB>
-                    <a:lnTlToBr w="12700" cmpd="sng">
-                      <a:noFill/>
-                      <a:prstDash val="solid"/>
-                    </a:lnTlToBr>
-                    <a:lnBlToTr w="12700" cmpd="sng">
-                      <a:noFill/>
-                      <a:prstDash val="solid"/>
-                    </a:lnBlToTr>
-                    <a:solidFill>
-                      <a:schemeClr val="bg1">
-                        <a:lumMod val="85000"/>
-                      </a:schemeClr>
-                    </a:solidFill>
-                  </a:tcPr>
-                </a:tc>
-                <a:tc>
-                  <a:txBody>
-                    <a:bodyPr/>
-                    <a:lstStyle/>
-                    <a:p>
-                      <a:r>
-                        <a:rPr lang="en-US" sz="2600" cap="none" spc="0">
-                          <a:solidFill>
-                            <a:schemeClr val="tx1"/>
-                          </a:solidFill>
-                        </a:rPr>
-                        <a:t>10k</a:t>
-                      </a:r>
-                    </a:p>
-                  </a:txBody>
-                  <a:tcPr marL="222258" marR="165182" marT="170969" marB="170969">
-                    <a:lnL w="12700" cap="flat" cmpd="sng" algn="ctr">
-                      <a:solidFill>
-                        <a:schemeClr val="tx1"/>
-                      </a:solidFill>
-                      <a:prstDash val="solid"/>
-                      <a:round/>
-                      <a:headEnd type="none" w="med" len="med"/>
-                      <a:tailEnd type="none" w="med" len="med"/>
-                    </a:lnL>
-                    <a:lnR w="12700" cap="flat" cmpd="sng" algn="ctr">
-                      <a:solidFill>
-                        <a:schemeClr val="tx1"/>
-                      </a:solidFill>
-                      <a:prstDash val="solid"/>
-                      <a:round/>
-                      <a:headEnd type="none" w="med" len="med"/>
-                      <a:tailEnd type="none" w="med" len="med"/>
-                    </a:lnR>
-                    <a:lnT w="12700" cap="flat" cmpd="sng" algn="ctr">
-                      <a:solidFill>
-                        <a:schemeClr val="tx1"/>
-                      </a:solidFill>
-                      <a:prstDash val="solid"/>
-                      <a:round/>
-                      <a:headEnd type="none" w="med" len="med"/>
-                      <a:tailEnd type="none" w="med" len="med"/>
-                    </a:lnT>
-                    <a:lnB w="12700" cap="flat" cmpd="sng" algn="ctr">
-                      <a:solidFill>
-                        <a:schemeClr val="tx1"/>
-                      </a:solidFill>
-                      <a:prstDash val="solid"/>
-                      <a:round/>
-                      <a:headEnd type="none" w="med" len="med"/>
-                      <a:tailEnd type="none" w="med" len="med"/>
-                    </a:lnB>
-                    <a:lnTlToBr w="12700" cmpd="sng">
-                      <a:noFill/>
-                      <a:prstDash val="solid"/>
-                    </a:lnTlToBr>
-                    <a:lnBlToTr w="12700" cmpd="sng">
-                      <a:noFill/>
-                      <a:prstDash val="solid"/>
-                    </a:lnBlToTr>
-                    <a:solidFill>
-                      <a:schemeClr val="bg1">
-                        <a:lumMod val="85000"/>
-                      </a:schemeClr>
-                    </a:solidFill>
-                  </a:tcPr>
-                </a:tc>
-                <a:tc>
-                  <a:txBody>
-                    <a:bodyPr/>
-                    <a:lstStyle/>
-                    <a:p>
-                      <a:endParaRPr lang="en-US" sz="2600" cap="none" spc="0">
-                        <a:solidFill>
-                          <a:schemeClr val="tx1"/>
-                        </a:solidFill>
-                      </a:endParaRPr>
-                    </a:p>
-                  </a:txBody>
-                  <a:tcPr marL="222258" marR="165182" marT="170969" marB="170969">
-                    <a:lnL w="12700" cap="flat" cmpd="sng" algn="ctr">
-                      <a:solidFill>
-                        <a:schemeClr val="tx1"/>
-                      </a:solidFill>
-                      <a:prstDash val="solid"/>
-                      <a:round/>
-                      <a:headEnd type="none" w="med" len="med"/>
-                      <a:tailEnd type="none" w="med" len="med"/>
-                    </a:lnL>
-                    <a:lnR w="12700" cap="flat" cmpd="sng" algn="ctr">
-                      <a:solidFill>
-                        <a:schemeClr val="tx1"/>
-                      </a:solidFill>
-                      <a:prstDash val="solid"/>
-                      <a:round/>
-                      <a:headEnd type="none" w="med" len="med"/>
-                      <a:tailEnd type="none" w="med" len="med"/>
-                    </a:lnR>
-                    <a:lnT w="12700" cap="flat" cmpd="sng" algn="ctr">
-                      <a:solidFill>
-                        <a:schemeClr val="tx1"/>
-                      </a:solidFill>
-                      <a:prstDash val="solid"/>
-                      <a:round/>
-                      <a:headEnd type="none" w="med" len="med"/>
-                      <a:tailEnd type="none" w="med" len="med"/>
-                    </a:lnT>
-                    <a:lnB w="12700" cap="flat" cmpd="sng" algn="ctr">
-                      <a:solidFill>
-                        <a:schemeClr val="tx1"/>
-                      </a:solidFill>
-                      <a:prstDash val="solid"/>
-                      <a:round/>
-                      <a:headEnd type="none" w="med" len="med"/>
-                      <a:tailEnd type="none" w="med" len="med"/>
-                    </a:lnB>
-                    <a:lnTlToBr w="12700" cmpd="sng">
-                      <a:noFill/>
-                      <a:prstDash val="solid"/>
-                    </a:lnTlToBr>
-                    <a:lnBlToTr w="12700" cmpd="sng">
-                      <a:noFill/>
-                      <a:prstDash val="solid"/>
-                    </a:lnBlToTr>
-                    <a:solidFill>
-                      <a:schemeClr val="bg1">
-                        <a:lumMod val="85000"/>
-                      </a:schemeClr>
-                    </a:solidFill>
-                  </a:tcPr>
-                </a:tc>
-                <a:tc>
-                  <a:txBody>
-                    <a:bodyPr/>
-                    <a:lstStyle/>
-                    <a:p>
-                      <a:endParaRPr lang="en-US" sz="2600" cap="none" spc="0" dirty="0">
-                        <a:solidFill>
-                          <a:schemeClr val="tx1"/>
-                        </a:solidFill>
-                      </a:endParaRPr>
-                    </a:p>
-                  </a:txBody>
-                  <a:tcPr marL="222258" marR="165182" marT="170969" marB="170969">
-                    <a:lnL w="12700" cap="flat" cmpd="sng" algn="ctr">
-                      <a:solidFill>
-                        <a:schemeClr val="tx1"/>
-                      </a:solidFill>
-                      <a:prstDash val="solid"/>
-                      <a:round/>
-                      <a:headEnd type="none" w="med" len="med"/>
-                      <a:tailEnd type="none" w="med" len="med"/>
-                    </a:lnL>
-                    <a:lnR w="12700" cap="flat" cmpd="sng" algn="ctr">
-                      <a:solidFill>
-                        <a:schemeClr val="tx1"/>
-                      </a:solidFill>
-                      <a:prstDash val="solid"/>
-                      <a:round/>
-                      <a:headEnd type="none" w="med" len="med"/>
-                      <a:tailEnd type="none" w="med" len="med"/>
-                    </a:lnR>
-                    <a:lnT w="12700" cap="flat" cmpd="sng" algn="ctr">
-                      <a:solidFill>
-                        <a:schemeClr val="tx1"/>
-                      </a:solidFill>
-                      <a:prstDash val="solid"/>
-                      <a:round/>
-                      <a:headEnd type="none" w="med" len="med"/>
-                      <a:tailEnd type="none" w="med" len="med"/>
-                    </a:lnT>
-                    <a:lnB w="12700" cap="flat" cmpd="sng" algn="ctr">
-                      <a:solidFill>
-                        <a:schemeClr val="tx1"/>
-                      </a:solidFill>
-                      <a:prstDash val="solid"/>
-                      <a:round/>
-                      <a:headEnd type="none" w="med" len="med"/>
-                      <a:tailEnd type="none" w="med" len="med"/>
-                    </a:lnB>
-                    <a:lnTlToBr w="12700" cmpd="sng">
-                      <a:noFill/>
-                      <a:prstDash val="solid"/>
-                    </a:lnTlToBr>
-                    <a:lnBlToTr w="12700" cmpd="sng">
-                      <a:noFill/>
-                      <a:prstDash val="solid"/>
-                    </a:lnBlToTr>
-                    <a:solidFill>
-                      <a:schemeClr val="bg1">
-                        <a:lumMod val="85000"/>
-                      </a:schemeClr>
-                    </a:solidFill>
-                  </a:tcPr>
-                </a:tc>
-                <a:tc>
-                  <a:txBody>
-                    <a:bodyPr/>
-                    <a:lstStyle/>
-                    <a:p>
-                      <a:endParaRPr lang="en-US" sz="2600" cap="none" spc="0" dirty="0">
-                        <a:solidFill>
-                          <a:schemeClr val="tx1"/>
-                        </a:solidFill>
-                      </a:endParaRPr>
-                    </a:p>
-                  </a:txBody>
-                  <a:tcPr marL="222258" marR="165182" marT="170969" marB="170969">
-                    <a:lnL w="12700" cap="flat" cmpd="sng" algn="ctr">
-                      <a:solidFill>
-                        <a:schemeClr val="tx1"/>
-                      </a:solidFill>
-                      <a:prstDash val="solid"/>
-                      <a:round/>
-                      <a:headEnd type="none" w="med" len="med"/>
-                      <a:tailEnd type="none" w="med" len="med"/>
-                    </a:lnL>
-                    <a:lnR w="12700" cap="flat" cmpd="sng" algn="ctr">
-                      <a:solidFill>
-                        <a:schemeClr val="tx1"/>
-                      </a:solidFill>
-                      <a:prstDash val="solid"/>
-                      <a:round/>
-                      <a:headEnd type="none" w="med" len="med"/>
-                      <a:tailEnd type="none" w="med" len="med"/>
-                    </a:lnR>
-                    <a:lnT w="12700" cap="flat" cmpd="sng" algn="ctr">
-                      <a:solidFill>
-                        <a:schemeClr val="tx1"/>
-                      </a:solidFill>
-                      <a:prstDash val="solid"/>
-                      <a:round/>
-                      <a:headEnd type="none" w="med" len="med"/>
-                      <a:tailEnd type="none" w="med" len="med"/>
-                    </a:lnT>
-                    <a:lnB w="12700" cap="flat" cmpd="sng" algn="ctr">
-                      <a:solidFill>
-                        <a:schemeClr val="tx1"/>
-                      </a:solidFill>
-                      <a:prstDash val="solid"/>
-                      <a:round/>
-                      <a:headEnd type="none" w="med" len="med"/>
-                      <a:tailEnd type="none" w="med" len="med"/>
-                    </a:lnB>
-                    <a:lnTlToBr w="12700" cmpd="sng">
-                      <a:noFill/>
-                      <a:prstDash val="solid"/>
-                    </a:lnTlToBr>
-                    <a:lnBlToTr w="12700" cmpd="sng">
-                      <a:noFill/>
-                      <a:prstDash val="solid"/>
-                    </a:lnBlToTr>
-                    <a:solidFill>
-                      <a:schemeClr val="bg1">
-                        <a:lumMod val="85000"/>
-                      </a:schemeClr>
-                    </a:solidFill>
-                  </a:tcPr>
-                </a:tc>
-                <a:extLst>
-                  <a:ext uri="{0D108BD9-81ED-4DB2-BD59-A6C34878D82A}">
-                    <a16:rowId xmlns:a16="http://schemas.microsoft.com/office/drawing/2014/main" val="2818196496"/>
-                  </a:ext>
-                </a:extLst>
-              </a:tr>
-            </a:tbl>
-          </a:graphicData>
-        </a:graphic>
-      </p:graphicFrame>
+        </p:nvPicPr>
+        <p:blipFill>
+          <a:blip r:embed="rId2"/>
+          <a:stretch>
+            <a:fillRect/>
+          </a:stretch>
+        </p:blipFill>
+        <p:spPr>
+          <a:xfrm>
+            <a:off x="4038600" y="1313299"/>
+            <a:ext cx="4121528" cy="3091146"/>
+          </a:xfrm>
+          <a:prstGeom prst="rect">
+            <a:avLst/>
+          </a:prstGeom>
+        </p:spPr>
+      </p:pic>
+      <p:sp>
+        <p:nvSpPr>
+          <p:cNvPr id="4" name="Content Placeholder 3">
+            <a:extLst>
+              <a:ext uri="{FF2B5EF4-FFF2-40B4-BE49-F238E27FC236}">
+                <a16:creationId xmlns:a16="http://schemas.microsoft.com/office/drawing/2014/main" id="{2FCD8DFA-D50D-5940-A01C-175384B67EA5}"/>
+              </a:ext>
+            </a:extLst>
+          </p:cNvPr>
+          <p:cNvSpPr>
+            <a:spLocks noGrp="1"/>
+          </p:cNvSpPr>
+          <p:nvPr>
+            <p:ph sz="half" idx="1"/>
+          </p:nvPr>
+        </p:nvSpPr>
+        <p:spPr>
+          <a:xfrm>
+            <a:off x="4038600" y="4884873"/>
+            <a:ext cx="7188199" cy="1292090"/>
+          </a:xfrm>
+        </p:spPr>
+        <p:txBody>
+          <a:bodyPr vert="horz" lIns="91440" tIns="45720" rIns="91440" bIns="45720" rtlCol="0">
+            <a:normAutofit/>
+          </a:bodyPr>
+          <a:lstStyle/>
+          <a:p>
+            <a:r>
+              <a:rPr lang="en-US" sz="1800"/>
+              <a:t>For all ranges:</a:t>
+            </a:r>
+          </a:p>
+          <a:p>
+            <a:pPr lvl="1"/>
+            <a:r>
+              <a:rPr lang="en-US" sz="1800"/>
+              <a:t>Using VBL step size of 0.04V</a:t>
+            </a:r>
+          </a:p>
+          <a:p>
+            <a:pPr lvl="1"/>
+            <a:r>
+              <a:rPr lang="en-US" sz="1800"/>
+              <a:t>Using VBL start voltage of 0.4V</a:t>
+            </a:r>
+          </a:p>
+        </p:txBody>
+      </p:sp>
     </p:spTree>
     <p:extLst>
       <p:ext uri="{BB962C8B-B14F-4D97-AF65-F5344CB8AC3E}">
-        <p14:creationId xmlns:p14="http://schemas.microsoft.com/office/powerpoint/2010/main" val="2891184337"/>
+        <p14:creationId xmlns:p14="http://schemas.microsoft.com/office/powerpoint/2010/main" val="2589020222"/>
       </p:ext>
     </p:extLst>
   </p:cSld>
